--- a/Slides/Module 01.2 Requirements Gathering.pptx
+++ b/Slides/Module 01.2 Requirements Gathering.pptx
@@ -21681,7 +21681,12 @@
             <p:ph idx="1"/>
           </p:nvPr>
         </p:nvSpPr>
-        <p:spPr/>
+        <p:spPr>
+          <a:xfrm>
+            <a:off x="838199" y="1500160"/>
+            <a:ext cx="10515599" cy="4351338"/>
+          </a:xfrm>
+        </p:spPr>
         <p:txBody>
           <a:bodyPr/>
           <a:lstStyle/>

--- a/Slides/Module 01.2 Requirements Gathering.pptx
+++ b/Slides/Module 01.2 Requirements Gathering.pptx
@@ -5,7 +5,7 @@
     <p:sldMasterId id="2147483648" r:id="rId1"/>
   </p:sldMasterIdLst>
   <p:notesMasterIdLst>
-    <p:notesMasterId r:id="rId34"/>
+    <p:notesMasterId r:id="rId45"/>
   </p:notesMasterIdLst>
   <p:sldIdLst>
     <p:sldId id="485" r:id="rId2"/>
@@ -40,20 +40,31 @@
     <p:sldId id="496" r:id="rId31"/>
     <p:sldId id="495" r:id="rId32"/>
     <p:sldId id="498" r:id="rId33"/>
+    <p:sldId id="552" r:id="rId34"/>
+    <p:sldId id="553" r:id="rId35"/>
+    <p:sldId id="554" r:id="rId36"/>
+    <p:sldId id="555" r:id="rId37"/>
+    <p:sldId id="556" r:id="rId38"/>
+    <p:sldId id="557" r:id="rId39"/>
+    <p:sldId id="558" r:id="rId40"/>
+    <p:sldId id="559" r:id="rId41"/>
+    <p:sldId id="560" r:id="rId42"/>
+    <p:sldId id="561" r:id="rId43"/>
+    <p:sldId id="562" r:id="rId44"/>
   </p:sldIdLst>
   <p:sldSz cx="12192000" cy="6858000"/>
   <p:notesSz cx="9144000" cy="6858000"/>
   <p:embeddedFontLst>
     <p:embeddedFont>
       <p:font typeface="Ink Free" panose="03080402000500000000" pitchFamily="66" charset="0"/>
-      <p:regular r:id="rId35"/>
+      <p:regular r:id="rId46"/>
     </p:embeddedFont>
     <p:embeddedFont>
       <p:font typeface="Verdana" panose="020B0604030504040204" pitchFamily="34" charset="0"/>
-      <p:regular r:id="rId36"/>
-      <p:bold r:id="rId37"/>
-      <p:italic r:id="rId38"/>
-      <p:boldItalic r:id="rId39"/>
+      <p:regular r:id="rId47"/>
+      <p:bold r:id="rId48"/>
+      <p:italic r:id="rId49"/>
+      <p:boldItalic r:id="rId50"/>
     </p:embeddedFont>
   </p:embeddedFontLst>
   <p:defaultTextStyle>
@@ -188,6 +199,17 @@
             <p14:sldId id="496"/>
             <p14:sldId id="495"/>
             <p14:sldId id="498"/>
+            <p14:sldId id="552"/>
+            <p14:sldId id="553"/>
+            <p14:sldId id="554"/>
+            <p14:sldId id="555"/>
+            <p14:sldId id="556"/>
+            <p14:sldId id="557"/>
+            <p14:sldId id="558"/>
+            <p14:sldId id="559"/>
+            <p14:sldId id="560"/>
+            <p14:sldId id="561"/>
+            <p14:sldId id="562"/>
           </p14:sldIdLst>
         </p14:section>
       </p14:sectionLst>
@@ -2299,8 +2321,8 @@
     <dgm:cxn modelId="{0D619939-DF3D-4D20-BB53-412AF78EA558}" type="presOf" srcId="{ABB0E679-4682-422A-B4B3-34D44CC4C90C}" destId="{BBEC7333-A5CB-4B43-A34A-870E516E4DD6}" srcOrd="0" destOrd="0" presId="urn:microsoft.com/office/officeart/2018/2/layout/IconVerticalSolidList"/>
     <dgm:cxn modelId="{07AC9C4A-377E-4379-B550-8DB49E3862F9}" srcId="{ABB0E679-4682-422A-B4B3-34D44CC4C90C}" destId="{8859CDF6-BBF5-4A76-8A76-407071531CB6}" srcOrd="2" destOrd="0" parTransId="{4553293F-765F-468C-A52D-17712ED16F1F}" sibTransId="{CD3D3010-EDC9-481C-A822-9AFA251D0BAD}"/>
     <dgm:cxn modelId="{F7C5F74B-BB11-4F28-9F7E-23FE778011DC}" type="presOf" srcId="{79B77230-D940-49CC-AF47-BF1D40797D89}" destId="{D527155E-0657-496B-926B-6BBC0B628D07}" srcOrd="0" destOrd="0" presId="urn:microsoft.com/office/officeart/2018/2/layout/IconVerticalSolidList"/>
+    <dgm:cxn modelId="{16B49D51-0857-4A44-AD1A-0C1006418460}" srcId="{7851135E-E593-49EB-9C66-FB8F80DCC8EB}" destId="{0F25331F-8FB8-4E3A-87F2-3F285D74EB32}" srcOrd="2" destOrd="0" parTransId="{324E124D-8500-4C04-A0BA-6F6C2D553D81}" sibTransId="{4716CEE8-C882-4DFA-8AAE-CB3797F9F69F}"/>
     <dgm:cxn modelId="{BBA2886E-1FC2-4FFE-BF42-BABB70DB9D54}" srcId="{ABB0E679-4682-422A-B4B3-34D44CC4C90C}" destId="{79B77230-D940-49CC-AF47-BF1D40797D89}" srcOrd="0" destOrd="0" parTransId="{C50558CC-69DA-4C28-8CB9-2982E9088524}" sibTransId="{01A261DD-4242-4987-8459-53BA826F65E4}"/>
-    <dgm:cxn modelId="{16B49D51-0857-4A44-AD1A-0C1006418460}" srcId="{7851135E-E593-49EB-9C66-FB8F80DCC8EB}" destId="{0F25331F-8FB8-4E3A-87F2-3F285D74EB32}" srcOrd="2" destOrd="0" parTransId="{324E124D-8500-4C04-A0BA-6F6C2D553D81}" sibTransId="{4716CEE8-C882-4DFA-8AAE-CB3797F9F69F}"/>
     <dgm:cxn modelId="{6F534F79-49C3-49F2-B767-CA8451407698}" type="presOf" srcId="{2CC7D121-8A41-44D9-89BD-244AA28A42A0}" destId="{D527155E-0657-496B-926B-6BBC0B628D07}" srcOrd="0" destOrd="1" presId="urn:microsoft.com/office/officeart/2018/2/layout/IconVerticalSolidList"/>
     <dgm:cxn modelId="{83B9F09E-EAE2-4CC8-ADD5-C1D9758C0071}" type="presOf" srcId="{A898EC3E-4F02-462D-8397-BC48F29AE81B}" destId="{4FB2F518-2BF4-4FD7-A56E-47F3A3918E17}" srcOrd="0" destOrd="0" presId="urn:microsoft.com/office/officeart/2018/2/layout/IconVerticalSolidList"/>
     <dgm:cxn modelId="{D9C411B4-474A-4FB0-9E9B-1E92A378E566}" srcId="{289B9B18-ED8C-4F8C-B57D-E359AFC29DCD}" destId="{A898EC3E-4F02-462D-8397-BC48F29AE81B}" srcOrd="0" destOrd="0" parTransId="{AD9DCD49-7708-4181-B664-3E4D3C91E37D}" sibTransId="{5F251CD8-B93E-4310-9598-EB0F0D698564}"/>
@@ -6115,7 +6137,7 @@
           <a:p>
             <a:fld id="{7C7E5181-6CF5-45F7-A87A-E0E0B1FD7549}" type="datetimeFigureOut">
               <a:rPr lang="en-US" smtClean="0"/>
-              <a:t>12/30/2024</a:t>
+              <a:t>6/5/25</a:t>
             </a:fld>
             <a:endParaRPr lang="en-US"/>
           </a:p>
@@ -9425,7 +9447,7 @@
           <a:p>
             <a:fld id="{5D2A64DE-480B-420F-9649-4F8E696E08E0}" type="datetime1">
               <a:rPr lang="en-US" smtClean="0"/>
-              <a:t>12/30/2024</a:t>
+              <a:t>6/5/25</a:t>
             </a:fld>
             <a:endParaRPr lang="en-US"/>
           </a:p>
@@ -9749,7 +9771,7 @@
           <a:p>
             <a:fld id="{EA476A42-A091-4468-A075-64A31BE59948}" type="datetime1">
               <a:rPr lang="en-US" smtClean="0"/>
-              <a:t>12/30/2024</a:t>
+              <a:t>6/5/25</a:t>
             </a:fld>
             <a:endParaRPr lang="en-US"/>
           </a:p>
@@ -9947,7 +9969,7 @@
           <a:p>
             <a:fld id="{0D3616D0-8311-4107-9726-6B805E7D05BA}" type="datetime1">
               <a:rPr lang="en-US" smtClean="0"/>
-              <a:t>12/30/2024</a:t>
+              <a:t>6/5/25</a:t>
             </a:fld>
             <a:endParaRPr lang="en-US"/>
           </a:p>
@@ -10155,7 +10177,7 @@
           <a:p>
             <a:fld id="{3BC2557A-5C88-417A-A763-5AC779462A5F}" type="datetime1">
               <a:rPr lang="en-US" smtClean="0"/>
-              <a:t>12/30/2024</a:t>
+              <a:t>6/5/25</a:t>
             </a:fld>
             <a:endParaRPr lang="en-US"/>
           </a:p>
@@ -10679,7 +10701,7 @@
           <a:p>
             <a:fld id="{07C7BFD4-467E-4EDE-93EA-052F5B39A4E5}" type="datetime1">
               <a:rPr lang="en-US" smtClean="0"/>
-              <a:t>12/30/2024</a:t>
+              <a:t>6/5/25</a:t>
             </a:fld>
             <a:endParaRPr lang="en-US"/>
           </a:p>
@@ -10929,7 +10951,7 @@
           <a:p>
             <a:fld id="{07C7BFD4-467E-4EDE-93EA-052F5B39A4E5}" type="datetime1">
               <a:rPr lang="en-US" smtClean="0"/>
-              <a:t>12/30/2024</a:t>
+              <a:t>6/5/25</a:t>
             </a:fld>
             <a:endParaRPr lang="en-US"/>
           </a:p>
@@ -11111,7 +11133,7 @@
           <a:p>
             <a:fld id="{109E55A0-C911-4F03-82FC-7E5926047D46}" type="datetime1">
               <a:rPr lang="en-US" smtClean="0"/>
-              <a:t>12/30/2024</a:t>
+              <a:t>6/5/25</a:t>
             </a:fld>
             <a:endParaRPr lang="en-US"/>
           </a:p>
@@ -11424,7 +11446,7 @@
           <a:p>
             <a:fld id="{A533CBE2-D5BE-47AC-ADC2-9CDFC1D0CF90}" type="datetime1">
               <a:rPr lang="en-US" smtClean="0"/>
-              <a:t>12/30/2024</a:t>
+              <a:t>6/5/25</a:t>
             </a:fld>
             <a:endParaRPr lang="en-US"/>
           </a:p>
@@ -11725,7 +11747,7 @@
           <a:p>
             <a:fld id="{39B7EDB1-CE74-4951-85A2-0B01C2128E28}" type="datetime1">
               <a:rPr lang="en-US" smtClean="0"/>
-              <a:t>12/30/2024</a:t>
+              <a:t>6/5/25</a:t>
             </a:fld>
             <a:endParaRPr lang="en-US"/>
           </a:p>
@@ -12173,7 +12195,7 @@
           <a:p>
             <a:fld id="{2BC7EB92-A5C2-4807-A9DC-9EDE6CBFB241}" type="datetime1">
               <a:rPr lang="en-US" smtClean="0"/>
-              <a:t>12/30/2024</a:t>
+              <a:t>6/5/25</a:t>
             </a:fld>
             <a:endParaRPr lang="en-US"/>
           </a:p>
@@ -12286,7 +12308,7 @@
           <a:p>
             <a:fld id="{2B7B7EE0-7771-4CD5-9B2B-3550753A54A1}" type="datetime1">
               <a:rPr lang="en-US" smtClean="0"/>
-              <a:t>12/30/2024</a:t>
+              <a:t>6/5/25</a:t>
             </a:fld>
             <a:endParaRPr lang="en-US"/>
           </a:p>
@@ -12597,7 +12619,7 @@
           <a:p>
             <a:fld id="{F8B318B3-0E87-4416-A9B8-D891968C2727}" type="datetime1">
               <a:rPr lang="en-US" smtClean="0"/>
-              <a:t>12/30/2024</a:t>
+              <a:t>6/5/25</a:t>
             </a:fld>
             <a:endParaRPr lang="en-US"/>
           </a:p>
@@ -12838,7 +12860,7 @@
           <a:p>
             <a:fld id="{54D997E8-DDEE-43F1-8D9B-F8A1E11DE488}" type="datetime1">
               <a:rPr lang="en-US" smtClean="0"/>
-              <a:t>12/30/2024</a:t>
+              <a:t>6/5/25</a:t>
             </a:fld>
             <a:endParaRPr lang="en-US"/>
           </a:p>
@@ -18786,6 +18808,2147 @@
 </p:sld>
 </file>
 
+<file path=ppt/slides/slide33.xml><?xml version="1.0" encoding="utf-8"?>
+<p:sld xmlns:a="http://schemas.openxmlformats.org/drawingml/2006/main" xmlns:r="http://schemas.openxmlformats.org/officeDocument/2006/relationships" xmlns:p="http://schemas.openxmlformats.org/presentationml/2006/main">
+  <p:cSld>
+    <p:spTree>
+      <p:nvGrpSpPr>
+        <p:cNvPr id="1" name=""/>
+        <p:cNvGrpSpPr/>
+        <p:nvPr/>
+      </p:nvGrpSpPr>
+      <p:grpSpPr>
+        <a:xfrm>
+          <a:off x="0" y="0"/>
+          <a:ext cx="0" cy="0"/>
+          <a:chOff x="0" y="0"/>
+          <a:chExt cx="0" cy="0"/>
+        </a:xfrm>
+      </p:grpSpPr>
+      <p:sp>
+        <p:nvSpPr>
+          <p:cNvPr id="2" name="Title 1">
+            <a:extLst>
+              <a:ext uri="{FF2B5EF4-FFF2-40B4-BE49-F238E27FC236}">
+                <a16:creationId xmlns:a16="http://schemas.microsoft.com/office/drawing/2014/main" id="{6D7FE7B3-C6CB-6B03-07B9-822FC3676710}"/>
+              </a:ext>
+            </a:extLst>
+          </p:cNvPr>
+          <p:cNvSpPr>
+            <a:spLocks noGrp="1"/>
+          </p:cNvSpPr>
+          <p:nvPr>
+            <p:ph type="title"/>
+          </p:nvPr>
+        </p:nvSpPr>
+        <p:spPr/>
+        <p:txBody>
+          <a:bodyPr/>
+          <a:lstStyle/>
+          <a:p>
+            <a:r>
+              <a:rPr lang="en-US" dirty="0"/>
+              <a:t>Ethics and Value Sensitive Design</a:t>
+            </a:r>
+          </a:p>
+        </p:txBody>
+      </p:sp>
+      <p:sp>
+        <p:nvSpPr>
+          <p:cNvPr id="3" name="Content Placeholder 2">
+            <a:extLst>
+              <a:ext uri="{FF2B5EF4-FFF2-40B4-BE49-F238E27FC236}">
+                <a16:creationId xmlns:a16="http://schemas.microsoft.com/office/drawing/2014/main" id="{B78E0F47-C40D-AF55-04F9-C6043963616F}"/>
+              </a:ext>
+            </a:extLst>
+          </p:cNvPr>
+          <p:cNvSpPr>
+            <a:spLocks noGrp="1"/>
+          </p:cNvSpPr>
+          <p:nvPr>
+            <p:ph idx="1"/>
+          </p:nvPr>
+        </p:nvSpPr>
+        <p:spPr>
+          <a:xfrm>
+            <a:off x="838200" y="1500160"/>
+            <a:ext cx="10400414" cy="4351338"/>
+          </a:xfrm>
+        </p:spPr>
+        <p:txBody>
+          <a:bodyPr/>
+          <a:lstStyle/>
+          <a:p>
+            <a:r>
+              <a:rPr lang="en-US" dirty="0"/>
+              <a:t>Technology is the result of human imagination</a:t>
+            </a:r>
+          </a:p>
+          <a:p>
+            <a:r>
+              <a:rPr lang="en-US" b="1" dirty="0"/>
+              <a:t>All</a:t>
+            </a:r>
+            <a:r>
+              <a:rPr lang="en-US" dirty="0"/>
+              <a:t> technology involves design all design involves choices among possible options</a:t>
+            </a:r>
+          </a:p>
+          <a:p>
+            <a:r>
+              <a:rPr lang="en-US" dirty="0"/>
+              <a:t>All design reflects </a:t>
+            </a:r>
+            <a:r>
+              <a:rPr lang="en-US" b="1" dirty="0"/>
+              <a:t>values</a:t>
+            </a:r>
+          </a:p>
+          <a:p>
+            <a:r>
+              <a:rPr lang="en-US" dirty="0"/>
+              <a:t>Therefore, </a:t>
+            </a:r>
+            <a:r>
+              <a:rPr lang="en-US" b="1" dirty="0"/>
+              <a:t>technologies </a:t>
+            </a:r>
+            <a:r>
+              <a:rPr lang="en-US" dirty="0"/>
+              <a:t>reflect and affect human values</a:t>
+            </a:r>
+          </a:p>
+          <a:p>
+            <a:r>
+              <a:rPr lang="en-US" dirty="0"/>
+              <a:t>Ignoring values in the requirements and design process is </a:t>
+            </a:r>
+            <a:r>
+              <a:rPr lang="en-US" b="1" dirty="0"/>
+              <a:t>irresponsible</a:t>
+            </a:r>
+            <a:r>
+              <a:rPr lang="en-US" dirty="0"/>
+              <a:t>.</a:t>
+            </a:r>
+          </a:p>
+        </p:txBody>
+      </p:sp>
+      <p:sp>
+        <p:nvSpPr>
+          <p:cNvPr id="4" name="Slide Number Placeholder 3">
+            <a:extLst>
+              <a:ext uri="{FF2B5EF4-FFF2-40B4-BE49-F238E27FC236}">
+                <a16:creationId xmlns:a16="http://schemas.microsoft.com/office/drawing/2014/main" id="{F781C33C-0916-3DED-5FA4-D82F64A35D84}"/>
+              </a:ext>
+            </a:extLst>
+          </p:cNvPr>
+          <p:cNvSpPr>
+            <a:spLocks noGrp="1"/>
+          </p:cNvSpPr>
+          <p:nvPr>
+            <p:ph type="sldNum" sz="quarter" idx="12"/>
+          </p:nvPr>
+        </p:nvSpPr>
+        <p:spPr/>
+        <p:txBody>
+          <a:bodyPr/>
+          <a:lstStyle/>
+          <a:p>
+            <a:fld id="{20F37917-FD3A-4669-9018-DA04BCDD3D75}" type="slidenum">
+              <a:rPr lang="en-US" smtClean="0"/>
+              <a:t>33</a:t>
+            </a:fld>
+            <a:endParaRPr lang="en-US"/>
+          </a:p>
+        </p:txBody>
+      </p:sp>
+    </p:spTree>
+    <p:extLst>
+      <p:ext uri="{BB962C8B-B14F-4D97-AF65-F5344CB8AC3E}">
+        <p14:creationId xmlns:p14="http://schemas.microsoft.com/office/powerpoint/2010/main" val="4059357005"/>
+      </p:ext>
+    </p:extLst>
+  </p:cSld>
+  <p:clrMapOvr>
+    <a:masterClrMapping/>
+  </p:clrMapOvr>
+</p:sld>
+</file>
+
+<file path=ppt/slides/slide34.xml><?xml version="1.0" encoding="utf-8"?>
+<p:sld xmlns:a="http://schemas.openxmlformats.org/drawingml/2006/main" xmlns:r="http://schemas.openxmlformats.org/officeDocument/2006/relationships" xmlns:p="http://schemas.openxmlformats.org/presentationml/2006/main">
+  <p:cSld>
+    <p:spTree>
+      <p:nvGrpSpPr>
+        <p:cNvPr id="1" name=""/>
+        <p:cNvGrpSpPr/>
+        <p:nvPr/>
+      </p:nvGrpSpPr>
+      <p:grpSpPr>
+        <a:xfrm>
+          <a:off x="0" y="0"/>
+          <a:ext cx="0" cy="0"/>
+          <a:chOff x="0" y="0"/>
+          <a:chExt cx="0" cy="0"/>
+        </a:xfrm>
+      </p:grpSpPr>
+      <p:sp>
+        <p:nvSpPr>
+          <p:cNvPr id="2" name="Title 1">
+            <a:extLst>
+              <a:ext uri="{FF2B5EF4-FFF2-40B4-BE49-F238E27FC236}">
+                <a16:creationId xmlns:a16="http://schemas.microsoft.com/office/drawing/2014/main" id="{C2EB4C0D-B7BA-2B69-235B-3C7F599C7C4D}"/>
+              </a:ext>
+            </a:extLst>
+          </p:cNvPr>
+          <p:cNvSpPr>
+            <a:spLocks noGrp="1"/>
+          </p:cNvSpPr>
+          <p:nvPr>
+            <p:ph type="title"/>
+          </p:nvPr>
+        </p:nvSpPr>
+        <p:spPr/>
+        <p:txBody>
+          <a:bodyPr/>
+          <a:lstStyle/>
+          <a:p>
+            <a:r>
+              <a:rPr lang="en-US" dirty="0"/>
+              <a:t>Ethics and Value Sensitive Design</a:t>
+            </a:r>
+          </a:p>
+        </p:txBody>
+      </p:sp>
+      <p:sp>
+        <p:nvSpPr>
+          <p:cNvPr id="3" name="Content Placeholder 2">
+            <a:extLst>
+              <a:ext uri="{FF2B5EF4-FFF2-40B4-BE49-F238E27FC236}">
+                <a16:creationId xmlns:a16="http://schemas.microsoft.com/office/drawing/2014/main" id="{76701B85-522F-923C-BFFD-0769C582733A}"/>
+              </a:ext>
+            </a:extLst>
+          </p:cNvPr>
+          <p:cNvSpPr>
+            <a:spLocks noGrp="1"/>
+          </p:cNvSpPr>
+          <p:nvPr>
+            <p:ph idx="1"/>
+          </p:nvPr>
+        </p:nvSpPr>
+        <p:spPr/>
+        <p:txBody>
+          <a:bodyPr/>
+          <a:lstStyle/>
+          <a:p>
+            <a:r>
+              <a:rPr lang="en-US" dirty="0"/>
+              <a:t>Briefly describe a case study to illustrate the role of ethics in VSD. Some examples are but not limited to</a:t>
+            </a:r>
+          </a:p>
+          <a:p>
+            <a:pPr lvl="1"/>
+            <a:r>
+              <a:rPr lang="en-US" dirty="0"/>
+              <a:t>The Facebook like Button</a:t>
+            </a:r>
+          </a:p>
+          <a:p>
+            <a:pPr lvl="1"/>
+            <a:r>
+              <a:rPr lang="en-US" dirty="0"/>
+              <a:t>Cookies in browsers</a:t>
+            </a:r>
+          </a:p>
+          <a:p>
+            <a:pPr lvl="1"/>
+            <a:r>
+              <a:rPr lang="en-US" dirty="0"/>
+              <a:t>Feel free to think of more . . .</a:t>
+            </a:r>
+          </a:p>
+        </p:txBody>
+      </p:sp>
+      <p:sp>
+        <p:nvSpPr>
+          <p:cNvPr id="4" name="Slide Number Placeholder 3">
+            <a:extLst>
+              <a:ext uri="{FF2B5EF4-FFF2-40B4-BE49-F238E27FC236}">
+                <a16:creationId xmlns:a16="http://schemas.microsoft.com/office/drawing/2014/main" id="{334DFB7C-50AD-725A-7432-FC7C11ED7DA7}"/>
+              </a:ext>
+            </a:extLst>
+          </p:cNvPr>
+          <p:cNvSpPr>
+            <a:spLocks noGrp="1"/>
+          </p:cNvSpPr>
+          <p:nvPr>
+            <p:ph type="sldNum" sz="quarter" idx="12"/>
+          </p:nvPr>
+        </p:nvSpPr>
+        <p:spPr/>
+        <p:txBody>
+          <a:bodyPr/>
+          <a:lstStyle/>
+          <a:p>
+            <a:fld id="{20F37917-FD3A-4669-9018-DA04BCDD3D75}" type="slidenum">
+              <a:rPr lang="en-US" smtClean="0"/>
+              <a:t>34</a:t>
+            </a:fld>
+            <a:endParaRPr lang="en-US"/>
+          </a:p>
+        </p:txBody>
+      </p:sp>
+    </p:spTree>
+    <p:extLst>
+      <p:ext uri="{BB962C8B-B14F-4D97-AF65-F5344CB8AC3E}">
+        <p14:creationId xmlns:p14="http://schemas.microsoft.com/office/powerpoint/2010/main" val="3280225519"/>
+      </p:ext>
+    </p:extLst>
+  </p:cSld>
+  <p:clrMapOvr>
+    <a:masterClrMapping/>
+  </p:clrMapOvr>
+</p:sld>
+</file>
+
+<file path=ppt/slides/slide35.xml><?xml version="1.0" encoding="utf-8"?>
+<p:sld xmlns:a="http://schemas.openxmlformats.org/drawingml/2006/main" xmlns:r="http://schemas.openxmlformats.org/officeDocument/2006/relationships" xmlns:p="http://schemas.openxmlformats.org/presentationml/2006/main">
+  <p:cSld>
+    <p:spTree>
+      <p:nvGrpSpPr>
+        <p:cNvPr id="1" name=""/>
+        <p:cNvGrpSpPr/>
+        <p:nvPr/>
+      </p:nvGrpSpPr>
+      <p:grpSpPr>
+        <a:xfrm>
+          <a:off x="0" y="0"/>
+          <a:ext cx="0" cy="0"/>
+          <a:chOff x="0" y="0"/>
+          <a:chExt cx="0" cy="0"/>
+        </a:xfrm>
+      </p:grpSpPr>
+      <p:sp>
+        <p:nvSpPr>
+          <p:cNvPr id="2" name="Title 1">
+            <a:extLst>
+              <a:ext uri="{FF2B5EF4-FFF2-40B4-BE49-F238E27FC236}">
+                <a16:creationId xmlns:a16="http://schemas.microsoft.com/office/drawing/2014/main" id="{ECD5C6A6-5DF9-60A4-B8BB-1393E176932C}"/>
+              </a:ext>
+            </a:extLst>
+          </p:cNvPr>
+          <p:cNvSpPr>
+            <a:spLocks noGrp="1"/>
+          </p:cNvSpPr>
+          <p:nvPr>
+            <p:ph type="title"/>
+          </p:nvPr>
+        </p:nvSpPr>
+        <p:spPr/>
+        <p:txBody>
+          <a:bodyPr/>
+          <a:lstStyle/>
+          <a:p>
+            <a:r>
+              <a:rPr lang="en-US" dirty="0"/>
+              <a:t>Value Sensitive Design (VSD)</a:t>
+            </a:r>
+          </a:p>
+        </p:txBody>
+      </p:sp>
+      <p:sp>
+        <p:nvSpPr>
+          <p:cNvPr id="3" name="Content Placeholder 2">
+            <a:extLst>
+              <a:ext uri="{FF2B5EF4-FFF2-40B4-BE49-F238E27FC236}">
+                <a16:creationId xmlns:a16="http://schemas.microsoft.com/office/drawing/2014/main" id="{B0684EA3-7340-24A6-013C-665AAFD49E3C}"/>
+              </a:ext>
+            </a:extLst>
+          </p:cNvPr>
+          <p:cNvSpPr>
+            <a:spLocks noGrp="1"/>
+          </p:cNvSpPr>
+          <p:nvPr>
+            <p:ph idx="1"/>
+          </p:nvPr>
+        </p:nvSpPr>
+        <p:spPr/>
+        <p:txBody>
+          <a:bodyPr/>
+          <a:lstStyle/>
+          <a:p>
+            <a:pPr>
+              <a:buFont typeface="Wingdings" pitchFamily="2" charset="2"/>
+              <a:buChar char="Ø"/>
+            </a:pPr>
+            <a:r>
+              <a:rPr lang="en-US" dirty="0"/>
+              <a:t>The design of technology is informed by values.</a:t>
+            </a:r>
+          </a:p>
+          <a:p>
+            <a:pPr marL="0" indent="0">
+              <a:buNone/>
+            </a:pPr>
+            <a:endParaRPr lang="en-US" dirty="0"/>
+          </a:p>
+          <a:p>
+            <a:pPr>
+              <a:buFont typeface="Wingdings" pitchFamily="2" charset="2"/>
+              <a:buChar char="Ø"/>
+            </a:pPr>
+            <a:r>
+              <a:rPr lang="en-US" dirty="0"/>
+              <a:t>The design of technology can help realize values or frustrate the realization of values.</a:t>
+            </a:r>
+          </a:p>
+          <a:p>
+            <a:pPr marL="0" indent="0">
+              <a:buNone/>
+            </a:pPr>
+            <a:endParaRPr lang="en-US" dirty="0"/>
+          </a:p>
+          <a:p>
+            <a:pPr marL="0" indent="0">
+              <a:buNone/>
+            </a:pPr>
+            <a:endParaRPr lang="en-US" dirty="0"/>
+          </a:p>
+        </p:txBody>
+      </p:sp>
+      <p:sp>
+        <p:nvSpPr>
+          <p:cNvPr id="4" name="Slide Number Placeholder 3">
+            <a:extLst>
+              <a:ext uri="{FF2B5EF4-FFF2-40B4-BE49-F238E27FC236}">
+                <a16:creationId xmlns:a16="http://schemas.microsoft.com/office/drawing/2014/main" id="{86EB4CAF-E90E-E020-3B21-F72456C65105}"/>
+              </a:ext>
+            </a:extLst>
+          </p:cNvPr>
+          <p:cNvSpPr>
+            <a:spLocks noGrp="1"/>
+          </p:cNvSpPr>
+          <p:nvPr>
+            <p:ph type="sldNum" sz="quarter" idx="12"/>
+          </p:nvPr>
+        </p:nvSpPr>
+        <p:spPr/>
+        <p:txBody>
+          <a:bodyPr/>
+          <a:lstStyle/>
+          <a:p>
+            <a:fld id="{20F37917-FD3A-4669-9018-DA04BCDD3D75}" type="slidenum">
+              <a:rPr lang="en-US" smtClean="0"/>
+              <a:t>35</a:t>
+            </a:fld>
+            <a:endParaRPr lang="en-US"/>
+          </a:p>
+        </p:txBody>
+      </p:sp>
+    </p:spTree>
+    <p:extLst>
+      <p:ext uri="{BB962C8B-B14F-4D97-AF65-F5344CB8AC3E}">
+        <p14:creationId xmlns:p14="http://schemas.microsoft.com/office/powerpoint/2010/main" val="1527192930"/>
+      </p:ext>
+    </p:extLst>
+  </p:cSld>
+  <p:clrMapOvr>
+    <a:masterClrMapping/>
+  </p:clrMapOvr>
+</p:sld>
+</file>
+
+<file path=ppt/slides/slide36.xml><?xml version="1.0" encoding="utf-8"?>
+<p:sld xmlns:a="http://schemas.openxmlformats.org/drawingml/2006/main" xmlns:r="http://schemas.openxmlformats.org/officeDocument/2006/relationships" xmlns:p="http://schemas.openxmlformats.org/presentationml/2006/main">
+  <p:cSld>
+    <p:spTree>
+      <p:nvGrpSpPr>
+        <p:cNvPr id="1" name=""/>
+        <p:cNvGrpSpPr/>
+        <p:nvPr/>
+      </p:nvGrpSpPr>
+      <p:grpSpPr>
+        <a:xfrm>
+          <a:off x="0" y="0"/>
+          <a:ext cx="0" cy="0"/>
+          <a:chOff x="0" y="0"/>
+          <a:chExt cx="0" cy="0"/>
+        </a:xfrm>
+      </p:grpSpPr>
+      <p:sp>
+        <p:nvSpPr>
+          <p:cNvPr id="2" name="Title 1">
+            <a:extLst>
+              <a:ext uri="{FF2B5EF4-FFF2-40B4-BE49-F238E27FC236}">
+                <a16:creationId xmlns:a16="http://schemas.microsoft.com/office/drawing/2014/main" id="{A1BC45B7-C3B3-528F-B1BB-79C1B4293EE0}"/>
+              </a:ext>
+            </a:extLst>
+          </p:cNvPr>
+          <p:cNvSpPr>
+            <a:spLocks noGrp="1"/>
+          </p:cNvSpPr>
+          <p:nvPr>
+            <p:ph type="title"/>
+          </p:nvPr>
+        </p:nvSpPr>
+        <p:spPr/>
+        <p:txBody>
+          <a:bodyPr/>
+          <a:lstStyle/>
+          <a:p>
+            <a:r>
+              <a:rPr lang="en-US" dirty="0"/>
+              <a:t>VSD in Brief</a:t>
+            </a:r>
+          </a:p>
+        </p:txBody>
+      </p:sp>
+      <p:sp>
+        <p:nvSpPr>
+          <p:cNvPr id="3" name="Content Placeholder 2">
+            <a:extLst>
+              <a:ext uri="{FF2B5EF4-FFF2-40B4-BE49-F238E27FC236}">
+                <a16:creationId xmlns:a16="http://schemas.microsoft.com/office/drawing/2014/main" id="{45CBFF48-4524-5C3E-6779-236CBCD0B337}"/>
+              </a:ext>
+            </a:extLst>
+          </p:cNvPr>
+          <p:cNvSpPr>
+            <a:spLocks noGrp="1"/>
+          </p:cNvSpPr>
+          <p:nvPr>
+            <p:ph idx="1"/>
+          </p:nvPr>
+        </p:nvSpPr>
+        <p:spPr>
+          <a:xfrm>
+            <a:off x="838200" y="1500160"/>
+            <a:ext cx="4701363" cy="4351338"/>
+          </a:xfrm>
+        </p:spPr>
+        <p:txBody>
+          <a:bodyPr>
+            <a:normAutofit fontScale="85000" lnSpcReduction="20000"/>
+          </a:bodyPr>
+          <a:lstStyle/>
+          <a:p>
+            <a:pPr marL="0" indent="0">
+              <a:buNone/>
+            </a:pPr>
+            <a:r>
+              <a:rPr lang="en-US" dirty="0"/>
+              <a:t>VSD is a(n) . . . </a:t>
+            </a:r>
+          </a:p>
+          <a:p>
+            <a:pPr marL="0" indent="0">
+              <a:buNone/>
+            </a:pPr>
+            <a:endParaRPr lang="en-US" dirty="0"/>
+          </a:p>
+          <a:p>
+            <a:pPr marL="0" indent="0">
+              <a:buNone/>
+            </a:pPr>
+            <a:r>
+              <a:rPr lang="en-US" b="1" dirty="0"/>
+              <a:t>Outlook</a:t>
+            </a:r>
+            <a:r>
+              <a:rPr lang="en-US" dirty="0"/>
+              <a:t> for seeing the values in technology design</a:t>
+            </a:r>
+          </a:p>
+          <a:p>
+            <a:pPr marL="0" indent="0">
+              <a:buNone/>
+            </a:pPr>
+            <a:endParaRPr lang="en-US" dirty="0"/>
+          </a:p>
+          <a:p>
+            <a:pPr marL="0" indent="0">
+              <a:buNone/>
+            </a:pPr>
+            <a:r>
+              <a:rPr lang="en-US" b="1" dirty="0"/>
+              <a:t>Process</a:t>
+            </a:r>
+            <a:r>
+              <a:rPr lang="en-US" dirty="0"/>
+              <a:t> for making value-based choices within design</a:t>
+            </a:r>
+          </a:p>
+          <a:p>
+            <a:r>
+              <a:rPr lang="en-US" dirty="0"/>
+              <a:t>Combines </a:t>
+            </a:r>
+            <a:r>
+              <a:rPr lang="en-US" b="1" dirty="0"/>
+              <a:t>empirical</a:t>
+            </a:r>
+            <a:r>
+              <a:rPr lang="en-US" dirty="0"/>
+              <a:t>, </a:t>
+            </a:r>
+            <a:r>
+              <a:rPr lang="en-US" b="1" dirty="0"/>
+              <a:t>value</a:t>
+            </a:r>
+            <a:r>
+              <a:rPr lang="en-US" dirty="0"/>
+              <a:t>, and </a:t>
+            </a:r>
+            <a:r>
+              <a:rPr lang="en-US" b="1" dirty="0"/>
+              <a:t>technical</a:t>
+            </a:r>
+            <a:r>
+              <a:rPr lang="en-US" dirty="0"/>
+              <a:t> investigations</a:t>
+            </a:r>
+          </a:p>
+          <a:p>
+            <a:r>
+              <a:rPr lang="en-US" dirty="0"/>
+              <a:t>Design solutions that incorporate the values held by </a:t>
+            </a:r>
+            <a:r>
+              <a:rPr lang="en-US" b="1" dirty="0"/>
+              <a:t>stakeholders</a:t>
+            </a:r>
+          </a:p>
+          <a:p>
+            <a:r>
+              <a:rPr lang="en-US" dirty="0"/>
+              <a:t>Considers problems and solutions from </a:t>
+            </a:r>
+            <a:r>
+              <a:rPr lang="en-US" b="1" dirty="0"/>
+              <a:t>diverse perspectives</a:t>
+            </a:r>
+          </a:p>
+        </p:txBody>
+      </p:sp>
+      <p:sp>
+        <p:nvSpPr>
+          <p:cNvPr id="4" name="Slide Number Placeholder 3">
+            <a:extLst>
+              <a:ext uri="{FF2B5EF4-FFF2-40B4-BE49-F238E27FC236}">
+                <a16:creationId xmlns:a16="http://schemas.microsoft.com/office/drawing/2014/main" id="{52F51AE8-7E6C-E80A-9C51-1DDE96887DEC}"/>
+              </a:ext>
+            </a:extLst>
+          </p:cNvPr>
+          <p:cNvSpPr>
+            <a:spLocks noGrp="1"/>
+          </p:cNvSpPr>
+          <p:nvPr>
+            <p:ph type="sldNum" sz="quarter" idx="12"/>
+          </p:nvPr>
+        </p:nvSpPr>
+        <p:spPr/>
+        <p:txBody>
+          <a:bodyPr/>
+          <a:lstStyle/>
+          <a:p>
+            <a:fld id="{20F37917-FD3A-4669-9018-DA04BCDD3D75}" type="slidenum">
+              <a:rPr lang="en-US" smtClean="0"/>
+              <a:t>36</a:t>
+            </a:fld>
+            <a:endParaRPr lang="en-US"/>
+          </a:p>
+        </p:txBody>
+      </p:sp>
+      <p:sp>
+        <p:nvSpPr>
+          <p:cNvPr id="5" name="Content Placeholder 2">
+            <a:extLst>
+              <a:ext uri="{FF2B5EF4-FFF2-40B4-BE49-F238E27FC236}">
+                <a16:creationId xmlns:a16="http://schemas.microsoft.com/office/drawing/2014/main" id="{FAA45642-A29F-F5B7-7D27-AC7467651222}"/>
+              </a:ext>
+            </a:extLst>
+          </p:cNvPr>
+          <p:cNvSpPr txBox="1">
+            <a:spLocks/>
+          </p:cNvSpPr>
+          <p:nvPr/>
+        </p:nvSpPr>
+        <p:spPr>
+          <a:xfrm>
+            <a:off x="6498265" y="1500160"/>
+            <a:ext cx="4701363" cy="4351338"/>
+          </a:xfrm>
+          <a:prstGeom prst="rect">
+            <a:avLst/>
+          </a:prstGeom>
+        </p:spPr>
+        <p:txBody>
+          <a:bodyPr vert="horz" lIns="91440" tIns="45720" rIns="91440" bIns="45720" rtlCol="0">
+            <a:normAutofit fontScale="85000" lnSpcReduction="20000"/>
+          </a:bodyPr>
+          <a:lstStyle>
+            <a:lvl1pPr marL="228600" indent="-228600" algn="l" defTabSz="914400" rtl="0" eaLnBrk="1" latinLnBrk="0" hangingPunct="1">
+              <a:lnSpc>
+                <a:spcPct val="90000"/>
+              </a:lnSpc>
+              <a:spcBef>
+                <a:spcPts val="1000"/>
+              </a:spcBef>
+              <a:buFont typeface="Arial" panose="020B0604020202020204" pitchFamily="34" charset="0"/>
+              <a:buChar char="•"/>
+              <a:defRPr sz="2800" kern="1200">
+                <a:solidFill>
+                  <a:schemeClr val="tx1"/>
+                </a:solidFill>
+                <a:latin typeface="+mn-lt"/>
+                <a:ea typeface="+mn-ea"/>
+                <a:cs typeface="+mn-cs"/>
+              </a:defRPr>
+            </a:lvl1pPr>
+            <a:lvl2pPr marL="685800" indent="-228600" algn="l" defTabSz="914400" rtl="0" eaLnBrk="1" latinLnBrk="0" hangingPunct="1">
+              <a:lnSpc>
+                <a:spcPct val="90000"/>
+              </a:lnSpc>
+              <a:spcBef>
+                <a:spcPts val="500"/>
+              </a:spcBef>
+              <a:buFont typeface="Arial" panose="020B0604020202020204" pitchFamily="34" charset="0"/>
+              <a:buChar char="•"/>
+              <a:defRPr sz="2400" kern="1200">
+                <a:solidFill>
+                  <a:schemeClr val="tx1"/>
+                </a:solidFill>
+                <a:latin typeface="+mn-lt"/>
+                <a:ea typeface="+mn-ea"/>
+                <a:cs typeface="+mn-cs"/>
+              </a:defRPr>
+            </a:lvl2pPr>
+            <a:lvl3pPr marL="1143000" indent="-228600" algn="l" defTabSz="914400" rtl="0" eaLnBrk="1" latinLnBrk="0" hangingPunct="1">
+              <a:lnSpc>
+                <a:spcPct val="90000"/>
+              </a:lnSpc>
+              <a:spcBef>
+                <a:spcPts val="500"/>
+              </a:spcBef>
+              <a:buFont typeface="Arial" panose="020B0604020202020204" pitchFamily="34" charset="0"/>
+              <a:buChar char="•"/>
+              <a:defRPr sz="2000" kern="1200">
+                <a:solidFill>
+                  <a:schemeClr val="tx1"/>
+                </a:solidFill>
+                <a:latin typeface="+mn-lt"/>
+                <a:ea typeface="+mn-ea"/>
+                <a:cs typeface="+mn-cs"/>
+              </a:defRPr>
+            </a:lvl3pPr>
+            <a:lvl4pPr marL="1600200" indent="-228600" algn="l" defTabSz="914400" rtl="0" eaLnBrk="1" latinLnBrk="0" hangingPunct="1">
+              <a:lnSpc>
+                <a:spcPct val="90000"/>
+              </a:lnSpc>
+              <a:spcBef>
+                <a:spcPts val="500"/>
+              </a:spcBef>
+              <a:buFont typeface="Arial" panose="020B0604020202020204" pitchFamily="34" charset="0"/>
+              <a:buChar char="•"/>
+              <a:defRPr sz="1800" kern="1200">
+                <a:solidFill>
+                  <a:schemeClr val="tx1"/>
+                </a:solidFill>
+                <a:latin typeface="+mn-lt"/>
+                <a:ea typeface="+mn-ea"/>
+                <a:cs typeface="+mn-cs"/>
+              </a:defRPr>
+            </a:lvl4pPr>
+            <a:lvl5pPr marL="2057400" indent="-228600" algn="l" defTabSz="914400" rtl="0" eaLnBrk="1" latinLnBrk="0" hangingPunct="1">
+              <a:lnSpc>
+                <a:spcPct val="90000"/>
+              </a:lnSpc>
+              <a:spcBef>
+                <a:spcPts val="500"/>
+              </a:spcBef>
+              <a:buFont typeface="Arial" panose="020B0604020202020204" pitchFamily="34" charset="0"/>
+              <a:buChar char="•"/>
+              <a:defRPr sz="1800" kern="1200">
+                <a:solidFill>
+                  <a:schemeClr val="tx1"/>
+                </a:solidFill>
+                <a:latin typeface="+mn-lt"/>
+                <a:ea typeface="+mn-ea"/>
+                <a:cs typeface="+mn-cs"/>
+              </a:defRPr>
+            </a:lvl5pPr>
+            <a:lvl6pPr marL="2514600" indent="-228600" algn="l" defTabSz="914400" rtl="0" eaLnBrk="1" latinLnBrk="0" hangingPunct="1">
+              <a:lnSpc>
+                <a:spcPct val="90000"/>
+              </a:lnSpc>
+              <a:spcBef>
+                <a:spcPts val="500"/>
+              </a:spcBef>
+              <a:buFont typeface="Arial" panose="020B0604020202020204" pitchFamily="34" charset="0"/>
+              <a:buChar char="•"/>
+              <a:defRPr sz="1800" kern="1200">
+                <a:solidFill>
+                  <a:schemeClr val="tx1"/>
+                </a:solidFill>
+                <a:latin typeface="+mn-lt"/>
+                <a:ea typeface="+mn-ea"/>
+                <a:cs typeface="+mn-cs"/>
+              </a:defRPr>
+            </a:lvl6pPr>
+            <a:lvl7pPr marL="2971800" indent="-228600" algn="l" defTabSz="914400" rtl="0" eaLnBrk="1" latinLnBrk="0" hangingPunct="1">
+              <a:lnSpc>
+                <a:spcPct val="90000"/>
+              </a:lnSpc>
+              <a:spcBef>
+                <a:spcPts val="500"/>
+              </a:spcBef>
+              <a:buFont typeface="Arial" panose="020B0604020202020204" pitchFamily="34" charset="0"/>
+              <a:buChar char="•"/>
+              <a:defRPr sz="1800" kern="1200">
+                <a:solidFill>
+                  <a:schemeClr val="tx1"/>
+                </a:solidFill>
+                <a:latin typeface="+mn-lt"/>
+                <a:ea typeface="+mn-ea"/>
+                <a:cs typeface="+mn-cs"/>
+              </a:defRPr>
+            </a:lvl7pPr>
+            <a:lvl8pPr marL="3429000" indent="-228600" algn="l" defTabSz="914400" rtl="0" eaLnBrk="1" latinLnBrk="0" hangingPunct="1">
+              <a:lnSpc>
+                <a:spcPct val="90000"/>
+              </a:lnSpc>
+              <a:spcBef>
+                <a:spcPts val="500"/>
+              </a:spcBef>
+              <a:buFont typeface="Arial" panose="020B0604020202020204" pitchFamily="34" charset="0"/>
+              <a:buChar char="•"/>
+              <a:defRPr sz="1800" kern="1200">
+                <a:solidFill>
+                  <a:schemeClr val="tx1"/>
+                </a:solidFill>
+                <a:latin typeface="+mn-lt"/>
+                <a:ea typeface="+mn-ea"/>
+                <a:cs typeface="+mn-cs"/>
+              </a:defRPr>
+            </a:lvl8pPr>
+            <a:lvl9pPr marL="3886200" indent="-228600" algn="l" defTabSz="914400" rtl="0" eaLnBrk="1" latinLnBrk="0" hangingPunct="1">
+              <a:lnSpc>
+                <a:spcPct val="90000"/>
+              </a:lnSpc>
+              <a:spcBef>
+                <a:spcPts val="500"/>
+              </a:spcBef>
+              <a:buFont typeface="Arial" panose="020B0604020202020204" pitchFamily="34" charset="0"/>
+              <a:buChar char="•"/>
+              <a:defRPr sz="1800" kern="1200">
+                <a:solidFill>
+                  <a:schemeClr val="tx1"/>
+                </a:solidFill>
+                <a:latin typeface="+mn-lt"/>
+                <a:ea typeface="+mn-ea"/>
+                <a:cs typeface="+mn-cs"/>
+              </a:defRPr>
+            </a:lvl9pPr>
+          </a:lstStyle>
+          <a:p>
+            <a:pPr marL="0" indent="0">
+              <a:buFont typeface="Arial" panose="020B0604020202020204" pitchFamily="34" charset="0"/>
+              <a:buNone/>
+            </a:pPr>
+            <a:r>
+              <a:rPr lang="en-US" dirty="0"/>
+              <a:t>VSD is not . . . </a:t>
+            </a:r>
+          </a:p>
+          <a:p>
+            <a:pPr marL="0" indent="0">
+              <a:buFont typeface="Arial" panose="020B0604020202020204" pitchFamily="34" charset="0"/>
+              <a:buNone/>
+            </a:pPr>
+            <a:endParaRPr lang="en-US" dirty="0"/>
+          </a:p>
+          <a:p>
+            <a:pPr marL="0" indent="0">
+              <a:buFont typeface="Arial" panose="020B0604020202020204" pitchFamily="34" charset="0"/>
+              <a:buNone/>
+            </a:pPr>
+            <a:r>
+              <a:rPr lang="en-US" dirty="0"/>
+              <a:t>A moral framework or system of ethics</a:t>
+            </a:r>
+          </a:p>
+          <a:p>
+            <a:r>
+              <a:rPr lang="en-US" dirty="0"/>
+              <a:t>It does not prescribe decisions to make</a:t>
+            </a:r>
+          </a:p>
+          <a:p>
+            <a:r>
+              <a:rPr lang="en-US" dirty="0"/>
+              <a:t>It incorporates values reflections in the choosing process</a:t>
+            </a:r>
+          </a:p>
+          <a:p>
+            <a:pPr marL="0" indent="0">
+              <a:buNone/>
+            </a:pPr>
+            <a:r>
+              <a:rPr lang="en-US" dirty="0"/>
+              <a:t>It is not an algorithm for making decisions</a:t>
+            </a:r>
+          </a:p>
+          <a:p>
+            <a:r>
+              <a:rPr lang="en-US" dirty="0"/>
+              <a:t>Often, there are no easy answers</a:t>
+            </a:r>
+          </a:p>
+          <a:p>
+            <a:r>
+              <a:rPr lang="en-US" dirty="0"/>
+              <a:t>Takes sustained commitment</a:t>
+            </a:r>
+          </a:p>
+        </p:txBody>
+      </p:sp>
+    </p:spTree>
+    <p:extLst>
+      <p:ext uri="{BB962C8B-B14F-4D97-AF65-F5344CB8AC3E}">
+        <p14:creationId xmlns:p14="http://schemas.microsoft.com/office/powerpoint/2010/main" val="2150954207"/>
+      </p:ext>
+    </p:extLst>
+  </p:cSld>
+  <p:clrMapOvr>
+    <a:masterClrMapping/>
+  </p:clrMapOvr>
+</p:sld>
+</file>
+
+<file path=ppt/slides/slide37.xml><?xml version="1.0" encoding="utf-8"?>
+<p:sld xmlns:a="http://schemas.openxmlformats.org/drawingml/2006/main" xmlns:r="http://schemas.openxmlformats.org/officeDocument/2006/relationships" xmlns:p="http://schemas.openxmlformats.org/presentationml/2006/main">
+  <p:cSld>
+    <p:spTree>
+      <p:nvGrpSpPr>
+        <p:cNvPr id="1" name=""/>
+        <p:cNvGrpSpPr/>
+        <p:nvPr/>
+      </p:nvGrpSpPr>
+      <p:grpSpPr>
+        <a:xfrm>
+          <a:off x="0" y="0"/>
+          <a:ext cx="0" cy="0"/>
+          <a:chOff x="0" y="0"/>
+          <a:chExt cx="0" cy="0"/>
+        </a:xfrm>
+      </p:grpSpPr>
+      <p:sp>
+        <p:nvSpPr>
+          <p:cNvPr id="2" name="Title 1">
+            <a:extLst>
+              <a:ext uri="{FF2B5EF4-FFF2-40B4-BE49-F238E27FC236}">
+                <a16:creationId xmlns:a16="http://schemas.microsoft.com/office/drawing/2014/main" id="{D057E31F-9432-D273-E657-9160918E2DFC}"/>
+              </a:ext>
+            </a:extLst>
+          </p:cNvPr>
+          <p:cNvSpPr>
+            <a:spLocks noGrp="1"/>
+          </p:cNvSpPr>
+          <p:nvPr>
+            <p:ph type="title"/>
+          </p:nvPr>
+        </p:nvSpPr>
+        <p:spPr/>
+        <p:txBody>
+          <a:bodyPr/>
+          <a:lstStyle/>
+          <a:p>
+            <a:r>
+              <a:rPr lang="en-US" dirty="0"/>
+              <a:t>Three Types of Investigation in VSD </a:t>
+            </a:r>
+          </a:p>
+        </p:txBody>
+      </p:sp>
+      <p:sp>
+        <p:nvSpPr>
+          <p:cNvPr id="3" name="Content Placeholder 2">
+            <a:extLst>
+              <a:ext uri="{FF2B5EF4-FFF2-40B4-BE49-F238E27FC236}">
+                <a16:creationId xmlns:a16="http://schemas.microsoft.com/office/drawing/2014/main" id="{A47FEDD6-9257-06C3-64D2-A03956520DFA}"/>
+              </a:ext>
+            </a:extLst>
+          </p:cNvPr>
+          <p:cNvSpPr>
+            <a:spLocks noGrp="1"/>
+          </p:cNvSpPr>
+          <p:nvPr>
+            <p:ph idx="1"/>
+          </p:nvPr>
+        </p:nvSpPr>
+        <p:spPr>
+          <a:xfrm>
+            <a:off x="838201" y="1500160"/>
+            <a:ext cx="3563678" cy="4351338"/>
+          </a:xfrm>
+        </p:spPr>
+        <p:txBody>
+          <a:bodyPr>
+            <a:normAutofit fontScale="85000" lnSpcReduction="10000"/>
+          </a:bodyPr>
+          <a:lstStyle/>
+          <a:p>
+            <a:pPr marL="0" indent="0">
+              <a:buNone/>
+            </a:pPr>
+            <a:r>
+              <a:rPr lang="en-US" dirty="0"/>
+              <a:t>Empirical Investigation</a:t>
+            </a:r>
+          </a:p>
+          <a:p>
+            <a:pPr marL="0" indent="0">
+              <a:buNone/>
+            </a:pPr>
+            <a:r>
+              <a:rPr lang="en-US" dirty="0"/>
+              <a:t>Where?</a:t>
+            </a:r>
+          </a:p>
+          <a:p>
+            <a:pPr>
+              <a:buFont typeface="Wingdings" pitchFamily="2" charset="2"/>
+              <a:buChar char="v"/>
+            </a:pPr>
+            <a:r>
+              <a:rPr lang="en-US" dirty="0"/>
+              <a:t> In the field, gathering knowledge about the world</a:t>
+            </a:r>
+          </a:p>
+          <a:p>
+            <a:pPr>
+              <a:buFont typeface="Wingdings" pitchFamily="2" charset="2"/>
+              <a:buChar char="v"/>
+            </a:pPr>
+            <a:endParaRPr lang="en-US" dirty="0"/>
+          </a:p>
+          <a:p>
+            <a:pPr marL="0" indent="0">
+              <a:buNone/>
+            </a:pPr>
+            <a:r>
+              <a:rPr lang="en-US" dirty="0"/>
+              <a:t>Disciplinary skills</a:t>
+            </a:r>
+          </a:p>
+          <a:p>
+            <a:r>
+              <a:rPr lang="en-US" dirty="0"/>
+              <a:t>Sociology</a:t>
+            </a:r>
+          </a:p>
+          <a:p>
+            <a:r>
+              <a:rPr lang="en-US" dirty="0"/>
+              <a:t>Behavioral economics</a:t>
+            </a:r>
+          </a:p>
+          <a:p>
+            <a:r>
+              <a:rPr lang="en-US" dirty="0"/>
+              <a:t>Experimental psychology</a:t>
+            </a:r>
+          </a:p>
+          <a:p>
+            <a:r>
+              <a:rPr lang="en-US" dirty="0"/>
+              <a:t>Political science</a:t>
+            </a:r>
+          </a:p>
+          <a:p>
+            <a:pPr lvl="1"/>
+            <a:endParaRPr lang="en-US" dirty="0"/>
+          </a:p>
+        </p:txBody>
+      </p:sp>
+      <p:sp>
+        <p:nvSpPr>
+          <p:cNvPr id="4" name="Slide Number Placeholder 3">
+            <a:extLst>
+              <a:ext uri="{FF2B5EF4-FFF2-40B4-BE49-F238E27FC236}">
+                <a16:creationId xmlns:a16="http://schemas.microsoft.com/office/drawing/2014/main" id="{1A309984-5F97-FD9B-DE57-02FEB834038B}"/>
+              </a:ext>
+            </a:extLst>
+          </p:cNvPr>
+          <p:cNvSpPr>
+            <a:spLocks noGrp="1"/>
+          </p:cNvSpPr>
+          <p:nvPr>
+            <p:ph type="sldNum" sz="quarter" idx="12"/>
+          </p:nvPr>
+        </p:nvSpPr>
+        <p:spPr/>
+        <p:txBody>
+          <a:bodyPr/>
+          <a:lstStyle/>
+          <a:p>
+            <a:fld id="{20F37917-FD3A-4669-9018-DA04BCDD3D75}" type="slidenum">
+              <a:rPr lang="en-US" smtClean="0"/>
+              <a:t>37</a:t>
+            </a:fld>
+            <a:endParaRPr lang="en-US"/>
+          </a:p>
+        </p:txBody>
+      </p:sp>
+      <p:sp>
+        <p:nvSpPr>
+          <p:cNvPr id="5" name="Content Placeholder 2">
+            <a:extLst>
+              <a:ext uri="{FF2B5EF4-FFF2-40B4-BE49-F238E27FC236}">
+                <a16:creationId xmlns:a16="http://schemas.microsoft.com/office/drawing/2014/main" id="{7C8C59BE-2B9E-3A09-FADE-C47010207B67}"/>
+              </a:ext>
+            </a:extLst>
+          </p:cNvPr>
+          <p:cNvSpPr txBox="1">
+            <a:spLocks/>
+          </p:cNvSpPr>
+          <p:nvPr/>
+        </p:nvSpPr>
+        <p:spPr>
+          <a:xfrm>
+            <a:off x="4531242" y="1500160"/>
+            <a:ext cx="3804684" cy="4351338"/>
+          </a:xfrm>
+          <a:prstGeom prst="rect">
+            <a:avLst/>
+          </a:prstGeom>
+        </p:spPr>
+        <p:txBody>
+          <a:bodyPr vert="horz" lIns="91440" tIns="45720" rIns="91440" bIns="45720" rtlCol="0">
+            <a:normAutofit fontScale="85000" lnSpcReduction="20000"/>
+          </a:bodyPr>
+          <a:lstStyle>
+            <a:lvl1pPr marL="228600" indent="-228600" algn="l" defTabSz="914400" rtl="0" eaLnBrk="1" latinLnBrk="0" hangingPunct="1">
+              <a:lnSpc>
+                <a:spcPct val="90000"/>
+              </a:lnSpc>
+              <a:spcBef>
+                <a:spcPts val="1000"/>
+              </a:spcBef>
+              <a:buFont typeface="Arial" panose="020B0604020202020204" pitchFamily="34" charset="0"/>
+              <a:buChar char="•"/>
+              <a:defRPr sz="2800" kern="1200">
+                <a:solidFill>
+                  <a:schemeClr val="tx1"/>
+                </a:solidFill>
+                <a:latin typeface="+mn-lt"/>
+                <a:ea typeface="+mn-ea"/>
+                <a:cs typeface="+mn-cs"/>
+              </a:defRPr>
+            </a:lvl1pPr>
+            <a:lvl2pPr marL="685800" indent="-228600" algn="l" defTabSz="914400" rtl="0" eaLnBrk="1" latinLnBrk="0" hangingPunct="1">
+              <a:lnSpc>
+                <a:spcPct val="90000"/>
+              </a:lnSpc>
+              <a:spcBef>
+                <a:spcPts val="500"/>
+              </a:spcBef>
+              <a:buFont typeface="Arial" panose="020B0604020202020204" pitchFamily="34" charset="0"/>
+              <a:buChar char="•"/>
+              <a:defRPr sz="2400" kern="1200">
+                <a:solidFill>
+                  <a:schemeClr val="tx1"/>
+                </a:solidFill>
+                <a:latin typeface="+mn-lt"/>
+                <a:ea typeface="+mn-ea"/>
+                <a:cs typeface="+mn-cs"/>
+              </a:defRPr>
+            </a:lvl2pPr>
+            <a:lvl3pPr marL="1143000" indent="-228600" algn="l" defTabSz="914400" rtl="0" eaLnBrk="1" latinLnBrk="0" hangingPunct="1">
+              <a:lnSpc>
+                <a:spcPct val="90000"/>
+              </a:lnSpc>
+              <a:spcBef>
+                <a:spcPts val="500"/>
+              </a:spcBef>
+              <a:buFont typeface="Arial" panose="020B0604020202020204" pitchFamily="34" charset="0"/>
+              <a:buChar char="•"/>
+              <a:defRPr sz="2000" kern="1200">
+                <a:solidFill>
+                  <a:schemeClr val="tx1"/>
+                </a:solidFill>
+                <a:latin typeface="+mn-lt"/>
+                <a:ea typeface="+mn-ea"/>
+                <a:cs typeface="+mn-cs"/>
+              </a:defRPr>
+            </a:lvl3pPr>
+            <a:lvl4pPr marL="1600200" indent="-228600" algn="l" defTabSz="914400" rtl="0" eaLnBrk="1" latinLnBrk="0" hangingPunct="1">
+              <a:lnSpc>
+                <a:spcPct val="90000"/>
+              </a:lnSpc>
+              <a:spcBef>
+                <a:spcPts val="500"/>
+              </a:spcBef>
+              <a:buFont typeface="Arial" panose="020B0604020202020204" pitchFamily="34" charset="0"/>
+              <a:buChar char="•"/>
+              <a:defRPr sz="1800" kern="1200">
+                <a:solidFill>
+                  <a:schemeClr val="tx1"/>
+                </a:solidFill>
+                <a:latin typeface="+mn-lt"/>
+                <a:ea typeface="+mn-ea"/>
+                <a:cs typeface="+mn-cs"/>
+              </a:defRPr>
+            </a:lvl4pPr>
+            <a:lvl5pPr marL="2057400" indent="-228600" algn="l" defTabSz="914400" rtl="0" eaLnBrk="1" latinLnBrk="0" hangingPunct="1">
+              <a:lnSpc>
+                <a:spcPct val="90000"/>
+              </a:lnSpc>
+              <a:spcBef>
+                <a:spcPts val="500"/>
+              </a:spcBef>
+              <a:buFont typeface="Arial" panose="020B0604020202020204" pitchFamily="34" charset="0"/>
+              <a:buChar char="•"/>
+              <a:defRPr sz="1800" kern="1200">
+                <a:solidFill>
+                  <a:schemeClr val="tx1"/>
+                </a:solidFill>
+                <a:latin typeface="+mn-lt"/>
+                <a:ea typeface="+mn-ea"/>
+                <a:cs typeface="+mn-cs"/>
+              </a:defRPr>
+            </a:lvl5pPr>
+            <a:lvl6pPr marL="2514600" indent="-228600" algn="l" defTabSz="914400" rtl="0" eaLnBrk="1" latinLnBrk="0" hangingPunct="1">
+              <a:lnSpc>
+                <a:spcPct val="90000"/>
+              </a:lnSpc>
+              <a:spcBef>
+                <a:spcPts val="500"/>
+              </a:spcBef>
+              <a:buFont typeface="Arial" panose="020B0604020202020204" pitchFamily="34" charset="0"/>
+              <a:buChar char="•"/>
+              <a:defRPr sz="1800" kern="1200">
+                <a:solidFill>
+                  <a:schemeClr val="tx1"/>
+                </a:solidFill>
+                <a:latin typeface="+mn-lt"/>
+                <a:ea typeface="+mn-ea"/>
+                <a:cs typeface="+mn-cs"/>
+              </a:defRPr>
+            </a:lvl6pPr>
+            <a:lvl7pPr marL="2971800" indent="-228600" algn="l" defTabSz="914400" rtl="0" eaLnBrk="1" latinLnBrk="0" hangingPunct="1">
+              <a:lnSpc>
+                <a:spcPct val="90000"/>
+              </a:lnSpc>
+              <a:spcBef>
+                <a:spcPts val="500"/>
+              </a:spcBef>
+              <a:buFont typeface="Arial" panose="020B0604020202020204" pitchFamily="34" charset="0"/>
+              <a:buChar char="•"/>
+              <a:defRPr sz="1800" kern="1200">
+                <a:solidFill>
+                  <a:schemeClr val="tx1"/>
+                </a:solidFill>
+                <a:latin typeface="+mn-lt"/>
+                <a:ea typeface="+mn-ea"/>
+                <a:cs typeface="+mn-cs"/>
+              </a:defRPr>
+            </a:lvl7pPr>
+            <a:lvl8pPr marL="3429000" indent="-228600" algn="l" defTabSz="914400" rtl="0" eaLnBrk="1" latinLnBrk="0" hangingPunct="1">
+              <a:lnSpc>
+                <a:spcPct val="90000"/>
+              </a:lnSpc>
+              <a:spcBef>
+                <a:spcPts val="500"/>
+              </a:spcBef>
+              <a:buFont typeface="Arial" panose="020B0604020202020204" pitchFamily="34" charset="0"/>
+              <a:buChar char="•"/>
+              <a:defRPr sz="1800" kern="1200">
+                <a:solidFill>
+                  <a:schemeClr val="tx1"/>
+                </a:solidFill>
+                <a:latin typeface="+mn-lt"/>
+                <a:ea typeface="+mn-ea"/>
+                <a:cs typeface="+mn-cs"/>
+              </a:defRPr>
+            </a:lvl8pPr>
+            <a:lvl9pPr marL="3886200" indent="-228600" algn="l" defTabSz="914400" rtl="0" eaLnBrk="1" latinLnBrk="0" hangingPunct="1">
+              <a:lnSpc>
+                <a:spcPct val="90000"/>
+              </a:lnSpc>
+              <a:spcBef>
+                <a:spcPts val="500"/>
+              </a:spcBef>
+              <a:buFont typeface="Arial" panose="020B0604020202020204" pitchFamily="34" charset="0"/>
+              <a:buChar char="•"/>
+              <a:defRPr sz="1800" kern="1200">
+                <a:solidFill>
+                  <a:schemeClr val="tx1"/>
+                </a:solidFill>
+                <a:latin typeface="+mn-lt"/>
+                <a:ea typeface="+mn-ea"/>
+                <a:cs typeface="+mn-cs"/>
+              </a:defRPr>
+            </a:lvl9pPr>
+          </a:lstStyle>
+          <a:p>
+            <a:pPr marL="0" indent="0">
+              <a:buFont typeface="Arial" panose="020B0604020202020204" pitchFamily="34" charset="0"/>
+              <a:buNone/>
+            </a:pPr>
+            <a:r>
+              <a:rPr lang="en-US" dirty="0"/>
+              <a:t>Values Investigation</a:t>
+            </a:r>
+          </a:p>
+          <a:p>
+            <a:pPr marL="0" indent="0">
+              <a:buFont typeface="Arial" panose="020B0604020202020204" pitchFamily="34" charset="0"/>
+              <a:buNone/>
+            </a:pPr>
+            <a:r>
+              <a:rPr lang="en-US" dirty="0"/>
+              <a:t>Where?</a:t>
+            </a:r>
+          </a:p>
+          <a:p>
+            <a:pPr>
+              <a:buFont typeface="Wingdings" pitchFamily="2" charset="2"/>
+              <a:buChar char="v"/>
+            </a:pPr>
+            <a:r>
+              <a:rPr lang="en-US" dirty="0"/>
+              <a:t> In the field and in reflection; gathering knowledge about and reflecting on values</a:t>
+            </a:r>
+          </a:p>
+          <a:p>
+            <a:pPr>
+              <a:buFont typeface="Wingdings" pitchFamily="2" charset="2"/>
+              <a:buChar char="v"/>
+            </a:pPr>
+            <a:endParaRPr lang="en-US" dirty="0"/>
+          </a:p>
+          <a:p>
+            <a:pPr marL="0" indent="0">
+              <a:buFont typeface="Arial" panose="020B0604020202020204" pitchFamily="34" charset="0"/>
+              <a:buNone/>
+            </a:pPr>
+            <a:r>
+              <a:rPr lang="en-US" dirty="0"/>
+              <a:t>Disciplinary skills</a:t>
+            </a:r>
+          </a:p>
+          <a:p>
+            <a:r>
+              <a:rPr lang="en-US" dirty="0"/>
+              <a:t>Applied ethics</a:t>
+            </a:r>
+          </a:p>
+          <a:p>
+            <a:r>
+              <a:rPr lang="en-US" dirty="0"/>
+              <a:t>Law and policy</a:t>
+            </a:r>
+          </a:p>
+          <a:p>
+            <a:r>
+              <a:rPr lang="en-US" dirty="0"/>
+              <a:t>Political and social theory</a:t>
+            </a:r>
+          </a:p>
+          <a:p>
+            <a:r>
+              <a:rPr lang="en-US" dirty="0"/>
+              <a:t>Environmental analysis</a:t>
+            </a:r>
+          </a:p>
+          <a:p>
+            <a:pPr lvl="1"/>
+            <a:endParaRPr lang="en-US" dirty="0"/>
+          </a:p>
+        </p:txBody>
+      </p:sp>
+      <p:sp>
+        <p:nvSpPr>
+          <p:cNvPr id="6" name="Content Placeholder 2">
+            <a:extLst>
+              <a:ext uri="{FF2B5EF4-FFF2-40B4-BE49-F238E27FC236}">
+                <a16:creationId xmlns:a16="http://schemas.microsoft.com/office/drawing/2014/main" id="{5CBCCECD-1E8C-0DA4-098C-A5837F9D9535}"/>
+              </a:ext>
+            </a:extLst>
+          </p:cNvPr>
+          <p:cNvSpPr txBox="1">
+            <a:spLocks/>
+          </p:cNvSpPr>
+          <p:nvPr/>
+        </p:nvSpPr>
+        <p:spPr>
+          <a:xfrm>
+            <a:off x="8265042" y="1500160"/>
+            <a:ext cx="3804684" cy="4351338"/>
+          </a:xfrm>
+          <a:prstGeom prst="rect">
+            <a:avLst/>
+          </a:prstGeom>
+        </p:spPr>
+        <p:txBody>
+          <a:bodyPr vert="horz" lIns="91440" tIns="45720" rIns="91440" bIns="45720" rtlCol="0">
+            <a:normAutofit fontScale="92500" lnSpcReduction="20000"/>
+          </a:bodyPr>
+          <a:lstStyle>
+            <a:lvl1pPr marL="228600" indent="-228600" algn="l" defTabSz="914400" rtl="0" eaLnBrk="1" latinLnBrk="0" hangingPunct="1">
+              <a:lnSpc>
+                <a:spcPct val="90000"/>
+              </a:lnSpc>
+              <a:spcBef>
+                <a:spcPts val="1000"/>
+              </a:spcBef>
+              <a:buFont typeface="Arial" panose="020B0604020202020204" pitchFamily="34" charset="0"/>
+              <a:buChar char="•"/>
+              <a:defRPr sz="2800" kern="1200">
+                <a:solidFill>
+                  <a:schemeClr val="tx1"/>
+                </a:solidFill>
+                <a:latin typeface="+mn-lt"/>
+                <a:ea typeface="+mn-ea"/>
+                <a:cs typeface="+mn-cs"/>
+              </a:defRPr>
+            </a:lvl1pPr>
+            <a:lvl2pPr marL="685800" indent="-228600" algn="l" defTabSz="914400" rtl="0" eaLnBrk="1" latinLnBrk="0" hangingPunct="1">
+              <a:lnSpc>
+                <a:spcPct val="90000"/>
+              </a:lnSpc>
+              <a:spcBef>
+                <a:spcPts val="500"/>
+              </a:spcBef>
+              <a:buFont typeface="Arial" panose="020B0604020202020204" pitchFamily="34" charset="0"/>
+              <a:buChar char="•"/>
+              <a:defRPr sz="2400" kern="1200">
+                <a:solidFill>
+                  <a:schemeClr val="tx1"/>
+                </a:solidFill>
+                <a:latin typeface="+mn-lt"/>
+                <a:ea typeface="+mn-ea"/>
+                <a:cs typeface="+mn-cs"/>
+              </a:defRPr>
+            </a:lvl2pPr>
+            <a:lvl3pPr marL="1143000" indent="-228600" algn="l" defTabSz="914400" rtl="0" eaLnBrk="1" latinLnBrk="0" hangingPunct="1">
+              <a:lnSpc>
+                <a:spcPct val="90000"/>
+              </a:lnSpc>
+              <a:spcBef>
+                <a:spcPts val="500"/>
+              </a:spcBef>
+              <a:buFont typeface="Arial" panose="020B0604020202020204" pitchFamily="34" charset="0"/>
+              <a:buChar char="•"/>
+              <a:defRPr sz="2000" kern="1200">
+                <a:solidFill>
+                  <a:schemeClr val="tx1"/>
+                </a:solidFill>
+                <a:latin typeface="+mn-lt"/>
+                <a:ea typeface="+mn-ea"/>
+                <a:cs typeface="+mn-cs"/>
+              </a:defRPr>
+            </a:lvl3pPr>
+            <a:lvl4pPr marL="1600200" indent="-228600" algn="l" defTabSz="914400" rtl="0" eaLnBrk="1" latinLnBrk="0" hangingPunct="1">
+              <a:lnSpc>
+                <a:spcPct val="90000"/>
+              </a:lnSpc>
+              <a:spcBef>
+                <a:spcPts val="500"/>
+              </a:spcBef>
+              <a:buFont typeface="Arial" panose="020B0604020202020204" pitchFamily="34" charset="0"/>
+              <a:buChar char="•"/>
+              <a:defRPr sz="1800" kern="1200">
+                <a:solidFill>
+                  <a:schemeClr val="tx1"/>
+                </a:solidFill>
+                <a:latin typeface="+mn-lt"/>
+                <a:ea typeface="+mn-ea"/>
+                <a:cs typeface="+mn-cs"/>
+              </a:defRPr>
+            </a:lvl4pPr>
+            <a:lvl5pPr marL="2057400" indent="-228600" algn="l" defTabSz="914400" rtl="0" eaLnBrk="1" latinLnBrk="0" hangingPunct="1">
+              <a:lnSpc>
+                <a:spcPct val="90000"/>
+              </a:lnSpc>
+              <a:spcBef>
+                <a:spcPts val="500"/>
+              </a:spcBef>
+              <a:buFont typeface="Arial" panose="020B0604020202020204" pitchFamily="34" charset="0"/>
+              <a:buChar char="•"/>
+              <a:defRPr sz="1800" kern="1200">
+                <a:solidFill>
+                  <a:schemeClr val="tx1"/>
+                </a:solidFill>
+                <a:latin typeface="+mn-lt"/>
+                <a:ea typeface="+mn-ea"/>
+                <a:cs typeface="+mn-cs"/>
+              </a:defRPr>
+            </a:lvl5pPr>
+            <a:lvl6pPr marL="2514600" indent="-228600" algn="l" defTabSz="914400" rtl="0" eaLnBrk="1" latinLnBrk="0" hangingPunct="1">
+              <a:lnSpc>
+                <a:spcPct val="90000"/>
+              </a:lnSpc>
+              <a:spcBef>
+                <a:spcPts val="500"/>
+              </a:spcBef>
+              <a:buFont typeface="Arial" panose="020B0604020202020204" pitchFamily="34" charset="0"/>
+              <a:buChar char="•"/>
+              <a:defRPr sz="1800" kern="1200">
+                <a:solidFill>
+                  <a:schemeClr val="tx1"/>
+                </a:solidFill>
+                <a:latin typeface="+mn-lt"/>
+                <a:ea typeface="+mn-ea"/>
+                <a:cs typeface="+mn-cs"/>
+              </a:defRPr>
+            </a:lvl6pPr>
+            <a:lvl7pPr marL="2971800" indent="-228600" algn="l" defTabSz="914400" rtl="0" eaLnBrk="1" latinLnBrk="0" hangingPunct="1">
+              <a:lnSpc>
+                <a:spcPct val="90000"/>
+              </a:lnSpc>
+              <a:spcBef>
+                <a:spcPts val="500"/>
+              </a:spcBef>
+              <a:buFont typeface="Arial" panose="020B0604020202020204" pitchFamily="34" charset="0"/>
+              <a:buChar char="•"/>
+              <a:defRPr sz="1800" kern="1200">
+                <a:solidFill>
+                  <a:schemeClr val="tx1"/>
+                </a:solidFill>
+                <a:latin typeface="+mn-lt"/>
+                <a:ea typeface="+mn-ea"/>
+                <a:cs typeface="+mn-cs"/>
+              </a:defRPr>
+            </a:lvl7pPr>
+            <a:lvl8pPr marL="3429000" indent="-228600" algn="l" defTabSz="914400" rtl="0" eaLnBrk="1" latinLnBrk="0" hangingPunct="1">
+              <a:lnSpc>
+                <a:spcPct val="90000"/>
+              </a:lnSpc>
+              <a:spcBef>
+                <a:spcPts val="500"/>
+              </a:spcBef>
+              <a:buFont typeface="Arial" panose="020B0604020202020204" pitchFamily="34" charset="0"/>
+              <a:buChar char="•"/>
+              <a:defRPr sz="1800" kern="1200">
+                <a:solidFill>
+                  <a:schemeClr val="tx1"/>
+                </a:solidFill>
+                <a:latin typeface="+mn-lt"/>
+                <a:ea typeface="+mn-ea"/>
+                <a:cs typeface="+mn-cs"/>
+              </a:defRPr>
+            </a:lvl8pPr>
+            <a:lvl9pPr marL="3886200" indent="-228600" algn="l" defTabSz="914400" rtl="0" eaLnBrk="1" latinLnBrk="0" hangingPunct="1">
+              <a:lnSpc>
+                <a:spcPct val="90000"/>
+              </a:lnSpc>
+              <a:spcBef>
+                <a:spcPts val="500"/>
+              </a:spcBef>
+              <a:buFont typeface="Arial" panose="020B0604020202020204" pitchFamily="34" charset="0"/>
+              <a:buChar char="•"/>
+              <a:defRPr sz="1800" kern="1200">
+                <a:solidFill>
+                  <a:schemeClr val="tx1"/>
+                </a:solidFill>
+                <a:latin typeface="+mn-lt"/>
+                <a:ea typeface="+mn-ea"/>
+                <a:cs typeface="+mn-cs"/>
+              </a:defRPr>
+            </a:lvl9pPr>
+          </a:lstStyle>
+          <a:p>
+            <a:pPr marL="0" indent="0">
+              <a:buFont typeface="Arial" panose="020B0604020202020204" pitchFamily="34" charset="0"/>
+              <a:buNone/>
+            </a:pPr>
+            <a:r>
+              <a:rPr lang="en-US" dirty="0"/>
+              <a:t>Technical Investigation</a:t>
+            </a:r>
+          </a:p>
+          <a:p>
+            <a:pPr marL="0" indent="0">
+              <a:buFont typeface="Arial" panose="020B0604020202020204" pitchFamily="34" charset="0"/>
+              <a:buNone/>
+            </a:pPr>
+            <a:r>
+              <a:rPr lang="en-US" dirty="0"/>
+              <a:t>Where?</a:t>
+            </a:r>
+          </a:p>
+          <a:p>
+            <a:pPr>
+              <a:buFont typeface="Wingdings" pitchFamily="2" charset="2"/>
+              <a:buChar char="v"/>
+            </a:pPr>
+            <a:r>
+              <a:rPr lang="en-US" dirty="0"/>
+              <a:t> In the software, hardware, and systems, analyzing data and prototyping</a:t>
+            </a:r>
+          </a:p>
+          <a:p>
+            <a:pPr>
+              <a:buFont typeface="Wingdings" pitchFamily="2" charset="2"/>
+              <a:buChar char="v"/>
+            </a:pPr>
+            <a:endParaRPr lang="en-US" dirty="0"/>
+          </a:p>
+          <a:p>
+            <a:pPr marL="0" indent="0">
+              <a:buFont typeface="Arial" panose="020B0604020202020204" pitchFamily="34" charset="0"/>
+              <a:buNone/>
+            </a:pPr>
+            <a:r>
+              <a:rPr lang="en-US" dirty="0"/>
+              <a:t>Disciplinary skills</a:t>
+            </a:r>
+          </a:p>
+          <a:p>
+            <a:r>
+              <a:rPr lang="en-US" dirty="0"/>
+              <a:t>Computer Science</a:t>
+            </a:r>
+          </a:p>
+          <a:p>
+            <a:r>
+              <a:rPr lang="en-US" dirty="0"/>
+              <a:t>Cybersecurity</a:t>
+            </a:r>
+          </a:p>
+          <a:p>
+            <a:r>
+              <a:rPr lang="en-US" dirty="0"/>
+              <a:t>Data science</a:t>
+            </a:r>
+          </a:p>
+        </p:txBody>
+      </p:sp>
+    </p:spTree>
+    <p:extLst>
+      <p:ext uri="{BB962C8B-B14F-4D97-AF65-F5344CB8AC3E}">
+        <p14:creationId xmlns:p14="http://schemas.microsoft.com/office/powerpoint/2010/main" val="1417327232"/>
+      </p:ext>
+    </p:extLst>
+  </p:cSld>
+  <p:clrMapOvr>
+    <a:masterClrMapping/>
+  </p:clrMapOvr>
+</p:sld>
+</file>
+
+<file path=ppt/slides/slide38.xml><?xml version="1.0" encoding="utf-8"?>
+<p:sld xmlns:a="http://schemas.openxmlformats.org/drawingml/2006/main" xmlns:r="http://schemas.openxmlformats.org/officeDocument/2006/relationships" xmlns:p="http://schemas.openxmlformats.org/presentationml/2006/main">
+  <p:cSld>
+    <p:spTree>
+      <p:nvGrpSpPr>
+        <p:cNvPr id="1" name=""/>
+        <p:cNvGrpSpPr/>
+        <p:nvPr/>
+      </p:nvGrpSpPr>
+      <p:grpSpPr>
+        <a:xfrm>
+          <a:off x="0" y="0"/>
+          <a:ext cx="0" cy="0"/>
+          <a:chOff x="0" y="0"/>
+          <a:chExt cx="0" cy="0"/>
+        </a:xfrm>
+      </p:grpSpPr>
+      <p:sp>
+        <p:nvSpPr>
+          <p:cNvPr id="2" name="Title 1">
+            <a:extLst>
+              <a:ext uri="{FF2B5EF4-FFF2-40B4-BE49-F238E27FC236}">
+                <a16:creationId xmlns:a16="http://schemas.microsoft.com/office/drawing/2014/main" id="{6E08092E-8BB8-B48B-3BAB-ABDF1BE728C6}"/>
+              </a:ext>
+            </a:extLst>
+          </p:cNvPr>
+          <p:cNvSpPr>
+            <a:spLocks noGrp="1"/>
+          </p:cNvSpPr>
+          <p:nvPr>
+            <p:ph type="title"/>
+          </p:nvPr>
+        </p:nvSpPr>
+        <p:spPr/>
+        <p:txBody>
+          <a:bodyPr/>
+          <a:lstStyle/>
+          <a:p>
+            <a:r>
+              <a:rPr lang="en-US" dirty="0"/>
+              <a:t>The Reddit Case Study</a:t>
+            </a:r>
+          </a:p>
+        </p:txBody>
+      </p:sp>
+      <p:sp>
+        <p:nvSpPr>
+          <p:cNvPr id="3" name="Content Placeholder 2">
+            <a:extLst>
+              <a:ext uri="{FF2B5EF4-FFF2-40B4-BE49-F238E27FC236}">
+                <a16:creationId xmlns:a16="http://schemas.microsoft.com/office/drawing/2014/main" id="{A1628D1E-4883-1046-9135-0DBD842CD0FD}"/>
+              </a:ext>
+            </a:extLst>
+          </p:cNvPr>
+          <p:cNvSpPr>
+            <a:spLocks noGrp="1"/>
+          </p:cNvSpPr>
+          <p:nvPr>
+            <p:ph idx="1"/>
+          </p:nvPr>
+        </p:nvSpPr>
+        <p:spPr>
+          <a:xfrm>
+            <a:off x="838200" y="1500160"/>
+            <a:ext cx="8848060" cy="4351338"/>
+          </a:xfrm>
+        </p:spPr>
+        <p:txBody>
+          <a:bodyPr/>
+          <a:lstStyle/>
+          <a:p>
+            <a:pPr marL="0" indent="0">
+              <a:buNone/>
+            </a:pPr>
+            <a:r>
+              <a:rPr lang="en-US" dirty="0">
+                <a:solidFill>
+                  <a:srgbClr val="C00000"/>
+                </a:solidFill>
+              </a:rPr>
+              <a:t>A classifier model that will replace the role of humans in the moderating process. This algorithm will classify new posts, determining whether or not they’re appropriate for Reddit. Those that are flagged inappropriate will be removed.</a:t>
+            </a:r>
+          </a:p>
+          <a:p>
+            <a:pPr marL="0" indent="0">
+              <a:buNone/>
+            </a:pPr>
+            <a:endParaRPr lang="en-US" dirty="0">
+              <a:solidFill>
+                <a:srgbClr val="C00000"/>
+              </a:solidFill>
+            </a:endParaRPr>
+          </a:p>
+        </p:txBody>
+      </p:sp>
+      <p:sp>
+        <p:nvSpPr>
+          <p:cNvPr id="4" name="Slide Number Placeholder 3">
+            <a:extLst>
+              <a:ext uri="{FF2B5EF4-FFF2-40B4-BE49-F238E27FC236}">
+                <a16:creationId xmlns:a16="http://schemas.microsoft.com/office/drawing/2014/main" id="{F30CE011-3094-1F2E-34AE-303DC6DE91BB}"/>
+              </a:ext>
+            </a:extLst>
+          </p:cNvPr>
+          <p:cNvSpPr>
+            <a:spLocks noGrp="1"/>
+          </p:cNvSpPr>
+          <p:nvPr>
+            <p:ph type="sldNum" sz="quarter" idx="12"/>
+          </p:nvPr>
+        </p:nvSpPr>
+        <p:spPr/>
+        <p:txBody>
+          <a:bodyPr/>
+          <a:lstStyle/>
+          <a:p>
+            <a:fld id="{20F37917-FD3A-4669-9018-DA04BCDD3D75}" type="slidenum">
+              <a:rPr lang="en-US" smtClean="0"/>
+              <a:t>38</a:t>
+            </a:fld>
+            <a:endParaRPr lang="en-US"/>
+          </a:p>
+        </p:txBody>
+      </p:sp>
+    </p:spTree>
+    <p:extLst>
+      <p:ext uri="{BB962C8B-B14F-4D97-AF65-F5344CB8AC3E}">
+        <p14:creationId xmlns:p14="http://schemas.microsoft.com/office/powerpoint/2010/main" val="389111612"/>
+      </p:ext>
+    </p:extLst>
+  </p:cSld>
+  <p:clrMapOvr>
+    <a:masterClrMapping/>
+  </p:clrMapOvr>
+</p:sld>
+</file>
+
+<file path=ppt/slides/slide39.xml><?xml version="1.0" encoding="utf-8"?>
+<p:sld xmlns:a="http://schemas.openxmlformats.org/drawingml/2006/main" xmlns:r="http://schemas.openxmlformats.org/officeDocument/2006/relationships" xmlns:p="http://schemas.openxmlformats.org/presentationml/2006/main">
+  <p:cSld>
+    <p:spTree>
+      <p:nvGrpSpPr>
+        <p:cNvPr id="1" name=""/>
+        <p:cNvGrpSpPr/>
+        <p:nvPr/>
+      </p:nvGrpSpPr>
+      <p:grpSpPr>
+        <a:xfrm>
+          <a:off x="0" y="0"/>
+          <a:ext cx="0" cy="0"/>
+          <a:chOff x="0" y="0"/>
+          <a:chExt cx="0" cy="0"/>
+        </a:xfrm>
+      </p:grpSpPr>
+      <p:sp>
+        <p:nvSpPr>
+          <p:cNvPr id="2" name="Title 1">
+            <a:extLst>
+              <a:ext uri="{FF2B5EF4-FFF2-40B4-BE49-F238E27FC236}">
+                <a16:creationId xmlns:a16="http://schemas.microsoft.com/office/drawing/2014/main" id="{2A38125C-16A4-CB12-F2D2-F6A6C60B5A3A}"/>
+              </a:ext>
+            </a:extLst>
+          </p:cNvPr>
+          <p:cNvSpPr>
+            <a:spLocks noGrp="1"/>
+          </p:cNvSpPr>
+          <p:nvPr>
+            <p:ph type="title"/>
+          </p:nvPr>
+        </p:nvSpPr>
+        <p:spPr/>
+        <p:txBody>
+          <a:bodyPr/>
+          <a:lstStyle/>
+          <a:p>
+            <a:r>
+              <a:rPr lang="en-US" dirty="0"/>
+              <a:t>Empirical Investigation -- Development of the Model </a:t>
+            </a:r>
+          </a:p>
+        </p:txBody>
+      </p:sp>
+      <p:sp>
+        <p:nvSpPr>
+          <p:cNvPr id="3" name="Content Placeholder 2">
+            <a:extLst>
+              <a:ext uri="{FF2B5EF4-FFF2-40B4-BE49-F238E27FC236}">
+                <a16:creationId xmlns:a16="http://schemas.microsoft.com/office/drawing/2014/main" id="{983505CF-2F76-CA7F-09FB-C9B0AC9EE1FC}"/>
+              </a:ext>
+            </a:extLst>
+          </p:cNvPr>
+          <p:cNvSpPr>
+            <a:spLocks noGrp="1"/>
+          </p:cNvSpPr>
+          <p:nvPr>
+            <p:ph idx="1"/>
+          </p:nvPr>
+        </p:nvSpPr>
+        <p:spPr>
+          <a:xfrm>
+            <a:off x="838200" y="1500160"/>
+            <a:ext cx="4924647" cy="4351338"/>
+          </a:xfrm>
+        </p:spPr>
+        <p:txBody>
+          <a:bodyPr/>
+          <a:lstStyle/>
+          <a:p>
+            <a:pPr marL="0" indent="0">
+              <a:buNone/>
+            </a:pPr>
+            <a:r>
+              <a:rPr lang="en-US" dirty="0"/>
+              <a:t>Training data has two primary elements:</a:t>
+            </a:r>
+          </a:p>
+          <a:p>
+            <a:pPr>
+              <a:buFont typeface="Wingdings" pitchFamily="2" charset="2"/>
+              <a:buChar char="Ø"/>
+            </a:pPr>
+            <a:r>
+              <a:rPr lang="en-US" dirty="0"/>
+              <a:t>Posts that Reddit users have flagged previously</a:t>
+            </a:r>
+          </a:p>
+          <a:p>
+            <a:pPr>
+              <a:buFont typeface="Wingdings" pitchFamily="2" charset="2"/>
+              <a:buChar char="Ø"/>
+            </a:pPr>
+            <a:r>
+              <a:rPr lang="en-US" dirty="0"/>
+              <a:t> A dataset of English words that would be flagged as inappropriate</a:t>
+            </a:r>
+          </a:p>
+          <a:p>
+            <a:endParaRPr lang="en-US" dirty="0"/>
+          </a:p>
+        </p:txBody>
+      </p:sp>
+      <p:sp>
+        <p:nvSpPr>
+          <p:cNvPr id="4" name="Slide Number Placeholder 3">
+            <a:extLst>
+              <a:ext uri="{FF2B5EF4-FFF2-40B4-BE49-F238E27FC236}">
+                <a16:creationId xmlns:a16="http://schemas.microsoft.com/office/drawing/2014/main" id="{9E80E0ED-3B19-C055-F6F6-43DAB38A2E76}"/>
+              </a:ext>
+            </a:extLst>
+          </p:cNvPr>
+          <p:cNvSpPr>
+            <a:spLocks noGrp="1"/>
+          </p:cNvSpPr>
+          <p:nvPr>
+            <p:ph type="sldNum" sz="quarter" idx="12"/>
+          </p:nvPr>
+        </p:nvSpPr>
+        <p:spPr/>
+        <p:txBody>
+          <a:bodyPr/>
+          <a:lstStyle/>
+          <a:p>
+            <a:fld id="{20F37917-FD3A-4669-9018-DA04BCDD3D75}" type="slidenum">
+              <a:rPr lang="en-US" smtClean="0"/>
+              <a:t>39</a:t>
+            </a:fld>
+            <a:endParaRPr lang="en-US"/>
+          </a:p>
+        </p:txBody>
+      </p:sp>
+      <p:sp>
+        <p:nvSpPr>
+          <p:cNvPr id="5" name="Content Placeholder 2">
+            <a:extLst>
+              <a:ext uri="{FF2B5EF4-FFF2-40B4-BE49-F238E27FC236}">
+                <a16:creationId xmlns:a16="http://schemas.microsoft.com/office/drawing/2014/main" id="{9D0CCBC7-C6F7-4689-D15B-80D3D02953BF}"/>
+              </a:ext>
+            </a:extLst>
+          </p:cNvPr>
+          <p:cNvSpPr txBox="1">
+            <a:spLocks/>
+          </p:cNvSpPr>
+          <p:nvPr/>
+        </p:nvSpPr>
+        <p:spPr>
+          <a:xfrm>
+            <a:off x="6148276" y="1500160"/>
+            <a:ext cx="4924647" cy="4351338"/>
+          </a:xfrm>
+          <a:prstGeom prst="rect">
+            <a:avLst/>
+          </a:prstGeom>
+        </p:spPr>
+        <p:txBody>
+          <a:bodyPr vert="horz" lIns="91440" tIns="45720" rIns="91440" bIns="45720" rtlCol="0">
+            <a:normAutofit/>
+          </a:bodyPr>
+          <a:lstStyle>
+            <a:lvl1pPr marL="228600" indent="-228600" algn="l" defTabSz="914400" rtl="0" eaLnBrk="1" latinLnBrk="0" hangingPunct="1">
+              <a:lnSpc>
+                <a:spcPct val="90000"/>
+              </a:lnSpc>
+              <a:spcBef>
+                <a:spcPts val="1000"/>
+              </a:spcBef>
+              <a:buFont typeface="Arial" panose="020B0604020202020204" pitchFamily="34" charset="0"/>
+              <a:buChar char="•"/>
+              <a:defRPr sz="2800" kern="1200">
+                <a:solidFill>
+                  <a:schemeClr val="tx1"/>
+                </a:solidFill>
+                <a:latin typeface="+mn-lt"/>
+                <a:ea typeface="+mn-ea"/>
+                <a:cs typeface="+mn-cs"/>
+              </a:defRPr>
+            </a:lvl1pPr>
+            <a:lvl2pPr marL="685800" indent="-228600" algn="l" defTabSz="914400" rtl="0" eaLnBrk="1" latinLnBrk="0" hangingPunct="1">
+              <a:lnSpc>
+                <a:spcPct val="90000"/>
+              </a:lnSpc>
+              <a:spcBef>
+                <a:spcPts val="500"/>
+              </a:spcBef>
+              <a:buFont typeface="Arial" panose="020B0604020202020204" pitchFamily="34" charset="0"/>
+              <a:buChar char="•"/>
+              <a:defRPr sz="2400" kern="1200">
+                <a:solidFill>
+                  <a:schemeClr val="tx1"/>
+                </a:solidFill>
+                <a:latin typeface="+mn-lt"/>
+                <a:ea typeface="+mn-ea"/>
+                <a:cs typeface="+mn-cs"/>
+              </a:defRPr>
+            </a:lvl2pPr>
+            <a:lvl3pPr marL="1143000" indent="-228600" algn="l" defTabSz="914400" rtl="0" eaLnBrk="1" latinLnBrk="0" hangingPunct="1">
+              <a:lnSpc>
+                <a:spcPct val="90000"/>
+              </a:lnSpc>
+              <a:spcBef>
+                <a:spcPts val="500"/>
+              </a:spcBef>
+              <a:buFont typeface="Arial" panose="020B0604020202020204" pitchFamily="34" charset="0"/>
+              <a:buChar char="•"/>
+              <a:defRPr sz="2000" kern="1200">
+                <a:solidFill>
+                  <a:schemeClr val="tx1"/>
+                </a:solidFill>
+                <a:latin typeface="+mn-lt"/>
+                <a:ea typeface="+mn-ea"/>
+                <a:cs typeface="+mn-cs"/>
+              </a:defRPr>
+            </a:lvl3pPr>
+            <a:lvl4pPr marL="1600200" indent="-228600" algn="l" defTabSz="914400" rtl="0" eaLnBrk="1" latinLnBrk="0" hangingPunct="1">
+              <a:lnSpc>
+                <a:spcPct val="90000"/>
+              </a:lnSpc>
+              <a:spcBef>
+                <a:spcPts val="500"/>
+              </a:spcBef>
+              <a:buFont typeface="Arial" panose="020B0604020202020204" pitchFamily="34" charset="0"/>
+              <a:buChar char="•"/>
+              <a:defRPr sz="1800" kern="1200">
+                <a:solidFill>
+                  <a:schemeClr val="tx1"/>
+                </a:solidFill>
+                <a:latin typeface="+mn-lt"/>
+                <a:ea typeface="+mn-ea"/>
+                <a:cs typeface="+mn-cs"/>
+              </a:defRPr>
+            </a:lvl4pPr>
+            <a:lvl5pPr marL="2057400" indent="-228600" algn="l" defTabSz="914400" rtl="0" eaLnBrk="1" latinLnBrk="0" hangingPunct="1">
+              <a:lnSpc>
+                <a:spcPct val="90000"/>
+              </a:lnSpc>
+              <a:spcBef>
+                <a:spcPts val="500"/>
+              </a:spcBef>
+              <a:buFont typeface="Arial" panose="020B0604020202020204" pitchFamily="34" charset="0"/>
+              <a:buChar char="•"/>
+              <a:defRPr sz="1800" kern="1200">
+                <a:solidFill>
+                  <a:schemeClr val="tx1"/>
+                </a:solidFill>
+                <a:latin typeface="+mn-lt"/>
+                <a:ea typeface="+mn-ea"/>
+                <a:cs typeface="+mn-cs"/>
+              </a:defRPr>
+            </a:lvl5pPr>
+            <a:lvl6pPr marL="2514600" indent="-228600" algn="l" defTabSz="914400" rtl="0" eaLnBrk="1" latinLnBrk="0" hangingPunct="1">
+              <a:lnSpc>
+                <a:spcPct val="90000"/>
+              </a:lnSpc>
+              <a:spcBef>
+                <a:spcPts val="500"/>
+              </a:spcBef>
+              <a:buFont typeface="Arial" panose="020B0604020202020204" pitchFamily="34" charset="0"/>
+              <a:buChar char="•"/>
+              <a:defRPr sz="1800" kern="1200">
+                <a:solidFill>
+                  <a:schemeClr val="tx1"/>
+                </a:solidFill>
+                <a:latin typeface="+mn-lt"/>
+                <a:ea typeface="+mn-ea"/>
+                <a:cs typeface="+mn-cs"/>
+              </a:defRPr>
+            </a:lvl6pPr>
+            <a:lvl7pPr marL="2971800" indent="-228600" algn="l" defTabSz="914400" rtl="0" eaLnBrk="1" latinLnBrk="0" hangingPunct="1">
+              <a:lnSpc>
+                <a:spcPct val="90000"/>
+              </a:lnSpc>
+              <a:spcBef>
+                <a:spcPts val="500"/>
+              </a:spcBef>
+              <a:buFont typeface="Arial" panose="020B0604020202020204" pitchFamily="34" charset="0"/>
+              <a:buChar char="•"/>
+              <a:defRPr sz="1800" kern="1200">
+                <a:solidFill>
+                  <a:schemeClr val="tx1"/>
+                </a:solidFill>
+                <a:latin typeface="+mn-lt"/>
+                <a:ea typeface="+mn-ea"/>
+                <a:cs typeface="+mn-cs"/>
+              </a:defRPr>
+            </a:lvl7pPr>
+            <a:lvl8pPr marL="3429000" indent="-228600" algn="l" defTabSz="914400" rtl="0" eaLnBrk="1" latinLnBrk="0" hangingPunct="1">
+              <a:lnSpc>
+                <a:spcPct val="90000"/>
+              </a:lnSpc>
+              <a:spcBef>
+                <a:spcPts val="500"/>
+              </a:spcBef>
+              <a:buFont typeface="Arial" panose="020B0604020202020204" pitchFamily="34" charset="0"/>
+              <a:buChar char="•"/>
+              <a:defRPr sz="1800" kern="1200">
+                <a:solidFill>
+                  <a:schemeClr val="tx1"/>
+                </a:solidFill>
+                <a:latin typeface="+mn-lt"/>
+                <a:ea typeface="+mn-ea"/>
+                <a:cs typeface="+mn-cs"/>
+              </a:defRPr>
+            </a:lvl8pPr>
+            <a:lvl9pPr marL="3886200" indent="-228600" algn="l" defTabSz="914400" rtl="0" eaLnBrk="1" latinLnBrk="0" hangingPunct="1">
+              <a:lnSpc>
+                <a:spcPct val="90000"/>
+              </a:lnSpc>
+              <a:spcBef>
+                <a:spcPts val="500"/>
+              </a:spcBef>
+              <a:buFont typeface="Arial" panose="020B0604020202020204" pitchFamily="34" charset="0"/>
+              <a:buChar char="•"/>
+              <a:defRPr sz="1800" kern="1200">
+                <a:solidFill>
+                  <a:schemeClr val="tx1"/>
+                </a:solidFill>
+                <a:latin typeface="+mn-lt"/>
+                <a:ea typeface="+mn-ea"/>
+                <a:cs typeface="+mn-cs"/>
+              </a:defRPr>
+            </a:lvl9pPr>
+          </a:lstStyle>
+          <a:p>
+            <a:r>
+              <a:rPr lang="en-US"/>
+              <a:t>Reflect on the sources of data</a:t>
+            </a:r>
+          </a:p>
+          <a:p>
+            <a:pPr lvl="1"/>
+            <a:r>
+              <a:rPr lang="en-US"/>
+              <a:t>Is the dataset representative of the language we want removed?</a:t>
+            </a:r>
+          </a:p>
+          <a:p>
+            <a:pPr lvl="1"/>
+            <a:r>
+              <a:rPr lang="en-US"/>
+              <a:t>Are there any sources of biases or disparities that in this data that we should be considering?</a:t>
+            </a:r>
+          </a:p>
+          <a:p>
+            <a:r>
+              <a:rPr lang="en-US"/>
+              <a:t>Complications</a:t>
+            </a:r>
+          </a:p>
+          <a:p>
+            <a:pPr lvl="1"/>
+            <a:r>
+              <a:rPr lang="en-US"/>
+              <a:t>Given the contextual nature of offensive speech, what complications or problems can arise from this model?</a:t>
+            </a:r>
+            <a:endParaRPr lang="en-US" dirty="0"/>
+          </a:p>
+        </p:txBody>
+      </p:sp>
+    </p:spTree>
+    <p:extLst>
+      <p:ext uri="{BB962C8B-B14F-4D97-AF65-F5344CB8AC3E}">
+        <p14:creationId xmlns:p14="http://schemas.microsoft.com/office/powerpoint/2010/main" val="2397032655"/>
+      </p:ext>
+    </p:extLst>
+  </p:cSld>
+  <p:clrMapOvr>
+    <a:masterClrMapping/>
+  </p:clrMapOvr>
+</p:sld>
+</file>
+
 <file path=ppt/slides/slide4.xml><?xml version="1.0" encoding="utf-8"?>
 <p:sld xmlns:a="http://schemas.openxmlformats.org/drawingml/2006/main" xmlns:r="http://schemas.openxmlformats.org/officeDocument/2006/relationships" xmlns:p="http://schemas.openxmlformats.org/presentationml/2006/main">
   <p:cSld>
@@ -19034,6 +21197,571 @@
         </p:spPr>
       </p:pic>
     </p:spTree>
+  </p:cSld>
+  <p:clrMapOvr>
+    <a:masterClrMapping/>
+  </p:clrMapOvr>
+</p:sld>
+</file>
+
+<file path=ppt/slides/slide40.xml><?xml version="1.0" encoding="utf-8"?>
+<p:sld xmlns:a="http://schemas.openxmlformats.org/drawingml/2006/main" xmlns:r="http://schemas.openxmlformats.org/officeDocument/2006/relationships" xmlns:p="http://schemas.openxmlformats.org/presentationml/2006/main">
+  <p:cSld>
+    <p:spTree>
+      <p:nvGrpSpPr>
+        <p:cNvPr id="1" name=""/>
+        <p:cNvGrpSpPr/>
+        <p:nvPr/>
+      </p:nvGrpSpPr>
+      <p:grpSpPr>
+        <a:xfrm>
+          <a:off x="0" y="0"/>
+          <a:ext cx="0" cy="0"/>
+          <a:chOff x="0" y="0"/>
+          <a:chExt cx="0" cy="0"/>
+        </a:xfrm>
+      </p:grpSpPr>
+      <p:sp>
+        <p:nvSpPr>
+          <p:cNvPr id="2" name="Title 1">
+            <a:extLst>
+              <a:ext uri="{FF2B5EF4-FFF2-40B4-BE49-F238E27FC236}">
+                <a16:creationId xmlns:a16="http://schemas.microsoft.com/office/drawing/2014/main" id="{992300D1-4FCF-7632-A87A-D563CA9E2118}"/>
+              </a:ext>
+            </a:extLst>
+          </p:cNvPr>
+          <p:cNvSpPr>
+            <a:spLocks noGrp="1"/>
+          </p:cNvSpPr>
+          <p:nvPr>
+            <p:ph type="title"/>
+          </p:nvPr>
+        </p:nvSpPr>
+        <p:spPr/>
+        <p:txBody>
+          <a:bodyPr/>
+          <a:lstStyle/>
+          <a:p>
+            <a:r>
+              <a:rPr lang="en-US" dirty="0"/>
+              <a:t>Stakeholder Analysis</a:t>
+            </a:r>
+          </a:p>
+        </p:txBody>
+      </p:sp>
+      <p:sp>
+        <p:nvSpPr>
+          <p:cNvPr id="3" name="Content Placeholder 2">
+            <a:extLst>
+              <a:ext uri="{FF2B5EF4-FFF2-40B4-BE49-F238E27FC236}">
+                <a16:creationId xmlns:a16="http://schemas.microsoft.com/office/drawing/2014/main" id="{9A961C99-2CC8-98AA-07DB-8A17C0B9AEF1}"/>
+              </a:ext>
+            </a:extLst>
+          </p:cNvPr>
+          <p:cNvSpPr>
+            <a:spLocks noGrp="1"/>
+          </p:cNvSpPr>
+          <p:nvPr>
+            <p:ph idx="1"/>
+          </p:nvPr>
+        </p:nvSpPr>
+        <p:spPr>
+          <a:xfrm>
+            <a:off x="838199" y="1500160"/>
+            <a:ext cx="10868247" cy="4351338"/>
+          </a:xfrm>
+        </p:spPr>
+        <p:txBody>
+          <a:bodyPr>
+            <a:normAutofit/>
+          </a:bodyPr>
+          <a:lstStyle/>
+          <a:p>
+            <a:r>
+              <a:rPr lang="en-US" dirty="0"/>
+              <a:t>Relative to the issue of content moderation, who or what are the stakeholders? (i.e. individuals or groups whose interests stand to be impacted by this algorithm?)</a:t>
+            </a:r>
+          </a:p>
+          <a:p>
+            <a:r>
+              <a:rPr lang="en-US" dirty="0"/>
+              <a:t>Relative to the issue of content moderation, what are the interests or values of the different stakeholders?</a:t>
+            </a:r>
+          </a:p>
+          <a:p>
+            <a:r>
+              <a:rPr lang="en-US" dirty="0"/>
+              <a:t>Are there any conflicts of interests or values?</a:t>
+            </a:r>
+          </a:p>
+          <a:p>
+            <a:r>
+              <a:rPr lang="en-US" dirty="0"/>
+              <a:t>Overall, given the different stakeholders, interests and values, do any of them stand out to you as ones we should prioritize? Why?</a:t>
+            </a:r>
+          </a:p>
+        </p:txBody>
+      </p:sp>
+      <p:sp>
+        <p:nvSpPr>
+          <p:cNvPr id="4" name="Slide Number Placeholder 3">
+            <a:extLst>
+              <a:ext uri="{FF2B5EF4-FFF2-40B4-BE49-F238E27FC236}">
+                <a16:creationId xmlns:a16="http://schemas.microsoft.com/office/drawing/2014/main" id="{B1846DD2-C733-7BF5-1A88-1DE2E1003009}"/>
+              </a:ext>
+            </a:extLst>
+          </p:cNvPr>
+          <p:cNvSpPr>
+            <a:spLocks noGrp="1"/>
+          </p:cNvSpPr>
+          <p:nvPr>
+            <p:ph type="sldNum" sz="quarter" idx="12"/>
+          </p:nvPr>
+        </p:nvSpPr>
+        <p:spPr/>
+        <p:txBody>
+          <a:bodyPr/>
+          <a:lstStyle/>
+          <a:p>
+            <a:fld id="{20F37917-FD3A-4669-9018-DA04BCDD3D75}" type="slidenum">
+              <a:rPr lang="en-US" smtClean="0"/>
+              <a:t>40</a:t>
+            </a:fld>
+            <a:endParaRPr lang="en-US"/>
+          </a:p>
+        </p:txBody>
+      </p:sp>
+    </p:spTree>
+    <p:extLst>
+      <p:ext uri="{BB962C8B-B14F-4D97-AF65-F5344CB8AC3E}">
+        <p14:creationId xmlns:p14="http://schemas.microsoft.com/office/powerpoint/2010/main" val="2492839813"/>
+      </p:ext>
+    </p:extLst>
+  </p:cSld>
+  <p:clrMapOvr>
+    <a:masterClrMapping/>
+  </p:clrMapOvr>
+</p:sld>
+</file>
+
+<file path=ppt/slides/slide41.xml><?xml version="1.0" encoding="utf-8"?>
+<p:sld xmlns:a="http://schemas.openxmlformats.org/drawingml/2006/main" xmlns:r="http://schemas.openxmlformats.org/officeDocument/2006/relationships" xmlns:p="http://schemas.openxmlformats.org/presentationml/2006/main">
+  <p:cSld>
+    <p:spTree>
+      <p:nvGrpSpPr>
+        <p:cNvPr id="1" name=""/>
+        <p:cNvGrpSpPr/>
+        <p:nvPr/>
+      </p:nvGrpSpPr>
+      <p:grpSpPr>
+        <a:xfrm>
+          <a:off x="0" y="0"/>
+          <a:ext cx="0" cy="0"/>
+          <a:chOff x="0" y="0"/>
+          <a:chExt cx="0" cy="0"/>
+        </a:xfrm>
+      </p:grpSpPr>
+      <p:sp>
+        <p:nvSpPr>
+          <p:cNvPr id="2" name="Title 1">
+            <a:extLst>
+              <a:ext uri="{FF2B5EF4-FFF2-40B4-BE49-F238E27FC236}">
+                <a16:creationId xmlns:a16="http://schemas.microsoft.com/office/drawing/2014/main" id="{335D756B-A2A8-E49D-275B-242F19E39A6F}"/>
+              </a:ext>
+            </a:extLst>
+          </p:cNvPr>
+          <p:cNvSpPr>
+            <a:spLocks noGrp="1"/>
+          </p:cNvSpPr>
+          <p:nvPr>
+            <p:ph type="title"/>
+          </p:nvPr>
+        </p:nvSpPr>
+        <p:spPr/>
+        <p:txBody>
+          <a:bodyPr/>
+          <a:lstStyle/>
+          <a:p>
+            <a:r>
+              <a:rPr lang="en-US" dirty="0"/>
+              <a:t>Value Investigations</a:t>
+            </a:r>
+          </a:p>
+        </p:txBody>
+      </p:sp>
+      <p:sp>
+        <p:nvSpPr>
+          <p:cNvPr id="3" name="Content Placeholder 2">
+            <a:extLst>
+              <a:ext uri="{FF2B5EF4-FFF2-40B4-BE49-F238E27FC236}">
+                <a16:creationId xmlns:a16="http://schemas.microsoft.com/office/drawing/2014/main" id="{2BBDF1D1-AD42-D3B3-32F6-3100087AE8EC}"/>
+              </a:ext>
+            </a:extLst>
+          </p:cNvPr>
+          <p:cNvSpPr>
+            <a:spLocks noGrp="1"/>
+          </p:cNvSpPr>
+          <p:nvPr>
+            <p:ph idx="1"/>
+          </p:nvPr>
+        </p:nvSpPr>
+        <p:spPr/>
+        <p:txBody>
+          <a:bodyPr>
+            <a:normAutofit/>
+          </a:bodyPr>
+          <a:lstStyle/>
+          <a:p>
+            <a:r>
+              <a:rPr lang="en-US" dirty="0"/>
+              <a:t>Why do you think some people might be concerned with Reddit removing user’s posts? What if the posts have misinformation?</a:t>
+            </a:r>
+          </a:p>
+          <a:p>
+            <a:r>
+              <a:rPr lang="en-US" dirty="0"/>
+              <a:t>How are users harmed if posts are mistakenly removed by Reddit?</a:t>
+            </a:r>
+          </a:p>
+          <a:p>
+            <a:r>
+              <a:rPr lang="en-US" dirty="0"/>
+              <a:t>How can bias in the moderation algorithms potentially harm users?</a:t>
+            </a:r>
+          </a:p>
+          <a:p>
+            <a:r>
+              <a:rPr lang="en-US" dirty="0"/>
+              <a:t>Given the debate on free speech vs. content moderation what do you think are the strengths and weaknesses of the proposed requirement?</a:t>
+            </a:r>
+          </a:p>
+        </p:txBody>
+      </p:sp>
+      <p:sp>
+        <p:nvSpPr>
+          <p:cNvPr id="4" name="Slide Number Placeholder 3">
+            <a:extLst>
+              <a:ext uri="{FF2B5EF4-FFF2-40B4-BE49-F238E27FC236}">
+                <a16:creationId xmlns:a16="http://schemas.microsoft.com/office/drawing/2014/main" id="{D4A73DC0-62D3-455A-A1DF-7F2AFE5098A9}"/>
+              </a:ext>
+            </a:extLst>
+          </p:cNvPr>
+          <p:cNvSpPr>
+            <a:spLocks noGrp="1"/>
+          </p:cNvSpPr>
+          <p:nvPr>
+            <p:ph type="sldNum" sz="quarter" idx="12"/>
+          </p:nvPr>
+        </p:nvSpPr>
+        <p:spPr/>
+        <p:txBody>
+          <a:bodyPr/>
+          <a:lstStyle/>
+          <a:p>
+            <a:fld id="{20F37917-FD3A-4669-9018-DA04BCDD3D75}" type="slidenum">
+              <a:rPr lang="en-US" smtClean="0"/>
+              <a:t>41</a:t>
+            </a:fld>
+            <a:endParaRPr lang="en-US"/>
+          </a:p>
+        </p:txBody>
+      </p:sp>
+    </p:spTree>
+    <p:extLst>
+      <p:ext uri="{BB962C8B-B14F-4D97-AF65-F5344CB8AC3E}">
+        <p14:creationId xmlns:p14="http://schemas.microsoft.com/office/powerpoint/2010/main" val="1519777456"/>
+      </p:ext>
+    </p:extLst>
+  </p:cSld>
+  <p:clrMapOvr>
+    <a:masterClrMapping/>
+  </p:clrMapOvr>
+</p:sld>
+</file>
+
+<file path=ppt/slides/slide42.xml><?xml version="1.0" encoding="utf-8"?>
+<p:sld xmlns:a="http://schemas.openxmlformats.org/drawingml/2006/main" xmlns:r="http://schemas.openxmlformats.org/officeDocument/2006/relationships" xmlns:p="http://schemas.openxmlformats.org/presentationml/2006/main">
+  <p:cSld>
+    <p:spTree>
+      <p:nvGrpSpPr>
+        <p:cNvPr id="1" name=""/>
+        <p:cNvGrpSpPr/>
+        <p:nvPr/>
+      </p:nvGrpSpPr>
+      <p:grpSpPr>
+        <a:xfrm>
+          <a:off x="0" y="0"/>
+          <a:ext cx="0" cy="0"/>
+          <a:chOff x="0" y="0"/>
+          <a:chExt cx="0" cy="0"/>
+        </a:xfrm>
+      </p:grpSpPr>
+      <p:sp>
+        <p:nvSpPr>
+          <p:cNvPr id="2" name="Title 1">
+            <a:extLst>
+              <a:ext uri="{FF2B5EF4-FFF2-40B4-BE49-F238E27FC236}">
+                <a16:creationId xmlns:a16="http://schemas.microsoft.com/office/drawing/2014/main" id="{3D677602-B4CF-BDC8-DDE2-14B6FB2174BF}"/>
+              </a:ext>
+            </a:extLst>
+          </p:cNvPr>
+          <p:cNvSpPr>
+            <a:spLocks noGrp="1"/>
+          </p:cNvSpPr>
+          <p:nvPr>
+            <p:ph type="title"/>
+          </p:nvPr>
+        </p:nvSpPr>
+        <p:spPr/>
+        <p:txBody>
+          <a:bodyPr/>
+          <a:lstStyle/>
+          <a:p>
+            <a:r>
+              <a:rPr lang="en-US" dirty="0"/>
+              <a:t>Technical Investigations</a:t>
+            </a:r>
+          </a:p>
+        </p:txBody>
+      </p:sp>
+      <p:sp>
+        <p:nvSpPr>
+          <p:cNvPr id="3" name="Content Placeholder 2">
+            <a:extLst>
+              <a:ext uri="{FF2B5EF4-FFF2-40B4-BE49-F238E27FC236}">
+                <a16:creationId xmlns:a16="http://schemas.microsoft.com/office/drawing/2014/main" id="{C36CF53C-4066-4127-A0C2-13EAEDBD150D}"/>
+              </a:ext>
+            </a:extLst>
+          </p:cNvPr>
+          <p:cNvSpPr>
+            <a:spLocks noGrp="1"/>
+          </p:cNvSpPr>
+          <p:nvPr>
+            <p:ph idx="1"/>
+          </p:nvPr>
+        </p:nvSpPr>
+        <p:spPr/>
+        <p:txBody>
+          <a:bodyPr/>
+          <a:lstStyle/>
+          <a:p>
+            <a:r>
+              <a:rPr lang="en-US" dirty="0"/>
+              <a:t>Suppose as a result of the VSD analysis we came up with two high-level requirements:</a:t>
+            </a:r>
+          </a:p>
+          <a:p>
+            <a:pPr marL="914400" lvl="1" indent="-457200">
+              <a:buFont typeface="+mj-lt"/>
+              <a:buAutoNum type="arabicPeriod"/>
+            </a:pPr>
+            <a:r>
+              <a:rPr lang="en-US" dirty="0"/>
+              <a:t>The flagging feature gives an explanation to the user as to why the system flagged and removed their content. If, after reading the explanation, the user thought the flagging was in error, they can submit the flag for further review. </a:t>
+            </a:r>
+          </a:p>
+          <a:p>
+            <a:pPr marL="914400" lvl="1" indent="-457200">
+              <a:buFont typeface="+mj-lt"/>
+              <a:buAutoNum type="arabicPeriod"/>
+            </a:pPr>
+            <a:r>
+              <a:rPr lang="en-US" dirty="0"/>
+              <a:t>The system prompts the user to reconsider (does not prevent) if their post is potentially offensive.</a:t>
+            </a:r>
+          </a:p>
+          <a:p>
+            <a:r>
+              <a:rPr lang="en-US" dirty="0"/>
+              <a:t>Which requirement would you prefer and why in terms of the values you think are important to you?</a:t>
+            </a:r>
+          </a:p>
+        </p:txBody>
+      </p:sp>
+      <p:sp>
+        <p:nvSpPr>
+          <p:cNvPr id="4" name="Slide Number Placeholder 3">
+            <a:extLst>
+              <a:ext uri="{FF2B5EF4-FFF2-40B4-BE49-F238E27FC236}">
+                <a16:creationId xmlns:a16="http://schemas.microsoft.com/office/drawing/2014/main" id="{32FCEC0B-BB53-CE83-F74E-D021035F50E0}"/>
+              </a:ext>
+            </a:extLst>
+          </p:cNvPr>
+          <p:cNvSpPr>
+            <a:spLocks noGrp="1"/>
+          </p:cNvSpPr>
+          <p:nvPr>
+            <p:ph type="sldNum" sz="quarter" idx="12"/>
+          </p:nvPr>
+        </p:nvSpPr>
+        <p:spPr/>
+        <p:txBody>
+          <a:bodyPr/>
+          <a:lstStyle/>
+          <a:p>
+            <a:fld id="{20F37917-FD3A-4669-9018-DA04BCDD3D75}" type="slidenum">
+              <a:rPr lang="en-US" smtClean="0"/>
+              <a:t>42</a:t>
+            </a:fld>
+            <a:endParaRPr lang="en-US"/>
+          </a:p>
+        </p:txBody>
+      </p:sp>
+    </p:spTree>
+    <p:extLst>
+      <p:ext uri="{BB962C8B-B14F-4D97-AF65-F5344CB8AC3E}">
+        <p14:creationId xmlns:p14="http://schemas.microsoft.com/office/powerpoint/2010/main" val="1904462745"/>
+      </p:ext>
+    </p:extLst>
+  </p:cSld>
+  <p:clrMapOvr>
+    <a:masterClrMapping/>
+  </p:clrMapOvr>
+</p:sld>
+</file>
+
+<file path=ppt/slides/slide43.xml><?xml version="1.0" encoding="utf-8"?>
+<p:sld xmlns:a="http://schemas.openxmlformats.org/drawingml/2006/main" xmlns:r="http://schemas.openxmlformats.org/officeDocument/2006/relationships" xmlns:p="http://schemas.openxmlformats.org/presentationml/2006/main">
+  <p:cSld>
+    <p:spTree>
+      <p:nvGrpSpPr>
+        <p:cNvPr id="1" name=""/>
+        <p:cNvGrpSpPr/>
+        <p:nvPr/>
+      </p:nvGrpSpPr>
+      <p:grpSpPr>
+        <a:xfrm>
+          <a:off x="0" y="0"/>
+          <a:ext cx="0" cy="0"/>
+          <a:chOff x="0" y="0"/>
+          <a:chExt cx="0" cy="0"/>
+        </a:xfrm>
+      </p:grpSpPr>
+      <p:sp>
+        <p:nvSpPr>
+          <p:cNvPr id="2" name="Title 1">
+            <a:extLst>
+              <a:ext uri="{FF2B5EF4-FFF2-40B4-BE49-F238E27FC236}">
+                <a16:creationId xmlns:a16="http://schemas.microsoft.com/office/drawing/2014/main" id="{1ADD271A-4170-C5F2-C69E-66357770CC1B}"/>
+              </a:ext>
+            </a:extLst>
+          </p:cNvPr>
+          <p:cNvSpPr>
+            <a:spLocks noGrp="1"/>
+          </p:cNvSpPr>
+          <p:nvPr>
+            <p:ph type="title"/>
+          </p:nvPr>
+        </p:nvSpPr>
+        <p:spPr/>
+        <p:txBody>
+          <a:bodyPr/>
+          <a:lstStyle/>
+          <a:p>
+            <a:r>
+              <a:rPr lang="en-US" dirty="0"/>
+              <a:t>VSD and User Stories</a:t>
+            </a:r>
+          </a:p>
+        </p:txBody>
+      </p:sp>
+      <p:sp>
+        <p:nvSpPr>
+          <p:cNvPr id="3" name="Content Placeholder 2">
+            <a:extLst>
+              <a:ext uri="{FF2B5EF4-FFF2-40B4-BE49-F238E27FC236}">
+                <a16:creationId xmlns:a16="http://schemas.microsoft.com/office/drawing/2014/main" id="{07D4A9E1-54C4-62AE-1AB7-CC939291C0B9}"/>
+              </a:ext>
+            </a:extLst>
+          </p:cNvPr>
+          <p:cNvSpPr>
+            <a:spLocks noGrp="1"/>
+          </p:cNvSpPr>
+          <p:nvPr>
+            <p:ph idx="1"/>
+          </p:nvPr>
+        </p:nvSpPr>
+        <p:spPr/>
+        <p:txBody>
+          <a:bodyPr/>
+          <a:lstStyle/>
+          <a:p>
+            <a:r>
+              <a:rPr lang="en-US" dirty="0"/>
+              <a:t>Formally specify the chosen requirement as user stories.</a:t>
+            </a:r>
+          </a:p>
+          <a:p>
+            <a:r>
+              <a:rPr lang="en-US" dirty="0"/>
+              <a:t>Your user stories must capture the following:</a:t>
+            </a:r>
+          </a:p>
+          <a:p>
+            <a:pPr lvl="1"/>
+            <a:r>
+              <a:rPr lang="en-US" dirty="0"/>
+              <a:t>Who are the stakeholders?</a:t>
+            </a:r>
+          </a:p>
+          <a:p>
+            <a:pPr lvl="1"/>
+            <a:r>
+              <a:rPr lang="en-US" dirty="0"/>
+              <a:t>What are the values?</a:t>
+            </a:r>
+          </a:p>
+          <a:p>
+            <a:pPr lvl="1"/>
+            <a:r>
+              <a:rPr lang="en-US" dirty="0"/>
+              <a:t>What value tensions were resolved?</a:t>
+            </a:r>
+          </a:p>
+          <a:p>
+            <a:pPr lvl="1"/>
+            <a:r>
+              <a:rPr lang="en-US" dirty="0"/>
+              <a:t>What are the conditions of satisfaction?</a:t>
+            </a:r>
+          </a:p>
+        </p:txBody>
+      </p:sp>
+      <p:sp>
+        <p:nvSpPr>
+          <p:cNvPr id="4" name="Slide Number Placeholder 3">
+            <a:extLst>
+              <a:ext uri="{FF2B5EF4-FFF2-40B4-BE49-F238E27FC236}">
+                <a16:creationId xmlns:a16="http://schemas.microsoft.com/office/drawing/2014/main" id="{37E7A858-98E7-6833-17AC-6377EA96A2A3}"/>
+              </a:ext>
+            </a:extLst>
+          </p:cNvPr>
+          <p:cNvSpPr>
+            <a:spLocks noGrp="1"/>
+          </p:cNvSpPr>
+          <p:nvPr>
+            <p:ph type="sldNum" sz="quarter" idx="12"/>
+          </p:nvPr>
+        </p:nvSpPr>
+        <p:spPr/>
+        <p:txBody>
+          <a:bodyPr/>
+          <a:lstStyle/>
+          <a:p>
+            <a:fld id="{20F37917-FD3A-4669-9018-DA04BCDD3D75}" type="slidenum">
+              <a:rPr lang="en-US" smtClean="0"/>
+              <a:t>43</a:t>
+            </a:fld>
+            <a:endParaRPr lang="en-US"/>
+          </a:p>
+        </p:txBody>
+      </p:sp>
+    </p:spTree>
+    <p:extLst>
+      <p:ext uri="{BB962C8B-B14F-4D97-AF65-F5344CB8AC3E}">
+        <p14:creationId xmlns:p14="http://schemas.microsoft.com/office/powerpoint/2010/main" val="3677923322"/>
+      </p:ext>
+    </p:extLst>
   </p:cSld>
   <p:clrMapOvr>
     <a:masterClrMapping/>
@@ -24935,4 +27663,10 @@
     </a:ext>
   </a:extLst>
 </a:theme>
+</file>
+
+<file path=docMetadata/LabelInfo.xml><?xml version="1.0" encoding="utf-8"?>
+<clbl:labelList xmlns:clbl="http://schemas.microsoft.com/office/2020/mipLabelMetadata">
+  <clbl:label id="{7893ce20-a697-4fd6-a4da-14011f6a471d}" enabled="1" method="Standard" siteId="{a8eec281-aaa3-4dae-ac9b-9a398b9215e7}" contentBits="0" removed="0"/>
+</clbl:labelList>
 </file>
--- a/Slides/Module 01.2 Requirements Gathering.pptx
+++ b/Slides/Module 01.2 Requirements Gathering.pptx
@@ -2321,8 +2321,8 @@
     <dgm:cxn modelId="{0D619939-DF3D-4D20-BB53-412AF78EA558}" type="presOf" srcId="{ABB0E679-4682-422A-B4B3-34D44CC4C90C}" destId="{BBEC7333-A5CB-4B43-A34A-870E516E4DD6}" srcOrd="0" destOrd="0" presId="urn:microsoft.com/office/officeart/2018/2/layout/IconVerticalSolidList"/>
     <dgm:cxn modelId="{07AC9C4A-377E-4379-B550-8DB49E3862F9}" srcId="{ABB0E679-4682-422A-B4B3-34D44CC4C90C}" destId="{8859CDF6-BBF5-4A76-8A76-407071531CB6}" srcOrd="2" destOrd="0" parTransId="{4553293F-765F-468C-A52D-17712ED16F1F}" sibTransId="{CD3D3010-EDC9-481C-A822-9AFA251D0BAD}"/>
     <dgm:cxn modelId="{F7C5F74B-BB11-4F28-9F7E-23FE778011DC}" type="presOf" srcId="{79B77230-D940-49CC-AF47-BF1D40797D89}" destId="{D527155E-0657-496B-926B-6BBC0B628D07}" srcOrd="0" destOrd="0" presId="urn:microsoft.com/office/officeart/2018/2/layout/IconVerticalSolidList"/>
+    <dgm:cxn modelId="{BBA2886E-1FC2-4FFE-BF42-BABB70DB9D54}" srcId="{ABB0E679-4682-422A-B4B3-34D44CC4C90C}" destId="{79B77230-D940-49CC-AF47-BF1D40797D89}" srcOrd="0" destOrd="0" parTransId="{C50558CC-69DA-4C28-8CB9-2982E9088524}" sibTransId="{01A261DD-4242-4987-8459-53BA826F65E4}"/>
     <dgm:cxn modelId="{16B49D51-0857-4A44-AD1A-0C1006418460}" srcId="{7851135E-E593-49EB-9C66-FB8F80DCC8EB}" destId="{0F25331F-8FB8-4E3A-87F2-3F285D74EB32}" srcOrd="2" destOrd="0" parTransId="{324E124D-8500-4C04-A0BA-6F6C2D553D81}" sibTransId="{4716CEE8-C882-4DFA-8AAE-CB3797F9F69F}"/>
-    <dgm:cxn modelId="{BBA2886E-1FC2-4FFE-BF42-BABB70DB9D54}" srcId="{ABB0E679-4682-422A-B4B3-34D44CC4C90C}" destId="{79B77230-D940-49CC-AF47-BF1D40797D89}" srcOrd="0" destOrd="0" parTransId="{C50558CC-69DA-4C28-8CB9-2982E9088524}" sibTransId="{01A261DD-4242-4987-8459-53BA826F65E4}"/>
     <dgm:cxn modelId="{6F534F79-49C3-49F2-B767-CA8451407698}" type="presOf" srcId="{2CC7D121-8A41-44D9-89BD-244AA28A42A0}" destId="{D527155E-0657-496B-926B-6BBC0B628D07}" srcOrd="0" destOrd="1" presId="urn:microsoft.com/office/officeart/2018/2/layout/IconVerticalSolidList"/>
     <dgm:cxn modelId="{83B9F09E-EAE2-4CC8-ADD5-C1D9758C0071}" type="presOf" srcId="{A898EC3E-4F02-462D-8397-BC48F29AE81B}" destId="{4FB2F518-2BF4-4FD7-A56E-47F3A3918E17}" srcOrd="0" destOrd="0" presId="urn:microsoft.com/office/officeart/2018/2/layout/IconVerticalSolidList"/>
     <dgm:cxn modelId="{D9C411B4-474A-4FB0-9E9B-1E92A378E566}" srcId="{289B9B18-ED8C-4F8C-B57D-E359AFC29DCD}" destId="{A898EC3E-4F02-462D-8397-BC48F29AE81B}" srcOrd="0" destOrd="0" parTransId="{AD9DCD49-7708-4181-B664-3E4D3C91E37D}" sibTransId="{5F251CD8-B93E-4310-9598-EB0F0D698564}"/>
@@ -6137,7 +6137,7 @@
           <a:p>
             <a:fld id="{7C7E5181-6CF5-45F7-A87A-E0E0B1FD7549}" type="datetimeFigureOut">
               <a:rPr lang="en-US" smtClean="0"/>
-              <a:t>6/5/25</a:t>
+              <a:t>6/5/2025</a:t>
             </a:fld>
             <a:endParaRPr lang="en-US"/>
           </a:p>
@@ -9447,7 +9447,7 @@
           <a:p>
             <a:fld id="{5D2A64DE-480B-420F-9649-4F8E696E08E0}" type="datetime1">
               <a:rPr lang="en-US" smtClean="0"/>
-              <a:t>6/5/25</a:t>
+              <a:t>6/5/2025</a:t>
             </a:fld>
             <a:endParaRPr lang="en-US"/>
           </a:p>
@@ -9771,7 +9771,7 @@
           <a:p>
             <a:fld id="{EA476A42-A091-4468-A075-64A31BE59948}" type="datetime1">
               <a:rPr lang="en-US" smtClean="0"/>
-              <a:t>6/5/25</a:t>
+              <a:t>6/5/2025</a:t>
             </a:fld>
             <a:endParaRPr lang="en-US"/>
           </a:p>
@@ -9969,7 +9969,7 @@
           <a:p>
             <a:fld id="{0D3616D0-8311-4107-9726-6B805E7D05BA}" type="datetime1">
               <a:rPr lang="en-US" smtClean="0"/>
-              <a:t>6/5/25</a:t>
+              <a:t>6/5/2025</a:t>
             </a:fld>
             <a:endParaRPr lang="en-US"/>
           </a:p>
@@ -10177,7 +10177,7 @@
           <a:p>
             <a:fld id="{3BC2557A-5C88-417A-A763-5AC779462A5F}" type="datetime1">
               <a:rPr lang="en-US" smtClean="0"/>
-              <a:t>6/5/25</a:t>
+              <a:t>6/5/2025</a:t>
             </a:fld>
             <a:endParaRPr lang="en-US"/>
           </a:p>
@@ -10701,7 +10701,7 @@
           <a:p>
             <a:fld id="{07C7BFD4-467E-4EDE-93EA-052F5B39A4E5}" type="datetime1">
               <a:rPr lang="en-US" smtClean="0"/>
-              <a:t>6/5/25</a:t>
+              <a:t>6/5/2025</a:t>
             </a:fld>
             <a:endParaRPr lang="en-US"/>
           </a:p>
@@ -10951,7 +10951,7 @@
           <a:p>
             <a:fld id="{07C7BFD4-467E-4EDE-93EA-052F5B39A4E5}" type="datetime1">
               <a:rPr lang="en-US" smtClean="0"/>
-              <a:t>6/5/25</a:t>
+              <a:t>6/5/2025</a:t>
             </a:fld>
             <a:endParaRPr lang="en-US"/>
           </a:p>
@@ -11133,7 +11133,7 @@
           <a:p>
             <a:fld id="{109E55A0-C911-4F03-82FC-7E5926047D46}" type="datetime1">
               <a:rPr lang="en-US" smtClean="0"/>
-              <a:t>6/5/25</a:t>
+              <a:t>6/5/2025</a:t>
             </a:fld>
             <a:endParaRPr lang="en-US"/>
           </a:p>
@@ -11446,7 +11446,7 @@
           <a:p>
             <a:fld id="{A533CBE2-D5BE-47AC-ADC2-9CDFC1D0CF90}" type="datetime1">
               <a:rPr lang="en-US" smtClean="0"/>
-              <a:t>6/5/25</a:t>
+              <a:t>6/5/2025</a:t>
             </a:fld>
             <a:endParaRPr lang="en-US"/>
           </a:p>
@@ -11747,7 +11747,7 @@
           <a:p>
             <a:fld id="{39B7EDB1-CE74-4951-85A2-0B01C2128E28}" type="datetime1">
               <a:rPr lang="en-US" smtClean="0"/>
-              <a:t>6/5/25</a:t>
+              <a:t>6/5/2025</a:t>
             </a:fld>
             <a:endParaRPr lang="en-US"/>
           </a:p>
@@ -12195,7 +12195,7 @@
           <a:p>
             <a:fld id="{2BC7EB92-A5C2-4807-A9DC-9EDE6CBFB241}" type="datetime1">
               <a:rPr lang="en-US" smtClean="0"/>
-              <a:t>6/5/25</a:t>
+              <a:t>6/5/2025</a:t>
             </a:fld>
             <a:endParaRPr lang="en-US"/>
           </a:p>
@@ -12308,7 +12308,7 @@
           <a:p>
             <a:fld id="{2B7B7EE0-7771-4CD5-9B2B-3550753A54A1}" type="datetime1">
               <a:rPr lang="en-US" smtClean="0"/>
-              <a:t>6/5/25</a:t>
+              <a:t>6/5/2025</a:t>
             </a:fld>
             <a:endParaRPr lang="en-US"/>
           </a:p>
@@ -12619,7 +12619,7 @@
           <a:p>
             <a:fld id="{F8B318B3-0E87-4416-A9B8-D891968C2727}" type="datetime1">
               <a:rPr lang="en-US" smtClean="0"/>
-              <a:t>6/5/25</a:t>
+              <a:t>6/5/2025</a:t>
             </a:fld>
             <a:endParaRPr lang="en-US"/>
           </a:p>
@@ -12860,7 +12860,7 @@
           <a:p>
             <a:fld id="{54D997E8-DDEE-43F1-8D9B-F8A1E11DE488}" type="datetime1">
               <a:rPr lang="en-US" smtClean="0"/>
-              <a:t>6/5/25</a:t>
+              <a:t>6/5/2025</a:t>
             </a:fld>
             <a:endParaRPr lang="en-US"/>
           </a:p>
@@ -13359,7 +13359,15 @@
             </a:pPr>
             <a:r>
               <a:rPr lang="en-US" sz="2400" dirty="0"/>
-              <a:t>Adeel Bhutta and Mitch Wand</a:t>
+              <a:t>Adeel Bhutta</a:t>
+            </a:r>
+            <a:r>
+              <a:rPr lang="en-US" sz="2400"/>
+              <a:t>, Joydeep Mitra </a:t>
+            </a:r>
+            <a:r>
+              <a:rPr lang="en-US" sz="2400" dirty="0"/>
+              <a:t>and Mitch Wand</a:t>
             </a:r>
           </a:p>
           <a:p>

--- a/Slides/Module 01.2 Requirements Gathering.pptx
+++ b/Slides/Module 01.2 Requirements Gathering.pptx
@@ -5,7 +5,7 @@
     <p:sldMasterId id="2147483648" r:id="rId1"/>
   </p:sldMasterIdLst>
   <p:notesMasterIdLst>
-    <p:notesMasterId r:id="rId45"/>
+    <p:notesMasterId r:id="rId44"/>
   </p:notesMasterIdLst>
   <p:sldIdLst>
     <p:sldId id="485" r:id="rId2"/>
@@ -39,32 +39,31 @@
     <p:sldId id="494" r:id="rId30"/>
     <p:sldId id="496" r:id="rId31"/>
     <p:sldId id="495" r:id="rId32"/>
-    <p:sldId id="498" r:id="rId33"/>
-    <p:sldId id="552" r:id="rId34"/>
-    <p:sldId id="553" r:id="rId35"/>
-    <p:sldId id="554" r:id="rId36"/>
-    <p:sldId id="555" r:id="rId37"/>
-    <p:sldId id="556" r:id="rId38"/>
-    <p:sldId id="557" r:id="rId39"/>
-    <p:sldId id="558" r:id="rId40"/>
-    <p:sldId id="559" r:id="rId41"/>
-    <p:sldId id="560" r:id="rId42"/>
-    <p:sldId id="561" r:id="rId43"/>
-    <p:sldId id="562" r:id="rId44"/>
+    <p:sldId id="552" r:id="rId33"/>
+    <p:sldId id="553" r:id="rId34"/>
+    <p:sldId id="555" r:id="rId35"/>
+    <p:sldId id="556" r:id="rId36"/>
+    <p:sldId id="557" r:id="rId37"/>
+    <p:sldId id="558" r:id="rId38"/>
+    <p:sldId id="559" r:id="rId39"/>
+    <p:sldId id="560" r:id="rId40"/>
+    <p:sldId id="561" r:id="rId41"/>
+    <p:sldId id="562" r:id="rId42"/>
+    <p:sldId id="498" r:id="rId43"/>
   </p:sldIdLst>
   <p:sldSz cx="12192000" cy="6858000"/>
   <p:notesSz cx="9144000" cy="6858000"/>
   <p:embeddedFontLst>
     <p:embeddedFont>
       <p:font typeface="Ink Free" panose="03080402000500000000" pitchFamily="66" charset="0"/>
-      <p:regular r:id="rId46"/>
+      <p:regular r:id="rId45"/>
     </p:embeddedFont>
     <p:embeddedFont>
       <p:font typeface="Verdana" panose="020B0604030504040204" pitchFamily="34" charset="0"/>
-      <p:regular r:id="rId47"/>
-      <p:bold r:id="rId48"/>
-      <p:italic r:id="rId49"/>
-      <p:boldItalic r:id="rId50"/>
+      <p:regular r:id="rId46"/>
+      <p:bold r:id="rId47"/>
+      <p:italic r:id="rId48"/>
+      <p:boldItalic r:id="rId49"/>
     </p:embeddedFont>
   </p:embeddedFontLst>
   <p:defaultTextStyle>
@@ -198,10 +197,8 @@
             <p14:sldId id="494"/>
             <p14:sldId id="496"/>
             <p14:sldId id="495"/>
-            <p14:sldId id="498"/>
             <p14:sldId id="552"/>
             <p14:sldId id="553"/>
-            <p14:sldId id="554"/>
             <p14:sldId id="555"/>
             <p14:sldId id="556"/>
             <p14:sldId id="557"/>
@@ -210,6 +207,7 @@
             <p14:sldId id="560"/>
             <p14:sldId id="561"/>
             <p14:sldId id="562"/>
+            <p14:sldId id="498"/>
           </p14:sldIdLst>
         </p14:section>
       </p14:sectionLst>
@@ -2321,8 +2319,8 @@
     <dgm:cxn modelId="{0D619939-DF3D-4D20-BB53-412AF78EA558}" type="presOf" srcId="{ABB0E679-4682-422A-B4B3-34D44CC4C90C}" destId="{BBEC7333-A5CB-4B43-A34A-870E516E4DD6}" srcOrd="0" destOrd="0" presId="urn:microsoft.com/office/officeart/2018/2/layout/IconVerticalSolidList"/>
     <dgm:cxn modelId="{07AC9C4A-377E-4379-B550-8DB49E3862F9}" srcId="{ABB0E679-4682-422A-B4B3-34D44CC4C90C}" destId="{8859CDF6-BBF5-4A76-8A76-407071531CB6}" srcOrd="2" destOrd="0" parTransId="{4553293F-765F-468C-A52D-17712ED16F1F}" sibTransId="{CD3D3010-EDC9-481C-A822-9AFA251D0BAD}"/>
     <dgm:cxn modelId="{F7C5F74B-BB11-4F28-9F7E-23FE778011DC}" type="presOf" srcId="{79B77230-D940-49CC-AF47-BF1D40797D89}" destId="{D527155E-0657-496B-926B-6BBC0B628D07}" srcOrd="0" destOrd="0" presId="urn:microsoft.com/office/officeart/2018/2/layout/IconVerticalSolidList"/>
+    <dgm:cxn modelId="{16B49D51-0857-4A44-AD1A-0C1006418460}" srcId="{7851135E-E593-49EB-9C66-FB8F80DCC8EB}" destId="{0F25331F-8FB8-4E3A-87F2-3F285D74EB32}" srcOrd="2" destOrd="0" parTransId="{324E124D-8500-4C04-A0BA-6F6C2D553D81}" sibTransId="{4716CEE8-C882-4DFA-8AAE-CB3797F9F69F}"/>
     <dgm:cxn modelId="{BBA2886E-1FC2-4FFE-BF42-BABB70DB9D54}" srcId="{ABB0E679-4682-422A-B4B3-34D44CC4C90C}" destId="{79B77230-D940-49CC-AF47-BF1D40797D89}" srcOrd="0" destOrd="0" parTransId="{C50558CC-69DA-4C28-8CB9-2982E9088524}" sibTransId="{01A261DD-4242-4987-8459-53BA826F65E4}"/>
-    <dgm:cxn modelId="{16B49D51-0857-4A44-AD1A-0C1006418460}" srcId="{7851135E-E593-49EB-9C66-FB8F80DCC8EB}" destId="{0F25331F-8FB8-4E3A-87F2-3F285D74EB32}" srcOrd="2" destOrd="0" parTransId="{324E124D-8500-4C04-A0BA-6F6C2D553D81}" sibTransId="{4716CEE8-C882-4DFA-8AAE-CB3797F9F69F}"/>
     <dgm:cxn modelId="{6F534F79-49C3-49F2-B767-CA8451407698}" type="presOf" srcId="{2CC7D121-8A41-44D9-89BD-244AA28A42A0}" destId="{D527155E-0657-496B-926B-6BBC0B628D07}" srcOrd="0" destOrd="1" presId="urn:microsoft.com/office/officeart/2018/2/layout/IconVerticalSolidList"/>
     <dgm:cxn modelId="{83B9F09E-EAE2-4CC8-ADD5-C1D9758C0071}" type="presOf" srcId="{A898EC3E-4F02-462D-8397-BC48F29AE81B}" destId="{4FB2F518-2BF4-4FD7-A56E-47F3A3918E17}" srcOrd="0" destOrd="0" presId="urn:microsoft.com/office/officeart/2018/2/layout/IconVerticalSolidList"/>
     <dgm:cxn modelId="{D9C411B4-474A-4FB0-9E9B-1E92A378E566}" srcId="{289B9B18-ED8C-4F8C-B57D-E359AFC29DCD}" destId="{A898EC3E-4F02-462D-8397-BC48F29AE81B}" srcOrd="0" destOrd="0" parTransId="{AD9DCD49-7708-4181-B664-3E4D3C91E37D}" sibTransId="{5F251CD8-B93E-4310-9598-EB0F0D698564}"/>
@@ -6137,7 +6135,7 @@
           <a:p>
             <a:fld id="{7C7E5181-6CF5-45F7-A87A-E0E0B1FD7549}" type="datetimeFigureOut">
               <a:rPr lang="en-US" smtClean="0"/>
-              <a:t>6/5/2025</a:t>
+              <a:t>6/25/25</a:t>
             </a:fld>
             <a:endParaRPr lang="en-US"/>
           </a:p>
@@ -8330,7 +8328,28 @@
           <a:bodyPr/>
           <a:lstStyle/>
           <a:p>
+            <a:r>
+              <a:rPr lang="en-US" dirty="0"/>
+              <a:t>It is essential to consider ethics and values when building technology. </a:t>
+            </a:r>
+          </a:p>
+          <a:p>
             <a:endParaRPr lang="en-US" dirty="0"/>
+          </a:p>
+          <a:p>
+            <a:r>
+              <a:rPr lang="en-US" dirty="0"/>
+              <a:t>Identifying and grappling with value tensions during the requirements and design phase leads to “better” apps, websites, software systems, artificial intelligence, etc. </a:t>
+            </a:r>
+          </a:p>
+          <a:p>
+            <a:endParaRPr lang="en-US" dirty="0"/>
+          </a:p>
+          <a:p>
+            <a:r>
+              <a:rPr lang="en-US" dirty="0"/>
+              <a:t>In the next few slides we will focus on the process of applying ethics to the software engineering process.</a:t>
+            </a:r>
           </a:p>
         </p:txBody>
       </p:sp>
@@ -8360,7 +8379,664 @@
     </p:spTree>
     <p:extLst>
       <p:ext uri="{BB962C8B-B14F-4D97-AF65-F5344CB8AC3E}">
-        <p14:creationId xmlns:p14="http://schemas.microsoft.com/office/powerpoint/2010/main" val="1604120877"/>
+        <p14:creationId xmlns:p14="http://schemas.microsoft.com/office/powerpoint/2010/main" val="1126080033"/>
+      </p:ext>
+    </p:extLst>
+  </p:cSld>
+  <p:clrMapOvr>
+    <a:masterClrMapping/>
+  </p:clrMapOvr>
+</p:notes>
+</file>
+
+<file path=ppt/notesSlides/notesSlide25.xml><?xml version="1.0" encoding="utf-8"?>
+<p:notes xmlns:a="http://schemas.openxmlformats.org/drawingml/2006/main" xmlns:r="http://schemas.openxmlformats.org/officeDocument/2006/relationships" xmlns:p="http://schemas.openxmlformats.org/presentationml/2006/main">
+  <p:cSld>
+    <p:spTree>
+      <p:nvGrpSpPr>
+        <p:cNvPr id="1" name=""/>
+        <p:cNvGrpSpPr/>
+        <p:nvPr/>
+      </p:nvGrpSpPr>
+      <p:grpSpPr>
+        <a:xfrm>
+          <a:off x="0" y="0"/>
+          <a:ext cx="0" cy="0"/>
+          <a:chOff x="0" y="0"/>
+          <a:chExt cx="0" cy="0"/>
+        </a:xfrm>
+      </p:grpSpPr>
+      <p:sp>
+        <p:nvSpPr>
+          <p:cNvPr id="2" name="Slide Image Placeholder 1"/>
+          <p:cNvSpPr>
+            <a:spLocks noGrp="1" noRot="1" noChangeAspect="1"/>
+          </p:cNvSpPr>
+          <p:nvPr>
+            <p:ph type="sldImg"/>
+          </p:nvPr>
+        </p:nvSpPr>
+        <p:spPr/>
+      </p:sp>
+      <p:sp>
+        <p:nvSpPr>
+          <p:cNvPr id="3" name="Notes Placeholder 2"/>
+          <p:cNvSpPr>
+            <a:spLocks noGrp="1"/>
+          </p:cNvSpPr>
+          <p:nvPr>
+            <p:ph type="body" idx="1"/>
+          </p:nvPr>
+        </p:nvSpPr>
+        <p:spPr/>
+        <p:txBody>
+          <a:bodyPr/>
+          <a:lstStyle/>
+          <a:p>
+            <a:r>
+              <a:rPr lang="en-US" dirty="0"/>
+              <a:t>Cookies and security solutions such as HTTPS are an outcome of an analysis that considers ethical aspects and values such as informed consent</a:t>
+            </a:r>
+          </a:p>
+          <a:p>
+            <a:endParaRPr lang="en-US" dirty="0"/>
+          </a:p>
+          <a:p>
+            <a:r>
+              <a:rPr lang="en-US" dirty="0"/>
+              <a:t>Ask students What is Informed consent and how can it be designed in an online environment? </a:t>
+            </a:r>
+          </a:p>
+          <a:p>
+            <a:endParaRPr lang="en-US" dirty="0"/>
+          </a:p>
+          <a:p>
+            <a:r>
+              <a:rPr lang="en-US" dirty="0"/>
+              <a:t>The design hinges on the following constructs:</a:t>
+            </a:r>
+          </a:p>
+          <a:p>
+            <a:pPr marL="171450" indent="-171450">
+              <a:buFontTx/>
+              <a:buChar char="-"/>
+            </a:pPr>
+            <a:r>
+              <a:rPr lang="en-US" dirty="0"/>
+              <a:t>Disclosure refers to providing accurate information on the pros and cons of the action</a:t>
+            </a:r>
+          </a:p>
+          <a:p>
+            <a:pPr marL="171450" indent="-171450">
+              <a:buFontTx/>
+              <a:buChar char="-"/>
+            </a:pPr>
+            <a:r>
+              <a:rPr lang="en-US" dirty="0"/>
+              <a:t>comprehension refers to a user’s accurate interpretation of what is being disclosed</a:t>
+            </a:r>
+          </a:p>
+          <a:p>
+            <a:pPr marL="171450" indent="-171450">
+              <a:buFontTx/>
+              <a:buChar char="-"/>
+            </a:pPr>
+            <a:r>
+              <a:rPr lang="en-US" dirty="0"/>
+              <a:t>Voluntariness refers to ensuring no coercion or control</a:t>
+            </a:r>
+          </a:p>
+          <a:p>
+            <a:pPr marL="171450" indent="-171450">
+              <a:buFontTx/>
+              <a:buChar char="-"/>
+            </a:pPr>
+            <a:r>
+              <a:rPr lang="en-US" dirty="0"/>
+              <a:t>competence refers to an individual’s mental and physical capability to give consent</a:t>
+            </a:r>
+          </a:p>
+          <a:p>
+            <a:pPr marL="171450" indent="-171450">
+              <a:buFontTx/>
+              <a:buChar char="-"/>
+            </a:pPr>
+            <a:r>
+              <a:rPr lang="en-US" dirty="0"/>
+              <a:t>Agreement refers to a clear opportunity to accept or decline</a:t>
+            </a:r>
+          </a:p>
+        </p:txBody>
+      </p:sp>
+      <p:sp>
+        <p:nvSpPr>
+          <p:cNvPr id="4" name="Slide Number Placeholder 3"/>
+          <p:cNvSpPr>
+            <a:spLocks noGrp="1"/>
+          </p:cNvSpPr>
+          <p:nvPr>
+            <p:ph type="sldNum" sz="quarter" idx="5"/>
+          </p:nvPr>
+        </p:nvSpPr>
+        <p:spPr/>
+        <p:txBody>
+          <a:bodyPr/>
+          <a:lstStyle/>
+          <a:p>
+            <a:fld id="{07937F07-1250-4CCE-B198-1B2887014F41}" type="slidenum">
+              <a:rPr lang="en-US" smtClean="0"/>
+              <a:t>33</a:t>
+            </a:fld>
+            <a:endParaRPr lang="en-US"/>
+          </a:p>
+        </p:txBody>
+      </p:sp>
+    </p:spTree>
+    <p:extLst>
+      <p:ext uri="{BB962C8B-B14F-4D97-AF65-F5344CB8AC3E}">
+        <p14:creationId xmlns:p14="http://schemas.microsoft.com/office/powerpoint/2010/main" val="507575943"/>
+      </p:ext>
+    </p:extLst>
+  </p:cSld>
+  <p:clrMapOvr>
+    <a:masterClrMapping/>
+  </p:clrMapOvr>
+</p:notes>
+</file>
+
+<file path=ppt/notesSlides/notesSlide26.xml><?xml version="1.0" encoding="utf-8"?>
+<p:notes xmlns:a="http://schemas.openxmlformats.org/drawingml/2006/main" xmlns:r="http://schemas.openxmlformats.org/officeDocument/2006/relationships" xmlns:p="http://schemas.openxmlformats.org/presentationml/2006/main">
+  <p:cSld>
+    <p:spTree>
+      <p:nvGrpSpPr>
+        <p:cNvPr id="1" name=""/>
+        <p:cNvGrpSpPr/>
+        <p:nvPr/>
+      </p:nvGrpSpPr>
+      <p:grpSpPr>
+        <a:xfrm>
+          <a:off x="0" y="0"/>
+          <a:ext cx="0" cy="0"/>
+          <a:chOff x="0" y="0"/>
+          <a:chExt cx="0" cy="0"/>
+        </a:xfrm>
+      </p:grpSpPr>
+      <p:sp>
+        <p:nvSpPr>
+          <p:cNvPr id="2" name="Slide Image Placeholder 1"/>
+          <p:cNvSpPr>
+            <a:spLocks noGrp="1" noRot="1" noChangeAspect="1"/>
+          </p:cNvSpPr>
+          <p:nvPr>
+            <p:ph type="sldImg"/>
+          </p:nvPr>
+        </p:nvSpPr>
+        <p:spPr/>
+      </p:sp>
+      <p:sp>
+        <p:nvSpPr>
+          <p:cNvPr id="3" name="Notes Placeholder 2"/>
+          <p:cNvSpPr>
+            <a:spLocks noGrp="1"/>
+          </p:cNvSpPr>
+          <p:nvPr>
+            <p:ph type="body" idx="1"/>
+          </p:nvPr>
+        </p:nvSpPr>
+        <p:spPr/>
+        <p:txBody>
+          <a:bodyPr/>
+          <a:lstStyle/>
+          <a:p>
+            <a:r>
+              <a:rPr lang="en-US" dirty="0"/>
+              <a:t>The case study aligns with the final project</a:t>
+            </a:r>
+          </a:p>
+        </p:txBody>
+      </p:sp>
+      <p:sp>
+        <p:nvSpPr>
+          <p:cNvPr id="4" name="Slide Number Placeholder 3"/>
+          <p:cNvSpPr>
+            <a:spLocks noGrp="1"/>
+          </p:cNvSpPr>
+          <p:nvPr>
+            <p:ph type="sldNum" sz="quarter" idx="5"/>
+          </p:nvPr>
+        </p:nvSpPr>
+        <p:spPr/>
+        <p:txBody>
+          <a:bodyPr/>
+          <a:lstStyle/>
+          <a:p>
+            <a:fld id="{07937F07-1250-4CCE-B198-1B2887014F41}" type="slidenum">
+              <a:rPr lang="en-US" smtClean="0"/>
+              <a:t>36</a:t>
+            </a:fld>
+            <a:endParaRPr lang="en-US"/>
+          </a:p>
+        </p:txBody>
+      </p:sp>
+    </p:spTree>
+    <p:extLst>
+      <p:ext uri="{BB962C8B-B14F-4D97-AF65-F5344CB8AC3E}">
+        <p14:creationId xmlns:p14="http://schemas.microsoft.com/office/powerpoint/2010/main" val="963801901"/>
+      </p:ext>
+    </p:extLst>
+  </p:cSld>
+  <p:clrMapOvr>
+    <a:masterClrMapping/>
+  </p:clrMapOvr>
+</p:notes>
+</file>
+
+<file path=ppt/notesSlides/notesSlide27.xml><?xml version="1.0" encoding="utf-8"?>
+<p:notes xmlns:a="http://schemas.openxmlformats.org/drawingml/2006/main" xmlns:r="http://schemas.openxmlformats.org/officeDocument/2006/relationships" xmlns:p="http://schemas.openxmlformats.org/presentationml/2006/main">
+  <p:cSld>
+    <p:spTree>
+      <p:nvGrpSpPr>
+        <p:cNvPr id="1" name=""/>
+        <p:cNvGrpSpPr/>
+        <p:nvPr/>
+      </p:nvGrpSpPr>
+      <p:grpSpPr>
+        <a:xfrm>
+          <a:off x="0" y="0"/>
+          <a:ext cx="0" cy="0"/>
+          <a:chOff x="0" y="0"/>
+          <a:chExt cx="0" cy="0"/>
+        </a:xfrm>
+      </p:grpSpPr>
+      <p:sp>
+        <p:nvSpPr>
+          <p:cNvPr id="2" name="Slide Image Placeholder 1"/>
+          <p:cNvSpPr>
+            <a:spLocks noGrp="1" noRot="1" noChangeAspect="1"/>
+          </p:cNvSpPr>
+          <p:nvPr>
+            <p:ph type="sldImg"/>
+          </p:nvPr>
+        </p:nvSpPr>
+        <p:spPr/>
+      </p:sp>
+      <p:sp>
+        <p:nvSpPr>
+          <p:cNvPr id="3" name="Notes Placeholder 2"/>
+          <p:cNvSpPr>
+            <a:spLocks noGrp="1"/>
+          </p:cNvSpPr>
+          <p:nvPr>
+            <p:ph type="body" idx="1"/>
+          </p:nvPr>
+        </p:nvSpPr>
+        <p:spPr/>
+        <p:txBody>
+          <a:bodyPr/>
+          <a:lstStyle/>
+          <a:p>
+            <a:r>
+              <a:rPr lang="en-US" dirty="0"/>
+              <a:t>Students must first discuss these questions in groups. Below is a sample answer not necessarily the only answer.</a:t>
+            </a:r>
+          </a:p>
+          <a:p>
+            <a:endParaRPr lang="en-US" dirty="0"/>
+          </a:p>
+          <a:p>
+            <a:r>
+              <a:rPr lang="en-US" dirty="0"/>
+              <a:t>Dataset may not be representative as it may not capture all nuances of language (even in English) used in different communities such as slangs, dialects, or culturally specific phrases.</a:t>
+            </a:r>
+          </a:p>
+          <a:p>
+            <a:endParaRPr lang="en-US" dirty="0"/>
+          </a:p>
+          <a:p>
+            <a:r>
+              <a:rPr lang="en-US" dirty="0"/>
+              <a:t>Dataset maybe biased as it may be based on historical posts that were flagged by human moderators. E.g., posts from specific communities were flagged more.</a:t>
+            </a:r>
+          </a:p>
+          <a:p>
+            <a:endParaRPr lang="en-US" dirty="0"/>
+          </a:p>
+          <a:p>
+            <a:r>
+              <a:rPr lang="en-US" dirty="0"/>
+              <a:t>Complications: what constitutes hate speech isn’t clear. For e.g., some words may have been reclaimed by specific communities or posts may use satire to make a point.</a:t>
+            </a:r>
+          </a:p>
+        </p:txBody>
+      </p:sp>
+      <p:sp>
+        <p:nvSpPr>
+          <p:cNvPr id="4" name="Slide Number Placeholder 3"/>
+          <p:cNvSpPr>
+            <a:spLocks noGrp="1"/>
+          </p:cNvSpPr>
+          <p:nvPr>
+            <p:ph type="sldNum" sz="quarter" idx="5"/>
+          </p:nvPr>
+        </p:nvSpPr>
+        <p:spPr/>
+        <p:txBody>
+          <a:bodyPr/>
+          <a:lstStyle/>
+          <a:p>
+            <a:fld id="{07937F07-1250-4CCE-B198-1B2887014F41}" type="slidenum">
+              <a:rPr lang="en-US" smtClean="0"/>
+              <a:t>37</a:t>
+            </a:fld>
+            <a:endParaRPr lang="en-US"/>
+          </a:p>
+        </p:txBody>
+      </p:sp>
+    </p:spTree>
+    <p:extLst>
+      <p:ext uri="{BB962C8B-B14F-4D97-AF65-F5344CB8AC3E}">
+        <p14:creationId xmlns:p14="http://schemas.microsoft.com/office/powerpoint/2010/main" val="2862960920"/>
+      </p:ext>
+    </p:extLst>
+  </p:cSld>
+  <p:clrMapOvr>
+    <a:masterClrMapping/>
+  </p:clrMapOvr>
+</p:notes>
+</file>
+
+<file path=ppt/notesSlides/notesSlide28.xml><?xml version="1.0" encoding="utf-8"?>
+<p:notes xmlns:a="http://schemas.openxmlformats.org/drawingml/2006/main" xmlns:r="http://schemas.openxmlformats.org/officeDocument/2006/relationships" xmlns:p="http://schemas.openxmlformats.org/presentationml/2006/main">
+  <p:cSld>
+    <p:spTree>
+      <p:nvGrpSpPr>
+        <p:cNvPr id="1" name=""/>
+        <p:cNvGrpSpPr/>
+        <p:nvPr/>
+      </p:nvGrpSpPr>
+      <p:grpSpPr>
+        <a:xfrm>
+          <a:off x="0" y="0"/>
+          <a:ext cx="0" cy="0"/>
+          <a:chOff x="0" y="0"/>
+          <a:chExt cx="0" cy="0"/>
+        </a:xfrm>
+      </p:grpSpPr>
+      <p:sp>
+        <p:nvSpPr>
+          <p:cNvPr id="2" name="Slide Image Placeholder 1"/>
+          <p:cNvSpPr>
+            <a:spLocks noGrp="1" noRot="1" noChangeAspect="1"/>
+          </p:cNvSpPr>
+          <p:nvPr>
+            <p:ph type="sldImg"/>
+          </p:nvPr>
+        </p:nvSpPr>
+        <p:spPr/>
+      </p:sp>
+      <p:sp>
+        <p:nvSpPr>
+          <p:cNvPr id="3" name="Notes Placeholder 2"/>
+          <p:cNvSpPr>
+            <a:spLocks noGrp="1"/>
+          </p:cNvSpPr>
+          <p:nvPr>
+            <p:ph type="body" idx="1"/>
+          </p:nvPr>
+        </p:nvSpPr>
+        <p:spPr/>
+        <p:txBody>
+          <a:bodyPr/>
+          <a:lstStyle/>
+          <a:p>
+            <a:r>
+              <a:rPr lang="en-US" dirty="0"/>
+              <a:t>Students should reflect about these questions in groups.</a:t>
+            </a:r>
+          </a:p>
+          <a:p>
+            <a:endParaRPr lang="en-US" dirty="0"/>
+          </a:p>
+          <a:p>
+            <a:r>
+              <a:rPr lang="en-US" dirty="0"/>
+              <a:t>Here is a sample answer.</a:t>
+            </a:r>
+          </a:p>
+          <a:p>
+            <a:endParaRPr lang="en-US" dirty="0"/>
+          </a:p>
+          <a:p>
+            <a:r>
+              <a:rPr lang="en-US" dirty="0"/>
+              <a:t>1. Reddit users, moderators, reddit company, advertisers</a:t>
+            </a:r>
+          </a:p>
+          <a:p>
+            <a:r>
+              <a:rPr lang="en-US" dirty="0"/>
+              <a:t>2. Interests/Values</a:t>
+            </a:r>
+          </a:p>
+          <a:p>
+            <a:r>
+              <a:rPr lang="en-US" dirty="0"/>
+              <a:t>  Users: free expression, accurate information, entertainment, anonymity, privacy</a:t>
+            </a:r>
+          </a:p>
+          <a:p>
+            <a:r>
+              <a:rPr lang="en-US" dirty="0"/>
+              <a:t>  Moderators: consistent enforcement of rules, reduced workload, ability to correct mistakes, maintain subreddit culture, transparency</a:t>
+            </a:r>
+          </a:p>
+          <a:p>
+            <a:r>
+              <a:rPr lang="en-US" dirty="0"/>
+              <a:t>  company: user engagement, revenue, accountability,  building brand image, legal compliance</a:t>
+            </a:r>
+          </a:p>
+          <a:p>
+            <a:r>
+              <a:rPr lang="en-US" dirty="0"/>
+              <a:t>  advertisers: user reach, low cost, profit, seamless integration with content</a:t>
+            </a:r>
+          </a:p>
+          <a:p>
+            <a:r>
+              <a:rPr lang="en-US" dirty="0"/>
+              <a:t>3. Conflicts</a:t>
+            </a:r>
+            <a:br>
+              <a:rPr lang="en-US" dirty="0"/>
+            </a:br>
+            <a:r>
+              <a:rPr lang="en-US" dirty="0"/>
+              <a:t>    free expression vs. content moderation or legal compliance, accurate info vs. entertainment, user autonomy vs. advertiser revenue, anonymity vs. transparence</a:t>
+            </a:r>
+          </a:p>
+          <a:p>
+            <a:r>
+              <a:rPr lang="en-US" dirty="0"/>
+              <a:t>4. Prioritization depends on personal goals and values. They key thing to realize is that this process does not recommend values, it provides a framework to reason about them based on the identified tensions.</a:t>
+            </a:r>
+            <a:br>
+              <a:rPr lang="en-US" dirty="0"/>
+            </a:br>
+            <a:r>
+              <a:rPr lang="en-US" dirty="0"/>
+              <a:t>    </a:t>
+            </a:r>
+          </a:p>
+          <a:p>
+            <a:r>
+              <a:rPr lang="en-US" dirty="0"/>
+              <a:t>	</a:t>
+            </a:r>
+          </a:p>
+        </p:txBody>
+      </p:sp>
+      <p:sp>
+        <p:nvSpPr>
+          <p:cNvPr id="4" name="Slide Number Placeholder 3"/>
+          <p:cNvSpPr>
+            <a:spLocks noGrp="1"/>
+          </p:cNvSpPr>
+          <p:nvPr>
+            <p:ph type="sldNum" sz="quarter" idx="5"/>
+          </p:nvPr>
+        </p:nvSpPr>
+        <p:spPr/>
+        <p:txBody>
+          <a:bodyPr/>
+          <a:lstStyle/>
+          <a:p>
+            <a:fld id="{07937F07-1250-4CCE-B198-1B2887014F41}" type="slidenum">
+              <a:rPr lang="en-US" smtClean="0"/>
+              <a:t>38</a:t>
+            </a:fld>
+            <a:endParaRPr lang="en-US"/>
+          </a:p>
+        </p:txBody>
+      </p:sp>
+    </p:spTree>
+    <p:extLst>
+      <p:ext uri="{BB962C8B-B14F-4D97-AF65-F5344CB8AC3E}">
+        <p14:creationId xmlns:p14="http://schemas.microsoft.com/office/powerpoint/2010/main" val="3585566828"/>
+      </p:ext>
+    </p:extLst>
+  </p:cSld>
+  <p:clrMapOvr>
+    <a:masterClrMapping/>
+  </p:clrMapOvr>
+</p:notes>
+</file>
+
+<file path=ppt/notesSlides/notesSlide29.xml><?xml version="1.0" encoding="utf-8"?>
+<p:notes xmlns:a="http://schemas.openxmlformats.org/drawingml/2006/main" xmlns:r="http://schemas.openxmlformats.org/officeDocument/2006/relationships" xmlns:p="http://schemas.openxmlformats.org/presentationml/2006/main">
+  <p:cSld>
+    <p:spTree>
+      <p:nvGrpSpPr>
+        <p:cNvPr id="1" name=""/>
+        <p:cNvGrpSpPr/>
+        <p:nvPr/>
+      </p:nvGrpSpPr>
+      <p:grpSpPr>
+        <a:xfrm>
+          <a:off x="0" y="0"/>
+          <a:ext cx="0" cy="0"/>
+          <a:chOff x="0" y="0"/>
+          <a:chExt cx="0" cy="0"/>
+        </a:xfrm>
+      </p:grpSpPr>
+      <p:sp>
+        <p:nvSpPr>
+          <p:cNvPr id="2" name="Slide Image Placeholder 1"/>
+          <p:cNvSpPr>
+            <a:spLocks noGrp="1" noRot="1" noChangeAspect="1"/>
+          </p:cNvSpPr>
+          <p:nvPr>
+            <p:ph type="sldImg"/>
+          </p:nvPr>
+        </p:nvSpPr>
+        <p:spPr/>
+      </p:sp>
+      <p:sp>
+        <p:nvSpPr>
+          <p:cNvPr id="3" name="Notes Placeholder 2"/>
+          <p:cNvSpPr>
+            <a:spLocks noGrp="1"/>
+          </p:cNvSpPr>
+          <p:nvPr>
+            <p:ph type="body" idx="1"/>
+          </p:nvPr>
+        </p:nvSpPr>
+        <p:spPr/>
+        <p:txBody>
+          <a:bodyPr/>
+          <a:lstStyle/>
+          <a:p>
+            <a:r>
+              <a:rPr lang="en-US" dirty="0"/>
+              <a:t>Students should discuss these questions in groups but here is a sample answer. The primary purpose is to realize the tensions when designing features. </a:t>
+            </a:r>
+          </a:p>
+          <a:p>
+            <a:endParaRPr lang="en-US" dirty="0"/>
+          </a:p>
+          <a:p>
+            <a:pPr marL="228600" indent="-228600">
+              <a:buAutoNum type="arabicPeriod"/>
+            </a:pPr>
+            <a:r>
+              <a:rPr lang="en-US" dirty="0"/>
+              <a:t>Reddit removing user’s post might impinge on users’ right to freely express themselves. On the other hand, removing posts with known misinformation might encourage free speech by protecting the channels through which discussions happen. If posts with known hate speech is removed, then it protects the victims from being sidelined from the discourse.</a:t>
+            </a:r>
+          </a:p>
+          <a:p>
+            <a:pPr marL="228600" indent="-228600">
+              <a:buAutoNum type="arabicPeriod"/>
+            </a:pPr>
+            <a:r>
+              <a:rPr lang="en-US" dirty="0"/>
+              <a:t>Impinges on users’ right to freely express and also prevents other users from being exposed to different </a:t>
+            </a:r>
+            <a:r>
+              <a:rPr lang="en-US" dirty="0" err="1"/>
+              <a:t>prespectives</a:t>
+            </a:r>
+            <a:r>
+              <a:rPr lang="en-US" dirty="0"/>
+              <a:t>.</a:t>
+            </a:r>
+          </a:p>
+          <a:p>
+            <a:pPr marL="228600" indent="-228600">
+              <a:buAutoNum type="arabicPeriod"/>
+            </a:pPr>
+            <a:r>
+              <a:rPr lang="en-US" dirty="0"/>
+              <a:t>Excludes views of certain groups from the discourse.</a:t>
+            </a:r>
+          </a:p>
+          <a:p>
+            <a:pPr marL="228600" indent="-228600">
+              <a:buAutoNum type="arabicPeriod"/>
+            </a:pPr>
+            <a:r>
+              <a:rPr lang="en-US" dirty="0"/>
+              <a:t>The proposed requirement will foster free speech as free speech in not just about an individual’s right to free expression but it is also about protecting the channels through which everyone’s voices can be heard. It is also about creating an environment where individuals will learn and grow their thinking from the discussions. Hence, the moderation is only good if it is transparent and minimizes bias.</a:t>
+            </a:r>
+          </a:p>
+        </p:txBody>
+      </p:sp>
+      <p:sp>
+        <p:nvSpPr>
+          <p:cNvPr id="4" name="Slide Number Placeholder 3"/>
+          <p:cNvSpPr>
+            <a:spLocks noGrp="1"/>
+          </p:cNvSpPr>
+          <p:nvPr>
+            <p:ph type="sldNum" sz="quarter" idx="5"/>
+          </p:nvPr>
+        </p:nvSpPr>
+        <p:spPr/>
+        <p:txBody>
+          <a:bodyPr/>
+          <a:lstStyle/>
+          <a:p>
+            <a:fld id="{07937F07-1250-4CCE-B198-1B2887014F41}" type="slidenum">
+              <a:rPr lang="en-US" smtClean="0"/>
+              <a:t>39</a:t>
+            </a:fld>
+            <a:endParaRPr lang="en-US"/>
+          </a:p>
+        </p:txBody>
+      </p:sp>
+    </p:spTree>
+    <p:extLst>
+      <p:ext uri="{BB962C8B-B14F-4D97-AF65-F5344CB8AC3E}">
+        <p14:creationId xmlns:p14="http://schemas.microsoft.com/office/powerpoint/2010/main" val="2156997575"/>
       </p:ext>
     </p:extLst>
   </p:cSld>
@@ -8460,6 +9136,264 @@
     <p:extLst>
       <p:ext uri="{BB962C8B-B14F-4D97-AF65-F5344CB8AC3E}">
         <p14:creationId xmlns:p14="http://schemas.microsoft.com/office/powerpoint/2010/main" val="4169133123"/>
+      </p:ext>
+    </p:extLst>
+  </p:cSld>
+  <p:clrMapOvr>
+    <a:masterClrMapping/>
+  </p:clrMapOvr>
+</p:notes>
+</file>
+
+<file path=ppt/notesSlides/notesSlide30.xml><?xml version="1.0" encoding="utf-8"?>
+<p:notes xmlns:a="http://schemas.openxmlformats.org/drawingml/2006/main" xmlns:r="http://schemas.openxmlformats.org/officeDocument/2006/relationships" xmlns:p="http://schemas.openxmlformats.org/presentationml/2006/main">
+  <p:cSld>
+    <p:spTree>
+      <p:nvGrpSpPr>
+        <p:cNvPr id="1" name=""/>
+        <p:cNvGrpSpPr/>
+        <p:nvPr/>
+      </p:nvGrpSpPr>
+      <p:grpSpPr>
+        <a:xfrm>
+          <a:off x="0" y="0"/>
+          <a:ext cx="0" cy="0"/>
+          <a:chOff x="0" y="0"/>
+          <a:chExt cx="0" cy="0"/>
+        </a:xfrm>
+      </p:grpSpPr>
+      <p:sp>
+        <p:nvSpPr>
+          <p:cNvPr id="2" name="Slide Image Placeholder 1"/>
+          <p:cNvSpPr>
+            <a:spLocks noGrp="1" noRot="1" noChangeAspect="1"/>
+          </p:cNvSpPr>
+          <p:nvPr>
+            <p:ph type="sldImg"/>
+          </p:nvPr>
+        </p:nvSpPr>
+        <p:spPr/>
+      </p:sp>
+      <p:sp>
+        <p:nvSpPr>
+          <p:cNvPr id="3" name="Notes Placeholder 2"/>
+          <p:cNvSpPr>
+            <a:spLocks noGrp="1"/>
+          </p:cNvSpPr>
+          <p:nvPr>
+            <p:ph type="body" idx="1"/>
+          </p:nvPr>
+        </p:nvSpPr>
+        <p:spPr/>
+        <p:txBody>
+          <a:bodyPr/>
+          <a:lstStyle/>
+          <a:p>
+            <a:r>
+              <a:rPr lang="en-US" dirty="0"/>
+              <a:t>The students should pick a requirement based on their analysis. There is no correct answer as long as students are able to defend their choice.</a:t>
+            </a:r>
+          </a:p>
+        </p:txBody>
+      </p:sp>
+      <p:sp>
+        <p:nvSpPr>
+          <p:cNvPr id="4" name="Slide Number Placeholder 3"/>
+          <p:cNvSpPr>
+            <a:spLocks noGrp="1"/>
+          </p:cNvSpPr>
+          <p:nvPr>
+            <p:ph type="sldNum" sz="quarter" idx="5"/>
+          </p:nvPr>
+        </p:nvSpPr>
+        <p:spPr/>
+        <p:txBody>
+          <a:bodyPr/>
+          <a:lstStyle/>
+          <a:p>
+            <a:fld id="{07937F07-1250-4CCE-B198-1B2887014F41}" type="slidenum">
+              <a:rPr lang="en-US" smtClean="0"/>
+              <a:t>40</a:t>
+            </a:fld>
+            <a:endParaRPr lang="en-US"/>
+          </a:p>
+        </p:txBody>
+      </p:sp>
+    </p:spTree>
+    <p:extLst>
+      <p:ext uri="{BB962C8B-B14F-4D97-AF65-F5344CB8AC3E}">
+        <p14:creationId xmlns:p14="http://schemas.microsoft.com/office/powerpoint/2010/main" val="3505825141"/>
+      </p:ext>
+    </p:extLst>
+  </p:cSld>
+  <p:clrMapOvr>
+    <a:masterClrMapping/>
+  </p:clrMapOvr>
+</p:notes>
+</file>
+
+<file path=ppt/notesSlides/notesSlide31.xml><?xml version="1.0" encoding="utf-8"?>
+<p:notes xmlns:a="http://schemas.openxmlformats.org/drawingml/2006/main" xmlns:r="http://schemas.openxmlformats.org/officeDocument/2006/relationships" xmlns:p="http://schemas.openxmlformats.org/presentationml/2006/main">
+  <p:cSld>
+    <p:spTree>
+      <p:nvGrpSpPr>
+        <p:cNvPr id="1" name=""/>
+        <p:cNvGrpSpPr/>
+        <p:nvPr/>
+      </p:nvGrpSpPr>
+      <p:grpSpPr>
+        <a:xfrm>
+          <a:off x="0" y="0"/>
+          <a:ext cx="0" cy="0"/>
+          <a:chOff x="0" y="0"/>
+          <a:chExt cx="0" cy="0"/>
+        </a:xfrm>
+      </p:grpSpPr>
+      <p:sp>
+        <p:nvSpPr>
+          <p:cNvPr id="2" name="Slide Image Placeholder 1"/>
+          <p:cNvSpPr>
+            <a:spLocks noGrp="1" noRot="1" noChangeAspect="1"/>
+          </p:cNvSpPr>
+          <p:nvPr>
+            <p:ph type="sldImg"/>
+          </p:nvPr>
+        </p:nvSpPr>
+        <p:spPr/>
+      </p:sp>
+      <p:sp>
+        <p:nvSpPr>
+          <p:cNvPr id="3" name="Notes Placeholder 2"/>
+          <p:cNvSpPr>
+            <a:spLocks noGrp="1"/>
+          </p:cNvSpPr>
+          <p:nvPr>
+            <p:ph type="body" idx="1"/>
+          </p:nvPr>
+        </p:nvSpPr>
+        <p:spPr/>
+        <p:txBody>
+          <a:bodyPr/>
+          <a:lstStyle/>
+          <a:p>
+            <a:r>
+              <a:rPr lang="en-US" dirty="0"/>
+              <a:t>This is an after-class activity.</a:t>
+            </a:r>
+          </a:p>
+        </p:txBody>
+      </p:sp>
+      <p:sp>
+        <p:nvSpPr>
+          <p:cNvPr id="4" name="Slide Number Placeholder 3"/>
+          <p:cNvSpPr>
+            <a:spLocks noGrp="1"/>
+          </p:cNvSpPr>
+          <p:nvPr>
+            <p:ph type="sldNum" sz="quarter" idx="5"/>
+          </p:nvPr>
+        </p:nvSpPr>
+        <p:spPr/>
+        <p:txBody>
+          <a:bodyPr/>
+          <a:lstStyle/>
+          <a:p>
+            <a:fld id="{07937F07-1250-4CCE-B198-1B2887014F41}" type="slidenum">
+              <a:rPr lang="en-US" smtClean="0"/>
+              <a:t>41</a:t>
+            </a:fld>
+            <a:endParaRPr lang="en-US"/>
+          </a:p>
+        </p:txBody>
+      </p:sp>
+    </p:spTree>
+    <p:extLst>
+      <p:ext uri="{BB962C8B-B14F-4D97-AF65-F5344CB8AC3E}">
+        <p14:creationId xmlns:p14="http://schemas.microsoft.com/office/powerpoint/2010/main" val="1375674159"/>
+      </p:ext>
+    </p:extLst>
+  </p:cSld>
+  <p:clrMapOvr>
+    <a:masterClrMapping/>
+  </p:clrMapOvr>
+</p:notes>
+</file>
+
+<file path=ppt/notesSlides/notesSlide32.xml><?xml version="1.0" encoding="utf-8"?>
+<p:notes xmlns:a="http://schemas.openxmlformats.org/drawingml/2006/main" xmlns:r="http://schemas.openxmlformats.org/officeDocument/2006/relationships" xmlns:p="http://schemas.openxmlformats.org/presentationml/2006/main">
+  <p:cSld>
+    <p:spTree>
+      <p:nvGrpSpPr>
+        <p:cNvPr id="1" name=""/>
+        <p:cNvGrpSpPr/>
+        <p:nvPr/>
+      </p:nvGrpSpPr>
+      <p:grpSpPr>
+        <a:xfrm>
+          <a:off x="0" y="0"/>
+          <a:ext cx="0" cy="0"/>
+          <a:chOff x="0" y="0"/>
+          <a:chExt cx="0" cy="0"/>
+        </a:xfrm>
+      </p:grpSpPr>
+      <p:sp>
+        <p:nvSpPr>
+          <p:cNvPr id="2" name="Slide Image Placeholder 1"/>
+          <p:cNvSpPr>
+            <a:spLocks noGrp="1" noRot="1" noChangeAspect="1"/>
+          </p:cNvSpPr>
+          <p:nvPr>
+            <p:ph type="sldImg"/>
+          </p:nvPr>
+        </p:nvSpPr>
+        <p:spPr/>
+      </p:sp>
+      <p:sp>
+        <p:nvSpPr>
+          <p:cNvPr id="3" name="Notes Placeholder 2"/>
+          <p:cNvSpPr>
+            <a:spLocks noGrp="1"/>
+          </p:cNvSpPr>
+          <p:nvPr>
+            <p:ph type="body" idx="1"/>
+          </p:nvPr>
+        </p:nvSpPr>
+        <p:spPr/>
+        <p:txBody>
+          <a:bodyPr/>
+          <a:lstStyle/>
+          <a:p>
+            <a:endParaRPr lang="en-US" dirty="0"/>
+          </a:p>
+        </p:txBody>
+      </p:sp>
+      <p:sp>
+        <p:nvSpPr>
+          <p:cNvPr id="4" name="Slide Number Placeholder 3"/>
+          <p:cNvSpPr>
+            <a:spLocks noGrp="1"/>
+          </p:cNvSpPr>
+          <p:nvPr>
+            <p:ph type="sldNum" sz="quarter" idx="5"/>
+          </p:nvPr>
+        </p:nvSpPr>
+        <p:spPr/>
+        <p:txBody>
+          <a:bodyPr/>
+          <a:lstStyle/>
+          <a:p>
+            <a:fld id="{07937F07-1250-4CCE-B198-1B2887014F41}" type="slidenum">
+              <a:rPr lang="en-US" smtClean="0"/>
+              <a:t>42</a:t>
+            </a:fld>
+            <a:endParaRPr lang="en-US"/>
+          </a:p>
+        </p:txBody>
+      </p:sp>
+    </p:spTree>
+    <p:extLst>
+      <p:ext uri="{BB962C8B-B14F-4D97-AF65-F5344CB8AC3E}">
+        <p14:creationId xmlns:p14="http://schemas.microsoft.com/office/powerpoint/2010/main" val="1604120877"/>
       </p:ext>
     </p:extLst>
   </p:cSld>
@@ -9447,7 +10381,7 @@
           <a:p>
             <a:fld id="{5D2A64DE-480B-420F-9649-4F8E696E08E0}" type="datetime1">
               <a:rPr lang="en-US" smtClean="0"/>
-              <a:t>6/5/2025</a:t>
+              <a:t>6/25/25</a:t>
             </a:fld>
             <a:endParaRPr lang="en-US"/>
           </a:p>
@@ -9771,7 +10705,7 @@
           <a:p>
             <a:fld id="{EA476A42-A091-4468-A075-64A31BE59948}" type="datetime1">
               <a:rPr lang="en-US" smtClean="0"/>
-              <a:t>6/5/2025</a:t>
+              <a:t>6/25/25</a:t>
             </a:fld>
             <a:endParaRPr lang="en-US"/>
           </a:p>
@@ -9969,7 +10903,7 @@
           <a:p>
             <a:fld id="{0D3616D0-8311-4107-9726-6B805E7D05BA}" type="datetime1">
               <a:rPr lang="en-US" smtClean="0"/>
-              <a:t>6/5/2025</a:t>
+              <a:t>6/25/25</a:t>
             </a:fld>
             <a:endParaRPr lang="en-US"/>
           </a:p>
@@ -10177,7 +11111,7 @@
           <a:p>
             <a:fld id="{3BC2557A-5C88-417A-A763-5AC779462A5F}" type="datetime1">
               <a:rPr lang="en-US" smtClean="0"/>
-              <a:t>6/5/2025</a:t>
+              <a:t>6/25/25</a:t>
             </a:fld>
             <a:endParaRPr lang="en-US"/>
           </a:p>
@@ -10701,7 +11635,7 @@
           <a:p>
             <a:fld id="{07C7BFD4-467E-4EDE-93EA-052F5B39A4E5}" type="datetime1">
               <a:rPr lang="en-US" smtClean="0"/>
-              <a:t>6/5/2025</a:t>
+              <a:t>6/25/25</a:t>
             </a:fld>
             <a:endParaRPr lang="en-US"/>
           </a:p>
@@ -10951,7 +11885,7 @@
           <a:p>
             <a:fld id="{07C7BFD4-467E-4EDE-93EA-052F5B39A4E5}" type="datetime1">
               <a:rPr lang="en-US" smtClean="0"/>
-              <a:t>6/5/2025</a:t>
+              <a:t>6/25/25</a:t>
             </a:fld>
             <a:endParaRPr lang="en-US"/>
           </a:p>
@@ -11133,7 +12067,7 @@
           <a:p>
             <a:fld id="{109E55A0-C911-4F03-82FC-7E5926047D46}" type="datetime1">
               <a:rPr lang="en-US" smtClean="0"/>
-              <a:t>6/5/2025</a:t>
+              <a:t>6/25/25</a:t>
             </a:fld>
             <a:endParaRPr lang="en-US"/>
           </a:p>
@@ -11446,7 +12380,7 @@
           <a:p>
             <a:fld id="{A533CBE2-D5BE-47AC-ADC2-9CDFC1D0CF90}" type="datetime1">
               <a:rPr lang="en-US" smtClean="0"/>
-              <a:t>6/5/2025</a:t>
+              <a:t>6/25/25</a:t>
             </a:fld>
             <a:endParaRPr lang="en-US"/>
           </a:p>
@@ -11747,7 +12681,7 @@
           <a:p>
             <a:fld id="{39B7EDB1-CE74-4951-85A2-0B01C2128E28}" type="datetime1">
               <a:rPr lang="en-US" smtClean="0"/>
-              <a:t>6/5/2025</a:t>
+              <a:t>6/25/25</a:t>
             </a:fld>
             <a:endParaRPr lang="en-US"/>
           </a:p>
@@ -12195,7 +13129,7 @@
           <a:p>
             <a:fld id="{2BC7EB92-A5C2-4807-A9DC-9EDE6CBFB241}" type="datetime1">
               <a:rPr lang="en-US" smtClean="0"/>
-              <a:t>6/5/2025</a:t>
+              <a:t>6/25/25</a:t>
             </a:fld>
             <a:endParaRPr lang="en-US"/>
           </a:p>
@@ -12308,7 +13242,7 @@
           <a:p>
             <a:fld id="{2B7B7EE0-7771-4CD5-9B2B-3550753A54A1}" type="datetime1">
               <a:rPr lang="en-US" smtClean="0"/>
-              <a:t>6/5/2025</a:t>
+              <a:t>6/25/25</a:t>
             </a:fld>
             <a:endParaRPr lang="en-US"/>
           </a:p>
@@ -12619,7 +13553,7 @@
           <a:p>
             <a:fld id="{F8B318B3-0E87-4416-A9B8-D891968C2727}" type="datetime1">
               <a:rPr lang="en-US" smtClean="0"/>
-              <a:t>6/5/2025</a:t>
+              <a:t>6/25/25</a:t>
             </a:fld>
             <a:endParaRPr lang="en-US"/>
           </a:p>
@@ -12860,7 +13794,7 @@
           <a:p>
             <a:fld id="{54D997E8-DDEE-43F1-8D9B-F8A1E11DE488}" type="datetime1">
               <a:rPr lang="en-US" smtClean="0"/>
-              <a:t>6/5/2025</a:t>
+              <a:t>6/25/25</a:t>
             </a:fld>
             <a:endParaRPr lang="en-US"/>
           </a:p>
@@ -18690,7 +19624,7 @@
           <p:cNvPr id="2" name="Title 1">
             <a:extLst>
               <a:ext uri="{FF2B5EF4-FFF2-40B4-BE49-F238E27FC236}">
-                <a16:creationId xmlns:a16="http://schemas.microsoft.com/office/drawing/2014/main" id="{E743D407-5B53-49A7-9907-E801EA7FFD8E}"/>
+                <a16:creationId xmlns:a16="http://schemas.microsoft.com/office/drawing/2014/main" id="{6D7FE7B3-C6CB-6B03-07B9-822FC3676710}"/>
               </a:ext>
             </a:extLst>
           </p:cNvPr>
@@ -18708,7 +19642,7 @@
           <a:p>
             <a:r>
               <a:rPr lang="en-US" dirty="0"/>
-              <a:t>Learning Goals for this Lesson</a:t>
+              <a:t>The Importance of Ethics</a:t>
             </a:r>
           </a:p>
         </p:txBody>
@@ -18718,7 +19652,7 @@
           <p:cNvPr id="3" name="Content Placeholder 2">
             <a:extLst>
               <a:ext uri="{FF2B5EF4-FFF2-40B4-BE49-F238E27FC236}">
-                <a16:creationId xmlns:a16="http://schemas.microsoft.com/office/drawing/2014/main" id="{AC300E2B-BFD0-4090-AFC5-FE82683F997F}"/>
+                <a16:creationId xmlns:a16="http://schemas.microsoft.com/office/drawing/2014/main" id="{B78E0F47-C40D-AF55-04F9-C6043963616F}"/>
               </a:ext>
             </a:extLst>
           </p:cNvPr>
@@ -18731,8 +19665,8 @@
         </p:nvSpPr>
         <p:spPr>
           <a:xfrm>
-            <a:off x="838199" y="1500160"/>
-            <a:ext cx="10515599" cy="4351338"/>
+            <a:off x="838200" y="1500160"/>
+            <a:ext cx="10400414" cy="4351338"/>
           </a:xfrm>
         </p:spPr>
         <p:txBody>
@@ -18741,35 +19675,55 @@
           <a:p>
             <a:r>
               <a:rPr lang="en-US" dirty="0"/>
-              <a:t>At the end of this lesson, you should be able to</a:t>
-            </a:r>
-          </a:p>
-          <a:p>
-            <a:pPr lvl="1"/>
-            <a:r>
-              <a:rPr lang="en-US" dirty="0"/>
-              <a:t>Explain the overall purposes of requirements analysis</a:t>
-            </a:r>
-          </a:p>
-          <a:p>
-            <a:pPr lvl="1"/>
-            <a:r>
-              <a:rPr lang="en-US" dirty="0"/>
-              <a:t>Enumerate and explain 3 major dimensions of risk in Requirements Analysis</a:t>
-            </a:r>
-          </a:p>
-          <a:p>
-            <a:pPr lvl="1"/>
-            <a:r>
-              <a:rPr lang="en-US" dirty="0"/>
-              <a:t>Explain the difference between functional and non-functional requirements, and give examples of each  </a:t>
-            </a:r>
-          </a:p>
-          <a:p>
-            <a:pPr lvl="1"/>
-            <a:r>
-              <a:rPr lang="en-US" dirty="0"/>
-              <a:t>Define the notions of user stories and conditions of satisfaction, and give multiple examples</a:t>
+              <a:t>Technology is the result of human imagination</a:t>
+            </a:r>
+          </a:p>
+          <a:p>
+            <a:r>
+              <a:rPr lang="en-US" b="1" dirty="0"/>
+              <a:t>All</a:t>
+            </a:r>
+            <a:r>
+              <a:rPr lang="en-US" dirty="0"/>
+              <a:t> technology involves design all design involves choices among possible options</a:t>
+            </a:r>
+          </a:p>
+          <a:p>
+            <a:r>
+              <a:rPr lang="en-US" dirty="0"/>
+              <a:t>All design reflects </a:t>
+            </a:r>
+            <a:r>
+              <a:rPr lang="en-US" b="1" dirty="0"/>
+              <a:t>values</a:t>
+            </a:r>
+          </a:p>
+          <a:p>
+            <a:r>
+              <a:rPr lang="en-US" dirty="0"/>
+              <a:t>Therefore, </a:t>
+            </a:r>
+            <a:r>
+              <a:rPr lang="en-US" b="1" dirty="0"/>
+              <a:t>technologies </a:t>
+            </a:r>
+            <a:r>
+              <a:rPr lang="en-US" dirty="0"/>
+              <a:t>reflect and affect human values</a:t>
+            </a:r>
+          </a:p>
+          <a:p>
+            <a:r>
+              <a:rPr lang="en-US" dirty="0"/>
+              <a:t>Ignoring values in the requirements and design process is </a:t>
+            </a:r>
+            <a:r>
+              <a:rPr lang="en-US" b="1" dirty="0"/>
+              <a:t>irresponsible</a:t>
+            </a:r>
+            <a:r>
+              <a:rPr lang="en-US" dirty="0"/>
+              <a:t>.</a:t>
             </a:r>
           </a:p>
         </p:txBody>
@@ -18779,7 +19733,7 @@
           <p:cNvPr id="4" name="Slide Number Placeholder 3">
             <a:extLst>
               <a:ext uri="{FF2B5EF4-FFF2-40B4-BE49-F238E27FC236}">
-                <a16:creationId xmlns:a16="http://schemas.microsoft.com/office/drawing/2014/main" id="{B7BF3F82-6F96-41E0-9C15-23CE00076176}"/>
+                <a16:creationId xmlns:a16="http://schemas.microsoft.com/office/drawing/2014/main" id="{F781C33C-0916-3DED-5FA4-D82F64A35D84}"/>
               </a:ext>
             </a:extLst>
           </p:cNvPr>
@@ -18806,7 +19760,7 @@
     </p:spTree>
     <p:extLst>
       <p:ext uri="{BB962C8B-B14F-4D97-AF65-F5344CB8AC3E}">
-        <p14:creationId xmlns:p14="http://schemas.microsoft.com/office/powerpoint/2010/main" val="673410589"/>
+        <p14:creationId xmlns:p14="http://schemas.microsoft.com/office/powerpoint/2010/main" val="4059357005"/>
       </p:ext>
     </p:extLst>
   </p:cSld>
@@ -18838,7 +19792,7 @@
           <p:cNvPr id="2" name="Title 1">
             <a:extLst>
               <a:ext uri="{FF2B5EF4-FFF2-40B4-BE49-F238E27FC236}">
-                <a16:creationId xmlns:a16="http://schemas.microsoft.com/office/drawing/2014/main" id="{6D7FE7B3-C6CB-6B03-07B9-822FC3676710}"/>
+                <a16:creationId xmlns:a16="http://schemas.microsoft.com/office/drawing/2014/main" id="{C2EB4C0D-B7BA-2B69-235B-3C7F599C7C4D}"/>
               </a:ext>
             </a:extLst>
           </p:cNvPr>
@@ -18856,7 +19810,7 @@
           <a:p>
             <a:r>
               <a:rPr lang="en-US" dirty="0"/>
-              <a:t>Ethics and Value Sensitive Design</a:t>
+              <a:t>Informed Consent Online</a:t>
             </a:r>
           </a:p>
         </p:txBody>
@@ -18866,7 +19820,7 @@
           <p:cNvPr id="3" name="Content Placeholder 2">
             <a:extLst>
               <a:ext uri="{FF2B5EF4-FFF2-40B4-BE49-F238E27FC236}">
-                <a16:creationId xmlns:a16="http://schemas.microsoft.com/office/drawing/2014/main" id="{B78E0F47-C40D-AF55-04F9-C6043963616F}"/>
+                <a16:creationId xmlns:a16="http://schemas.microsoft.com/office/drawing/2014/main" id="{76701B85-522F-923C-BFFD-0769C582733A}"/>
               </a:ext>
             </a:extLst>
           </p:cNvPr>
@@ -18880,64 +19834,91 @@
         <p:spPr>
           <a:xfrm>
             <a:off x="838200" y="1500160"/>
-            <a:ext cx="10400414" cy="4351338"/>
+            <a:ext cx="8648700" cy="4351338"/>
           </a:xfrm>
         </p:spPr>
         <p:txBody>
-          <a:bodyPr/>
+          <a:bodyPr>
+            <a:normAutofit fontScale="92500" lnSpcReduction="20000"/>
+          </a:bodyPr>
           <a:lstStyle/>
           <a:p>
             <a:r>
               <a:rPr lang="en-US" dirty="0"/>
-              <a:t>Technology is the result of human imagination</a:t>
+              <a:t>Information technologies collect vast amounts of information about users and their interactions.</a:t>
+            </a:r>
+          </a:p>
+          <a:p>
+            <a:r>
+              <a:rPr lang="en-US" dirty="0"/>
+              <a:t>Often users have no control over</a:t>
+            </a:r>
+          </a:p>
+          <a:p>
+            <a:pPr lvl="1"/>
+            <a:r>
+              <a:rPr lang="en-US" dirty="0"/>
+              <a:t>What information is collected</a:t>
+            </a:r>
+          </a:p>
+          <a:p>
+            <a:pPr lvl="1"/>
+            <a:r>
+              <a:rPr lang="en-US" dirty="0"/>
+              <a:t>Who will have access</a:t>
+            </a:r>
+          </a:p>
+          <a:p>
+            <a:pPr lvl="1"/>
+            <a:r>
+              <a:rPr lang="en-US" dirty="0"/>
+              <a:t>How long will it be archived</a:t>
+            </a:r>
+          </a:p>
+          <a:p>
+            <a:pPr lvl="1"/>
+            <a:r>
+              <a:rPr lang="en-US" dirty="0"/>
+              <a:t>What will it be used for</a:t>
+            </a:r>
+          </a:p>
+          <a:p>
+            <a:pPr lvl="1"/>
+            <a:r>
+              <a:rPr lang="en-US" dirty="0"/>
+              <a:t>Will the identity be protected</a:t>
             </a:r>
           </a:p>
           <a:p>
             <a:r>
               <a:rPr lang="en-US" b="1" dirty="0"/>
-              <a:t>All</a:t>
-            </a:r>
-            <a:r>
-              <a:rPr lang="en-US" dirty="0"/>
-              <a:t> technology involves design all design involves choices among possible options</a:t>
-            </a:r>
-          </a:p>
-          <a:p>
-            <a:r>
-              <a:rPr lang="en-US" dirty="0"/>
-              <a:t>All design reflects </a:t>
-            </a:r>
-            <a:r>
-              <a:rPr lang="en-US" b="1" dirty="0"/>
-              <a:t>values</a:t>
-            </a:r>
-          </a:p>
-          <a:p>
-            <a:r>
-              <a:rPr lang="en-US" dirty="0"/>
-              <a:t>Therefore, </a:t>
-            </a:r>
-            <a:r>
-              <a:rPr lang="en-US" b="1" dirty="0"/>
-              <a:t>technologies </a:t>
-            </a:r>
-            <a:r>
-              <a:rPr lang="en-US" dirty="0"/>
-              <a:t>reflect and affect human values</a:t>
-            </a:r>
-          </a:p>
-          <a:p>
-            <a:r>
-              <a:rPr lang="en-US" dirty="0"/>
-              <a:t>Ignoring values in the requirements and design process is </a:t>
-            </a:r>
-            <a:r>
-              <a:rPr lang="en-US" b="1" dirty="0"/>
-              <a:t>irresponsible</a:t>
-            </a:r>
-            <a:r>
-              <a:rPr lang="en-US" dirty="0"/>
-              <a:t>.</a:t>
+              <a:t>Informed consent</a:t>
+            </a:r>
+            <a:r>
+              <a:rPr lang="en-US" dirty="0"/>
+              <a:t> is one way to modulate the impact of this data collection.</a:t>
+            </a:r>
+          </a:p>
+          <a:p>
+            <a:r>
+              <a:rPr lang="en-US" dirty="0"/>
+              <a:t>Web </a:t>
+            </a:r>
+            <a:r>
+              <a:rPr lang="en-US" i="1" dirty="0"/>
+              <a:t>cookies</a:t>
+            </a:r>
+            <a:r>
+              <a:rPr lang="en-US" dirty="0"/>
+              <a:t> and </a:t>
+            </a:r>
+            <a:r>
+              <a:rPr lang="en-US" i="1" dirty="0"/>
+              <a:t>browser security</a:t>
+            </a:r>
+            <a:r>
+              <a:rPr lang="en-US" dirty="0"/>
+              <a:t> mechanisms represent solutions to implement the principle of informed consent.  </a:t>
             </a:r>
           </a:p>
         </p:txBody>
@@ -18947,7 +19928,7 @@
           <p:cNvPr id="4" name="Slide Number Placeholder 3">
             <a:extLst>
               <a:ext uri="{FF2B5EF4-FFF2-40B4-BE49-F238E27FC236}">
-                <a16:creationId xmlns:a16="http://schemas.microsoft.com/office/drawing/2014/main" id="{F781C33C-0916-3DED-5FA4-D82F64A35D84}"/>
+                <a16:creationId xmlns:a16="http://schemas.microsoft.com/office/drawing/2014/main" id="{334DFB7C-50AD-725A-7432-FC7C11ED7DA7}"/>
               </a:ext>
             </a:extLst>
           </p:cNvPr>
@@ -18974,7 +19955,7 @@
     </p:spTree>
     <p:extLst>
       <p:ext uri="{BB962C8B-B14F-4D97-AF65-F5344CB8AC3E}">
-        <p14:creationId xmlns:p14="http://schemas.microsoft.com/office/powerpoint/2010/main" val="4059357005"/>
+        <p14:creationId xmlns:p14="http://schemas.microsoft.com/office/powerpoint/2010/main" val="3280225519"/>
       </p:ext>
     </p:extLst>
   </p:cSld>
@@ -19006,7 +19987,7 @@
           <p:cNvPr id="2" name="Title 1">
             <a:extLst>
               <a:ext uri="{FF2B5EF4-FFF2-40B4-BE49-F238E27FC236}">
-                <a16:creationId xmlns:a16="http://schemas.microsoft.com/office/drawing/2014/main" id="{C2EB4C0D-B7BA-2B69-235B-3C7F599C7C4D}"/>
+                <a16:creationId xmlns:a16="http://schemas.microsoft.com/office/drawing/2014/main" id="{A1BC45B7-C3B3-528F-B1BB-79C1B4293EE0}"/>
               </a:ext>
             </a:extLst>
           </p:cNvPr>
@@ -19024,290 +20005,7 @@
           <a:p>
             <a:r>
               <a:rPr lang="en-US" dirty="0"/>
-              <a:t>Ethics and Value Sensitive Design</a:t>
-            </a:r>
-          </a:p>
-        </p:txBody>
-      </p:sp>
-      <p:sp>
-        <p:nvSpPr>
-          <p:cNvPr id="3" name="Content Placeholder 2">
-            <a:extLst>
-              <a:ext uri="{FF2B5EF4-FFF2-40B4-BE49-F238E27FC236}">
-                <a16:creationId xmlns:a16="http://schemas.microsoft.com/office/drawing/2014/main" id="{76701B85-522F-923C-BFFD-0769C582733A}"/>
-              </a:ext>
-            </a:extLst>
-          </p:cNvPr>
-          <p:cNvSpPr>
-            <a:spLocks noGrp="1"/>
-          </p:cNvSpPr>
-          <p:nvPr>
-            <p:ph idx="1"/>
-          </p:nvPr>
-        </p:nvSpPr>
-        <p:spPr/>
-        <p:txBody>
-          <a:bodyPr/>
-          <a:lstStyle/>
-          <a:p>
-            <a:r>
-              <a:rPr lang="en-US" dirty="0"/>
-              <a:t>Briefly describe a case study to illustrate the role of ethics in VSD. Some examples are but not limited to</a:t>
-            </a:r>
-          </a:p>
-          <a:p>
-            <a:pPr lvl="1"/>
-            <a:r>
-              <a:rPr lang="en-US" dirty="0"/>
-              <a:t>The Facebook like Button</a:t>
-            </a:r>
-          </a:p>
-          <a:p>
-            <a:pPr lvl="1"/>
-            <a:r>
-              <a:rPr lang="en-US" dirty="0"/>
-              <a:t>Cookies in browsers</a:t>
-            </a:r>
-          </a:p>
-          <a:p>
-            <a:pPr lvl="1"/>
-            <a:r>
-              <a:rPr lang="en-US" dirty="0"/>
-              <a:t>Feel free to think of more . . .</a:t>
-            </a:r>
-          </a:p>
-        </p:txBody>
-      </p:sp>
-      <p:sp>
-        <p:nvSpPr>
-          <p:cNvPr id="4" name="Slide Number Placeholder 3">
-            <a:extLst>
-              <a:ext uri="{FF2B5EF4-FFF2-40B4-BE49-F238E27FC236}">
-                <a16:creationId xmlns:a16="http://schemas.microsoft.com/office/drawing/2014/main" id="{334DFB7C-50AD-725A-7432-FC7C11ED7DA7}"/>
-              </a:ext>
-            </a:extLst>
-          </p:cNvPr>
-          <p:cNvSpPr>
-            <a:spLocks noGrp="1"/>
-          </p:cNvSpPr>
-          <p:nvPr>
-            <p:ph type="sldNum" sz="quarter" idx="12"/>
-          </p:nvPr>
-        </p:nvSpPr>
-        <p:spPr/>
-        <p:txBody>
-          <a:bodyPr/>
-          <a:lstStyle/>
-          <a:p>
-            <a:fld id="{20F37917-FD3A-4669-9018-DA04BCDD3D75}" type="slidenum">
-              <a:rPr lang="en-US" smtClean="0"/>
-              <a:t>34</a:t>
-            </a:fld>
-            <a:endParaRPr lang="en-US"/>
-          </a:p>
-        </p:txBody>
-      </p:sp>
-    </p:spTree>
-    <p:extLst>
-      <p:ext uri="{BB962C8B-B14F-4D97-AF65-F5344CB8AC3E}">
-        <p14:creationId xmlns:p14="http://schemas.microsoft.com/office/powerpoint/2010/main" val="3280225519"/>
-      </p:ext>
-    </p:extLst>
-  </p:cSld>
-  <p:clrMapOvr>
-    <a:masterClrMapping/>
-  </p:clrMapOvr>
-</p:sld>
-</file>
-
-<file path=ppt/slides/slide35.xml><?xml version="1.0" encoding="utf-8"?>
-<p:sld xmlns:a="http://schemas.openxmlformats.org/drawingml/2006/main" xmlns:r="http://schemas.openxmlformats.org/officeDocument/2006/relationships" xmlns:p="http://schemas.openxmlformats.org/presentationml/2006/main">
-  <p:cSld>
-    <p:spTree>
-      <p:nvGrpSpPr>
-        <p:cNvPr id="1" name=""/>
-        <p:cNvGrpSpPr/>
-        <p:nvPr/>
-      </p:nvGrpSpPr>
-      <p:grpSpPr>
-        <a:xfrm>
-          <a:off x="0" y="0"/>
-          <a:ext cx="0" cy="0"/>
-          <a:chOff x="0" y="0"/>
-          <a:chExt cx="0" cy="0"/>
-        </a:xfrm>
-      </p:grpSpPr>
-      <p:sp>
-        <p:nvSpPr>
-          <p:cNvPr id="2" name="Title 1">
-            <a:extLst>
-              <a:ext uri="{FF2B5EF4-FFF2-40B4-BE49-F238E27FC236}">
-                <a16:creationId xmlns:a16="http://schemas.microsoft.com/office/drawing/2014/main" id="{ECD5C6A6-5DF9-60A4-B8BB-1393E176932C}"/>
-              </a:ext>
-            </a:extLst>
-          </p:cNvPr>
-          <p:cNvSpPr>
-            <a:spLocks noGrp="1"/>
-          </p:cNvSpPr>
-          <p:nvPr>
-            <p:ph type="title"/>
-          </p:nvPr>
-        </p:nvSpPr>
-        <p:spPr/>
-        <p:txBody>
-          <a:bodyPr/>
-          <a:lstStyle/>
-          <a:p>
-            <a:r>
-              <a:rPr lang="en-US" dirty="0"/>
-              <a:t>Value Sensitive Design (VSD)</a:t>
-            </a:r>
-          </a:p>
-        </p:txBody>
-      </p:sp>
-      <p:sp>
-        <p:nvSpPr>
-          <p:cNvPr id="3" name="Content Placeholder 2">
-            <a:extLst>
-              <a:ext uri="{FF2B5EF4-FFF2-40B4-BE49-F238E27FC236}">
-                <a16:creationId xmlns:a16="http://schemas.microsoft.com/office/drawing/2014/main" id="{B0684EA3-7340-24A6-013C-665AAFD49E3C}"/>
-              </a:ext>
-            </a:extLst>
-          </p:cNvPr>
-          <p:cNvSpPr>
-            <a:spLocks noGrp="1"/>
-          </p:cNvSpPr>
-          <p:nvPr>
-            <p:ph idx="1"/>
-          </p:nvPr>
-        </p:nvSpPr>
-        <p:spPr/>
-        <p:txBody>
-          <a:bodyPr/>
-          <a:lstStyle/>
-          <a:p>
-            <a:pPr>
-              <a:buFont typeface="Wingdings" pitchFamily="2" charset="2"/>
-              <a:buChar char="Ø"/>
-            </a:pPr>
-            <a:r>
-              <a:rPr lang="en-US" dirty="0"/>
-              <a:t>The design of technology is informed by values.</a:t>
-            </a:r>
-          </a:p>
-          <a:p>
-            <a:pPr marL="0" indent="0">
-              <a:buNone/>
-            </a:pPr>
-            <a:endParaRPr lang="en-US" dirty="0"/>
-          </a:p>
-          <a:p>
-            <a:pPr>
-              <a:buFont typeface="Wingdings" pitchFamily="2" charset="2"/>
-              <a:buChar char="Ø"/>
-            </a:pPr>
-            <a:r>
-              <a:rPr lang="en-US" dirty="0"/>
-              <a:t>The design of technology can help realize values or frustrate the realization of values.</a:t>
-            </a:r>
-          </a:p>
-          <a:p>
-            <a:pPr marL="0" indent="0">
-              <a:buNone/>
-            </a:pPr>
-            <a:endParaRPr lang="en-US" dirty="0"/>
-          </a:p>
-          <a:p>
-            <a:pPr marL="0" indent="0">
-              <a:buNone/>
-            </a:pPr>
-            <a:endParaRPr lang="en-US" dirty="0"/>
-          </a:p>
-        </p:txBody>
-      </p:sp>
-      <p:sp>
-        <p:nvSpPr>
-          <p:cNvPr id="4" name="Slide Number Placeholder 3">
-            <a:extLst>
-              <a:ext uri="{FF2B5EF4-FFF2-40B4-BE49-F238E27FC236}">
-                <a16:creationId xmlns:a16="http://schemas.microsoft.com/office/drawing/2014/main" id="{86EB4CAF-E90E-E020-3B21-F72456C65105}"/>
-              </a:ext>
-            </a:extLst>
-          </p:cNvPr>
-          <p:cNvSpPr>
-            <a:spLocks noGrp="1"/>
-          </p:cNvSpPr>
-          <p:nvPr>
-            <p:ph type="sldNum" sz="quarter" idx="12"/>
-          </p:nvPr>
-        </p:nvSpPr>
-        <p:spPr/>
-        <p:txBody>
-          <a:bodyPr/>
-          <a:lstStyle/>
-          <a:p>
-            <a:fld id="{20F37917-FD3A-4669-9018-DA04BCDD3D75}" type="slidenum">
-              <a:rPr lang="en-US" smtClean="0"/>
-              <a:t>35</a:t>
-            </a:fld>
-            <a:endParaRPr lang="en-US"/>
-          </a:p>
-        </p:txBody>
-      </p:sp>
-    </p:spTree>
-    <p:extLst>
-      <p:ext uri="{BB962C8B-B14F-4D97-AF65-F5344CB8AC3E}">
-        <p14:creationId xmlns:p14="http://schemas.microsoft.com/office/powerpoint/2010/main" val="1527192930"/>
-      </p:ext>
-    </p:extLst>
-  </p:cSld>
-  <p:clrMapOvr>
-    <a:masterClrMapping/>
-  </p:clrMapOvr>
-</p:sld>
-</file>
-
-<file path=ppt/slides/slide36.xml><?xml version="1.0" encoding="utf-8"?>
-<p:sld xmlns:a="http://schemas.openxmlformats.org/drawingml/2006/main" xmlns:r="http://schemas.openxmlformats.org/officeDocument/2006/relationships" xmlns:p="http://schemas.openxmlformats.org/presentationml/2006/main">
-  <p:cSld>
-    <p:spTree>
-      <p:nvGrpSpPr>
-        <p:cNvPr id="1" name=""/>
-        <p:cNvGrpSpPr/>
-        <p:nvPr/>
-      </p:nvGrpSpPr>
-      <p:grpSpPr>
-        <a:xfrm>
-          <a:off x="0" y="0"/>
-          <a:ext cx="0" cy="0"/>
-          <a:chOff x="0" y="0"/>
-          <a:chExt cx="0" cy="0"/>
-        </a:xfrm>
-      </p:grpSpPr>
-      <p:sp>
-        <p:nvSpPr>
-          <p:cNvPr id="2" name="Title 1">
-            <a:extLst>
-              <a:ext uri="{FF2B5EF4-FFF2-40B4-BE49-F238E27FC236}">
-                <a16:creationId xmlns:a16="http://schemas.microsoft.com/office/drawing/2014/main" id="{A1BC45B7-C3B3-528F-B1BB-79C1B4293EE0}"/>
-              </a:ext>
-            </a:extLst>
-          </p:cNvPr>
-          <p:cNvSpPr>
-            <a:spLocks noGrp="1"/>
-          </p:cNvSpPr>
-          <p:nvPr>
-            <p:ph type="title"/>
-          </p:nvPr>
-        </p:nvSpPr>
-        <p:spPr/>
-        <p:txBody>
-          <a:bodyPr/>
-          <a:lstStyle/>
-          <a:p>
-            <a:r>
-              <a:rPr lang="en-US" dirty="0"/>
-              <a:t>VSD in Brief</a:t>
+              <a:t>Value Sensitive Design (VSD) in Brief</a:t>
             </a:r>
           </a:p>
         </p:txBody>
@@ -19461,7 +20159,7 @@
           <a:p>
             <a:fld id="{20F37917-FD3A-4669-9018-DA04BCDD3D75}" type="slidenum">
               <a:rPr lang="en-US" smtClean="0"/>
-              <a:t>36</a:t>
+              <a:t>34</a:t>
             </a:fld>
             <a:endParaRPr lang="en-US"/>
           </a:p>
@@ -19733,7 +20431,7 @@
 </p:sld>
 </file>
 
-<file path=ppt/slides/slide37.xml><?xml version="1.0" encoding="utf-8"?>
+<file path=ppt/slides/slide35.xml><?xml version="1.0" encoding="utf-8"?>
 <p:sld xmlns:a="http://schemas.openxmlformats.org/drawingml/2006/main" xmlns:r="http://schemas.openxmlformats.org/officeDocument/2006/relationships" xmlns:p="http://schemas.openxmlformats.org/presentationml/2006/main">
   <p:cSld>
     <p:spTree>
@@ -19902,7 +20600,7 @@
           <a:p>
             <a:fld id="{20F37917-FD3A-4669-9018-DA04BCDD3D75}" type="slidenum">
               <a:rPr lang="en-US" smtClean="0"/>
-              <a:t>37</a:t>
+              <a:t>35</a:t>
             </a:fld>
             <a:endParaRPr lang="en-US"/>
           </a:p>
@@ -20447,7 +21145,7 @@
 </p:sld>
 </file>
 
-<file path=ppt/slides/slide38.xml><?xml version="1.0" encoding="utf-8"?>
+<file path=ppt/slides/slide36.xml><?xml version="1.0" encoding="utf-8"?>
 <p:sld xmlns:a="http://schemas.openxmlformats.org/drawingml/2006/main" xmlns:r="http://schemas.openxmlformats.org/officeDocument/2006/relationships" xmlns:p="http://schemas.openxmlformats.org/presentationml/2006/main">
   <p:cSld>
     <p:spTree>
@@ -20565,7 +21263,7 @@
           <a:p>
             <a:fld id="{20F37917-FD3A-4669-9018-DA04BCDD3D75}" type="slidenum">
               <a:rPr lang="en-US" smtClean="0"/>
-              <a:t>38</a:t>
+              <a:t>36</a:t>
             </a:fld>
             <a:endParaRPr lang="en-US"/>
           </a:p>
@@ -20584,7 +21282,7 @@
 </p:sld>
 </file>
 
-<file path=ppt/slides/slide39.xml><?xml version="1.0" encoding="utf-8"?>
+<file path=ppt/slides/slide37.xml><?xml version="1.0" encoding="utf-8"?>
 <p:sld xmlns:a="http://schemas.openxmlformats.org/drawingml/2006/main" xmlns:r="http://schemas.openxmlformats.org/officeDocument/2006/relationships" xmlns:p="http://schemas.openxmlformats.org/presentationml/2006/main">
   <p:cSld>
     <p:spTree>
@@ -20711,7 +21409,7 @@
           <a:p>
             <a:fld id="{20F37917-FD3A-4669-9018-DA04BCDD3D75}" type="slidenum">
               <a:rPr lang="en-US" smtClean="0"/>
-              <a:t>39</a:t>
+              <a:t>37</a:t>
             </a:fld>
             <a:endParaRPr lang="en-US"/>
           </a:p>
@@ -20957,6 +21655,313 @@
 </p:sld>
 </file>
 
+<file path=ppt/slides/slide38.xml><?xml version="1.0" encoding="utf-8"?>
+<p:sld xmlns:a="http://schemas.openxmlformats.org/drawingml/2006/main" xmlns:r="http://schemas.openxmlformats.org/officeDocument/2006/relationships" xmlns:p="http://schemas.openxmlformats.org/presentationml/2006/main">
+  <p:cSld>
+    <p:spTree>
+      <p:nvGrpSpPr>
+        <p:cNvPr id="1" name=""/>
+        <p:cNvGrpSpPr/>
+        <p:nvPr/>
+      </p:nvGrpSpPr>
+      <p:grpSpPr>
+        <a:xfrm>
+          <a:off x="0" y="0"/>
+          <a:ext cx="0" cy="0"/>
+          <a:chOff x="0" y="0"/>
+          <a:chExt cx="0" cy="0"/>
+        </a:xfrm>
+      </p:grpSpPr>
+      <p:sp>
+        <p:nvSpPr>
+          <p:cNvPr id="2" name="Title 1">
+            <a:extLst>
+              <a:ext uri="{FF2B5EF4-FFF2-40B4-BE49-F238E27FC236}">
+                <a16:creationId xmlns:a16="http://schemas.microsoft.com/office/drawing/2014/main" id="{992300D1-4FCF-7632-A87A-D563CA9E2118}"/>
+              </a:ext>
+            </a:extLst>
+          </p:cNvPr>
+          <p:cNvSpPr>
+            <a:spLocks noGrp="1"/>
+          </p:cNvSpPr>
+          <p:nvPr>
+            <p:ph type="title"/>
+          </p:nvPr>
+        </p:nvSpPr>
+        <p:spPr/>
+        <p:txBody>
+          <a:bodyPr/>
+          <a:lstStyle/>
+          <a:p>
+            <a:r>
+              <a:rPr lang="en-US" dirty="0"/>
+              <a:t>Stakeholder Analysis</a:t>
+            </a:r>
+          </a:p>
+        </p:txBody>
+      </p:sp>
+      <p:sp>
+        <p:nvSpPr>
+          <p:cNvPr id="3" name="Content Placeholder 2">
+            <a:extLst>
+              <a:ext uri="{FF2B5EF4-FFF2-40B4-BE49-F238E27FC236}">
+                <a16:creationId xmlns:a16="http://schemas.microsoft.com/office/drawing/2014/main" id="{9A961C99-2CC8-98AA-07DB-8A17C0B9AEF1}"/>
+              </a:ext>
+            </a:extLst>
+          </p:cNvPr>
+          <p:cNvSpPr>
+            <a:spLocks noGrp="1"/>
+          </p:cNvSpPr>
+          <p:nvPr>
+            <p:ph idx="1"/>
+          </p:nvPr>
+        </p:nvSpPr>
+        <p:spPr>
+          <a:xfrm>
+            <a:off x="838199" y="1500160"/>
+            <a:ext cx="10868247" cy="4351338"/>
+          </a:xfrm>
+        </p:spPr>
+        <p:txBody>
+          <a:bodyPr>
+            <a:normAutofit/>
+          </a:bodyPr>
+          <a:lstStyle/>
+          <a:p>
+            <a:pPr marL="514350" indent="-514350">
+              <a:buFont typeface="+mj-lt"/>
+              <a:buAutoNum type="arabicPeriod"/>
+            </a:pPr>
+            <a:r>
+              <a:rPr lang="en-US" dirty="0"/>
+              <a:t>Relative to the issue of content moderation, who or what are the stakeholders? (i.e. individuals or groups whose interests stand to be impacted by this algorithm?)</a:t>
+            </a:r>
+          </a:p>
+          <a:p>
+            <a:pPr marL="514350" indent="-514350">
+              <a:buFont typeface="+mj-lt"/>
+              <a:buAutoNum type="arabicPeriod"/>
+            </a:pPr>
+            <a:r>
+              <a:rPr lang="en-US" dirty="0"/>
+              <a:t>Relative to the issue of content moderation, what are the interests or values of the different stakeholders?</a:t>
+            </a:r>
+          </a:p>
+          <a:p>
+            <a:pPr marL="514350" indent="-514350">
+              <a:buFont typeface="+mj-lt"/>
+              <a:buAutoNum type="arabicPeriod"/>
+            </a:pPr>
+            <a:r>
+              <a:rPr lang="en-US" dirty="0"/>
+              <a:t>Are there any conflicts of interests or values?</a:t>
+            </a:r>
+          </a:p>
+          <a:p>
+            <a:pPr marL="514350" indent="-514350">
+              <a:buFont typeface="+mj-lt"/>
+              <a:buAutoNum type="arabicPeriod"/>
+            </a:pPr>
+            <a:r>
+              <a:rPr lang="en-US" dirty="0"/>
+              <a:t>Overall, given the different stakeholders, interests and values, do any of them stand out to you as ones we should prioritize? Why?</a:t>
+            </a:r>
+          </a:p>
+        </p:txBody>
+      </p:sp>
+      <p:sp>
+        <p:nvSpPr>
+          <p:cNvPr id="4" name="Slide Number Placeholder 3">
+            <a:extLst>
+              <a:ext uri="{FF2B5EF4-FFF2-40B4-BE49-F238E27FC236}">
+                <a16:creationId xmlns:a16="http://schemas.microsoft.com/office/drawing/2014/main" id="{B1846DD2-C733-7BF5-1A88-1DE2E1003009}"/>
+              </a:ext>
+            </a:extLst>
+          </p:cNvPr>
+          <p:cNvSpPr>
+            <a:spLocks noGrp="1"/>
+          </p:cNvSpPr>
+          <p:nvPr>
+            <p:ph type="sldNum" sz="quarter" idx="12"/>
+          </p:nvPr>
+        </p:nvSpPr>
+        <p:spPr/>
+        <p:txBody>
+          <a:bodyPr/>
+          <a:lstStyle/>
+          <a:p>
+            <a:fld id="{20F37917-FD3A-4669-9018-DA04BCDD3D75}" type="slidenum">
+              <a:rPr lang="en-US" smtClean="0"/>
+              <a:t>38</a:t>
+            </a:fld>
+            <a:endParaRPr lang="en-US"/>
+          </a:p>
+        </p:txBody>
+      </p:sp>
+    </p:spTree>
+    <p:extLst>
+      <p:ext uri="{BB962C8B-B14F-4D97-AF65-F5344CB8AC3E}">
+        <p14:creationId xmlns:p14="http://schemas.microsoft.com/office/powerpoint/2010/main" val="2492839813"/>
+      </p:ext>
+    </p:extLst>
+  </p:cSld>
+  <p:clrMapOvr>
+    <a:masterClrMapping/>
+  </p:clrMapOvr>
+</p:sld>
+</file>
+
+<file path=ppt/slides/slide39.xml><?xml version="1.0" encoding="utf-8"?>
+<p:sld xmlns:a="http://schemas.openxmlformats.org/drawingml/2006/main" xmlns:r="http://schemas.openxmlformats.org/officeDocument/2006/relationships" xmlns:p="http://schemas.openxmlformats.org/presentationml/2006/main">
+  <p:cSld>
+    <p:spTree>
+      <p:nvGrpSpPr>
+        <p:cNvPr id="1" name=""/>
+        <p:cNvGrpSpPr/>
+        <p:nvPr/>
+      </p:nvGrpSpPr>
+      <p:grpSpPr>
+        <a:xfrm>
+          <a:off x="0" y="0"/>
+          <a:ext cx="0" cy="0"/>
+          <a:chOff x="0" y="0"/>
+          <a:chExt cx="0" cy="0"/>
+        </a:xfrm>
+      </p:grpSpPr>
+      <p:sp>
+        <p:nvSpPr>
+          <p:cNvPr id="2" name="Title 1">
+            <a:extLst>
+              <a:ext uri="{FF2B5EF4-FFF2-40B4-BE49-F238E27FC236}">
+                <a16:creationId xmlns:a16="http://schemas.microsoft.com/office/drawing/2014/main" id="{335D756B-A2A8-E49D-275B-242F19E39A6F}"/>
+              </a:ext>
+            </a:extLst>
+          </p:cNvPr>
+          <p:cNvSpPr>
+            <a:spLocks noGrp="1"/>
+          </p:cNvSpPr>
+          <p:nvPr>
+            <p:ph type="title"/>
+          </p:nvPr>
+        </p:nvSpPr>
+        <p:spPr/>
+        <p:txBody>
+          <a:bodyPr/>
+          <a:lstStyle/>
+          <a:p>
+            <a:r>
+              <a:rPr lang="en-US" dirty="0"/>
+              <a:t>Value Investigations</a:t>
+            </a:r>
+          </a:p>
+        </p:txBody>
+      </p:sp>
+      <p:sp>
+        <p:nvSpPr>
+          <p:cNvPr id="3" name="Content Placeholder 2">
+            <a:extLst>
+              <a:ext uri="{FF2B5EF4-FFF2-40B4-BE49-F238E27FC236}">
+                <a16:creationId xmlns:a16="http://schemas.microsoft.com/office/drawing/2014/main" id="{2BBDF1D1-AD42-D3B3-32F6-3100087AE8EC}"/>
+              </a:ext>
+            </a:extLst>
+          </p:cNvPr>
+          <p:cNvSpPr>
+            <a:spLocks noGrp="1"/>
+          </p:cNvSpPr>
+          <p:nvPr>
+            <p:ph idx="1"/>
+          </p:nvPr>
+        </p:nvSpPr>
+        <p:spPr/>
+        <p:txBody>
+          <a:bodyPr>
+            <a:normAutofit lnSpcReduction="10000"/>
+          </a:bodyPr>
+          <a:lstStyle/>
+          <a:p>
+            <a:pPr marL="514350" indent="-514350">
+              <a:buFont typeface="+mj-lt"/>
+              <a:buAutoNum type="arabicPeriod"/>
+            </a:pPr>
+            <a:r>
+              <a:rPr lang="en-US" dirty="0"/>
+              <a:t>Why do you think some people might be concerned with Reddit removing user’s posts? What if the posts have misinformation or hate speech?</a:t>
+            </a:r>
+          </a:p>
+          <a:p>
+            <a:pPr marL="514350" indent="-514350">
+              <a:buFont typeface="+mj-lt"/>
+              <a:buAutoNum type="arabicPeriod"/>
+            </a:pPr>
+            <a:r>
+              <a:rPr lang="en-US" dirty="0"/>
+              <a:t>How are users harmed if posts are mistakenly removed by Reddit?</a:t>
+            </a:r>
+          </a:p>
+          <a:p>
+            <a:pPr marL="514350" indent="-514350">
+              <a:buFont typeface="+mj-lt"/>
+              <a:buAutoNum type="arabicPeriod"/>
+            </a:pPr>
+            <a:r>
+              <a:rPr lang="en-US" dirty="0"/>
+              <a:t>How can bias in the moderation algorithms potentially harm users?</a:t>
+            </a:r>
+          </a:p>
+          <a:p>
+            <a:pPr marL="514350" indent="-514350">
+              <a:buFont typeface="+mj-lt"/>
+              <a:buAutoNum type="arabicPeriod"/>
+            </a:pPr>
+            <a:r>
+              <a:rPr lang="en-US" dirty="0"/>
+              <a:t>Given the debate on free speech vs. content moderation what do you think are the strengths and weaknesses of the proposed requirement?</a:t>
+            </a:r>
+          </a:p>
+        </p:txBody>
+      </p:sp>
+      <p:sp>
+        <p:nvSpPr>
+          <p:cNvPr id="4" name="Slide Number Placeholder 3">
+            <a:extLst>
+              <a:ext uri="{FF2B5EF4-FFF2-40B4-BE49-F238E27FC236}">
+                <a16:creationId xmlns:a16="http://schemas.microsoft.com/office/drawing/2014/main" id="{D4A73DC0-62D3-455A-A1DF-7F2AFE5098A9}"/>
+              </a:ext>
+            </a:extLst>
+          </p:cNvPr>
+          <p:cNvSpPr>
+            <a:spLocks noGrp="1"/>
+          </p:cNvSpPr>
+          <p:nvPr>
+            <p:ph type="sldNum" sz="quarter" idx="12"/>
+          </p:nvPr>
+        </p:nvSpPr>
+        <p:spPr/>
+        <p:txBody>
+          <a:bodyPr/>
+          <a:lstStyle/>
+          <a:p>
+            <a:fld id="{20F37917-FD3A-4669-9018-DA04BCDD3D75}" type="slidenum">
+              <a:rPr lang="en-US" smtClean="0"/>
+              <a:t>39</a:t>
+            </a:fld>
+            <a:endParaRPr lang="en-US"/>
+          </a:p>
+        </p:txBody>
+      </p:sp>
+    </p:spTree>
+    <p:extLst>
+      <p:ext uri="{BB962C8B-B14F-4D97-AF65-F5344CB8AC3E}">
+        <p14:creationId xmlns:p14="http://schemas.microsoft.com/office/powerpoint/2010/main" val="1519777456"/>
+      </p:ext>
+    </p:extLst>
+  </p:cSld>
+  <p:clrMapOvr>
+    <a:masterClrMapping/>
+  </p:clrMapOvr>
+</p:sld>
+</file>
+
 <file path=ppt/slides/slide4.xml><?xml version="1.0" encoding="utf-8"?>
 <p:sld xmlns:a="http://schemas.openxmlformats.org/drawingml/2006/main" xmlns:r="http://schemas.openxmlformats.org/officeDocument/2006/relationships" xmlns:p="http://schemas.openxmlformats.org/presentationml/2006/main">
   <p:cSld>
@@ -21234,7 +22239,7 @@
           <p:cNvPr id="2" name="Title 1">
             <a:extLst>
               <a:ext uri="{FF2B5EF4-FFF2-40B4-BE49-F238E27FC236}">
-                <a16:creationId xmlns:a16="http://schemas.microsoft.com/office/drawing/2014/main" id="{992300D1-4FCF-7632-A87A-D563CA9E2118}"/>
+                <a16:creationId xmlns:a16="http://schemas.microsoft.com/office/drawing/2014/main" id="{3D677602-B4CF-BDC8-DDE2-14B6FB2174BF}"/>
               </a:ext>
             </a:extLst>
           </p:cNvPr>
@@ -21252,7 +22257,7 @@
           <a:p>
             <a:r>
               <a:rPr lang="en-US" dirty="0"/>
-              <a:t>Stakeholder Analysis</a:t>
+              <a:t>Technical Investigations</a:t>
             </a:r>
           </a:p>
         </p:txBody>
@@ -21262,7 +22267,7 @@
           <p:cNvPr id="3" name="Content Placeholder 2">
             <a:extLst>
               <a:ext uri="{FF2B5EF4-FFF2-40B4-BE49-F238E27FC236}">
-                <a16:creationId xmlns:a16="http://schemas.microsoft.com/office/drawing/2014/main" id="{9A961C99-2CC8-98AA-07DB-8A17C0B9AEF1}"/>
+                <a16:creationId xmlns:a16="http://schemas.microsoft.com/office/drawing/2014/main" id="{C36CF53C-4066-4127-A0C2-13EAEDBD150D}"/>
               </a:ext>
             </a:extLst>
           </p:cNvPr>
@@ -21273,39 +22278,40 @@
             <p:ph idx="1"/>
           </p:nvPr>
         </p:nvSpPr>
-        <p:spPr>
-          <a:xfrm>
-            <a:off x="838199" y="1500160"/>
-            <a:ext cx="10868247" cy="4351338"/>
-          </a:xfrm>
-        </p:spPr>
+        <p:spPr/>
         <p:txBody>
-          <a:bodyPr>
-            <a:normAutofit/>
-          </a:bodyPr>
+          <a:bodyPr/>
           <a:lstStyle/>
           <a:p>
             <a:r>
               <a:rPr lang="en-US" dirty="0"/>
-              <a:t>Relative to the issue of content moderation, who or what are the stakeholders? (i.e. individuals or groups whose interests stand to be impacted by this algorithm?)</a:t>
-            </a:r>
-          </a:p>
-          <a:p>
-            <a:r>
-              <a:rPr lang="en-US" dirty="0"/>
-              <a:t>Relative to the issue of content moderation, what are the interests or values of the different stakeholders?</a:t>
-            </a:r>
-          </a:p>
-          <a:p>
-            <a:r>
-              <a:rPr lang="en-US" dirty="0"/>
-              <a:t>Are there any conflicts of interests or values?</a:t>
-            </a:r>
-          </a:p>
-          <a:p>
-            <a:r>
-              <a:rPr lang="en-US" dirty="0"/>
-              <a:t>Overall, given the different stakeholders, interests and values, do any of them stand out to you as ones we should prioritize? Why?</a:t>
+              <a:t>Suppose as a result of the VSD analysis we came up with two high-level requirements:</a:t>
+            </a:r>
+          </a:p>
+          <a:p>
+            <a:pPr marL="914400" lvl="1" indent="-457200">
+              <a:buFont typeface="+mj-lt"/>
+              <a:buAutoNum type="arabicPeriod"/>
+            </a:pPr>
+            <a:r>
+              <a:rPr lang="en-US" dirty="0"/>
+              <a:t>The flagging feature gives an explanation to the user as to why the system flagged and removed their content. If, after reading the explanation, the user thought the flagging was in error, they can submit the flag for further review. </a:t>
+            </a:r>
+          </a:p>
+          <a:p>
+            <a:pPr marL="914400" lvl="1" indent="-457200">
+              <a:buFont typeface="+mj-lt"/>
+              <a:buAutoNum type="arabicPeriod"/>
+            </a:pPr>
+            <a:r>
+              <a:rPr lang="en-US" dirty="0"/>
+              <a:t>The system prompts the user to reconsider (does not prevent) if their post is potentially offensive.</a:t>
+            </a:r>
+          </a:p>
+          <a:p>
+            <a:r>
+              <a:rPr lang="en-US" dirty="0"/>
+              <a:t>Which requirement would you prefer and why in terms of the values you think are important to you?</a:t>
             </a:r>
           </a:p>
         </p:txBody>
@@ -21315,7 +22321,7 @@
           <p:cNvPr id="4" name="Slide Number Placeholder 3">
             <a:extLst>
               <a:ext uri="{FF2B5EF4-FFF2-40B4-BE49-F238E27FC236}">
-                <a16:creationId xmlns:a16="http://schemas.microsoft.com/office/drawing/2014/main" id="{B1846DD2-C733-7BF5-1A88-1DE2E1003009}"/>
+                <a16:creationId xmlns:a16="http://schemas.microsoft.com/office/drawing/2014/main" id="{32FCEC0B-BB53-CE83-F74E-D021035F50E0}"/>
               </a:ext>
             </a:extLst>
           </p:cNvPr>
@@ -21342,7 +22348,7 @@
     </p:spTree>
     <p:extLst>
       <p:ext uri="{BB962C8B-B14F-4D97-AF65-F5344CB8AC3E}">
-        <p14:creationId xmlns:p14="http://schemas.microsoft.com/office/powerpoint/2010/main" val="2492839813"/>
+        <p14:creationId xmlns:p14="http://schemas.microsoft.com/office/powerpoint/2010/main" val="1904462745"/>
       </p:ext>
     </p:extLst>
   </p:cSld>
@@ -21374,7 +22380,7 @@
           <p:cNvPr id="2" name="Title 1">
             <a:extLst>
               <a:ext uri="{FF2B5EF4-FFF2-40B4-BE49-F238E27FC236}">
-                <a16:creationId xmlns:a16="http://schemas.microsoft.com/office/drawing/2014/main" id="{335D756B-A2A8-E49D-275B-242F19E39A6F}"/>
+                <a16:creationId xmlns:a16="http://schemas.microsoft.com/office/drawing/2014/main" id="{1ADD271A-4170-C5F2-C69E-66357770CC1B}"/>
               </a:ext>
             </a:extLst>
           </p:cNvPr>
@@ -21392,7 +22398,7 @@
           <a:p>
             <a:r>
               <a:rPr lang="en-US" dirty="0"/>
-              <a:t>Value Investigations</a:t>
+              <a:t>VSD and User Stories</a:t>
             </a:r>
           </a:p>
         </p:txBody>
@@ -21402,7 +22408,7 @@
           <p:cNvPr id="3" name="Content Placeholder 2">
             <a:extLst>
               <a:ext uri="{FF2B5EF4-FFF2-40B4-BE49-F238E27FC236}">
-                <a16:creationId xmlns:a16="http://schemas.microsoft.com/office/drawing/2014/main" id="{2BBDF1D1-AD42-D3B3-32F6-3100087AE8EC}"/>
+                <a16:creationId xmlns:a16="http://schemas.microsoft.com/office/drawing/2014/main" id="{07D4A9E1-54C4-62AE-1AB7-CC939291C0B9}"/>
               </a:ext>
             </a:extLst>
           </p:cNvPr>
@@ -21415,32 +22421,46 @@
         </p:nvSpPr>
         <p:spPr/>
         <p:txBody>
-          <a:bodyPr>
-            <a:normAutofit/>
-          </a:bodyPr>
+          <a:bodyPr/>
           <a:lstStyle/>
           <a:p>
             <a:r>
               <a:rPr lang="en-US" dirty="0"/>
-              <a:t>Why do you think some people might be concerned with Reddit removing user’s posts? What if the posts have misinformation?</a:t>
-            </a:r>
-          </a:p>
-          <a:p>
-            <a:r>
-              <a:rPr lang="en-US" dirty="0"/>
-              <a:t>How are users harmed if posts are mistakenly removed by Reddit?</a:t>
-            </a:r>
-          </a:p>
-          <a:p>
-            <a:r>
-              <a:rPr lang="en-US" dirty="0"/>
-              <a:t>How can bias in the moderation algorithms potentially harm users?</a:t>
-            </a:r>
-          </a:p>
-          <a:p>
-            <a:r>
-              <a:rPr lang="en-US" dirty="0"/>
-              <a:t>Given the debate on free speech vs. content moderation what do you think are the strengths and weaknesses of the proposed requirement?</a:t>
+              <a:t>Formally specify the chosen requirement as user stories.</a:t>
+            </a:r>
+          </a:p>
+          <a:p>
+            <a:r>
+              <a:rPr lang="en-US" dirty="0"/>
+              <a:t>Your user stories must capture the following:</a:t>
+            </a:r>
+          </a:p>
+          <a:p>
+            <a:pPr lvl="1"/>
+            <a:r>
+              <a:rPr lang="en-US" dirty="0"/>
+              <a:t>Who are the stakeholders?</a:t>
+            </a:r>
+          </a:p>
+          <a:p>
+            <a:pPr lvl="1"/>
+            <a:r>
+              <a:rPr lang="en-US" dirty="0"/>
+              <a:t>What are the values?</a:t>
+            </a:r>
+          </a:p>
+          <a:p>
+            <a:pPr lvl="1"/>
+            <a:r>
+              <a:rPr lang="en-US" dirty="0"/>
+              <a:t>What value tensions were resolved?</a:t>
+            </a:r>
+          </a:p>
+          <a:p>
+            <a:pPr lvl="1"/>
+            <a:r>
+              <a:rPr lang="en-US" dirty="0"/>
+              <a:t>What are the conditions of satisfaction?</a:t>
             </a:r>
           </a:p>
         </p:txBody>
@@ -21450,7 +22470,7 @@
           <p:cNvPr id="4" name="Slide Number Placeholder 3">
             <a:extLst>
               <a:ext uri="{FF2B5EF4-FFF2-40B4-BE49-F238E27FC236}">
-                <a16:creationId xmlns:a16="http://schemas.microsoft.com/office/drawing/2014/main" id="{D4A73DC0-62D3-455A-A1DF-7F2AFE5098A9}"/>
+                <a16:creationId xmlns:a16="http://schemas.microsoft.com/office/drawing/2014/main" id="{37E7A858-98E7-6833-17AC-6377EA96A2A3}"/>
               </a:ext>
             </a:extLst>
           </p:cNvPr>
@@ -21477,7 +22497,7 @@
     </p:spTree>
     <p:extLst>
       <p:ext uri="{BB962C8B-B14F-4D97-AF65-F5344CB8AC3E}">
-        <p14:creationId xmlns:p14="http://schemas.microsoft.com/office/powerpoint/2010/main" val="1519777456"/>
+        <p14:creationId xmlns:p14="http://schemas.microsoft.com/office/powerpoint/2010/main" val="3677923322"/>
       </p:ext>
     </p:extLst>
   </p:cSld>
@@ -21509,7 +22529,7 @@
           <p:cNvPr id="2" name="Title 1">
             <a:extLst>
               <a:ext uri="{FF2B5EF4-FFF2-40B4-BE49-F238E27FC236}">
-                <a16:creationId xmlns:a16="http://schemas.microsoft.com/office/drawing/2014/main" id="{3D677602-B4CF-BDC8-DDE2-14B6FB2174BF}"/>
+                <a16:creationId xmlns:a16="http://schemas.microsoft.com/office/drawing/2014/main" id="{E743D407-5B53-49A7-9907-E801EA7FFD8E}"/>
               </a:ext>
             </a:extLst>
           </p:cNvPr>
@@ -21527,7 +22547,7 @@
           <a:p>
             <a:r>
               <a:rPr lang="en-US" dirty="0"/>
-              <a:t>Technical Investigations</a:t>
+              <a:t>Learning Goals for this Lesson</a:t>
             </a:r>
           </a:p>
         </p:txBody>
@@ -21537,7 +22557,7 @@
           <p:cNvPr id="3" name="Content Placeholder 2">
             <a:extLst>
               <a:ext uri="{FF2B5EF4-FFF2-40B4-BE49-F238E27FC236}">
-                <a16:creationId xmlns:a16="http://schemas.microsoft.com/office/drawing/2014/main" id="{C36CF53C-4066-4127-A0C2-13EAEDBD150D}"/>
+                <a16:creationId xmlns:a16="http://schemas.microsoft.com/office/drawing/2014/main" id="{AC300E2B-BFD0-4090-AFC5-FE82683F997F}"/>
               </a:ext>
             </a:extLst>
           </p:cNvPr>
@@ -21548,40 +22568,54 @@
             <p:ph idx="1"/>
           </p:nvPr>
         </p:nvSpPr>
-        <p:spPr/>
+        <p:spPr>
+          <a:xfrm>
+            <a:off x="838199" y="1500160"/>
+            <a:ext cx="10515599" cy="4351338"/>
+          </a:xfrm>
+        </p:spPr>
         <p:txBody>
           <a:bodyPr/>
           <a:lstStyle/>
           <a:p>
             <a:r>
               <a:rPr lang="en-US" dirty="0"/>
-              <a:t>Suppose as a result of the VSD analysis we came up with two high-level requirements:</a:t>
-            </a:r>
-          </a:p>
-          <a:p>
-            <a:pPr marL="914400" lvl="1" indent="-457200">
-              <a:buFont typeface="+mj-lt"/>
-              <a:buAutoNum type="arabicPeriod"/>
-            </a:pPr>
-            <a:r>
-              <a:rPr lang="en-US" dirty="0"/>
-              <a:t>The flagging feature gives an explanation to the user as to why the system flagged and removed their content. If, after reading the explanation, the user thought the flagging was in error, they can submit the flag for further review. </a:t>
-            </a:r>
-          </a:p>
-          <a:p>
-            <a:pPr marL="914400" lvl="1" indent="-457200">
-              <a:buFont typeface="+mj-lt"/>
-              <a:buAutoNum type="arabicPeriod"/>
-            </a:pPr>
-            <a:r>
-              <a:rPr lang="en-US" dirty="0"/>
-              <a:t>The system prompts the user to reconsider (does not prevent) if their post is potentially offensive.</a:t>
-            </a:r>
-          </a:p>
-          <a:p>
-            <a:r>
-              <a:rPr lang="en-US" dirty="0"/>
-              <a:t>Which requirement would you prefer and why in terms of the values you think are important to you?</a:t>
+              <a:t>At the end of this lesson, you should be able to</a:t>
+            </a:r>
+          </a:p>
+          <a:p>
+            <a:pPr lvl="1"/>
+            <a:r>
+              <a:rPr lang="en-US" dirty="0"/>
+              <a:t>Explain the overall purposes of requirements analysis</a:t>
+            </a:r>
+          </a:p>
+          <a:p>
+            <a:pPr lvl="1"/>
+            <a:r>
+              <a:rPr lang="en-US" dirty="0"/>
+              <a:t>Enumerate and explain 3 major dimensions of risk in Requirements Analysis</a:t>
+            </a:r>
+          </a:p>
+          <a:p>
+            <a:pPr lvl="1"/>
+            <a:r>
+              <a:rPr lang="en-US" dirty="0"/>
+              <a:t>Explain the difference between functional and non-functional requirements, and give examples of each  </a:t>
+            </a:r>
+          </a:p>
+          <a:p>
+            <a:pPr lvl="1"/>
+            <a:r>
+              <a:rPr lang="en-US" dirty="0"/>
+              <a:t>Define the notions of user stories and conditions of satisfaction, and give multiple examples</a:t>
+            </a:r>
+          </a:p>
+          <a:p>
+            <a:pPr lvl="1"/>
+            <a:r>
+              <a:rPr lang="en-US" dirty="0"/>
+              <a:t>Use Value Sensitive Design to uncover requirements based on stakeholder analysis and value investigations.</a:t>
             </a:r>
           </a:p>
         </p:txBody>
@@ -21591,7 +22625,7 @@
           <p:cNvPr id="4" name="Slide Number Placeholder 3">
             <a:extLst>
               <a:ext uri="{FF2B5EF4-FFF2-40B4-BE49-F238E27FC236}">
-                <a16:creationId xmlns:a16="http://schemas.microsoft.com/office/drawing/2014/main" id="{32FCEC0B-BB53-CE83-F74E-D021035F50E0}"/>
+                <a16:creationId xmlns:a16="http://schemas.microsoft.com/office/drawing/2014/main" id="{B7BF3F82-6F96-41E0-9C15-23CE00076176}"/>
               </a:ext>
             </a:extLst>
           </p:cNvPr>
@@ -21618,156 +22652,7 @@
     </p:spTree>
     <p:extLst>
       <p:ext uri="{BB962C8B-B14F-4D97-AF65-F5344CB8AC3E}">
-        <p14:creationId xmlns:p14="http://schemas.microsoft.com/office/powerpoint/2010/main" val="1904462745"/>
-      </p:ext>
-    </p:extLst>
-  </p:cSld>
-  <p:clrMapOvr>
-    <a:masterClrMapping/>
-  </p:clrMapOvr>
-</p:sld>
-</file>
-
-<file path=ppt/slides/slide43.xml><?xml version="1.0" encoding="utf-8"?>
-<p:sld xmlns:a="http://schemas.openxmlformats.org/drawingml/2006/main" xmlns:r="http://schemas.openxmlformats.org/officeDocument/2006/relationships" xmlns:p="http://schemas.openxmlformats.org/presentationml/2006/main">
-  <p:cSld>
-    <p:spTree>
-      <p:nvGrpSpPr>
-        <p:cNvPr id="1" name=""/>
-        <p:cNvGrpSpPr/>
-        <p:nvPr/>
-      </p:nvGrpSpPr>
-      <p:grpSpPr>
-        <a:xfrm>
-          <a:off x="0" y="0"/>
-          <a:ext cx="0" cy="0"/>
-          <a:chOff x="0" y="0"/>
-          <a:chExt cx="0" cy="0"/>
-        </a:xfrm>
-      </p:grpSpPr>
-      <p:sp>
-        <p:nvSpPr>
-          <p:cNvPr id="2" name="Title 1">
-            <a:extLst>
-              <a:ext uri="{FF2B5EF4-FFF2-40B4-BE49-F238E27FC236}">
-                <a16:creationId xmlns:a16="http://schemas.microsoft.com/office/drawing/2014/main" id="{1ADD271A-4170-C5F2-C69E-66357770CC1B}"/>
-              </a:ext>
-            </a:extLst>
-          </p:cNvPr>
-          <p:cNvSpPr>
-            <a:spLocks noGrp="1"/>
-          </p:cNvSpPr>
-          <p:nvPr>
-            <p:ph type="title"/>
-          </p:nvPr>
-        </p:nvSpPr>
-        <p:spPr/>
-        <p:txBody>
-          <a:bodyPr/>
-          <a:lstStyle/>
-          <a:p>
-            <a:r>
-              <a:rPr lang="en-US" dirty="0"/>
-              <a:t>VSD and User Stories</a:t>
-            </a:r>
-          </a:p>
-        </p:txBody>
-      </p:sp>
-      <p:sp>
-        <p:nvSpPr>
-          <p:cNvPr id="3" name="Content Placeholder 2">
-            <a:extLst>
-              <a:ext uri="{FF2B5EF4-FFF2-40B4-BE49-F238E27FC236}">
-                <a16:creationId xmlns:a16="http://schemas.microsoft.com/office/drawing/2014/main" id="{07D4A9E1-54C4-62AE-1AB7-CC939291C0B9}"/>
-              </a:ext>
-            </a:extLst>
-          </p:cNvPr>
-          <p:cNvSpPr>
-            <a:spLocks noGrp="1"/>
-          </p:cNvSpPr>
-          <p:nvPr>
-            <p:ph idx="1"/>
-          </p:nvPr>
-        </p:nvSpPr>
-        <p:spPr/>
-        <p:txBody>
-          <a:bodyPr/>
-          <a:lstStyle/>
-          <a:p>
-            <a:r>
-              <a:rPr lang="en-US" dirty="0"/>
-              <a:t>Formally specify the chosen requirement as user stories.</a:t>
-            </a:r>
-          </a:p>
-          <a:p>
-            <a:r>
-              <a:rPr lang="en-US" dirty="0"/>
-              <a:t>Your user stories must capture the following:</a:t>
-            </a:r>
-          </a:p>
-          <a:p>
-            <a:pPr lvl="1"/>
-            <a:r>
-              <a:rPr lang="en-US" dirty="0"/>
-              <a:t>Who are the stakeholders?</a:t>
-            </a:r>
-          </a:p>
-          <a:p>
-            <a:pPr lvl="1"/>
-            <a:r>
-              <a:rPr lang="en-US" dirty="0"/>
-              <a:t>What are the values?</a:t>
-            </a:r>
-          </a:p>
-          <a:p>
-            <a:pPr lvl="1"/>
-            <a:r>
-              <a:rPr lang="en-US" dirty="0"/>
-              <a:t>What value tensions were resolved?</a:t>
-            </a:r>
-          </a:p>
-          <a:p>
-            <a:pPr lvl="1"/>
-            <a:r>
-              <a:rPr lang="en-US" dirty="0"/>
-              <a:t>What are the conditions of satisfaction?</a:t>
-            </a:r>
-          </a:p>
-        </p:txBody>
-      </p:sp>
-      <p:sp>
-        <p:nvSpPr>
-          <p:cNvPr id="4" name="Slide Number Placeholder 3">
-            <a:extLst>
-              <a:ext uri="{FF2B5EF4-FFF2-40B4-BE49-F238E27FC236}">
-                <a16:creationId xmlns:a16="http://schemas.microsoft.com/office/drawing/2014/main" id="{37E7A858-98E7-6833-17AC-6377EA96A2A3}"/>
-              </a:ext>
-            </a:extLst>
-          </p:cNvPr>
-          <p:cNvSpPr>
-            <a:spLocks noGrp="1"/>
-          </p:cNvSpPr>
-          <p:nvPr>
-            <p:ph type="sldNum" sz="quarter" idx="12"/>
-          </p:nvPr>
-        </p:nvSpPr>
-        <p:spPr/>
-        <p:txBody>
-          <a:bodyPr/>
-          <a:lstStyle/>
-          <a:p>
-            <a:fld id="{20F37917-FD3A-4669-9018-DA04BCDD3D75}" type="slidenum">
-              <a:rPr lang="en-US" smtClean="0"/>
-              <a:t>43</a:t>
-            </a:fld>
-            <a:endParaRPr lang="en-US"/>
-          </a:p>
-        </p:txBody>
-      </p:sp>
-    </p:spTree>
-    <p:extLst>
-      <p:ext uri="{BB962C8B-B14F-4D97-AF65-F5344CB8AC3E}">
-        <p14:creationId xmlns:p14="http://schemas.microsoft.com/office/powerpoint/2010/main" val="3677923322"/>
+        <p14:creationId xmlns:p14="http://schemas.microsoft.com/office/powerpoint/2010/main" val="673410589"/>
       </p:ext>
     </p:extLst>
   </p:cSld>

--- a/Slides/Module 01.2 Requirements Gathering.pptx
+++ b/Slides/Module 01.2 Requirements Gathering.pptx
@@ -2319,8 +2319,8 @@
     <dgm:cxn modelId="{0D619939-DF3D-4D20-BB53-412AF78EA558}" type="presOf" srcId="{ABB0E679-4682-422A-B4B3-34D44CC4C90C}" destId="{BBEC7333-A5CB-4B43-A34A-870E516E4DD6}" srcOrd="0" destOrd="0" presId="urn:microsoft.com/office/officeart/2018/2/layout/IconVerticalSolidList"/>
     <dgm:cxn modelId="{07AC9C4A-377E-4379-B550-8DB49E3862F9}" srcId="{ABB0E679-4682-422A-B4B3-34D44CC4C90C}" destId="{8859CDF6-BBF5-4A76-8A76-407071531CB6}" srcOrd="2" destOrd="0" parTransId="{4553293F-765F-468C-A52D-17712ED16F1F}" sibTransId="{CD3D3010-EDC9-481C-A822-9AFA251D0BAD}"/>
     <dgm:cxn modelId="{F7C5F74B-BB11-4F28-9F7E-23FE778011DC}" type="presOf" srcId="{79B77230-D940-49CC-AF47-BF1D40797D89}" destId="{D527155E-0657-496B-926B-6BBC0B628D07}" srcOrd="0" destOrd="0" presId="urn:microsoft.com/office/officeart/2018/2/layout/IconVerticalSolidList"/>
+    <dgm:cxn modelId="{BBA2886E-1FC2-4FFE-BF42-BABB70DB9D54}" srcId="{ABB0E679-4682-422A-B4B3-34D44CC4C90C}" destId="{79B77230-D940-49CC-AF47-BF1D40797D89}" srcOrd="0" destOrd="0" parTransId="{C50558CC-69DA-4C28-8CB9-2982E9088524}" sibTransId="{01A261DD-4242-4987-8459-53BA826F65E4}"/>
     <dgm:cxn modelId="{16B49D51-0857-4A44-AD1A-0C1006418460}" srcId="{7851135E-E593-49EB-9C66-FB8F80DCC8EB}" destId="{0F25331F-8FB8-4E3A-87F2-3F285D74EB32}" srcOrd="2" destOrd="0" parTransId="{324E124D-8500-4C04-A0BA-6F6C2D553D81}" sibTransId="{4716CEE8-C882-4DFA-8AAE-CB3797F9F69F}"/>
-    <dgm:cxn modelId="{BBA2886E-1FC2-4FFE-BF42-BABB70DB9D54}" srcId="{ABB0E679-4682-422A-B4B3-34D44CC4C90C}" destId="{79B77230-D940-49CC-AF47-BF1D40797D89}" srcOrd="0" destOrd="0" parTransId="{C50558CC-69DA-4C28-8CB9-2982E9088524}" sibTransId="{01A261DD-4242-4987-8459-53BA826F65E4}"/>
     <dgm:cxn modelId="{6F534F79-49C3-49F2-B767-CA8451407698}" type="presOf" srcId="{2CC7D121-8A41-44D9-89BD-244AA28A42A0}" destId="{D527155E-0657-496B-926B-6BBC0B628D07}" srcOrd="0" destOrd="1" presId="urn:microsoft.com/office/officeart/2018/2/layout/IconVerticalSolidList"/>
     <dgm:cxn modelId="{83B9F09E-EAE2-4CC8-ADD5-C1D9758C0071}" type="presOf" srcId="{A898EC3E-4F02-462D-8397-BC48F29AE81B}" destId="{4FB2F518-2BF4-4FD7-A56E-47F3A3918E17}" srcOrd="0" destOrd="0" presId="urn:microsoft.com/office/officeart/2018/2/layout/IconVerticalSolidList"/>
     <dgm:cxn modelId="{D9C411B4-474A-4FB0-9E9B-1E92A378E566}" srcId="{289B9B18-ED8C-4F8C-B57D-E359AFC29DCD}" destId="{A898EC3E-4F02-462D-8397-BC48F29AE81B}" srcOrd="0" destOrd="0" parTransId="{AD9DCD49-7708-4181-B664-3E4D3C91E37D}" sibTransId="{5F251CD8-B93E-4310-9598-EB0F0D698564}"/>
@@ -6135,7 +6135,7 @@
           <a:p>
             <a:fld id="{7C7E5181-6CF5-45F7-A87A-E0E0B1FD7549}" type="datetimeFigureOut">
               <a:rPr lang="en-US" smtClean="0"/>
-              <a:t>6/25/25</a:t>
+              <a:t>7/2/2025</a:t>
             </a:fld>
             <a:endParaRPr lang="en-US"/>
           </a:p>
@@ -10381,7 +10381,7 @@
           <a:p>
             <a:fld id="{5D2A64DE-480B-420F-9649-4F8E696E08E0}" type="datetime1">
               <a:rPr lang="en-US" smtClean="0"/>
-              <a:t>6/25/25</a:t>
+              <a:t>7/2/2025</a:t>
             </a:fld>
             <a:endParaRPr lang="en-US"/>
           </a:p>
@@ -10705,7 +10705,7 @@
           <a:p>
             <a:fld id="{EA476A42-A091-4468-A075-64A31BE59948}" type="datetime1">
               <a:rPr lang="en-US" smtClean="0"/>
-              <a:t>6/25/25</a:t>
+              <a:t>7/2/2025</a:t>
             </a:fld>
             <a:endParaRPr lang="en-US"/>
           </a:p>
@@ -10903,7 +10903,7 @@
           <a:p>
             <a:fld id="{0D3616D0-8311-4107-9726-6B805E7D05BA}" type="datetime1">
               <a:rPr lang="en-US" smtClean="0"/>
-              <a:t>6/25/25</a:t>
+              <a:t>7/2/2025</a:t>
             </a:fld>
             <a:endParaRPr lang="en-US"/>
           </a:p>
@@ -11111,7 +11111,7 @@
           <a:p>
             <a:fld id="{3BC2557A-5C88-417A-A763-5AC779462A5F}" type="datetime1">
               <a:rPr lang="en-US" smtClean="0"/>
-              <a:t>6/25/25</a:t>
+              <a:t>7/2/2025</a:t>
             </a:fld>
             <a:endParaRPr lang="en-US"/>
           </a:p>
@@ -11635,7 +11635,7 @@
           <a:p>
             <a:fld id="{07C7BFD4-467E-4EDE-93EA-052F5B39A4E5}" type="datetime1">
               <a:rPr lang="en-US" smtClean="0"/>
-              <a:t>6/25/25</a:t>
+              <a:t>7/2/2025</a:t>
             </a:fld>
             <a:endParaRPr lang="en-US"/>
           </a:p>
@@ -11885,7 +11885,7 @@
           <a:p>
             <a:fld id="{07C7BFD4-467E-4EDE-93EA-052F5B39A4E5}" type="datetime1">
               <a:rPr lang="en-US" smtClean="0"/>
-              <a:t>6/25/25</a:t>
+              <a:t>7/2/2025</a:t>
             </a:fld>
             <a:endParaRPr lang="en-US"/>
           </a:p>
@@ -12067,7 +12067,7 @@
           <a:p>
             <a:fld id="{109E55A0-C911-4F03-82FC-7E5926047D46}" type="datetime1">
               <a:rPr lang="en-US" smtClean="0"/>
-              <a:t>6/25/25</a:t>
+              <a:t>7/2/2025</a:t>
             </a:fld>
             <a:endParaRPr lang="en-US"/>
           </a:p>
@@ -12380,7 +12380,7 @@
           <a:p>
             <a:fld id="{A533CBE2-D5BE-47AC-ADC2-9CDFC1D0CF90}" type="datetime1">
               <a:rPr lang="en-US" smtClean="0"/>
-              <a:t>6/25/25</a:t>
+              <a:t>7/2/2025</a:t>
             </a:fld>
             <a:endParaRPr lang="en-US"/>
           </a:p>
@@ -12681,7 +12681,7 @@
           <a:p>
             <a:fld id="{39B7EDB1-CE74-4951-85A2-0B01C2128E28}" type="datetime1">
               <a:rPr lang="en-US" smtClean="0"/>
-              <a:t>6/25/25</a:t>
+              <a:t>7/2/2025</a:t>
             </a:fld>
             <a:endParaRPr lang="en-US"/>
           </a:p>
@@ -13129,7 +13129,7 @@
           <a:p>
             <a:fld id="{2BC7EB92-A5C2-4807-A9DC-9EDE6CBFB241}" type="datetime1">
               <a:rPr lang="en-US" smtClean="0"/>
-              <a:t>6/25/25</a:t>
+              <a:t>7/2/2025</a:t>
             </a:fld>
             <a:endParaRPr lang="en-US"/>
           </a:p>
@@ -13242,7 +13242,7 @@
           <a:p>
             <a:fld id="{2B7B7EE0-7771-4CD5-9B2B-3550753A54A1}" type="datetime1">
               <a:rPr lang="en-US" smtClean="0"/>
-              <a:t>6/25/25</a:t>
+              <a:t>7/2/2025</a:t>
             </a:fld>
             <a:endParaRPr lang="en-US"/>
           </a:p>
@@ -13553,7 +13553,7 @@
           <a:p>
             <a:fld id="{F8B318B3-0E87-4416-A9B8-D891968C2727}" type="datetime1">
               <a:rPr lang="en-US" smtClean="0"/>
-              <a:t>6/25/25</a:t>
+              <a:t>7/2/2025</a:t>
             </a:fld>
             <a:endParaRPr lang="en-US"/>
           </a:p>
@@ -13794,7 +13794,7 @@
           <a:p>
             <a:fld id="{54D997E8-DDEE-43F1-8D9B-F8A1E11DE488}" type="datetime1">
               <a:rPr lang="en-US" smtClean="0"/>
-              <a:t>6/25/25</a:t>
+              <a:t>7/2/2025</a:t>
             </a:fld>
             <a:endParaRPr lang="en-US"/>
           </a:p>
@@ -15443,7 +15443,7 @@
             <a:pPr lvl="1"/>
             <a:r>
               <a:rPr lang="en-US" dirty="0"/>
-              <a:t>Extra features (desirable and optional features): 50 points</a:t>
+              <a:t>Extra features (desirable and/or optional features): 50 points</a:t>
             </a:r>
           </a:p>
           <a:p>
@@ -18453,8 +18453,22 @@
           </a:xfrm>
         </p:spPr>
         <p:txBody>
-          <a:bodyPr/>
+          <a:bodyPr>
+            <a:normAutofit lnSpcReduction="10000"/>
+          </a:bodyPr>
           <a:lstStyle/>
+          <a:p>
+            <a:r>
+              <a:rPr lang="en-US" dirty="0"/>
+              <a:t>As developers, we often spend most of our time and effort on features (i.e., functional requirements).</a:t>
+            </a:r>
+          </a:p>
+          <a:p>
+            <a:r>
+              <a:rPr lang="en-US" dirty="0"/>
+              <a:t>But there is more ….</a:t>
+            </a:r>
+          </a:p>
           <a:p>
             <a:r>
               <a:rPr lang="en-US" dirty="0"/>
@@ -19637,12 +19651,14 @@
         </p:nvSpPr>
         <p:spPr/>
         <p:txBody>
-          <a:bodyPr/>
+          <a:bodyPr>
+            <a:normAutofit/>
+          </a:bodyPr>
           <a:lstStyle/>
           <a:p>
             <a:r>
               <a:rPr lang="en-US" dirty="0"/>
-              <a:t>The Importance of Ethics</a:t>
+              <a:t>Requirements Analysis works best when human values are considered</a:t>
             </a:r>
           </a:p>
         </p:txBody>
@@ -19833,13 +19849,13 @@
         </p:nvSpPr>
         <p:spPr>
           <a:xfrm>
-            <a:off x="838200" y="1500160"/>
-            <a:ext cx="8648700" cy="4351338"/>
+            <a:off x="838200" y="1500159"/>
+            <a:ext cx="9465860" cy="4856191"/>
           </a:xfrm>
         </p:spPr>
         <p:txBody>
           <a:bodyPr>
-            <a:normAutofit fontScale="92500" lnSpcReduction="20000"/>
+            <a:normAutofit lnSpcReduction="10000"/>
           </a:bodyPr>
           <a:lstStyle/>
           <a:p>
@@ -21185,7 +21201,7 @@
           <a:p>
             <a:r>
               <a:rPr lang="en-US" dirty="0"/>
-              <a:t>The Reddit Case Study</a:t>
+              <a:t>Example: The Reddit Case Study</a:t>
             </a:r>
           </a:p>
         </p:txBody>

--- a/Slides/Module 01.2 Requirements Gathering.pptx
+++ b/Slides/Module 01.2 Requirements Gathering.pptx
@@ -2319,8 +2319,8 @@
     <dgm:cxn modelId="{0D619939-DF3D-4D20-BB53-412AF78EA558}" type="presOf" srcId="{ABB0E679-4682-422A-B4B3-34D44CC4C90C}" destId="{BBEC7333-A5CB-4B43-A34A-870E516E4DD6}" srcOrd="0" destOrd="0" presId="urn:microsoft.com/office/officeart/2018/2/layout/IconVerticalSolidList"/>
     <dgm:cxn modelId="{07AC9C4A-377E-4379-B550-8DB49E3862F9}" srcId="{ABB0E679-4682-422A-B4B3-34D44CC4C90C}" destId="{8859CDF6-BBF5-4A76-8A76-407071531CB6}" srcOrd="2" destOrd="0" parTransId="{4553293F-765F-468C-A52D-17712ED16F1F}" sibTransId="{CD3D3010-EDC9-481C-A822-9AFA251D0BAD}"/>
     <dgm:cxn modelId="{F7C5F74B-BB11-4F28-9F7E-23FE778011DC}" type="presOf" srcId="{79B77230-D940-49CC-AF47-BF1D40797D89}" destId="{D527155E-0657-496B-926B-6BBC0B628D07}" srcOrd="0" destOrd="0" presId="urn:microsoft.com/office/officeart/2018/2/layout/IconVerticalSolidList"/>
+    <dgm:cxn modelId="{16B49D51-0857-4A44-AD1A-0C1006418460}" srcId="{7851135E-E593-49EB-9C66-FB8F80DCC8EB}" destId="{0F25331F-8FB8-4E3A-87F2-3F285D74EB32}" srcOrd="2" destOrd="0" parTransId="{324E124D-8500-4C04-A0BA-6F6C2D553D81}" sibTransId="{4716CEE8-C882-4DFA-8AAE-CB3797F9F69F}"/>
     <dgm:cxn modelId="{BBA2886E-1FC2-4FFE-BF42-BABB70DB9D54}" srcId="{ABB0E679-4682-422A-B4B3-34D44CC4C90C}" destId="{79B77230-D940-49CC-AF47-BF1D40797D89}" srcOrd="0" destOrd="0" parTransId="{C50558CC-69DA-4C28-8CB9-2982E9088524}" sibTransId="{01A261DD-4242-4987-8459-53BA826F65E4}"/>
-    <dgm:cxn modelId="{16B49D51-0857-4A44-AD1A-0C1006418460}" srcId="{7851135E-E593-49EB-9C66-FB8F80DCC8EB}" destId="{0F25331F-8FB8-4E3A-87F2-3F285D74EB32}" srcOrd="2" destOrd="0" parTransId="{324E124D-8500-4C04-A0BA-6F6C2D553D81}" sibTransId="{4716CEE8-C882-4DFA-8AAE-CB3797F9F69F}"/>
     <dgm:cxn modelId="{6F534F79-49C3-49F2-B767-CA8451407698}" type="presOf" srcId="{2CC7D121-8A41-44D9-89BD-244AA28A42A0}" destId="{D527155E-0657-496B-926B-6BBC0B628D07}" srcOrd="0" destOrd="1" presId="urn:microsoft.com/office/officeart/2018/2/layout/IconVerticalSolidList"/>
     <dgm:cxn modelId="{83B9F09E-EAE2-4CC8-ADD5-C1D9758C0071}" type="presOf" srcId="{A898EC3E-4F02-462D-8397-BC48F29AE81B}" destId="{4FB2F518-2BF4-4FD7-A56E-47F3A3918E17}" srcOrd="0" destOrd="0" presId="urn:microsoft.com/office/officeart/2018/2/layout/IconVerticalSolidList"/>
     <dgm:cxn modelId="{D9C411B4-474A-4FB0-9E9B-1E92A378E566}" srcId="{289B9B18-ED8C-4F8C-B57D-E359AFC29DCD}" destId="{A898EC3E-4F02-462D-8397-BC48F29AE81B}" srcOrd="0" destOrd="0" parTransId="{AD9DCD49-7708-4181-B664-3E4D3C91E37D}" sibTransId="{5F251CD8-B93E-4310-9598-EB0F0D698564}"/>
@@ -6135,7 +6135,7 @@
           <a:p>
             <a:fld id="{7C7E5181-6CF5-45F7-A87A-E0E0B1FD7549}" type="datetimeFigureOut">
               <a:rPr lang="en-US" smtClean="0"/>
-              <a:t>7/2/2025</a:t>
+              <a:t>7/7/25</a:t>
             </a:fld>
             <a:endParaRPr lang="en-US"/>
           </a:p>
@@ -8330,7 +8330,16 @@
           <a:p>
             <a:r>
               <a:rPr lang="en-US" dirty="0"/>
-              <a:t>It is essential to consider ethics and values when building technology. </a:t>
+              <a:t>It is essential to consider ethics and values when building technology. Ethics is a branch in Philosophy that explores the moral principles and values that guide human behavior and decision making. </a:t>
+            </a:r>
+          </a:p>
+          <a:p>
+            <a:endParaRPr lang="en-US" dirty="0"/>
+          </a:p>
+          <a:p>
+            <a:r>
+              <a:rPr lang="en-US" dirty="0"/>
+              <a:t>There is a growing consensus in CS disciplines such as HCI and software engineering to borrow concepts from ethics to help drive design and implementation of software systems.</a:t>
             </a:r>
           </a:p>
           <a:p>
@@ -8435,6 +8444,15 @@
           <a:p>
             <a:r>
               <a:rPr lang="en-US" dirty="0"/>
+              <a:t>We are going to understand the value of informed consent as a motivation to consider values in the requirements phase.</a:t>
+            </a:r>
+          </a:p>
+          <a:p>
+            <a:endParaRPr lang="en-US" dirty="0"/>
+          </a:p>
+          <a:p>
+            <a:r>
+              <a:rPr lang="en-US" dirty="0"/>
               <a:t>Cookies and security solutions such as HTTPS are an outcome of an analysis that considers ethical aspects and values such as informed consent</a:t>
             </a:r>
           </a:p>
@@ -8590,7 +8608,16 @@
           <a:p>
             <a:r>
               <a:rPr lang="en-US" dirty="0"/>
-              <a:t>The case study aligns with the final project</a:t>
+              <a:t>The Reddit case study will be used to illustrate the different types of investigations involved in the VSD framework.</a:t>
+            </a:r>
+          </a:p>
+          <a:p>
+            <a:endParaRPr lang="en-US" dirty="0"/>
+          </a:p>
+          <a:p>
+            <a:r>
+              <a:rPr lang="en-US" dirty="0"/>
+              <a:t>Like Stack Overflow, Reddit is a platform for discussion. Our hope is that using VSD here will help students align VSD with their final project on Stack Overflow.</a:t>
             </a:r>
           </a:p>
         </p:txBody>
@@ -8791,6 +8818,15 @@
           <a:p>
             <a:r>
               <a:rPr lang="en-US" dirty="0"/>
+              <a:t>Stakeholder analysis is part of value investigations</a:t>
+            </a:r>
+          </a:p>
+          <a:p>
+            <a:endParaRPr lang="en-US" dirty="0"/>
+          </a:p>
+          <a:p>
+            <a:r>
+              <a:rPr lang="en-US" dirty="0"/>
               <a:t>Students should reflect about these questions in groups.</a:t>
             </a:r>
           </a:p>
@@ -8979,16 +9015,13 @@
             </a:pPr>
             <a:r>
               <a:rPr lang="en-US" dirty="0"/>
-              <a:t>Impinges on users’ right to freely express and also prevents other users from being exposed to different </a:t>
-            </a:r>
-            <a:r>
-              <a:rPr lang="en-US" dirty="0" err="1"/>
-              <a:t>prespectives</a:t>
-            </a:r>
-            <a:r>
-              <a:rPr lang="en-US" dirty="0"/>
-              <a:t>.</a:t>
-            </a:r>
+              <a:t>Impinges on users’ right to freely express and also prevents other users from being exposed to </a:t>
+            </a:r>
+            <a:r>
+              <a:rPr lang="en-US"/>
+              <a:t>different perspectives.</a:t>
+            </a:r>
+            <a:endParaRPr lang="en-US" dirty="0"/>
           </a:p>
           <a:p>
             <a:pPr marL="228600" indent="-228600">
@@ -9194,6 +9227,12 @@
               <a:t>The students should pick a requirement based on their analysis. There is no correct answer as long as students are able to defend their choice.</a:t>
             </a:r>
           </a:p>
+          <a:p>
+            <a:endParaRPr lang="en-US" dirty="0"/>
+          </a:p>
+          <a:p>
+            <a:endParaRPr lang="en-US" i="1" dirty="0"/>
+          </a:p>
         </p:txBody>
       </p:sp>
       <p:sp>
@@ -9280,6 +9319,87 @@
               <a:rPr lang="en-US" dirty="0"/>
               <a:t>This is an after-class activity.</a:t>
             </a:r>
+          </a:p>
+          <a:p>
+            <a:endParaRPr lang="en-US" dirty="0"/>
+          </a:p>
+          <a:p>
+            <a:r>
+              <a:rPr lang="en-US" dirty="0"/>
+              <a:t>A sample user story based on the first requirement in the previous slide:</a:t>
+            </a:r>
+          </a:p>
+          <a:p>
+            <a:endParaRPr lang="en-US" dirty="0"/>
+          </a:p>
+          <a:p>
+            <a:r>
+              <a:rPr lang="en-US" i="1" dirty="0"/>
+              <a:t>As a </a:t>
+            </a:r>
+            <a:r>
+              <a:rPr lang="en-US" b="1" i="1" dirty="0"/>
+              <a:t>content creator </a:t>
+            </a:r>
+            <a:r>
+              <a:rPr lang="en-US" i="1" dirty="0"/>
+              <a:t>I want to express my opinions without offending any person so that I can contribute to a discussion in a constructive way</a:t>
+            </a:r>
+          </a:p>
+          <a:p>
+            <a:endParaRPr lang="en-US" i="1" dirty="0"/>
+          </a:p>
+          <a:p>
+            <a:r>
+              <a:rPr lang="en-US" i="1" dirty="0"/>
+              <a:t>Conditions of satisfaction:</a:t>
+            </a:r>
+          </a:p>
+          <a:p>
+            <a:endParaRPr lang="en-US" i="1" dirty="0"/>
+          </a:p>
+          <a:p>
+            <a:r>
+              <a:rPr lang="en-US" i="1" dirty="0"/>
+              <a:t>(E) I should be able to view my post in the forum if the post was not flagged</a:t>
+            </a:r>
+          </a:p>
+          <a:p>
+            <a:r>
+              <a:rPr lang="en-US" i="1" dirty="0"/>
+              <a:t>(E) I should be able to see a content warning with a reason for the warning if my post was flagged</a:t>
+            </a:r>
+          </a:p>
+          <a:p>
+            <a:r>
+              <a:rPr lang="en-US" i="1" dirty="0"/>
+              <a:t>(E) I should not be able to post if it was flagged</a:t>
+            </a:r>
+          </a:p>
+          <a:p>
+            <a:r>
+              <a:rPr lang="en-US" i="1" dirty="0"/>
+              <a:t>(E) I should be able to raise an appeal if my post was flagged</a:t>
+            </a:r>
+          </a:p>
+          <a:p>
+            <a:r>
+              <a:rPr lang="en-US" i="1" dirty="0"/>
+              <a:t>(D) I should receive a notification if my post was posted after review of flagged post</a:t>
+            </a:r>
+          </a:p>
+          <a:p>
+            <a:r>
+              <a:rPr lang="en-US" i="1" dirty="0"/>
+              <a:t>(E) I should be able to see a history of my flagged posts to help me better understand the forum’s policy on improper speech</a:t>
+            </a:r>
+          </a:p>
+          <a:p>
+            <a:r>
+              <a:rPr lang="en-US" i="1" dirty="0"/>
+              <a:t>(Ex) I should be able to see which official policy rule was violated if my post is flagged</a:t>
+            </a:r>
+            <a:endParaRPr lang="en-US" dirty="0"/>
           </a:p>
         </p:txBody>
       </p:sp>
@@ -10381,7 +10501,7 @@
           <a:p>
             <a:fld id="{5D2A64DE-480B-420F-9649-4F8E696E08E0}" type="datetime1">
               <a:rPr lang="en-US" smtClean="0"/>
-              <a:t>7/2/2025</a:t>
+              <a:t>7/7/25</a:t>
             </a:fld>
             <a:endParaRPr lang="en-US"/>
           </a:p>
@@ -10705,7 +10825,7 @@
           <a:p>
             <a:fld id="{EA476A42-A091-4468-A075-64A31BE59948}" type="datetime1">
               <a:rPr lang="en-US" smtClean="0"/>
-              <a:t>7/2/2025</a:t>
+              <a:t>7/7/25</a:t>
             </a:fld>
             <a:endParaRPr lang="en-US"/>
           </a:p>
@@ -10903,7 +11023,7 @@
           <a:p>
             <a:fld id="{0D3616D0-8311-4107-9726-6B805E7D05BA}" type="datetime1">
               <a:rPr lang="en-US" smtClean="0"/>
-              <a:t>7/2/2025</a:t>
+              <a:t>7/7/25</a:t>
             </a:fld>
             <a:endParaRPr lang="en-US"/>
           </a:p>
@@ -11111,7 +11231,7 @@
           <a:p>
             <a:fld id="{3BC2557A-5C88-417A-A763-5AC779462A5F}" type="datetime1">
               <a:rPr lang="en-US" smtClean="0"/>
-              <a:t>7/2/2025</a:t>
+              <a:t>7/7/25</a:t>
             </a:fld>
             <a:endParaRPr lang="en-US"/>
           </a:p>
@@ -11635,7 +11755,7 @@
           <a:p>
             <a:fld id="{07C7BFD4-467E-4EDE-93EA-052F5B39A4E5}" type="datetime1">
               <a:rPr lang="en-US" smtClean="0"/>
-              <a:t>7/2/2025</a:t>
+              <a:t>7/7/25</a:t>
             </a:fld>
             <a:endParaRPr lang="en-US"/>
           </a:p>
@@ -11885,7 +12005,7 @@
           <a:p>
             <a:fld id="{07C7BFD4-467E-4EDE-93EA-052F5B39A4E5}" type="datetime1">
               <a:rPr lang="en-US" smtClean="0"/>
-              <a:t>7/2/2025</a:t>
+              <a:t>7/7/25</a:t>
             </a:fld>
             <a:endParaRPr lang="en-US"/>
           </a:p>
@@ -12067,7 +12187,7 @@
           <a:p>
             <a:fld id="{109E55A0-C911-4F03-82FC-7E5926047D46}" type="datetime1">
               <a:rPr lang="en-US" smtClean="0"/>
-              <a:t>7/2/2025</a:t>
+              <a:t>7/7/25</a:t>
             </a:fld>
             <a:endParaRPr lang="en-US"/>
           </a:p>
@@ -12380,7 +12500,7 @@
           <a:p>
             <a:fld id="{A533CBE2-D5BE-47AC-ADC2-9CDFC1D0CF90}" type="datetime1">
               <a:rPr lang="en-US" smtClean="0"/>
-              <a:t>7/2/2025</a:t>
+              <a:t>7/7/25</a:t>
             </a:fld>
             <a:endParaRPr lang="en-US"/>
           </a:p>
@@ -12681,7 +12801,7 @@
           <a:p>
             <a:fld id="{39B7EDB1-CE74-4951-85A2-0B01C2128E28}" type="datetime1">
               <a:rPr lang="en-US" smtClean="0"/>
-              <a:t>7/2/2025</a:t>
+              <a:t>7/7/25</a:t>
             </a:fld>
             <a:endParaRPr lang="en-US"/>
           </a:p>
@@ -13129,7 +13249,7 @@
           <a:p>
             <a:fld id="{2BC7EB92-A5C2-4807-A9DC-9EDE6CBFB241}" type="datetime1">
               <a:rPr lang="en-US" smtClean="0"/>
-              <a:t>7/2/2025</a:t>
+              <a:t>7/7/25</a:t>
             </a:fld>
             <a:endParaRPr lang="en-US"/>
           </a:p>
@@ -13242,7 +13362,7 @@
           <a:p>
             <a:fld id="{2B7B7EE0-7771-4CD5-9B2B-3550753A54A1}" type="datetime1">
               <a:rPr lang="en-US" smtClean="0"/>
-              <a:t>7/2/2025</a:t>
+              <a:t>7/7/25</a:t>
             </a:fld>
             <a:endParaRPr lang="en-US"/>
           </a:p>
@@ -13553,7 +13673,7 @@
           <a:p>
             <a:fld id="{F8B318B3-0E87-4416-A9B8-D891968C2727}" type="datetime1">
               <a:rPr lang="en-US" smtClean="0"/>
-              <a:t>7/2/2025</a:t>
+              <a:t>7/7/25</a:t>
             </a:fld>
             <a:endParaRPr lang="en-US"/>
           </a:p>
@@ -13794,7 +13914,7 @@
           <a:p>
             <a:fld id="{54D997E8-DDEE-43F1-8D9B-F8A1E11DE488}" type="datetime1">
               <a:rPr lang="en-US" smtClean="0"/>
-              <a:t>7/2/2025</a:t>
+              <a:t>7/7/25</a:t>
             </a:fld>
             <a:endParaRPr lang="en-US"/>
           </a:p>
@@ -19658,7 +19778,7 @@
           <a:p>
             <a:r>
               <a:rPr lang="en-US" dirty="0"/>
-              <a:t>Requirements Analysis works best when human values are considered</a:t>
+              <a:t>Value Sensitive Design – An Ethical Framework to write better User Stories</a:t>
             </a:r>
           </a:p>
         </p:txBody>
@@ -19826,7 +19946,7 @@
           <a:p>
             <a:r>
               <a:rPr lang="en-US" dirty="0"/>
-              <a:t>Informed Consent Online</a:t>
+              <a:t>Informed Consent – A Human Value Example</a:t>
             </a:r>
           </a:p>
         </p:txBody>
@@ -19855,47 +19975,41 @@
         </p:spPr>
         <p:txBody>
           <a:bodyPr>
-            <a:normAutofit lnSpcReduction="10000"/>
+            <a:normAutofit fontScale="92500" lnSpcReduction="20000"/>
           </a:bodyPr>
           <a:lstStyle/>
           <a:p>
             <a:r>
               <a:rPr lang="en-US" dirty="0"/>
-              <a:t>Information technologies collect vast amounts of information about users and their interactions.</a:t>
-            </a:r>
-          </a:p>
-          <a:p>
-            <a:r>
-              <a:rPr lang="en-US" dirty="0"/>
-              <a:t>Often users have no control over</a:t>
+              <a:t>Information technologies collect vast amounts of information about users, who have no control over </a:t>
             </a:r>
           </a:p>
           <a:p>
             <a:pPr lvl="1"/>
             <a:r>
               <a:rPr lang="en-US" dirty="0"/>
-              <a:t>What information is collected</a:t>
+              <a:t>What information is collected,</a:t>
             </a:r>
           </a:p>
           <a:p>
             <a:pPr lvl="1"/>
             <a:r>
               <a:rPr lang="en-US" dirty="0"/>
-              <a:t>Who will have access</a:t>
+              <a:t>Who will have access,</a:t>
             </a:r>
           </a:p>
           <a:p>
             <a:pPr lvl="1"/>
             <a:r>
               <a:rPr lang="en-US" dirty="0"/>
-              <a:t>How long will it be archived</a:t>
+              <a:t>How long will it be archived,</a:t>
             </a:r>
           </a:p>
           <a:p>
             <a:pPr lvl="1"/>
             <a:r>
               <a:rPr lang="en-US" dirty="0"/>
-              <a:t>What will it be used for</a:t>
+              <a:t>What will it be used for,</a:t>
             </a:r>
           </a:p>
           <a:p>
@@ -19906,13 +20020,23 @@
             </a:r>
           </a:p>
           <a:p>
+            <a:r>
+              <a:rPr lang="en-US" dirty="0"/>
+              <a:t>Such technologies are an outcome of not considering values such as </a:t>
+            </a:r>
             <a:r>
               <a:rPr lang="en-US" b="1" dirty="0"/>
               <a:t>Informed consent</a:t>
             </a:r>
             <a:r>
               <a:rPr lang="en-US" dirty="0"/>
-              <a:t> is one way to modulate the impact of this data collection.</a:t>
+              <a:t> during the requirements analysis phase. </a:t>
+            </a:r>
+          </a:p>
+          <a:p>
+            <a:r>
+              <a:rPr lang="en-US" dirty="0"/>
+              <a:t>To consider informed consent we need to understand what it means generally and in the specific context of information technologies. What do you think it means?</a:t>
             </a:r>
           </a:p>
           <a:p>
@@ -21711,7 +21835,7 @@
           <a:p>
             <a:r>
               <a:rPr lang="en-US" dirty="0"/>
-              <a:t>Stakeholder Analysis</a:t>
+              <a:t>Value Investigation – Who are the Stakeholders?</a:t>
             </a:r>
           </a:p>
         </p:txBody>
@@ -21867,7 +21991,7 @@
           <a:p>
             <a:r>
               <a:rPr lang="en-US" dirty="0"/>
-              <a:t>Value Investigations</a:t>
+              <a:t>Value Investigation – What are the value tensions?</a:t>
             </a:r>
           </a:p>
         </p:txBody>
@@ -22296,12 +22420,14 @@
         </p:nvSpPr>
         <p:spPr/>
         <p:txBody>
-          <a:bodyPr/>
+          <a:bodyPr>
+            <a:normAutofit lnSpcReduction="10000"/>
+          </a:bodyPr>
           <a:lstStyle/>
           <a:p>
             <a:r>
               <a:rPr lang="en-US" dirty="0"/>
-              <a:t>Suppose as a result of the VSD analysis we came up with two high-level requirements:</a:t>
+              <a:t>Suppose as a result of the value investigations we came up with two high-level requirements:</a:t>
             </a:r>
           </a:p>
           <a:p>
@@ -22327,7 +22453,15 @@
           <a:p>
             <a:r>
               <a:rPr lang="en-US" dirty="0"/>
-              <a:t>Which requirement would you prefer and why in terms of the values you think are important to you?</a:t>
+              <a:t>Which requirement would you prefer based on the </a:t>
+            </a:r>
+            <a:r>
+              <a:rPr lang="en-US" i="1" dirty="0"/>
+              <a:t>technical feasibility and the values</a:t>
+            </a:r>
+            <a:r>
+              <a:rPr lang="en-US" dirty="0"/>
+              <a:t> that you think are important?</a:t>
             </a:r>
           </a:p>
         </p:txBody>
@@ -22414,7 +22548,7 @@
           <a:p>
             <a:r>
               <a:rPr lang="en-US" dirty="0"/>
-              <a:t>VSD and User Stories</a:t>
+              <a:t>Using VSD to Define User Stories</a:t>
             </a:r>
           </a:p>
         </p:txBody>
@@ -22477,6 +22611,12 @@
             <a:r>
               <a:rPr lang="en-US" dirty="0"/>
               <a:t>What are the conditions of satisfaction?</a:t>
+            </a:r>
+          </a:p>
+          <a:p>
+            <a:r>
+              <a:rPr lang="en-US" dirty="0"/>
+              <a:t>Download the detailed instructions of the activity from the course website (add link).</a:t>
             </a:r>
           </a:p>
         </p:txBody>
@@ -22631,7 +22771,7 @@
             <a:pPr lvl="1"/>
             <a:r>
               <a:rPr lang="en-US" dirty="0"/>
-              <a:t>Use Value Sensitive Design to uncover requirements based on stakeholder analysis and value investigations.</a:t>
+              <a:t>Use Value Sensitive Design to uncover requirements based on the different kinds of investigations.</a:t>
             </a:r>
           </a:p>
         </p:txBody>

--- a/Slides/Module 01.2 Requirements Gathering.pptx
+++ b/Slides/Module 01.2 Requirements Gathering.pptx
@@ -17983,7 +17983,7 @@
         <p:spPr/>
         <p:txBody>
           <a:bodyPr>
-            <a:normAutofit lnSpcReduction="10000"/>
+            <a:normAutofit fontScale="92500"/>
           </a:bodyPr>
           <a:lstStyle/>
           <a:p>
@@ -18009,8 +18009,13 @@
             </a:pPr>
             <a:r>
               <a:rPr lang="en-US" dirty="0"/>
-              <a:t>The system prompts the user to reconsider (does not prevent) if their post is potentially offensive.</a:t>
-            </a:r>
+              <a:t>The system prompts the user to reconsider if their post is potentially offensive, but does not prevent it </a:t>
+            </a:r>
+            <a:r>
+              <a:rPr lang="en-US"/>
+              <a:t>from being posted.</a:t>
+            </a:r>
+            <a:endParaRPr lang="en-US" dirty="0"/>
           </a:p>
           <a:p>
             <a:r>

--- a/Slides/Module 01.2 Requirements Gathering.pptx
+++ b/Slides/Module 01.2 Requirements Gathering.pptx
@@ -5,7 +5,7 @@
     <p:sldMasterId id="2147483648" r:id="rId1"/>
   </p:sldMasterIdLst>
   <p:notesMasterIdLst>
-    <p:notesMasterId r:id="rId44"/>
+    <p:notesMasterId r:id="rId46"/>
   </p:notesMasterIdLst>
   <p:sldIdLst>
     <p:sldId id="485" r:id="rId2"/>
@@ -40,42 +40,44 @@
     <p:sldId id="496" r:id="rId31"/>
     <p:sldId id="495" r:id="rId32"/>
     <p:sldId id="563" r:id="rId33"/>
-    <p:sldId id="552" r:id="rId34"/>
-    <p:sldId id="555" r:id="rId35"/>
-    <p:sldId id="556" r:id="rId36"/>
-    <p:sldId id="557" r:id="rId37"/>
-    <p:sldId id="558" r:id="rId38"/>
-    <p:sldId id="559" r:id="rId39"/>
-    <p:sldId id="560" r:id="rId40"/>
-    <p:sldId id="561" r:id="rId41"/>
-    <p:sldId id="562" r:id="rId42"/>
-    <p:sldId id="498" r:id="rId43"/>
+    <p:sldId id="555" r:id="rId34"/>
+    <p:sldId id="556" r:id="rId35"/>
+    <p:sldId id="564" r:id="rId36"/>
+    <p:sldId id="565" r:id="rId37"/>
+    <p:sldId id="566" r:id="rId38"/>
+    <p:sldId id="552" r:id="rId39"/>
+    <p:sldId id="557" r:id="rId40"/>
+    <p:sldId id="558" r:id="rId41"/>
+    <p:sldId id="559" r:id="rId42"/>
+    <p:sldId id="560" r:id="rId43"/>
+    <p:sldId id="561" r:id="rId44"/>
+    <p:sldId id="562" r:id="rId45"/>
   </p:sldIdLst>
   <p:sldSz cx="12192000" cy="6858000"/>
   <p:notesSz cx="9144000" cy="6858000"/>
   <p:embeddedFontLst>
     <p:embeddedFont>
       <p:font typeface="Calibri" panose="020F0502020204030204" pitchFamily="34" charset="0"/>
-      <p:regular r:id="rId45"/>
-      <p:bold r:id="rId46"/>
-      <p:italic r:id="rId47"/>
-      <p:boldItalic r:id="rId48"/>
+      <p:regular r:id="rId47"/>
+      <p:bold r:id="rId48"/>
+      <p:italic r:id="rId49"/>
+      <p:boldItalic r:id="rId50"/>
     </p:embeddedFont>
     <p:embeddedFont>
       <p:font typeface="Calibri Light" panose="020F0302020204030204" pitchFamily="34" charset="0"/>
-      <p:regular r:id="rId49"/>
-      <p:italic r:id="rId50"/>
+      <p:regular r:id="rId51"/>
+      <p:italic r:id="rId52"/>
     </p:embeddedFont>
     <p:embeddedFont>
       <p:font typeface="Ink Free" panose="03080402000500000000" pitchFamily="66" charset="0"/>
-      <p:regular r:id="rId51"/>
+      <p:regular r:id="rId53"/>
     </p:embeddedFont>
     <p:embeddedFont>
       <p:font typeface="Verdana" panose="020B0604030504040204" pitchFamily="34" charset="0"/>
-      <p:regular r:id="rId52"/>
-      <p:bold r:id="rId53"/>
-      <p:italic r:id="rId54"/>
-      <p:boldItalic r:id="rId55"/>
+      <p:regular r:id="rId54"/>
+      <p:bold r:id="rId55"/>
+      <p:italic r:id="rId56"/>
+      <p:boldItalic r:id="rId57"/>
     </p:embeddedFont>
   </p:embeddedFontLst>
   <p:defaultTextStyle>
@@ -210,16 +212,18 @@
             <p14:sldId id="496"/>
             <p14:sldId id="495"/>
             <p14:sldId id="563"/>
-            <p14:sldId id="552"/>
             <p14:sldId id="555"/>
             <p14:sldId id="556"/>
+            <p14:sldId id="564"/>
+            <p14:sldId id="565"/>
+            <p14:sldId id="566"/>
+            <p14:sldId id="552"/>
             <p14:sldId id="557"/>
             <p14:sldId id="558"/>
             <p14:sldId id="559"/>
             <p14:sldId id="560"/>
             <p14:sldId id="561"/>
             <p14:sldId id="562"/>
-            <p14:sldId id="498"/>
           </p14:sldIdLst>
         </p14:section>
       </p14:sectionLst>
@@ -8426,7 +8430,7 @@
           <a:p>
             <a:r>
               <a:rPr lang="en-US" dirty="0"/>
-              <a:t>It is essential to consider ethics and values when building technology. Ethics is a branch in Philosophy that explores the moral principles and values that guide human behavior and decision making. There is a growing consensus in CS disciplines such as HCI and software engineering to borrow concepts from ethics to help drive design and implementation of software systems.</a:t>
+              <a:t>Emphasize that VSD is a framework to help reason about value-based choices. It is not a prescription of ethics.</a:t>
             </a:r>
           </a:p>
           <a:p>
@@ -8435,55 +8439,7 @@
           <a:p>
             <a:r>
               <a:rPr lang="en-US" dirty="0"/>
-              <a:t>Identifying and grappling with value tensions during the requirements and design phase leads to “better” apps, websites, software systems, artificial intelligence, etc. </a:t>
-            </a:r>
-            <a:br>
-              <a:rPr lang="en-US" dirty="0"/>
-            </a:br>
-            <a:endParaRPr lang="en-US" dirty="0"/>
-          </a:p>
-          <a:p>
-            <a:r>
-              <a:rPr lang="en-US" dirty="0"/>
-              <a:t>Let’s consider a common example: informed consent</a:t>
-            </a:r>
-          </a:p>
-          <a:p>
-            <a:r>
-              <a:rPr lang="en-US" dirty="0"/>
-              <a:t>{Optional} Ask students What is Informed consent and how can it be designed in an online environment? </a:t>
-            </a:r>
-          </a:p>
-          <a:p>
-            <a:pPr marL="0" marR="0" lvl="0" indent="0" algn="l" defTabSz="914400" rtl="0" eaLnBrk="1" fontAlgn="auto" latinLnBrk="0" hangingPunct="1">
-              <a:lnSpc>
-                <a:spcPct val="100000"/>
-              </a:lnSpc>
-              <a:spcBef>
-                <a:spcPts val="0"/>
-              </a:spcBef>
-              <a:spcAft>
-                <a:spcPts val="0"/>
-              </a:spcAft>
-              <a:buClrTx/>
-              <a:buSzTx/>
-              <a:buFontTx/>
-              <a:buNone/>
-              <a:tabLst/>
-              <a:defRPr/>
-            </a:pPr>
-            <a:r>
-              <a:rPr lang="en-US" dirty="0"/>
-              <a:t>Cookies and security solutions such as HTTPS are an outcome of an analysis that considers ethical aspects and values such as informed consent</a:t>
-            </a:r>
-          </a:p>
-          <a:p>
-            <a:endParaRPr lang="en-US" dirty="0"/>
-          </a:p>
-          <a:p>
-            <a:r>
-              <a:rPr lang="en-US" dirty="0"/>
-              <a:t>The design hinges on the following constructs:</a:t>
+              <a:t>The process of VSD includes three kinds of investigations:</a:t>
             </a:r>
           </a:p>
           <a:p>
@@ -8493,7 +8449,7 @@
             </a:pPr>
             <a:r>
               <a:rPr lang="en-US" dirty="0"/>
-              <a:t>Disclosure refers to providing accurate information on the pros and cons of the action</a:t>
+              <a:t>Empirical: This is about understanding how the value works in real life based on observations made in the field or from life experiences.</a:t>
             </a:r>
           </a:p>
           <a:p>
@@ -8503,7 +8459,7 @@
             </a:pPr>
             <a:r>
               <a:rPr lang="en-US" dirty="0"/>
-              <a:t>comprehension refers to a user’s accurate interpretation of what is being disclosed</a:t>
+              <a:t>Value: Involves identifying stakeholders, thinking about their goals and values and then finally resolving the value tensions arising from conflicting interests of stakeholders.</a:t>
             </a:r>
           </a:p>
           <a:p>
@@ -8513,27 +8469,7 @@
             </a:pPr>
             <a:r>
               <a:rPr lang="en-US" dirty="0"/>
-              <a:t>Voluntariness refers to ensuring no coercion or control</a:t>
-            </a:r>
-          </a:p>
-          <a:p>
-            <a:pPr marL="171450" indent="-171450">
-              <a:buFontTx/>
-              <a:buChar char="-"/>
-            </a:pPr>
-            <a:r>
-              <a:rPr lang="en-US" dirty="0"/>
-              <a:t>competence refers to an individual’s mental and physical capability to give consent</a:t>
-            </a:r>
-          </a:p>
-          <a:p>
-            <a:pPr marL="171450" indent="-171450">
-              <a:buFontTx/>
-              <a:buChar char="-"/>
-            </a:pPr>
-            <a:r>
-              <a:rPr lang="en-US" dirty="0"/>
-              <a:t>Agreement refers to a clear opportunity to accept or decline</a:t>
+              <a:t>Technical: The technical feasibility of implementing the solutions.</a:t>
             </a:r>
           </a:p>
         </p:txBody>
@@ -8564,7 +8500,7 @@
     </p:spTree>
     <p:extLst>
       <p:ext uri="{BB962C8B-B14F-4D97-AF65-F5344CB8AC3E}">
-        <p14:creationId xmlns:p14="http://schemas.microsoft.com/office/powerpoint/2010/main" val="2005210505"/>
+        <p14:creationId xmlns:p14="http://schemas.microsoft.com/office/powerpoint/2010/main" val="10009787"/>
       </p:ext>
     </p:extLst>
   </p:cSld>
@@ -8620,16 +8556,37 @@
           <a:p>
             <a:r>
               <a:rPr lang="en-US" dirty="0"/>
-              <a:t>The Reddit case study will be used to illustrate the different types of investigations involved in the VSD framework.</a:t>
+              <a:t>The slide illustrates how to use VSD to think about a value like informed consent:</a:t>
             </a:r>
           </a:p>
           <a:p>
             <a:endParaRPr lang="en-US" dirty="0"/>
           </a:p>
           <a:p>
-            <a:r>
-              <a:rPr lang="en-US" dirty="0"/>
-              <a:t>Like Stack Overflow, Reddit is a platform for discussion. Our hope is that using VSD here will help students align VSD with their final project on Stack Overflow.</a:t>
+            <a:pPr marL="228600" indent="-228600">
+              <a:buAutoNum type="arabicPeriod"/>
+            </a:pPr>
+            <a:r>
+              <a:rPr lang="en-US" dirty="0"/>
+              <a:t>Do an empirical investigation which involves understanding the meaning of the value. In this case understanding informed consent hinges on four concepts as outlined. Often to understand a value one will have to collaborate with experts in a field such as sociologists, philosophers, domain experts. </a:t>
+            </a:r>
+          </a:p>
+          <a:p>
+            <a:pPr marL="228600" indent="-228600">
+              <a:buAutoNum type="arabicPeriod"/>
+            </a:pPr>
+            <a:r>
+              <a:rPr lang="en-US" dirty="0"/>
+              <a:t>Identify the stakeholders and value tensions. For e.g., the stakeholders here could be site users and site owners. Their interests may align or conflict. For e.g., site users may want to be anonymous, but site owners might want to monetize site usage by sharing personal usage data with advertisers. On the other hand they may align if the site owners want to make accountability and transparently a core value of their operations.</a:t>
+            </a:r>
+          </a:p>
+          <a:p>
+            <a:pPr marL="228600" indent="-228600">
+              <a:buAutoNum type="arabicPeriod"/>
+            </a:pPr>
+            <a:r>
+              <a:rPr lang="en-US" dirty="0"/>
+              <a:t>Cookies in browsers are one way to collect personal information after taking permission from the users.</a:t>
             </a:r>
           </a:p>
         </p:txBody>
@@ -8651,7 +8608,7 @@
           <a:p>
             <a:fld id="{07937F07-1250-4CCE-B198-1B2887014F41}" type="slidenum">
               <a:rPr lang="en-US" smtClean="0"/>
-              <a:t>36</a:t>
+              <a:t>34</a:t>
             </a:fld>
             <a:endParaRPr lang="en-US"/>
           </a:p>
@@ -8660,7 +8617,7 @@
     </p:spTree>
     <p:extLst>
       <p:ext uri="{BB962C8B-B14F-4D97-AF65-F5344CB8AC3E}">
-        <p14:creationId xmlns:p14="http://schemas.microsoft.com/office/powerpoint/2010/main" val="944764616"/>
+        <p14:creationId xmlns:p14="http://schemas.microsoft.com/office/powerpoint/2010/main" val="589351339"/>
       </p:ext>
     </p:extLst>
   </p:cSld>
@@ -8714,37 +8671,7 @@
           <a:bodyPr/>
           <a:lstStyle/>
           <a:p>
-            <a:r>
-              <a:rPr lang="en-US" dirty="0"/>
-              <a:t>Students must first discuss these questions in groups. Below is a sample answer not necessarily the only answer.</a:t>
-            </a:r>
-          </a:p>
-          <a:p>
             <a:endParaRPr lang="en-US" dirty="0"/>
-          </a:p>
-          <a:p>
-            <a:r>
-              <a:rPr lang="en-US" dirty="0"/>
-              <a:t>Dataset may not be representative as it may not capture all nuances of language (even in English) used in different communities such as slangs, dialects, or culturally specific phrases.</a:t>
-            </a:r>
-          </a:p>
-          <a:p>
-            <a:endParaRPr lang="en-US" dirty="0"/>
-          </a:p>
-          <a:p>
-            <a:r>
-              <a:rPr lang="en-US" dirty="0"/>
-              <a:t>Dataset maybe biased as it may be based on historical posts that were flagged by human moderators. E.g., posts from specific communities were flagged more.</a:t>
-            </a:r>
-          </a:p>
-          <a:p>
-            <a:endParaRPr lang="en-US" dirty="0"/>
-          </a:p>
-          <a:p>
-            <a:r>
-              <a:rPr lang="en-US" dirty="0"/>
-              <a:t>Complications: what constitutes hate speech isn’t clear. For e.g., some words may have been reclaimed by specific communities or posts may use satire to make a point.</a:t>
-            </a:r>
           </a:p>
         </p:txBody>
       </p:sp>
@@ -8765,7 +8692,7 @@
           <a:p>
             <a:fld id="{07937F07-1250-4CCE-B198-1B2887014F41}" type="slidenum">
               <a:rPr lang="en-US" smtClean="0"/>
-              <a:t>37</a:t>
+              <a:t>35</a:t>
             </a:fld>
             <a:endParaRPr lang="en-US"/>
           </a:p>
@@ -8774,7 +8701,7 @@
     </p:spTree>
     <p:extLst>
       <p:ext uri="{BB962C8B-B14F-4D97-AF65-F5344CB8AC3E}">
-        <p14:creationId xmlns:p14="http://schemas.microsoft.com/office/powerpoint/2010/main" val="1831237000"/>
+        <p14:creationId xmlns:p14="http://schemas.microsoft.com/office/powerpoint/2010/main" val="1638367211"/>
       </p:ext>
     </p:extLst>
   </p:cSld>
@@ -8828,99 +8755,7 @@
           <a:bodyPr/>
           <a:lstStyle/>
           <a:p>
-            <a:r>
-              <a:rPr lang="en-US" dirty="0"/>
-              <a:t>Stakeholder analysis is part of value investigations</a:t>
-            </a:r>
-          </a:p>
-          <a:p>
             <a:endParaRPr lang="en-US" dirty="0"/>
-          </a:p>
-          <a:p>
-            <a:r>
-              <a:rPr lang="en-US" dirty="0"/>
-              <a:t>Students should reflect about these questions in groups.</a:t>
-            </a:r>
-          </a:p>
-          <a:p>
-            <a:endParaRPr lang="en-US" dirty="0"/>
-          </a:p>
-          <a:p>
-            <a:r>
-              <a:rPr lang="en-US" dirty="0"/>
-              <a:t>Here is a sample answer.</a:t>
-            </a:r>
-          </a:p>
-          <a:p>
-            <a:endParaRPr lang="en-US" dirty="0"/>
-          </a:p>
-          <a:p>
-            <a:r>
-              <a:rPr lang="en-US" dirty="0"/>
-              <a:t>1. Reddit users, moderators, reddit company, advertisers</a:t>
-            </a:r>
-          </a:p>
-          <a:p>
-            <a:r>
-              <a:rPr lang="en-US" dirty="0"/>
-              <a:t>2. Interests/Values</a:t>
-            </a:r>
-          </a:p>
-          <a:p>
-            <a:r>
-              <a:rPr lang="en-US" dirty="0"/>
-              <a:t>  Users: free expression, accurate information, entertainment, anonymity, privacy</a:t>
-            </a:r>
-          </a:p>
-          <a:p>
-            <a:r>
-              <a:rPr lang="en-US" dirty="0"/>
-              <a:t>  Moderators: consistent enforcement of rules, reduced workload, ability to correct mistakes, maintain subreddit culture, transparency</a:t>
-            </a:r>
-          </a:p>
-          <a:p>
-            <a:r>
-              <a:rPr lang="en-US" dirty="0"/>
-              <a:t>  company: user engagement, revenue, accountability,  building brand image, legal compliance</a:t>
-            </a:r>
-          </a:p>
-          <a:p>
-            <a:r>
-              <a:rPr lang="en-US" dirty="0"/>
-              <a:t>  advertisers: user reach, low cost, profit, seamless integration with content</a:t>
-            </a:r>
-          </a:p>
-          <a:p>
-            <a:r>
-              <a:rPr lang="en-US" dirty="0"/>
-              <a:t>3. Conflicts</a:t>
-            </a:r>
-            <a:br>
-              <a:rPr lang="en-US" dirty="0"/>
-            </a:br>
-            <a:r>
-              <a:rPr lang="en-US" dirty="0"/>
-              <a:t>    free expression vs. content moderation or legal compliance, accurate info vs. entertainment, user autonomy vs. advertiser revenue, anonymity vs. transparence</a:t>
-            </a:r>
-          </a:p>
-          <a:p>
-            <a:r>
-              <a:rPr lang="en-US" dirty="0"/>
-              <a:t>4. Prioritization depends on personal goals and values. They key thing to realize is that this process does not recommend values, it provides a framework to reason about them based on the identified tensions.</a:t>
-            </a:r>
-            <a:br>
-              <a:rPr lang="en-US" dirty="0"/>
-            </a:br>
-            <a:r>
-              <a:rPr lang="en-US" dirty="0"/>
-              <a:t>    </a:t>
-            </a:r>
-          </a:p>
-          <a:p>
-            <a:r>
-              <a:rPr lang="en-US" dirty="0"/>
-              <a:t>	</a:t>
-            </a:r>
           </a:p>
         </p:txBody>
       </p:sp>
@@ -8941,7 +8776,7 @@
           <a:p>
             <a:fld id="{07937F07-1250-4CCE-B198-1B2887014F41}" type="slidenum">
               <a:rPr lang="en-US" smtClean="0"/>
-              <a:t>38</a:t>
+              <a:t>36</a:t>
             </a:fld>
             <a:endParaRPr lang="en-US"/>
           </a:p>
@@ -8950,7 +8785,7 @@
     </p:spTree>
     <p:extLst>
       <p:ext uri="{BB962C8B-B14F-4D97-AF65-F5344CB8AC3E}">
-        <p14:creationId xmlns:p14="http://schemas.microsoft.com/office/powerpoint/2010/main" val="3164459113"/>
+        <p14:creationId xmlns:p14="http://schemas.microsoft.com/office/powerpoint/2010/main" val="2160731417"/>
       </p:ext>
     </p:extLst>
   </p:cSld>
@@ -9004,54 +8839,7 @@
           <a:bodyPr/>
           <a:lstStyle/>
           <a:p>
-            <a:r>
-              <a:rPr lang="en-US" dirty="0"/>
-              <a:t>Students should discuss these questions in groups but here is a sample answer. The primary purpose is to realize the tensions when designing features. </a:t>
-            </a:r>
-          </a:p>
-          <a:p>
             <a:endParaRPr lang="en-US" dirty="0"/>
-          </a:p>
-          <a:p>
-            <a:pPr marL="228600" indent="-228600">
-              <a:buAutoNum type="arabicPeriod"/>
-            </a:pPr>
-            <a:r>
-              <a:rPr lang="en-US" dirty="0"/>
-              <a:t>Reddit removing user’s post might impinge on users’ right to freely express themselves. On the other hand, removing posts with known misinformation might encourage free speech by protecting the channels through which discussions happen. If posts with known hate speech is removed, then it protects the victims from being sidelined from the discourse.</a:t>
-            </a:r>
-          </a:p>
-          <a:p>
-            <a:pPr marL="228600" indent="-228600">
-              <a:buAutoNum type="arabicPeriod"/>
-            </a:pPr>
-            <a:r>
-              <a:rPr lang="en-US" dirty="0"/>
-              <a:t>Impinges on users’ right to freely express and also prevents other users from being exposed to </a:t>
-            </a:r>
-            <a:r>
-              <a:rPr lang="en-US"/>
-              <a:t>different perspectives.</a:t>
-            </a:r>
-            <a:endParaRPr lang="en-US" dirty="0"/>
-          </a:p>
-          <a:p>
-            <a:pPr marL="228600" indent="-228600">
-              <a:buAutoNum type="arabicPeriod"/>
-            </a:pPr>
-            <a:r>
-              <a:rPr lang="en-US" dirty="0"/>
-              <a:t>Excludes views of certain groups from the discourse.</a:t>
-            </a:r>
-          </a:p>
-          <a:p>
-            <a:pPr marL="228600" indent="-228600">
-              <a:buAutoNum type="arabicPeriod"/>
-            </a:pPr>
-            <a:r>
-              <a:rPr lang="en-US" dirty="0"/>
-              <a:t>The proposed requirement will foster free speech as free speech in not just about an individual’s right to free expression but it is also about protecting the channels through which everyone’s voices can be heard. It is also about creating an environment where individuals will learn and grow their thinking from the discussions. Hence, the moderation is only good if it is transparent and minimizes bias.</a:t>
-            </a:r>
           </a:p>
         </p:txBody>
       </p:sp>
@@ -9072,16 +8860,16 @@
           <a:p>
             <a:fld id="{07937F07-1250-4CCE-B198-1B2887014F41}" type="slidenum">
               <a:rPr lang="en-US" smtClean="0"/>
-              <a:t>39</a:t>
+              <a:t>37</a:t>
             </a:fld>
-            <a:endParaRPr lang="en-US"/>
+            <a:endParaRPr lang="en-US" dirty="0"/>
           </a:p>
         </p:txBody>
       </p:sp>
     </p:spTree>
     <p:extLst>
       <p:ext uri="{BB962C8B-B14F-4D97-AF65-F5344CB8AC3E}">
-        <p14:creationId xmlns:p14="http://schemas.microsoft.com/office/powerpoint/2010/main" val="1312031197"/>
+        <p14:creationId xmlns:p14="http://schemas.microsoft.com/office/powerpoint/2010/main" val="460942384"/>
       </p:ext>
     </p:extLst>
   </p:cSld>
@@ -9236,14 +9024,115 @@
           <a:p>
             <a:r>
               <a:rPr lang="en-US" dirty="0"/>
-              <a:t>The students should pick a requirement based on their analysis. There is no correct answer as long as students are able to defend their choice.</a:t>
+              <a:t>It is essential to consider ethics and values when building technology. Ethics is a branch in Philosophy that explores the moral principles and values that guide human behavior and decision making. There is a growing consensus in CS disciplines such as HCI and software engineering to borrow concepts from ethics to help drive design and implementation of software systems.</a:t>
             </a:r>
           </a:p>
           <a:p>
             <a:endParaRPr lang="en-US" dirty="0"/>
           </a:p>
           <a:p>
-            <a:endParaRPr lang="en-US" i="1" dirty="0"/>
+            <a:r>
+              <a:rPr lang="en-US" dirty="0"/>
+              <a:t>Identifying and grappling with value tensions during the requirements and design phase leads to “better” apps, websites, software systems, artificial intelligence, etc. </a:t>
+            </a:r>
+            <a:br>
+              <a:rPr lang="en-US" dirty="0"/>
+            </a:br>
+            <a:endParaRPr lang="en-US" dirty="0"/>
+          </a:p>
+          <a:p>
+            <a:r>
+              <a:rPr lang="en-US" dirty="0"/>
+              <a:t>Let’s consider a common example: informed consent</a:t>
+            </a:r>
+          </a:p>
+          <a:p>
+            <a:r>
+              <a:rPr lang="en-US" dirty="0"/>
+              <a:t>{Optional} Ask students What is Informed consent and how can it be designed in an online environment? </a:t>
+            </a:r>
+          </a:p>
+          <a:p>
+            <a:pPr marL="0" marR="0" lvl="0" indent="0" algn="l" defTabSz="914400" rtl="0" eaLnBrk="1" fontAlgn="auto" latinLnBrk="0" hangingPunct="1">
+              <a:lnSpc>
+                <a:spcPct val="100000"/>
+              </a:lnSpc>
+              <a:spcBef>
+                <a:spcPts val="0"/>
+              </a:spcBef>
+              <a:spcAft>
+                <a:spcPts val="0"/>
+              </a:spcAft>
+              <a:buClrTx/>
+              <a:buSzTx/>
+              <a:buFontTx/>
+              <a:buNone/>
+              <a:tabLst/>
+              <a:defRPr/>
+            </a:pPr>
+            <a:r>
+              <a:rPr lang="en-US" dirty="0"/>
+              <a:t>Cookies and security solutions such as HTTPS are an outcome of an analysis that considers ethical aspects and values such as informed consent</a:t>
+            </a:r>
+          </a:p>
+          <a:p>
+            <a:endParaRPr lang="en-US" dirty="0"/>
+          </a:p>
+          <a:p>
+            <a:r>
+              <a:rPr lang="en-US" dirty="0"/>
+              <a:t>The design hinges on the following constructs:</a:t>
+            </a:r>
+          </a:p>
+          <a:p>
+            <a:pPr marL="171450" indent="-171450">
+              <a:buFontTx/>
+              <a:buChar char="-"/>
+            </a:pPr>
+            <a:r>
+              <a:rPr lang="en-US" dirty="0"/>
+              <a:t>Disclosure refers to providing accurate information on the pros and cons of the action</a:t>
+            </a:r>
+          </a:p>
+          <a:p>
+            <a:pPr marL="171450" indent="-171450">
+              <a:buFontTx/>
+              <a:buChar char="-"/>
+            </a:pPr>
+            <a:r>
+              <a:rPr lang="en-US" dirty="0"/>
+              <a:t>comprehension refers to a user’s accurate interpretation of what is being disclosed</a:t>
+            </a:r>
+          </a:p>
+          <a:p>
+            <a:pPr marL="171450" indent="-171450">
+              <a:buFontTx/>
+              <a:buChar char="-"/>
+            </a:pPr>
+            <a:r>
+              <a:rPr lang="en-US" dirty="0"/>
+              <a:t>Voluntariness refers to ensuring no coercion or control</a:t>
+            </a:r>
+          </a:p>
+          <a:p>
+            <a:pPr marL="171450" indent="-171450">
+              <a:buFontTx/>
+              <a:buChar char="-"/>
+            </a:pPr>
+            <a:r>
+              <a:rPr lang="en-US" dirty="0"/>
+              <a:t>competence refers to an individual’s mental and physical capability to give consent</a:t>
+            </a:r>
+          </a:p>
+          <a:p>
+            <a:pPr marL="171450" indent="-171450">
+              <a:buFontTx/>
+              <a:buChar char="-"/>
+            </a:pPr>
+            <a:r>
+              <a:rPr lang="en-US" dirty="0"/>
+              <a:t>Agreement refers to a clear opportunity to accept or decline</a:t>
+            </a:r>
           </a:p>
         </p:txBody>
       </p:sp>
@@ -9264,7 +9153,7 @@
           <a:p>
             <a:fld id="{07937F07-1250-4CCE-B198-1B2887014F41}" type="slidenum">
               <a:rPr lang="en-US" smtClean="0"/>
-              <a:t>40</a:t>
+              <a:t>38</a:t>
             </a:fld>
             <a:endParaRPr lang="en-US"/>
           </a:p>
@@ -9273,7 +9162,7 @@
     </p:spTree>
     <p:extLst>
       <p:ext uri="{BB962C8B-B14F-4D97-AF65-F5344CB8AC3E}">
-        <p14:creationId xmlns:p14="http://schemas.microsoft.com/office/powerpoint/2010/main" val="2111607470"/>
+        <p14:creationId xmlns:p14="http://schemas.microsoft.com/office/powerpoint/2010/main" val="2005210505"/>
       </p:ext>
     </p:extLst>
   </p:cSld>
@@ -9329,7 +9218,7 @@
           <a:p>
             <a:r>
               <a:rPr lang="en-US" dirty="0"/>
-              <a:t>This is an after-class activity.</a:t>
+              <a:t>The Reddit case study will be used to illustrate the different types of investigations involved in the VSD framework.</a:t>
             </a:r>
           </a:p>
           <a:p>
@@ -9338,80 +9227,8 @@
           <a:p>
             <a:r>
               <a:rPr lang="en-US" dirty="0"/>
-              <a:t>A sample user story based on the first requirement in the previous slide:</a:t>
-            </a:r>
-          </a:p>
-          <a:p>
-            <a:endParaRPr lang="en-US" dirty="0"/>
-          </a:p>
-          <a:p>
-            <a:r>
-              <a:rPr lang="en-US" i="1" dirty="0"/>
-              <a:t>As a </a:t>
-            </a:r>
-            <a:r>
-              <a:rPr lang="en-US" b="1" i="1" dirty="0"/>
-              <a:t>content creator </a:t>
-            </a:r>
-            <a:r>
-              <a:rPr lang="en-US" i="1" dirty="0"/>
-              <a:t>I want to express my opinions without offending any person so that I can contribute to a discussion in a constructive way</a:t>
-            </a:r>
-          </a:p>
-          <a:p>
-            <a:endParaRPr lang="en-US" i="1" dirty="0"/>
-          </a:p>
-          <a:p>
-            <a:r>
-              <a:rPr lang="en-US" i="1" dirty="0"/>
-              <a:t>Conditions of satisfaction:</a:t>
-            </a:r>
-          </a:p>
-          <a:p>
-            <a:endParaRPr lang="en-US" i="1" dirty="0"/>
-          </a:p>
-          <a:p>
-            <a:r>
-              <a:rPr lang="en-US" i="1" dirty="0"/>
-              <a:t>(E) I should be able to view my post in the forum if the post was not flagged</a:t>
-            </a:r>
-          </a:p>
-          <a:p>
-            <a:r>
-              <a:rPr lang="en-US" i="1" dirty="0"/>
-              <a:t>(E) I should be able to see a content warning with a reason for the warning if my post was flagged</a:t>
-            </a:r>
-          </a:p>
-          <a:p>
-            <a:r>
-              <a:rPr lang="en-US" i="1" dirty="0"/>
-              <a:t>(E) I should not be able to post if it was flagged</a:t>
-            </a:r>
-          </a:p>
-          <a:p>
-            <a:r>
-              <a:rPr lang="en-US" i="1" dirty="0"/>
-              <a:t>(E) I should be able to raise an appeal if my post was flagged</a:t>
-            </a:r>
-          </a:p>
-          <a:p>
-            <a:r>
-              <a:rPr lang="en-US" i="1" dirty="0"/>
-              <a:t>(D) I should receive a notification if my post was posted after review of flagged post</a:t>
-            </a:r>
-          </a:p>
-          <a:p>
-            <a:r>
-              <a:rPr lang="en-US" i="1" dirty="0"/>
-              <a:t>(E) I should be able to see a history of my flagged posts to help me better understand the forum’s policy on improper speech</a:t>
-            </a:r>
-          </a:p>
-          <a:p>
-            <a:r>
-              <a:rPr lang="en-US" i="1" dirty="0"/>
-              <a:t>(Ex) I should be able to see which official policy rule was violated if my post is flagged</a:t>
-            </a:r>
-            <a:endParaRPr lang="en-US" dirty="0"/>
+              <a:t>Like Stack Overflow, Reddit is a platform for discussion. Our hope is that using VSD here will help students align VSD with their final project on Stack Overflow.</a:t>
+            </a:r>
           </a:p>
         </p:txBody>
       </p:sp>
@@ -9432,7 +9249,7 @@
           <a:p>
             <a:fld id="{07937F07-1250-4CCE-B198-1B2887014F41}" type="slidenum">
               <a:rPr lang="en-US" smtClean="0"/>
-              <a:t>41</a:t>
+              <a:t>39</a:t>
             </a:fld>
             <a:endParaRPr lang="en-US"/>
           </a:p>
@@ -9441,7 +9258,7 @@
     </p:spTree>
     <p:extLst>
       <p:ext uri="{BB962C8B-B14F-4D97-AF65-F5344CB8AC3E}">
-        <p14:creationId xmlns:p14="http://schemas.microsoft.com/office/powerpoint/2010/main" val="1902003111"/>
+        <p14:creationId xmlns:p14="http://schemas.microsoft.com/office/powerpoint/2010/main" val="944764616"/>
       </p:ext>
     </p:extLst>
   </p:cSld>
@@ -9495,7 +9312,344 @@
           <a:bodyPr/>
           <a:lstStyle/>
           <a:p>
+            <a:r>
+              <a:rPr lang="en-US" dirty="0"/>
+              <a:t>Students must first discuss these questions in groups. Below is a sample answer not necessarily the only answer.</a:t>
+            </a:r>
+          </a:p>
+          <a:p>
             <a:endParaRPr lang="en-US" dirty="0"/>
+          </a:p>
+          <a:p>
+            <a:r>
+              <a:rPr lang="en-US" dirty="0"/>
+              <a:t>Dataset may not be representative as it may not capture all nuances of language (even in English) used in different communities such as slangs, dialects, or culturally specific phrases.</a:t>
+            </a:r>
+          </a:p>
+          <a:p>
+            <a:endParaRPr lang="en-US" dirty="0"/>
+          </a:p>
+          <a:p>
+            <a:r>
+              <a:rPr lang="en-US" dirty="0"/>
+              <a:t>Dataset maybe biased as it may be based on historical posts that were flagged by human moderators. E.g., posts from specific communities were flagged more.</a:t>
+            </a:r>
+          </a:p>
+          <a:p>
+            <a:endParaRPr lang="en-US" dirty="0"/>
+          </a:p>
+          <a:p>
+            <a:r>
+              <a:rPr lang="en-US" dirty="0"/>
+              <a:t>Complications: what constitutes hate speech isn’t clear. For e.g., some words may have been reclaimed by specific communities or posts may use satire to make a point.</a:t>
+            </a:r>
+          </a:p>
+        </p:txBody>
+      </p:sp>
+      <p:sp>
+        <p:nvSpPr>
+          <p:cNvPr id="4" name="Slide Number Placeholder 3"/>
+          <p:cNvSpPr>
+            <a:spLocks noGrp="1"/>
+          </p:cNvSpPr>
+          <p:nvPr>
+            <p:ph type="sldNum" sz="quarter" idx="5"/>
+          </p:nvPr>
+        </p:nvSpPr>
+        <p:spPr/>
+        <p:txBody>
+          <a:bodyPr/>
+          <a:lstStyle/>
+          <a:p>
+            <a:fld id="{07937F07-1250-4CCE-B198-1B2887014F41}" type="slidenum">
+              <a:rPr lang="en-US" smtClean="0"/>
+              <a:t>40</a:t>
+            </a:fld>
+            <a:endParaRPr lang="en-US"/>
+          </a:p>
+        </p:txBody>
+      </p:sp>
+    </p:spTree>
+    <p:extLst>
+      <p:ext uri="{BB962C8B-B14F-4D97-AF65-F5344CB8AC3E}">
+        <p14:creationId xmlns:p14="http://schemas.microsoft.com/office/powerpoint/2010/main" val="1831237000"/>
+      </p:ext>
+    </p:extLst>
+  </p:cSld>
+  <p:clrMapOvr>
+    <a:masterClrMapping/>
+  </p:clrMapOvr>
+</p:notes>
+</file>
+
+<file path=ppt/notesSlides/notesSlide33.xml><?xml version="1.0" encoding="utf-8"?>
+<p:notes xmlns:a="http://schemas.openxmlformats.org/drawingml/2006/main" xmlns:r="http://schemas.openxmlformats.org/officeDocument/2006/relationships" xmlns:p="http://schemas.openxmlformats.org/presentationml/2006/main">
+  <p:cSld>
+    <p:spTree>
+      <p:nvGrpSpPr>
+        <p:cNvPr id="1" name=""/>
+        <p:cNvGrpSpPr/>
+        <p:nvPr/>
+      </p:nvGrpSpPr>
+      <p:grpSpPr>
+        <a:xfrm>
+          <a:off x="0" y="0"/>
+          <a:ext cx="0" cy="0"/>
+          <a:chOff x="0" y="0"/>
+          <a:chExt cx="0" cy="0"/>
+        </a:xfrm>
+      </p:grpSpPr>
+      <p:sp>
+        <p:nvSpPr>
+          <p:cNvPr id="2" name="Slide Image Placeholder 1"/>
+          <p:cNvSpPr>
+            <a:spLocks noGrp="1" noRot="1" noChangeAspect="1"/>
+          </p:cNvSpPr>
+          <p:nvPr>
+            <p:ph type="sldImg"/>
+          </p:nvPr>
+        </p:nvSpPr>
+        <p:spPr/>
+      </p:sp>
+      <p:sp>
+        <p:nvSpPr>
+          <p:cNvPr id="3" name="Notes Placeholder 2"/>
+          <p:cNvSpPr>
+            <a:spLocks noGrp="1"/>
+          </p:cNvSpPr>
+          <p:nvPr>
+            <p:ph type="body" idx="1"/>
+          </p:nvPr>
+        </p:nvSpPr>
+        <p:spPr/>
+        <p:txBody>
+          <a:bodyPr/>
+          <a:lstStyle/>
+          <a:p>
+            <a:r>
+              <a:rPr lang="en-US" dirty="0"/>
+              <a:t>Stakeholder analysis is part of value investigations</a:t>
+            </a:r>
+          </a:p>
+          <a:p>
+            <a:endParaRPr lang="en-US" dirty="0"/>
+          </a:p>
+          <a:p>
+            <a:r>
+              <a:rPr lang="en-US" dirty="0"/>
+              <a:t>Students should reflect about these questions in groups.</a:t>
+            </a:r>
+          </a:p>
+          <a:p>
+            <a:endParaRPr lang="en-US" dirty="0"/>
+          </a:p>
+          <a:p>
+            <a:r>
+              <a:rPr lang="en-US" dirty="0"/>
+              <a:t>Here is a sample answer.</a:t>
+            </a:r>
+          </a:p>
+          <a:p>
+            <a:endParaRPr lang="en-US" dirty="0"/>
+          </a:p>
+          <a:p>
+            <a:r>
+              <a:rPr lang="en-US" dirty="0"/>
+              <a:t>1. Reddit users, moderators, reddit company, advertisers</a:t>
+            </a:r>
+          </a:p>
+          <a:p>
+            <a:r>
+              <a:rPr lang="en-US" dirty="0"/>
+              <a:t>2. Interests/Values</a:t>
+            </a:r>
+          </a:p>
+          <a:p>
+            <a:r>
+              <a:rPr lang="en-US" dirty="0"/>
+              <a:t>  Users: free expression, accurate information, entertainment, anonymity, privacy</a:t>
+            </a:r>
+          </a:p>
+          <a:p>
+            <a:r>
+              <a:rPr lang="en-US" dirty="0"/>
+              <a:t>  Moderators: consistent enforcement of rules, reduced workload, ability to correct mistakes, maintain subreddit culture, transparency</a:t>
+            </a:r>
+          </a:p>
+          <a:p>
+            <a:r>
+              <a:rPr lang="en-US" dirty="0"/>
+              <a:t>  company: user engagement, revenue, accountability,  building brand image, legal compliance</a:t>
+            </a:r>
+          </a:p>
+          <a:p>
+            <a:r>
+              <a:rPr lang="en-US" dirty="0"/>
+              <a:t>  advertisers: user reach, low cost, profit, seamless integration with content</a:t>
+            </a:r>
+          </a:p>
+          <a:p>
+            <a:r>
+              <a:rPr lang="en-US" dirty="0"/>
+              <a:t>3. Conflicts</a:t>
+            </a:r>
+            <a:br>
+              <a:rPr lang="en-US" dirty="0"/>
+            </a:br>
+            <a:r>
+              <a:rPr lang="en-US" dirty="0"/>
+              <a:t>    free expression vs. content moderation or legal compliance, accurate info vs. entertainment, user autonomy vs. advertiser revenue, anonymity vs. transparence</a:t>
+            </a:r>
+          </a:p>
+          <a:p>
+            <a:r>
+              <a:rPr lang="en-US" dirty="0"/>
+              <a:t>4. Prioritization depends on personal goals and values. They key thing to realize is that this process does not recommend values, it provides a framework to reason about them based on the identified tensions.</a:t>
+            </a:r>
+            <a:br>
+              <a:rPr lang="en-US" dirty="0"/>
+            </a:br>
+            <a:r>
+              <a:rPr lang="en-US" dirty="0"/>
+              <a:t>    </a:t>
+            </a:r>
+          </a:p>
+          <a:p>
+            <a:r>
+              <a:rPr lang="en-US" dirty="0"/>
+              <a:t>	</a:t>
+            </a:r>
+          </a:p>
+        </p:txBody>
+      </p:sp>
+      <p:sp>
+        <p:nvSpPr>
+          <p:cNvPr id="4" name="Slide Number Placeholder 3"/>
+          <p:cNvSpPr>
+            <a:spLocks noGrp="1"/>
+          </p:cNvSpPr>
+          <p:nvPr>
+            <p:ph type="sldNum" sz="quarter" idx="5"/>
+          </p:nvPr>
+        </p:nvSpPr>
+        <p:spPr/>
+        <p:txBody>
+          <a:bodyPr/>
+          <a:lstStyle/>
+          <a:p>
+            <a:fld id="{07937F07-1250-4CCE-B198-1B2887014F41}" type="slidenum">
+              <a:rPr lang="en-US" smtClean="0"/>
+              <a:t>41</a:t>
+            </a:fld>
+            <a:endParaRPr lang="en-US"/>
+          </a:p>
+        </p:txBody>
+      </p:sp>
+    </p:spTree>
+    <p:extLst>
+      <p:ext uri="{BB962C8B-B14F-4D97-AF65-F5344CB8AC3E}">
+        <p14:creationId xmlns:p14="http://schemas.microsoft.com/office/powerpoint/2010/main" val="3164459113"/>
+      </p:ext>
+    </p:extLst>
+  </p:cSld>
+  <p:clrMapOvr>
+    <a:masterClrMapping/>
+  </p:clrMapOvr>
+</p:notes>
+</file>
+
+<file path=ppt/notesSlides/notesSlide34.xml><?xml version="1.0" encoding="utf-8"?>
+<p:notes xmlns:a="http://schemas.openxmlformats.org/drawingml/2006/main" xmlns:r="http://schemas.openxmlformats.org/officeDocument/2006/relationships" xmlns:p="http://schemas.openxmlformats.org/presentationml/2006/main">
+  <p:cSld>
+    <p:spTree>
+      <p:nvGrpSpPr>
+        <p:cNvPr id="1" name=""/>
+        <p:cNvGrpSpPr/>
+        <p:nvPr/>
+      </p:nvGrpSpPr>
+      <p:grpSpPr>
+        <a:xfrm>
+          <a:off x="0" y="0"/>
+          <a:ext cx="0" cy="0"/>
+          <a:chOff x="0" y="0"/>
+          <a:chExt cx="0" cy="0"/>
+        </a:xfrm>
+      </p:grpSpPr>
+      <p:sp>
+        <p:nvSpPr>
+          <p:cNvPr id="2" name="Slide Image Placeholder 1"/>
+          <p:cNvSpPr>
+            <a:spLocks noGrp="1" noRot="1" noChangeAspect="1"/>
+          </p:cNvSpPr>
+          <p:nvPr>
+            <p:ph type="sldImg"/>
+          </p:nvPr>
+        </p:nvSpPr>
+        <p:spPr/>
+      </p:sp>
+      <p:sp>
+        <p:nvSpPr>
+          <p:cNvPr id="3" name="Notes Placeholder 2"/>
+          <p:cNvSpPr>
+            <a:spLocks noGrp="1"/>
+          </p:cNvSpPr>
+          <p:nvPr>
+            <p:ph type="body" idx="1"/>
+          </p:nvPr>
+        </p:nvSpPr>
+        <p:spPr/>
+        <p:txBody>
+          <a:bodyPr/>
+          <a:lstStyle/>
+          <a:p>
+            <a:r>
+              <a:rPr lang="en-US" dirty="0"/>
+              <a:t>Students should discuss these questions in groups but here is a sample answer. The primary purpose is to realize the tensions when designing features. </a:t>
+            </a:r>
+          </a:p>
+          <a:p>
+            <a:endParaRPr lang="en-US" dirty="0"/>
+          </a:p>
+          <a:p>
+            <a:pPr marL="228600" indent="-228600">
+              <a:buAutoNum type="arabicPeriod"/>
+            </a:pPr>
+            <a:r>
+              <a:rPr lang="en-US" dirty="0"/>
+              <a:t>Reddit removing user’s post might impinge on users’ right to freely express themselves. On the other hand, removing posts with known misinformation might encourage free speech by protecting the channels through which discussions happen. If posts with known hate speech is removed, then it protects the victims from being sidelined from the discourse.</a:t>
+            </a:r>
+          </a:p>
+          <a:p>
+            <a:pPr marL="228600" indent="-228600">
+              <a:buAutoNum type="arabicPeriod"/>
+            </a:pPr>
+            <a:r>
+              <a:rPr lang="en-US" dirty="0"/>
+              <a:t>Impinges on users’ right to freely express and also prevents other users from being exposed to </a:t>
+            </a:r>
+            <a:r>
+              <a:rPr lang="en-US"/>
+              <a:t>different perspectives.</a:t>
+            </a:r>
+            <a:endParaRPr lang="en-US" dirty="0"/>
+          </a:p>
+          <a:p>
+            <a:pPr marL="228600" indent="-228600">
+              <a:buAutoNum type="arabicPeriod"/>
+            </a:pPr>
+            <a:r>
+              <a:rPr lang="en-US" dirty="0"/>
+              <a:t>Excludes views of certain groups from the discourse.</a:t>
+            </a:r>
+          </a:p>
+          <a:p>
+            <a:pPr marL="228600" indent="-228600">
+              <a:buAutoNum type="arabicPeriod"/>
+            </a:pPr>
+            <a:r>
+              <a:rPr lang="en-US" dirty="0"/>
+              <a:t>The proposed requirement will foster free speech as free speech in not just about an individual’s right to free expression but it is also about protecting the channels through which everyone’s voices can be heard. It is also about creating an environment where individuals will learn and grow their thinking from the discussions. Hence, the moderation is only good if it is transparent and minimizes bias.</a:t>
+            </a:r>
           </a:p>
         </p:txBody>
       </p:sp>
@@ -9525,7 +9679,268 @@
     </p:spTree>
     <p:extLst>
       <p:ext uri="{BB962C8B-B14F-4D97-AF65-F5344CB8AC3E}">
-        <p14:creationId xmlns:p14="http://schemas.microsoft.com/office/powerpoint/2010/main" val="1604120877"/>
+        <p14:creationId xmlns:p14="http://schemas.microsoft.com/office/powerpoint/2010/main" val="1312031197"/>
+      </p:ext>
+    </p:extLst>
+  </p:cSld>
+  <p:clrMapOvr>
+    <a:masterClrMapping/>
+  </p:clrMapOvr>
+</p:notes>
+</file>
+
+<file path=ppt/notesSlides/notesSlide35.xml><?xml version="1.0" encoding="utf-8"?>
+<p:notes xmlns:a="http://schemas.openxmlformats.org/drawingml/2006/main" xmlns:r="http://schemas.openxmlformats.org/officeDocument/2006/relationships" xmlns:p="http://schemas.openxmlformats.org/presentationml/2006/main">
+  <p:cSld>
+    <p:spTree>
+      <p:nvGrpSpPr>
+        <p:cNvPr id="1" name=""/>
+        <p:cNvGrpSpPr/>
+        <p:nvPr/>
+      </p:nvGrpSpPr>
+      <p:grpSpPr>
+        <a:xfrm>
+          <a:off x="0" y="0"/>
+          <a:ext cx="0" cy="0"/>
+          <a:chOff x="0" y="0"/>
+          <a:chExt cx="0" cy="0"/>
+        </a:xfrm>
+      </p:grpSpPr>
+      <p:sp>
+        <p:nvSpPr>
+          <p:cNvPr id="2" name="Slide Image Placeholder 1"/>
+          <p:cNvSpPr>
+            <a:spLocks noGrp="1" noRot="1" noChangeAspect="1"/>
+          </p:cNvSpPr>
+          <p:nvPr>
+            <p:ph type="sldImg"/>
+          </p:nvPr>
+        </p:nvSpPr>
+        <p:spPr/>
+      </p:sp>
+      <p:sp>
+        <p:nvSpPr>
+          <p:cNvPr id="3" name="Notes Placeholder 2"/>
+          <p:cNvSpPr>
+            <a:spLocks noGrp="1"/>
+          </p:cNvSpPr>
+          <p:nvPr>
+            <p:ph type="body" idx="1"/>
+          </p:nvPr>
+        </p:nvSpPr>
+        <p:spPr/>
+        <p:txBody>
+          <a:bodyPr/>
+          <a:lstStyle/>
+          <a:p>
+            <a:r>
+              <a:rPr lang="en-US" dirty="0"/>
+              <a:t>The students should pick a requirement based on their analysis. There is no correct answer as long as students are able to defend their choice.</a:t>
+            </a:r>
+          </a:p>
+          <a:p>
+            <a:endParaRPr lang="en-US" dirty="0"/>
+          </a:p>
+          <a:p>
+            <a:endParaRPr lang="en-US" i="1" dirty="0"/>
+          </a:p>
+        </p:txBody>
+      </p:sp>
+      <p:sp>
+        <p:nvSpPr>
+          <p:cNvPr id="4" name="Slide Number Placeholder 3"/>
+          <p:cNvSpPr>
+            <a:spLocks noGrp="1"/>
+          </p:cNvSpPr>
+          <p:nvPr>
+            <p:ph type="sldNum" sz="quarter" idx="5"/>
+          </p:nvPr>
+        </p:nvSpPr>
+        <p:spPr/>
+        <p:txBody>
+          <a:bodyPr/>
+          <a:lstStyle/>
+          <a:p>
+            <a:fld id="{07937F07-1250-4CCE-B198-1B2887014F41}" type="slidenum">
+              <a:rPr lang="en-US" smtClean="0"/>
+              <a:t>43</a:t>
+            </a:fld>
+            <a:endParaRPr lang="en-US"/>
+          </a:p>
+        </p:txBody>
+      </p:sp>
+    </p:spTree>
+    <p:extLst>
+      <p:ext uri="{BB962C8B-B14F-4D97-AF65-F5344CB8AC3E}">
+        <p14:creationId xmlns:p14="http://schemas.microsoft.com/office/powerpoint/2010/main" val="2111607470"/>
+      </p:ext>
+    </p:extLst>
+  </p:cSld>
+  <p:clrMapOvr>
+    <a:masterClrMapping/>
+  </p:clrMapOvr>
+</p:notes>
+</file>
+
+<file path=ppt/notesSlides/notesSlide36.xml><?xml version="1.0" encoding="utf-8"?>
+<p:notes xmlns:a="http://schemas.openxmlformats.org/drawingml/2006/main" xmlns:r="http://schemas.openxmlformats.org/officeDocument/2006/relationships" xmlns:p="http://schemas.openxmlformats.org/presentationml/2006/main">
+  <p:cSld>
+    <p:spTree>
+      <p:nvGrpSpPr>
+        <p:cNvPr id="1" name=""/>
+        <p:cNvGrpSpPr/>
+        <p:nvPr/>
+      </p:nvGrpSpPr>
+      <p:grpSpPr>
+        <a:xfrm>
+          <a:off x="0" y="0"/>
+          <a:ext cx="0" cy="0"/>
+          <a:chOff x="0" y="0"/>
+          <a:chExt cx="0" cy="0"/>
+        </a:xfrm>
+      </p:grpSpPr>
+      <p:sp>
+        <p:nvSpPr>
+          <p:cNvPr id="2" name="Slide Image Placeholder 1"/>
+          <p:cNvSpPr>
+            <a:spLocks noGrp="1" noRot="1" noChangeAspect="1"/>
+          </p:cNvSpPr>
+          <p:nvPr>
+            <p:ph type="sldImg"/>
+          </p:nvPr>
+        </p:nvSpPr>
+        <p:spPr/>
+      </p:sp>
+      <p:sp>
+        <p:nvSpPr>
+          <p:cNvPr id="3" name="Notes Placeholder 2"/>
+          <p:cNvSpPr>
+            <a:spLocks noGrp="1"/>
+          </p:cNvSpPr>
+          <p:nvPr>
+            <p:ph type="body" idx="1"/>
+          </p:nvPr>
+        </p:nvSpPr>
+        <p:spPr/>
+        <p:txBody>
+          <a:bodyPr/>
+          <a:lstStyle/>
+          <a:p>
+            <a:r>
+              <a:rPr lang="en-US" dirty="0"/>
+              <a:t>This is an after-class activity.</a:t>
+            </a:r>
+          </a:p>
+          <a:p>
+            <a:endParaRPr lang="en-US" dirty="0"/>
+          </a:p>
+          <a:p>
+            <a:r>
+              <a:rPr lang="en-US" dirty="0"/>
+              <a:t>A sample user story based on the first requirement in the previous slide:</a:t>
+            </a:r>
+          </a:p>
+          <a:p>
+            <a:endParaRPr lang="en-US" dirty="0"/>
+          </a:p>
+          <a:p>
+            <a:r>
+              <a:rPr lang="en-US" i="1" dirty="0"/>
+              <a:t>As a </a:t>
+            </a:r>
+            <a:r>
+              <a:rPr lang="en-US" b="1" i="1" dirty="0"/>
+              <a:t>content creator </a:t>
+            </a:r>
+            <a:r>
+              <a:rPr lang="en-US" i="1" dirty="0"/>
+              <a:t>I want to express my opinions without offending any person so that I can contribute to a discussion in a constructive way</a:t>
+            </a:r>
+          </a:p>
+          <a:p>
+            <a:endParaRPr lang="en-US" i="1" dirty="0"/>
+          </a:p>
+          <a:p>
+            <a:r>
+              <a:rPr lang="en-US" i="1" dirty="0"/>
+              <a:t>Conditions of satisfaction:</a:t>
+            </a:r>
+          </a:p>
+          <a:p>
+            <a:endParaRPr lang="en-US" i="1" dirty="0"/>
+          </a:p>
+          <a:p>
+            <a:r>
+              <a:rPr lang="en-US" i="1" dirty="0"/>
+              <a:t>(E) I should be able to view my post in the forum if the post was not flagged</a:t>
+            </a:r>
+          </a:p>
+          <a:p>
+            <a:r>
+              <a:rPr lang="en-US" i="1" dirty="0"/>
+              <a:t>(E) I should be able to see a content warning with a reason for the warning if my post was flagged</a:t>
+            </a:r>
+          </a:p>
+          <a:p>
+            <a:r>
+              <a:rPr lang="en-US" i="1" dirty="0"/>
+              <a:t>(E) I should not be able to post if it was flagged</a:t>
+            </a:r>
+          </a:p>
+          <a:p>
+            <a:r>
+              <a:rPr lang="en-US" i="1" dirty="0"/>
+              <a:t>(E) I should be able to raise an appeal if my post was flagged</a:t>
+            </a:r>
+          </a:p>
+          <a:p>
+            <a:r>
+              <a:rPr lang="en-US" i="1" dirty="0"/>
+              <a:t>(D) I should receive a notification if my post was posted after review of flagged post</a:t>
+            </a:r>
+          </a:p>
+          <a:p>
+            <a:r>
+              <a:rPr lang="en-US" i="1" dirty="0"/>
+              <a:t>(E) I should be able to see a history of my flagged posts to help me better understand the forum’s policy on improper speech</a:t>
+            </a:r>
+          </a:p>
+          <a:p>
+            <a:r>
+              <a:rPr lang="en-US" i="1" dirty="0"/>
+              <a:t>(Ex) I should be able to see which official policy rule was violated if my post is flagged</a:t>
+            </a:r>
+            <a:endParaRPr lang="en-US" dirty="0"/>
+          </a:p>
+        </p:txBody>
+      </p:sp>
+      <p:sp>
+        <p:nvSpPr>
+          <p:cNvPr id="4" name="Slide Number Placeholder 3"/>
+          <p:cNvSpPr>
+            <a:spLocks noGrp="1"/>
+          </p:cNvSpPr>
+          <p:nvPr>
+            <p:ph type="sldNum" sz="quarter" idx="5"/>
+          </p:nvPr>
+        </p:nvSpPr>
+        <p:spPr/>
+        <p:txBody>
+          <a:bodyPr/>
+          <a:lstStyle/>
+          <a:p>
+            <a:fld id="{07937F07-1250-4CCE-B198-1B2887014F41}" type="slidenum">
+              <a:rPr lang="en-US" smtClean="0"/>
+              <a:t>44</a:t>
+            </a:fld>
+            <a:endParaRPr lang="en-US"/>
+          </a:p>
+        </p:txBody>
+      </p:sp>
+    </p:spTree>
+    <p:extLst>
+      <p:ext uri="{BB962C8B-B14F-4D97-AF65-F5344CB8AC3E}">
+        <p14:creationId xmlns:p14="http://schemas.microsoft.com/office/powerpoint/2010/main" val="1902003111"/>
       </p:ext>
     </p:extLst>
   </p:cSld>
@@ -19892,6 +20307,34 @@
               <a:t>One approach is to use an ethical framework called Value Sensitive Design (VSD) to systematically help us reason about the several design choices that go into coming up with requirements.</a:t>
             </a:r>
           </a:p>
+          <a:p>
+            <a:r>
+              <a:rPr lang="en-US" dirty="0"/>
+              <a:t>But, why VSD?</a:t>
+            </a:r>
+          </a:p>
+          <a:p>
+            <a:pPr lvl="1"/>
+            <a:r>
+              <a:rPr lang="en-US" dirty="0"/>
+              <a:t>Design choices made during developing software (or any technology) often implicate human values!</a:t>
+            </a:r>
+          </a:p>
+          <a:p>
+            <a:pPr lvl="1"/>
+            <a:r>
+              <a:rPr lang="en-US" dirty="0"/>
+              <a:t>Ignoring values in the requirements and design process is </a:t>
+            </a:r>
+            <a:r>
+              <a:rPr lang="en-US" b="1" dirty="0"/>
+              <a:t>irresponsible</a:t>
+            </a:r>
+            <a:r>
+              <a:rPr lang="en-US" dirty="0"/>
+              <a:t>.</a:t>
+            </a:r>
+          </a:p>
         </p:txBody>
       </p:sp>
       <p:sp>
@@ -19958,221 +20401,6 @@
           <p:cNvPr id="2" name="Title 1">
             <a:extLst>
               <a:ext uri="{FF2B5EF4-FFF2-40B4-BE49-F238E27FC236}">
-                <a16:creationId xmlns:a16="http://schemas.microsoft.com/office/drawing/2014/main" id="{6D7FE7B3-C6CB-6B03-07B9-822FC3676710}"/>
-              </a:ext>
-            </a:extLst>
-          </p:cNvPr>
-          <p:cNvSpPr>
-            <a:spLocks noGrp="1"/>
-          </p:cNvSpPr>
-          <p:nvPr>
-            <p:ph type="title"/>
-          </p:nvPr>
-        </p:nvSpPr>
-        <p:spPr/>
-        <p:txBody>
-          <a:bodyPr>
-            <a:normAutofit/>
-          </a:bodyPr>
-          <a:lstStyle/>
-          <a:p>
-            <a:r>
-              <a:rPr lang="en-US" dirty="0"/>
-              <a:t>Why VSD?</a:t>
-            </a:r>
-          </a:p>
-        </p:txBody>
-      </p:sp>
-      <p:sp>
-        <p:nvSpPr>
-          <p:cNvPr id="3" name="Content Placeholder 2">
-            <a:extLst>
-              <a:ext uri="{FF2B5EF4-FFF2-40B4-BE49-F238E27FC236}">
-                <a16:creationId xmlns:a16="http://schemas.microsoft.com/office/drawing/2014/main" id="{B78E0F47-C40D-AF55-04F9-C6043963616F}"/>
-              </a:ext>
-            </a:extLst>
-          </p:cNvPr>
-          <p:cNvSpPr>
-            <a:spLocks noGrp="1"/>
-          </p:cNvSpPr>
-          <p:nvPr>
-            <p:ph idx="1"/>
-          </p:nvPr>
-        </p:nvSpPr>
-        <p:spPr>
-          <a:xfrm>
-            <a:off x="838200" y="1500160"/>
-            <a:ext cx="10400414" cy="4856190"/>
-          </a:xfrm>
-        </p:spPr>
-        <p:txBody>
-          <a:bodyPr>
-            <a:normAutofit lnSpcReduction="10000"/>
-          </a:bodyPr>
-          <a:lstStyle/>
-          <a:p>
-            <a:r>
-              <a:rPr lang="en-US" dirty="0"/>
-              <a:t>Design choices made during developing software (or any technology) often implicate human values!</a:t>
-            </a:r>
-          </a:p>
-          <a:p>
-            <a:r>
-              <a:rPr lang="en-US" dirty="0"/>
-              <a:t>Ignoring values in the requirements and design process is </a:t>
-            </a:r>
-            <a:r>
-              <a:rPr lang="en-US" b="1" dirty="0"/>
-              <a:t>irresponsible</a:t>
-            </a:r>
-            <a:r>
-              <a:rPr lang="en-US" dirty="0"/>
-              <a:t>.</a:t>
-            </a:r>
-          </a:p>
-          <a:p>
-            <a:r>
-              <a:rPr lang="en-US" dirty="0"/>
-              <a:t>A Human Value Example: </a:t>
-            </a:r>
-            <a:r>
-              <a:rPr lang="en-US" b="1" dirty="0"/>
-              <a:t>Informed Consent</a:t>
-            </a:r>
-          </a:p>
-          <a:p>
-            <a:pPr lvl="1"/>
-            <a:r>
-              <a:rPr lang="en-US" dirty="0"/>
-              <a:t>Most websites collect vast amounts of information about users, who have no control over: what information is collected/accessed/used/sold/etc.</a:t>
-            </a:r>
-          </a:p>
-          <a:p>
-            <a:pPr lvl="1"/>
-            <a:r>
-              <a:rPr lang="en-US" dirty="0"/>
-              <a:t>A VSD approach to informed consent would emphasizes </a:t>
-            </a:r>
-            <a:r>
-              <a:rPr lang="en-US" b="1" dirty="0"/>
-              <a:t>transparency, user control and understanding</a:t>
-            </a:r>
-            <a:r>
-              <a:rPr lang="en-US" dirty="0"/>
-              <a:t>.</a:t>
-            </a:r>
-          </a:p>
-          <a:p>
-            <a:pPr lvl="1"/>
-            <a:r>
-              <a:rPr lang="en-US" dirty="0"/>
-              <a:t>Web </a:t>
-            </a:r>
-            <a:r>
-              <a:rPr lang="en-US" i="1" dirty="0"/>
-              <a:t>cookies</a:t>
-            </a:r>
-            <a:r>
-              <a:rPr lang="en-US" dirty="0"/>
-              <a:t> and </a:t>
-            </a:r>
-            <a:r>
-              <a:rPr lang="en-US" i="1" dirty="0"/>
-              <a:t>browser security</a:t>
-            </a:r>
-            <a:r>
-              <a:rPr lang="en-US" dirty="0"/>
-              <a:t> mechanisms represent solutions to implement the principle of informed consent.  </a:t>
-            </a:r>
-          </a:p>
-          <a:p>
-            <a:r>
-              <a:rPr lang="en-US" dirty="0"/>
-              <a:t>To consider human values during design, we need to understand </a:t>
-            </a:r>
-            <a:r>
-              <a:rPr lang="en-US" b="1" i="1" dirty="0"/>
-              <a:t>what</a:t>
-            </a:r>
-            <a:r>
-              <a:rPr lang="en-US" dirty="0"/>
-              <a:t> they means generally and in the specific </a:t>
-            </a:r>
-            <a:r>
-              <a:rPr lang="en-US" b="1" i="1" dirty="0"/>
-              <a:t>context </a:t>
-            </a:r>
-            <a:r>
-              <a:rPr lang="en-US" dirty="0"/>
-              <a:t>of technology</a:t>
-            </a:r>
-          </a:p>
-        </p:txBody>
-      </p:sp>
-      <p:sp>
-        <p:nvSpPr>
-          <p:cNvPr id="4" name="Slide Number Placeholder 3">
-            <a:extLst>
-              <a:ext uri="{FF2B5EF4-FFF2-40B4-BE49-F238E27FC236}">
-                <a16:creationId xmlns:a16="http://schemas.microsoft.com/office/drawing/2014/main" id="{F781C33C-0916-3DED-5FA4-D82F64A35D84}"/>
-              </a:ext>
-            </a:extLst>
-          </p:cNvPr>
-          <p:cNvSpPr>
-            <a:spLocks noGrp="1"/>
-          </p:cNvSpPr>
-          <p:nvPr>
-            <p:ph type="sldNum" sz="quarter" idx="12"/>
-          </p:nvPr>
-        </p:nvSpPr>
-        <p:spPr/>
-        <p:txBody>
-          <a:bodyPr/>
-          <a:lstStyle/>
-          <a:p>
-            <a:fld id="{20F37917-FD3A-4669-9018-DA04BCDD3D75}" type="slidenum">
-              <a:rPr lang="en-US" smtClean="0"/>
-              <a:t>33</a:t>
-            </a:fld>
-            <a:endParaRPr lang="en-US"/>
-          </a:p>
-        </p:txBody>
-      </p:sp>
-    </p:spTree>
-    <p:extLst>
-      <p:ext uri="{BB962C8B-B14F-4D97-AF65-F5344CB8AC3E}">
-        <p14:creationId xmlns:p14="http://schemas.microsoft.com/office/powerpoint/2010/main" val="1106144208"/>
-      </p:ext>
-    </p:extLst>
-  </p:cSld>
-  <p:clrMapOvr>
-    <a:masterClrMapping/>
-  </p:clrMapOvr>
-</p:sld>
-</file>
-
-<file path=ppt/slides/slide34.xml><?xml version="1.0" encoding="utf-8"?>
-<p:sld xmlns:a="http://schemas.openxmlformats.org/drawingml/2006/main" xmlns:r="http://schemas.openxmlformats.org/officeDocument/2006/relationships" xmlns:p="http://schemas.openxmlformats.org/presentationml/2006/main">
-  <p:cSld>
-    <p:spTree>
-      <p:nvGrpSpPr>
-        <p:cNvPr id="1" name=""/>
-        <p:cNvGrpSpPr/>
-        <p:nvPr/>
-      </p:nvGrpSpPr>
-      <p:grpSpPr>
-        <a:xfrm>
-          <a:off x="0" y="0"/>
-          <a:ext cx="0" cy="0"/>
-          <a:chOff x="0" y="0"/>
-          <a:chExt cx="0" cy="0"/>
-        </a:xfrm>
-      </p:grpSpPr>
-      <p:sp>
-        <p:nvSpPr>
-          <p:cNvPr id="2" name="Title 1">
-            <a:extLst>
-              <a:ext uri="{FF2B5EF4-FFF2-40B4-BE49-F238E27FC236}">
                 <a16:creationId xmlns:a16="http://schemas.microsoft.com/office/drawing/2014/main" id="{A1BC45B7-C3B3-528F-B1BB-79C1B4293EE0}"/>
               </a:ext>
             </a:extLst>
@@ -20276,7 +20504,11 @@
               <a:t>Combines </a:t>
             </a:r>
             <a:r>
-              <a:rPr lang="en-US" b="1" dirty="0"/>
+              <a:rPr lang="en-US" b="1" dirty="0">
+                <a:solidFill>
+                  <a:srgbClr val="FF0000"/>
+                </a:solidFill>
+              </a:rPr>
               <a:t>empirical</a:t>
             </a:r>
             <a:r>
@@ -20284,7 +20516,11 @@
               <a:t>, </a:t>
             </a:r>
             <a:r>
-              <a:rPr lang="en-US" b="1" dirty="0"/>
+              <a:rPr lang="en-US" b="1" dirty="0">
+                <a:solidFill>
+                  <a:srgbClr val="FF0000"/>
+                </a:solidFill>
+              </a:rPr>
               <a:t>value</a:t>
             </a:r>
             <a:r>
@@ -20292,7 +20528,11 @@
               <a:t>, and </a:t>
             </a:r>
             <a:r>
-              <a:rPr lang="en-US" b="1" dirty="0"/>
+              <a:rPr lang="en-US" b="1" dirty="0">
+                <a:solidFill>
+                  <a:srgbClr val="FF0000"/>
+                </a:solidFill>
+              </a:rPr>
               <a:t>technical</a:t>
             </a:r>
             <a:r>
@@ -20345,7 +20585,7 @@
           <a:p>
             <a:fld id="{20F37917-FD3A-4669-9018-DA04BCDD3D75}" type="slidenum">
               <a:rPr lang="en-US" smtClean="0"/>
-              <a:t>34</a:t>
+              <a:t>33</a:t>
             </a:fld>
             <a:endParaRPr lang="en-US"/>
           </a:p>
@@ -20617,8 +20857,8 @@
 </p:sld>
 </file>
 
-<file path=ppt/slides/slide35.xml><?xml version="1.0" encoding="utf-8"?>
-<p:sld xmlns:a="http://schemas.openxmlformats.org/drawingml/2006/main" xmlns:r="http://schemas.openxmlformats.org/officeDocument/2006/relationships" xmlns:p="http://schemas.openxmlformats.org/presentationml/2006/main" show="0">
+<file path=ppt/slides/slide34.xml><?xml version="1.0" encoding="utf-8"?>
+<p:sld xmlns:a="http://schemas.openxmlformats.org/drawingml/2006/main" xmlns:r="http://schemas.openxmlformats.org/officeDocument/2006/relationships" xmlns:p="http://schemas.openxmlformats.org/presentationml/2006/main">
   <p:cSld>
     <p:spTree>
       <p:nvGrpSpPr>
@@ -20657,7 +20897,7 @@
           <a:p>
             <a:r>
               <a:rPr lang="en-US" dirty="0"/>
-              <a:t>Three Types of Investigation in VSD </a:t>
+              <a:t>Motivating Example – Informed Consent</a:t>
             </a:r>
           </a:p>
         </p:txBody>
@@ -20680,13 +20920,13 @@
         </p:nvSpPr>
         <p:spPr>
           <a:xfrm>
-            <a:off x="838201" y="1500160"/>
-            <a:ext cx="3563678" cy="4351338"/>
+            <a:off x="838200" y="1542364"/>
+            <a:ext cx="3563678" cy="4856190"/>
           </a:xfrm>
         </p:spPr>
         <p:txBody>
           <a:bodyPr>
-            <a:normAutofit fontScale="85000" lnSpcReduction="10000"/>
+            <a:normAutofit fontScale="85000" lnSpcReduction="20000"/>
           </a:bodyPr>
           <a:lstStyle/>
           <a:p>
@@ -20694,17 +20934,12 @@
               <a:buNone/>
             </a:pPr>
             <a:r>
-              <a:rPr lang="en-US" dirty="0"/>
-              <a:t>Empirical Investigation</a:t>
-            </a:r>
-          </a:p>
-          <a:p>
-            <a:pPr marL="0" indent="0">
-              <a:buNone/>
-            </a:pPr>
-            <a:r>
-              <a:rPr lang="en-US" dirty="0"/>
-              <a:t>Where?</a:t>
+              <a:rPr lang="en-US" sz="3300" dirty="0">
+                <a:solidFill>
+                  <a:srgbClr val="FF0000"/>
+                </a:solidFill>
+              </a:rPr>
+              <a:t>Empirical Investigation:</a:t>
             </a:r>
           </a:p>
           <a:p>
@@ -20714,7 +20949,61 @@
             </a:pPr>
             <a:r>
               <a:rPr lang="en-US" dirty="0"/>
-              <a:t> In the field, gathering knowledge about the world</a:t>
+              <a:t> </a:t>
+            </a:r>
+            <a:r>
+              <a:rPr lang="en-US" sz="3100" dirty="0"/>
+              <a:t>Understand what we mean by informed consent, encompasses:</a:t>
+            </a:r>
+          </a:p>
+          <a:p>
+            <a:pPr lvl="1">
+              <a:buFont typeface="Wingdings" pitchFamily="2" charset="2"/>
+              <a:buChar char="Ø"/>
+            </a:pPr>
+            <a:r>
+              <a:rPr lang="en-US" dirty="0"/>
+              <a:t> Disclosure. Do we know the pros and cons of taking an action?</a:t>
+            </a:r>
+          </a:p>
+          <a:p>
+            <a:pPr lvl="1">
+              <a:buFont typeface="Wingdings" pitchFamily="2" charset="2"/>
+              <a:buChar char="Ø"/>
+            </a:pPr>
+            <a:r>
+              <a:rPr lang="en-US" dirty="0"/>
+              <a:t>Comprehension. Do we understand the disclosures?</a:t>
+            </a:r>
+          </a:p>
+          <a:p>
+            <a:pPr lvl="1">
+              <a:buFont typeface="Wingdings" pitchFamily="2" charset="2"/>
+              <a:buChar char="Ø"/>
+            </a:pPr>
+            <a:r>
+              <a:rPr lang="en-US" dirty="0"/>
+              <a:t>Voluntariness. Is there coercion or manipulation?</a:t>
+            </a:r>
+          </a:p>
+          <a:p>
+            <a:pPr lvl="1">
+              <a:buFont typeface="Wingdings" pitchFamily="2" charset="2"/>
+              <a:buChar char="Ø"/>
+            </a:pPr>
+            <a:r>
+              <a:rPr lang="en-US" dirty="0"/>
+              <a:t>Agreement. Is there a clear opportunity to consent or not?</a:t>
+            </a:r>
+          </a:p>
+          <a:p>
+            <a:pPr lvl="1">
+              <a:buFont typeface="Wingdings" pitchFamily="2" charset="2"/>
+              <a:buChar char="Ø"/>
+            </a:pPr>
+            <a:r>
+              <a:rPr lang="en-US" dirty="0"/>
+              <a:t>Competence. Are we capable to give consent?</a:t>
             </a:r>
           </a:p>
           <a:p>
@@ -20728,34 +21017,7 @@
             <a:pPr marL="0" indent="0">
               <a:buNone/>
             </a:pPr>
-            <a:r>
-              <a:rPr lang="en-US" dirty="0"/>
-              <a:t>Disciplinary skills</a:t>
-            </a:r>
-          </a:p>
-          <a:p>
-            <a:r>
-              <a:rPr lang="en-US" dirty="0"/>
-              <a:t>Sociology</a:t>
-            </a:r>
-          </a:p>
-          <a:p>
-            <a:r>
-              <a:rPr lang="en-US" dirty="0"/>
-              <a:t>Behavioral economics</a:t>
-            </a:r>
-          </a:p>
-          <a:p>
-            <a:r>
-              <a:rPr lang="en-US" dirty="0"/>
-              <a:t>Experimental psychology</a:t>
-            </a:r>
-          </a:p>
-          <a:p>
-            <a:r>
-              <a:rPr lang="en-US" dirty="0"/>
-              <a:t>Political science</a:t>
-            </a:r>
+            <a:endParaRPr lang="en-US" dirty="0"/>
           </a:p>
           <a:p>
             <a:pPr lvl="1"/>
@@ -20786,7 +21048,7 @@
           <a:p>
             <a:fld id="{20F37917-FD3A-4669-9018-DA04BCDD3D75}" type="slidenum">
               <a:rPr lang="en-US" smtClean="0"/>
-              <a:t>35</a:t>
+              <a:t>34</a:t>
             </a:fld>
             <a:endParaRPr lang="en-US"/>
           </a:p>
@@ -20810,6 +21072,840 @@
           <a:xfrm>
             <a:off x="4531242" y="1500160"/>
             <a:ext cx="3804684" cy="4351338"/>
+          </a:xfrm>
+          <a:prstGeom prst="rect">
+            <a:avLst/>
+          </a:prstGeom>
+        </p:spPr>
+        <p:txBody>
+          <a:bodyPr vert="horz" lIns="91440" tIns="45720" rIns="91440" bIns="45720" rtlCol="0">
+            <a:normAutofit/>
+          </a:bodyPr>
+          <a:lstStyle>
+            <a:lvl1pPr marL="228600" indent="-228600" algn="l" defTabSz="914400" rtl="0" eaLnBrk="1" latinLnBrk="0" hangingPunct="1">
+              <a:lnSpc>
+                <a:spcPct val="90000"/>
+              </a:lnSpc>
+              <a:spcBef>
+                <a:spcPts val="1000"/>
+              </a:spcBef>
+              <a:buFont typeface="Arial" panose="020B0604020202020204" pitchFamily="34" charset="0"/>
+              <a:buChar char="•"/>
+              <a:defRPr sz="2800" kern="1200">
+                <a:solidFill>
+                  <a:schemeClr val="tx1"/>
+                </a:solidFill>
+                <a:latin typeface="+mn-lt"/>
+                <a:ea typeface="+mn-ea"/>
+                <a:cs typeface="+mn-cs"/>
+              </a:defRPr>
+            </a:lvl1pPr>
+            <a:lvl2pPr marL="685800" indent="-228600" algn="l" defTabSz="914400" rtl="0" eaLnBrk="1" latinLnBrk="0" hangingPunct="1">
+              <a:lnSpc>
+                <a:spcPct val="90000"/>
+              </a:lnSpc>
+              <a:spcBef>
+                <a:spcPts val="500"/>
+              </a:spcBef>
+              <a:buFont typeface="Arial" panose="020B0604020202020204" pitchFamily="34" charset="0"/>
+              <a:buChar char="•"/>
+              <a:defRPr sz="2400" kern="1200">
+                <a:solidFill>
+                  <a:schemeClr val="tx1"/>
+                </a:solidFill>
+                <a:latin typeface="+mn-lt"/>
+                <a:ea typeface="+mn-ea"/>
+                <a:cs typeface="+mn-cs"/>
+              </a:defRPr>
+            </a:lvl2pPr>
+            <a:lvl3pPr marL="1143000" indent="-228600" algn="l" defTabSz="914400" rtl="0" eaLnBrk="1" latinLnBrk="0" hangingPunct="1">
+              <a:lnSpc>
+                <a:spcPct val="90000"/>
+              </a:lnSpc>
+              <a:spcBef>
+                <a:spcPts val="500"/>
+              </a:spcBef>
+              <a:buFont typeface="Arial" panose="020B0604020202020204" pitchFamily="34" charset="0"/>
+              <a:buChar char="•"/>
+              <a:defRPr sz="2000" kern="1200">
+                <a:solidFill>
+                  <a:schemeClr val="tx1"/>
+                </a:solidFill>
+                <a:latin typeface="+mn-lt"/>
+                <a:ea typeface="+mn-ea"/>
+                <a:cs typeface="+mn-cs"/>
+              </a:defRPr>
+            </a:lvl3pPr>
+            <a:lvl4pPr marL="1600200" indent="-228600" algn="l" defTabSz="914400" rtl="0" eaLnBrk="1" latinLnBrk="0" hangingPunct="1">
+              <a:lnSpc>
+                <a:spcPct val="90000"/>
+              </a:lnSpc>
+              <a:spcBef>
+                <a:spcPts val="500"/>
+              </a:spcBef>
+              <a:buFont typeface="Arial" panose="020B0604020202020204" pitchFamily="34" charset="0"/>
+              <a:buChar char="•"/>
+              <a:defRPr sz="1800" kern="1200">
+                <a:solidFill>
+                  <a:schemeClr val="tx1"/>
+                </a:solidFill>
+                <a:latin typeface="+mn-lt"/>
+                <a:ea typeface="+mn-ea"/>
+                <a:cs typeface="+mn-cs"/>
+              </a:defRPr>
+            </a:lvl4pPr>
+            <a:lvl5pPr marL="2057400" indent="-228600" algn="l" defTabSz="914400" rtl="0" eaLnBrk="1" latinLnBrk="0" hangingPunct="1">
+              <a:lnSpc>
+                <a:spcPct val="90000"/>
+              </a:lnSpc>
+              <a:spcBef>
+                <a:spcPts val="500"/>
+              </a:spcBef>
+              <a:buFont typeface="Arial" panose="020B0604020202020204" pitchFamily="34" charset="0"/>
+              <a:buChar char="•"/>
+              <a:defRPr sz="1800" kern="1200">
+                <a:solidFill>
+                  <a:schemeClr val="tx1"/>
+                </a:solidFill>
+                <a:latin typeface="+mn-lt"/>
+                <a:ea typeface="+mn-ea"/>
+                <a:cs typeface="+mn-cs"/>
+              </a:defRPr>
+            </a:lvl5pPr>
+            <a:lvl6pPr marL="2514600" indent="-228600" algn="l" defTabSz="914400" rtl="0" eaLnBrk="1" latinLnBrk="0" hangingPunct="1">
+              <a:lnSpc>
+                <a:spcPct val="90000"/>
+              </a:lnSpc>
+              <a:spcBef>
+                <a:spcPts val="500"/>
+              </a:spcBef>
+              <a:buFont typeface="Arial" panose="020B0604020202020204" pitchFamily="34" charset="0"/>
+              <a:buChar char="•"/>
+              <a:defRPr sz="1800" kern="1200">
+                <a:solidFill>
+                  <a:schemeClr val="tx1"/>
+                </a:solidFill>
+                <a:latin typeface="+mn-lt"/>
+                <a:ea typeface="+mn-ea"/>
+                <a:cs typeface="+mn-cs"/>
+              </a:defRPr>
+            </a:lvl6pPr>
+            <a:lvl7pPr marL="2971800" indent="-228600" algn="l" defTabSz="914400" rtl="0" eaLnBrk="1" latinLnBrk="0" hangingPunct="1">
+              <a:lnSpc>
+                <a:spcPct val="90000"/>
+              </a:lnSpc>
+              <a:spcBef>
+                <a:spcPts val="500"/>
+              </a:spcBef>
+              <a:buFont typeface="Arial" panose="020B0604020202020204" pitchFamily="34" charset="0"/>
+              <a:buChar char="•"/>
+              <a:defRPr sz="1800" kern="1200">
+                <a:solidFill>
+                  <a:schemeClr val="tx1"/>
+                </a:solidFill>
+                <a:latin typeface="+mn-lt"/>
+                <a:ea typeface="+mn-ea"/>
+                <a:cs typeface="+mn-cs"/>
+              </a:defRPr>
+            </a:lvl7pPr>
+            <a:lvl8pPr marL="3429000" indent="-228600" algn="l" defTabSz="914400" rtl="0" eaLnBrk="1" latinLnBrk="0" hangingPunct="1">
+              <a:lnSpc>
+                <a:spcPct val="90000"/>
+              </a:lnSpc>
+              <a:spcBef>
+                <a:spcPts val="500"/>
+              </a:spcBef>
+              <a:buFont typeface="Arial" panose="020B0604020202020204" pitchFamily="34" charset="0"/>
+              <a:buChar char="•"/>
+              <a:defRPr sz="1800" kern="1200">
+                <a:solidFill>
+                  <a:schemeClr val="tx1"/>
+                </a:solidFill>
+                <a:latin typeface="+mn-lt"/>
+                <a:ea typeface="+mn-ea"/>
+                <a:cs typeface="+mn-cs"/>
+              </a:defRPr>
+            </a:lvl8pPr>
+            <a:lvl9pPr marL="3886200" indent="-228600" algn="l" defTabSz="914400" rtl="0" eaLnBrk="1" latinLnBrk="0" hangingPunct="1">
+              <a:lnSpc>
+                <a:spcPct val="90000"/>
+              </a:lnSpc>
+              <a:spcBef>
+                <a:spcPts val="500"/>
+              </a:spcBef>
+              <a:buFont typeface="Arial" panose="020B0604020202020204" pitchFamily="34" charset="0"/>
+              <a:buChar char="•"/>
+              <a:defRPr sz="1800" kern="1200">
+                <a:solidFill>
+                  <a:schemeClr val="tx1"/>
+                </a:solidFill>
+                <a:latin typeface="+mn-lt"/>
+                <a:ea typeface="+mn-ea"/>
+                <a:cs typeface="+mn-cs"/>
+              </a:defRPr>
+            </a:lvl9pPr>
+          </a:lstStyle>
+          <a:p>
+            <a:pPr marL="0" indent="0">
+              <a:buFont typeface="Arial" panose="020B0604020202020204" pitchFamily="34" charset="0"/>
+              <a:buNone/>
+            </a:pPr>
+            <a:r>
+              <a:rPr lang="en-US" dirty="0">
+                <a:solidFill>
+                  <a:srgbClr val="FF0000"/>
+                </a:solidFill>
+              </a:rPr>
+              <a:t>Values Investigation:</a:t>
+            </a:r>
+          </a:p>
+          <a:p>
+            <a:pPr>
+              <a:buFont typeface="Wingdings" pitchFamily="2" charset="2"/>
+              <a:buChar char="v"/>
+            </a:pPr>
+            <a:r>
+              <a:rPr lang="en-US" dirty="0"/>
+              <a:t> Who are the direct and indirect stakeholders?</a:t>
+            </a:r>
+          </a:p>
+          <a:p>
+            <a:pPr>
+              <a:buFont typeface="Wingdings" pitchFamily="2" charset="2"/>
+              <a:buChar char="v"/>
+            </a:pPr>
+            <a:r>
+              <a:rPr lang="en-US" dirty="0"/>
+              <a:t>Do the stakeholders have conflicting values?</a:t>
+            </a:r>
+          </a:p>
+          <a:p>
+            <a:pPr>
+              <a:buFont typeface="Wingdings" pitchFamily="2" charset="2"/>
+              <a:buChar char="v"/>
+            </a:pPr>
+            <a:r>
+              <a:rPr lang="en-US" dirty="0"/>
+              <a:t>How can we resolve them?</a:t>
+            </a:r>
+          </a:p>
+          <a:p>
+            <a:pPr>
+              <a:buFont typeface="Wingdings" pitchFamily="2" charset="2"/>
+              <a:buChar char="v"/>
+            </a:pPr>
+            <a:endParaRPr lang="en-US" dirty="0"/>
+          </a:p>
+          <a:p>
+            <a:pPr lvl="1"/>
+            <a:endParaRPr lang="en-US" dirty="0"/>
+          </a:p>
+        </p:txBody>
+      </p:sp>
+      <p:sp>
+        <p:nvSpPr>
+          <p:cNvPr id="6" name="Content Placeholder 2">
+            <a:extLst>
+              <a:ext uri="{FF2B5EF4-FFF2-40B4-BE49-F238E27FC236}">
+                <a16:creationId xmlns:a16="http://schemas.microsoft.com/office/drawing/2014/main" id="{5CBCCECD-1E8C-0DA4-098C-A5837F9D9535}"/>
+              </a:ext>
+            </a:extLst>
+          </p:cNvPr>
+          <p:cNvSpPr txBox="1">
+            <a:spLocks/>
+          </p:cNvSpPr>
+          <p:nvPr/>
+        </p:nvSpPr>
+        <p:spPr>
+          <a:xfrm>
+            <a:off x="8265042" y="1500160"/>
+            <a:ext cx="3804684" cy="4351338"/>
+          </a:xfrm>
+          <a:prstGeom prst="rect">
+            <a:avLst/>
+          </a:prstGeom>
+        </p:spPr>
+        <p:txBody>
+          <a:bodyPr vert="horz" lIns="91440" tIns="45720" rIns="91440" bIns="45720" rtlCol="0">
+            <a:normAutofit lnSpcReduction="10000"/>
+          </a:bodyPr>
+          <a:lstStyle>
+            <a:lvl1pPr marL="228600" indent="-228600" algn="l" defTabSz="914400" rtl="0" eaLnBrk="1" latinLnBrk="0" hangingPunct="1">
+              <a:lnSpc>
+                <a:spcPct val="90000"/>
+              </a:lnSpc>
+              <a:spcBef>
+                <a:spcPts val="1000"/>
+              </a:spcBef>
+              <a:buFont typeface="Arial" panose="020B0604020202020204" pitchFamily="34" charset="0"/>
+              <a:buChar char="•"/>
+              <a:defRPr sz="2800" kern="1200">
+                <a:solidFill>
+                  <a:schemeClr val="tx1"/>
+                </a:solidFill>
+                <a:latin typeface="+mn-lt"/>
+                <a:ea typeface="+mn-ea"/>
+                <a:cs typeface="+mn-cs"/>
+              </a:defRPr>
+            </a:lvl1pPr>
+            <a:lvl2pPr marL="685800" indent="-228600" algn="l" defTabSz="914400" rtl="0" eaLnBrk="1" latinLnBrk="0" hangingPunct="1">
+              <a:lnSpc>
+                <a:spcPct val="90000"/>
+              </a:lnSpc>
+              <a:spcBef>
+                <a:spcPts val="500"/>
+              </a:spcBef>
+              <a:buFont typeface="Arial" panose="020B0604020202020204" pitchFamily="34" charset="0"/>
+              <a:buChar char="•"/>
+              <a:defRPr sz="2400" kern="1200">
+                <a:solidFill>
+                  <a:schemeClr val="tx1"/>
+                </a:solidFill>
+                <a:latin typeface="+mn-lt"/>
+                <a:ea typeface="+mn-ea"/>
+                <a:cs typeface="+mn-cs"/>
+              </a:defRPr>
+            </a:lvl2pPr>
+            <a:lvl3pPr marL="1143000" indent="-228600" algn="l" defTabSz="914400" rtl="0" eaLnBrk="1" latinLnBrk="0" hangingPunct="1">
+              <a:lnSpc>
+                <a:spcPct val="90000"/>
+              </a:lnSpc>
+              <a:spcBef>
+                <a:spcPts val="500"/>
+              </a:spcBef>
+              <a:buFont typeface="Arial" panose="020B0604020202020204" pitchFamily="34" charset="0"/>
+              <a:buChar char="•"/>
+              <a:defRPr sz="2000" kern="1200">
+                <a:solidFill>
+                  <a:schemeClr val="tx1"/>
+                </a:solidFill>
+                <a:latin typeface="+mn-lt"/>
+                <a:ea typeface="+mn-ea"/>
+                <a:cs typeface="+mn-cs"/>
+              </a:defRPr>
+            </a:lvl3pPr>
+            <a:lvl4pPr marL="1600200" indent="-228600" algn="l" defTabSz="914400" rtl="0" eaLnBrk="1" latinLnBrk="0" hangingPunct="1">
+              <a:lnSpc>
+                <a:spcPct val="90000"/>
+              </a:lnSpc>
+              <a:spcBef>
+                <a:spcPts val="500"/>
+              </a:spcBef>
+              <a:buFont typeface="Arial" panose="020B0604020202020204" pitchFamily="34" charset="0"/>
+              <a:buChar char="•"/>
+              <a:defRPr sz="1800" kern="1200">
+                <a:solidFill>
+                  <a:schemeClr val="tx1"/>
+                </a:solidFill>
+                <a:latin typeface="+mn-lt"/>
+                <a:ea typeface="+mn-ea"/>
+                <a:cs typeface="+mn-cs"/>
+              </a:defRPr>
+            </a:lvl4pPr>
+            <a:lvl5pPr marL="2057400" indent="-228600" algn="l" defTabSz="914400" rtl="0" eaLnBrk="1" latinLnBrk="0" hangingPunct="1">
+              <a:lnSpc>
+                <a:spcPct val="90000"/>
+              </a:lnSpc>
+              <a:spcBef>
+                <a:spcPts val="500"/>
+              </a:spcBef>
+              <a:buFont typeface="Arial" panose="020B0604020202020204" pitchFamily="34" charset="0"/>
+              <a:buChar char="•"/>
+              <a:defRPr sz="1800" kern="1200">
+                <a:solidFill>
+                  <a:schemeClr val="tx1"/>
+                </a:solidFill>
+                <a:latin typeface="+mn-lt"/>
+                <a:ea typeface="+mn-ea"/>
+                <a:cs typeface="+mn-cs"/>
+              </a:defRPr>
+            </a:lvl5pPr>
+            <a:lvl6pPr marL="2514600" indent="-228600" algn="l" defTabSz="914400" rtl="0" eaLnBrk="1" latinLnBrk="0" hangingPunct="1">
+              <a:lnSpc>
+                <a:spcPct val="90000"/>
+              </a:lnSpc>
+              <a:spcBef>
+                <a:spcPts val="500"/>
+              </a:spcBef>
+              <a:buFont typeface="Arial" panose="020B0604020202020204" pitchFamily="34" charset="0"/>
+              <a:buChar char="•"/>
+              <a:defRPr sz="1800" kern="1200">
+                <a:solidFill>
+                  <a:schemeClr val="tx1"/>
+                </a:solidFill>
+                <a:latin typeface="+mn-lt"/>
+                <a:ea typeface="+mn-ea"/>
+                <a:cs typeface="+mn-cs"/>
+              </a:defRPr>
+            </a:lvl6pPr>
+            <a:lvl7pPr marL="2971800" indent="-228600" algn="l" defTabSz="914400" rtl="0" eaLnBrk="1" latinLnBrk="0" hangingPunct="1">
+              <a:lnSpc>
+                <a:spcPct val="90000"/>
+              </a:lnSpc>
+              <a:spcBef>
+                <a:spcPts val="500"/>
+              </a:spcBef>
+              <a:buFont typeface="Arial" panose="020B0604020202020204" pitchFamily="34" charset="0"/>
+              <a:buChar char="•"/>
+              <a:defRPr sz="1800" kern="1200">
+                <a:solidFill>
+                  <a:schemeClr val="tx1"/>
+                </a:solidFill>
+                <a:latin typeface="+mn-lt"/>
+                <a:ea typeface="+mn-ea"/>
+                <a:cs typeface="+mn-cs"/>
+              </a:defRPr>
+            </a:lvl7pPr>
+            <a:lvl8pPr marL="3429000" indent="-228600" algn="l" defTabSz="914400" rtl="0" eaLnBrk="1" latinLnBrk="0" hangingPunct="1">
+              <a:lnSpc>
+                <a:spcPct val="90000"/>
+              </a:lnSpc>
+              <a:spcBef>
+                <a:spcPts val="500"/>
+              </a:spcBef>
+              <a:buFont typeface="Arial" panose="020B0604020202020204" pitchFamily="34" charset="0"/>
+              <a:buChar char="•"/>
+              <a:defRPr sz="1800" kern="1200">
+                <a:solidFill>
+                  <a:schemeClr val="tx1"/>
+                </a:solidFill>
+                <a:latin typeface="+mn-lt"/>
+                <a:ea typeface="+mn-ea"/>
+                <a:cs typeface="+mn-cs"/>
+              </a:defRPr>
+            </a:lvl8pPr>
+            <a:lvl9pPr marL="3886200" indent="-228600" algn="l" defTabSz="914400" rtl="0" eaLnBrk="1" latinLnBrk="0" hangingPunct="1">
+              <a:lnSpc>
+                <a:spcPct val="90000"/>
+              </a:lnSpc>
+              <a:spcBef>
+                <a:spcPts val="500"/>
+              </a:spcBef>
+              <a:buFont typeface="Arial" panose="020B0604020202020204" pitchFamily="34" charset="0"/>
+              <a:buChar char="•"/>
+              <a:defRPr sz="1800" kern="1200">
+                <a:solidFill>
+                  <a:schemeClr val="tx1"/>
+                </a:solidFill>
+                <a:latin typeface="+mn-lt"/>
+                <a:ea typeface="+mn-ea"/>
+                <a:cs typeface="+mn-cs"/>
+              </a:defRPr>
+            </a:lvl9pPr>
+          </a:lstStyle>
+          <a:p>
+            <a:pPr marL="0" indent="0">
+              <a:buFont typeface="Arial" panose="020B0604020202020204" pitchFamily="34" charset="0"/>
+              <a:buNone/>
+            </a:pPr>
+            <a:r>
+              <a:rPr lang="en-US" dirty="0">
+                <a:solidFill>
+                  <a:srgbClr val="FF0000"/>
+                </a:solidFill>
+              </a:rPr>
+              <a:t>Technical Investigation:</a:t>
+            </a:r>
+          </a:p>
+          <a:p>
+            <a:pPr>
+              <a:buFont typeface="Wingdings" pitchFamily="2" charset="2"/>
+              <a:buChar char="v"/>
+            </a:pPr>
+            <a:r>
+              <a:rPr lang="en-US" dirty="0"/>
+              <a:t> What are the technical mechanisms for implementing informed consent.</a:t>
+            </a:r>
+          </a:p>
+          <a:p>
+            <a:pPr lvl="1">
+              <a:buFont typeface="Wingdings" pitchFamily="2" charset="2"/>
+              <a:buChar char="Ø"/>
+            </a:pPr>
+            <a:r>
+              <a:rPr lang="en-US" dirty="0"/>
+              <a:t> One way =&gt; cookie consent management system.</a:t>
+            </a:r>
+          </a:p>
+          <a:p>
+            <a:pPr lvl="1">
+              <a:buFont typeface="Wingdings" pitchFamily="2" charset="2"/>
+              <a:buChar char="Ø"/>
+            </a:pPr>
+            <a:r>
+              <a:rPr lang="en-US" dirty="0"/>
+              <a:t>Websites use them to obtain and manage user permission for using cookies.</a:t>
+            </a:r>
+          </a:p>
+        </p:txBody>
+      </p:sp>
+    </p:spTree>
+    <p:extLst>
+      <p:ext uri="{BB962C8B-B14F-4D97-AF65-F5344CB8AC3E}">
+        <p14:creationId xmlns:p14="http://schemas.microsoft.com/office/powerpoint/2010/main" val="2148081552"/>
+      </p:ext>
+    </p:extLst>
+  </p:cSld>
+  <p:clrMapOvr>
+    <a:masterClrMapping/>
+  </p:clrMapOvr>
+</p:sld>
+</file>
+
+<file path=ppt/slides/slide35.xml><?xml version="1.0" encoding="utf-8"?>
+<p:sld xmlns:a="http://schemas.openxmlformats.org/drawingml/2006/main" xmlns:r="http://schemas.openxmlformats.org/officeDocument/2006/relationships" xmlns:p="http://schemas.openxmlformats.org/presentationml/2006/main">
+  <p:cSld>
+    <p:spTree>
+      <p:nvGrpSpPr>
+        <p:cNvPr id="1" name=""/>
+        <p:cNvGrpSpPr/>
+        <p:nvPr/>
+      </p:nvGrpSpPr>
+      <p:grpSpPr>
+        <a:xfrm>
+          <a:off x="0" y="0"/>
+          <a:ext cx="0" cy="0"/>
+          <a:chOff x="0" y="0"/>
+          <a:chExt cx="0" cy="0"/>
+        </a:xfrm>
+      </p:grpSpPr>
+      <p:sp>
+        <p:nvSpPr>
+          <p:cNvPr id="2" name="Title 1">
+            <a:extLst>
+              <a:ext uri="{FF2B5EF4-FFF2-40B4-BE49-F238E27FC236}">
+                <a16:creationId xmlns:a16="http://schemas.microsoft.com/office/drawing/2014/main" id="{A7D5EB1D-7B60-024C-A6C8-43D75E8FF262}"/>
+              </a:ext>
+            </a:extLst>
+          </p:cNvPr>
+          <p:cNvSpPr>
+            <a:spLocks noGrp="1"/>
+          </p:cNvSpPr>
+          <p:nvPr>
+            <p:ph type="title"/>
+          </p:nvPr>
+        </p:nvSpPr>
+        <p:spPr/>
+        <p:txBody>
+          <a:bodyPr/>
+          <a:lstStyle/>
+          <a:p>
+            <a:r>
+              <a:rPr lang="en-US" dirty="0"/>
+              <a:t>Integrating User Stories With VSD</a:t>
+            </a:r>
+          </a:p>
+        </p:txBody>
+      </p:sp>
+      <p:sp>
+        <p:nvSpPr>
+          <p:cNvPr id="4" name="Slide Number Placeholder 3">
+            <a:extLst>
+              <a:ext uri="{FF2B5EF4-FFF2-40B4-BE49-F238E27FC236}">
+                <a16:creationId xmlns:a16="http://schemas.microsoft.com/office/drawing/2014/main" id="{F4740D6A-7024-FC41-B07F-905F4160D10F}"/>
+              </a:ext>
+            </a:extLst>
+          </p:cNvPr>
+          <p:cNvSpPr>
+            <a:spLocks noGrp="1"/>
+          </p:cNvSpPr>
+          <p:nvPr>
+            <p:ph type="sldNum" sz="quarter" idx="12"/>
+          </p:nvPr>
+        </p:nvSpPr>
+        <p:spPr/>
+        <p:txBody>
+          <a:bodyPr/>
+          <a:lstStyle/>
+          <a:p>
+            <a:fld id="{20F37917-FD3A-4669-9018-DA04BCDD3D75}" type="slidenum">
+              <a:rPr lang="en-US" smtClean="0"/>
+              <a:t>35</a:t>
+            </a:fld>
+            <a:endParaRPr lang="en-US"/>
+          </a:p>
+        </p:txBody>
+      </p:sp>
+      <p:sp>
+        <p:nvSpPr>
+          <p:cNvPr id="5" name="Content Placeholder 2">
+            <a:extLst>
+              <a:ext uri="{FF2B5EF4-FFF2-40B4-BE49-F238E27FC236}">
+                <a16:creationId xmlns:a16="http://schemas.microsoft.com/office/drawing/2014/main" id="{1A938783-C44B-0342-9AFD-E20D6008FE4B}"/>
+              </a:ext>
+            </a:extLst>
+          </p:cNvPr>
+          <p:cNvSpPr txBox="1">
+            <a:spLocks/>
+          </p:cNvSpPr>
+          <p:nvPr/>
+        </p:nvSpPr>
+        <p:spPr>
+          <a:xfrm>
+            <a:off x="943981" y="1781514"/>
+            <a:ext cx="4514284" cy="4351338"/>
+          </a:xfrm>
+          <a:prstGeom prst="rect">
+            <a:avLst/>
+          </a:prstGeom>
+        </p:spPr>
+        <p:txBody>
+          <a:bodyPr vert="horz" lIns="91440" tIns="45720" rIns="91440" bIns="45720" rtlCol="0">
+            <a:normAutofit/>
+          </a:bodyPr>
+          <a:lstStyle>
+            <a:lvl1pPr marL="228600" indent="-228600" algn="l" defTabSz="914400" rtl="0" eaLnBrk="1" latinLnBrk="0" hangingPunct="1">
+              <a:lnSpc>
+                <a:spcPct val="90000"/>
+              </a:lnSpc>
+              <a:spcBef>
+                <a:spcPts val="1000"/>
+              </a:spcBef>
+              <a:buFont typeface="Arial" panose="020B0604020202020204" pitchFamily="34" charset="0"/>
+              <a:buChar char="•"/>
+              <a:defRPr sz="2800" kern="1200">
+                <a:solidFill>
+                  <a:schemeClr val="tx1"/>
+                </a:solidFill>
+                <a:latin typeface="+mn-lt"/>
+                <a:ea typeface="+mn-ea"/>
+                <a:cs typeface="+mn-cs"/>
+              </a:defRPr>
+            </a:lvl1pPr>
+            <a:lvl2pPr marL="685800" indent="-228600" algn="l" defTabSz="914400" rtl="0" eaLnBrk="1" latinLnBrk="0" hangingPunct="1">
+              <a:lnSpc>
+                <a:spcPct val="90000"/>
+              </a:lnSpc>
+              <a:spcBef>
+                <a:spcPts val="500"/>
+              </a:spcBef>
+              <a:buFont typeface="Arial" panose="020B0604020202020204" pitchFamily="34" charset="0"/>
+              <a:buChar char="•"/>
+              <a:defRPr sz="2400" kern="1200">
+                <a:solidFill>
+                  <a:schemeClr val="tx1"/>
+                </a:solidFill>
+                <a:latin typeface="+mn-lt"/>
+                <a:ea typeface="+mn-ea"/>
+                <a:cs typeface="+mn-cs"/>
+              </a:defRPr>
+            </a:lvl2pPr>
+            <a:lvl3pPr marL="1143000" indent="-228600" algn="l" defTabSz="914400" rtl="0" eaLnBrk="1" latinLnBrk="0" hangingPunct="1">
+              <a:lnSpc>
+                <a:spcPct val="90000"/>
+              </a:lnSpc>
+              <a:spcBef>
+                <a:spcPts val="500"/>
+              </a:spcBef>
+              <a:buFont typeface="Arial" panose="020B0604020202020204" pitchFamily="34" charset="0"/>
+              <a:buChar char="•"/>
+              <a:defRPr sz="2000" kern="1200">
+                <a:solidFill>
+                  <a:schemeClr val="tx1"/>
+                </a:solidFill>
+                <a:latin typeface="+mn-lt"/>
+                <a:ea typeface="+mn-ea"/>
+                <a:cs typeface="+mn-cs"/>
+              </a:defRPr>
+            </a:lvl3pPr>
+            <a:lvl4pPr marL="1600200" indent="-228600" algn="l" defTabSz="914400" rtl="0" eaLnBrk="1" latinLnBrk="0" hangingPunct="1">
+              <a:lnSpc>
+                <a:spcPct val="90000"/>
+              </a:lnSpc>
+              <a:spcBef>
+                <a:spcPts val="500"/>
+              </a:spcBef>
+              <a:buFont typeface="Arial" panose="020B0604020202020204" pitchFamily="34" charset="0"/>
+              <a:buChar char="•"/>
+              <a:defRPr sz="1800" kern="1200">
+                <a:solidFill>
+                  <a:schemeClr val="tx1"/>
+                </a:solidFill>
+                <a:latin typeface="+mn-lt"/>
+                <a:ea typeface="+mn-ea"/>
+                <a:cs typeface="+mn-cs"/>
+              </a:defRPr>
+            </a:lvl4pPr>
+            <a:lvl5pPr marL="2057400" indent="-228600" algn="l" defTabSz="914400" rtl="0" eaLnBrk="1" latinLnBrk="0" hangingPunct="1">
+              <a:lnSpc>
+                <a:spcPct val="90000"/>
+              </a:lnSpc>
+              <a:spcBef>
+                <a:spcPts val="500"/>
+              </a:spcBef>
+              <a:buFont typeface="Arial" panose="020B0604020202020204" pitchFamily="34" charset="0"/>
+              <a:buChar char="•"/>
+              <a:defRPr sz="1800" kern="1200">
+                <a:solidFill>
+                  <a:schemeClr val="tx1"/>
+                </a:solidFill>
+                <a:latin typeface="+mn-lt"/>
+                <a:ea typeface="+mn-ea"/>
+                <a:cs typeface="+mn-cs"/>
+              </a:defRPr>
+            </a:lvl5pPr>
+            <a:lvl6pPr marL="2514600" indent="-228600" algn="l" defTabSz="914400" rtl="0" eaLnBrk="1" latinLnBrk="0" hangingPunct="1">
+              <a:lnSpc>
+                <a:spcPct val="90000"/>
+              </a:lnSpc>
+              <a:spcBef>
+                <a:spcPts val="500"/>
+              </a:spcBef>
+              <a:buFont typeface="Arial" panose="020B0604020202020204" pitchFamily="34" charset="0"/>
+              <a:buChar char="•"/>
+              <a:defRPr sz="1800" kern="1200">
+                <a:solidFill>
+                  <a:schemeClr val="tx1"/>
+                </a:solidFill>
+                <a:latin typeface="+mn-lt"/>
+                <a:ea typeface="+mn-ea"/>
+                <a:cs typeface="+mn-cs"/>
+              </a:defRPr>
+            </a:lvl6pPr>
+            <a:lvl7pPr marL="2971800" indent="-228600" algn="l" defTabSz="914400" rtl="0" eaLnBrk="1" latinLnBrk="0" hangingPunct="1">
+              <a:lnSpc>
+                <a:spcPct val="90000"/>
+              </a:lnSpc>
+              <a:spcBef>
+                <a:spcPts val="500"/>
+              </a:spcBef>
+              <a:buFont typeface="Arial" panose="020B0604020202020204" pitchFamily="34" charset="0"/>
+              <a:buChar char="•"/>
+              <a:defRPr sz="1800" kern="1200">
+                <a:solidFill>
+                  <a:schemeClr val="tx1"/>
+                </a:solidFill>
+                <a:latin typeface="+mn-lt"/>
+                <a:ea typeface="+mn-ea"/>
+                <a:cs typeface="+mn-cs"/>
+              </a:defRPr>
+            </a:lvl7pPr>
+            <a:lvl8pPr marL="3429000" indent="-228600" algn="l" defTabSz="914400" rtl="0" eaLnBrk="1" latinLnBrk="0" hangingPunct="1">
+              <a:lnSpc>
+                <a:spcPct val="90000"/>
+              </a:lnSpc>
+              <a:spcBef>
+                <a:spcPts val="500"/>
+              </a:spcBef>
+              <a:buFont typeface="Arial" panose="020B0604020202020204" pitchFamily="34" charset="0"/>
+              <a:buChar char="•"/>
+              <a:defRPr sz="1800" kern="1200">
+                <a:solidFill>
+                  <a:schemeClr val="tx1"/>
+                </a:solidFill>
+                <a:latin typeface="+mn-lt"/>
+                <a:ea typeface="+mn-ea"/>
+                <a:cs typeface="+mn-cs"/>
+              </a:defRPr>
+            </a:lvl8pPr>
+            <a:lvl9pPr marL="3886200" indent="-228600" algn="l" defTabSz="914400" rtl="0" eaLnBrk="1" latinLnBrk="0" hangingPunct="1">
+              <a:lnSpc>
+                <a:spcPct val="90000"/>
+              </a:lnSpc>
+              <a:spcBef>
+                <a:spcPts val="500"/>
+              </a:spcBef>
+              <a:buFont typeface="Arial" panose="020B0604020202020204" pitchFamily="34" charset="0"/>
+              <a:buChar char="•"/>
+              <a:defRPr sz="1800" kern="1200">
+                <a:solidFill>
+                  <a:schemeClr val="tx1"/>
+                </a:solidFill>
+                <a:latin typeface="+mn-lt"/>
+                <a:ea typeface="+mn-ea"/>
+                <a:cs typeface="+mn-cs"/>
+              </a:defRPr>
+            </a:lvl9pPr>
+          </a:lstStyle>
+          <a:p>
+            <a:pPr marL="0" indent="0">
+              <a:buFont typeface="Arial" panose="020B0604020202020204" pitchFamily="34" charset="0"/>
+              <a:buNone/>
+            </a:pPr>
+            <a:r>
+              <a:rPr lang="en-US" dirty="0">
+                <a:solidFill>
+                  <a:srgbClr val="FF0000"/>
+                </a:solidFill>
+              </a:rPr>
+              <a:t>Stakeholders identified:</a:t>
+            </a:r>
+          </a:p>
+          <a:p>
+            <a:r>
+              <a:rPr lang="en-US" dirty="0"/>
+              <a:t> Site users</a:t>
+            </a:r>
+          </a:p>
+          <a:p>
+            <a:r>
+              <a:rPr lang="en-US" dirty="0"/>
+              <a:t> Site owners</a:t>
+            </a:r>
+          </a:p>
+          <a:p>
+            <a:pPr>
+              <a:buFont typeface="Wingdings" pitchFamily="2" charset="2"/>
+              <a:buChar char="v"/>
+            </a:pPr>
+            <a:endParaRPr lang="en-US" dirty="0"/>
+          </a:p>
+          <a:p>
+            <a:pPr marL="0" indent="0">
+              <a:buFont typeface="Arial" panose="020B0604020202020204" pitchFamily="34" charset="0"/>
+              <a:buNone/>
+            </a:pPr>
+            <a:r>
+              <a:rPr lang="en-US" dirty="0">
+                <a:solidFill>
+                  <a:srgbClr val="FF0000"/>
+                </a:solidFill>
+              </a:rPr>
+              <a:t>Values identified:</a:t>
+            </a:r>
+          </a:p>
+          <a:p>
+            <a:r>
+              <a:rPr lang="en-US" dirty="0"/>
+              <a:t> Privacy</a:t>
+            </a:r>
+          </a:p>
+          <a:p>
+            <a:r>
+              <a:rPr lang="en-US" dirty="0"/>
+              <a:t> Accountability</a:t>
+            </a:r>
+          </a:p>
+          <a:p>
+            <a:r>
+              <a:rPr lang="en-US" dirty="0"/>
+              <a:t>Transparency</a:t>
+            </a:r>
+          </a:p>
+          <a:p>
+            <a:pPr lvl="1"/>
+            <a:endParaRPr lang="en-US" dirty="0"/>
+          </a:p>
+        </p:txBody>
+      </p:sp>
+      <p:sp>
+        <p:nvSpPr>
+          <p:cNvPr id="6" name="Content Placeholder 2">
+            <a:extLst>
+              <a:ext uri="{FF2B5EF4-FFF2-40B4-BE49-F238E27FC236}">
+                <a16:creationId xmlns:a16="http://schemas.microsoft.com/office/drawing/2014/main" id="{57C60BE1-3304-3543-B6D2-78C34F1CA26B}"/>
+              </a:ext>
+            </a:extLst>
+          </p:cNvPr>
+          <p:cNvSpPr txBox="1">
+            <a:spLocks/>
+          </p:cNvSpPr>
+          <p:nvPr/>
+        </p:nvSpPr>
+        <p:spPr>
+          <a:xfrm>
+            <a:off x="5676042" y="2005012"/>
+            <a:ext cx="6078414" cy="4351338"/>
           </a:xfrm>
           <a:prstGeom prst="rect">
             <a:avLst/>
@@ -20989,18 +22085,14 @@
               <a:buNone/>
             </a:pPr>
             <a:r>
-              <a:rPr lang="en-US" dirty="0"/>
-              <a:t>Values Investigation</a:t>
-            </a:r>
-          </a:p>
-          <a:p>
-            <a:pPr marL="0" indent="0">
-              <a:buFont typeface="Arial" panose="020B0604020202020204" pitchFamily="34" charset="0"/>
-              <a:buNone/>
-            </a:pPr>
-            <a:r>
-              <a:rPr lang="en-US" dirty="0"/>
-              <a:t>Where?</a:t>
+              <a:rPr lang="en-US" dirty="0">
+                <a:solidFill>
+                  <a:schemeClr val="accent6">
+                    <a:lumMod val="50000"/>
+                  </a:schemeClr>
+                </a:solidFill>
+              </a:rPr>
+              <a:t>User Story Examples:</a:t>
             </a:r>
           </a:p>
           <a:p>
@@ -21010,7 +22102,17 @@
             </a:pPr>
             <a:r>
               <a:rPr lang="en-US" dirty="0"/>
-              <a:t> In the field and in reflection; gathering knowledge about and reflecting on values</a:t>
+              <a:t> As a Stack Overflow user, I want to clearly understand what personal data Stack Overflow collects through cookies and control which cookies are set so that I can make an informed choice about my privacy while still accessing the programming help I need. (Essential)</a:t>
+            </a:r>
+          </a:p>
+          <a:p>
+            <a:pPr>
+              <a:buFont typeface="Wingdings" pitchFamily="2" charset="2"/>
+              <a:buChar char="v"/>
+            </a:pPr>
+            <a:r>
+              <a:rPr lang="en-US" dirty="0"/>
+              <a:t> As a Stack Overflow site owner, I want to implement transparent cookie consent processes that comply with regulations while maintaining user engagement so that I can build user trust, avoid legal penalties, and sustain my business model without losing essential functionality. (Essential)</a:t>
             </a:r>
           </a:p>
           <a:p>
@@ -21021,51 +22123,104 @@
             <a:endParaRPr lang="en-US" dirty="0"/>
           </a:p>
           <a:p>
-            <a:pPr marL="0" indent="0">
-              <a:buFont typeface="Arial" panose="020B0604020202020204" pitchFamily="34" charset="0"/>
-              <a:buNone/>
-            </a:pPr>
-            <a:r>
-              <a:rPr lang="en-US" dirty="0"/>
-              <a:t>Disciplinary skills</a:t>
-            </a:r>
-          </a:p>
-          <a:p>
-            <a:r>
-              <a:rPr lang="en-US" dirty="0"/>
-              <a:t>Applied ethics</a:t>
-            </a:r>
-          </a:p>
-          <a:p>
-            <a:r>
-              <a:rPr lang="en-US" dirty="0"/>
-              <a:t>Law and policy</a:t>
-            </a:r>
-          </a:p>
-          <a:p>
-            <a:r>
-              <a:rPr lang="en-US" dirty="0"/>
-              <a:t>Political and social theory</a:t>
-            </a:r>
-          </a:p>
-          <a:p>
-            <a:r>
-              <a:rPr lang="en-US" dirty="0"/>
-              <a:t>Environmental analysis</a:t>
-            </a:r>
-          </a:p>
-          <a:p>
             <a:pPr lvl="1"/>
             <a:endParaRPr lang="en-US" dirty="0"/>
           </a:p>
         </p:txBody>
       </p:sp>
-      <p:sp>
-        <p:nvSpPr>
-          <p:cNvPr id="6" name="Content Placeholder 2">
+    </p:spTree>
+    <p:extLst>
+      <p:ext uri="{BB962C8B-B14F-4D97-AF65-F5344CB8AC3E}">
+        <p14:creationId xmlns:p14="http://schemas.microsoft.com/office/powerpoint/2010/main" val="2309442039"/>
+      </p:ext>
+    </p:extLst>
+  </p:cSld>
+  <p:clrMapOvr>
+    <a:masterClrMapping/>
+  </p:clrMapOvr>
+</p:sld>
+</file>
+
+<file path=ppt/slides/slide36.xml><?xml version="1.0" encoding="utf-8"?>
+<p:sld xmlns:a="http://schemas.openxmlformats.org/drawingml/2006/main" xmlns:r="http://schemas.openxmlformats.org/officeDocument/2006/relationships" xmlns:p="http://schemas.openxmlformats.org/presentationml/2006/main">
+  <p:cSld>
+    <p:spTree>
+      <p:nvGrpSpPr>
+        <p:cNvPr id="1" name=""/>
+        <p:cNvGrpSpPr/>
+        <p:nvPr/>
+      </p:nvGrpSpPr>
+      <p:grpSpPr>
+        <a:xfrm>
+          <a:off x="0" y="0"/>
+          <a:ext cx="0" cy="0"/>
+          <a:chOff x="0" y="0"/>
+          <a:chExt cx="0" cy="0"/>
+        </a:xfrm>
+      </p:grpSpPr>
+      <p:sp>
+        <p:nvSpPr>
+          <p:cNvPr id="2" name="Title 1">
             <a:extLst>
               <a:ext uri="{FF2B5EF4-FFF2-40B4-BE49-F238E27FC236}">
-                <a16:creationId xmlns:a16="http://schemas.microsoft.com/office/drawing/2014/main" id="{5CBCCECD-1E8C-0DA4-098C-A5837F9D9535}"/>
+                <a16:creationId xmlns:a16="http://schemas.microsoft.com/office/drawing/2014/main" id="{5523E1ED-9F63-134F-BD9D-0973C4E045EE}"/>
+              </a:ext>
+            </a:extLst>
+          </p:cNvPr>
+          <p:cNvSpPr>
+            <a:spLocks noGrp="1"/>
+          </p:cNvSpPr>
+          <p:nvPr>
+            <p:ph type="title"/>
+          </p:nvPr>
+        </p:nvSpPr>
+        <p:spPr/>
+        <p:txBody>
+          <a:bodyPr/>
+          <a:lstStyle/>
+          <a:p>
+            <a:r>
+              <a:rPr lang="en-US" dirty="0"/>
+              <a:t>Conditions of Satisfaction (Informed Consent)</a:t>
+            </a:r>
+          </a:p>
+        </p:txBody>
+      </p:sp>
+      <p:sp>
+        <p:nvSpPr>
+          <p:cNvPr id="4" name="Slide Number Placeholder 3">
+            <a:extLst>
+              <a:ext uri="{FF2B5EF4-FFF2-40B4-BE49-F238E27FC236}">
+                <a16:creationId xmlns:a16="http://schemas.microsoft.com/office/drawing/2014/main" id="{FE9C9A8A-3080-3242-B8BE-F2528AA17480}"/>
+              </a:ext>
+            </a:extLst>
+          </p:cNvPr>
+          <p:cNvSpPr>
+            <a:spLocks noGrp="1"/>
+          </p:cNvSpPr>
+          <p:nvPr>
+            <p:ph type="sldNum" sz="quarter" idx="12"/>
+          </p:nvPr>
+        </p:nvSpPr>
+        <p:spPr/>
+        <p:txBody>
+          <a:bodyPr/>
+          <a:lstStyle/>
+          <a:p>
+            <a:fld id="{20F37917-FD3A-4669-9018-DA04BCDD3D75}" type="slidenum">
+              <a:rPr lang="en-US" smtClean="0"/>
+              <a:t>36</a:t>
+            </a:fld>
+            <a:endParaRPr lang="en-US"/>
+          </a:p>
+        </p:txBody>
+      </p:sp>
+      <p:sp>
+        <p:nvSpPr>
+          <p:cNvPr id="7" name="Content Placeholder 2">
+            <a:extLst>
+              <a:ext uri="{FF2B5EF4-FFF2-40B4-BE49-F238E27FC236}">
+                <a16:creationId xmlns:a16="http://schemas.microsoft.com/office/drawing/2014/main" id="{03A99269-DD79-DD4B-BAE6-6C59835A79A6}"/>
               </a:ext>
             </a:extLst>
           </p:cNvPr>
@@ -21076,8 +22231,277 @@
         </p:nvSpPr>
         <p:spPr>
           <a:xfrm>
-            <a:off x="8265042" y="1500160"/>
-            <a:ext cx="3804684" cy="4351338"/>
+            <a:off x="639808" y="1674415"/>
+            <a:ext cx="5662518" cy="5598582"/>
+          </a:xfrm>
+          <a:prstGeom prst="rect">
+            <a:avLst/>
+          </a:prstGeom>
+        </p:spPr>
+        <p:txBody>
+          <a:bodyPr vert="horz" lIns="91440" tIns="45720" rIns="91440" bIns="45720" rtlCol="0">
+            <a:normAutofit fontScale="92500"/>
+          </a:bodyPr>
+          <a:lstStyle>
+            <a:lvl1pPr marL="228600" indent="-228600" algn="l" defTabSz="914400" rtl="0" eaLnBrk="1" latinLnBrk="0" hangingPunct="1">
+              <a:lnSpc>
+                <a:spcPct val="90000"/>
+              </a:lnSpc>
+              <a:spcBef>
+                <a:spcPts val="1000"/>
+              </a:spcBef>
+              <a:buFont typeface="Arial" panose="020B0604020202020204" pitchFamily="34" charset="0"/>
+              <a:buChar char="•"/>
+              <a:defRPr sz="2800" kern="1200">
+                <a:solidFill>
+                  <a:schemeClr val="tx1"/>
+                </a:solidFill>
+                <a:latin typeface="+mn-lt"/>
+                <a:ea typeface="+mn-ea"/>
+                <a:cs typeface="+mn-cs"/>
+              </a:defRPr>
+            </a:lvl1pPr>
+            <a:lvl2pPr marL="685800" indent="-228600" algn="l" defTabSz="914400" rtl="0" eaLnBrk="1" latinLnBrk="0" hangingPunct="1">
+              <a:lnSpc>
+                <a:spcPct val="90000"/>
+              </a:lnSpc>
+              <a:spcBef>
+                <a:spcPts val="500"/>
+              </a:spcBef>
+              <a:buFont typeface="Arial" panose="020B0604020202020204" pitchFamily="34" charset="0"/>
+              <a:buChar char="•"/>
+              <a:defRPr sz="2400" kern="1200">
+                <a:solidFill>
+                  <a:schemeClr val="tx1"/>
+                </a:solidFill>
+                <a:latin typeface="+mn-lt"/>
+                <a:ea typeface="+mn-ea"/>
+                <a:cs typeface="+mn-cs"/>
+              </a:defRPr>
+            </a:lvl2pPr>
+            <a:lvl3pPr marL="1143000" indent="-228600" algn="l" defTabSz="914400" rtl="0" eaLnBrk="1" latinLnBrk="0" hangingPunct="1">
+              <a:lnSpc>
+                <a:spcPct val="90000"/>
+              </a:lnSpc>
+              <a:spcBef>
+                <a:spcPts val="500"/>
+              </a:spcBef>
+              <a:buFont typeface="Arial" panose="020B0604020202020204" pitchFamily="34" charset="0"/>
+              <a:buChar char="•"/>
+              <a:defRPr sz="2000" kern="1200">
+                <a:solidFill>
+                  <a:schemeClr val="tx1"/>
+                </a:solidFill>
+                <a:latin typeface="+mn-lt"/>
+                <a:ea typeface="+mn-ea"/>
+                <a:cs typeface="+mn-cs"/>
+              </a:defRPr>
+            </a:lvl3pPr>
+            <a:lvl4pPr marL="1600200" indent="-228600" algn="l" defTabSz="914400" rtl="0" eaLnBrk="1" latinLnBrk="0" hangingPunct="1">
+              <a:lnSpc>
+                <a:spcPct val="90000"/>
+              </a:lnSpc>
+              <a:spcBef>
+                <a:spcPts val="500"/>
+              </a:spcBef>
+              <a:buFont typeface="Arial" panose="020B0604020202020204" pitchFamily="34" charset="0"/>
+              <a:buChar char="•"/>
+              <a:defRPr sz="1800" kern="1200">
+                <a:solidFill>
+                  <a:schemeClr val="tx1"/>
+                </a:solidFill>
+                <a:latin typeface="+mn-lt"/>
+                <a:ea typeface="+mn-ea"/>
+                <a:cs typeface="+mn-cs"/>
+              </a:defRPr>
+            </a:lvl4pPr>
+            <a:lvl5pPr marL="2057400" indent="-228600" algn="l" defTabSz="914400" rtl="0" eaLnBrk="1" latinLnBrk="0" hangingPunct="1">
+              <a:lnSpc>
+                <a:spcPct val="90000"/>
+              </a:lnSpc>
+              <a:spcBef>
+                <a:spcPts val="500"/>
+              </a:spcBef>
+              <a:buFont typeface="Arial" panose="020B0604020202020204" pitchFamily="34" charset="0"/>
+              <a:buChar char="•"/>
+              <a:defRPr sz="1800" kern="1200">
+                <a:solidFill>
+                  <a:schemeClr val="tx1"/>
+                </a:solidFill>
+                <a:latin typeface="+mn-lt"/>
+                <a:ea typeface="+mn-ea"/>
+                <a:cs typeface="+mn-cs"/>
+              </a:defRPr>
+            </a:lvl5pPr>
+            <a:lvl6pPr marL="2514600" indent="-228600" algn="l" defTabSz="914400" rtl="0" eaLnBrk="1" latinLnBrk="0" hangingPunct="1">
+              <a:lnSpc>
+                <a:spcPct val="90000"/>
+              </a:lnSpc>
+              <a:spcBef>
+                <a:spcPts val="500"/>
+              </a:spcBef>
+              <a:buFont typeface="Arial" panose="020B0604020202020204" pitchFamily="34" charset="0"/>
+              <a:buChar char="•"/>
+              <a:defRPr sz="1800" kern="1200">
+                <a:solidFill>
+                  <a:schemeClr val="tx1"/>
+                </a:solidFill>
+                <a:latin typeface="+mn-lt"/>
+                <a:ea typeface="+mn-ea"/>
+                <a:cs typeface="+mn-cs"/>
+              </a:defRPr>
+            </a:lvl6pPr>
+            <a:lvl7pPr marL="2971800" indent="-228600" algn="l" defTabSz="914400" rtl="0" eaLnBrk="1" latinLnBrk="0" hangingPunct="1">
+              <a:lnSpc>
+                <a:spcPct val="90000"/>
+              </a:lnSpc>
+              <a:spcBef>
+                <a:spcPts val="500"/>
+              </a:spcBef>
+              <a:buFont typeface="Arial" panose="020B0604020202020204" pitchFamily="34" charset="0"/>
+              <a:buChar char="•"/>
+              <a:defRPr sz="1800" kern="1200">
+                <a:solidFill>
+                  <a:schemeClr val="tx1"/>
+                </a:solidFill>
+                <a:latin typeface="+mn-lt"/>
+                <a:ea typeface="+mn-ea"/>
+                <a:cs typeface="+mn-cs"/>
+              </a:defRPr>
+            </a:lvl7pPr>
+            <a:lvl8pPr marL="3429000" indent="-228600" algn="l" defTabSz="914400" rtl="0" eaLnBrk="1" latinLnBrk="0" hangingPunct="1">
+              <a:lnSpc>
+                <a:spcPct val="90000"/>
+              </a:lnSpc>
+              <a:spcBef>
+                <a:spcPts val="500"/>
+              </a:spcBef>
+              <a:buFont typeface="Arial" panose="020B0604020202020204" pitchFamily="34" charset="0"/>
+              <a:buChar char="•"/>
+              <a:defRPr sz="1800" kern="1200">
+                <a:solidFill>
+                  <a:schemeClr val="tx1"/>
+                </a:solidFill>
+                <a:latin typeface="+mn-lt"/>
+                <a:ea typeface="+mn-ea"/>
+                <a:cs typeface="+mn-cs"/>
+              </a:defRPr>
+            </a:lvl8pPr>
+            <a:lvl9pPr marL="3886200" indent="-228600" algn="l" defTabSz="914400" rtl="0" eaLnBrk="1" latinLnBrk="0" hangingPunct="1">
+              <a:lnSpc>
+                <a:spcPct val="90000"/>
+              </a:lnSpc>
+              <a:spcBef>
+                <a:spcPts val="500"/>
+              </a:spcBef>
+              <a:buFont typeface="Arial" panose="020B0604020202020204" pitchFamily="34" charset="0"/>
+              <a:buChar char="•"/>
+              <a:defRPr sz="1800" kern="1200">
+                <a:solidFill>
+                  <a:schemeClr val="tx1"/>
+                </a:solidFill>
+                <a:latin typeface="+mn-lt"/>
+                <a:ea typeface="+mn-ea"/>
+                <a:cs typeface="+mn-cs"/>
+              </a:defRPr>
+            </a:lvl9pPr>
+          </a:lstStyle>
+          <a:p>
+            <a:pPr marL="0" indent="0">
+              <a:buFont typeface="Arial" panose="020B0604020202020204" pitchFamily="34" charset="0"/>
+              <a:buNone/>
+            </a:pPr>
+            <a:r>
+              <a:rPr lang="en-US" sz="2400" dirty="0">
+                <a:solidFill>
+                  <a:schemeClr val="accent6">
+                    <a:lumMod val="50000"/>
+                  </a:schemeClr>
+                </a:solidFill>
+              </a:rPr>
+              <a:t>User Story and COS:</a:t>
+            </a:r>
+          </a:p>
+          <a:p>
+            <a:pPr>
+              <a:buFont typeface="Wingdings" pitchFamily="2" charset="2"/>
+              <a:buChar char="v"/>
+            </a:pPr>
+            <a:r>
+              <a:rPr lang="en-US" sz="2400" dirty="0"/>
+              <a:t> </a:t>
+            </a:r>
+            <a:r>
+              <a:rPr lang="en-US" sz="2200" dirty="0"/>
+              <a:t>As a Stack Overflow user, I want to clearly understand what personal data Stack Overflow collects through cookies and control which cookies are set so that I can make an informed choice about my privacy while still accessing the programming help I need. (Essential)</a:t>
+            </a:r>
+            <a:endParaRPr lang="en-US" sz="2400" dirty="0"/>
+          </a:p>
+          <a:p>
+            <a:pPr lvl="1">
+              <a:buFont typeface="Wingdings" pitchFamily="2" charset="2"/>
+              <a:buChar char="Ø"/>
+            </a:pPr>
+            <a:r>
+              <a:rPr lang="en-US" sz="2100" dirty="0"/>
+              <a:t>The system should display a clear cookie banner explaining what personal data is collected before any cookies are set (Essential)</a:t>
+            </a:r>
+          </a:p>
+          <a:p>
+            <a:pPr lvl="1">
+              <a:buFont typeface="Wingdings" pitchFamily="2" charset="2"/>
+              <a:buChar char="Ø"/>
+            </a:pPr>
+            <a:r>
+              <a:rPr lang="en-US" sz="2100" dirty="0"/>
+              <a:t>Users should be able to access granular cookie controls to accept/reject specific categories (functional, analytics, advertising, personalization) (Desirable)</a:t>
+            </a:r>
+          </a:p>
+          <a:p>
+            <a:pPr lvl="1">
+              <a:buFont typeface="Wingdings" pitchFamily="2" charset="2"/>
+              <a:buChar char="Ø"/>
+            </a:pPr>
+            <a:r>
+              <a:rPr lang="en-US" sz="2100" dirty="0"/>
+              <a:t>The system should provide a “privacy dashboard” showing what data has been collected about the user over time (Extension)</a:t>
+            </a:r>
+            <a:br>
+              <a:rPr lang="en-US" sz="1800" dirty="0"/>
+            </a:br>
+            <a:endParaRPr lang="en-US" sz="1800" dirty="0"/>
+          </a:p>
+          <a:p>
+            <a:pPr>
+              <a:buFont typeface="Wingdings" pitchFamily="2" charset="2"/>
+              <a:buChar char="v"/>
+            </a:pPr>
+            <a:endParaRPr lang="en-US" sz="2400" dirty="0"/>
+          </a:p>
+          <a:p>
+            <a:pPr lvl="1"/>
+            <a:endParaRPr lang="en-US" sz="1800" dirty="0"/>
+          </a:p>
+        </p:txBody>
+      </p:sp>
+      <p:sp>
+        <p:nvSpPr>
+          <p:cNvPr id="8" name="Content Placeholder 2">
+            <a:extLst>
+              <a:ext uri="{FF2B5EF4-FFF2-40B4-BE49-F238E27FC236}">
+                <a16:creationId xmlns:a16="http://schemas.microsoft.com/office/drawing/2014/main" id="{28EA7D20-1FD7-364F-8F92-C197CA376105}"/>
+              </a:ext>
+            </a:extLst>
+          </p:cNvPr>
+          <p:cNvSpPr txBox="1">
+            <a:spLocks/>
+          </p:cNvSpPr>
+          <p:nvPr/>
+        </p:nvSpPr>
+        <p:spPr>
+          <a:xfrm>
+            <a:off x="6302326" y="1689380"/>
+            <a:ext cx="5960012" cy="5168620"/>
           </a:xfrm>
           <a:prstGeom prst="rect">
             <a:avLst/>
@@ -21257,18 +22681,14 @@
               <a:buNone/>
             </a:pPr>
             <a:r>
-              <a:rPr lang="en-US" dirty="0"/>
-              <a:t>Technical Investigation</a:t>
-            </a:r>
-          </a:p>
-          <a:p>
-            <a:pPr marL="0" indent="0">
-              <a:buFont typeface="Arial" panose="020B0604020202020204" pitchFamily="34" charset="0"/>
-              <a:buNone/>
-            </a:pPr>
-            <a:r>
-              <a:rPr lang="en-US" dirty="0"/>
-              <a:t>Where?</a:t>
+              <a:rPr lang="en-US" dirty="0">
+                <a:solidFill>
+                  <a:schemeClr val="accent6">
+                    <a:lumMod val="50000"/>
+                  </a:schemeClr>
+                </a:solidFill>
+              </a:rPr>
+              <a:t>User Story and COS:</a:t>
             </a:r>
           </a:p>
           <a:p>
@@ -21277,188 +22697,72 @@
               <a:buChar char="v"/>
             </a:pPr>
             <a:r>
-              <a:rPr lang="en-US" dirty="0"/>
-              <a:t> In the software, hardware, and systems, analyzing data and prototyping</a:t>
-            </a:r>
+              <a:rPr lang="en-US" sz="2400" dirty="0"/>
+              <a:t> As a Stack Overflow site owner, I want to implement transparent cookie consent processes that comply with regulations while maintaining user engagement so that I can build user trust, avoid legal penalties, and sustain my business model without losing essential functionality. (Essential)</a:t>
+            </a:r>
+            <a:endParaRPr lang="en-US" sz="2600" dirty="0"/>
+          </a:p>
+          <a:p>
+            <a:pPr lvl="1">
+              <a:buFont typeface="Wingdings" pitchFamily="2" charset="2"/>
+              <a:buChar char="Ø"/>
+            </a:pPr>
+            <a:r>
+              <a:rPr lang="en-US" sz="2100" dirty="0"/>
+              <a:t>Cookie data containing personal information should be encrypted both in transit and at rest to prevent unauthorized access. (Essential)</a:t>
+            </a:r>
+          </a:p>
+          <a:p>
+            <a:pPr lvl="1">
+              <a:buFont typeface="Wingdings" pitchFamily="2" charset="2"/>
+              <a:buChar char="Ø"/>
+            </a:pPr>
+            <a:r>
+              <a:rPr lang="en-US" sz="2100" dirty="0"/>
+              <a:t>The system should automatically expire cookies based on predefined retention periods. (Essential)</a:t>
+            </a:r>
+          </a:p>
+          <a:p>
+            <a:pPr lvl="1">
+              <a:buFont typeface="Wingdings" pitchFamily="2" charset="2"/>
+              <a:buChar char="Ø"/>
+            </a:pPr>
+            <a:r>
+              <a:rPr lang="en-US" sz="2100" dirty="0"/>
+              <a:t>The system should allow users to read and search posts even if they reject data collection on cookies. (Desirable)</a:t>
+            </a:r>
+          </a:p>
+          <a:p>
+            <a:pPr lvl="1">
+              <a:buFont typeface="Wingdings" pitchFamily="2" charset="2"/>
+              <a:buChar char="Ø"/>
+            </a:pPr>
+            <a:r>
+              <a:rPr lang="en-US" sz="2100" dirty="0"/>
+              <a:t>The platform should implement automated data retention policies that permanently delete expired cookie data. (Extension)</a:t>
+            </a:r>
+            <a:br>
+              <a:rPr lang="en-US" sz="2600" dirty="0"/>
+            </a:br>
+            <a:endParaRPr lang="en-US" sz="2600" dirty="0"/>
           </a:p>
           <a:p>
             <a:pPr>
               <a:buFont typeface="Wingdings" pitchFamily="2" charset="2"/>
               <a:buChar char="v"/>
             </a:pPr>
-            <a:endParaRPr lang="en-US" dirty="0"/>
-          </a:p>
-          <a:p>
-            <a:pPr marL="0" indent="0">
-              <a:buFont typeface="Arial" panose="020B0604020202020204" pitchFamily="34" charset="0"/>
-              <a:buNone/>
-            </a:pPr>
-            <a:r>
-              <a:rPr lang="en-US" dirty="0"/>
-              <a:t>Disciplinary skills</a:t>
-            </a:r>
-          </a:p>
-          <a:p>
-            <a:r>
-              <a:rPr lang="en-US" dirty="0"/>
-              <a:t>Computer Science</a:t>
-            </a:r>
-          </a:p>
-          <a:p>
-            <a:r>
-              <a:rPr lang="en-US" dirty="0"/>
-              <a:t>Cybersecurity</a:t>
-            </a:r>
-          </a:p>
-          <a:p>
-            <a:r>
-              <a:rPr lang="en-US" dirty="0"/>
-              <a:t>Data science</a:t>
-            </a:r>
+            <a:endParaRPr lang="en-US" sz="2400" dirty="0"/>
+          </a:p>
+          <a:p>
+            <a:pPr lvl="1"/>
+            <a:endParaRPr lang="en-US" sz="1800" dirty="0"/>
           </a:p>
         </p:txBody>
       </p:sp>
     </p:spTree>
     <p:extLst>
       <p:ext uri="{BB962C8B-B14F-4D97-AF65-F5344CB8AC3E}">
-        <p14:creationId xmlns:p14="http://schemas.microsoft.com/office/powerpoint/2010/main" val="2148081552"/>
-      </p:ext>
-    </p:extLst>
-  </p:cSld>
-  <p:clrMapOvr>
-    <a:masterClrMapping/>
-  </p:clrMapOvr>
-</p:sld>
-</file>
-
-<file path=ppt/slides/slide36.xml><?xml version="1.0" encoding="utf-8"?>
-<p:sld xmlns:a="http://schemas.openxmlformats.org/drawingml/2006/main" xmlns:r="http://schemas.openxmlformats.org/officeDocument/2006/relationships" xmlns:p="http://schemas.openxmlformats.org/presentationml/2006/main">
-  <p:cSld>
-    <p:spTree>
-      <p:nvGrpSpPr>
-        <p:cNvPr id="1" name=""/>
-        <p:cNvGrpSpPr/>
-        <p:nvPr/>
-      </p:nvGrpSpPr>
-      <p:grpSpPr>
-        <a:xfrm>
-          <a:off x="0" y="0"/>
-          <a:ext cx="0" cy="0"/>
-          <a:chOff x="0" y="0"/>
-          <a:chExt cx="0" cy="0"/>
-        </a:xfrm>
-      </p:grpSpPr>
-      <p:sp>
-        <p:nvSpPr>
-          <p:cNvPr id="2" name="Title 1">
-            <a:extLst>
-              <a:ext uri="{FF2B5EF4-FFF2-40B4-BE49-F238E27FC236}">
-                <a16:creationId xmlns:a16="http://schemas.microsoft.com/office/drawing/2014/main" id="{6E08092E-8BB8-B48B-3BAB-ABDF1BE728C6}"/>
-              </a:ext>
-            </a:extLst>
-          </p:cNvPr>
-          <p:cNvSpPr>
-            <a:spLocks noGrp="1"/>
-          </p:cNvSpPr>
-          <p:nvPr>
-            <p:ph type="title"/>
-          </p:nvPr>
-        </p:nvSpPr>
-        <p:spPr/>
-        <p:txBody>
-          <a:bodyPr/>
-          <a:lstStyle/>
-          <a:p>
-            <a:r>
-              <a:rPr lang="en-US" dirty="0"/>
-              <a:t>Example: The Reddit Case Study</a:t>
-            </a:r>
-          </a:p>
-        </p:txBody>
-      </p:sp>
-      <p:sp>
-        <p:nvSpPr>
-          <p:cNvPr id="3" name="Content Placeholder 2">
-            <a:extLst>
-              <a:ext uri="{FF2B5EF4-FFF2-40B4-BE49-F238E27FC236}">
-                <a16:creationId xmlns:a16="http://schemas.microsoft.com/office/drawing/2014/main" id="{A1628D1E-4883-1046-9135-0DBD842CD0FD}"/>
-              </a:ext>
-            </a:extLst>
-          </p:cNvPr>
-          <p:cNvSpPr>
-            <a:spLocks noGrp="1"/>
-          </p:cNvSpPr>
-          <p:nvPr>
-            <p:ph idx="1"/>
-          </p:nvPr>
-        </p:nvSpPr>
-        <p:spPr>
-          <a:xfrm>
-            <a:off x="838200" y="1500160"/>
-            <a:ext cx="8848060" cy="4351338"/>
-          </a:xfrm>
-        </p:spPr>
-        <p:txBody>
-          <a:bodyPr/>
-          <a:lstStyle/>
-          <a:p>
-            <a:pPr marL="0" indent="0">
-              <a:buNone/>
-            </a:pPr>
-            <a:r>
-              <a:rPr lang="en-US" dirty="0">
-                <a:solidFill>
-                  <a:srgbClr val="C00000"/>
-                </a:solidFill>
-              </a:rPr>
-              <a:t>A classifier model that will replace the role of humans in the moderating process. This algorithm will classify new posts, determining whether or not they’re appropriate for Reddit. Those that are flagged inappropriate will be removed.</a:t>
-            </a:r>
-          </a:p>
-          <a:p>
-            <a:pPr marL="0" indent="0">
-              <a:buNone/>
-            </a:pPr>
-            <a:endParaRPr lang="en-US" dirty="0">
-              <a:solidFill>
-                <a:srgbClr val="C00000"/>
-              </a:solidFill>
-            </a:endParaRPr>
-          </a:p>
-        </p:txBody>
-      </p:sp>
-      <p:sp>
-        <p:nvSpPr>
-          <p:cNvPr id="4" name="Slide Number Placeholder 3">
-            <a:extLst>
-              <a:ext uri="{FF2B5EF4-FFF2-40B4-BE49-F238E27FC236}">
-                <a16:creationId xmlns:a16="http://schemas.microsoft.com/office/drawing/2014/main" id="{F30CE011-3094-1F2E-34AE-303DC6DE91BB}"/>
-              </a:ext>
-            </a:extLst>
-          </p:cNvPr>
-          <p:cNvSpPr>
-            <a:spLocks noGrp="1"/>
-          </p:cNvSpPr>
-          <p:nvPr>
-            <p:ph type="sldNum" sz="quarter" idx="12"/>
-          </p:nvPr>
-        </p:nvSpPr>
-        <p:spPr/>
-        <p:txBody>
-          <a:bodyPr/>
-          <a:lstStyle/>
-          <a:p>
-            <a:fld id="{20F37917-FD3A-4669-9018-DA04BCDD3D75}" type="slidenum">
-              <a:rPr lang="en-US" smtClean="0"/>
-              <a:t>36</a:t>
-            </a:fld>
-            <a:endParaRPr lang="en-US"/>
-          </a:p>
-        </p:txBody>
-      </p:sp>
-    </p:spTree>
-    <p:extLst>
-      <p:ext uri="{BB962C8B-B14F-4D97-AF65-F5344CB8AC3E}">
-        <p14:creationId xmlns:p14="http://schemas.microsoft.com/office/powerpoint/2010/main" val="3016487885"/>
+        <p14:creationId xmlns:p14="http://schemas.microsoft.com/office/powerpoint/2010/main" val="2140347464"/>
       </p:ext>
     </p:extLst>
   </p:cSld>
@@ -21490,6 +22794,812 @@
           <p:cNvPr id="2" name="Title 1">
             <a:extLst>
               <a:ext uri="{FF2B5EF4-FFF2-40B4-BE49-F238E27FC236}">
+                <a16:creationId xmlns:a16="http://schemas.microsoft.com/office/drawing/2014/main" id="{E743D407-5B53-49A7-9907-E801EA7FFD8E}"/>
+              </a:ext>
+            </a:extLst>
+          </p:cNvPr>
+          <p:cNvSpPr>
+            <a:spLocks noGrp="1"/>
+          </p:cNvSpPr>
+          <p:nvPr>
+            <p:ph type="title"/>
+          </p:nvPr>
+        </p:nvSpPr>
+        <p:spPr/>
+        <p:txBody>
+          <a:bodyPr/>
+          <a:lstStyle/>
+          <a:p>
+            <a:r>
+              <a:rPr lang="en-US" dirty="0"/>
+              <a:t>Learning Goals for this Lesson</a:t>
+            </a:r>
+          </a:p>
+        </p:txBody>
+      </p:sp>
+      <p:sp>
+        <p:nvSpPr>
+          <p:cNvPr id="3" name="Content Placeholder 2">
+            <a:extLst>
+              <a:ext uri="{FF2B5EF4-FFF2-40B4-BE49-F238E27FC236}">
+                <a16:creationId xmlns:a16="http://schemas.microsoft.com/office/drawing/2014/main" id="{AC300E2B-BFD0-4090-AFC5-FE82683F997F}"/>
+              </a:ext>
+            </a:extLst>
+          </p:cNvPr>
+          <p:cNvSpPr>
+            <a:spLocks noGrp="1"/>
+          </p:cNvSpPr>
+          <p:nvPr>
+            <p:ph idx="1"/>
+          </p:nvPr>
+        </p:nvSpPr>
+        <p:spPr>
+          <a:xfrm>
+            <a:off x="838199" y="1500160"/>
+            <a:ext cx="10515599" cy="4351338"/>
+          </a:xfrm>
+        </p:spPr>
+        <p:txBody>
+          <a:bodyPr>
+            <a:normAutofit lnSpcReduction="10000"/>
+          </a:bodyPr>
+          <a:lstStyle/>
+          <a:p>
+            <a:r>
+              <a:rPr lang="en-US" dirty="0"/>
+              <a:t>At the end of this lesson, you should be able to</a:t>
+            </a:r>
+          </a:p>
+          <a:p>
+            <a:pPr lvl="1"/>
+            <a:r>
+              <a:rPr lang="en-US" dirty="0"/>
+              <a:t>Appreciate the requirements analysis process. This includes being able to:</a:t>
+            </a:r>
+          </a:p>
+          <a:p>
+            <a:pPr lvl="2"/>
+            <a:r>
+              <a:rPr lang="en-US" dirty="0"/>
+              <a:t>explain the overall purposes of requirements analysis.</a:t>
+            </a:r>
+          </a:p>
+          <a:p>
+            <a:pPr lvl="2"/>
+            <a:r>
+              <a:rPr lang="en-US" dirty="0"/>
+              <a:t>enumerate and explain 3 major dimensions of risk in Requirements Analysis.</a:t>
+            </a:r>
+          </a:p>
+          <a:p>
+            <a:pPr lvl="1"/>
+            <a:r>
+              <a:rPr lang="en-US" dirty="0"/>
+              <a:t>Learn requirements specification tools. This includes being able to:</a:t>
+            </a:r>
+          </a:p>
+          <a:p>
+            <a:pPr lvl="2"/>
+            <a:r>
+              <a:rPr lang="en-US" dirty="0"/>
+              <a:t>document requirements user stories.</a:t>
+            </a:r>
+          </a:p>
+          <a:p>
+            <a:pPr lvl="2"/>
+            <a:r>
+              <a:rPr lang="en-US" dirty="0"/>
+              <a:t>track the completion of requirements using conditions of satisfaction.</a:t>
+            </a:r>
+          </a:p>
+          <a:p>
+            <a:pPr lvl="2"/>
+            <a:r>
+              <a:rPr lang="en-US" dirty="0"/>
+              <a:t>explain the difference between functional and non-functional requirements.</a:t>
+            </a:r>
+          </a:p>
+          <a:p>
+            <a:pPr lvl="1"/>
+            <a:r>
+              <a:rPr lang="en-US" dirty="0"/>
+              <a:t>Understand requirements gathering methods. This includes being able to:</a:t>
+            </a:r>
+          </a:p>
+          <a:p>
+            <a:pPr lvl="2"/>
+            <a:r>
+              <a:rPr lang="en-US" dirty="0"/>
+              <a:t>describe Value Sensitive Design (VSD).</a:t>
+            </a:r>
+          </a:p>
+          <a:p>
+            <a:pPr lvl="2"/>
+            <a:r>
+              <a:rPr lang="en-US" dirty="0"/>
+              <a:t>understand how VSD is applied to reason about requirements.</a:t>
+            </a:r>
+          </a:p>
+          <a:p>
+            <a:pPr lvl="2"/>
+            <a:r>
+              <a:rPr lang="en-US" dirty="0"/>
+              <a:t>integrate VSD with user stories.</a:t>
+            </a:r>
+          </a:p>
+        </p:txBody>
+      </p:sp>
+      <p:sp>
+        <p:nvSpPr>
+          <p:cNvPr id="4" name="Slide Number Placeholder 3">
+            <a:extLst>
+              <a:ext uri="{FF2B5EF4-FFF2-40B4-BE49-F238E27FC236}">
+                <a16:creationId xmlns:a16="http://schemas.microsoft.com/office/drawing/2014/main" id="{B7BF3F82-6F96-41E0-9C15-23CE00076176}"/>
+              </a:ext>
+            </a:extLst>
+          </p:cNvPr>
+          <p:cNvSpPr>
+            <a:spLocks noGrp="1"/>
+          </p:cNvSpPr>
+          <p:nvPr>
+            <p:ph type="sldNum" sz="quarter" idx="12"/>
+          </p:nvPr>
+        </p:nvSpPr>
+        <p:spPr/>
+        <p:txBody>
+          <a:bodyPr/>
+          <a:lstStyle/>
+          <a:p>
+            <a:fld id="{20F37917-FD3A-4669-9018-DA04BCDD3D75}" type="slidenum">
+              <a:rPr lang="en-US" smtClean="0"/>
+              <a:t>37</a:t>
+            </a:fld>
+            <a:endParaRPr lang="en-US" dirty="0"/>
+          </a:p>
+        </p:txBody>
+      </p:sp>
+    </p:spTree>
+    <p:extLst>
+      <p:ext uri="{BB962C8B-B14F-4D97-AF65-F5344CB8AC3E}">
+        <p14:creationId xmlns:p14="http://schemas.microsoft.com/office/powerpoint/2010/main" val="1527510242"/>
+      </p:ext>
+    </p:extLst>
+  </p:cSld>
+  <p:clrMapOvr>
+    <a:masterClrMapping/>
+  </p:clrMapOvr>
+</p:sld>
+</file>
+
+<file path=ppt/slides/slide38.xml><?xml version="1.0" encoding="utf-8"?>
+<p:sld xmlns:a="http://schemas.openxmlformats.org/drawingml/2006/main" xmlns:r="http://schemas.openxmlformats.org/officeDocument/2006/relationships" xmlns:p="http://schemas.openxmlformats.org/presentationml/2006/main" show="0">
+  <p:cSld>
+    <p:spTree>
+      <p:nvGrpSpPr>
+        <p:cNvPr id="1" name=""/>
+        <p:cNvGrpSpPr/>
+        <p:nvPr/>
+      </p:nvGrpSpPr>
+      <p:grpSpPr>
+        <a:xfrm>
+          <a:off x="0" y="0"/>
+          <a:ext cx="0" cy="0"/>
+          <a:chOff x="0" y="0"/>
+          <a:chExt cx="0" cy="0"/>
+        </a:xfrm>
+      </p:grpSpPr>
+      <p:sp>
+        <p:nvSpPr>
+          <p:cNvPr id="2" name="Title 1">
+            <a:extLst>
+              <a:ext uri="{FF2B5EF4-FFF2-40B4-BE49-F238E27FC236}">
+                <a16:creationId xmlns:a16="http://schemas.microsoft.com/office/drawing/2014/main" id="{6D7FE7B3-C6CB-6B03-07B9-822FC3676710}"/>
+              </a:ext>
+            </a:extLst>
+          </p:cNvPr>
+          <p:cNvSpPr>
+            <a:spLocks noGrp="1"/>
+          </p:cNvSpPr>
+          <p:nvPr>
+            <p:ph type="title"/>
+          </p:nvPr>
+        </p:nvSpPr>
+        <p:spPr/>
+        <p:txBody>
+          <a:bodyPr>
+            <a:normAutofit/>
+          </a:bodyPr>
+          <a:lstStyle/>
+          <a:p>
+            <a:r>
+              <a:rPr lang="en-US" dirty="0"/>
+              <a:t>Motivating Example – Informed Consent</a:t>
+            </a:r>
+          </a:p>
+        </p:txBody>
+      </p:sp>
+      <p:sp>
+        <p:nvSpPr>
+          <p:cNvPr id="3" name="Content Placeholder 2">
+            <a:extLst>
+              <a:ext uri="{FF2B5EF4-FFF2-40B4-BE49-F238E27FC236}">
+                <a16:creationId xmlns:a16="http://schemas.microsoft.com/office/drawing/2014/main" id="{B78E0F47-C40D-AF55-04F9-C6043963616F}"/>
+              </a:ext>
+            </a:extLst>
+          </p:cNvPr>
+          <p:cNvSpPr>
+            <a:spLocks noGrp="1"/>
+          </p:cNvSpPr>
+          <p:nvPr>
+            <p:ph idx="1"/>
+          </p:nvPr>
+        </p:nvSpPr>
+        <p:spPr>
+          <a:xfrm>
+            <a:off x="838200" y="1500160"/>
+            <a:ext cx="10400414" cy="4856190"/>
+          </a:xfrm>
+        </p:spPr>
+        <p:txBody>
+          <a:bodyPr>
+            <a:normAutofit lnSpcReduction="10000"/>
+          </a:bodyPr>
+          <a:lstStyle/>
+          <a:p>
+            <a:r>
+              <a:rPr lang="en-US" dirty="0"/>
+              <a:t>Design choices made during developing software (or any technology) often implicate human values!</a:t>
+            </a:r>
+          </a:p>
+          <a:p>
+            <a:r>
+              <a:rPr lang="en-US" dirty="0"/>
+              <a:t>Ignoring values in the requirements and design process is </a:t>
+            </a:r>
+            <a:r>
+              <a:rPr lang="en-US" b="1" dirty="0"/>
+              <a:t>irresponsible</a:t>
+            </a:r>
+            <a:r>
+              <a:rPr lang="en-US" dirty="0"/>
+              <a:t>.</a:t>
+            </a:r>
+          </a:p>
+          <a:p>
+            <a:r>
+              <a:rPr lang="en-US" dirty="0"/>
+              <a:t>A Human Value Example: </a:t>
+            </a:r>
+            <a:r>
+              <a:rPr lang="en-US" b="1" dirty="0"/>
+              <a:t>Informed Consent</a:t>
+            </a:r>
+          </a:p>
+          <a:p>
+            <a:pPr lvl="1"/>
+            <a:r>
+              <a:rPr lang="en-US" dirty="0"/>
+              <a:t>Most websites collect vast amounts of information about users, who have no control over: what information is collected/accessed/used/sold/etc.</a:t>
+            </a:r>
+          </a:p>
+          <a:p>
+            <a:pPr lvl="1"/>
+            <a:r>
+              <a:rPr lang="en-US" dirty="0"/>
+              <a:t>A VSD approach to informed consent would emphasizes </a:t>
+            </a:r>
+            <a:r>
+              <a:rPr lang="en-US" b="1" dirty="0"/>
+              <a:t>transparency, user control and understanding</a:t>
+            </a:r>
+            <a:r>
+              <a:rPr lang="en-US" dirty="0"/>
+              <a:t>.</a:t>
+            </a:r>
+          </a:p>
+          <a:p>
+            <a:pPr lvl="1"/>
+            <a:r>
+              <a:rPr lang="en-US" dirty="0"/>
+              <a:t>Web </a:t>
+            </a:r>
+            <a:r>
+              <a:rPr lang="en-US" i="1" dirty="0"/>
+              <a:t>cookies</a:t>
+            </a:r>
+            <a:r>
+              <a:rPr lang="en-US" dirty="0"/>
+              <a:t> and </a:t>
+            </a:r>
+            <a:r>
+              <a:rPr lang="en-US" i="1" dirty="0"/>
+              <a:t>browser security</a:t>
+            </a:r>
+            <a:r>
+              <a:rPr lang="en-US" dirty="0"/>
+              <a:t> mechanisms represent solutions to implement the principle of informed consent.  </a:t>
+            </a:r>
+          </a:p>
+          <a:p>
+            <a:r>
+              <a:rPr lang="en-US" dirty="0"/>
+              <a:t>To consider human values during design, we need to understand </a:t>
+            </a:r>
+            <a:r>
+              <a:rPr lang="en-US" b="1" i="1" dirty="0"/>
+              <a:t>what</a:t>
+            </a:r>
+            <a:r>
+              <a:rPr lang="en-US" dirty="0"/>
+              <a:t> they means generally and in the specific </a:t>
+            </a:r>
+            <a:r>
+              <a:rPr lang="en-US" b="1" i="1" dirty="0"/>
+              <a:t>context </a:t>
+            </a:r>
+            <a:r>
+              <a:rPr lang="en-US" dirty="0"/>
+              <a:t>of technology</a:t>
+            </a:r>
+          </a:p>
+        </p:txBody>
+      </p:sp>
+      <p:sp>
+        <p:nvSpPr>
+          <p:cNvPr id="4" name="Slide Number Placeholder 3">
+            <a:extLst>
+              <a:ext uri="{FF2B5EF4-FFF2-40B4-BE49-F238E27FC236}">
+                <a16:creationId xmlns:a16="http://schemas.microsoft.com/office/drawing/2014/main" id="{F781C33C-0916-3DED-5FA4-D82F64A35D84}"/>
+              </a:ext>
+            </a:extLst>
+          </p:cNvPr>
+          <p:cNvSpPr>
+            <a:spLocks noGrp="1"/>
+          </p:cNvSpPr>
+          <p:nvPr>
+            <p:ph type="sldNum" sz="quarter" idx="12"/>
+          </p:nvPr>
+        </p:nvSpPr>
+        <p:spPr/>
+        <p:txBody>
+          <a:bodyPr/>
+          <a:lstStyle/>
+          <a:p>
+            <a:fld id="{20F37917-FD3A-4669-9018-DA04BCDD3D75}" type="slidenum">
+              <a:rPr lang="en-US" smtClean="0"/>
+              <a:t>38</a:t>
+            </a:fld>
+            <a:endParaRPr lang="en-US"/>
+          </a:p>
+        </p:txBody>
+      </p:sp>
+    </p:spTree>
+    <p:extLst>
+      <p:ext uri="{BB962C8B-B14F-4D97-AF65-F5344CB8AC3E}">
+        <p14:creationId xmlns:p14="http://schemas.microsoft.com/office/powerpoint/2010/main" val="1106144208"/>
+      </p:ext>
+    </p:extLst>
+  </p:cSld>
+  <p:clrMapOvr>
+    <a:masterClrMapping/>
+  </p:clrMapOvr>
+</p:sld>
+</file>
+
+<file path=ppt/slides/slide39.xml><?xml version="1.0" encoding="utf-8"?>
+<p:sld xmlns:a="http://schemas.openxmlformats.org/drawingml/2006/main" xmlns:r="http://schemas.openxmlformats.org/officeDocument/2006/relationships" xmlns:p="http://schemas.openxmlformats.org/presentationml/2006/main" show="0">
+  <p:cSld>
+    <p:spTree>
+      <p:nvGrpSpPr>
+        <p:cNvPr id="1" name=""/>
+        <p:cNvGrpSpPr/>
+        <p:nvPr/>
+      </p:nvGrpSpPr>
+      <p:grpSpPr>
+        <a:xfrm>
+          <a:off x="0" y="0"/>
+          <a:ext cx="0" cy="0"/>
+          <a:chOff x="0" y="0"/>
+          <a:chExt cx="0" cy="0"/>
+        </a:xfrm>
+      </p:grpSpPr>
+      <p:sp>
+        <p:nvSpPr>
+          <p:cNvPr id="2" name="Title 1">
+            <a:extLst>
+              <a:ext uri="{FF2B5EF4-FFF2-40B4-BE49-F238E27FC236}">
+                <a16:creationId xmlns:a16="http://schemas.microsoft.com/office/drawing/2014/main" id="{6E08092E-8BB8-B48B-3BAB-ABDF1BE728C6}"/>
+              </a:ext>
+            </a:extLst>
+          </p:cNvPr>
+          <p:cNvSpPr>
+            <a:spLocks noGrp="1"/>
+          </p:cNvSpPr>
+          <p:nvPr>
+            <p:ph type="title"/>
+          </p:nvPr>
+        </p:nvSpPr>
+        <p:spPr/>
+        <p:txBody>
+          <a:bodyPr/>
+          <a:lstStyle/>
+          <a:p>
+            <a:r>
+              <a:rPr lang="en-US" dirty="0"/>
+              <a:t>Example: The Reddit Case Study</a:t>
+            </a:r>
+          </a:p>
+        </p:txBody>
+      </p:sp>
+      <p:sp>
+        <p:nvSpPr>
+          <p:cNvPr id="3" name="Content Placeholder 2">
+            <a:extLst>
+              <a:ext uri="{FF2B5EF4-FFF2-40B4-BE49-F238E27FC236}">
+                <a16:creationId xmlns:a16="http://schemas.microsoft.com/office/drawing/2014/main" id="{A1628D1E-4883-1046-9135-0DBD842CD0FD}"/>
+              </a:ext>
+            </a:extLst>
+          </p:cNvPr>
+          <p:cNvSpPr>
+            <a:spLocks noGrp="1"/>
+          </p:cNvSpPr>
+          <p:nvPr>
+            <p:ph idx="1"/>
+          </p:nvPr>
+        </p:nvSpPr>
+        <p:spPr>
+          <a:xfrm>
+            <a:off x="838200" y="1500160"/>
+            <a:ext cx="8848060" cy="4351338"/>
+          </a:xfrm>
+        </p:spPr>
+        <p:txBody>
+          <a:bodyPr/>
+          <a:lstStyle/>
+          <a:p>
+            <a:pPr marL="0" indent="0">
+              <a:buNone/>
+            </a:pPr>
+            <a:r>
+              <a:rPr lang="en-US" dirty="0">
+                <a:solidFill>
+                  <a:srgbClr val="C00000"/>
+                </a:solidFill>
+              </a:rPr>
+              <a:t>A classifier model that will replace the role of humans in the moderating process. This algorithm will classify new posts, determining whether or not they’re appropriate for Reddit. Those that are flagged inappropriate will be removed.</a:t>
+            </a:r>
+          </a:p>
+          <a:p>
+            <a:pPr marL="0" indent="0">
+              <a:buNone/>
+            </a:pPr>
+            <a:endParaRPr lang="en-US" dirty="0">
+              <a:solidFill>
+                <a:srgbClr val="C00000"/>
+              </a:solidFill>
+            </a:endParaRPr>
+          </a:p>
+        </p:txBody>
+      </p:sp>
+      <p:sp>
+        <p:nvSpPr>
+          <p:cNvPr id="4" name="Slide Number Placeholder 3">
+            <a:extLst>
+              <a:ext uri="{FF2B5EF4-FFF2-40B4-BE49-F238E27FC236}">
+                <a16:creationId xmlns:a16="http://schemas.microsoft.com/office/drawing/2014/main" id="{F30CE011-3094-1F2E-34AE-303DC6DE91BB}"/>
+              </a:ext>
+            </a:extLst>
+          </p:cNvPr>
+          <p:cNvSpPr>
+            <a:spLocks noGrp="1"/>
+          </p:cNvSpPr>
+          <p:nvPr>
+            <p:ph type="sldNum" sz="quarter" idx="12"/>
+          </p:nvPr>
+        </p:nvSpPr>
+        <p:spPr/>
+        <p:txBody>
+          <a:bodyPr/>
+          <a:lstStyle/>
+          <a:p>
+            <a:fld id="{20F37917-FD3A-4669-9018-DA04BCDD3D75}" type="slidenum">
+              <a:rPr lang="en-US" smtClean="0"/>
+              <a:t>39</a:t>
+            </a:fld>
+            <a:endParaRPr lang="en-US"/>
+          </a:p>
+        </p:txBody>
+      </p:sp>
+    </p:spTree>
+    <p:extLst>
+      <p:ext uri="{BB962C8B-B14F-4D97-AF65-F5344CB8AC3E}">
+        <p14:creationId xmlns:p14="http://schemas.microsoft.com/office/powerpoint/2010/main" val="3016487885"/>
+      </p:ext>
+    </p:extLst>
+  </p:cSld>
+  <p:clrMapOvr>
+    <a:masterClrMapping/>
+  </p:clrMapOvr>
+</p:sld>
+</file>
+
+<file path=ppt/slides/slide4.xml><?xml version="1.0" encoding="utf-8"?>
+<p:sld xmlns:a="http://schemas.openxmlformats.org/drawingml/2006/main" xmlns:r="http://schemas.openxmlformats.org/officeDocument/2006/relationships" xmlns:p="http://schemas.openxmlformats.org/presentationml/2006/main">
+  <p:cSld>
+    <p:spTree>
+      <p:nvGrpSpPr>
+        <p:cNvPr id="1" name=""/>
+        <p:cNvGrpSpPr/>
+        <p:nvPr/>
+      </p:nvGrpSpPr>
+      <p:grpSpPr>
+        <a:xfrm>
+          <a:off x="0" y="0"/>
+          <a:ext cx="0" cy="0"/>
+          <a:chOff x="0" y="0"/>
+          <a:chExt cx="0" cy="0"/>
+        </a:xfrm>
+      </p:grpSpPr>
+      <p:sp>
+        <p:nvSpPr>
+          <p:cNvPr id="5121" name="Rectangle 1">
+            <a:extLst>
+              <a:ext uri="{FF2B5EF4-FFF2-40B4-BE49-F238E27FC236}">
+                <a16:creationId xmlns:a16="http://schemas.microsoft.com/office/drawing/2014/main" id="{FCD54966-636B-40B8-9A0B-F5A7E500E446}"/>
+              </a:ext>
+            </a:extLst>
+          </p:cNvPr>
+          <p:cNvSpPr>
+            <a:spLocks noGrp="1" noChangeArrowheads="1"/>
+          </p:cNvSpPr>
+          <p:nvPr>
+            <p:ph type="title"/>
+          </p:nvPr>
+        </p:nvSpPr>
+        <p:spPr/>
+        <p:txBody>
+          <a:bodyPr/>
+          <a:lstStyle/>
+          <a:p>
+            <a:r>
+              <a:rPr lang="en-US" altLang="en-US" dirty="0"/>
+              <a:t>Why is requirements analysis hard?</a:t>
+            </a:r>
+          </a:p>
+        </p:txBody>
+      </p:sp>
+      <p:graphicFrame>
+        <p:nvGraphicFramePr>
+          <p:cNvPr id="5125" name="Rectangle 2">
+            <a:extLst>
+              <a:ext uri="{FF2B5EF4-FFF2-40B4-BE49-F238E27FC236}">
+                <a16:creationId xmlns:a16="http://schemas.microsoft.com/office/drawing/2014/main" id="{042DA56E-1CBE-437C-8295-D010F5813C74}"/>
+              </a:ext>
+            </a:extLst>
+          </p:cNvPr>
+          <p:cNvGraphicFramePr>
+            <a:graphicFrameLocks noGrp="1"/>
+          </p:cNvGraphicFramePr>
+          <p:nvPr>
+            <p:ph idx="1"/>
+            <p:extLst>
+              <p:ext uri="{D42A27DB-BD31-4B8C-83A1-F6EECF244321}">
+                <p14:modId xmlns:p14="http://schemas.microsoft.com/office/powerpoint/2010/main" val="2305565379"/>
+              </p:ext>
+            </p:extLst>
+          </p:nvPr>
+        </p:nvGraphicFramePr>
+        <p:xfrm>
+          <a:off x="838200" y="1500188"/>
+          <a:ext cx="7886700" cy="4351337"/>
+        </p:xfrm>
+        <a:graphic>
+          <a:graphicData uri="http://schemas.openxmlformats.org/drawingml/2006/diagram">
+            <dgm:relIds xmlns:dgm="http://schemas.openxmlformats.org/drawingml/2006/diagram" xmlns:r="http://schemas.openxmlformats.org/officeDocument/2006/relationships" r:dm="rId3" r:lo="rId4" r:qs="rId5" r:cs="rId6"/>
+          </a:graphicData>
+        </a:graphic>
+      </p:graphicFrame>
+      <p:sp>
+        <p:nvSpPr>
+          <p:cNvPr id="5123" name="Text Box 3">
+            <a:extLst>
+              <a:ext uri="{FF2B5EF4-FFF2-40B4-BE49-F238E27FC236}">
+                <a16:creationId xmlns:a16="http://schemas.microsoft.com/office/drawing/2014/main" id="{F4B0D1A4-82AE-4AEF-B842-9318DCC0894D}"/>
+              </a:ext>
+            </a:extLst>
+          </p:cNvPr>
+          <p:cNvSpPr txBox="1">
+            <a:spLocks/>
+          </p:cNvSpPr>
+          <p:nvPr/>
+        </p:nvSpPr>
+        <p:spPr bwMode="auto">
+          <a:xfrm>
+            <a:off x="10232600" y="6454704"/>
+            <a:ext cx="136256" cy="223587"/>
+          </a:xfrm>
+          <a:prstGeom prst="rect">
+            <a:avLst/>
+          </a:prstGeom>
+          <a:noFill/>
+          <a:ln>
+            <a:noFill/>
+          </a:ln>
+          <a:effectLst/>
+          <a:extLst>
+            <a:ext uri="{909E8E84-426E-40DD-AFC4-6F175D3DCCD1}">
+              <a14:hiddenFill xmlns:a14="http://schemas.microsoft.com/office/drawing/2010/main">
+                <a:solidFill>
+                  <a:srgbClr val="FFFFFF"/>
+                </a:solidFill>
+              </a14:hiddenFill>
+            </a:ext>
+            <a:ext uri="{91240B29-F687-4F45-9708-019B960494DF}">
+              <a14:hiddenLine xmlns:a14="http://schemas.microsoft.com/office/drawing/2010/main" w="12700" cap="flat" cmpd="sng">
+                <a:solidFill>
+                  <a:srgbClr val="000000"/>
+                </a:solidFill>
+                <a:prstDash val="solid"/>
+                <a:miter lim="400000"/>
+                <a:headEnd type="none" w="med" len="med"/>
+                <a:tailEnd type="none" w="med" len="med"/>
+              </a14:hiddenLine>
+            </a:ext>
+            <a:ext uri="{AF507438-7753-43E0-B8FC-AC1667EBCBE1}">
+              <a14:hiddenEffects xmlns:a14="http://schemas.microsoft.com/office/drawing/2010/main">
+                <a:effectLst>
+                  <a:outerShdw dist="35921" dir="2700000" algn="ctr" rotWithShape="0">
+                    <a:srgbClr val="808080"/>
+                  </a:outerShdw>
+                </a:effectLst>
+              </a14:hiddenEffects>
+            </a:ext>
+          </a:extLst>
+        </p:spPr>
+        <p:txBody>
+          <a:bodyPr wrap="none" lIns="35719" tIns="35719" rIns="35719" bIns="35719" anchor="b">
+            <a:spAutoFit/>
+          </a:bodyPr>
+          <a:lstStyle/>
+          <a:p>
+            <a:pPr algn="r"/>
+            <a:fld id="{0BB2D644-9BFF-4E58-8C26-7B6E68779C53}" type="slidenum">
+              <a:rPr lang="en-US" altLang="en-US" sz="984">
+                <a:latin typeface="Calibri Light" panose="020F0302020204030204" pitchFamily="34" charset="0"/>
+                <a:ea typeface="Helvetica Neue" charset="0"/>
+                <a:cs typeface="Calibri Light" panose="020F0302020204030204" pitchFamily="34" charset="0"/>
+                <a:sym typeface="Helvetica Neue" charset="0"/>
+              </a:rPr>
+              <a:pPr algn="r"/>
+              <a:t>4</a:t>
+            </a:fld>
+            <a:endParaRPr lang="en-US" altLang="en-US" sz="984" dirty="0">
+              <a:latin typeface="Calibri Light" panose="020F0302020204030204" pitchFamily="34" charset="0"/>
+              <a:ea typeface="Helvetica Neue" charset="0"/>
+              <a:cs typeface="Calibri Light" panose="020F0302020204030204" pitchFamily="34" charset="0"/>
+              <a:sym typeface="Helvetica Neue" charset="0"/>
+            </a:endParaRPr>
+          </a:p>
+        </p:txBody>
+      </p:sp>
+      <p:pic>
+        <p:nvPicPr>
+          <p:cNvPr id="2" name="Picture 1">
+            <a:extLst>
+              <a:ext uri="{FF2B5EF4-FFF2-40B4-BE49-F238E27FC236}">
+                <a16:creationId xmlns:a16="http://schemas.microsoft.com/office/drawing/2014/main" id="{20C0AE1E-00E3-4942-9AAD-E05E6117B462}"/>
+              </a:ext>
+            </a:extLst>
+          </p:cNvPr>
+          <p:cNvPicPr>
+            <a:picLocks noChangeAspect="1"/>
+          </p:cNvPicPr>
+          <p:nvPr/>
+        </p:nvPicPr>
+        <p:blipFill rotWithShape="1">
+          <a:blip r:embed="rId8"/>
+          <a:srcRect r="48948"/>
+          <a:stretch/>
+        </p:blipFill>
+        <p:spPr>
+          <a:xfrm>
+            <a:off x="8825548" y="1524000"/>
+            <a:ext cx="1037381" cy="1905000"/>
+          </a:xfrm>
+          <a:prstGeom prst="rect">
+            <a:avLst/>
+          </a:prstGeom>
+        </p:spPr>
+      </p:pic>
+      <p:pic>
+        <p:nvPicPr>
+          <p:cNvPr id="3" name="Picture 2">
+            <a:extLst>
+              <a:ext uri="{FF2B5EF4-FFF2-40B4-BE49-F238E27FC236}">
+                <a16:creationId xmlns:a16="http://schemas.microsoft.com/office/drawing/2014/main" id="{9D0ABD5D-EBC5-AD4A-89E8-3DBE63E03806}"/>
+              </a:ext>
+            </a:extLst>
+          </p:cNvPr>
+          <p:cNvPicPr>
+            <a:picLocks noChangeAspect="1"/>
+          </p:cNvPicPr>
+          <p:nvPr/>
+        </p:nvPicPr>
+        <p:blipFill>
+          <a:blip r:embed="rId9"/>
+          <a:stretch>
+            <a:fillRect/>
+          </a:stretch>
+        </p:blipFill>
+        <p:spPr>
+          <a:xfrm>
+            <a:off x="8829889" y="4010047"/>
+            <a:ext cx="1028700" cy="1943100"/>
+          </a:xfrm>
+          <a:prstGeom prst="rect">
+            <a:avLst/>
+          </a:prstGeom>
+        </p:spPr>
+      </p:pic>
+      <p:pic>
+        <p:nvPicPr>
+          <p:cNvPr id="8" name="Picture 7">
+            <a:extLst>
+              <a:ext uri="{FF2B5EF4-FFF2-40B4-BE49-F238E27FC236}">
+                <a16:creationId xmlns:a16="http://schemas.microsoft.com/office/drawing/2014/main" id="{A3A69FEC-CE32-4A48-BD47-A3E23897431C}"/>
+              </a:ext>
+            </a:extLst>
+          </p:cNvPr>
+          <p:cNvPicPr>
+            <a:picLocks noChangeAspect="1"/>
+          </p:cNvPicPr>
+          <p:nvPr/>
+        </p:nvPicPr>
+        <p:blipFill rotWithShape="1">
+          <a:blip r:embed="rId8"/>
+          <a:srcRect l="48948" b="1704"/>
+          <a:stretch/>
+        </p:blipFill>
+        <p:spPr>
+          <a:xfrm>
+            <a:off x="9971456" y="2739560"/>
+            <a:ext cx="1037381" cy="1872538"/>
+          </a:xfrm>
+          <a:prstGeom prst="rect">
+            <a:avLst/>
+          </a:prstGeom>
+        </p:spPr>
+      </p:pic>
+    </p:spTree>
+  </p:cSld>
+  <p:clrMapOvr>
+    <a:masterClrMapping/>
+  </p:clrMapOvr>
+</p:sld>
+</file>
+
+<file path=ppt/slides/slide40.xml><?xml version="1.0" encoding="utf-8"?>
+<p:sld xmlns:a="http://schemas.openxmlformats.org/drawingml/2006/main" xmlns:r="http://schemas.openxmlformats.org/officeDocument/2006/relationships" xmlns:p="http://schemas.openxmlformats.org/presentationml/2006/main" show="0">
+  <p:cSld>
+    <p:spTree>
+      <p:nvGrpSpPr>
+        <p:cNvPr id="1" name=""/>
+        <p:cNvGrpSpPr/>
+        <p:nvPr/>
+      </p:nvGrpSpPr>
+      <p:grpSpPr>
+        <a:xfrm>
+          <a:off x="0" y="0"/>
+          <a:ext cx="0" cy="0"/>
+          <a:chOff x="0" y="0"/>
+          <a:chExt cx="0" cy="0"/>
+        </a:xfrm>
+      </p:grpSpPr>
+      <p:sp>
+        <p:nvSpPr>
+          <p:cNvPr id="2" name="Title 1">
+            <a:extLst>
+              <a:ext uri="{FF2B5EF4-FFF2-40B4-BE49-F238E27FC236}">
                 <a16:creationId xmlns:a16="http://schemas.microsoft.com/office/drawing/2014/main" id="{2A38125C-16A4-CB12-F2D2-F6A6C60B5A3A}"/>
               </a:ext>
             </a:extLst>
@@ -21595,7 +23705,7 @@
           <a:p>
             <a:fld id="{20F37917-FD3A-4669-9018-DA04BCDD3D75}" type="slidenum">
               <a:rPr lang="en-US" smtClean="0"/>
-              <a:t>37</a:t>
+              <a:t>40</a:t>
             </a:fld>
             <a:endParaRPr lang="en-US"/>
           </a:p>
@@ -21794,37 +23904,36 @@
           </a:lstStyle>
           <a:p>
             <a:r>
-              <a:rPr lang="en-US"/>
+              <a:rPr lang="en-US" dirty="0"/>
               <a:t>Reflect on the sources of data</a:t>
             </a:r>
           </a:p>
           <a:p>
             <a:pPr lvl="1"/>
             <a:r>
-              <a:rPr lang="en-US"/>
+              <a:rPr lang="en-US" dirty="0"/>
               <a:t>Is the dataset representative of the language we want removed?</a:t>
             </a:r>
           </a:p>
           <a:p>
             <a:pPr lvl="1"/>
             <a:r>
-              <a:rPr lang="en-US"/>
+              <a:rPr lang="en-US" dirty="0"/>
               <a:t>Are there any sources of biases or disparities that in this data that we should be considering?</a:t>
             </a:r>
           </a:p>
           <a:p>
             <a:r>
-              <a:rPr lang="en-US"/>
+              <a:rPr lang="en-US" dirty="0"/>
               <a:t>Complications</a:t>
             </a:r>
           </a:p>
           <a:p>
             <a:pPr lvl="1"/>
             <a:r>
-              <a:rPr lang="en-US"/>
+              <a:rPr lang="en-US" dirty="0"/>
               <a:t>Given the contextual nature of offensive speech, what complications or problems can arise from this model?</a:t>
             </a:r>
-            <a:endParaRPr lang="en-US" dirty="0"/>
           </a:p>
         </p:txBody>
       </p:sp>
@@ -21841,8 +23950,8 @@
 </p:sld>
 </file>
 
-<file path=ppt/slides/slide38.xml><?xml version="1.0" encoding="utf-8"?>
-<p:sld xmlns:a="http://schemas.openxmlformats.org/drawingml/2006/main" xmlns:r="http://schemas.openxmlformats.org/officeDocument/2006/relationships" xmlns:p="http://schemas.openxmlformats.org/presentationml/2006/main">
+<file path=ppt/slides/slide41.xml><?xml version="1.0" encoding="utf-8"?>
+<p:sld xmlns:a="http://schemas.openxmlformats.org/drawingml/2006/main" xmlns:r="http://schemas.openxmlformats.org/officeDocument/2006/relationships" xmlns:p="http://schemas.openxmlformats.org/presentationml/2006/main" show="0">
   <p:cSld>
     <p:spTree>
       <p:nvGrpSpPr>
@@ -21978,7 +24087,7 @@
           <a:p>
             <a:fld id="{20F37917-FD3A-4669-9018-DA04BCDD3D75}" type="slidenum">
               <a:rPr lang="en-US" smtClean="0"/>
-              <a:t>38</a:t>
+              <a:t>41</a:t>
             </a:fld>
             <a:endParaRPr lang="en-US"/>
           </a:p>
@@ -21997,8 +24106,8 @@
 </p:sld>
 </file>
 
-<file path=ppt/slides/slide39.xml><?xml version="1.0" encoding="utf-8"?>
-<p:sld xmlns:a="http://schemas.openxmlformats.org/drawingml/2006/main" xmlns:r="http://schemas.openxmlformats.org/officeDocument/2006/relationships" xmlns:p="http://schemas.openxmlformats.org/presentationml/2006/main">
+<file path=ppt/slides/slide42.xml><?xml version="1.0" encoding="utf-8"?>
+<p:sld xmlns:a="http://schemas.openxmlformats.org/drawingml/2006/main" xmlns:r="http://schemas.openxmlformats.org/officeDocument/2006/relationships" xmlns:p="http://schemas.openxmlformats.org/presentationml/2006/main" show="0">
   <p:cSld>
     <p:spTree>
       <p:nvGrpSpPr>
@@ -22129,7 +24238,7 @@
           <a:p>
             <a:fld id="{20F37917-FD3A-4669-9018-DA04BCDD3D75}" type="slidenum">
               <a:rPr lang="en-US" smtClean="0"/>
-              <a:t>39</a:t>
+              <a:t>42</a:t>
             </a:fld>
             <a:endParaRPr lang="en-US"/>
           </a:p>
@@ -22148,8 +24257,8 @@
 </p:sld>
 </file>
 
-<file path=ppt/slides/slide4.xml><?xml version="1.0" encoding="utf-8"?>
-<p:sld xmlns:a="http://schemas.openxmlformats.org/drawingml/2006/main" xmlns:r="http://schemas.openxmlformats.org/officeDocument/2006/relationships" xmlns:p="http://schemas.openxmlformats.org/presentationml/2006/main">
+<file path=ppt/slides/slide43.xml><?xml version="1.0" encoding="utf-8"?>
+<p:sld xmlns:a="http://schemas.openxmlformats.org/drawingml/2006/main" xmlns:r="http://schemas.openxmlformats.org/officeDocument/2006/relationships" xmlns:p="http://schemas.openxmlformats.org/presentationml/2006/main" show="0">
   <p:cSld>
     <p:spTree>
       <p:nvGrpSpPr>
@@ -22167,15 +24276,15 @@
       </p:grpSpPr>
       <p:sp>
         <p:nvSpPr>
-          <p:cNvPr id="5121" name="Rectangle 1">
+          <p:cNvPr id="2" name="Title 1">
             <a:extLst>
               <a:ext uri="{FF2B5EF4-FFF2-40B4-BE49-F238E27FC236}">
-                <a16:creationId xmlns:a16="http://schemas.microsoft.com/office/drawing/2014/main" id="{FCD54966-636B-40B8-9A0B-F5A7E500E446}"/>
+                <a16:creationId xmlns:a16="http://schemas.microsoft.com/office/drawing/2014/main" id="{3D677602-B4CF-BDC8-DDE2-14B6FB2174BF}"/>
               </a:ext>
             </a:extLst>
           </p:cNvPr>
           <p:cNvSpPr>
-            <a:spLocks noGrp="1" noChangeArrowheads="1"/>
+            <a:spLocks noGrp="1"/>
           </p:cNvSpPr>
           <p:nvPr>
             <p:ph type="title"/>
@@ -22187,215 +24296,111 @@
           <a:lstStyle/>
           <a:p>
             <a:r>
-              <a:rPr lang="en-US" altLang="en-US" dirty="0"/>
-              <a:t>Why is requirements analysis hard?</a:t>
+              <a:rPr lang="en-US" dirty="0"/>
+              <a:t>Technical Investigations</a:t>
             </a:r>
           </a:p>
         </p:txBody>
       </p:sp>
-      <p:graphicFrame>
-        <p:nvGraphicFramePr>
-          <p:cNvPr id="5125" name="Rectangle 2">
+      <p:sp>
+        <p:nvSpPr>
+          <p:cNvPr id="3" name="Content Placeholder 2">
             <a:extLst>
               <a:ext uri="{FF2B5EF4-FFF2-40B4-BE49-F238E27FC236}">
-                <a16:creationId xmlns:a16="http://schemas.microsoft.com/office/drawing/2014/main" id="{042DA56E-1CBE-437C-8295-D010F5813C74}"/>
+                <a16:creationId xmlns:a16="http://schemas.microsoft.com/office/drawing/2014/main" id="{C36CF53C-4066-4127-A0C2-13EAEDBD150D}"/>
               </a:ext>
             </a:extLst>
           </p:cNvPr>
-          <p:cNvGraphicFramePr>
-            <a:graphicFrameLocks noGrp="1"/>
-          </p:cNvGraphicFramePr>
+          <p:cNvSpPr>
+            <a:spLocks noGrp="1"/>
+          </p:cNvSpPr>
           <p:nvPr>
             <p:ph idx="1"/>
-            <p:extLst>
-              <p:ext uri="{D42A27DB-BD31-4B8C-83A1-F6EECF244321}">
-                <p14:modId xmlns:p14="http://schemas.microsoft.com/office/powerpoint/2010/main" val="2305565379"/>
-              </p:ext>
-            </p:extLst>
-          </p:nvPr>
-        </p:nvGraphicFramePr>
-        <p:xfrm>
-          <a:off x="838200" y="1500188"/>
-          <a:ext cx="7886700" cy="4351337"/>
-        </p:xfrm>
-        <a:graphic>
-          <a:graphicData uri="http://schemas.openxmlformats.org/drawingml/2006/diagram">
-            <dgm:relIds xmlns:dgm="http://schemas.openxmlformats.org/drawingml/2006/diagram" xmlns:r="http://schemas.openxmlformats.org/officeDocument/2006/relationships" r:dm="rId3" r:lo="rId4" r:qs="rId5" r:cs="rId6"/>
-          </a:graphicData>
-        </a:graphic>
-      </p:graphicFrame>
-      <p:sp>
-        <p:nvSpPr>
-          <p:cNvPr id="5123" name="Text Box 3">
+          </p:nvPr>
+        </p:nvSpPr>
+        <p:spPr/>
+        <p:txBody>
+          <a:bodyPr>
+            <a:normAutofit fontScale="92500"/>
+          </a:bodyPr>
+          <a:lstStyle/>
+          <a:p>
+            <a:r>
+              <a:rPr lang="en-US" dirty="0"/>
+              <a:t>Suppose as a result of the value investigations we came up with two high-level requirements:</a:t>
+            </a:r>
+          </a:p>
+          <a:p>
+            <a:pPr marL="914400" lvl="1" indent="-457200">
+              <a:buFont typeface="+mj-lt"/>
+              <a:buAutoNum type="arabicPeriod"/>
+            </a:pPr>
+            <a:r>
+              <a:rPr lang="en-US" dirty="0"/>
+              <a:t>The flagging feature gives an explanation to the user as to why the system flagged and removed their content. If, after reading the explanation, the user thought the flagging was in error, they can submit the flag for further review. </a:t>
+            </a:r>
+          </a:p>
+          <a:p>
+            <a:pPr marL="914400" lvl="1" indent="-457200">
+              <a:buFont typeface="+mj-lt"/>
+              <a:buAutoNum type="arabicPeriod"/>
+            </a:pPr>
+            <a:r>
+              <a:rPr lang="en-US" dirty="0"/>
+              <a:t>The system prompts the user to reconsider if their post is potentially offensive, but does not prevent it from being posted.</a:t>
+            </a:r>
+          </a:p>
+          <a:p>
+            <a:r>
+              <a:rPr lang="en-US" dirty="0"/>
+              <a:t>Which requirement would you prefer based on the </a:t>
+            </a:r>
+            <a:r>
+              <a:rPr lang="en-US" i="1" dirty="0"/>
+              <a:t>technical feasibility and the values</a:t>
+            </a:r>
+            <a:r>
+              <a:rPr lang="en-US" dirty="0"/>
+              <a:t> that you think are important?</a:t>
+            </a:r>
+          </a:p>
+        </p:txBody>
+      </p:sp>
+      <p:sp>
+        <p:nvSpPr>
+          <p:cNvPr id="4" name="Slide Number Placeholder 3">
             <a:extLst>
               <a:ext uri="{FF2B5EF4-FFF2-40B4-BE49-F238E27FC236}">
-                <a16:creationId xmlns:a16="http://schemas.microsoft.com/office/drawing/2014/main" id="{F4B0D1A4-82AE-4AEF-B842-9318DCC0894D}"/>
+                <a16:creationId xmlns:a16="http://schemas.microsoft.com/office/drawing/2014/main" id="{32FCEC0B-BB53-CE83-F74E-D021035F50E0}"/>
               </a:ext>
             </a:extLst>
           </p:cNvPr>
-          <p:cNvSpPr txBox="1">
-            <a:spLocks/>
-          </p:cNvSpPr>
-          <p:nvPr/>
-        </p:nvSpPr>
-        <p:spPr bwMode="auto">
-          <a:xfrm>
-            <a:off x="10232600" y="6454704"/>
-            <a:ext cx="136256" cy="223587"/>
-          </a:xfrm>
-          <a:prstGeom prst="rect">
-            <a:avLst/>
-          </a:prstGeom>
-          <a:noFill/>
-          <a:ln>
-            <a:noFill/>
-          </a:ln>
-          <a:effectLst/>
-          <a:extLst>
-            <a:ext uri="{909E8E84-426E-40DD-AFC4-6F175D3DCCD1}">
-              <a14:hiddenFill xmlns:a14="http://schemas.microsoft.com/office/drawing/2010/main">
-                <a:solidFill>
-                  <a:srgbClr val="FFFFFF"/>
-                </a:solidFill>
-              </a14:hiddenFill>
-            </a:ext>
-            <a:ext uri="{91240B29-F687-4F45-9708-019B960494DF}">
-              <a14:hiddenLine xmlns:a14="http://schemas.microsoft.com/office/drawing/2010/main" w="12700" cap="flat" cmpd="sng">
-                <a:solidFill>
-                  <a:srgbClr val="000000"/>
-                </a:solidFill>
-                <a:prstDash val="solid"/>
-                <a:miter lim="400000"/>
-                <a:headEnd type="none" w="med" len="med"/>
-                <a:tailEnd type="none" w="med" len="med"/>
-              </a14:hiddenLine>
-            </a:ext>
-            <a:ext uri="{AF507438-7753-43E0-B8FC-AC1667EBCBE1}">
-              <a14:hiddenEffects xmlns:a14="http://schemas.microsoft.com/office/drawing/2010/main">
-                <a:effectLst>
-                  <a:outerShdw dist="35921" dir="2700000" algn="ctr" rotWithShape="0">
-                    <a:srgbClr val="808080"/>
-                  </a:outerShdw>
-                </a:effectLst>
-              </a14:hiddenEffects>
-            </a:ext>
-          </a:extLst>
-        </p:spPr>
+          <p:cNvSpPr>
+            <a:spLocks noGrp="1"/>
+          </p:cNvSpPr>
+          <p:nvPr>
+            <p:ph type="sldNum" sz="quarter" idx="12"/>
+          </p:nvPr>
+        </p:nvSpPr>
+        <p:spPr/>
         <p:txBody>
-          <a:bodyPr wrap="none" lIns="35719" tIns="35719" rIns="35719" bIns="35719" anchor="b">
-            <a:spAutoFit/>
-          </a:bodyPr>
+          <a:bodyPr/>
           <a:lstStyle/>
           <a:p>
-            <a:pPr algn="r"/>
-            <a:fld id="{0BB2D644-9BFF-4E58-8C26-7B6E68779C53}" type="slidenum">
-              <a:rPr lang="en-US" altLang="en-US" sz="984">
-                <a:latin typeface="Calibri Light" panose="020F0302020204030204" pitchFamily="34" charset="0"/>
-                <a:ea typeface="Helvetica Neue" charset="0"/>
-                <a:cs typeface="Calibri Light" panose="020F0302020204030204" pitchFamily="34" charset="0"/>
-                <a:sym typeface="Helvetica Neue" charset="0"/>
-              </a:rPr>
-              <a:pPr algn="r"/>
-              <a:t>4</a:t>
+            <a:fld id="{20F37917-FD3A-4669-9018-DA04BCDD3D75}" type="slidenum">
+              <a:rPr lang="en-US" smtClean="0"/>
+              <a:t>43</a:t>
             </a:fld>
-            <a:endParaRPr lang="en-US" altLang="en-US" sz="984" dirty="0">
-              <a:latin typeface="Calibri Light" panose="020F0302020204030204" pitchFamily="34" charset="0"/>
-              <a:ea typeface="Helvetica Neue" charset="0"/>
-              <a:cs typeface="Calibri Light" panose="020F0302020204030204" pitchFamily="34" charset="0"/>
-              <a:sym typeface="Helvetica Neue" charset="0"/>
-            </a:endParaRPr>
+            <a:endParaRPr lang="en-US"/>
           </a:p>
         </p:txBody>
       </p:sp>
-      <p:pic>
-        <p:nvPicPr>
-          <p:cNvPr id="2" name="Picture 1">
-            <a:extLst>
-              <a:ext uri="{FF2B5EF4-FFF2-40B4-BE49-F238E27FC236}">
-                <a16:creationId xmlns:a16="http://schemas.microsoft.com/office/drawing/2014/main" id="{20C0AE1E-00E3-4942-9AAD-E05E6117B462}"/>
-              </a:ext>
-            </a:extLst>
-          </p:cNvPr>
-          <p:cNvPicPr>
-            <a:picLocks noChangeAspect="1"/>
-          </p:cNvPicPr>
-          <p:nvPr/>
-        </p:nvPicPr>
-        <p:blipFill rotWithShape="1">
-          <a:blip r:embed="rId8"/>
-          <a:srcRect r="48948"/>
-          <a:stretch/>
-        </p:blipFill>
-        <p:spPr>
-          <a:xfrm>
-            <a:off x="8825548" y="1524000"/>
-            <a:ext cx="1037381" cy="1905000"/>
-          </a:xfrm>
-          <a:prstGeom prst="rect">
-            <a:avLst/>
-          </a:prstGeom>
-        </p:spPr>
-      </p:pic>
-      <p:pic>
-        <p:nvPicPr>
-          <p:cNvPr id="3" name="Picture 2">
-            <a:extLst>
-              <a:ext uri="{FF2B5EF4-FFF2-40B4-BE49-F238E27FC236}">
-                <a16:creationId xmlns:a16="http://schemas.microsoft.com/office/drawing/2014/main" id="{9D0ABD5D-EBC5-AD4A-89E8-3DBE63E03806}"/>
-              </a:ext>
-            </a:extLst>
-          </p:cNvPr>
-          <p:cNvPicPr>
-            <a:picLocks noChangeAspect="1"/>
-          </p:cNvPicPr>
-          <p:nvPr/>
-        </p:nvPicPr>
-        <p:blipFill>
-          <a:blip r:embed="rId9"/>
-          <a:stretch>
-            <a:fillRect/>
-          </a:stretch>
-        </p:blipFill>
-        <p:spPr>
-          <a:xfrm>
-            <a:off x="8829889" y="4010047"/>
-            <a:ext cx="1028700" cy="1943100"/>
-          </a:xfrm>
-          <a:prstGeom prst="rect">
-            <a:avLst/>
-          </a:prstGeom>
-        </p:spPr>
-      </p:pic>
-      <p:pic>
-        <p:nvPicPr>
-          <p:cNvPr id="8" name="Picture 7">
-            <a:extLst>
-              <a:ext uri="{FF2B5EF4-FFF2-40B4-BE49-F238E27FC236}">
-                <a16:creationId xmlns:a16="http://schemas.microsoft.com/office/drawing/2014/main" id="{A3A69FEC-CE32-4A48-BD47-A3E23897431C}"/>
-              </a:ext>
-            </a:extLst>
-          </p:cNvPr>
-          <p:cNvPicPr>
-            <a:picLocks noChangeAspect="1"/>
-          </p:cNvPicPr>
-          <p:nvPr/>
-        </p:nvPicPr>
-        <p:blipFill rotWithShape="1">
-          <a:blip r:embed="rId8"/>
-          <a:srcRect l="48948" b="1704"/>
-          <a:stretch/>
-        </p:blipFill>
-        <p:spPr>
-          <a:xfrm>
-            <a:off x="9971456" y="2739560"/>
-            <a:ext cx="1037381" cy="1872538"/>
-          </a:xfrm>
-          <a:prstGeom prst="rect">
-            <a:avLst/>
-          </a:prstGeom>
-        </p:spPr>
-      </p:pic>
     </p:spTree>
+    <p:extLst>
+      <p:ext uri="{BB962C8B-B14F-4D97-AF65-F5344CB8AC3E}">
+        <p14:creationId xmlns:p14="http://schemas.microsoft.com/office/powerpoint/2010/main" val="2181656107"/>
+      </p:ext>
+    </p:extLst>
   </p:cSld>
   <p:clrMapOvr>
     <a:masterClrMapping/>
@@ -22403,8 +24408,8 @@
 </p:sld>
 </file>
 
-<file path=ppt/slides/slide40.xml><?xml version="1.0" encoding="utf-8"?>
-<p:sld xmlns:a="http://schemas.openxmlformats.org/drawingml/2006/main" xmlns:r="http://schemas.openxmlformats.org/officeDocument/2006/relationships" xmlns:p="http://schemas.openxmlformats.org/presentationml/2006/main">
+<file path=ppt/slides/slide44.xml><?xml version="1.0" encoding="utf-8"?>
+<p:sld xmlns:a="http://schemas.openxmlformats.org/drawingml/2006/main" xmlns:r="http://schemas.openxmlformats.org/officeDocument/2006/relationships" xmlns:p="http://schemas.openxmlformats.org/presentationml/2006/main" show="0">
   <p:cSld>
     <p:spTree>
       <p:nvGrpSpPr>
@@ -22425,162 +24430,6 @@
           <p:cNvPr id="2" name="Title 1">
             <a:extLst>
               <a:ext uri="{FF2B5EF4-FFF2-40B4-BE49-F238E27FC236}">
-                <a16:creationId xmlns:a16="http://schemas.microsoft.com/office/drawing/2014/main" id="{3D677602-B4CF-BDC8-DDE2-14B6FB2174BF}"/>
-              </a:ext>
-            </a:extLst>
-          </p:cNvPr>
-          <p:cNvSpPr>
-            <a:spLocks noGrp="1"/>
-          </p:cNvSpPr>
-          <p:nvPr>
-            <p:ph type="title"/>
-          </p:nvPr>
-        </p:nvSpPr>
-        <p:spPr/>
-        <p:txBody>
-          <a:bodyPr/>
-          <a:lstStyle/>
-          <a:p>
-            <a:r>
-              <a:rPr lang="en-US" dirty="0"/>
-              <a:t>Technical Investigations</a:t>
-            </a:r>
-          </a:p>
-        </p:txBody>
-      </p:sp>
-      <p:sp>
-        <p:nvSpPr>
-          <p:cNvPr id="3" name="Content Placeholder 2">
-            <a:extLst>
-              <a:ext uri="{FF2B5EF4-FFF2-40B4-BE49-F238E27FC236}">
-                <a16:creationId xmlns:a16="http://schemas.microsoft.com/office/drawing/2014/main" id="{C36CF53C-4066-4127-A0C2-13EAEDBD150D}"/>
-              </a:ext>
-            </a:extLst>
-          </p:cNvPr>
-          <p:cNvSpPr>
-            <a:spLocks noGrp="1"/>
-          </p:cNvSpPr>
-          <p:nvPr>
-            <p:ph idx="1"/>
-          </p:nvPr>
-        </p:nvSpPr>
-        <p:spPr/>
-        <p:txBody>
-          <a:bodyPr>
-            <a:normAutofit fontScale="92500"/>
-          </a:bodyPr>
-          <a:lstStyle/>
-          <a:p>
-            <a:r>
-              <a:rPr lang="en-US" dirty="0"/>
-              <a:t>Suppose as a result of the value investigations we came up with two high-level requirements:</a:t>
-            </a:r>
-          </a:p>
-          <a:p>
-            <a:pPr marL="914400" lvl="1" indent="-457200">
-              <a:buFont typeface="+mj-lt"/>
-              <a:buAutoNum type="arabicPeriod"/>
-            </a:pPr>
-            <a:r>
-              <a:rPr lang="en-US" dirty="0"/>
-              <a:t>The flagging feature gives an explanation to the user as to why the system flagged and removed their content. If, after reading the explanation, the user thought the flagging was in error, they can submit the flag for further review. </a:t>
-            </a:r>
-          </a:p>
-          <a:p>
-            <a:pPr marL="914400" lvl="1" indent="-457200">
-              <a:buFont typeface="+mj-lt"/>
-              <a:buAutoNum type="arabicPeriod"/>
-            </a:pPr>
-            <a:r>
-              <a:rPr lang="en-US" dirty="0"/>
-              <a:t>The system prompts the user to reconsider if their post is potentially offensive, but does not prevent it </a:t>
-            </a:r>
-            <a:r>
-              <a:rPr lang="en-US"/>
-              <a:t>from being posted.</a:t>
-            </a:r>
-            <a:endParaRPr lang="en-US" dirty="0"/>
-          </a:p>
-          <a:p>
-            <a:r>
-              <a:rPr lang="en-US" dirty="0"/>
-              <a:t>Which requirement would you prefer based on the </a:t>
-            </a:r>
-            <a:r>
-              <a:rPr lang="en-US" i="1" dirty="0"/>
-              <a:t>technical feasibility and the values</a:t>
-            </a:r>
-            <a:r>
-              <a:rPr lang="en-US" dirty="0"/>
-              <a:t> that you think are important?</a:t>
-            </a:r>
-          </a:p>
-        </p:txBody>
-      </p:sp>
-      <p:sp>
-        <p:nvSpPr>
-          <p:cNvPr id="4" name="Slide Number Placeholder 3">
-            <a:extLst>
-              <a:ext uri="{FF2B5EF4-FFF2-40B4-BE49-F238E27FC236}">
-                <a16:creationId xmlns:a16="http://schemas.microsoft.com/office/drawing/2014/main" id="{32FCEC0B-BB53-CE83-F74E-D021035F50E0}"/>
-              </a:ext>
-            </a:extLst>
-          </p:cNvPr>
-          <p:cNvSpPr>
-            <a:spLocks noGrp="1"/>
-          </p:cNvSpPr>
-          <p:nvPr>
-            <p:ph type="sldNum" sz="quarter" idx="12"/>
-          </p:nvPr>
-        </p:nvSpPr>
-        <p:spPr/>
-        <p:txBody>
-          <a:bodyPr/>
-          <a:lstStyle/>
-          <a:p>
-            <a:fld id="{20F37917-FD3A-4669-9018-DA04BCDD3D75}" type="slidenum">
-              <a:rPr lang="en-US" smtClean="0"/>
-              <a:t>40</a:t>
-            </a:fld>
-            <a:endParaRPr lang="en-US"/>
-          </a:p>
-        </p:txBody>
-      </p:sp>
-    </p:spTree>
-    <p:extLst>
-      <p:ext uri="{BB962C8B-B14F-4D97-AF65-F5344CB8AC3E}">
-        <p14:creationId xmlns:p14="http://schemas.microsoft.com/office/powerpoint/2010/main" val="2181656107"/>
-      </p:ext>
-    </p:extLst>
-  </p:cSld>
-  <p:clrMapOvr>
-    <a:masterClrMapping/>
-  </p:clrMapOvr>
-</p:sld>
-</file>
-
-<file path=ppt/slides/slide41.xml><?xml version="1.0" encoding="utf-8"?>
-<p:sld xmlns:a="http://schemas.openxmlformats.org/drawingml/2006/main" xmlns:r="http://schemas.openxmlformats.org/officeDocument/2006/relationships" xmlns:p="http://schemas.openxmlformats.org/presentationml/2006/main">
-  <p:cSld>
-    <p:spTree>
-      <p:nvGrpSpPr>
-        <p:cNvPr id="1" name=""/>
-        <p:cNvGrpSpPr/>
-        <p:nvPr/>
-      </p:nvGrpSpPr>
-      <p:grpSpPr>
-        <a:xfrm>
-          <a:off x="0" y="0"/>
-          <a:ext cx="0" cy="0"/>
-          <a:chOff x="0" y="0"/>
-          <a:chExt cx="0" cy="0"/>
-        </a:xfrm>
-      </p:grpSpPr>
-      <p:sp>
-        <p:nvSpPr>
-          <p:cNvPr id="2" name="Title 1">
-            <a:extLst>
-              <a:ext uri="{FF2B5EF4-FFF2-40B4-BE49-F238E27FC236}">
                 <a16:creationId xmlns:a16="http://schemas.microsoft.com/office/drawing/2014/main" id="{1ADD271A-4170-C5F2-C69E-66357770CC1B}"/>
               </a:ext>
             </a:extLst>
@@ -22695,7 +24544,7 @@
           <a:p>
             <a:fld id="{20F37917-FD3A-4669-9018-DA04BCDD3D75}" type="slidenum">
               <a:rPr lang="en-US" smtClean="0"/>
-              <a:t>41</a:t>
+              <a:t>44</a:t>
             </a:fld>
             <a:endParaRPr lang="en-US"/>
           </a:p>
@@ -22705,161 +24554,6 @@
     <p:extLst>
       <p:ext uri="{BB962C8B-B14F-4D97-AF65-F5344CB8AC3E}">
         <p14:creationId xmlns:p14="http://schemas.microsoft.com/office/powerpoint/2010/main" val="3964107641"/>
-      </p:ext>
-    </p:extLst>
-  </p:cSld>
-  <p:clrMapOvr>
-    <a:masterClrMapping/>
-  </p:clrMapOvr>
-</p:sld>
-</file>
-
-<file path=ppt/slides/slide42.xml><?xml version="1.0" encoding="utf-8"?>
-<p:sld xmlns:a="http://schemas.openxmlformats.org/drawingml/2006/main" xmlns:r="http://schemas.openxmlformats.org/officeDocument/2006/relationships" xmlns:p="http://schemas.openxmlformats.org/presentationml/2006/main">
-  <p:cSld>
-    <p:spTree>
-      <p:nvGrpSpPr>
-        <p:cNvPr id="1" name=""/>
-        <p:cNvGrpSpPr/>
-        <p:nvPr/>
-      </p:nvGrpSpPr>
-      <p:grpSpPr>
-        <a:xfrm>
-          <a:off x="0" y="0"/>
-          <a:ext cx="0" cy="0"/>
-          <a:chOff x="0" y="0"/>
-          <a:chExt cx="0" cy="0"/>
-        </a:xfrm>
-      </p:grpSpPr>
-      <p:sp>
-        <p:nvSpPr>
-          <p:cNvPr id="2" name="Title 1">
-            <a:extLst>
-              <a:ext uri="{FF2B5EF4-FFF2-40B4-BE49-F238E27FC236}">
-                <a16:creationId xmlns:a16="http://schemas.microsoft.com/office/drawing/2014/main" id="{E743D407-5B53-49A7-9907-E801EA7FFD8E}"/>
-              </a:ext>
-            </a:extLst>
-          </p:cNvPr>
-          <p:cNvSpPr>
-            <a:spLocks noGrp="1"/>
-          </p:cNvSpPr>
-          <p:nvPr>
-            <p:ph type="title"/>
-          </p:nvPr>
-        </p:nvSpPr>
-        <p:spPr/>
-        <p:txBody>
-          <a:bodyPr/>
-          <a:lstStyle/>
-          <a:p>
-            <a:r>
-              <a:rPr lang="en-US" dirty="0"/>
-              <a:t>Learning Goals for this Lesson</a:t>
-            </a:r>
-          </a:p>
-        </p:txBody>
-      </p:sp>
-      <p:sp>
-        <p:nvSpPr>
-          <p:cNvPr id="3" name="Content Placeholder 2">
-            <a:extLst>
-              <a:ext uri="{FF2B5EF4-FFF2-40B4-BE49-F238E27FC236}">
-                <a16:creationId xmlns:a16="http://schemas.microsoft.com/office/drawing/2014/main" id="{AC300E2B-BFD0-4090-AFC5-FE82683F997F}"/>
-              </a:ext>
-            </a:extLst>
-          </p:cNvPr>
-          <p:cNvSpPr>
-            <a:spLocks noGrp="1"/>
-          </p:cNvSpPr>
-          <p:nvPr>
-            <p:ph idx="1"/>
-          </p:nvPr>
-        </p:nvSpPr>
-        <p:spPr>
-          <a:xfrm>
-            <a:off x="838199" y="1500160"/>
-            <a:ext cx="10515599" cy="4351338"/>
-          </a:xfrm>
-        </p:spPr>
-        <p:txBody>
-          <a:bodyPr/>
-          <a:lstStyle/>
-          <a:p>
-            <a:r>
-              <a:rPr lang="en-US" dirty="0"/>
-              <a:t>At the end of this lesson, you should be able to</a:t>
-            </a:r>
-          </a:p>
-          <a:p>
-            <a:pPr lvl="1"/>
-            <a:r>
-              <a:rPr lang="en-US" dirty="0"/>
-              <a:t>Explain the overall purposes of requirements analysis</a:t>
-            </a:r>
-          </a:p>
-          <a:p>
-            <a:pPr lvl="1"/>
-            <a:r>
-              <a:rPr lang="en-US" dirty="0"/>
-              <a:t>Enumerate and explain 3 major dimensions of risk in Requirements Analysis</a:t>
-            </a:r>
-          </a:p>
-          <a:p>
-            <a:pPr lvl="1"/>
-            <a:r>
-              <a:rPr lang="en-US" dirty="0"/>
-              <a:t>Use Value Sensitive Design to uncover requirements based on the different kinds of investigations.</a:t>
-            </a:r>
-          </a:p>
-          <a:p>
-            <a:pPr lvl="1"/>
-            <a:r>
-              <a:rPr lang="en-US" dirty="0"/>
-              <a:t>Explain the difference between functional and non-functional requirements, and give examples of each  </a:t>
-            </a:r>
-          </a:p>
-          <a:p>
-            <a:pPr lvl="1"/>
-            <a:r>
-              <a:rPr lang="en-US" dirty="0"/>
-              <a:t>Define the notions of user stories and conditions of satisfaction, and give multiple examples</a:t>
-            </a:r>
-          </a:p>
-        </p:txBody>
-      </p:sp>
-      <p:sp>
-        <p:nvSpPr>
-          <p:cNvPr id="4" name="Slide Number Placeholder 3">
-            <a:extLst>
-              <a:ext uri="{FF2B5EF4-FFF2-40B4-BE49-F238E27FC236}">
-                <a16:creationId xmlns:a16="http://schemas.microsoft.com/office/drawing/2014/main" id="{B7BF3F82-6F96-41E0-9C15-23CE00076176}"/>
-              </a:ext>
-            </a:extLst>
-          </p:cNvPr>
-          <p:cNvSpPr>
-            <a:spLocks noGrp="1"/>
-          </p:cNvSpPr>
-          <p:nvPr>
-            <p:ph type="sldNum" sz="quarter" idx="12"/>
-          </p:nvPr>
-        </p:nvSpPr>
-        <p:spPr/>
-        <p:txBody>
-          <a:bodyPr/>
-          <a:lstStyle/>
-          <a:p>
-            <a:fld id="{20F37917-FD3A-4669-9018-DA04BCDD3D75}" type="slidenum">
-              <a:rPr lang="en-US" smtClean="0"/>
-              <a:t>42</a:t>
-            </a:fld>
-            <a:endParaRPr lang="en-US"/>
-          </a:p>
-        </p:txBody>
-      </p:sp>
-    </p:spTree>
-    <p:extLst>
-      <p:ext uri="{BB962C8B-B14F-4D97-AF65-F5344CB8AC3E}">
-        <p14:creationId xmlns:p14="http://schemas.microsoft.com/office/powerpoint/2010/main" val="673410589"/>
       </p:ext>
     </p:extLst>
   </p:cSld>

--- a/Slides/Module 01.2 Requirements Gathering.pptx
+++ b/Slides/Module 01.2 Requirements Gathering.pptx
@@ -5,7 +5,7 @@
     <p:sldMasterId id="2147483648" r:id="rId1"/>
   </p:sldMasterIdLst>
   <p:notesMasterIdLst>
-    <p:notesMasterId r:id="rId46"/>
+    <p:notesMasterId r:id="rId49"/>
   </p:notesMasterIdLst>
   <p:sldIdLst>
     <p:sldId id="485" r:id="rId2"/>
@@ -24,60 +24,51 @@
     <p:sldId id="529" r:id="rId15"/>
     <p:sldId id="539" r:id="rId16"/>
     <p:sldId id="551" r:id="rId17"/>
-    <p:sldId id="540" r:id="rId18"/>
-    <p:sldId id="541" r:id="rId19"/>
-    <p:sldId id="542" r:id="rId20"/>
-    <p:sldId id="543" r:id="rId21"/>
-    <p:sldId id="544" r:id="rId22"/>
-    <p:sldId id="545" r:id="rId23"/>
-    <p:sldId id="546" r:id="rId24"/>
-    <p:sldId id="528" r:id="rId25"/>
-    <p:sldId id="547" r:id="rId26"/>
-    <p:sldId id="527" r:id="rId27"/>
-    <p:sldId id="549" r:id="rId28"/>
-    <p:sldId id="550" r:id="rId29"/>
-    <p:sldId id="494" r:id="rId30"/>
-    <p:sldId id="496" r:id="rId31"/>
-    <p:sldId id="495" r:id="rId32"/>
-    <p:sldId id="563" r:id="rId33"/>
-    <p:sldId id="555" r:id="rId34"/>
-    <p:sldId id="556" r:id="rId35"/>
-    <p:sldId id="564" r:id="rId36"/>
-    <p:sldId id="565" r:id="rId37"/>
-    <p:sldId id="566" r:id="rId38"/>
-    <p:sldId id="552" r:id="rId39"/>
-    <p:sldId id="557" r:id="rId40"/>
-    <p:sldId id="558" r:id="rId41"/>
-    <p:sldId id="559" r:id="rId42"/>
-    <p:sldId id="560" r:id="rId43"/>
-    <p:sldId id="561" r:id="rId44"/>
-    <p:sldId id="562" r:id="rId45"/>
+    <p:sldId id="567" r:id="rId18"/>
+    <p:sldId id="570" r:id="rId19"/>
+    <p:sldId id="571" r:id="rId20"/>
+    <p:sldId id="540" r:id="rId21"/>
+    <p:sldId id="541" r:id="rId22"/>
+    <p:sldId id="542" r:id="rId23"/>
+    <p:sldId id="543" r:id="rId24"/>
+    <p:sldId id="544" r:id="rId25"/>
+    <p:sldId id="545" r:id="rId26"/>
+    <p:sldId id="546" r:id="rId27"/>
+    <p:sldId id="528" r:id="rId28"/>
+    <p:sldId id="547" r:id="rId29"/>
+    <p:sldId id="527" r:id="rId30"/>
+    <p:sldId id="549" r:id="rId31"/>
+    <p:sldId id="550" r:id="rId32"/>
+    <p:sldId id="494" r:id="rId33"/>
+    <p:sldId id="496" r:id="rId34"/>
+    <p:sldId id="495" r:id="rId35"/>
+    <p:sldId id="563" r:id="rId36"/>
+    <p:sldId id="555" r:id="rId37"/>
+    <p:sldId id="556" r:id="rId38"/>
+    <p:sldId id="564" r:id="rId39"/>
+    <p:sldId id="565" r:id="rId40"/>
+    <p:sldId id="566" r:id="rId41"/>
+    <p:sldId id="552" r:id="rId42"/>
+    <p:sldId id="557" r:id="rId43"/>
+    <p:sldId id="558" r:id="rId44"/>
+    <p:sldId id="559" r:id="rId45"/>
+    <p:sldId id="560" r:id="rId46"/>
+    <p:sldId id="561" r:id="rId47"/>
+    <p:sldId id="562" r:id="rId48"/>
   </p:sldIdLst>
   <p:sldSz cx="12192000" cy="6858000"/>
   <p:notesSz cx="9144000" cy="6858000"/>
   <p:embeddedFontLst>
     <p:embeddedFont>
-      <p:font typeface="Calibri" panose="020F0502020204030204" pitchFamily="34" charset="0"/>
-      <p:regular r:id="rId47"/>
-      <p:bold r:id="rId48"/>
-      <p:italic r:id="rId49"/>
-      <p:boldItalic r:id="rId50"/>
-    </p:embeddedFont>
-    <p:embeddedFont>
-      <p:font typeface="Calibri Light" panose="020F0302020204030204" pitchFamily="34" charset="0"/>
-      <p:regular r:id="rId51"/>
-      <p:italic r:id="rId52"/>
-    </p:embeddedFont>
-    <p:embeddedFont>
       <p:font typeface="Ink Free" panose="03080402000500000000" pitchFamily="66" charset="0"/>
-      <p:regular r:id="rId53"/>
+      <p:regular r:id="rId50"/>
     </p:embeddedFont>
     <p:embeddedFont>
       <p:font typeface="Verdana" panose="020B0604030504040204" pitchFamily="34" charset="0"/>
-      <p:regular r:id="rId54"/>
-      <p:bold r:id="rId55"/>
-      <p:italic r:id="rId56"/>
-      <p:boldItalic r:id="rId57"/>
+      <p:regular r:id="rId51"/>
+      <p:bold r:id="rId52"/>
+      <p:italic r:id="rId53"/>
+      <p:boldItalic r:id="rId54"/>
     </p:embeddedFont>
   </p:embeddedFontLst>
   <p:defaultTextStyle>
@@ -196,6 +187,9 @@
             <p14:sldId id="529"/>
             <p14:sldId id="539"/>
             <p14:sldId id="551"/>
+            <p14:sldId id="567"/>
+            <p14:sldId id="570"/>
+            <p14:sldId id="571"/>
             <p14:sldId id="540"/>
             <p14:sldId id="541"/>
             <p14:sldId id="542"/>
@@ -2335,8 +2329,8 @@
     <dgm:cxn modelId="{0D619939-DF3D-4D20-BB53-412AF78EA558}" type="presOf" srcId="{ABB0E679-4682-422A-B4B3-34D44CC4C90C}" destId="{BBEC7333-A5CB-4B43-A34A-870E516E4DD6}" srcOrd="0" destOrd="0" presId="urn:microsoft.com/office/officeart/2018/2/layout/IconVerticalSolidList"/>
     <dgm:cxn modelId="{07AC9C4A-377E-4379-B550-8DB49E3862F9}" srcId="{ABB0E679-4682-422A-B4B3-34D44CC4C90C}" destId="{8859CDF6-BBF5-4A76-8A76-407071531CB6}" srcOrd="2" destOrd="0" parTransId="{4553293F-765F-468C-A52D-17712ED16F1F}" sibTransId="{CD3D3010-EDC9-481C-A822-9AFA251D0BAD}"/>
     <dgm:cxn modelId="{F7C5F74B-BB11-4F28-9F7E-23FE778011DC}" type="presOf" srcId="{79B77230-D940-49CC-AF47-BF1D40797D89}" destId="{D527155E-0657-496B-926B-6BBC0B628D07}" srcOrd="0" destOrd="0" presId="urn:microsoft.com/office/officeart/2018/2/layout/IconVerticalSolidList"/>
+    <dgm:cxn modelId="{BBA2886E-1FC2-4FFE-BF42-BABB70DB9D54}" srcId="{ABB0E679-4682-422A-B4B3-34D44CC4C90C}" destId="{79B77230-D940-49CC-AF47-BF1D40797D89}" srcOrd="0" destOrd="0" parTransId="{C50558CC-69DA-4C28-8CB9-2982E9088524}" sibTransId="{01A261DD-4242-4987-8459-53BA826F65E4}"/>
     <dgm:cxn modelId="{16B49D51-0857-4A44-AD1A-0C1006418460}" srcId="{7851135E-E593-49EB-9C66-FB8F80DCC8EB}" destId="{0F25331F-8FB8-4E3A-87F2-3F285D74EB32}" srcOrd="2" destOrd="0" parTransId="{324E124D-8500-4C04-A0BA-6F6C2D553D81}" sibTransId="{4716CEE8-C882-4DFA-8AAE-CB3797F9F69F}"/>
-    <dgm:cxn modelId="{BBA2886E-1FC2-4FFE-BF42-BABB70DB9D54}" srcId="{ABB0E679-4682-422A-B4B3-34D44CC4C90C}" destId="{79B77230-D940-49CC-AF47-BF1D40797D89}" srcOrd="0" destOrd="0" parTransId="{C50558CC-69DA-4C28-8CB9-2982E9088524}" sibTransId="{01A261DD-4242-4987-8459-53BA826F65E4}"/>
     <dgm:cxn modelId="{6F534F79-49C3-49F2-B767-CA8451407698}" type="presOf" srcId="{2CC7D121-8A41-44D9-89BD-244AA28A42A0}" destId="{D527155E-0657-496B-926B-6BBC0B628D07}" srcOrd="0" destOrd="1" presId="urn:microsoft.com/office/officeart/2018/2/layout/IconVerticalSolidList"/>
     <dgm:cxn modelId="{83B9F09E-EAE2-4CC8-ADD5-C1D9758C0071}" type="presOf" srcId="{A898EC3E-4F02-462D-8397-BC48F29AE81B}" destId="{4FB2F518-2BF4-4FD7-A56E-47F3A3918E17}" srcOrd="0" destOrd="0" presId="urn:microsoft.com/office/officeart/2018/2/layout/IconVerticalSolidList"/>
     <dgm:cxn modelId="{D9C411B4-474A-4FB0-9E9B-1E92A378E566}" srcId="{289B9B18-ED8C-4F8C-B57D-E359AFC29DCD}" destId="{A898EC3E-4F02-462D-8397-BC48F29AE81B}" srcOrd="0" destOrd="0" parTransId="{AD9DCD49-7708-4181-B664-3E4D3C91E37D}" sibTransId="{5F251CD8-B93E-4310-9598-EB0F0D698564}"/>
@@ -6151,7 +6145,7 @@
           <a:p>
             <a:fld id="{7C7E5181-6CF5-45F7-A87A-E0E0B1FD7549}" type="datetimeFigureOut">
               <a:rPr lang="en-US" smtClean="0"/>
-              <a:t>8/22/25</a:t>
+              <a:t>8/25/2025</a:t>
             </a:fld>
             <a:endParaRPr lang="en-US"/>
           </a:p>
@@ -6919,7 +6913,13 @@
   <p:cSld>
     <p:spTree>
       <p:nvGrpSpPr>
-        <p:cNvPr id="1" name=""/>
+        <p:cNvPr id="1" name="">
+          <a:extLst>
+            <a:ext uri="{FF2B5EF4-FFF2-40B4-BE49-F238E27FC236}">
+              <a16:creationId xmlns:a16="http://schemas.microsoft.com/office/drawing/2014/main" id="{EBCBE2D2-B91E-ED24-3431-74ABB99CA497}"/>
+            </a:ext>
+          </a:extLst>
+        </p:cNvPr>
         <p:cNvGrpSpPr/>
         <p:nvPr/>
       </p:nvGrpSpPr>
@@ -6933,7 +6933,13 @@
       </p:grpSpPr>
       <p:sp>
         <p:nvSpPr>
-          <p:cNvPr id="2" name="Slide Image Placeholder 1"/>
+          <p:cNvPr id="2" name="Slide Image Placeholder 1">
+            <a:extLst>
+              <a:ext uri="{FF2B5EF4-FFF2-40B4-BE49-F238E27FC236}">
+                <a16:creationId xmlns:a16="http://schemas.microsoft.com/office/drawing/2014/main" id="{2E4716A8-CAA9-9575-5A22-650474490BC1}"/>
+              </a:ext>
+            </a:extLst>
+          </p:cNvPr>
           <p:cNvSpPr>
             <a:spLocks noGrp="1" noRot="1" noChangeAspect="1"/>
           </p:cNvSpPr>
@@ -6945,7 +6951,13 @@
       </p:sp>
       <p:sp>
         <p:nvSpPr>
-          <p:cNvPr id="3" name="Notes Placeholder 2"/>
+          <p:cNvPr id="3" name="Notes Placeholder 2">
+            <a:extLst>
+              <a:ext uri="{FF2B5EF4-FFF2-40B4-BE49-F238E27FC236}">
+                <a16:creationId xmlns:a16="http://schemas.microsoft.com/office/drawing/2014/main" id="{421244D3-BD81-BDCA-0720-0D4D20CEBB33}"/>
+              </a:ext>
+            </a:extLst>
+          </p:cNvPr>
           <p:cNvSpPr>
             <a:spLocks noGrp="1"/>
           </p:cNvSpPr>
@@ -6958,13 +6970,61 @@
           <a:bodyPr/>
           <a:lstStyle/>
           <a:p>
+            <a:r>
+              <a:rPr lang="en-US" dirty="0"/>
+              <a:t>The process of VSD includes three kinds of investigations:</a:t>
+            </a:r>
+          </a:p>
+          <a:p>
+            <a:pPr marL="171450" indent="-171450">
+              <a:buFontTx/>
+              <a:buChar char="-"/>
+            </a:pPr>
+            <a:r>
+              <a:rPr lang="en-US" dirty="0"/>
+              <a:t>understanding context (how human value works in real life) – Empirical Investigation</a:t>
+            </a:r>
+          </a:p>
+          <a:p>
+            <a:pPr marL="171450" indent="-171450">
+              <a:buFontTx/>
+              <a:buChar char="-"/>
+            </a:pPr>
+            <a:r>
+              <a:rPr lang="en-US" dirty="0"/>
+              <a:t>identifying stakeholders, thinking about their goals and values and then finally resolving the value tensions arising from conflicting interests of stakeholders – Value Investigation</a:t>
+            </a:r>
+          </a:p>
+          <a:p>
+            <a:pPr marL="171450" indent="-171450">
+              <a:buFontTx/>
+              <a:buChar char="-"/>
+            </a:pPr>
+            <a:r>
+              <a:rPr lang="en-US" dirty="0"/>
+              <a:t>The technical feasibility of implementing the solutions – Technical Investigation</a:t>
+            </a:r>
+          </a:p>
+          <a:p>
             <a:endParaRPr lang="en-US" dirty="0"/>
           </a:p>
+          <a:p>
+            <a:r>
+              <a:rPr lang="en-US" dirty="0"/>
+              <a:t>You will learn more about this in tutorial that you will review as part of the activity.</a:t>
+            </a:r>
+          </a:p>
         </p:txBody>
       </p:sp>
       <p:sp>
         <p:nvSpPr>
-          <p:cNvPr id="4" name="Slide Number Placeholder 3"/>
+          <p:cNvPr id="4" name="Slide Number Placeholder 3">
+            <a:extLst>
+              <a:ext uri="{FF2B5EF4-FFF2-40B4-BE49-F238E27FC236}">
+                <a16:creationId xmlns:a16="http://schemas.microsoft.com/office/drawing/2014/main" id="{0F361E51-9069-F754-8121-B1692D3FC712}"/>
+              </a:ext>
+            </a:extLst>
+          </p:cNvPr>
           <p:cNvSpPr>
             <a:spLocks noGrp="1"/>
           </p:cNvSpPr>
@@ -6988,7 +7048,7 @@
     </p:spTree>
     <p:extLst>
       <p:ext uri="{BB962C8B-B14F-4D97-AF65-F5344CB8AC3E}">
-        <p14:creationId xmlns:p14="http://schemas.microsoft.com/office/powerpoint/2010/main" val="916900605"/>
+        <p14:creationId xmlns:p14="http://schemas.microsoft.com/office/powerpoint/2010/main" val="3854360709"/>
       </p:ext>
     </p:extLst>
   </p:cSld>
@@ -7003,7 +7063,13 @@
   <p:cSld>
     <p:spTree>
       <p:nvGrpSpPr>
-        <p:cNvPr id="1" name=""/>
+        <p:cNvPr id="1" name="">
+          <a:extLst>
+            <a:ext uri="{FF2B5EF4-FFF2-40B4-BE49-F238E27FC236}">
+              <a16:creationId xmlns:a16="http://schemas.microsoft.com/office/drawing/2014/main" id="{1D309448-045F-DCF4-08C8-71B08BA14A30}"/>
+            </a:ext>
+          </a:extLst>
+        </p:cNvPr>
         <p:cNvGrpSpPr/>
         <p:nvPr/>
       </p:nvGrpSpPr>
@@ -7017,7 +7083,13 @@
       </p:grpSpPr>
       <p:sp>
         <p:nvSpPr>
-          <p:cNvPr id="2" name="Slide Image Placeholder 1"/>
+          <p:cNvPr id="2" name="Slide Image Placeholder 1">
+            <a:extLst>
+              <a:ext uri="{FF2B5EF4-FFF2-40B4-BE49-F238E27FC236}">
+                <a16:creationId xmlns:a16="http://schemas.microsoft.com/office/drawing/2014/main" id="{5CC86B50-D5C2-3D4F-8EA1-E906894CEB6C}"/>
+              </a:ext>
+            </a:extLst>
+          </p:cNvPr>
           <p:cNvSpPr>
             <a:spLocks noGrp="1" noRot="1" noChangeAspect="1"/>
           </p:cNvSpPr>
@@ -7029,7 +7101,13 @@
       </p:sp>
       <p:sp>
         <p:nvSpPr>
-          <p:cNvPr id="3" name="Notes Placeholder 2"/>
+          <p:cNvPr id="3" name="Notes Placeholder 2">
+            <a:extLst>
+              <a:ext uri="{FF2B5EF4-FFF2-40B4-BE49-F238E27FC236}">
+                <a16:creationId xmlns:a16="http://schemas.microsoft.com/office/drawing/2014/main" id="{B9DC8ED7-7DB3-63AF-3386-3FF5518219E7}"/>
+              </a:ext>
+            </a:extLst>
+          </p:cNvPr>
           <p:cNvSpPr>
             <a:spLocks noGrp="1"/>
           </p:cNvSpPr>
@@ -7042,13 +7120,22 @@
           <a:bodyPr/>
           <a:lstStyle/>
           <a:p>
-            <a:endParaRPr lang="en-US" dirty="0"/>
+            <a:r>
+              <a:rPr lang="en-US" dirty="0"/>
+              <a:t>&lt;Read slide&gt;</a:t>
+            </a:r>
           </a:p>
         </p:txBody>
       </p:sp>
       <p:sp>
         <p:nvSpPr>
-          <p:cNvPr id="4" name="Slide Number Placeholder 3"/>
+          <p:cNvPr id="4" name="Slide Number Placeholder 3">
+            <a:extLst>
+              <a:ext uri="{FF2B5EF4-FFF2-40B4-BE49-F238E27FC236}">
+                <a16:creationId xmlns:a16="http://schemas.microsoft.com/office/drawing/2014/main" id="{C4F5D71D-6D9D-C256-FC76-6D1CF0E880B9}"/>
+              </a:ext>
+            </a:extLst>
+          </p:cNvPr>
           <p:cNvSpPr>
             <a:spLocks noGrp="1"/>
           </p:cNvSpPr>
@@ -7072,7 +7159,7 @@
     </p:spTree>
     <p:extLst>
       <p:ext uri="{BB962C8B-B14F-4D97-AF65-F5344CB8AC3E}">
-        <p14:creationId xmlns:p14="http://schemas.microsoft.com/office/powerpoint/2010/main" val="1254446554"/>
+        <p14:creationId xmlns:p14="http://schemas.microsoft.com/office/powerpoint/2010/main" val="510448040"/>
       </p:ext>
     </p:extLst>
   </p:cSld>
@@ -7087,7 +7174,13 @@
   <p:cSld>
     <p:spTree>
       <p:nvGrpSpPr>
-        <p:cNvPr id="1" name=""/>
+        <p:cNvPr id="1" name="">
+          <a:extLst>
+            <a:ext uri="{FF2B5EF4-FFF2-40B4-BE49-F238E27FC236}">
+              <a16:creationId xmlns:a16="http://schemas.microsoft.com/office/drawing/2014/main" id="{8C5A2ED5-830E-077D-3F69-FF4BAF436D62}"/>
+            </a:ext>
+          </a:extLst>
+        </p:cNvPr>
         <p:cNvGrpSpPr/>
         <p:nvPr/>
       </p:nvGrpSpPr>
@@ -7101,7 +7194,13 @@
       </p:grpSpPr>
       <p:sp>
         <p:nvSpPr>
-          <p:cNvPr id="2" name="Slide Image Placeholder 1"/>
+          <p:cNvPr id="2" name="Slide Image Placeholder 1">
+            <a:extLst>
+              <a:ext uri="{FF2B5EF4-FFF2-40B4-BE49-F238E27FC236}">
+                <a16:creationId xmlns:a16="http://schemas.microsoft.com/office/drawing/2014/main" id="{618E9456-16D1-7676-8FAE-BDFC28304445}"/>
+              </a:ext>
+            </a:extLst>
+          </p:cNvPr>
           <p:cNvSpPr>
             <a:spLocks noGrp="1" noRot="1" noChangeAspect="1"/>
           </p:cNvSpPr>
@@ -7113,7 +7212,13 @@
       </p:sp>
       <p:sp>
         <p:nvSpPr>
-          <p:cNvPr id="3" name="Notes Placeholder 2"/>
+          <p:cNvPr id="3" name="Notes Placeholder 2">
+            <a:extLst>
+              <a:ext uri="{FF2B5EF4-FFF2-40B4-BE49-F238E27FC236}">
+                <a16:creationId xmlns:a16="http://schemas.microsoft.com/office/drawing/2014/main" id="{902AA5CA-E395-C949-D7FD-44D58FD3E033}"/>
+              </a:ext>
+            </a:extLst>
+          </p:cNvPr>
           <p:cNvSpPr>
             <a:spLocks noGrp="1"/>
           </p:cNvSpPr>
@@ -7128,14 +7233,20 @@
           <a:p>
             <a:r>
               <a:rPr lang="en-US" dirty="0"/>
-              <a:t>Maybe this is desirable, maybe it's essential.</a:t>
+              <a:t>&lt;read slide&gt;</a:t>
             </a:r>
           </a:p>
         </p:txBody>
       </p:sp>
       <p:sp>
         <p:nvSpPr>
-          <p:cNvPr id="4" name="Slide Number Placeholder 3"/>
+          <p:cNvPr id="4" name="Slide Number Placeholder 3">
+            <a:extLst>
+              <a:ext uri="{FF2B5EF4-FFF2-40B4-BE49-F238E27FC236}">
+                <a16:creationId xmlns:a16="http://schemas.microsoft.com/office/drawing/2014/main" id="{B78FA531-5655-38B3-8972-813FDBBC4C3D}"/>
+              </a:ext>
+            </a:extLst>
+          </p:cNvPr>
           <p:cNvSpPr>
             <a:spLocks noGrp="1"/>
           </p:cNvSpPr>
@@ -7150,7 +7261,7 @@
           <a:p>
             <a:fld id="{07937F07-1250-4CCE-B198-1B2887014F41}" type="slidenum">
               <a:rPr lang="en-US" smtClean="0"/>
-              <a:t>22</a:t>
+              <a:t>19</a:t>
             </a:fld>
             <a:endParaRPr lang="en-US"/>
           </a:p>
@@ -7159,7 +7270,7 @@
     </p:spTree>
     <p:extLst>
       <p:ext uri="{BB962C8B-B14F-4D97-AF65-F5344CB8AC3E}">
-        <p14:creationId xmlns:p14="http://schemas.microsoft.com/office/powerpoint/2010/main" val="1160450813"/>
+        <p14:creationId xmlns:p14="http://schemas.microsoft.com/office/powerpoint/2010/main" val="2934249416"/>
       </p:ext>
     </p:extLst>
   </p:cSld>
@@ -7234,7 +7345,7 @@
           <a:p>
             <a:fld id="{07937F07-1250-4CCE-B198-1B2887014F41}" type="slidenum">
               <a:rPr lang="en-US" smtClean="0"/>
-              <a:t>24</a:t>
+              <a:t>20</a:t>
             </a:fld>
             <a:endParaRPr lang="en-US"/>
           </a:p>
@@ -7243,7 +7354,7 @@
     </p:spTree>
     <p:extLst>
       <p:ext uri="{BB962C8B-B14F-4D97-AF65-F5344CB8AC3E}">
-        <p14:creationId xmlns:p14="http://schemas.microsoft.com/office/powerpoint/2010/main" val="3305253114"/>
+        <p14:creationId xmlns:p14="http://schemas.microsoft.com/office/powerpoint/2010/main" val="916900605"/>
       </p:ext>
     </p:extLst>
   </p:cSld>
@@ -7297,10 +7408,7 @@
           <a:bodyPr/>
           <a:lstStyle/>
           <a:p>
-            <a:r>
-              <a:rPr lang="en-US" dirty="0"/>
-              <a:t>What do you think of these COSs?  Are they all essential?  Can you think of any satisfaction conditions that might be desirable, but not essential?  What conditions might you want "in the next version" (those would be extensions).</a:t>
-            </a:r>
+            <a:endParaRPr lang="en-US" dirty="0"/>
           </a:p>
         </p:txBody>
       </p:sp>
@@ -7321,16 +7429,16 @@
           <a:p>
             <a:fld id="{07937F07-1250-4CCE-B198-1B2887014F41}" type="slidenum">
               <a:rPr lang="en-US" smtClean="0"/>
-              <a:t>26</a:t>
+              <a:t>21</a:t>
             </a:fld>
-            <a:endParaRPr lang="en-US" dirty="0"/>
+            <a:endParaRPr lang="en-US"/>
           </a:p>
         </p:txBody>
       </p:sp>
     </p:spTree>
     <p:extLst>
       <p:ext uri="{BB962C8B-B14F-4D97-AF65-F5344CB8AC3E}">
-        <p14:creationId xmlns:p14="http://schemas.microsoft.com/office/powerpoint/2010/main" val="2313477615"/>
+        <p14:creationId xmlns:p14="http://schemas.microsoft.com/office/powerpoint/2010/main" val="1254446554"/>
       </p:ext>
     </p:extLst>
   </p:cSld>
@@ -7384,225 +7492,10 @@
           <a:bodyPr/>
           <a:lstStyle/>
           <a:p>
-            <a:pPr marL="0" marR="0" lvl="0" indent="0" algn="l" defTabSz="914400" rtl="0" eaLnBrk="1" fontAlgn="auto" latinLnBrk="0" hangingPunct="1">
-              <a:lnSpc>
-                <a:spcPct val="100000"/>
-              </a:lnSpc>
-              <a:spcBef>
-                <a:spcPts val="0"/>
-              </a:spcBef>
-              <a:spcAft>
-                <a:spcPts val="0"/>
-              </a:spcAft>
-              <a:buClrTx/>
-              <a:buSzTx/>
-              <a:buFontTx/>
-              <a:buNone/>
-              <a:tabLst/>
-              <a:defRPr/>
-            </a:pPr>
-            <a:r>
-              <a:rPr lang="en-US" sz="3600" dirty="0"/>
-              <a:t>What we've talked about so far are called "functional requirements"-- the minimum functions that a system must be able to perform.</a:t>
-            </a:r>
-          </a:p>
-          <a:p>
-            <a:pPr marL="0" marR="0" lvl="0" indent="0" algn="l" defTabSz="914400" rtl="0" eaLnBrk="1" fontAlgn="auto" latinLnBrk="0" hangingPunct="1">
-              <a:lnSpc>
-                <a:spcPct val="100000"/>
-              </a:lnSpc>
-              <a:spcBef>
-                <a:spcPts val="0"/>
-              </a:spcBef>
-              <a:spcAft>
-                <a:spcPts val="0"/>
-              </a:spcAft>
-              <a:buClrTx/>
-              <a:buSzTx/>
-              <a:buFontTx/>
-              <a:buNone/>
-              <a:tabLst/>
-              <a:defRPr/>
-            </a:pPr>
-            <a:endParaRPr lang="en-US" sz="3600" dirty="0"/>
-          </a:p>
-          <a:p>
-            <a:pPr marL="0" marR="0" lvl="0" indent="0" algn="l" defTabSz="914400" rtl="0" eaLnBrk="1" fontAlgn="auto" latinLnBrk="0" hangingPunct="1">
-              <a:lnSpc>
-                <a:spcPct val="100000"/>
-              </a:lnSpc>
-              <a:spcBef>
-                <a:spcPts val="0"/>
-              </a:spcBef>
-              <a:spcAft>
-                <a:spcPts val="0"/>
-              </a:spcAft>
-              <a:buClrTx/>
-              <a:buSzTx/>
-              <a:buFontTx/>
-              <a:buNone/>
-              <a:tabLst/>
-              <a:defRPr/>
-            </a:pPr>
-            <a:r>
-              <a:rPr lang="en-US" sz="3600" dirty="0"/>
-              <a:t>But there are other kinds of requirements.  These are called "non-functional" requirements.</a:t>
-            </a:r>
-          </a:p>
-          <a:p>
-            <a:pPr marL="0" marR="0" lvl="0" indent="0" algn="l" defTabSz="914400" rtl="0" eaLnBrk="1" fontAlgn="auto" latinLnBrk="0" hangingPunct="1">
-              <a:lnSpc>
-                <a:spcPct val="100000"/>
-              </a:lnSpc>
-              <a:spcBef>
-                <a:spcPts val="0"/>
-              </a:spcBef>
-              <a:spcAft>
-                <a:spcPts val="0"/>
-              </a:spcAft>
-              <a:buClrTx/>
-              <a:buSzTx/>
-              <a:buFontTx/>
-              <a:buNone/>
-              <a:tabLst/>
-              <a:defRPr/>
-            </a:pPr>
-            <a:endParaRPr lang="en-US" sz="3600" dirty="0"/>
-          </a:p>
-          <a:p>
-            <a:pPr marL="0" marR="0" lvl="0" indent="0" algn="l" defTabSz="914400" rtl="0" eaLnBrk="1" fontAlgn="auto" latinLnBrk="0" hangingPunct="1">
-              <a:lnSpc>
-                <a:spcPct val="100000"/>
-              </a:lnSpc>
-              <a:spcBef>
-                <a:spcPts val="0"/>
-              </a:spcBef>
-              <a:spcAft>
-                <a:spcPts val="0"/>
-              </a:spcAft>
-              <a:buClrTx/>
-              <a:buSzTx/>
-              <a:buFontTx/>
-              <a:buNone/>
-              <a:tabLst/>
-              <a:defRPr/>
-            </a:pPr>
-            <a:r>
-              <a:rPr lang="en-US" sz="3600" dirty="0"/>
-              <a:t>Non-functional requirements capture the </a:t>
-            </a:r>
-            <a:r>
-              <a:rPr lang="en-US" sz="3600" i="1" dirty="0"/>
-              <a:t>quality goals</a:t>
-            </a:r>
-            <a:r>
-              <a:rPr lang="en-US" sz="3600" i="0" dirty="0"/>
-              <a:t> of a system. </a:t>
-            </a:r>
-            <a:endParaRPr lang="en-US" sz="3600" dirty="0"/>
-          </a:p>
-          <a:p>
-            <a:pPr marL="0" marR="0" lvl="0" indent="0" algn="l" defTabSz="914400" rtl="0" eaLnBrk="1" fontAlgn="auto" latinLnBrk="0" hangingPunct="1">
-              <a:lnSpc>
-                <a:spcPct val="100000"/>
-              </a:lnSpc>
-              <a:spcBef>
-                <a:spcPts val="0"/>
-              </a:spcBef>
-              <a:spcAft>
-                <a:spcPts val="0"/>
-              </a:spcAft>
-              <a:buClrTx/>
-              <a:buSzTx/>
-              <a:buFontTx/>
-              <a:buNone/>
-              <a:tabLst/>
-              <a:defRPr/>
-            </a:pPr>
-            <a:endParaRPr lang="en-US" sz="3600" dirty="0"/>
-          </a:p>
-          <a:p>
-            <a:pPr marL="0" marR="0" lvl="0" indent="0" algn="l" defTabSz="914400" rtl="0" eaLnBrk="1" fontAlgn="auto" latinLnBrk="0" hangingPunct="1">
-              <a:lnSpc>
-                <a:spcPct val="100000"/>
-              </a:lnSpc>
-              <a:spcBef>
-                <a:spcPts val="0"/>
-              </a:spcBef>
-              <a:spcAft>
-                <a:spcPts val="0"/>
-              </a:spcAft>
-              <a:buClrTx/>
-              <a:buSzTx/>
-              <a:buFontTx/>
-              <a:buNone/>
-              <a:tabLst/>
-              <a:defRPr/>
-            </a:pPr>
-            <a:r>
-              <a:rPr lang="en-US" sz="3600" dirty="0"/>
-              <a:t>Here are some obvious ones  &lt;read slide&gt;</a:t>
-            </a:r>
-          </a:p>
-          <a:p>
-            <a:pPr marL="0" marR="0" lvl="0" indent="0" algn="l" defTabSz="914400" rtl="0" eaLnBrk="1" fontAlgn="auto" latinLnBrk="0" hangingPunct="1">
-              <a:lnSpc>
-                <a:spcPct val="100000"/>
-              </a:lnSpc>
-              <a:spcBef>
-                <a:spcPts val="0"/>
-              </a:spcBef>
-              <a:spcAft>
-                <a:spcPts val="0"/>
-              </a:spcAft>
-              <a:buClrTx/>
-              <a:buSzTx/>
-              <a:buFontTx/>
-              <a:buNone/>
-              <a:tabLst/>
-              <a:defRPr/>
-            </a:pPr>
-            <a:endParaRPr lang="en-US" sz="3600" dirty="0"/>
-          </a:p>
-          <a:p>
-            <a:pPr marL="0" marR="0" lvl="0" indent="0" algn="l" defTabSz="914400" rtl="0" eaLnBrk="1" fontAlgn="auto" latinLnBrk="0" hangingPunct="1">
-              <a:lnSpc>
-                <a:spcPct val="100000"/>
-              </a:lnSpc>
-              <a:spcBef>
-                <a:spcPts val="0"/>
-              </a:spcBef>
-              <a:spcAft>
-                <a:spcPts val="0"/>
-              </a:spcAft>
-              <a:buClrTx/>
-              <a:buSzTx/>
-              <a:buFontTx/>
-              <a:buNone/>
-              <a:tabLst/>
-              <a:defRPr/>
-            </a:pPr>
-            <a:endParaRPr lang="en-US" sz="3600" dirty="0"/>
-          </a:p>
-          <a:p>
-            <a:pPr marL="0" marR="0" lvl="0" indent="0" algn="l" defTabSz="914400" rtl="0" eaLnBrk="1" fontAlgn="auto" latinLnBrk="0" hangingPunct="1">
-              <a:lnSpc>
-                <a:spcPct val="100000"/>
-              </a:lnSpc>
-              <a:spcBef>
-                <a:spcPts val="0"/>
-              </a:spcBef>
-              <a:spcAft>
-                <a:spcPts val="0"/>
-              </a:spcAft>
-              <a:buClrTx/>
-              <a:buSzTx/>
-              <a:buFontTx/>
-              <a:buNone/>
-              <a:tabLst/>
-              <a:defRPr/>
-            </a:pPr>
-            <a:endParaRPr lang="en-US" sz="3600" dirty="0"/>
+            <a:r>
+              <a:rPr lang="en-US" dirty="0"/>
+              <a:t>Maybe this is desirable, maybe it's essential.</a:t>
+            </a:r>
           </a:p>
         </p:txBody>
       </p:sp>
@@ -7623,16 +7516,16 @@
           <a:p>
             <a:fld id="{07937F07-1250-4CCE-B198-1B2887014F41}" type="slidenum">
               <a:rPr lang="en-US" smtClean="0"/>
-              <a:t>27</a:t>
+              <a:t>25</a:t>
             </a:fld>
-            <a:endParaRPr lang="en-US" dirty="0"/>
+            <a:endParaRPr lang="en-US"/>
           </a:p>
         </p:txBody>
       </p:sp>
     </p:spTree>
     <p:extLst>
       <p:ext uri="{BB962C8B-B14F-4D97-AF65-F5344CB8AC3E}">
-        <p14:creationId xmlns:p14="http://schemas.microsoft.com/office/powerpoint/2010/main" val="1345260318"/>
+        <p14:creationId xmlns:p14="http://schemas.microsoft.com/office/powerpoint/2010/main" val="1160450813"/>
       </p:ext>
     </p:extLst>
   </p:cSld>
@@ -7770,30 +7663,6 @@
           <a:bodyPr/>
           <a:lstStyle/>
           <a:p>
-            <a:pPr marL="0" marR="0" lvl="0" indent="0" algn="l" defTabSz="914400" rtl="0" eaLnBrk="1" fontAlgn="auto" latinLnBrk="0" hangingPunct="1">
-              <a:lnSpc>
-                <a:spcPct val="100000"/>
-              </a:lnSpc>
-              <a:spcBef>
-                <a:spcPts val="0"/>
-              </a:spcBef>
-              <a:spcAft>
-                <a:spcPts val="0"/>
-              </a:spcAft>
-              <a:buClrTx/>
-              <a:buSzTx/>
-              <a:buFontTx/>
-              <a:buNone/>
-              <a:tabLst/>
-              <a:defRPr/>
-            </a:pPr>
-            <a:r>
-              <a:rPr lang="en-US" i="0" dirty="0"/>
-              <a:t>For example, one high-level goal is to say “I want performance”. But what does performance mean? You probably mean to say that you expect that the system has some particular capacity (in terms of simultaneous users), who can simultaneously have their requests satisfied within some response time. That’s still not the whole picture though, because you didn’t specify the efficiency of your system: what hardware resources does it use to achieve that performance?</a:t>
-            </a:r>
-            <a:endParaRPr lang="en-US" dirty="0"/>
-          </a:p>
-          <a:p>
             <a:endParaRPr lang="en-US" dirty="0"/>
           </a:p>
         </p:txBody>
@@ -7815,16 +7684,16 @@
           <a:p>
             <a:fld id="{07937F07-1250-4CCE-B198-1B2887014F41}" type="slidenum">
               <a:rPr lang="en-US" smtClean="0"/>
-              <a:t>28</a:t>
+              <a:t>27</a:t>
             </a:fld>
-            <a:endParaRPr lang="en-US" dirty="0"/>
+            <a:endParaRPr lang="en-US"/>
           </a:p>
         </p:txBody>
       </p:sp>
     </p:spTree>
     <p:extLst>
       <p:ext uri="{BB962C8B-B14F-4D97-AF65-F5344CB8AC3E}">
-        <p14:creationId xmlns:p14="http://schemas.microsoft.com/office/powerpoint/2010/main" val="1209461942"/>
+        <p14:creationId xmlns:p14="http://schemas.microsoft.com/office/powerpoint/2010/main" val="3305253114"/>
       </p:ext>
     </p:extLst>
   </p:cSld>
@@ -7878,47 +7747,10 @@
           <a:bodyPr/>
           <a:lstStyle/>
           <a:p>
-            <a:pPr marL="0" marR="0" lvl="0" indent="0" algn="l" defTabSz="914400" rtl="0" eaLnBrk="1" fontAlgn="auto" latinLnBrk="0" hangingPunct="1">
-              <a:lnSpc>
-                <a:spcPct val="100000"/>
-              </a:lnSpc>
-              <a:spcBef>
-                <a:spcPts val="0"/>
-              </a:spcBef>
-              <a:spcAft>
-                <a:spcPts val="0"/>
-              </a:spcAft>
-              <a:buClrTx/>
-              <a:buSzTx/>
-              <a:buFontTx/>
-              <a:buNone/>
-              <a:tabLst/>
-              <a:defRPr/>
-            </a:pPr>
-            <a:r>
-              <a:rPr lang="en-US" i="0" dirty="0"/>
-              <a:t>Here are some other categories of non-functional requirements.</a:t>
-            </a:r>
-          </a:p>
-          <a:p>
-            <a:pPr marL="0" marR="0" lvl="0" indent="0" algn="l" defTabSz="914400" rtl="0" eaLnBrk="1" fontAlgn="auto" latinLnBrk="0" hangingPunct="1">
-              <a:lnSpc>
-                <a:spcPct val="100000"/>
-              </a:lnSpc>
-              <a:spcBef>
-                <a:spcPts val="0"/>
-              </a:spcBef>
-              <a:spcAft>
-                <a:spcPts val="0"/>
-              </a:spcAft>
-              <a:buClrTx/>
-              <a:buSzTx/>
-              <a:buFontTx/>
-              <a:buNone/>
-              <a:tabLst/>
-              <a:defRPr/>
-            </a:pPr>
-            <a:endParaRPr lang="en-US" i="0" dirty="0"/>
+            <a:r>
+              <a:rPr lang="en-US" dirty="0"/>
+              <a:t>What do you think of these COSs?  Are they all essential?  Can you think of any satisfaction conditions that might be desirable, but not essential?  What conditions might you want "in the next version" (those would be extensions).</a:t>
+            </a:r>
           </a:p>
         </p:txBody>
       </p:sp>
@@ -7948,7 +7780,7 @@
     </p:spTree>
     <p:extLst>
       <p:ext uri="{BB962C8B-B14F-4D97-AF65-F5344CB8AC3E}">
-        <p14:creationId xmlns:p14="http://schemas.microsoft.com/office/powerpoint/2010/main" val="1539519105"/>
+        <p14:creationId xmlns:p14="http://schemas.microsoft.com/office/powerpoint/2010/main" val="2313477615"/>
       </p:ext>
     </p:extLst>
   </p:cSld>
@@ -8020,8 +7852,8 @@
               <a:defRPr/>
             </a:pPr>
             <a:r>
-              <a:rPr lang="en-US" dirty="0"/>
-              <a:t>Non-functional requirements might also impact the static existence of the system, or its evolution.</a:t>
+              <a:rPr lang="en-US" sz="3600" dirty="0"/>
+              <a:t>What we've talked about so far are called "functional requirements"-- the minimum functions that a system must be able to perform.</a:t>
             </a:r>
           </a:p>
           <a:p>
@@ -8042,7 +7874,7 @@
               <a:tabLst/>
               <a:defRPr/>
             </a:pPr>
-            <a:endParaRPr lang="en-US" dirty="0"/>
+            <a:endParaRPr lang="en-US" sz="3600" dirty="0"/>
           </a:p>
           <a:p>
             <a:pPr marL="0" marR="0" lvl="0" indent="0" algn="l" defTabSz="914400" rtl="0" eaLnBrk="1" fontAlgn="auto" latinLnBrk="0" hangingPunct="1">
@@ -8063,9 +7895,164 @@
               <a:defRPr/>
             </a:pPr>
             <a:r>
-              <a:rPr lang="en-US" dirty="0"/>
-              <a:t>For example, if a customer intends for your software to be particularly long-lasting, and to be able to be extended – this needs to be said. Similarly, if there are specific testing requirements that your customer needs to comply with, there may be testability requirements, that define the effort needed to test the behaviors of that system.</a:t>
-            </a:r>
+              <a:rPr lang="en-US" sz="3600" dirty="0"/>
+              <a:t>But there are other kinds of requirements.  These are called "non-functional" requirements.</a:t>
+            </a:r>
+          </a:p>
+          <a:p>
+            <a:pPr marL="0" marR="0" lvl="0" indent="0" algn="l" defTabSz="914400" rtl="0" eaLnBrk="1" fontAlgn="auto" latinLnBrk="0" hangingPunct="1">
+              <a:lnSpc>
+                <a:spcPct val="100000"/>
+              </a:lnSpc>
+              <a:spcBef>
+                <a:spcPts val="0"/>
+              </a:spcBef>
+              <a:spcAft>
+                <a:spcPts val="0"/>
+              </a:spcAft>
+              <a:buClrTx/>
+              <a:buSzTx/>
+              <a:buFontTx/>
+              <a:buNone/>
+              <a:tabLst/>
+              <a:defRPr/>
+            </a:pPr>
+            <a:endParaRPr lang="en-US" sz="3600" dirty="0"/>
+          </a:p>
+          <a:p>
+            <a:pPr marL="0" marR="0" lvl="0" indent="0" algn="l" defTabSz="914400" rtl="0" eaLnBrk="1" fontAlgn="auto" latinLnBrk="0" hangingPunct="1">
+              <a:lnSpc>
+                <a:spcPct val="100000"/>
+              </a:lnSpc>
+              <a:spcBef>
+                <a:spcPts val="0"/>
+              </a:spcBef>
+              <a:spcAft>
+                <a:spcPts val="0"/>
+              </a:spcAft>
+              <a:buClrTx/>
+              <a:buSzTx/>
+              <a:buFontTx/>
+              <a:buNone/>
+              <a:tabLst/>
+              <a:defRPr/>
+            </a:pPr>
+            <a:r>
+              <a:rPr lang="en-US" sz="3600" dirty="0"/>
+              <a:t>Non-functional requirements capture the </a:t>
+            </a:r>
+            <a:r>
+              <a:rPr lang="en-US" sz="3600" i="1" dirty="0"/>
+              <a:t>quality goals</a:t>
+            </a:r>
+            <a:r>
+              <a:rPr lang="en-US" sz="3600" i="0" dirty="0"/>
+              <a:t> of a system. </a:t>
+            </a:r>
+            <a:endParaRPr lang="en-US" sz="3600" dirty="0"/>
+          </a:p>
+          <a:p>
+            <a:pPr marL="0" marR="0" lvl="0" indent="0" algn="l" defTabSz="914400" rtl="0" eaLnBrk="1" fontAlgn="auto" latinLnBrk="0" hangingPunct="1">
+              <a:lnSpc>
+                <a:spcPct val="100000"/>
+              </a:lnSpc>
+              <a:spcBef>
+                <a:spcPts val="0"/>
+              </a:spcBef>
+              <a:spcAft>
+                <a:spcPts val="0"/>
+              </a:spcAft>
+              <a:buClrTx/>
+              <a:buSzTx/>
+              <a:buFontTx/>
+              <a:buNone/>
+              <a:tabLst/>
+              <a:defRPr/>
+            </a:pPr>
+            <a:endParaRPr lang="en-US" sz="3600" dirty="0"/>
+          </a:p>
+          <a:p>
+            <a:pPr marL="0" marR="0" lvl="0" indent="0" algn="l" defTabSz="914400" rtl="0" eaLnBrk="1" fontAlgn="auto" latinLnBrk="0" hangingPunct="1">
+              <a:lnSpc>
+                <a:spcPct val="100000"/>
+              </a:lnSpc>
+              <a:spcBef>
+                <a:spcPts val="0"/>
+              </a:spcBef>
+              <a:spcAft>
+                <a:spcPts val="0"/>
+              </a:spcAft>
+              <a:buClrTx/>
+              <a:buSzTx/>
+              <a:buFontTx/>
+              <a:buNone/>
+              <a:tabLst/>
+              <a:defRPr/>
+            </a:pPr>
+            <a:r>
+              <a:rPr lang="en-US" sz="3600" dirty="0"/>
+              <a:t>Here are some obvious ones  &lt;read slide&gt;</a:t>
+            </a:r>
+          </a:p>
+          <a:p>
+            <a:pPr marL="0" marR="0" lvl="0" indent="0" algn="l" defTabSz="914400" rtl="0" eaLnBrk="1" fontAlgn="auto" latinLnBrk="0" hangingPunct="1">
+              <a:lnSpc>
+                <a:spcPct val="100000"/>
+              </a:lnSpc>
+              <a:spcBef>
+                <a:spcPts val="0"/>
+              </a:spcBef>
+              <a:spcAft>
+                <a:spcPts val="0"/>
+              </a:spcAft>
+              <a:buClrTx/>
+              <a:buSzTx/>
+              <a:buFontTx/>
+              <a:buNone/>
+              <a:tabLst/>
+              <a:defRPr/>
+            </a:pPr>
+            <a:endParaRPr lang="en-US" sz="3600" dirty="0"/>
+          </a:p>
+          <a:p>
+            <a:pPr marL="0" marR="0" lvl="0" indent="0" algn="l" defTabSz="914400" rtl="0" eaLnBrk="1" fontAlgn="auto" latinLnBrk="0" hangingPunct="1">
+              <a:lnSpc>
+                <a:spcPct val="100000"/>
+              </a:lnSpc>
+              <a:spcBef>
+                <a:spcPts val="0"/>
+              </a:spcBef>
+              <a:spcAft>
+                <a:spcPts val="0"/>
+              </a:spcAft>
+              <a:buClrTx/>
+              <a:buSzTx/>
+              <a:buFontTx/>
+              <a:buNone/>
+              <a:tabLst/>
+              <a:defRPr/>
+            </a:pPr>
+            <a:endParaRPr lang="en-US" sz="3600" dirty="0"/>
+          </a:p>
+          <a:p>
+            <a:pPr marL="0" marR="0" lvl="0" indent="0" algn="l" defTabSz="914400" rtl="0" eaLnBrk="1" fontAlgn="auto" latinLnBrk="0" hangingPunct="1">
+              <a:lnSpc>
+                <a:spcPct val="100000"/>
+              </a:lnSpc>
+              <a:spcBef>
+                <a:spcPts val="0"/>
+              </a:spcBef>
+              <a:spcAft>
+                <a:spcPts val="0"/>
+              </a:spcAft>
+              <a:buClrTx/>
+              <a:buSzTx/>
+              <a:buFontTx/>
+              <a:buNone/>
+              <a:tabLst/>
+              <a:defRPr/>
+            </a:pPr>
+            <a:endParaRPr lang="en-US" sz="3600" dirty="0"/>
           </a:p>
         </p:txBody>
       </p:sp>
@@ -8095,7 +8082,7 @@
     </p:spTree>
     <p:extLst>
       <p:ext uri="{BB962C8B-B14F-4D97-AF65-F5344CB8AC3E}">
-        <p14:creationId xmlns:p14="http://schemas.microsoft.com/office/powerpoint/2010/main" val="3523526305"/>
+        <p14:creationId xmlns:p14="http://schemas.microsoft.com/office/powerpoint/2010/main" val="1345260318"/>
       </p:ext>
     </p:extLst>
   </p:cSld>
@@ -8149,97 +8136,6 @@
           <a:bodyPr/>
           <a:lstStyle/>
           <a:p>
-            <a:r>
-              <a:rPr lang="en-US" dirty="0"/>
-              <a:t>INVEST is a popular mnemonic for describing what makes a good user story</a:t>
-            </a:r>
-          </a:p>
-          <a:p>
-            <a:endParaRPr lang="en-US" dirty="0"/>
-          </a:p>
-          <a:p>
-            <a:r>
-              <a:rPr lang="en-US" dirty="0"/>
-              <a:t>Independent – Stories should not be coupled between each other, except where obviously necessary. Want to make it so that a user can examine a story on its own</a:t>
-            </a:r>
-          </a:p>
-          <a:p>
-            <a:br>
-              <a:rPr lang="en-US" dirty="0"/>
-            </a:br>
-            <a:r>
-              <a:rPr lang="en-US" dirty="0"/>
-              <a:t>Negotiable – Best stories are result of a negotiation between a client and a developer – how do we come to some mutual agreement about what we are going to build, and why? Goal is to develop what the customer needs</a:t>
-            </a:r>
-          </a:p>
-          <a:p>
-            <a:endParaRPr lang="en-US" dirty="0"/>
-          </a:p>
-          <a:p>
-            <a:r>
-              <a:rPr lang="en-US" dirty="0"/>
-              <a:t>Valuable – Each story should have some benefit that the client can recognize. Value might include value to your business, not just value to the user.</a:t>
-            </a:r>
-          </a:p>
-          <a:p>
-            <a:endParaRPr lang="en-US" dirty="0"/>
-          </a:p>
-          <a:p>
-            <a:r>
-              <a:rPr lang="en-US" dirty="0"/>
-              <a:t>Estimable (that is, </a:t>
-            </a:r>
-            <a:r>
-              <a:rPr lang="en-US" dirty="0" err="1"/>
-              <a:t>estimatable</a:t>
-            </a:r>
-            <a:r>
-              <a:rPr lang="en-US" dirty="0"/>
-              <a:t>) – As we will see in a bit, being able to estimate how long it will take to implement a user story is key to determining a reasonable scope for your project</a:t>
-            </a:r>
-          </a:p>
-          <a:p>
-            <a:endParaRPr lang="en-US" dirty="0"/>
-          </a:p>
-          <a:p>
-            <a:r>
-              <a:rPr lang="en-US" dirty="0"/>
-              <a:t>Small – In  the real world, a rule of thumb is to average 3-4 days of work per story for a full-time developer.  For our projects, it might be something a single student might be able to accomplish in a week, along with their other obligations as a student.</a:t>
-            </a:r>
-          </a:p>
-          <a:p>
-            <a:endParaRPr lang="en-US" dirty="0"/>
-          </a:p>
-          <a:p>
-            <a:r>
-              <a:rPr lang="en-US" dirty="0"/>
-              <a:t>Testable – There must be some way to judge completion: for the person implementing the software, and for the end-user. </a:t>
-            </a:r>
-          </a:p>
-          <a:p>
-            <a:endParaRPr lang="en-US" dirty="0"/>
-          </a:p>
-          <a:p>
-            <a:r>
-              <a:rPr lang="en-US" dirty="0"/>
-              <a:t>https://</a:t>
-            </a:r>
-            <a:r>
-              <a:rPr lang="en-US" dirty="0" err="1"/>
-              <a:t>agileforall.com</a:t>
-            </a:r>
-            <a:r>
-              <a:rPr lang="en-US" dirty="0"/>
-              <a:t>/new-to-agile-invest-in-good-user-stories/</a:t>
-            </a:r>
-          </a:p>
-          <a:p>
-            <a:endParaRPr lang="en-US" dirty="0"/>
-          </a:p>
-          <a:p>
-            <a:endParaRPr lang="en-US" dirty="0"/>
-          </a:p>
-          <a:p>
             <a:pPr marL="0" marR="0" lvl="0" indent="0" algn="l" defTabSz="914400" rtl="0" eaLnBrk="1" fontAlgn="auto" latinLnBrk="0" hangingPunct="1">
               <a:lnSpc>
                 <a:spcPct val="100000"/>
@@ -8258,9 +8154,13 @@
               <a:defRPr/>
             </a:pPr>
             <a:r>
-              <a:rPr lang="en-US" dirty="0"/>
-              <a:t>… Let’s see an example and work through some of the tricky bits</a:t>
-            </a:r>
+              <a:rPr lang="en-US" i="0" dirty="0"/>
+              <a:t>For example, one high-level goal is to say “I want performance”. But what does performance mean? You probably mean to say that you expect that the system has some particular capacity (in terms of simultaneous users), who can simultaneously have their requests satisfied within some response time. That’s still not the whole picture though, because you didn’t specify the efficiency of your system: what hardware resources does it use to achieve that performance?</a:t>
+            </a:r>
+            <a:endParaRPr lang="en-US" dirty="0"/>
+          </a:p>
+          <a:p>
+            <a:endParaRPr lang="en-US" dirty="0"/>
           </a:p>
         </p:txBody>
       </p:sp>
@@ -8283,14 +8183,14 @@
               <a:rPr lang="en-US" smtClean="0"/>
               <a:t>31</a:t>
             </a:fld>
-            <a:endParaRPr lang="en-US"/>
+            <a:endParaRPr lang="en-US" dirty="0"/>
           </a:p>
         </p:txBody>
       </p:sp>
     </p:spTree>
     <p:extLst>
       <p:ext uri="{BB962C8B-B14F-4D97-AF65-F5344CB8AC3E}">
-        <p14:creationId xmlns:p14="http://schemas.microsoft.com/office/powerpoint/2010/main" val="1695675977"/>
+        <p14:creationId xmlns:p14="http://schemas.microsoft.com/office/powerpoint/2010/main" val="1209461942"/>
       </p:ext>
     </p:extLst>
   </p:cSld>
@@ -8344,7 +8244,47 @@
           <a:bodyPr/>
           <a:lstStyle/>
           <a:p>
-            <a:endParaRPr lang="en-US" dirty="0"/>
+            <a:pPr marL="0" marR="0" lvl="0" indent="0" algn="l" defTabSz="914400" rtl="0" eaLnBrk="1" fontAlgn="auto" latinLnBrk="0" hangingPunct="1">
+              <a:lnSpc>
+                <a:spcPct val="100000"/>
+              </a:lnSpc>
+              <a:spcBef>
+                <a:spcPts val="0"/>
+              </a:spcBef>
+              <a:spcAft>
+                <a:spcPts val="0"/>
+              </a:spcAft>
+              <a:buClrTx/>
+              <a:buSzTx/>
+              <a:buFontTx/>
+              <a:buNone/>
+              <a:tabLst/>
+              <a:defRPr/>
+            </a:pPr>
+            <a:r>
+              <a:rPr lang="en-US" i="0" dirty="0"/>
+              <a:t>Here are some other categories of non-functional requirements.</a:t>
+            </a:r>
+          </a:p>
+          <a:p>
+            <a:pPr marL="0" marR="0" lvl="0" indent="0" algn="l" defTabSz="914400" rtl="0" eaLnBrk="1" fontAlgn="auto" latinLnBrk="0" hangingPunct="1">
+              <a:lnSpc>
+                <a:spcPct val="100000"/>
+              </a:lnSpc>
+              <a:spcBef>
+                <a:spcPts val="0"/>
+              </a:spcBef>
+              <a:spcAft>
+                <a:spcPts val="0"/>
+              </a:spcAft>
+              <a:buClrTx/>
+              <a:buSzTx/>
+              <a:buFontTx/>
+              <a:buNone/>
+              <a:tabLst/>
+              <a:defRPr/>
+            </a:pPr>
+            <a:endParaRPr lang="en-US" i="0" dirty="0"/>
           </a:p>
         </p:txBody>
       </p:sp>
@@ -8367,14 +8307,14 @@
               <a:rPr lang="en-US" smtClean="0"/>
               <a:t>32</a:t>
             </a:fld>
-            <a:endParaRPr lang="en-US"/>
+            <a:endParaRPr lang="en-US" dirty="0"/>
           </a:p>
         </p:txBody>
       </p:sp>
     </p:spTree>
     <p:extLst>
       <p:ext uri="{BB962C8B-B14F-4D97-AF65-F5344CB8AC3E}">
-        <p14:creationId xmlns:p14="http://schemas.microsoft.com/office/powerpoint/2010/main" val="829497123"/>
+        <p14:creationId xmlns:p14="http://schemas.microsoft.com/office/powerpoint/2010/main" val="1539519105"/>
       </p:ext>
     </p:extLst>
   </p:cSld>
@@ -8428,48 +8368,69 @@
           <a:bodyPr/>
           <a:lstStyle/>
           <a:p>
-            <a:r>
-              <a:rPr lang="en-US" dirty="0"/>
-              <a:t>Emphasize that VSD is a framework to help reason about value-based choices. It is not a prescription of ethics.</a:t>
-            </a:r>
-          </a:p>
-          <a:p>
+            <a:pPr marL="0" marR="0" lvl="0" indent="0" algn="l" defTabSz="914400" rtl="0" eaLnBrk="1" fontAlgn="auto" latinLnBrk="0" hangingPunct="1">
+              <a:lnSpc>
+                <a:spcPct val="100000"/>
+              </a:lnSpc>
+              <a:spcBef>
+                <a:spcPts val="0"/>
+              </a:spcBef>
+              <a:spcAft>
+                <a:spcPts val="0"/>
+              </a:spcAft>
+              <a:buClrTx/>
+              <a:buSzTx/>
+              <a:buFontTx/>
+              <a:buNone/>
+              <a:tabLst/>
+              <a:defRPr/>
+            </a:pPr>
+            <a:r>
+              <a:rPr lang="en-US" dirty="0"/>
+              <a:t>Non-functional requirements might also impact the static existence of the system, or its evolution.</a:t>
+            </a:r>
+          </a:p>
+          <a:p>
+            <a:pPr marL="0" marR="0" lvl="0" indent="0" algn="l" defTabSz="914400" rtl="0" eaLnBrk="1" fontAlgn="auto" latinLnBrk="0" hangingPunct="1">
+              <a:lnSpc>
+                <a:spcPct val="100000"/>
+              </a:lnSpc>
+              <a:spcBef>
+                <a:spcPts val="0"/>
+              </a:spcBef>
+              <a:spcAft>
+                <a:spcPts val="0"/>
+              </a:spcAft>
+              <a:buClrTx/>
+              <a:buSzTx/>
+              <a:buFontTx/>
+              <a:buNone/>
+              <a:tabLst/>
+              <a:defRPr/>
+            </a:pPr>
             <a:endParaRPr lang="en-US" dirty="0"/>
           </a:p>
           <a:p>
-            <a:r>
-              <a:rPr lang="en-US" dirty="0"/>
-              <a:t>The process of VSD includes three kinds of investigations:</a:t>
-            </a:r>
-          </a:p>
-          <a:p>
-            <a:pPr marL="171450" indent="-171450">
+            <a:pPr marL="0" marR="0" lvl="0" indent="0" algn="l" defTabSz="914400" rtl="0" eaLnBrk="1" fontAlgn="auto" latinLnBrk="0" hangingPunct="1">
+              <a:lnSpc>
+                <a:spcPct val="100000"/>
+              </a:lnSpc>
+              <a:spcBef>
+                <a:spcPts val="0"/>
+              </a:spcBef>
+              <a:spcAft>
+                <a:spcPts val="0"/>
+              </a:spcAft>
+              <a:buClrTx/>
+              <a:buSzTx/>
               <a:buFontTx/>
-              <a:buChar char="-"/>
+              <a:buNone/>
+              <a:tabLst/>
+              <a:defRPr/>
             </a:pPr>
             <a:r>
               <a:rPr lang="en-US" dirty="0"/>
-              <a:t>Empirical: This is about understanding how the value works in real life based on observations made in the field or from life experiences.</a:t>
-            </a:r>
-          </a:p>
-          <a:p>
-            <a:pPr marL="171450" indent="-171450">
-              <a:buFontTx/>
-              <a:buChar char="-"/>
-            </a:pPr>
-            <a:r>
-              <a:rPr lang="en-US" dirty="0"/>
-              <a:t>Value: Involves identifying stakeholders, thinking about their goals and values and then finally resolving the value tensions arising from conflicting interests of stakeholders.</a:t>
-            </a:r>
-          </a:p>
-          <a:p>
-            <a:pPr marL="171450" indent="-171450">
-              <a:buFontTx/>
-              <a:buChar char="-"/>
-            </a:pPr>
-            <a:r>
-              <a:rPr lang="en-US" dirty="0"/>
-              <a:t>Technical: The technical feasibility of implementing the solutions.</a:t>
+              <a:t>For example, if a customer intends for your software to be particularly long-lasting, and to be able to be extended – this needs to be said. Similarly, if there are specific testing requirements that your customer needs to comply with, there may be testability requirements, that define the effort needed to test the behaviors of that system.</a:t>
             </a:r>
           </a:p>
         </p:txBody>
@@ -8493,14 +8454,14 @@
               <a:rPr lang="en-US" smtClean="0"/>
               <a:t>33</a:t>
             </a:fld>
-            <a:endParaRPr lang="en-US"/>
+            <a:endParaRPr lang="en-US" dirty="0"/>
           </a:p>
         </p:txBody>
       </p:sp>
     </p:spTree>
     <p:extLst>
       <p:ext uri="{BB962C8B-B14F-4D97-AF65-F5344CB8AC3E}">
-        <p14:creationId xmlns:p14="http://schemas.microsoft.com/office/powerpoint/2010/main" val="10009787"/>
+        <p14:creationId xmlns:p14="http://schemas.microsoft.com/office/powerpoint/2010/main" val="3523526305"/>
       </p:ext>
     </p:extLst>
   </p:cSld>
@@ -8556,37 +8517,115 @@
           <a:p>
             <a:r>
               <a:rPr lang="en-US" dirty="0"/>
-              <a:t>The slide illustrates how to use VSD to think about a value like informed consent:</a:t>
+              <a:t>INVEST is a popular mnemonic for describing what makes a good user story</a:t>
             </a:r>
           </a:p>
           <a:p>
             <a:endParaRPr lang="en-US" dirty="0"/>
           </a:p>
           <a:p>
-            <a:pPr marL="228600" indent="-228600">
-              <a:buAutoNum type="arabicPeriod"/>
+            <a:r>
+              <a:rPr lang="en-US" dirty="0"/>
+              <a:t>Independent – Stories should not be coupled between each other, except where obviously necessary. Want to make it so that a user can examine a story on its own</a:t>
+            </a:r>
+          </a:p>
+          <a:p>
+            <a:br>
+              <a:rPr lang="en-US" dirty="0"/>
+            </a:br>
+            <a:r>
+              <a:rPr lang="en-US" dirty="0"/>
+              <a:t>Negotiable – Best stories are result of a negotiation between a client and a developer – how do we come to some mutual agreement about what we are going to build, and why? Goal is to develop what the customer needs</a:t>
+            </a:r>
+          </a:p>
+          <a:p>
+            <a:endParaRPr lang="en-US" dirty="0"/>
+          </a:p>
+          <a:p>
+            <a:r>
+              <a:rPr lang="en-US" dirty="0"/>
+              <a:t>Valuable – Each story should have some benefit that the client can recognize. Value might include value to your business, not just value to the user.</a:t>
+            </a:r>
+          </a:p>
+          <a:p>
+            <a:endParaRPr lang="en-US" dirty="0"/>
+          </a:p>
+          <a:p>
+            <a:r>
+              <a:rPr lang="en-US" dirty="0"/>
+              <a:t>Estimable (that is, </a:t>
+            </a:r>
+            <a:r>
+              <a:rPr lang="en-US" dirty="0" err="1"/>
+              <a:t>estimatable</a:t>
+            </a:r>
+            <a:r>
+              <a:rPr lang="en-US" dirty="0"/>
+              <a:t>) – As we will see in a bit, being able to estimate how long it will take to implement a user story is key to determining a reasonable scope for your project</a:t>
+            </a:r>
+          </a:p>
+          <a:p>
+            <a:endParaRPr lang="en-US" dirty="0"/>
+          </a:p>
+          <a:p>
+            <a:r>
+              <a:rPr lang="en-US" dirty="0"/>
+              <a:t>Small – In  the real world, a rule of thumb is to average 3-4 days of work per story for a full-time developer.  For our projects, it might be something a single student might be able to accomplish in a week, along with their other obligations as a student.</a:t>
+            </a:r>
+          </a:p>
+          <a:p>
+            <a:endParaRPr lang="en-US" dirty="0"/>
+          </a:p>
+          <a:p>
+            <a:r>
+              <a:rPr lang="en-US" dirty="0"/>
+              <a:t>Testable – There must be some way to judge completion: for the person implementing the software, and for the end-user. </a:t>
+            </a:r>
+          </a:p>
+          <a:p>
+            <a:endParaRPr lang="en-US" dirty="0"/>
+          </a:p>
+          <a:p>
+            <a:r>
+              <a:rPr lang="en-US" dirty="0"/>
+              <a:t>https://</a:t>
+            </a:r>
+            <a:r>
+              <a:rPr lang="en-US" dirty="0" err="1"/>
+              <a:t>agileforall.com</a:t>
+            </a:r>
+            <a:r>
+              <a:rPr lang="en-US" dirty="0"/>
+              <a:t>/new-to-agile-invest-in-good-user-stories/</a:t>
+            </a:r>
+          </a:p>
+          <a:p>
+            <a:endParaRPr lang="en-US" dirty="0"/>
+          </a:p>
+          <a:p>
+            <a:endParaRPr lang="en-US" dirty="0"/>
+          </a:p>
+          <a:p>
+            <a:pPr marL="0" marR="0" lvl="0" indent="0" algn="l" defTabSz="914400" rtl="0" eaLnBrk="1" fontAlgn="auto" latinLnBrk="0" hangingPunct="1">
+              <a:lnSpc>
+                <a:spcPct val="100000"/>
+              </a:lnSpc>
+              <a:spcBef>
+                <a:spcPts val="0"/>
+              </a:spcBef>
+              <a:spcAft>
+                <a:spcPts val="0"/>
+              </a:spcAft>
+              <a:buClrTx/>
+              <a:buSzTx/>
+              <a:buFontTx/>
+              <a:buNone/>
+              <a:tabLst/>
+              <a:defRPr/>
             </a:pPr>
             <a:r>
               <a:rPr lang="en-US" dirty="0"/>
-              <a:t>Do an empirical investigation which involves understanding the meaning of the value. In this case understanding informed consent hinges on four concepts as outlined. Often to understand a value one will have to collaborate with experts in a field such as sociologists, philosophers, domain experts. </a:t>
-            </a:r>
-          </a:p>
-          <a:p>
-            <a:pPr marL="228600" indent="-228600">
-              <a:buAutoNum type="arabicPeriod"/>
-            </a:pPr>
-            <a:r>
-              <a:rPr lang="en-US" dirty="0"/>
-              <a:t>Identify the stakeholders and value tensions. For e.g., the stakeholders here could be site users and site owners. Their interests may align or conflict. For e.g., site users may want to be anonymous, but site owners might want to monetize site usage by sharing personal usage data with advertisers. On the other hand they may align if the site owners want to make accountability and transparently a core value of their operations.</a:t>
-            </a:r>
-          </a:p>
-          <a:p>
-            <a:pPr marL="228600" indent="-228600">
-              <a:buAutoNum type="arabicPeriod"/>
-            </a:pPr>
-            <a:r>
-              <a:rPr lang="en-US" dirty="0"/>
-              <a:t>Cookies in browsers are one way to collect personal information after taking permission from the users.</a:t>
+              <a:t>… Let’s see an example and work through some of the tricky bits</a:t>
             </a:r>
           </a:p>
         </p:txBody>
@@ -8617,7 +8656,7 @@
     </p:spTree>
     <p:extLst>
       <p:ext uri="{BB962C8B-B14F-4D97-AF65-F5344CB8AC3E}">
-        <p14:creationId xmlns:p14="http://schemas.microsoft.com/office/powerpoint/2010/main" val="589351339"/>
+        <p14:creationId xmlns:p14="http://schemas.microsoft.com/office/powerpoint/2010/main" val="1695675977"/>
       </p:ext>
     </p:extLst>
   </p:cSld>
@@ -8701,7 +8740,7 @@
     </p:spTree>
     <p:extLst>
       <p:ext uri="{BB962C8B-B14F-4D97-AF65-F5344CB8AC3E}">
-        <p14:creationId xmlns:p14="http://schemas.microsoft.com/office/powerpoint/2010/main" val="1638367211"/>
+        <p14:creationId xmlns:p14="http://schemas.microsoft.com/office/powerpoint/2010/main" val="829497123"/>
       </p:ext>
     </p:extLst>
   </p:cSld>
@@ -8755,7 +8794,49 @@
           <a:bodyPr/>
           <a:lstStyle/>
           <a:p>
+            <a:r>
+              <a:rPr lang="en-US" dirty="0"/>
+              <a:t>Emphasize that VSD is a framework to help reason about value-based choices. It is not a prescription of ethics.</a:t>
+            </a:r>
+          </a:p>
+          <a:p>
             <a:endParaRPr lang="en-US" dirty="0"/>
+          </a:p>
+          <a:p>
+            <a:r>
+              <a:rPr lang="en-US" dirty="0"/>
+              <a:t>The process of VSD includes three kinds of investigations:</a:t>
+            </a:r>
+          </a:p>
+          <a:p>
+            <a:pPr marL="171450" indent="-171450">
+              <a:buFontTx/>
+              <a:buChar char="-"/>
+            </a:pPr>
+            <a:r>
+              <a:rPr lang="en-US" dirty="0"/>
+              <a:t>Empirical: This is about understanding how the value works in real life based on observations made in the field or from life experiences.</a:t>
+            </a:r>
+          </a:p>
+          <a:p>
+            <a:pPr marL="171450" indent="-171450">
+              <a:buFontTx/>
+              <a:buChar char="-"/>
+            </a:pPr>
+            <a:r>
+              <a:rPr lang="en-US" dirty="0"/>
+              <a:t>Value: Involves identifying stakeholders, thinking about their goals and values and then finally resolving the value tensions arising from conflicting interests of stakeholders.</a:t>
+            </a:r>
+          </a:p>
+          <a:p>
+            <a:pPr marL="171450" indent="-171450">
+              <a:buFontTx/>
+              <a:buChar char="-"/>
+            </a:pPr>
+            <a:r>
+              <a:rPr lang="en-US" dirty="0"/>
+              <a:t>Technical: The technical feasibility of implementing the solutions.</a:t>
+            </a:r>
           </a:p>
         </p:txBody>
       </p:sp>
@@ -8785,7 +8866,7 @@
     </p:spTree>
     <p:extLst>
       <p:ext uri="{BB962C8B-B14F-4D97-AF65-F5344CB8AC3E}">
-        <p14:creationId xmlns:p14="http://schemas.microsoft.com/office/powerpoint/2010/main" val="2160731417"/>
+        <p14:creationId xmlns:p14="http://schemas.microsoft.com/office/powerpoint/2010/main" val="10009787"/>
       </p:ext>
     </p:extLst>
   </p:cSld>
@@ -8839,7 +8920,40 @@
           <a:bodyPr/>
           <a:lstStyle/>
           <a:p>
+            <a:r>
+              <a:rPr lang="en-US" dirty="0"/>
+              <a:t>The slide illustrates how to use VSD to think about a value like informed consent:</a:t>
+            </a:r>
+          </a:p>
+          <a:p>
             <a:endParaRPr lang="en-US" dirty="0"/>
+          </a:p>
+          <a:p>
+            <a:pPr marL="228600" indent="-228600">
+              <a:buAutoNum type="arabicPeriod"/>
+            </a:pPr>
+            <a:r>
+              <a:rPr lang="en-US" dirty="0"/>
+              <a:t>Do an empirical investigation which involves understanding the meaning of the value. In this case understanding informed consent hinges on four concepts as outlined. Often to understand a value one will have to collaborate with experts in a field such as sociologists, philosophers, domain experts. </a:t>
+            </a:r>
+          </a:p>
+          <a:p>
+            <a:pPr marL="228600" indent="-228600">
+              <a:buAutoNum type="arabicPeriod"/>
+            </a:pPr>
+            <a:r>
+              <a:rPr lang="en-US" dirty="0"/>
+              <a:t>Identify the stakeholders and value tensions. For e.g., the stakeholders here could be site users and site owners. Their interests may align or conflict. For e.g., site users may want to be anonymous, but site owners might want to monetize site usage by sharing personal usage data with advertisers. On the other hand they may align if the site owners want to make accountability and transparently a core value of their operations.</a:t>
+            </a:r>
+          </a:p>
+          <a:p>
+            <a:pPr marL="228600" indent="-228600">
+              <a:buAutoNum type="arabicPeriod"/>
+            </a:pPr>
+            <a:r>
+              <a:rPr lang="en-US" dirty="0"/>
+              <a:t>Cookies in browsers are one way to collect personal information after taking permission from the users.</a:t>
+            </a:r>
           </a:p>
         </p:txBody>
       </p:sp>
@@ -8862,14 +8976,14 @@
               <a:rPr lang="en-US" smtClean="0"/>
               <a:t>37</a:t>
             </a:fld>
-            <a:endParaRPr lang="en-US" dirty="0"/>
+            <a:endParaRPr lang="en-US"/>
           </a:p>
         </p:txBody>
       </p:sp>
     </p:spTree>
     <p:extLst>
       <p:ext uri="{BB962C8B-B14F-4D97-AF65-F5344CB8AC3E}">
-        <p14:creationId xmlns:p14="http://schemas.microsoft.com/office/powerpoint/2010/main" val="460942384"/>
+        <p14:creationId xmlns:p14="http://schemas.microsoft.com/office/powerpoint/2010/main" val="589351339"/>
       </p:ext>
     </p:extLst>
   </p:cSld>
@@ -9022,117 +9136,7 @@
           <a:bodyPr/>
           <a:lstStyle/>
           <a:p>
-            <a:r>
-              <a:rPr lang="en-US" dirty="0"/>
-              <a:t>It is essential to consider ethics and values when building technology. Ethics is a branch in Philosophy that explores the moral principles and values that guide human behavior and decision making. There is a growing consensus in CS disciplines such as HCI and software engineering to borrow concepts from ethics to help drive design and implementation of software systems.</a:t>
-            </a:r>
-          </a:p>
-          <a:p>
             <a:endParaRPr lang="en-US" dirty="0"/>
-          </a:p>
-          <a:p>
-            <a:r>
-              <a:rPr lang="en-US" dirty="0"/>
-              <a:t>Identifying and grappling with value tensions during the requirements and design phase leads to “better” apps, websites, software systems, artificial intelligence, etc. </a:t>
-            </a:r>
-            <a:br>
-              <a:rPr lang="en-US" dirty="0"/>
-            </a:br>
-            <a:endParaRPr lang="en-US" dirty="0"/>
-          </a:p>
-          <a:p>
-            <a:r>
-              <a:rPr lang="en-US" dirty="0"/>
-              <a:t>Let’s consider a common example: informed consent</a:t>
-            </a:r>
-          </a:p>
-          <a:p>
-            <a:r>
-              <a:rPr lang="en-US" dirty="0"/>
-              <a:t>{Optional} Ask students What is Informed consent and how can it be designed in an online environment? </a:t>
-            </a:r>
-          </a:p>
-          <a:p>
-            <a:pPr marL="0" marR="0" lvl="0" indent="0" algn="l" defTabSz="914400" rtl="0" eaLnBrk="1" fontAlgn="auto" latinLnBrk="0" hangingPunct="1">
-              <a:lnSpc>
-                <a:spcPct val="100000"/>
-              </a:lnSpc>
-              <a:spcBef>
-                <a:spcPts val="0"/>
-              </a:spcBef>
-              <a:spcAft>
-                <a:spcPts val="0"/>
-              </a:spcAft>
-              <a:buClrTx/>
-              <a:buSzTx/>
-              <a:buFontTx/>
-              <a:buNone/>
-              <a:tabLst/>
-              <a:defRPr/>
-            </a:pPr>
-            <a:r>
-              <a:rPr lang="en-US" dirty="0"/>
-              <a:t>Cookies and security solutions such as HTTPS are an outcome of an analysis that considers ethical aspects and values such as informed consent</a:t>
-            </a:r>
-          </a:p>
-          <a:p>
-            <a:endParaRPr lang="en-US" dirty="0"/>
-          </a:p>
-          <a:p>
-            <a:r>
-              <a:rPr lang="en-US" dirty="0"/>
-              <a:t>The design hinges on the following constructs:</a:t>
-            </a:r>
-          </a:p>
-          <a:p>
-            <a:pPr marL="171450" indent="-171450">
-              <a:buFontTx/>
-              <a:buChar char="-"/>
-            </a:pPr>
-            <a:r>
-              <a:rPr lang="en-US" dirty="0"/>
-              <a:t>Disclosure refers to providing accurate information on the pros and cons of the action</a:t>
-            </a:r>
-          </a:p>
-          <a:p>
-            <a:pPr marL="171450" indent="-171450">
-              <a:buFontTx/>
-              <a:buChar char="-"/>
-            </a:pPr>
-            <a:r>
-              <a:rPr lang="en-US" dirty="0"/>
-              <a:t>comprehension refers to a user’s accurate interpretation of what is being disclosed</a:t>
-            </a:r>
-          </a:p>
-          <a:p>
-            <a:pPr marL="171450" indent="-171450">
-              <a:buFontTx/>
-              <a:buChar char="-"/>
-            </a:pPr>
-            <a:r>
-              <a:rPr lang="en-US" dirty="0"/>
-              <a:t>Voluntariness refers to ensuring no coercion or control</a:t>
-            </a:r>
-          </a:p>
-          <a:p>
-            <a:pPr marL="171450" indent="-171450">
-              <a:buFontTx/>
-              <a:buChar char="-"/>
-            </a:pPr>
-            <a:r>
-              <a:rPr lang="en-US" dirty="0"/>
-              <a:t>competence refers to an individual’s mental and physical capability to give consent</a:t>
-            </a:r>
-          </a:p>
-          <a:p>
-            <a:pPr marL="171450" indent="-171450">
-              <a:buFontTx/>
-              <a:buChar char="-"/>
-            </a:pPr>
-            <a:r>
-              <a:rPr lang="en-US" dirty="0"/>
-              <a:t>Agreement refers to a clear opportunity to accept or decline</a:t>
-            </a:r>
           </a:p>
         </p:txBody>
       </p:sp>
@@ -9162,7 +9166,7 @@
     </p:spTree>
     <p:extLst>
       <p:ext uri="{BB962C8B-B14F-4D97-AF65-F5344CB8AC3E}">
-        <p14:creationId xmlns:p14="http://schemas.microsoft.com/office/powerpoint/2010/main" val="2005210505"/>
+        <p14:creationId xmlns:p14="http://schemas.microsoft.com/office/powerpoint/2010/main" val="1638367211"/>
       </p:ext>
     </p:extLst>
   </p:cSld>
@@ -9216,19 +9220,7 @@
           <a:bodyPr/>
           <a:lstStyle/>
           <a:p>
-            <a:r>
-              <a:rPr lang="en-US" dirty="0"/>
-              <a:t>The Reddit case study will be used to illustrate the different types of investigations involved in the VSD framework.</a:t>
-            </a:r>
-          </a:p>
-          <a:p>
             <a:endParaRPr lang="en-US" dirty="0"/>
-          </a:p>
-          <a:p>
-            <a:r>
-              <a:rPr lang="en-US" dirty="0"/>
-              <a:t>Like Stack Overflow, Reddit is a platform for discussion. Our hope is that using VSD here will help students align VSD with their final project on Stack Overflow.</a:t>
-            </a:r>
           </a:p>
         </p:txBody>
       </p:sp>
@@ -9258,7 +9250,7 @@
     </p:spTree>
     <p:extLst>
       <p:ext uri="{BB962C8B-B14F-4D97-AF65-F5344CB8AC3E}">
-        <p14:creationId xmlns:p14="http://schemas.microsoft.com/office/powerpoint/2010/main" val="944764616"/>
+        <p14:creationId xmlns:p14="http://schemas.microsoft.com/office/powerpoint/2010/main" val="2160731417"/>
       </p:ext>
     </p:extLst>
   </p:cSld>
@@ -9312,37 +9304,7 @@
           <a:bodyPr/>
           <a:lstStyle/>
           <a:p>
-            <a:r>
-              <a:rPr lang="en-US" dirty="0"/>
-              <a:t>Students must first discuss these questions in groups. Below is a sample answer not necessarily the only answer.</a:t>
-            </a:r>
-          </a:p>
-          <a:p>
             <a:endParaRPr lang="en-US" dirty="0"/>
-          </a:p>
-          <a:p>
-            <a:r>
-              <a:rPr lang="en-US" dirty="0"/>
-              <a:t>Dataset may not be representative as it may not capture all nuances of language (even in English) used in different communities such as slangs, dialects, or culturally specific phrases.</a:t>
-            </a:r>
-          </a:p>
-          <a:p>
-            <a:endParaRPr lang="en-US" dirty="0"/>
-          </a:p>
-          <a:p>
-            <a:r>
-              <a:rPr lang="en-US" dirty="0"/>
-              <a:t>Dataset maybe biased as it may be based on historical posts that were flagged by human moderators. E.g., posts from specific communities were flagged more.</a:t>
-            </a:r>
-          </a:p>
-          <a:p>
-            <a:endParaRPr lang="en-US" dirty="0"/>
-          </a:p>
-          <a:p>
-            <a:r>
-              <a:rPr lang="en-US" dirty="0"/>
-              <a:t>Complications: what constitutes hate speech isn’t clear. For e.g., some words may have been reclaimed by specific communities or posts may use satire to make a point.</a:t>
-            </a:r>
           </a:p>
         </p:txBody>
       </p:sp>
@@ -9365,14 +9327,14 @@
               <a:rPr lang="en-US" smtClean="0"/>
               <a:t>40</a:t>
             </a:fld>
-            <a:endParaRPr lang="en-US"/>
+            <a:endParaRPr lang="en-US" dirty="0"/>
           </a:p>
         </p:txBody>
       </p:sp>
     </p:spTree>
     <p:extLst>
       <p:ext uri="{BB962C8B-B14F-4D97-AF65-F5344CB8AC3E}">
-        <p14:creationId xmlns:p14="http://schemas.microsoft.com/office/powerpoint/2010/main" val="1831237000"/>
+        <p14:creationId xmlns:p14="http://schemas.microsoft.com/office/powerpoint/2010/main" val="460942384"/>
       </p:ext>
     </p:extLst>
   </p:cSld>
@@ -9428,7 +9390,7 @@
           <a:p>
             <a:r>
               <a:rPr lang="en-US" dirty="0"/>
-              <a:t>Stakeholder analysis is part of value investigations</a:t>
+              <a:t>It is essential to consider ethics and values when building technology. Ethics is a branch in Philosophy that explores the moral principles and values that guide human behavior and decision making. There is a growing consensus in CS disciplines such as HCI and software engineering to borrow concepts from ethics to help drive design and implementation of software systems.</a:t>
             </a:r>
           </a:p>
           <a:p>
@@ -9437,16 +9399,46 @@
           <a:p>
             <a:r>
               <a:rPr lang="en-US" dirty="0"/>
-              <a:t>Students should reflect about these questions in groups.</a:t>
-            </a:r>
-          </a:p>
-          <a:p>
+              <a:t>Identifying and grappling with value tensions during the requirements and design phase leads to “better” apps, websites, software systems, artificial intelligence, etc. </a:t>
+            </a:r>
+            <a:br>
+              <a:rPr lang="en-US" dirty="0"/>
+            </a:br>
             <a:endParaRPr lang="en-US" dirty="0"/>
           </a:p>
           <a:p>
             <a:r>
               <a:rPr lang="en-US" dirty="0"/>
-              <a:t>Here is a sample answer.</a:t>
+              <a:t>Let’s consider a common example: informed consent</a:t>
+            </a:r>
+          </a:p>
+          <a:p>
+            <a:r>
+              <a:rPr lang="en-US" dirty="0"/>
+              <a:t>{Optional} Ask students What is Informed consent and how can it be designed in an online environment? </a:t>
+            </a:r>
+          </a:p>
+          <a:p>
+            <a:pPr marL="0" marR="0" lvl="0" indent="0" algn="l" defTabSz="914400" rtl="0" eaLnBrk="1" fontAlgn="auto" latinLnBrk="0" hangingPunct="1">
+              <a:lnSpc>
+                <a:spcPct val="100000"/>
+              </a:lnSpc>
+              <a:spcBef>
+                <a:spcPts val="0"/>
+              </a:spcBef>
+              <a:spcAft>
+                <a:spcPts val="0"/>
+              </a:spcAft>
+              <a:buClrTx/>
+              <a:buSzTx/>
+              <a:buFontTx/>
+              <a:buNone/>
+              <a:tabLst/>
+              <a:defRPr/>
+            </a:pPr>
+            <a:r>
+              <a:rPr lang="en-US" dirty="0"/>
+              <a:t>Cookies and security solutions such as HTTPS are an outcome of an analysis that considers ethical aspects and values such as informed consent</a:t>
             </a:r>
           </a:p>
           <a:p>
@@ -9455,69 +9447,57 @@
           <a:p>
             <a:r>
               <a:rPr lang="en-US" dirty="0"/>
-              <a:t>1. Reddit users, moderators, reddit company, advertisers</a:t>
-            </a:r>
-          </a:p>
-          <a:p>
-            <a:r>
-              <a:rPr lang="en-US" dirty="0"/>
-              <a:t>2. Interests/Values</a:t>
-            </a:r>
-          </a:p>
-          <a:p>
-            <a:r>
-              <a:rPr lang="en-US" dirty="0"/>
-              <a:t>  Users: free expression, accurate information, entertainment, anonymity, privacy</a:t>
-            </a:r>
-          </a:p>
-          <a:p>
-            <a:r>
-              <a:rPr lang="en-US" dirty="0"/>
-              <a:t>  Moderators: consistent enforcement of rules, reduced workload, ability to correct mistakes, maintain subreddit culture, transparency</a:t>
-            </a:r>
-          </a:p>
-          <a:p>
-            <a:r>
-              <a:rPr lang="en-US" dirty="0"/>
-              <a:t>  company: user engagement, revenue, accountability,  building brand image, legal compliance</a:t>
-            </a:r>
-          </a:p>
-          <a:p>
-            <a:r>
-              <a:rPr lang="en-US" dirty="0"/>
-              <a:t>  advertisers: user reach, low cost, profit, seamless integration with content</a:t>
-            </a:r>
-          </a:p>
-          <a:p>
-            <a:r>
-              <a:rPr lang="en-US" dirty="0"/>
-              <a:t>3. Conflicts</a:t>
-            </a:r>
-            <a:br>
-              <a:rPr lang="en-US" dirty="0"/>
-            </a:br>
-            <a:r>
-              <a:rPr lang="en-US" dirty="0"/>
-              <a:t>    free expression vs. content moderation or legal compliance, accurate info vs. entertainment, user autonomy vs. advertiser revenue, anonymity vs. transparence</a:t>
-            </a:r>
-          </a:p>
-          <a:p>
-            <a:r>
-              <a:rPr lang="en-US" dirty="0"/>
-              <a:t>4. Prioritization depends on personal goals and values. They key thing to realize is that this process does not recommend values, it provides a framework to reason about them based on the identified tensions.</a:t>
-            </a:r>
-            <a:br>
-              <a:rPr lang="en-US" dirty="0"/>
-            </a:br>
-            <a:r>
-              <a:rPr lang="en-US" dirty="0"/>
-              <a:t>    </a:t>
-            </a:r>
-          </a:p>
-          <a:p>
-            <a:r>
-              <a:rPr lang="en-US" dirty="0"/>
-              <a:t>	</a:t>
+              <a:t>The design hinges on the following constructs:</a:t>
+            </a:r>
+          </a:p>
+          <a:p>
+            <a:pPr marL="171450" indent="-171450">
+              <a:buFontTx/>
+              <a:buChar char="-"/>
+            </a:pPr>
+            <a:r>
+              <a:rPr lang="en-US" dirty="0"/>
+              <a:t>Disclosure refers to providing accurate information on the pros and cons of the action</a:t>
+            </a:r>
+          </a:p>
+          <a:p>
+            <a:pPr marL="171450" indent="-171450">
+              <a:buFontTx/>
+              <a:buChar char="-"/>
+            </a:pPr>
+            <a:r>
+              <a:rPr lang="en-US" dirty="0"/>
+              <a:t>comprehension refers to a user’s accurate interpretation of what is being disclosed</a:t>
+            </a:r>
+          </a:p>
+          <a:p>
+            <a:pPr marL="171450" indent="-171450">
+              <a:buFontTx/>
+              <a:buChar char="-"/>
+            </a:pPr>
+            <a:r>
+              <a:rPr lang="en-US" dirty="0"/>
+              <a:t>Voluntariness refers to ensuring no coercion or control</a:t>
+            </a:r>
+          </a:p>
+          <a:p>
+            <a:pPr marL="171450" indent="-171450">
+              <a:buFontTx/>
+              <a:buChar char="-"/>
+            </a:pPr>
+            <a:r>
+              <a:rPr lang="en-US" dirty="0"/>
+              <a:t>competence refers to an individual’s mental and physical capability to give consent</a:t>
+            </a:r>
+          </a:p>
+          <a:p>
+            <a:pPr marL="171450" indent="-171450">
+              <a:buFontTx/>
+              <a:buChar char="-"/>
+            </a:pPr>
+            <a:r>
+              <a:rPr lang="en-US" dirty="0"/>
+              <a:t>Agreement refers to a clear opportunity to accept or decline</a:t>
             </a:r>
           </a:p>
         </p:txBody>
@@ -9548,7 +9528,7 @@
     </p:spTree>
     <p:extLst>
       <p:ext uri="{BB962C8B-B14F-4D97-AF65-F5344CB8AC3E}">
-        <p14:creationId xmlns:p14="http://schemas.microsoft.com/office/powerpoint/2010/main" val="3164459113"/>
+        <p14:creationId xmlns:p14="http://schemas.microsoft.com/office/powerpoint/2010/main" val="2005210505"/>
       </p:ext>
     </p:extLst>
   </p:cSld>
@@ -9604,51 +9584,16 @@
           <a:p>
             <a:r>
               <a:rPr lang="en-US" dirty="0"/>
-              <a:t>Students should discuss these questions in groups but here is a sample answer. The primary purpose is to realize the tensions when designing features. </a:t>
+              <a:t>The Reddit case study will be used to illustrate the different types of investigations involved in the VSD framework.</a:t>
             </a:r>
           </a:p>
           <a:p>
             <a:endParaRPr lang="en-US" dirty="0"/>
           </a:p>
           <a:p>
-            <a:pPr marL="228600" indent="-228600">
-              <a:buAutoNum type="arabicPeriod"/>
-            </a:pPr>
-            <a:r>
-              <a:rPr lang="en-US" dirty="0"/>
-              <a:t>Reddit removing user’s post might impinge on users’ right to freely express themselves. On the other hand, removing posts with known misinformation might encourage free speech by protecting the channels through which discussions happen. If posts with known hate speech is removed, then it protects the victims from being sidelined from the discourse.</a:t>
-            </a:r>
-          </a:p>
-          <a:p>
-            <a:pPr marL="228600" indent="-228600">
-              <a:buAutoNum type="arabicPeriod"/>
-            </a:pPr>
-            <a:r>
-              <a:rPr lang="en-US" dirty="0"/>
-              <a:t>Impinges on users’ right to freely express and also prevents other users from being exposed to </a:t>
-            </a:r>
-            <a:r>
-              <a:rPr lang="en-US"/>
-              <a:t>different perspectives.</a:t>
-            </a:r>
-            <a:endParaRPr lang="en-US" dirty="0"/>
-          </a:p>
-          <a:p>
-            <a:pPr marL="228600" indent="-228600">
-              <a:buAutoNum type="arabicPeriod"/>
-            </a:pPr>
-            <a:r>
-              <a:rPr lang="en-US" dirty="0"/>
-              <a:t>Excludes views of certain groups from the discourse.</a:t>
-            </a:r>
-          </a:p>
-          <a:p>
-            <a:pPr marL="228600" indent="-228600">
-              <a:buAutoNum type="arabicPeriod"/>
-            </a:pPr>
-            <a:r>
-              <a:rPr lang="en-US" dirty="0"/>
-              <a:t>The proposed requirement will foster free speech as free speech in not just about an individual’s right to free expression but it is also about protecting the channels through which everyone’s voices can be heard. It is also about creating an environment where individuals will learn and grow their thinking from the discussions. Hence, the moderation is only good if it is transparent and minimizes bias.</a:t>
+            <a:r>
+              <a:rPr lang="en-US" dirty="0"/>
+              <a:t>Like Stack Overflow, Reddit is a platform for discussion. Our hope is that using VSD here will help students align VSD with their final project on Stack Overflow.</a:t>
             </a:r>
           </a:p>
         </p:txBody>
@@ -9679,7 +9624,7 @@
     </p:spTree>
     <p:extLst>
       <p:ext uri="{BB962C8B-B14F-4D97-AF65-F5344CB8AC3E}">
-        <p14:creationId xmlns:p14="http://schemas.microsoft.com/office/powerpoint/2010/main" val="1312031197"/>
+        <p14:creationId xmlns:p14="http://schemas.microsoft.com/office/powerpoint/2010/main" val="944764616"/>
       </p:ext>
     </p:extLst>
   </p:cSld>
@@ -9735,14 +9680,35 @@
           <a:p>
             <a:r>
               <a:rPr lang="en-US" dirty="0"/>
-              <a:t>The students should pick a requirement based on their analysis. There is no correct answer as long as students are able to defend their choice.</a:t>
+              <a:t>Students must first discuss these questions in groups. Below is a sample answer not necessarily the only answer.</a:t>
             </a:r>
           </a:p>
           <a:p>
             <a:endParaRPr lang="en-US" dirty="0"/>
           </a:p>
           <a:p>
-            <a:endParaRPr lang="en-US" i="1" dirty="0"/>
+            <a:r>
+              <a:rPr lang="en-US" dirty="0"/>
+              <a:t>Dataset may not be representative as it may not capture all nuances of language (even in English) used in different communities such as slangs, dialects, or culturally specific phrases.</a:t>
+            </a:r>
+          </a:p>
+          <a:p>
+            <a:endParaRPr lang="en-US" dirty="0"/>
+          </a:p>
+          <a:p>
+            <a:r>
+              <a:rPr lang="en-US" dirty="0"/>
+              <a:t>Dataset maybe biased as it may be based on historical posts that were flagged by human moderators. E.g., posts from specific communities were flagged more.</a:t>
+            </a:r>
+          </a:p>
+          <a:p>
+            <a:endParaRPr lang="en-US" dirty="0"/>
+          </a:p>
+          <a:p>
+            <a:r>
+              <a:rPr lang="en-US" dirty="0"/>
+              <a:t>Complications: what constitutes hate speech isn’t clear. For e.g., some words may have been reclaimed by specific communities or posts may use satire to make a point.</a:t>
+            </a:r>
           </a:p>
         </p:txBody>
       </p:sp>
@@ -9772,7 +9738,7 @@
     </p:spTree>
     <p:extLst>
       <p:ext uri="{BB962C8B-B14F-4D97-AF65-F5344CB8AC3E}">
-        <p14:creationId xmlns:p14="http://schemas.microsoft.com/office/powerpoint/2010/main" val="2111607470"/>
+        <p14:creationId xmlns:p14="http://schemas.microsoft.com/office/powerpoint/2010/main" val="1831237000"/>
       </p:ext>
     </p:extLst>
   </p:cSld>
@@ -9828,7 +9794,7 @@
           <a:p>
             <a:r>
               <a:rPr lang="en-US" dirty="0"/>
-              <a:t>This is an after-class activity.</a:t>
+              <a:t>Stakeholder analysis is part of value investigations</a:t>
             </a:r>
           </a:p>
           <a:p>
@@ -9837,7 +9803,7 @@
           <a:p>
             <a:r>
               <a:rPr lang="en-US" dirty="0"/>
-              <a:t>A sample user story based on the first requirement in the previous slide:</a:t>
+              <a:t>Students should reflect about these questions in groups.</a:t>
             </a:r>
           </a:p>
           <a:p>
@@ -9845,72 +9811,80 @@
           </a:p>
           <a:p>
             <a:r>
-              <a:rPr lang="en-US" i="1" dirty="0"/>
-              <a:t>As a </a:t>
-            </a:r>
-            <a:r>
-              <a:rPr lang="en-US" b="1" i="1" dirty="0"/>
-              <a:t>content creator </a:t>
-            </a:r>
-            <a:r>
-              <a:rPr lang="en-US" i="1" dirty="0"/>
-              <a:t>I want to express my opinions without offending any person so that I can contribute to a discussion in a constructive way</a:t>
-            </a:r>
-          </a:p>
-          <a:p>
-            <a:endParaRPr lang="en-US" i="1" dirty="0"/>
-          </a:p>
-          <a:p>
-            <a:r>
-              <a:rPr lang="en-US" i="1" dirty="0"/>
-              <a:t>Conditions of satisfaction:</a:t>
-            </a:r>
-          </a:p>
-          <a:p>
-            <a:endParaRPr lang="en-US" i="1" dirty="0"/>
-          </a:p>
-          <a:p>
-            <a:r>
-              <a:rPr lang="en-US" i="1" dirty="0"/>
-              <a:t>(E) I should be able to view my post in the forum if the post was not flagged</a:t>
-            </a:r>
-          </a:p>
-          <a:p>
-            <a:r>
-              <a:rPr lang="en-US" i="1" dirty="0"/>
-              <a:t>(E) I should be able to see a content warning with a reason for the warning if my post was flagged</a:t>
-            </a:r>
-          </a:p>
-          <a:p>
-            <a:r>
-              <a:rPr lang="en-US" i="1" dirty="0"/>
-              <a:t>(E) I should not be able to post if it was flagged</a:t>
-            </a:r>
-          </a:p>
-          <a:p>
-            <a:r>
-              <a:rPr lang="en-US" i="1" dirty="0"/>
-              <a:t>(E) I should be able to raise an appeal if my post was flagged</a:t>
-            </a:r>
-          </a:p>
-          <a:p>
-            <a:r>
-              <a:rPr lang="en-US" i="1" dirty="0"/>
-              <a:t>(D) I should receive a notification if my post was posted after review of flagged post</a:t>
-            </a:r>
-          </a:p>
-          <a:p>
-            <a:r>
-              <a:rPr lang="en-US" i="1" dirty="0"/>
-              <a:t>(E) I should be able to see a history of my flagged posts to help me better understand the forum’s policy on improper speech</a:t>
-            </a:r>
-          </a:p>
-          <a:p>
-            <a:r>
-              <a:rPr lang="en-US" i="1" dirty="0"/>
-              <a:t>(Ex) I should be able to see which official policy rule was violated if my post is flagged</a:t>
-            </a:r>
+              <a:rPr lang="en-US" dirty="0"/>
+              <a:t>Here is a sample answer.</a:t>
+            </a:r>
+          </a:p>
+          <a:p>
             <a:endParaRPr lang="en-US" dirty="0"/>
+          </a:p>
+          <a:p>
+            <a:r>
+              <a:rPr lang="en-US" dirty="0"/>
+              <a:t>1. Reddit users, moderators, reddit company, advertisers</a:t>
+            </a:r>
+          </a:p>
+          <a:p>
+            <a:r>
+              <a:rPr lang="en-US" dirty="0"/>
+              <a:t>2. Interests/Values</a:t>
+            </a:r>
+          </a:p>
+          <a:p>
+            <a:r>
+              <a:rPr lang="en-US" dirty="0"/>
+              <a:t>  Users: free expression, accurate information, entertainment, anonymity, privacy</a:t>
+            </a:r>
+          </a:p>
+          <a:p>
+            <a:r>
+              <a:rPr lang="en-US" dirty="0"/>
+              <a:t>  Moderators: consistent enforcement of rules, reduced workload, ability to correct mistakes, maintain subreddit culture, transparency</a:t>
+            </a:r>
+          </a:p>
+          <a:p>
+            <a:r>
+              <a:rPr lang="en-US" dirty="0"/>
+              <a:t>  company: user engagement, revenue, accountability,  building brand image, legal compliance</a:t>
+            </a:r>
+          </a:p>
+          <a:p>
+            <a:r>
+              <a:rPr lang="en-US" dirty="0"/>
+              <a:t>  advertisers: user reach, low cost, profit, seamless integration with content</a:t>
+            </a:r>
+          </a:p>
+          <a:p>
+            <a:r>
+              <a:rPr lang="en-US" dirty="0"/>
+              <a:t>3. Conflicts</a:t>
+            </a:r>
+            <a:br>
+              <a:rPr lang="en-US" dirty="0"/>
+            </a:br>
+            <a:r>
+              <a:rPr lang="en-US" dirty="0"/>
+              <a:t>    free expression vs. content moderation or legal compliance, accurate info vs. entertainment, user autonomy vs. advertiser revenue, anonymity vs. transparence</a:t>
+            </a:r>
+          </a:p>
+          <a:p>
+            <a:r>
+              <a:rPr lang="en-US" dirty="0"/>
+              <a:t>4. Prioritization depends on personal goals and values. They key thing to realize is that this process does not recommend values, it provides a framework to reason about them based on the identified tensions.</a:t>
+            </a:r>
+            <a:br>
+              <a:rPr lang="en-US" dirty="0"/>
+            </a:br>
+            <a:r>
+              <a:rPr lang="en-US" dirty="0"/>
+              <a:t>    </a:t>
+            </a:r>
+          </a:p>
+          <a:p>
+            <a:r>
+              <a:rPr lang="en-US" dirty="0"/>
+              <a:t>	</a:t>
+            </a:r>
           </a:p>
         </p:txBody>
       </p:sp>
@@ -9932,6 +9906,398 @@
             <a:fld id="{07937F07-1250-4CCE-B198-1B2887014F41}" type="slidenum">
               <a:rPr lang="en-US" smtClean="0"/>
               <a:t>44</a:t>
+            </a:fld>
+            <a:endParaRPr lang="en-US"/>
+          </a:p>
+        </p:txBody>
+      </p:sp>
+    </p:spTree>
+    <p:extLst>
+      <p:ext uri="{BB962C8B-B14F-4D97-AF65-F5344CB8AC3E}">
+        <p14:creationId xmlns:p14="http://schemas.microsoft.com/office/powerpoint/2010/main" val="3164459113"/>
+      </p:ext>
+    </p:extLst>
+  </p:cSld>
+  <p:clrMapOvr>
+    <a:masterClrMapping/>
+  </p:clrMapOvr>
+</p:notes>
+</file>
+
+<file path=ppt/notesSlides/notesSlide37.xml><?xml version="1.0" encoding="utf-8"?>
+<p:notes xmlns:a="http://schemas.openxmlformats.org/drawingml/2006/main" xmlns:r="http://schemas.openxmlformats.org/officeDocument/2006/relationships" xmlns:p="http://schemas.openxmlformats.org/presentationml/2006/main">
+  <p:cSld>
+    <p:spTree>
+      <p:nvGrpSpPr>
+        <p:cNvPr id="1" name=""/>
+        <p:cNvGrpSpPr/>
+        <p:nvPr/>
+      </p:nvGrpSpPr>
+      <p:grpSpPr>
+        <a:xfrm>
+          <a:off x="0" y="0"/>
+          <a:ext cx="0" cy="0"/>
+          <a:chOff x="0" y="0"/>
+          <a:chExt cx="0" cy="0"/>
+        </a:xfrm>
+      </p:grpSpPr>
+      <p:sp>
+        <p:nvSpPr>
+          <p:cNvPr id="2" name="Slide Image Placeholder 1"/>
+          <p:cNvSpPr>
+            <a:spLocks noGrp="1" noRot="1" noChangeAspect="1"/>
+          </p:cNvSpPr>
+          <p:nvPr>
+            <p:ph type="sldImg"/>
+          </p:nvPr>
+        </p:nvSpPr>
+        <p:spPr/>
+      </p:sp>
+      <p:sp>
+        <p:nvSpPr>
+          <p:cNvPr id="3" name="Notes Placeholder 2"/>
+          <p:cNvSpPr>
+            <a:spLocks noGrp="1"/>
+          </p:cNvSpPr>
+          <p:nvPr>
+            <p:ph type="body" idx="1"/>
+          </p:nvPr>
+        </p:nvSpPr>
+        <p:spPr/>
+        <p:txBody>
+          <a:bodyPr/>
+          <a:lstStyle/>
+          <a:p>
+            <a:r>
+              <a:rPr lang="en-US" dirty="0"/>
+              <a:t>Students should discuss these questions in groups but here is a sample answer. The primary purpose is to realize the tensions when designing features. </a:t>
+            </a:r>
+          </a:p>
+          <a:p>
+            <a:endParaRPr lang="en-US" dirty="0"/>
+          </a:p>
+          <a:p>
+            <a:pPr marL="228600" indent="-228600">
+              <a:buAutoNum type="arabicPeriod"/>
+            </a:pPr>
+            <a:r>
+              <a:rPr lang="en-US" dirty="0"/>
+              <a:t>Reddit removing user’s post might impinge on users’ right to freely express themselves. On the other hand, removing posts with known misinformation might encourage free speech by protecting the channels through which discussions happen. If posts with known hate speech is removed, then it protects the victims from being sidelined from the discourse.</a:t>
+            </a:r>
+          </a:p>
+          <a:p>
+            <a:pPr marL="228600" indent="-228600">
+              <a:buAutoNum type="arabicPeriod"/>
+            </a:pPr>
+            <a:r>
+              <a:rPr lang="en-US" dirty="0"/>
+              <a:t>Impinges on users’ right to freely express and also prevents other users from being exposed to </a:t>
+            </a:r>
+            <a:r>
+              <a:rPr lang="en-US"/>
+              <a:t>different perspectives.</a:t>
+            </a:r>
+            <a:endParaRPr lang="en-US" dirty="0"/>
+          </a:p>
+          <a:p>
+            <a:pPr marL="228600" indent="-228600">
+              <a:buAutoNum type="arabicPeriod"/>
+            </a:pPr>
+            <a:r>
+              <a:rPr lang="en-US" dirty="0"/>
+              <a:t>Excludes views of certain groups from the discourse.</a:t>
+            </a:r>
+          </a:p>
+          <a:p>
+            <a:pPr marL="228600" indent="-228600">
+              <a:buAutoNum type="arabicPeriod"/>
+            </a:pPr>
+            <a:r>
+              <a:rPr lang="en-US" dirty="0"/>
+              <a:t>The proposed requirement will foster free speech as free speech in not just about an individual’s right to free expression but it is also about protecting the channels through which everyone’s voices can be heard. It is also about creating an environment where individuals will learn and grow their thinking from the discussions. Hence, the moderation is only good if it is transparent and minimizes bias.</a:t>
+            </a:r>
+          </a:p>
+        </p:txBody>
+      </p:sp>
+      <p:sp>
+        <p:nvSpPr>
+          <p:cNvPr id="4" name="Slide Number Placeholder 3"/>
+          <p:cNvSpPr>
+            <a:spLocks noGrp="1"/>
+          </p:cNvSpPr>
+          <p:nvPr>
+            <p:ph type="sldNum" sz="quarter" idx="5"/>
+          </p:nvPr>
+        </p:nvSpPr>
+        <p:spPr/>
+        <p:txBody>
+          <a:bodyPr/>
+          <a:lstStyle/>
+          <a:p>
+            <a:fld id="{07937F07-1250-4CCE-B198-1B2887014F41}" type="slidenum">
+              <a:rPr lang="en-US" smtClean="0"/>
+              <a:t>45</a:t>
+            </a:fld>
+            <a:endParaRPr lang="en-US"/>
+          </a:p>
+        </p:txBody>
+      </p:sp>
+    </p:spTree>
+    <p:extLst>
+      <p:ext uri="{BB962C8B-B14F-4D97-AF65-F5344CB8AC3E}">
+        <p14:creationId xmlns:p14="http://schemas.microsoft.com/office/powerpoint/2010/main" val="1312031197"/>
+      </p:ext>
+    </p:extLst>
+  </p:cSld>
+  <p:clrMapOvr>
+    <a:masterClrMapping/>
+  </p:clrMapOvr>
+</p:notes>
+</file>
+
+<file path=ppt/notesSlides/notesSlide38.xml><?xml version="1.0" encoding="utf-8"?>
+<p:notes xmlns:a="http://schemas.openxmlformats.org/drawingml/2006/main" xmlns:r="http://schemas.openxmlformats.org/officeDocument/2006/relationships" xmlns:p="http://schemas.openxmlformats.org/presentationml/2006/main">
+  <p:cSld>
+    <p:spTree>
+      <p:nvGrpSpPr>
+        <p:cNvPr id="1" name=""/>
+        <p:cNvGrpSpPr/>
+        <p:nvPr/>
+      </p:nvGrpSpPr>
+      <p:grpSpPr>
+        <a:xfrm>
+          <a:off x="0" y="0"/>
+          <a:ext cx="0" cy="0"/>
+          <a:chOff x="0" y="0"/>
+          <a:chExt cx="0" cy="0"/>
+        </a:xfrm>
+      </p:grpSpPr>
+      <p:sp>
+        <p:nvSpPr>
+          <p:cNvPr id="2" name="Slide Image Placeholder 1"/>
+          <p:cNvSpPr>
+            <a:spLocks noGrp="1" noRot="1" noChangeAspect="1"/>
+          </p:cNvSpPr>
+          <p:nvPr>
+            <p:ph type="sldImg"/>
+          </p:nvPr>
+        </p:nvSpPr>
+        <p:spPr/>
+      </p:sp>
+      <p:sp>
+        <p:nvSpPr>
+          <p:cNvPr id="3" name="Notes Placeholder 2"/>
+          <p:cNvSpPr>
+            <a:spLocks noGrp="1"/>
+          </p:cNvSpPr>
+          <p:nvPr>
+            <p:ph type="body" idx="1"/>
+          </p:nvPr>
+        </p:nvSpPr>
+        <p:spPr/>
+        <p:txBody>
+          <a:bodyPr/>
+          <a:lstStyle/>
+          <a:p>
+            <a:r>
+              <a:rPr lang="en-US" dirty="0"/>
+              <a:t>The students should pick a requirement based on their analysis. There is no correct answer as long as students are able to defend their choice.</a:t>
+            </a:r>
+          </a:p>
+          <a:p>
+            <a:endParaRPr lang="en-US" dirty="0"/>
+          </a:p>
+          <a:p>
+            <a:endParaRPr lang="en-US" i="1" dirty="0"/>
+          </a:p>
+        </p:txBody>
+      </p:sp>
+      <p:sp>
+        <p:nvSpPr>
+          <p:cNvPr id="4" name="Slide Number Placeholder 3"/>
+          <p:cNvSpPr>
+            <a:spLocks noGrp="1"/>
+          </p:cNvSpPr>
+          <p:nvPr>
+            <p:ph type="sldNum" sz="quarter" idx="5"/>
+          </p:nvPr>
+        </p:nvSpPr>
+        <p:spPr/>
+        <p:txBody>
+          <a:bodyPr/>
+          <a:lstStyle/>
+          <a:p>
+            <a:fld id="{07937F07-1250-4CCE-B198-1B2887014F41}" type="slidenum">
+              <a:rPr lang="en-US" smtClean="0"/>
+              <a:t>46</a:t>
+            </a:fld>
+            <a:endParaRPr lang="en-US"/>
+          </a:p>
+        </p:txBody>
+      </p:sp>
+    </p:spTree>
+    <p:extLst>
+      <p:ext uri="{BB962C8B-B14F-4D97-AF65-F5344CB8AC3E}">
+        <p14:creationId xmlns:p14="http://schemas.microsoft.com/office/powerpoint/2010/main" val="2111607470"/>
+      </p:ext>
+    </p:extLst>
+  </p:cSld>
+  <p:clrMapOvr>
+    <a:masterClrMapping/>
+  </p:clrMapOvr>
+</p:notes>
+</file>
+
+<file path=ppt/notesSlides/notesSlide39.xml><?xml version="1.0" encoding="utf-8"?>
+<p:notes xmlns:a="http://schemas.openxmlformats.org/drawingml/2006/main" xmlns:r="http://schemas.openxmlformats.org/officeDocument/2006/relationships" xmlns:p="http://schemas.openxmlformats.org/presentationml/2006/main">
+  <p:cSld>
+    <p:spTree>
+      <p:nvGrpSpPr>
+        <p:cNvPr id="1" name=""/>
+        <p:cNvGrpSpPr/>
+        <p:nvPr/>
+      </p:nvGrpSpPr>
+      <p:grpSpPr>
+        <a:xfrm>
+          <a:off x="0" y="0"/>
+          <a:ext cx="0" cy="0"/>
+          <a:chOff x="0" y="0"/>
+          <a:chExt cx="0" cy="0"/>
+        </a:xfrm>
+      </p:grpSpPr>
+      <p:sp>
+        <p:nvSpPr>
+          <p:cNvPr id="2" name="Slide Image Placeholder 1"/>
+          <p:cNvSpPr>
+            <a:spLocks noGrp="1" noRot="1" noChangeAspect="1"/>
+          </p:cNvSpPr>
+          <p:nvPr>
+            <p:ph type="sldImg"/>
+          </p:nvPr>
+        </p:nvSpPr>
+        <p:spPr/>
+      </p:sp>
+      <p:sp>
+        <p:nvSpPr>
+          <p:cNvPr id="3" name="Notes Placeholder 2"/>
+          <p:cNvSpPr>
+            <a:spLocks noGrp="1"/>
+          </p:cNvSpPr>
+          <p:nvPr>
+            <p:ph type="body" idx="1"/>
+          </p:nvPr>
+        </p:nvSpPr>
+        <p:spPr/>
+        <p:txBody>
+          <a:bodyPr/>
+          <a:lstStyle/>
+          <a:p>
+            <a:r>
+              <a:rPr lang="en-US" dirty="0"/>
+              <a:t>This is an after-class activity.</a:t>
+            </a:r>
+          </a:p>
+          <a:p>
+            <a:endParaRPr lang="en-US" dirty="0"/>
+          </a:p>
+          <a:p>
+            <a:r>
+              <a:rPr lang="en-US" dirty="0"/>
+              <a:t>A sample user story based on the first requirement in the previous slide:</a:t>
+            </a:r>
+          </a:p>
+          <a:p>
+            <a:endParaRPr lang="en-US" dirty="0"/>
+          </a:p>
+          <a:p>
+            <a:r>
+              <a:rPr lang="en-US" i="1" dirty="0"/>
+              <a:t>As a </a:t>
+            </a:r>
+            <a:r>
+              <a:rPr lang="en-US" b="1" i="1" dirty="0"/>
+              <a:t>content creator </a:t>
+            </a:r>
+            <a:r>
+              <a:rPr lang="en-US" i="1" dirty="0"/>
+              <a:t>I want to express my opinions without offending any person so that I can contribute to a discussion in a constructive way</a:t>
+            </a:r>
+          </a:p>
+          <a:p>
+            <a:endParaRPr lang="en-US" i="1" dirty="0"/>
+          </a:p>
+          <a:p>
+            <a:r>
+              <a:rPr lang="en-US" i="1" dirty="0"/>
+              <a:t>Conditions of satisfaction:</a:t>
+            </a:r>
+          </a:p>
+          <a:p>
+            <a:endParaRPr lang="en-US" i="1" dirty="0"/>
+          </a:p>
+          <a:p>
+            <a:r>
+              <a:rPr lang="en-US" i="1" dirty="0"/>
+              <a:t>(E) I should be able to view my post in the forum if the post was not flagged</a:t>
+            </a:r>
+          </a:p>
+          <a:p>
+            <a:r>
+              <a:rPr lang="en-US" i="1" dirty="0"/>
+              <a:t>(E) I should be able to see a content warning with a reason for the warning if my post was flagged</a:t>
+            </a:r>
+          </a:p>
+          <a:p>
+            <a:r>
+              <a:rPr lang="en-US" i="1" dirty="0"/>
+              <a:t>(E) I should not be able to post if it was flagged</a:t>
+            </a:r>
+          </a:p>
+          <a:p>
+            <a:r>
+              <a:rPr lang="en-US" i="1" dirty="0"/>
+              <a:t>(E) I should be able to raise an appeal if my post was flagged</a:t>
+            </a:r>
+          </a:p>
+          <a:p>
+            <a:r>
+              <a:rPr lang="en-US" i="1" dirty="0"/>
+              <a:t>(D) I should receive a notification if my post was posted after review of flagged post</a:t>
+            </a:r>
+          </a:p>
+          <a:p>
+            <a:r>
+              <a:rPr lang="en-US" i="1" dirty="0"/>
+              <a:t>(E) I should be able to see a history of my flagged posts to help me better understand the forum’s policy on improper speech</a:t>
+            </a:r>
+          </a:p>
+          <a:p>
+            <a:r>
+              <a:rPr lang="en-US" i="1" dirty="0"/>
+              <a:t>(Ex) I should be able to see which official policy rule was violated if my post is flagged</a:t>
+            </a:r>
+            <a:endParaRPr lang="en-US" dirty="0"/>
+          </a:p>
+        </p:txBody>
+      </p:sp>
+      <p:sp>
+        <p:nvSpPr>
+          <p:cNvPr id="4" name="Slide Number Placeholder 3"/>
+          <p:cNvSpPr>
+            <a:spLocks noGrp="1"/>
+          </p:cNvSpPr>
+          <p:nvPr>
+            <p:ph type="sldNum" sz="quarter" idx="5"/>
+          </p:nvPr>
+        </p:nvSpPr>
+        <p:spPr/>
+        <p:txBody>
+          <a:bodyPr/>
+          <a:lstStyle/>
+          <a:p>
+            <a:fld id="{07937F07-1250-4CCE-B198-1B2887014F41}" type="slidenum">
+              <a:rPr lang="en-US" smtClean="0"/>
+              <a:t>47</a:t>
             </a:fld>
             <a:endParaRPr lang="en-US"/>
           </a:p>
@@ -10291,7 +10657,21 @@
           <a:p>
             <a:r>
               <a:rPr lang="en-US" dirty="0"/>
-              <a:t>Here are some things that these different methods have in common.  &lt;read slide&gt;</a:t>
+              <a:t>Here are some things that these different methods have in common.  </a:t>
+            </a:r>
+            <a:br>
+              <a:rPr lang="en-US" dirty="0"/>
+            </a:br>
+            <a:r>
+              <a:rPr lang="en-US" dirty="0"/>
+              <a:t>Notice two important things: stakeholders and value </a:t>
+            </a:r>
+            <a:br>
+              <a:rPr lang="en-US" dirty="0"/>
+            </a:br>
+            <a:r>
+              <a:rPr lang="en-US" dirty="0"/>
+              <a:t>&lt;read slide&gt;</a:t>
             </a:r>
           </a:p>
           <a:p>
@@ -10928,7 +11308,7 @@
           <a:p>
             <a:fld id="{5D2A64DE-480B-420F-9649-4F8E696E08E0}" type="datetime1">
               <a:rPr lang="en-US" smtClean="0"/>
-              <a:t>8/22/25</a:t>
+              <a:t>8/25/2025</a:t>
             </a:fld>
             <a:endParaRPr lang="en-US"/>
           </a:p>
@@ -11252,7 +11632,7 @@
           <a:p>
             <a:fld id="{EA476A42-A091-4468-A075-64A31BE59948}" type="datetime1">
               <a:rPr lang="en-US" smtClean="0"/>
-              <a:t>8/22/25</a:t>
+              <a:t>8/25/2025</a:t>
             </a:fld>
             <a:endParaRPr lang="en-US"/>
           </a:p>
@@ -11450,7 +11830,7 @@
           <a:p>
             <a:fld id="{0D3616D0-8311-4107-9726-6B805E7D05BA}" type="datetime1">
               <a:rPr lang="en-US" smtClean="0"/>
-              <a:t>8/22/25</a:t>
+              <a:t>8/25/2025</a:t>
             </a:fld>
             <a:endParaRPr lang="en-US"/>
           </a:p>
@@ -11658,7 +12038,7 @@
           <a:p>
             <a:fld id="{3BC2557A-5C88-417A-A763-5AC779462A5F}" type="datetime1">
               <a:rPr lang="en-US" smtClean="0"/>
-              <a:t>8/22/25</a:t>
+              <a:t>8/25/2025</a:t>
             </a:fld>
             <a:endParaRPr lang="en-US"/>
           </a:p>
@@ -12182,7 +12562,7 @@
           <a:p>
             <a:fld id="{07C7BFD4-467E-4EDE-93EA-052F5B39A4E5}" type="datetime1">
               <a:rPr lang="en-US" smtClean="0"/>
-              <a:t>8/22/25</a:t>
+              <a:t>8/25/2025</a:t>
             </a:fld>
             <a:endParaRPr lang="en-US"/>
           </a:p>
@@ -12432,7 +12812,7 @@
           <a:p>
             <a:fld id="{07C7BFD4-467E-4EDE-93EA-052F5B39A4E5}" type="datetime1">
               <a:rPr lang="en-US" smtClean="0"/>
-              <a:t>8/22/25</a:t>
+              <a:t>8/25/2025</a:t>
             </a:fld>
             <a:endParaRPr lang="en-US"/>
           </a:p>
@@ -12614,7 +12994,7 @@
           <a:p>
             <a:fld id="{109E55A0-C911-4F03-82FC-7E5926047D46}" type="datetime1">
               <a:rPr lang="en-US" smtClean="0"/>
-              <a:t>8/22/25</a:t>
+              <a:t>8/25/2025</a:t>
             </a:fld>
             <a:endParaRPr lang="en-US"/>
           </a:p>
@@ -12927,7 +13307,7 @@
           <a:p>
             <a:fld id="{A533CBE2-D5BE-47AC-ADC2-9CDFC1D0CF90}" type="datetime1">
               <a:rPr lang="en-US" smtClean="0"/>
-              <a:t>8/22/25</a:t>
+              <a:t>8/25/2025</a:t>
             </a:fld>
             <a:endParaRPr lang="en-US"/>
           </a:p>
@@ -13228,7 +13608,7 @@
           <a:p>
             <a:fld id="{39B7EDB1-CE74-4951-85A2-0B01C2128E28}" type="datetime1">
               <a:rPr lang="en-US" smtClean="0"/>
-              <a:t>8/22/25</a:t>
+              <a:t>8/25/2025</a:t>
             </a:fld>
             <a:endParaRPr lang="en-US"/>
           </a:p>
@@ -13676,7 +14056,7 @@
           <a:p>
             <a:fld id="{2BC7EB92-A5C2-4807-A9DC-9EDE6CBFB241}" type="datetime1">
               <a:rPr lang="en-US" smtClean="0"/>
-              <a:t>8/22/25</a:t>
+              <a:t>8/25/2025</a:t>
             </a:fld>
             <a:endParaRPr lang="en-US"/>
           </a:p>
@@ -13789,7 +14169,7 @@
           <a:p>
             <a:fld id="{2B7B7EE0-7771-4CD5-9B2B-3550753A54A1}" type="datetime1">
               <a:rPr lang="en-US" smtClean="0"/>
-              <a:t>8/22/25</a:t>
+              <a:t>8/25/2025</a:t>
             </a:fld>
             <a:endParaRPr lang="en-US"/>
           </a:p>
@@ -14100,7 +14480,7 @@
           <a:p>
             <a:fld id="{F8B318B3-0E87-4416-A9B8-D891968C2727}" type="datetime1">
               <a:rPr lang="en-US" smtClean="0"/>
-              <a:t>8/22/25</a:t>
+              <a:t>8/25/2025</a:t>
             </a:fld>
             <a:endParaRPr lang="en-US"/>
           </a:p>
@@ -14341,7 +14721,7 @@
           <a:p>
             <a:fld id="{54D997E8-DDEE-43F1-8D9B-F8A1E11DE488}" type="datetime1">
               <a:rPr lang="en-US" smtClean="0"/>
-              <a:t>8/22/25</a:t>
+              <a:t>8/25/2025</a:t>
             </a:fld>
             <a:endParaRPr lang="en-US"/>
           </a:p>
@@ -16058,6 +16438,1575 @@
 </file>
 
 <file path=ppt/slides/slide17.xml><?xml version="1.0" encoding="utf-8"?>
+<p:sld xmlns:a="http://schemas.openxmlformats.org/drawingml/2006/main" xmlns:r="http://schemas.openxmlformats.org/officeDocument/2006/relationships" xmlns:p="http://schemas.openxmlformats.org/presentationml/2006/main">
+  <p:cSld>
+    <p:spTree>
+      <p:nvGrpSpPr>
+        <p:cNvPr id="1" name="">
+          <a:extLst>
+            <a:ext uri="{FF2B5EF4-FFF2-40B4-BE49-F238E27FC236}">
+              <a16:creationId xmlns:a16="http://schemas.microsoft.com/office/drawing/2014/main" id="{57153868-E65A-896C-92FE-904117C9599C}"/>
+            </a:ext>
+          </a:extLst>
+        </p:cNvPr>
+        <p:cNvGrpSpPr/>
+        <p:nvPr/>
+      </p:nvGrpSpPr>
+      <p:grpSpPr>
+        <a:xfrm>
+          <a:off x="0" y="0"/>
+          <a:ext cx="0" cy="0"/>
+          <a:chOff x="0" y="0"/>
+          <a:chExt cx="0" cy="0"/>
+        </a:xfrm>
+      </p:grpSpPr>
+      <p:sp>
+        <p:nvSpPr>
+          <p:cNvPr id="2" name="Title 1">
+            <a:extLst>
+              <a:ext uri="{FF2B5EF4-FFF2-40B4-BE49-F238E27FC236}">
+                <a16:creationId xmlns:a16="http://schemas.microsoft.com/office/drawing/2014/main" id="{9A59BF54-4996-E976-7162-5E8AE026EE81}"/>
+              </a:ext>
+            </a:extLst>
+          </p:cNvPr>
+          <p:cNvSpPr>
+            <a:spLocks noGrp="1"/>
+          </p:cNvSpPr>
+          <p:nvPr>
+            <p:ph type="title"/>
+          </p:nvPr>
+        </p:nvSpPr>
+        <p:spPr/>
+        <p:txBody>
+          <a:bodyPr>
+            <a:normAutofit/>
+          </a:bodyPr>
+          <a:lstStyle/>
+          <a:p>
+            <a:r>
+              <a:rPr lang="en-US" dirty="0"/>
+              <a:t>There are several frameworks that help us in requirement gathering</a:t>
+            </a:r>
+          </a:p>
+        </p:txBody>
+      </p:sp>
+      <p:sp>
+        <p:nvSpPr>
+          <p:cNvPr id="3" name="Content Placeholder 2">
+            <a:extLst>
+              <a:ext uri="{FF2B5EF4-FFF2-40B4-BE49-F238E27FC236}">
+                <a16:creationId xmlns:a16="http://schemas.microsoft.com/office/drawing/2014/main" id="{883C0B57-32A1-020D-7BDF-BC12E409F16D}"/>
+              </a:ext>
+            </a:extLst>
+          </p:cNvPr>
+          <p:cNvSpPr>
+            <a:spLocks noGrp="1"/>
+          </p:cNvSpPr>
+          <p:nvPr>
+            <p:ph idx="1"/>
+          </p:nvPr>
+        </p:nvSpPr>
+        <p:spPr>
+          <a:xfrm>
+            <a:off x="838200" y="1500160"/>
+            <a:ext cx="10400414" cy="4856190"/>
+          </a:xfrm>
+        </p:spPr>
+        <p:txBody>
+          <a:bodyPr>
+            <a:normAutofit/>
+          </a:bodyPr>
+          <a:lstStyle/>
+          <a:p>
+            <a:r>
+              <a:rPr lang="en-US" dirty="0"/>
+              <a:t>One framework recommends paying special attention to </a:t>
+            </a:r>
+            <a:r>
+              <a:rPr lang="en-US" b="1" dirty="0"/>
+              <a:t>stakeholders</a:t>
+            </a:r>
+            <a:r>
+              <a:rPr lang="en-US" dirty="0"/>
+              <a:t> and </a:t>
+            </a:r>
+            <a:r>
+              <a:rPr lang="en-US" b="1" dirty="0"/>
+              <a:t>human values</a:t>
+            </a:r>
+          </a:p>
+          <a:p>
+            <a:r>
+              <a:rPr lang="en-US" dirty="0"/>
+              <a:t>It allows us to reason about design choices and choose the values that are important </a:t>
+            </a:r>
+          </a:p>
+          <a:p>
+            <a:r>
+              <a:rPr lang="en-US" dirty="0"/>
+              <a:t>Considering human values in the design process is considered a </a:t>
+            </a:r>
+            <a:r>
+              <a:rPr lang="en-US" b="1" dirty="0"/>
+              <a:t>responsible </a:t>
+            </a:r>
+            <a:r>
+              <a:rPr lang="en-US" dirty="0"/>
+              <a:t>approach. Some call it </a:t>
+            </a:r>
+            <a:r>
+              <a:rPr lang="en-US" b="1" i="1" dirty="0"/>
+              <a:t>ethical</a:t>
+            </a:r>
+            <a:endParaRPr lang="en-US" i="1" dirty="0"/>
+          </a:p>
+          <a:p>
+            <a:r>
+              <a:rPr lang="en-US" dirty="0"/>
+              <a:t>Its official name is Value Sensitive Design (VSD)</a:t>
+            </a:r>
+          </a:p>
+        </p:txBody>
+      </p:sp>
+      <p:sp>
+        <p:nvSpPr>
+          <p:cNvPr id="4" name="Slide Number Placeholder 3">
+            <a:extLst>
+              <a:ext uri="{FF2B5EF4-FFF2-40B4-BE49-F238E27FC236}">
+                <a16:creationId xmlns:a16="http://schemas.microsoft.com/office/drawing/2014/main" id="{2AB92C93-4088-A5CF-84EB-E05A618D8893}"/>
+              </a:ext>
+            </a:extLst>
+          </p:cNvPr>
+          <p:cNvSpPr>
+            <a:spLocks noGrp="1"/>
+          </p:cNvSpPr>
+          <p:nvPr>
+            <p:ph type="sldNum" sz="quarter" idx="12"/>
+          </p:nvPr>
+        </p:nvSpPr>
+        <p:spPr/>
+        <p:txBody>
+          <a:bodyPr/>
+          <a:lstStyle/>
+          <a:p>
+            <a:fld id="{20F37917-FD3A-4669-9018-DA04BCDD3D75}" type="slidenum">
+              <a:rPr lang="en-US" smtClean="0"/>
+              <a:t>17</a:t>
+            </a:fld>
+            <a:endParaRPr lang="en-US"/>
+          </a:p>
+        </p:txBody>
+      </p:sp>
+    </p:spTree>
+    <p:extLst>
+      <p:ext uri="{BB962C8B-B14F-4D97-AF65-F5344CB8AC3E}">
+        <p14:creationId xmlns:p14="http://schemas.microsoft.com/office/powerpoint/2010/main" val="1101357619"/>
+      </p:ext>
+    </p:extLst>
+  </p:cSld>
+  <p:clrMapOvr>
+    <a:masterClrMapping/>
+  </p:clrMapOvr>
+</p:sld>
+</file>
+
+<file path=ppt/slides/slide18.xml><?xml version="1.0" encoding="utf-8"?>
+<p:sld xmlns:a="http://schemas.openxmlformats.org/drawingml/2006/main" xmlns:r="http://schemas.openxmlformats.org/officeDocument/2006/relationships" xmlns:p="http://schemas.openxmlformats.org/presentationml/2006/main">
+  <p:cSld>
+    <p:spTree>
+      <p:nvGrpSpPr>
+        <p:cNvPr id="1" name="">
+          <a:extLst>
+            <a:ext uri="{FF2B5EF4-FFF2-40B4-BE49-F238E27FC236}">
+              <a16:creationId xmlns:a16="http://schemas.microsoft.com/office/drawing/2014/main" id="{E6082207-F1DE-0D9F-4DBF-BBD3C2ACC5AF}"/>
+            </a:ext>
+          </a:extLst>
+        </p:cNvPr>
+        <p:cNvGrpSpPr/>
+        <p:nvPr/>
+      </p:nvGrpSpPr>
+      <p:grpSpPr>
+        <a:xfrm>
+          <a:off x="0" y="0"/>
+          <a:ext cx="0" cy="0"/>
+          <a:chOff x="0" y="0"/>
+          <a:chExt cx="0" cy="0"/>
+        </a:xfrm>
+      </p:grpSpPr>
+      <p:sp>
+        <p:nvSpPr>
+          <p:cNvPr id="2" name="Title 1">
+            <a:extLst>
+              <a:ext uri="{FF2B5EF4-FFF2-40B4-BE49-F238E27FC236}">
+                <a16:creationId xmlns:a16="http://schemas.microsoft.com/office/drawing/2014/main" id="{6366EE92-3ECC-F02A-DCD0-4B8F52EA1970}"/>
+              </a:ext>
+            </a:extLst>
+          </p:cNvPr>
+          <p:cNvSpPr>
+            <a:spLocks noGrp="1"/>
+          </p:cNvSpPr>
+          <p:nvPr>
+            <p:ph type="title"/>
+          </p:nvPr>
+        </p:nvSpPr>
+        <p:spPr/>
+        <p:txBody>
+          <a:bodyPr>
+            <a:normAutofit/>
+          </a:bodyPr>
+          <a:lstStyle/>
+          <a:p>
+            <a:r>
+              <a:rPr lang="en-US" dirty="0"/>
+              <a:t>Writing User Stories with VSD (Example: Informed Consent in Stack Overflow)</a:t>
+            </a:r>
+          </a:p>
+        </p:txBody>
+      </p:sp>
+      <p:sp>
+        <p:nvSpPr>
+          <p:cNvPr id="4" name="Slide Number Placeholder 3">
+            <a:extLst>
+              <a:ext uri="{FF2B5EF4-FFF2-40B4-BE49-F238E27FC236}">
+                <a16:creationId xmlns:a16="http://schemas.microsoft.com/office/drawing/2014/main" id="{184B5427-74ED-2A6C-ED65-C23409AEA655}"/>
+              </a:ext>
+            </a:extLst>
+          </p:cNvPr>
+          <p:cNvSpPr>
+            <a:spLocks noGrp="1"/>
+          </p:cNvSpPr>
+          <p:nvPr>
+            <p:ph type="sldNum" sz="quarter" idx="12"/>
+          </p:nvPr>
+        </p:nvSpPr>
+        <p:spPr/>
+        <p:txBody>
+          <a:bodyPr/>
+          <a:lstStyle/>
+          <a:p>
+            <a:fld id="{20F37917-FD3A-4669-9018-DA04BCDD3D75}" type="slidenum">
+              <a:rPr lang="en-US" smtClean="0"/>
+              <a:t>18</a:t>
+            </a:fld>
+            <a:endParaRPr lang="en-US"/>
+          </a:p>
+        </p:txBody>
+      </p:sp>
+      <p:sp>
+        <p:nvSpPr>
+          <p:cNvPr id="5" name="Content Placeholder 2">
+            <a:extLst>
+              <a:ext uri="{FF2B5EF4-FFF2-40B4-BE49-F238E27FC236}">
+                <a16:creationId xmlns:a16="http://schemas.microsoft.com/office/drawing/2014/main" id="{6E8040BE-5D0F-EB4F-A19A-376BA1257C9B}"/>
+              </a:ext>
+            </a:extLst>
+          </p:cNvPr>
+          <p:cNvSpPr txBox="1">
+            <a:spLocks/>
+          </p:cNvSpPr>
+          <p:nvPr/>
+        </p:nvSpPr>
+        <p:spPr>
+          <a:xfrm>
+            <a:off x="943981" y="1781514"/>
+            <a:ext cx="4514284" cy="4351338"/>
+          </a:xfrm>
+          <a:prstGeom prst="rect">
+            <a:avLst/>
+          </a:prstGeom>
+        </p:spPr>
+        <p:txBody>
+          <a:bodyPr vert="horz" lIns="91440" tIns="45720" rIns="91440" bIns="45720" rtlCol="0">
+            <a:normAutofit/>
+          </a:bodyPr>
+          <a:lstStyle>
+            <a:lvl1pPr marL="228600" indent="-228600" algn="l" defTabSz="914400" rtl="0" eaLnBrk="1" latinLnBrk="0" hangingPunct="1">
+              <a:lnSpc>
+                <a:spcPct val="90000"/>
+              </a:lnSpc>
+              <a:spcBef>
+                <a:spcPts val="1000"/>
+              </a:spcBef>
+              <a:buFont typeface="Arial" panose="020B0604020202020204" pitchFamily="34" charset="0"/>
+              <a:buChar char="•"/>
+              <a:defRPr sz="2800" kern="1200">
+                <a:solidFill>
+                  <a:schemeClr val="tx1"/>
+                </a:solidFill>
+                <a:latin typeface="+mn-lt"/>
+                <a:ea typeface="+mn-ea"/>
+                <a:cs typeface="+mn-cs"/>
+              </a:defRPr>
+            </a:lvl1pPr>
+            <a:lvl2pPr marL="685800" indent="-228600" algn="l" defTabSz="914400" rtl="0" eaLnBrk="1" latinLnBrk="0" hangingPunct="1">
+              <a:lnSpc>
+                <a:spcPct val="90000"/>
+              </a:lnSpc>
+              <a:spcBef>
+                <a:spcPts val="500"/>
+              </a:spcBef>
+              <a:buFont typeface="Arial" panose="020B0604020202020204" pitchFamily="34" charset="0"/>
+              <a:buChar char="•"/>
+              <a:defRPr sz="2400" kern="1200">
+                <a:solidFill>
+                  <a:schemeClr val="tx1"/>
+                </a:solidFill>
+                <a:latin typeface="+mn-lt"/>
+                <a:ea typeface="+mn-ea"/>
+                <a:cs typeface="+mn-cs"/>
+              </a:defRPr>
+            </a:lvl2pPr>
+            <a:lvl3pPr marL="1143000" indent="-228600" algn="l" defTabSz="914400" rtl="0" eaLnBrk="1" latinLnBrk="0" hangingPunct="1">
+              <a:lnSpc>
+                <a:spcPct val="90000"/>
+              </a:lnSpc>
+              <a:spcBef>
+                <a:spcPts val="500"/>
+              </a:spcBef>
+              <a:buFont typeface="Arial" panose="020B0604020202020204" pitchFamily="34" charset="0"/>
+              <a:buChar char="•"/>
+              <a:defRPr sz="2000" kern="1200">
+                <a:solidFill>
+                  <a:schemeClr val="tx1"/>
+                </a:solidFill>
+                <a:latin typeface="+mn-lt"/>
+                <a:ea typeface="+mn-ea"/>
+                <a:cs typeface="+mn-cs"/>
+              </a:defRPr>
+            </a:lvl3pPr>
+            <a:lvl4pPr marL="1600200" indent="-228600" algn="l" defTabSz="914400" rtl="0" eaLnBrk="1" latinLnBrk="0" hangingPunct="1">
+              <a:lnSpc>
+                <a:spcPct val="90000"/>
+              </a:lnSpc>
+              <a:spcBef>
+                <a:spcPts val="500"/>
+              </a:spcBef>
+              <a:buFont typeface="Arial" panose="020B0604020202020204" pitchFamily="34" charset="0"/>
+              <a:buChar char="•"/>
+              <a:defRPr sz="1800" kern="1200">
+                <a:solidFill>
+                  <a:schemeClr val="tx1"/>
+                </a:solidFill>
+                <a:latin typeface="+mn-lt"/>
+                <a:ea typeface="+mn-ea"/>
+                <a:cs typeface="+mn-cs"/>
+              </a:defRPr>
+            </a:lvl4pPr>
+            <a:lvl5pPr marL="2057400" indent="-228600" algn="l" defTabSz="914400" rtl="0" eaLnBrk="1" latinLnBrk="0" hangingPunct="1">
+              <a:lnSpc>
+                <a:spcPct val="90000"/>
+              </a:lnSpc>
+              <a:spcBef>
+                <a:spcPts val="500"/>
+              </a:spcBef>
+              <a:buFont typeface="Arial" panose="020B0604020202020204" pitchFamily="34" charset="0"/>
+              <a:buChar char="•"/>
+              <a:defRPr sz="1800" kern="1200">
+                <a:solidFill>
+                  <a:schemeClr val="tx1"/>
+                </a:solidFill>
+                <a:latin typeface="+mn-lt"/>
+                <a:ea typeface="+mn-ea"/>
+                <a:cs typeface="+mn-cs"/>
+              </a:defRPr>
+            </a:lvl5pPr>
+            <a:lvl6pPr marL="2514600" indent="-228600" algn="l" defTabSz="914400" rtl="0" eaLnBrk="1" latinLnBrk="0" hangingPunct="1">
+              <a:lnSpc>
+                <a:spcPct val="90000"/>
+              </a:lnSpc>
+              <a:spcBef>
+                <a:spcPts val="500"/>
+              </a:spcBef>
+              <a:buFont typeface="Arial" panose="020B0604020202020204" pitchFamily="34" charset="0"/>
+              <a:buChar char="•"/>
+              <a:defRPr sz="1800" kern="1200">
+                <a:solidFill>
+                  <a:schemeClr val="tx1"/>
+                </a:solidFill>
+                <a:latin typeface="+mn-lt"/>
+                <a:ea typeface="+mn-ea"/>
+                <a:cs typeface="+mn-cs"/>
+              </a:defRPr>
+            </a:lvl6pPr>
+            <a:lvl7pPr marL="2971800" indent="-228600" algn="l" defTabSz="914400" rtl="0" eaLnBrk="1" latinLnBrk="0" hangingPunct="1">
+              <a:lnSpc>
+                <a:spcPct val="90000"/>
+              </a:lnSpc>
+              <a:spcBef>
+                <a:spcPts val="500"/>
+              </a:spcBef>
+              <a:buFont typeface="Arial" panose="020B0604020202020204" pitchFamily="34" charset="0"/>
+              <a:buChar char="•"/>
+              <a:defRPr sz="1800" kern="1200">
+                <a:solidFill>
+                  <a:schemeClr val="tx1"/>
+                </a:solidFill>
+                <a:latin typeface="+mn-lt"/>
+                <a:ea typeface="+mn-ea"/>
+                <a:cs typeface="+mn-cs"/>
+              </a:defRPr>
+            </a:lvl7pPr>
+            <a:lvl8pPr marL="3429000" indent="-228600" algn="l" defTabSz="914400" rtl="0" eaLnBrk="1" latinLnBrk="0" hangingPunct="1">
+              <a:lnSpc>
+                <a:spcPct val="90000"/>
+              </a:lnSpc>
+              <a:spcBef>
+                <a:spcPts val="500"/>
+              </a:spcBef>
+              <a:buFont typeface="Arial" panose="020B0604020202020204" pitchFamily="34" charset="0"/>
+              <a:buChar char="•"/>
+              <a:defRPr sz="1800" kern="1200">
+                <a:solidFill>
+                  <a:schemeClr val="tx1"/>
+                </a:solidFill>
+                <a:latin typeface="+mn-lt"/>
+                <a:ea typeface="+mn-ea"/>
+                <a:cs typeface="+mn-cs"/>
+              </a:defRPr>
+            </a:lvl8pPr>
+            <a:lvl9pPr marL="3886200" indent="-228600" algn="l" defTabSz="914400" rtl="0" eaLnBrk="1" latinLnBrk="0" hangingPunct="1">
+              <a:lnSpc>
+                <a:spcPct val="90000"/>
+              </a:lnSpc>
+              <a:spcBef>
+                <a:spcPts val="500"/>
+              </a:spcBef>
+              <a:buFont typeface="Arial" panose="020B0604020202020204" pitchFamily="34" charset="0"/>
+              <a:buChar char="•"/>
+              <a:defRPr sz="1800" kern="1200">
+                <a:solidFill>
+                  <a:schemeClr val="tx1"/>
+                </a:solidFill>
+                <a:latin typeface="+mn-lt"/>
+                <a:ea typeface="+mn-ea"/>
+                <a:cs typeface="+mn-cs"/>
+              </a:defRPr>
+            </a:lvl9pPr>
+          </a:lstStyle>
+          <a:p>
+            <a:pPr marL="0" indent="0">
+              <a:buFont typeface="Arial" panose="020B0604020202020204" pitchFamily="34" charset="0"/>
+              <a:buNone/>
+            </a:pPr>
+            <a:r>
+              <a:rPr lang="en-US" dirty="0">
+                <a:solidFill>
+                  <a:srgbClr val="FF0000"/>
+                </a:solidFill>
+              </a:rPr>
+              <a:t>Stakeholders identified:</a:t>
+            </a:r>
+          </a:p>
+          <a:p>
+            <a:r>
+              <a:rPr lang="en-US" dirty="0"/>
+              <a:t>Site users</a:t>
+            </a:r>
+          </a:p>
+          <a:p>
+            <a:r>
+              <a:rPr lang="en-US" dirty="0"/>
+              <a:t>Site owners</a:t>
+            </a:r>
+          </a:p>
+          <a:p>
+            <a:pPr>
+              <a:buFont typeface="Wingdings" pitchFamily="2" charset="2"/>
+              <a:buChar char="v"/>
+            </a:pPr>
+            <a:endParaRPr lang="en-US" dirty="0"/>
+          </a:p>
+          <a:p>
+            <a:pPr marL="0" indent="0">
+              <a:buFont typeface="Arial" panose="020B0604020202020204" pitchFamily="34" charset="0"/>
+              <a:buNone/>
+            </a:pPr>
+            <a:r>
+              <a:rPr lang="en-US" dirty="0">
+                <a:solidFill>
+                  <a:srgbClr val="FF0000"/>
+                </a:solidFill>
+              </a:rPr>
+              <a:t>Values identified:</a:t>
+            </a:r>
+          </a:p>
+          <a:p>
+            <a:r>
+              <a:rPr lang="en-US" dirty="0"/>
+              <a:t>Privacy</a:t>
+            </a:r>
+          </a:p>
+          <a:p>
+            <a:r>
+              <a:rPr lang="en-US" dirty="0"/>
+              <a:t>Accountability</a:t>
+            </a:r>
+          </a:p>
+          <a:p>
+            <a:r>
+              <a:rPr lang="en-US" dirty="0"/>
+              <a:t>Transparency</a:t>
+            </a:r>
+          </a:p>
+        </p:txBody>
+      </p:sp>
+      <p:sp>
+        <p:nvSpPr>
+          <p:cNvPr id="6" name="Content Placeholder 2">
+            <a:extLst>
+              <a:ext uri="{FF2B5EF4-FFF2-40B4-BE49-F238E27FC236}">
+                <a16:creationId xmlns:a16="http://schemas.microsoft.com/office/drawing/2014/main" id="{21B1C3C5-1CFA-CFA6-660F-8117302CD448}"/>
+              </a:ext>
+            </a:extLst>
+          </p:cNvPr>
+          <p:cNvSpPr txBox="1">
+            <a:spLocks/>
+          </p:cNvSpPr>
+          <p:nvPr/>
+        </p:nvSpPr>
+        <p:spPr>
+          <a:xfrm>
+            <a:off x="5676042" y="2005012"/>
+            <a:ext cx="6078414" cy="4351338"/>
+          </a:xfrm>
+          <a:prstGeom prst="rect">
+            <a:avLst/>
+          </a:prstGeom>
+        </p:spPr>
+        <p:txBody>
+          <a:bodyPr vert="horz" lIns="91440" tIns="45720" rIns="91440" bIns="45720" rtlCol="0">
+            <a:normAutofit fontScale="85000" lnSpcReduction="20000"/>
+          </a:bodyPr>
+          <a:lstStyle>
+            <a:lvl1pPr marL="228600" indent="-228600" algn="l" defTabSz="914400" rtl="0" eaLnBrk="1" latinLnBrk="0" hangingPunct="1">
+              <a:lnSpc>
+                <a:spcPct val="90000"/>
+              </a:lnSpc>
+              <a:spcBef>
+                <a:spcPts val="1000"/>
+              </a:spcBef>
+              <a:buFont typeface="Arial" panose="020B0604020202020204" pitchFamily="34" charset="0"/>
+              <a:buChar char="•"/>
+              <a:defRPr sz="2800" kern="1200">
+                <a:solidFill>
+                  <a:schemeClr val="tx1"/>
+                </a:solidFill>
+                <a:latin typeface="+mn-lt"/>
+                <a:ea typeface="+mn-ea"/>
+                <a:cs typeface="+mn-cs"/>
+              </a:defRPr>
+            </a:lvl1pPr>
+            <a:lvl2pPr marL="685800" indent="-228600" algn="l" defTabSz="914400" rtl="0" eaLnBrk="1" latinLnBrk="0" hangingPunct="1">
+              <a:lnSpc>
+                <a:spcPct val="90000"/>
+              </a:lnSpc>
+              <a:spcBef>
+                <a:spcPts val="500"/>
+              </a:spcBef>
+              <a:buFont typeface="Arial" panose="020B0604020202020204" pitchFamily="34" charset="0"/>
+              <a:buChar char="•"/>
+              <a:defRPr sz="2400" kern="1200">
+                <a:solidFill>
+                  <a:schemeClr val="tx1"/>
+                </a:solidFill>
+                <a:latin typeface="+mn-lt"/>
+                <a:ea typeface="+mn-ea"/>
+                <a:cs typeface="+mn-cs"/>
+              </a:defRPr>
+            </a:lvl2pPr>
+            <a:lvl3pPr marL="1143000" indent="-228600" algn="l" defTabSz="914400" rtl="0" eaLnBrk="1" latinLnBrk="0" hangingPunct="1">
+              <a:lnSpc>
+                <a:spcPct val="90000"/>
+              </a:lnSpc>
+              <a:spcBef>
+                <a:spcPts val="500"/>
+              </a:spcBef>
+              <a:buFont typeface="Arial" panose="020B0604020202020204" pitchFamily="34" charset="0"/>
+              <a:buChar char="•"/>
+              <a:defRPr sz="2000" kern="1200">
+                <a:solidFill>
+                  <a:schemeClr val="tx1"/>
+                </a:solidFill>
+                <a:latin typeface="+mn-lt"/>
+                <a:ea typeface="+mn-ea"/>
+                <a:cs typeface="+mn-cs"/>
+              </a:defRPr>
+            </a:lvl3pPr>
+            <a:lvl4pPr marL="1600200" indent="-228600" algn="l" defTabSz="914400" rtl="0" eaLnBrk="1" latinLnBrk="0" hangingPunct="1">
+              <a:lnSpc>
+                <a:spcPct val="90000"/>
+              </a:lnSpc>
+              <a:spcBef>
+                <a:spcPts val="500"/>
+              </a:spcBef>
+              <a:buFont typeface="Arial" panose="020B0604020202020204" pitchFamily="34" charset="0"/>
+              <a:buChar char="•"/>
+              <a:defRPr sz="1800" kern="1200">
+                <a:solidFill>
+                  <a:schemeClr val="tx1"/>
+                </a:solidFill>
+                <a:latin typeface="+mn-lt"/>
+                <a:ea typeface="+mn-ea"/>
+                <a:cs typeface="+mn-cs"/>
+              </a:defRPr>
+            </a:lvl4pPr>
+            <a:lvl5pPr marL="2057400" indent="-228600" algn="l" defTabSz="914400" rtl="0" eaLnBrk="1" latinLnBrk="0" hangingPunct="1">
+              <a:lnSpc>
+                <a:spcPct val="90000"/>
+              </a:lnSpc>
+              <a:spcBef>
+                <a:spcPts val="500"/>
+              </a:spcBef>
+              <a:buFont typeface="Arial" panose="020B0604020202020204" pitchFamily="34" charset="0"/>
+              <a:buChar char="•"/>
+              <a:defRPr sz="1800" kern="1200">
+                <a:solidFill>
+                  <a:schemeClr val="tx1"/>
+                </a:solidFill>
+                <a:latin typeface="+mn-lt"/>
+                <a:ea typeface="+mn-ea"/>
+                <a:cs typeface="+mn-cs"/>
+              </a:defRPr>
+            </a:lvl5pPr>
+            <a:lvl6pPr marL="2514600" indent="-228600" algn="l" defTabSz="914400" rtl="0" eaLnBrk="1" latinLnBrk="0" hangingPunct="1">
+              <a:lnSpc>
+                <a:spcPct val="90000"/>
+              </a:lnSpc>
+              <a:spcBef>
+                <a:spcPts val="500"/>
+              </a:spcBef>
+              <a:buFont typeface="Arial" panose="020B0604020202020204" pitchFamily="34" charset="0"/>
+              <a:buChar char="•"/>
+              <a:defRPr sz="1800" kern="1200">
+                <a:solidFill>
+                  <a:schemeClr val="tx1"/>
+                </a:solidFill>
+                <a:latin typeface="+mn-lt"/>
+                <a:ea typeface="+mn-ea"/>
+                <a:cs typeface="+mn-cs"/>
+              </a:defRPr>
+            </a:lvl6pPr>
+            <a:lvl7pPr marL="2971800" indent="-228600" algn="l" defTabSz="914400" rtl="0" eaLnBrk="1" latinLnBrk="0" hangingPunct="1">
+              <a:lnSpc>
+                <a:spcPct val="90000"/>
+              </a:lnSpc>
+              <a:spcBef>
+                <a:spcPts val="500"/>
+              </a:spcBef>
+              <a:buFont typeface="Arial" panose="020B0604020202020204" pitchFamily="34" charset="0"/>
+              <a:buChar char="•"/>
+              <a:defRPr sz="1800" kern="1200">
+                <a:solidFill>
+                  <a:schemeClr val="tx1"/>
+                </a:solidFill>
+                <a:latin typeface="+mn-lt"/>
+                <a:ea typeface="+mn-ea"/>
+                <a:cs typeface="+mn-cs"/>
+              </a:defRPr>
+            </a:lvl7pPr>
+            <a:lvl8pPr marL="3429000" indent="-228600" algn="l" defTabSz="914400" rtl="0" eaLnBrk="1" latinLnBrk="0" hangingPunct="1">
+              <a:lnSpc>
+                <a:spcPct val="90000"/>
+              </a:lnSpc>
+              <a:spcBef>
+                <a:spcPts val="500"/>
+              </a:spcBef>
+              <a:buFont typeface="Arial" panose="020B0604020202020204" pitchFamily="34" charset="0"/>
+              <a:buChar char="•"/>
+              <a:defRPr sz="1800" kern="1200">
+                <a:solidFill>
+                  <a:schemeClr val="tx1"/>
+                </a:solidFill>
+                <a:latin typeface="+mn-lt"/>
+                <a:ea typeface="+mn-ea"/>
+                <a:cs typeface="+mn-cs"/>
+              </a:defRPr>
+            </a:lvl8pPr>
+            <a:lvl9pPr marL="3886200" indent="-228600" algn="l" defTabSz="914400" rtl="0" eaLnBrk="1" latinLnBrk="0" hangingPunct="1">
+              <a:lnSpc>
+                <a:spcPct val="90000"/>
+              </a:lnSpc>
+              <a:spcBef>
+                <a:spcPts val="500"/>
+              </a:spcBef>
+              <a:buFont typeface="Arial" panose="020B0604020202020204" pitchFamily="34" charset="0"/>
+              <a:buChar char="•"/>
+              <a:defRPr sz="1800" kern="1200">
+                <a:solidFill>
+                  <a:schemeClr val="tx1"/>
+                </a:solidFill>
+                <a:latin typeface="+mn-lt"/>
+                <a:ea typeface="+mn-ea"/>
+                <a:cs typeface="+mn-cs"/>
+              </a:defRPr>
+            </a:lvl9pPr>
+          </a:lstStyle>
+          <a:p>
+            <a:pPr marL="0" indent="0">
+              <a:buFont typeface="Arial" panose="020B0604020202020204" pitchFamily="34" charset="0"/>
+              <a:buNone/>
+            </a:pPr>
+            <a:r>
+              <a:rPr lang="en-US" dirty="0">
+                <a:solidFill>
+                  <a:schemeClr val="accent6">
+                    <a:lumMod val="50000"/>
+                  </a:schemeClr>
+                </a:solidFill>
+              </a:rPr>
+              <a:t>User Story Examples:</a:t>
+            </a:r>
+          </a:p>
+          <a:p>
+            <a:pPr>
+              <a:buFont typeface="Wingdings" pitchFamily="2" charset="2"/>
+              <a:buChar char="v"/>
+            </a:pPr>
+            <a:r>
+              <a:rPr lang="en-US" dirty="0"/>
+              <a:t> As a Stack Overflow user, I want to clearly understand what personal data Stack Overflow collects through cookies and control which cookies are set so that I can make an informed choice about my privacy while still accessing the programming help I need. (Essential)</a:t>
+            </a:r>
+          </a:p>
+          <a:p>
+            <a:pPr>
+              <a:buFont typeface="Wingdings" pitchFamily="2" charset="2"/>
+              <a:buChar char="v"/>
+            </a:pPr>
+            <a:r>
+              <a:rPr lang="en-US" dirty="0"/>
+              <a:t> As a Stack Overflow site owner, I want to implement transparent cookie consent processes that comply with regulations while maintaining user engagement so that I can build user trust, avoid legal penalties, and sustain my business model without losing essential functionality. (Essential)</a:t>
+            </a:r>
+          </a:p>
+          <a:p>
+            <a:pPr>
+              <a:buFont typeface="Wingdings" pitchFamily="2" charset="2"/>
+              <a:buChar char="v"/>
+            </a:pPr>
+            <a:endParaRPr lang="en-US" dirty="0"/>
+          </a:p>
+          <a:p>
+            <a:pPr lvl="1"/>
+            <a:endParaRPr lang="en-US" dirty="0"/>
+          </a:p>
+        </p:txBody>
+      </p:sp>
+    </p:spTree>
+    <p:extLst>
+      <p:ext uri="{BB962C8B-B14F-4D97-AF65-F5344CB8AC3E}">
+        <p14:creationId xmlns:p14="http://schemas.microsoft.com/office/powerpoint/2010/main" val="2788533753"/>
+      </p:ext>
+    </p:extLst>
+  </p:cSld>
+  <p:clrMapOvr>
+    <a:masterClrMapping/>
+  </p:clrMapOvr>
+</p:sld>
+</file>
+
+<file path=ppt/slides/slide19.xml><?xml version="1.0" encoding="utf-8"?>
+<p:sld xmlns:a="http://schemas.openxmlformats.org/drawingml/2006/main" xmlns:r="http://schemas.openxmlformats.org/officeDocument/2006/relationships" xmlns:p="http://schemas.openxmlformats.org/presentationml/2006/main">
+  <p:cSld>
+    <p:spTree>
+      <p:nvGrpSpPr>
+        <p:cNvPr id="1" name="">
+          <a:extLst>
+            <a:ext uri="{FF2B5EF4-FFF2-40B4-BE49-F238E27FC236}">
+              <a16:creationId xmlns:a16="http://schemas.microsoft.com/office/drawing/2014/main" id="{6E9349AA-5E93-A6B1-EB37-821B2E93F56E}"/>
+            </a:ext>
+          </a:extLst>
+        </p:cNvPr>
+        <p:cNvGrpSpPr/>
+        <p:nvPr/>
+      </p:nvGrpSpPr>
+      <p:grpSpPr>
+        <a:xfrm>
+          <a:off x="0" y="0"/>
+          <a:ext cx="0" cy="0"/>
+          <a:chOff x="0" y="0"/>
+          <a:chExt cx="0" cy="0"/>
+        </a:xfrm>
+      </p:grpSpPr>
+      <p:sp>
+        <p:nvSpPr>
+          <p:cNvPr id="2" name="Title 1">
+            <a:extLst>
+              <a:ext uri="{FF2B5EF4-FFF2-40B4-BE49-F238E27FC236}">
+                <a16:creationId xmlns:a16="http://schemas.microsoft.com/office/drawing/2014/main" id="{6CB720DC-BE80-9BCD-ED9E-024F93E1C7AD}"/>
+              </a:ext>
+            </a:extLst>
+          </p:cNvPr>
+          <p:cNvSpPr>
+            <a:spLocks noGrp="1"/>
+          </p:cNvSpPr>
+          <p:nvPr>
+            <p:ph type="title"/>
+          </p:nvPr>
+        </p:nvSpPr>
+        <p:spPr/>
+        <p:txBody>
+          <a:bodyPr>
+            <a:normAutofit fontScale="90000"/>
+          </a:bodyPr>
+          <a:lstStyle/>
+          <a:p>
+            <a:r>
+              <a:rPr lang="en-US" dirty="0"/>
+              <a:t>Conditions of Satisfaction and VSD (Example: Informed Consent in Stack Overflow)</a:t>
+            </a:r>
+          </a:p>
+        </p:txBody>
+      </p:sp>
+      <p:sp>
+        <p:nvSpPr>
+          <p:cNvPr id="4" name="Slide Number Placeholder 3">
+            <a:extLst>
+              <a:ext uri="{FF2B5EF4-FFF2-40B4-BE49-F238E27FC236}">
+                <a16:creationId xmlns:a16="http://schemas.microsoft.com/office/drawing/2014/main" id="{E1BD2735-E867-D819-7AE9-30FAF73F7395}"/>
+              </a:ext>
+            </a:extLst>
+          </p:cNvPr>
+          <p:cNvSpPr>
+            <a:spLocks noGrp="1"/>
+          </p:cNvSpPr>
+          <p:nvPr>
+            <p:ph type="sldNum" sz="quarter" idx="12"/>
+          </p:nvPr>
+        </p:nvSpPr>
+        <p:spPr/>
+        <p:txBody>
+          <a:bodyPr/>
+          <a:lstStyle/>
+          <a:p>
+            <a:fld id="{20F37917-FD3A-4669-9018-DA04BCDD3D75}" type="slidenum">
+              <a:rPr lang="en-US" smtClean="0"/>
+              <a:t>19</a:t>
+            </a:fld>
+            <a:endParaRPr lang="en-US"/>
+          </a:p>
+        </p:txBody>
+      </p:sp>
+      <p:sp>
+        <p:nvSpPr>
+          <p:cNvPr id="7" name="Content Placeholder 2">
+            <a:extLst>
+              <a:ext uri="{FF2B5EF4-FFF2-40B4-BE49-F238E27FC236}">
+                <a16:creationId xmlns:a16="http://schemas.microsoft.com/office/drawing/2014/main" id="{4DDBCF3A-5E08-FD18-5979-6900A9C531D2}"/>
+              </a:ext>
+            </a:extLst>
+          </p:cNvPr>
+          <p:cNvSpPr txBox="1">
+            <a:spLocks/>
+          </p:cNvSpPr>
+          <p:nvPr/>
+        </p:nvSpPr>
+        <p:spPr>
+          <a:xfrm>
+            <a:off x="639808" y="1674415"/>
+            <a:ext cx="5662518" cy="5598582"/>
+          </a:xfrm>
+          <a:prstGeom prst="rect">
+            <a:avLst/>
+          </a:prstGeom>
+        </p:spPr>
+        <p:txBody>
+          <a:bodyPr vert="horz" lIns="91440" tIns="45720" rIns="91440" bIns="45720" rtlCol="0">
+            <a:normAutofit fontScale="92500"/>
+          </a:bodyPr>
+          <a:lstStyle>
+            <a:lvl1pPr marL="228600" indent="-228600" algn="l" defTabSz="914400" rtl="0" eaLnBrk="1" latinLnBrk="0" hangingPunct="1">
+              <a:lnSpc>
+                <a:spcPct val="90000"/>
+              </a:lnSpc>
+              <a:spcBef>
+                <a:spcPts val="1000"/>
+              </a:spcBef>
+              <a:buFont typeface="Arial" panose="020B0604020202020204" pitchFamily="34" charset="0"/>
+              <a:buChar char="•"/>
+              <a:defRPr sz="2800" kern="1200">
+                <a:solidFill>
+                  <a:schemeClr val="tx1"/>
+                </a:solidFill>
+                <a:latin typeface="+mn-lt"/>
+                <a:ea typeface="+mn-ea"/>
+                <a:cs typeface="+mn-cs"/>
+              </a:defRPr>
+            </a:lvl1pPr>
+            <a:lvl2pPr marL="685800" indent="-228600" algn="l" defTabSz="914400" rtl="0" eaLnBrk="1" latinLnBrk="0" hangingPunct="1">
+              <a:lnSpc>
+                <a:spcPct val="90000"/>
+              </a:lnSpc>
+              <a:spcBef>
+                <a:spcPts val="500"/>
+              </a:spcBef>
+              <a:buFont typeface="Arial" panose="020B0604020202020204" pitchFamily="34" charset="0"/>
+              <a:buChar char="•"/>
+              <a:defRPr sz="2400" kern="1200">
+                <a:solidFill>
+                  <a:schemeClr val="tx1"/>
+                </a:solidFill>
+                <a:latin typeface="+mn-lt"/>
+                <a:ea typeface="+mn-ea"/>
+                <a:cs typeface="+mn-cs"/>
+              </a:defRPr>
+            </a:lvl2pPr>
+            <a:lvl3pPr marL="1143000" indent="-228600" algn="l" defTabSz="914400" rtl="0" eaLnBrk="1" latinLnBrk="0" hangingPunct="1">
+              <a:lnSpc>
+                <a:spcPct val="90000"/>
+              </a:lnSpc>
+              <a:spcBef>
+                <a:spcPts val="500"/>
+              </a:spcBef>
+              <a:buFont typeface="Arial" panose="020B0604020202020204" pitchFamily="34" charset="0"/>
+              <a:buChar char="•"/>
+              <a:defRPr sz="2000" kern="1200">
+                <a:solidFill>
+                  <a:schemeClr val="tx1"/>
+                </a:solidFill>
+                <a:latin typeface="+mn-lt"/>
+                <a:ea typeface="+mn-ea"/>
+                <a:cs typeface="+mn-cs"/>
+              </a:defRPr>
+            </a:lvl3pPr>
+            <a:lvl4pPr marL="1600200" indent="-228600" algn="l" defTabSz="914400" rtl="0" eaLnBrk="1" latinLnBrk="0" hangingPunct="1">
+              <a:lnSpc>
+                <a:spcPct val="90000"/>
+              </a:lnSpc>
+              <a:spcBef>
+                <a:spcPts val="500"/>
+              </a:spcBef>
+              <a:buFont typeface="Arial" panose="020B0604020202020204" pitchFamily="34" charset="0"/>
+              <a:buChar char="•"/>
+              <a:defRPr sz="1800" kern="1200">
+                <a:solidFill>
+                  <a:schemeClr val="tx1"/>
+                </a:solidFill>
+                <a:latin typeface="+mn-lt"/>
+                <a:ea typeface="+mn-ea"/>
+                <a:cs typeface="+mn-cs"/>
+              </a:defRPr>
+            </a:lvl4pPr>
+            <a:lvl5pPr marL="2057400" indent="-228600" algn="l" defTabSz="914400" rtl="0" eaLnBrk="1" latinLnBrk="0" hangingPunct="1">
+              <a:lnSpc>
+                <a:spcPct val="90000"/>
+              </a:lnSpc>
+              <a:spcBef>
+                <a:spcPts val="500"/>
+              </a:spcBef>
+              <a:buFont typeface="Arial" panose="020B0604020202020204" pitchFamily="34" charset="0"/>
+              <a:buChar char="•"/>
+              <a:defRPr sz="1800" kern="1200">
+                <a:solidFill>
+                  <a:schemeClr val="tx1"/>
+                </a:solidFill>
+                <a:latin typeface="+mn-lt"/>
+                <a:ea typeface="+mn-ea"/>
+                <a:cs typeface="+mn-cs"/>
+              </a:defRPr>
+            </a:lvl5pPr>
+            <a:lvl6pPr marL="2514600" indent="-228600" algn="l" defTabSz="914400" rtl="0" eaLnBrk="1" latinLnBrk="0" hangingPunct="1">
+              <a:lnSpc>
+                <a:spcPct val="90000"/>
+              </a:lnSpc>
+              <a:spcBef>
+                <a:spcPts val="500"/>
+              </a:spcBef>
+              <a:buFont typeface="Arial" panose="020B0604020202020204" pitchFamily="34" charset="0"/>
+              <a:buChar char="•"/>
+              <a:defRPr sz="1800" kern="1200">
+                <a:solidFill>
+                  <a:schemeClr val="tx1"/>
+                </a:solidFill>
+                <a:latin typeface="+mn-lt"/>
+                <a:ea typeface="+mn-ea"/>
+                <a:cs typeface="+mn-cs"/>
+              </a:defRPr>
+            </a:lvl6pPr>
+            <a:lvl7pPr marL="2971800" indent="-228600" algn="l" defTabSz="914400" rtl="0" eaLnBrk="1" latinLnBrk="0" hangingPunct="1">
+              <a:lnSpc>
+                <a:spcPct val="90000"/>
+              </a:lnSpc>
+              <a:spcBef>
+                <a:spcPts val="500"/>
+              </a:spcBef>
+              <a:buFont typeface="Arial" panose="020B0604020202020204" pitchFamily="34" charset="0"/>
+              <a:buChar char="•"/>
+              <a:defRPr sz="1800" kern="1200">
+                <a:solidFill>
+                  <a:schemeClr val="tx1"/>
+                </a:solidFill>
+                <a:latin typeface="+mn-lt"/>
+                <a:ea typeface="+mn-ea"/>
+                <a:cs typeface="+mn-cs"/>
+              </a:defRPr>
+            </a:lvl7pPr>
+            <a:lvl8pPr marL="3429000" indent="-228600" algn="l" defTabSz="914400" rtl="0" eaLnBrk="1" latinLnBrk="0" hangingPunct="1">
+              <a:lnSpc>
+                <a:spcPct val="90000"/>
+              </a:lnSpc>
+              <a:spcBef>
+                <a:spcPts val="500"/>
+              </a:spcBef>
+              <a:buFont typeface="Arial" panose="020B0604020202020204" pitchFamily="34" charset="0"/>
+              <a:buChar char="•"/>
+              <a:defRPr sz="1800" kern="1200">
+                <a:solidFill>
+                  <a:schemeClr val="tx1"/>
+                </a:solidFill>
+                <a:latin typeface="+mn-lt"/>
+                <a:ea typeface="+mn-ea"/>
+                <a:cs typeface="+mn-cs"/>
+              </a:defRPr>
+            </a:lvl8pPr>
+            <a:lvl9pPr marL="3886200" indent="-228600" algn="l" defTabSz="914400" rtl="0" eaLnBrk="1" latinLnBrk="0" hangingPunct="1">
+              <a:lnSpc>
+                <a:spcPct val="90000"/>
+              </a:lnSpc>
+              <a:spcBef>
+                <a:spcPts val="500"/>
+              </a:spcBef>
+              <a:buFont typeface="Arial" panose="020B0604020202020204" pitchFamily="34" charset="0"/>
+              <a:buChar char="•"/>
+              <a:defRPr sz="1800" kern="1200">
+                <a:solidFill>
+                  <a:schemeClr val="tx1"/>
+                </a:solidFill>
+                <a:latin typeface="+mn-lt"/>
+                <a:ea typeface="+mn-ea"/>
+                <a:cs typeface="+mn-cs"/>
+              </a:defRPr>
+            </a:lvl9pPr>
+          </a:lstStyle>
+          <a:p>
+            <a:pPr marL="0" indent="0">
+              <a:buFont typeface="Arial" panose="020B0604020202020204" pitchFamily="34" charset="0"/>
+              <a:buNone/>
+            </a:pPr>
+            <a:r>
+              <a:rPr lang="en-US" sz="2400" dirty="0">
+                <a:solidFill>
+                  <a:schemeClr val="accent6">
+                    <a:lumMod val="50000"/>
+                  </a:schemeClr>
+                </a:solidFill>
+              </a:rPr>
+              <a:t>User Story and COS:</a:t>
+            </a:r>
+          </a:p>
+          <a:p>
+            <a:pPr>
+              <a:buFont typeface="Wingdings" pitchFamily="2" charset="2"/>
+              <a:buChar char="v"/>
+            </a:pPr>
+            <a:r>
+              <a:rPr lang="en-US" sz="2400" dirty="0"/>
+              <a:t> </a:t>
+            </a:r>
+            <a:r>
+              <a:rPr lang="en-US" sz="2200" dirty="0"/>
+              <a:t>As a Stack Overflow user, I want to clearly understand what personal data Stack Overflow collects through cookies and control which cookies are set so that I can make an informed choice about my privacy while still accessing the programming help I need. (Essential)</a:t>
+            </a:r>
+            <a:endParaRPr lang="en-US" sz="2400" dirty="0"/>
+          </a:p>
+          <a:p>
+            <a:pPr lvl="1">
+              <a:buFont typeface="Wingdings" pitchFamily="2" charset="2"/>
+              <a:buChar char="Ø"/>
+            </a:pPr>
+            <a:r>
+              <a:rPr lang="en-US" sz="2100" dirty="0"/>
+              <a:t>The system should display a clear cookie banner explaining what personal data is collected before any cookies are set (Essential)</a:t>
+            </a:r>
+          </a:p>
+          <a:p>
+            <a:pPr lvl="1">
+              <a:buFont typeface="Wingdings" pitchFamily="2" charset="2"/>
+              <a:buChar char="Ø"/>
+            </a:pPr>
+            <a:r>
+              <a:rPr lang="en-US" sz="2100" dirty="0"/>
+              <a:t>Users should be able to access granular cookie controls to accept/reject specific categories (functional, analytics, advertising, personalization) (Desirable)</a:t>
+            </a:r>
+          </a:p>
+          <a:p>
+            <a:pPr lvl="1">
+              <a:buFont typeface="Wingdings" pitchFamily="2" charset="2"/>
+              <a:buChar char="Ø"/>
+            </a:pPr>
+            <a:r>
+              <a:rPr lang="en-US" sz="2100" dirty="0"/>
+              <a:t>The system should provide a “privacy dashboard” showing what data has been collected about the user over time (Extension)</a:t>
+            </a:r>
+            <a:br>
+              <a:rPr lang="en-US" sz="1800" dirty="0"/>
+            </a:br>
+            <a:endParaRPr lang="en-US" sz="1800" dirty="0"/>
+          </a:p>
+          <a:p>
+            <a:pPr>
+              <a:buFont typeface="Wingdings" pitchFamily="2" charset="2"/>
+              <a:buChar char="v"/>
+            </a:pPr>
+            <a:endParaRPr lang="en-US" sz="2400" dirty="0"/>
+          </a:p>
+          <a:p>
+            <a:pPr lvl="1"/>
+            <a:endParaRPr lang="en-US" sz="1800" dirty="0"/>
+          </a:p>
+        </p:txBody>
+      </p:sp>
+      <p:sp>
+        <p:nvSpPr>
+          <p:cNvPr id="8" name="Content Placeholder 2">
+            <a:extLst>
+              <a:ext uri="{FF2B5EF4-FFF2-40B4-BE49-F238E27FC236}">
+                <a16:creationId xmlns:a16="http://schemas.microsoft.com/office/drawing/2014/main" id="{1E194FE7-29B5-D00B-9F86-419AAEE56D13}"/>
+              </a:ext>
+            </a:extLst>
+          </p:cNvPr>
+          <p:cNvSpPr txBox="1">
+            <a:spLocks/>
+          </p:cNvSpPr>
+          <p:nvPr/>
+        </p:nvSpPr>
+        <p:spPr>
+          <a:xfrm>
+            <a:off x="6302326" y="1689380"/>
+            <a:ext cx="5960012" cy="5168620"/>
+          </a:xfrm>
+          <a:prstGeom prst="rect">
+            <a:avLst/>
+          </a:prstGeom>
+        </p:spPr>
+        <p:txBody>
+          <a:bodyPr vert="horz" lIns="91440" tIns="45720" rIns="91440" bIns="45720" rtlCol="0">
+            <a:normAutofit fontScale="92500" lnSpcReduction="20000"/>
+          </a:bodyPr>
+          <a:lstStyle>
+            <a:lvl1pPr marL="228600" indent="-228600" algn="l" defTabSz="914400" rtl="0" eaLnBrk="1" latinLnBrk="0" hangingPunct="1">
+              <a:lnSpc>
+                <a:spcPct val="90000"/>
+              </a:lnSpc>
+              <a:spcBef>
+                <a:spcPts val="1000"/>
+              </a:spcBef>
+              <a:buFont typeface="Arial" panose="020B0604020202020204" pitchFamily="34" charset="0"/>
+              <a:buChar char="•"/>
+              <a:defRPr sz="2800" kern="1200">
+                <a:solidFill>
+                  <a:schemeClr val="tx1"/>
+                </a:solidFill>
+                <a:latin typeface="+mn-lt"/>
+                <a:ea typeface="+mn-ea"/>
+                <a:cs typeface="+mn-cs"/>
+              </a:defRPr>
+            </a:lvl1pPr>
+            <a:lvl2pPr marL="685800" indent="-228600" algn="l" defTabSz="914400" rtl="0" eaLnBrk="1" latinLnBrk="0" hangingPunct="1">
+              <a:lnSpc>
+                <a:spcPct val="90000"/>
+              </a:lnSpc>
+              <a:spcBef>
+                <a:spcPts val="500"/>
+              </a:spcBef>
+              <a:buFont typeface="Arial" panose="020B0604020202020204" pitchFamily="34" charset="0"/>
+              <a:buChar char="•"/>
+              <a:defRPr sz="2400" kern="1200">
+                <a:solidFill>
+                  <a:schemeClr val="tx1"/>
+                </a:solidFill>
+                <a:latin typeface="+mn-lt"/>
+                <a:ea typeface="+mn-ea"/>
+                <a:cs typeface="+mn-cs"/>
+              </a:defRPr>
+            </a:lvl2pPr>
+            <a:lvl3pPr marL="1143000" indent="-228600" algn="l" defTabSz="914400" rtl="0" eaLnBrk="1" latinLnBrk="0" hangingPunct="1">
+              <a:lnSpc>
+                <a:spcPct val="90000"/>
+              </a:lnSpc>
+              <a:spcBef>
+                <a:spcPts val="500"/>
+              </a:spcBef>
+              <a:buFont typeface="Arial" panose="020B0604020202020204" pitchFamily="34" charset="0"/>
+              <a:buChar char="•"/>
+              <a:defRPr sz="2000" kern="1200">
+                <a:solidFill>
+                  <a:schemeClr val="tx1"/>
+                </a:solidFill>
+                <a:latin typeface="+mn-lt"/>
+                <a:ea typeface="+mn-ea"/>
+                <a:cs typeface="+mn-cs"/>
+              </a:defRPr>
+            </a:lvl3pPr>
+            <a:lvl4pPr marL="1600200" indent="-228600" algn="l" defTabSz="914400" rtl="0" eaLnBrk="1" latinLnBrk="0" hangingPunct="1">
+              <a:lnSpc>
+                <a:spcPct val="90000"/>
+              </a:lnSpc>
+              <a:spcBef>
+                <a:spcPts val="500"/>
+              </a:spcBef>
+              <a:buFont typeface="Arial" panose="020B0604020202020204" pitchFamily="34" charset="0"/>
+              <a:buChar char="•"/>
+              <a:defRPr sz="1800" kern="1200">
+                <a:solidFill>
+                  <a:schemeClr val="tx1"/>
+                </a:solidFill>
+                <a:latin typeface="+mn-lt"/>
+                <a:ea typeface="+mn-ea"/>
+                <a:cs typeface="+mn-cs"/>
+              </a:defRPr>
+            </a:lvl4pPr>
+            <a:lvl5pPr marL="2057400" indent="-228600" algn="l" defTabSz="914400" rtl="0" eaLnBrk="1" latinLnBrk="0" hangingPunct="1">
+              <a:lnSpc>
+                <a:spcPct val="90000"/>
+              </a:lnSpc>
+              <a:spcBef>
+                <a:spcPts val="500"/>
+              </a:spcBef>
+              <a:buFont typeface="Arial" panose="020B0604020202020204" pitchFamily="34" charset="0"/>
+              <a:buChar char="•"/>
+              <a:defRPr sz="1800" kern="1200">
+                <a:solidFill>
+                  <a:schemeClr val="tx1"/>
+                </a:solidFill>
+                <a:latin typeface="+mn-lt"/>
+                <a:ea typeface="+mn-ea"/>
+                <a:cs typeface="+mn-cs"/>
+              </a:defRPr>
+            </a:lvl5pPr>
+            <a:lvl6pPr marL="2514600" indent="-228600" algn="l" defTabSz="914400" rtl="0" eaLnBrk="1" latinLnBrk="0" hangingPunct="1">
+              <a:lnSpc>
+                <a:spcPct val="90000"/>
+              </a:lnSpc>
+              <a:spcBef>
+                <a:spcPts val="500"/>
+              </a:spcBef>
+              <a:buFont typeface="Arial" panose="020B0604020202020204" pitchFamily="34" charset="0"/>
+              <a:buChar char="•"/>
+              <a:defRPr sz="1800" kern="1200">
+                <a:solidFill>
+                  <a:schemeClr val="tx1"/>
+                </a:solidFill>
+                <a:latin typeface="+mn-lt"/>
+                <a:ea typeface="+mn-ea"/>
+                <a:cs typeface="+mn-cs"/>
+              </a:defRPr>
+            </a:lvl6pPr>
+            <a:lvl7pPr marL="2971800" indent="-228600" algn="l" defTabSz="914400" rtl="0" eaLnBrk="1" latinLnBrk="0" hangingPunct="1">
+              <a:lnSpc>
+                <a:spcPct val="90000"/>
+              </a:lnSpc>
+              <a:spcBef>
+                <a:spcPts val="500"/>
+              </a:spcBef>
+              <a:buFont typeface="Arial" panose="020B0604020202020204" pitchFamily="34" charset="0"/>
+              <a:buChar char="•"/>
+              <a:defRPr sz="1800" kern="1200">
+                <a:solidFill>
+                  <a:schemeClr val="tx1"/>
+                </a:solidFill>
+                <a:latin typeface="+mn-lt"/>
+                <a:ea typeface="+mn-ea"/>
+                <a:cs typeface="+mn-cs"/>
+              </a:defRPr>
+            </a:lvl7pPr>
+            <a:lvl8pPr marL="3429000" indent="-228600" algn="l" defTabSz="914400" rtl="0" eaLnBrk="1" latinLnBrk="0" hangingPunct="1">
+              <a:lnSpc>
+                <a:spcPct val="90000"/>
+              </a:lnSpc>
+              <a:spcBef>
+                <a:spcPts val="500"/>
+              </a:spcBef>
+              <a:buFont typeface="Arial" panose="020B0604020202020204" pitchFamily="34" charset="0"/>
+              <a:buChar char="•"/>
+              <a:defRPr sz="1800" kern="1200">
+                <a:solidFill>
+                  <a:schemeClr val="tx1"/>
+                </a:solidFill>
+                <a:latin typeface="+mn-lt"/>
+                <a:ea typeface="+mn-ea"/>
+                <a:cs typeface="+mn-cs"/>
+              </a:defRPr>
+            </a:lvl8pPr>
+            <a:lvl9pPr marL="3886200" indent="-228600" algn="l" defTabSz="914400" rtl="0" eaLnBrk="1" latinLnBrk="0" hangingPunct="1">
+              <a:lnSpc>
+                <a:spcPct val="90000"/>
+              </a:lnSpc>
+              <a:spcBef>
+                <a:spcPts val="500"/>
+              </a:spcBef>
+              <a:buFont typeface="Arial" panose="020B0604020202020204" pitchFamily="34" charset="0"/>
+              <a:buChar char="•"/>
+              <a:defRPr sz="1800" kern="1200">
+                <a:solidFill>
+                  <a:schemeClr val="tx1"/>
+                </a:solidFill>
+                <a:latin typeface="+mn-lt"/>
+                <a:ea typeface="+mn-ea"/>
+                <a:cs typeface="+mn-cs"/>
+              </a:defRPr>
+            </a:lvl9pPr>
+          </a:lstStyle>
+          <a:p>
+            <a:pPr marL="0" indent="0">
+              <a:buFont typeface="Arial" panose="020B0604020202020204" pitchFamily="34" charset="0"/>
+              <a:buNone/>
+            </a:pPr>
+            <a:r>
+              <a:rPr lang="en-US" dirty="0">
+                <a:solidFill>
+                  <a:schemeClr val="accent6">
+                    <a:lumMod val="50000"/>
+                  </a:schemeClr>
+                </a:solidFill>
+              </a:rPr>
+              <a:t>User Story and COS:</a:t>
+            </a:r>
+          </a:p>
+          <a:p>
+            <a:pPr>
+              <a:buFont typeface="Wingdings" pitchFamily="2" charset="2"/>
+              <a:buChar char="v"/>
+            </a:pPr>
+            <a:r>
+              <a:rPr lang="en-US" sz="2400" dirty="0"/>
+              <a:t> As a Stack Overflow site owner, I want to implement transparent cookie consent processes that comply with regulations while maintaining user engagement so that I can build user trust, avoid legal penalties, and sustain my business model without losing essential functionality. (Essential)</a:t>
+            </a:r>
+            <a:endParaRPr lang="en-US" sz="2600" dirty="0"/>
+          </a:p>
+          <a:p>
+            <a:pPr lvl="1">
+              <a:buFont typeface="Wingdings" pitchFamily="2" charset="2"/>
+              <a:buChar char="Ø"/>
+            </a:pPr>
+            <a:r>
+              <a:rPr lang="en-US" sz="2100" dirty="0"/>
+              <a:t>Cookie data containing personal information should be encrypted both in transit and at rest to prevent unauthorized access. (Essential)</a:t>
+            </a:r>
+          </a:p>
+          <a:p>
+            <a:pPr lvl="1">
+              <a:buFont typeface="Wingdings" pitchFamily="2" charset="2"/>
+              <a:buChar char="Ø"/>
+            </a:pPr>
+            <a:r>
+              <a:rPr lang="en-US" sz="2100" dirty="0"/>
+              <a:t>The system should automatically expire cookies based on predefined retention periods. (Essential)</a:t>
+            </a:r>
+          </a:p>
+          <a:p>
+            <a:pPr lvl="1">
+              <a:buFont typeface="Wingdings" pitchFamily="2" charset="2"/>
+              <a:buChar char="Ø"/>
+            </a:pPr>
+            <a:r>
+              <a:rPr lang="en-US" sz="2100" dirty="0"/>
+              <a:t>The system should allow users to read and search posts even if they reject data collection on cookies. (Desirable)</a:t>
+            </a:r>
+          </a:p>
+          <a:p>
+            <a:pPr lvl="1">
+              <a:buFont typeface="Wingdings" pitchFamily="2" charset="2"/>
+              <a:buChar char="Ø"/>
+            </a:pPr>
+            <a:r>
+              <a:rPr lang="en-US" sz="2100" dirty="0"/>
+              <a:t>The platform should implement automated data retention policies that permanently delete expired cookie data. (Extension)</a:t>
+            </a:r>
+            <a:br>
+              <a:rPr lang="en-US" sz="2600" dirty="0"/>
+            </a:br>
+            <a:endParaRPr lang="en-US" sz="2600" dirty="0"/>
+          </a:p>
+          <a:p>
+            <a:pPr>
+              <a:buFont typeface="Wingdings" pitchFamily="2" charset="2"/>
+              <a:buChar char="v"/>
+            </a:pPr>
+            <a:endParaRPr lang="en-US" sz="2400" dirty="0"/>
+          </a:p>
+          <a:p>
+            <a:pPr lvl="1"/>
+            <a:endParaRPr lang="en-US" sz="1800" dirty="0"/>
+          </a:p>
+        </p:txBody>
+      </p:sp>
+    </p:spTree>
+    <p:extLst>
+      <p:ext uri="{BB962C8B-B14F-4D97-AF65-F5344CB8AC3E}">
+        <p14:creationId xmlns:p14="http://schemas.microsoft.com/office/powerpoint/2010/main" val="2082374944"/>
+      </p:ext>
+    </p:extLst>
+  </p:cSld>
+  <p:clrMapOvr>
+    <a:masterClrMapping/>
+  </p:clrMapOvr>
+</p:sld>
+</file>
+
+<file path=ppt/slides/slide2.xml><?xml version="1.0" encoding="utf-8"?>
+<p:sld xmlns:a="http://schemas.openxmlformats.org/drawingml/2006/main" xmlns:r="http://schemas.openxmlformats.org/officeDocument/2006/relationships" xmlns:p="http://schemas.openxmlformats.org/presentationml/2006/main">
+  <p:cSld>
+    <p:spTree>
+      <p:nvGrpSpPr>
+        <p:cNvPr id="1" name=""/>
+        <p:cNvGrpSpPr/>
+        <p:nvPr/>
+      </p:nvGrpSpPr>
+      <p:grpSpPr>
+        <a:xfrm>
+          <a:off x="0" y="0"/>
+          <a:ext cx="0" cy="0"/>
+          <a:chOff x="0" y="0"/>
+          <a:chExt cx="0" cy="0"/>
+        </a:xfrm>
+      </p:grpSpPr>
+      <p:sp>
+        <p:nvSpPr>
+          <p:cNvPr id="2" name="Title 1">
+            <a:extLst>
+              <a:ext uri="{FF2B5EF4-FFF2-40B4-BE49-F238E27FC236}">
+                <a16:creationId xmlns:a16="http://schemas.microsoft.com/office/drawing/2014/main" id="{E743D407-5B53-49A7-9907-E801EA7FFD8E}"/>
+              </a:ext>
+            </a:extLst>
+          </p:cNvPr>
+          <p:cNvSpPr>
+            <a:spLocks noGrp="1"/>
+          </p:cNvSpPr>
+          <p:nvPr>
+            <p:ph type="title"/>
+          </p:nvPr>
+        </p:nvSpPr>
+        <p:spPr/>
+        <p:txBody>
+          <a:bodyPr/>
+          <a:lstStyle/>
+          <a:p>
+            <a:r>
+              <a:rPr lang="en-US" dirty="0"/>
+              <a:t>Learning Goals for this Lesson</a:t>
+            </a:r>
+          </a:p>
+        </p:txBody>
+      </p:sp>
+      <p:sp>
+        <p:nvSpPr>
+          <p:cNvPr id="3" name="Content Placeholder 2">
+            <a:extLst>
+              <a:ext uri="{FF2B5EF4-FFF2-40B4-BE49-F238E27FC236}">
+                <a16:creationId xmlns:a16="http://schemas.microsoft.com/office/drawing/2014/main" id="{AC300E2B-BFD0-4090-AFC5-FE82683F997F}"/>
+              </a:ext>
+            </a:extLst>
+          </p:cNvPr>
+          <p:cNvSpPr>
+            <a:spLocks noGrp="1"/>
+          </p:cNvSpPr>
+          <p:nvPr>
+            <p:ph idx="1"/>
+          </p:nvPr>
+        </p:nvSpPr>
+        <p:spPr>
+          <a:xfrm>
+            <a:off x="838199" y="1500160"/>
+            <a:ext cx="10515599" cy="4351338"/>
+          </a:xfrm>
+        </p:spPr>
+        <p:txBody>
+          <a:bodyPr>
+            <a:normAutofit/>
+          </a:bodyPr>
+          <a:lstStyle/>
+          <a:p>
+            <a:r>
+              <a:rPr lang="en-US" dirty="0"/>
+              <a:t>At the end of this lesson, you should be able to</a:t>
+            </a:r>
+          </a:p>
+          <a:p>
+            <a:pPr lvl="1"/>
+            <a:r>
+              <a:rPr lang="en-US" dirty="0"/>
+              <a:t>explain the overall purposes of requirements analysis.</a:t>
+            </a:r>
+          </a:p>
+          <a:p>
+            <a:pPr lvl="1"/>
+            <a:r>
+              <a:rPr lang="en-US" dirty="0"/>
+              <a:t>enumerate and explain 3 major dimensions of risk in Requirements Analysis.</a:t>
+            </a:r>
+          </a:p>
+          <a:p>
+            <a:pPr lvl="1"/>
+            <a:r>
+              <a:rPr lang="en-US" dirty="0"/>
+              <a:t>document requirements user stories.</a:t>
+            </a:r>
+          </a:p>
+          <a:p>
+            <a:pPr lvl="1"/>
+            <a:r>
+              <a:rPr lang="en-US" dirty="0"/>
+              <a:t>track the completion of requirements using conditions of satisfaction.</a:t>
+            </a:r>
+          </a:p>
+          <a:p>
+            <a:pPr lvl="1"/>
+            <a:r>
+              <a:rPr lang="en-US" dirty="0"/>
+              <a:t>explain the difference between functional and non-functional requirements.</a:t>
+            </a:r>
+          </a:p>
+          <a:p>
+            <a:pPr lvl="1"/>
+            <a:r>
+              <a:rPr lang="en-US" dirty="0"/>
+              <a:t>Explain how Value Sensitive Design can be used to improve requirement gathering.</a:t>
+            </a:r>
+          </a:p>
+        </p:txBody>
+      </p:sp>
+      <p:sp>
+        <p:nvSpPr>
+          <p:cNvPr id="4" name="Slide Number Placeholder 3">
+            <a:extLst>
+              <a:ext uri="{FF2B5EF4-FFF2-40B4-BE49-F238E27FC236}">
+                <a16:creationId xmlns:a16="http://schemas.microsoft.com/office/drawing/2014/main" id="{B7BF3F82-6F96-41E0-9C15-23CE00076176}"/>
+              </a:ext>
+            </a:extLst>
+          </p:cNvPr>
+          <p:cNvSpPr>
+            <a:spLocks noGrp="1"/>
+          </p:cNvSpPr>
+          <p:nvPr>
+            <p:ph type="sldNum" sz="quarter" idx="12"/>
+          </p:nvPr>
+        </p:nvSpPr>
+        <p:spPr/>
+        <p:txBody>
+          <a:bodyPr/>
+          <a:lstStyle/>
+          <a:p>
+            <a:fld id="{20F37917-FD3A-4669-9018-DA04BCDD3D75}" type="slidenum">
+              <a:rPr lang="en-US" smtClean="0"/>
+              <a:t>2</a:t>
+            </a:fld>
+            <a:endParaRPr lang="en-US" dirty="0"/>
+          </a:p>
+        </p:txBody>
+      </p:sp>
+    </p:spTree>
+    <p:extLst>
+      <p:ext uri="{BB962C8B-B14F-4D97-AF65-F5344CB8AC3E}">
+        <p14:creationId xmlns:p14="http://schemas.microsoft.com/office/powerpoint/2010/main" val="3277086949"/>
+      </p:ext>
+    </p:extLst>
+  </p:cSld>
+  <p:clrMapOvr>
+    <a:masterClrMapping/>
+  </p:clrMapOvr>
+</p:sld>
+</file>
+
+<file path=ppt/slides/slide20.xml><?xml version="1.0" encoding="utf-8"?>
 <p:sld xmlns:a="http://schemas.openxmlformats.org/drawingml/2006/main" xmlns:r="http://schemas.openxmlformats.org/officeDocument/2006/relationships" xmlns:p="http://schemas.openxmlformats.org/presentationml/2006/main" show="0">
   <p:cSld>
     <p:bg>
@@ -16371,7 +18320,7 @@
                   <a:spcPts val="600"/>
                 </a:spcAft>
               </a:pPr>
-              <a:t>17</a:t>
+              <a:t>20</a:t>
             </a:fld>
             <a:endParaRPr lang="en-US">
               <a:solidFill>
@@ -16385,578 +18334,6 @@
     <p:extLst>
       <p:ext uri="{BB962C8B-B14F-4D97-AF65-F5344CB8AC3E}">
         <p14:creationId xmlns:p14="http://schemas.microsoft.com/office/powerpoint/2010/main" val="1450389062"/>
-      </p:ext>
-    </p:extLst>
-  </p:cSld>
-  <p:clrMapOvr>
-    <a:masterClrMapping/>
-  </p:clrMapOvr>
-</p:sld>
-</file>
-
-<file path=ppt/slides/slide18.xml><?xml version="1.0" encoding="utf-8"?>
-<p:sld xmlns:a="http://schemas.openxmlformats.org/drawingml/2006/main" xmlns:r="http://schemas.openxmlformats.org/officeDocument/2006/relationships" xmlns:p="http://schemas.openxmlformats.org/presentationml/2006/main" show="0">
-  <p:cSld>
-    <p:spTree>
-      <p:nvGrpSpPr>
-        <p:cNvPr id="1" name=""/>
-        <p:cNvGrpSpPr/>
-        <p:nvPr/>
-      </p:nvGrpSpPr>
-      <p:grpSpPr>
-        <a:xfrm>
-          <a:off x="0" y="0"/>
-          <a:ext cx="0" cy="0"/>
-          <a:chOff x="0" y="0"/>
-          <a:chExt cx="0" cy="0"/>
-        </a:xfrm>
-      </p:grpSpPr>
-      <p:sp>
-        <p:nvSpPr>
-          <p:cNvPr id="2" name="Title 1">
-            <a:extLst>
-              <a:ext uri="{FF2B5EF4-FFF2-40B4-BE49-F238E27FC236}">
-                <a16:creationId xmlns:a16="http://schemas.microsoft.com/office/drawing/2014/main" id="{605A4A5A-ED45-14F0-82EC-BA0ECB44742B}"/>
-              </a:ext>
-            </a:extLst>
-          </p:cNvPr>
-          <p:cNvSpPr>
-            <a:spLocks noGrp="1"/>
-          </p:cNvSpPr>
-          <p:nvPr>
-            <p:ph type="title"/>
-          </p:nvPr>
-        </p:nvSpPr>
-        <p:spPr/>
-        <p:txBody>
-          <a:bodyPr/>
-          <a:lstStyle/>
-          <a:p>
-            <a:r>
-              <a:rPr lang="en-US" dirty="0"/>
-              <a:t>User Story #1</a:t>
-            </a:r>
-          </a:p>
-        </p:txBody>
-      </p:sp>
-      <p:sp>
-        <p:nvSpPr>
-          <p:cNvPr id="3" name="Content Placeholder 2">
-            <a:extLst>
-              <a:ext uri="{FF2B5EF4-FFF2-40B4-BE49-F238E27FC236}">
-                <a16:creationId xmlns:a16="http://schemas.microsoft.com/office/drawing/2014/main" id="{5C2B198A-4BD9-8A94-A124-7B3F56D2955C}"/>
-              </a:ext>
-            </a:extLst>
-          </p:cNvPr>
-          <p:cNvSpPr>
-            <a:spLocks noGrp="1"/>
-          </p:cNvSpPr>
-          <p:nvPr>
-            <p:ph idx="1"/>
-          </p:nvPr>
-        </p:nvSpPr>
-        <p:spPr/>
-        <p:txBody>
-          <a:bodyPr/>
-          <a:lstStyle/>
-          <a:p>
-            <a:r>
-              <a:rPr lang="en-US" dirty="0"/>
-              <a:t>As a citizen, I want to be able to report potholes so that the town can do something about them. (E)</a:t>
-            </a:r>
-          </a:p>
-        </p:txBody>
-      </p:sp>
-      <p:sp>
-        <p:nvSpPr>
-          <p:cNvPr id="4" name="Slide Number Placeholder 3">
-            <a:extLst>
-              <a:ext uri="{FF2B5EF4-FFF2-40B4-BE49-F238E27FC236}">
-                <a16:creationId xmlns:a16="http://schemas.microsoft.com/office/drawing/2014/main" id="{723C6E9F-E6BE-1DB1-1A2A-ECBC77E5494A}"/>
-              </a:ext>
-            </a:extLst>
-          </p:cNvPr>
-          <p:cNvSpPr>
-            <a:spLocks noGrp="1"/>
-          </p:cNvSpPr>
-          <p:nvPr>
-            <p:ph type="sldNum" sz="quarter" idx="12"/>
-          </p:nvPr>
-        </p:nvSpPr>
-        <p:spPr/>
-        <p:txBody>
-          <a:bodyPr/>
-          <a:lstStyle/>
-          <a:p>
-            <a:fld id="{20F37917-FD3A-4669-9018-DA04BCDD3D75}" type="slidenum">
-              <a:rPr lang="en-US" smtClean="0"/>
-              <a:t>18</a:t>
-            </a:fld>
-            <a:endParaRPr lang="en-US"/>
-          </a:p>
-        </p:txBody>
-      </p:sp>
-    </p:spTree>
-    <p:extLst>
-      <p:ext uri="{BB962C8B-B14F-4D97-AF65-F5344CB8AC3E}">
-        <p14:creationId xmlns:p14="http://schemas.microsoft.com/office/powerpoint/2010/main" val="2839345455"/>
-      </p:ext>
-    </p:extLst>
-  </p:cSld>
-  <p:clrMapOvr>
-    <a:masterClrMapping/>
-  </p:clrMapOvr>
-</p:sld>
-</file>
-
-<file path=ppt/slides/slide19.xml><?xml version="1.0" encoding="utf-8"?>
-<p:sld xmlns:a="http://schemas.openxmlformats.org/drawingml/2006/main" xmlns:r="http://schemas.openxmlformats.org/officeDocument/2006/relationships" xmlns:p="http://schemas.openxmlformats.org/presentationml/2006/main" show="0">
-  <p:cSld>
-    <p:spTree>
-      <p:nvGrpSpPr>
-        <p:cNvPr id="1" name=""/>
-        <p:cNvGrpSpPr/>
-        <p:nvPr/>
-      </p:nvGrpSpPr>
-      <p:grpSpPr>
-        <a:xfrm>
-          <a:off x="0" y="0"/>
-          <a:ext cx="0" cy="0"/>
-          <a:chOff x="0" y="0"/>
-          <a:chExt cx="0" cy="0"/>
-        </a:xfrm>
-      </p:grpSpPr>
-      <p:sp>
-        <p:nvSpPr>
-          <p:cNvPr id="2" name="Title 1">
-            <a:extLst>
-              <a:ext uri="{FF2B5EF4-FFF2-40B4-BE49-F238E27FC236}">
-                <a16:creationId xmlns:a16="http://schemas.microsoft.com/office/drawing/2014/main" id="{B495D98E-5472-E530-DD2E-6E1802BCFCA4}"/>
-              </a:ext>
-            </a:extLst>
-          </p:cNvPr>
-          <p:cNvSpPr>
-            <a:spLocks noGrp="1"/>
-          </p:cNvSpPr>
-          <p:nvPr>
-            <p:ph type="title"/>
-          </p:nvPr>
-        </p:nvSpPr>
-        <p:spPr/>
-        <p:txBody>
-          <a:bodyPr/>
-          <a:lstStyle/>
-          <a:p>
-            <a:r>
-              <a:rPr lang="en-US" dirty="0"/>
-              <a:t>Conditions of Satisfaction</a:t>
-            </a:r>
-          </a:p>
-        </p:txBody>
-      </p:sp>
-      <p:sp>
-        <p:nvSpPr>
-          <p:cNvPr id="3" name="Content Placeholder 2">
-            <a:extLst>
-              <a:ext uri="{FF2B5EF4-FFF2-40B4-BE49-F238E27FC236}">
-                <a16:creationId xmlns:a16="http://schemas.microsoft.com/office/drawing/2014/main" id="{86E00573-79BC-FAF6-9C28-90EB8A345C05}"/>
-              </a:ext>
-            </a:extLst>
-          </p:cNvPr>
-          <p:cNvSpPr>
-            <a:spLocks noGrp="1"/>
-          </p:cNvSpPr>
-          <p:nvPr>
-            <p:ph idx="1"/>
-          </p:nvPr>
-        </p:nvSpPr>
-        <p:spPr>
-          <a:xfrm>
-            <a:off x="838200" y="1500160"/>
-            <a:ext cx="10049540" cy="4351338"/>
-          </a:xfrm>
-        </p:spPr>
-        <p:txBody>
-          <a:bodyPr>
-            <a:normAutofit/>
-          </a:bodyPr>
-          <a:lstStyle/>
-          <a:p>
-            <a:r>
-              <a:rPr lang="en-US" dirty="0"/>
-              <a:t>1.1 I should be able to report a pothole to the system (E)</a:t>
-            </a:r>
-          </a:p>
-          <a:p>
-            <a:r>
-              <a:rPr lang="en-US" dirty="0"/>
-              <a:t>1.2 I should be able to see whether the pothole I report has been repaired (E)</a:t>
-            </a:r>
-          </a:p>
-          <a:p>
-            <a:r>
-              <a:rPr lang="en-US" dirty="0"/>
-              <a:t>1.3 I should be able to see whether someone else has already reported a given pothole (D)</a:t>
-            </a:r>
-          </a:p>
-          <a:p>
-            <a:r>
-              <a:rPr lang="en-US" dirty="0"/>
-              <a:t>1.4 I should be able to see an estimated time when the pothole should be repaired (D)</a:t>
-            </a:r>
-          </a:p>
-          <a:p>
-            <a:endParaRPr lang="en-US" dirty="0"/>
-          </a:p>
-        </p:txBody>
-      </p:sp>
-      <p:sp>
-        <p:nvSpPr>
-          <p:cNvPr id="4" name="Slide Number Placeholder 3">
-            <a:extLst>
-              <a:ext uri="{FF2B5EF4-FFF2-40B4-BE49-F238E27FC236}">
-                <a16:creationId xmlns:a16="http://schemas.microsoft.com/office/drawing/2014/main" id="{8F54511B-A92F-CD3A-1825-CA2491CCD033}"/>
-              </a:ext>
-            </a:extLst>
-          </p:cNvPr>
-          <p:cNvSpPr>
-            <a:spLocks noGrp="1"/>
-          </p:cNvSpPr>
-          <p:nvPr>
-            <p:ph type="sldNum" sz="quarter" idx="12"/>
-          </p:nvPr>
-        </p:nvSpPr>
-        <p:spPr/>
-        <p:txBody>
-          <a:bodyPr/>
-          <a:lstStyle/>
-          <a:p>
-            <a:fld id="{20F37917-FD3A-4669-9018-DA04BCDD3D75}" type="slidenum">
-              <a:rPr lang="en-US" smtClean="0"/>
-              <a:t>19</a:t>
-            </a:fld>
-            <a:endParaRPr lang="en-US"/>
-          </a:p>
-        </p:txBody>
-      </p:sp>
-    </p:spTree>
-    <p:extLst>
-      <p:ext uri="{BB962C8B-B14F-4D97-AF65-F5344CB8AC3E}">
-        <p14:creationId xmlns:p14="http://schemas.microsoft.com/office/powerpoint/2010/main" val="1293668376"/>
-      </p:ext>
-    </p:extLst>
-  </p:cSld>
-  <p:clrMapOvr>
-    <a:masterClrMapping/>
-  </p:clrMapOvr>
-</p:sld>
-</file>
-
-<file path=ppt/slides/slide2.xml><?xml version="1.0" encoding="utf-8"?>
-<p:sld xmlns:a="http://schemas.openxmlformats.org/drawingml/2006/main" xmlns:r="http://schemas.openxmlformats.org/officeDocument/2006/relationships" xmlns:p="http://schemas.openxmlformats.org/presentationml/2006/main">
-  <p:cSld>
-    <p:spTree>
-      <p:nvGrpSpPr>
-        <p:cNvPr id="1" name=""/>
-        <p:cNvGrpSpPr/>
-        <p:nvPr/>
-      </p:nvGrpSpPr>
-      <p:grpSpPr>
-        <a:xfrm>
-          <a:off x="0" y="0"/>
-          <a:ext cx="0" cy="0"/>
-          <a:chOff x="0" y="0"/>
-          <a:chExt cx="0" cy="0"/>
-        </a:xfrm>
-      </p:grpSpPr>
-      <p:sp>
-        <p:nvSpPr>
-          <p:cNvPr id="2" name="Title 1">
-            <a:extLst>
-              <a:ext uri="{FF2B5EF4-FFF2-40B4-BE49-F238E27FC236}">
-                <a16:creationId xmlns:a16="http://schemas.microsoft.com/office/drawing/2014/main" id="{E743D407-5B53-49A7-9907-E801EA7FFD8E}"/>
-              </a:ext>
-            </a:extLst>
-          </p:cNvPr>
-          <p:cNvSpPr>
-            <a:spLocks noGrp="1"/>
-          </p:cNvSpPr>
-          <p:nvPr>
-            <p:ph type="title"/>
-          </p:nvPr>
-        </p:nvSpPr>
-        <p:spPr/>
-        <p:txBody>
-          <a:bodyPr/>
-          <a:lstStyle/>
-          <a:p>
-            <a:r>
-              <a:rPr lang="en-US" dirty="0"/>
-              <a:t>Learning Goals for this Lesson</a:t>
-            </a:r>
-          </a:p>
-        </p:txBody>
-      </p:sp>
-      <p:sp>
-        <p:nvSpPr>
-          <p:cNvPr id="3" name="Content Placeholder 2">
-            <a:extLst>
-              <a:ext uri="{FF2B5EF4-FFF2-40B4-BE49-F238E27FC236}">
-                <a16:creationId xmlns:a16="http://schemas.microsoft.com/office/drawing/2014/main" id="{AC300E2B-BFD0-4090-AFC5-FE82683F997F}"/>
-              </a:ext>
-            </a:extLst>
-          </p:cNvPr>
-          <p:cNvSpPr>
-            <a:spLocks noGrp="1"/>
-          </p:cNvSpPr>
-          <p:nvPr>
-            <p:ph idx="1"/>
-          </p:nvPr>
-        </p:nvSpPr>
-        <p:spPr>
-          <a:xfrm>
-            <a:off x="838199" y="1500160"/>
-            <a:ext cx="10515599" cy="4351338"/>
-          </a:xfrm>
-        </p:spPr>
-        <p:txBody>
-          <a:bodyPr>
-            <a:normAutofit lnSpcReduction="10000"/>
-          </a:bodyPr>
-          <a:lstStyle/>
-          <a:p>
-            <a:r>
-              <a:rPr lang="en-US" dirty="0"/>
-              <a:t>At the end of this lesson, you should be able to</a:t>
-            </a:r>
-          </a:p>
-          <a:p>
-            <a:pPr lvl="1"/>
-            <a:r>
-              <a:rPr lang="en-US" dirty="0"/>
-              <a:t>Appreciate the requirements analysis process. This includes being able to:</a:t>
-            </a:r>
-          </a:p>
-          <a:p>
-            <a:pPr lvl="2"/>
-            <a:r>
-              <a:rPr lang="en-US" dirty="0"/>
-              <a:t>explain the overall purposes of requirements analysis.</a:t>
-            </a:r>
-          </a:p>
-          <a:p>
-            <a:pPr lvl="2"/>
-            <a:r>
-              <a:rPr lang="en-US" dirty="0"/>
-              <a:t>enumerate and explain 3 major dimensions of risk in Requirements Analysis.</a:t>
-            </a:r>
-          </a:p>
-          <a:p>
-            <a:pPr lvl="1"/>
-            <a:r>
-              <a:rPr lang="en-US" dirty="0"/>
-              <a:t>Learn requirements specification tools. This includes being able to:</a:t>
-            </a:r>
-          </a:p>
-          <a:p>
-            <a:pPr lvl="2"/>
-            <a:r>
-              <a:rPr lang="en-US" dirty="0"/>
-              <a:t>document requirements user stories.</a:t>
-            </a:r>
-          </a:p>
-          <a:p>
-            <a:pPr lvl="2"/>
-            <a:r>
-              <a:rPr lang="en-US" dirty="0"/>
-              <a:t>track the completion of requirements using conditions of satisfaction.</a:t>
-            </a:r>
-          </a:p>
-          <a:p>
-            <a:pPr lvl="2"/>
-            <a:r>
-              <a:rPr lang="en-US" dirty="0"/>
-              <a:t>explain the difference between functional and non-functional requirements.</a:t>
-            </a:r>
-          </a:p>
-          <a:p>
-            <a:pPr lvl="1"/>
-            <a:r>
-              <a:rPr lang="en-US" dirty="0"/>
-              <a:t>Understand requirements gathering methods. This includes being able to:</a:t>
-            </a:r>
-          </a:p>
-          <a:p>
-            <a:pPr lvl="2"/>
-            <a:r>
-              <a:rPr lang="en-US" dirty="0"/>
-              <a:t>describe Value Sensitive Design (VSD).</a:t>
-            </a:r>
-          </a:p>
-          <a:p>
-            <a:pPr lvl="2"/>
-            <a:r>
-              <a:rPr lang="en-US" dirty="0"/>
-              <a:t>understand how VSD is applied to reason about requirements.</a:t>
-            </a:r>
-          </a:p>
-          <a:p>
-            <a:pPr lvl="2"/>
-            <a:r>
-              <a:rPr lang="en-US" dirty="0"/>
-              <a:t>integrate VSD with user stories.</a:t>
-            </a:r>
-          </a:p>
-        </p:txBody>
-      </p:sp>
-      <p:sp>
-        <p:nvSpPr>
-          <p:cNvPr id="4" name="Slide Number Placeholder 3">
-            <a:extLst>
-              <a:ext uri="{FF2B5EF4-FFF2-40B4-BE49-F238E27FC236}">
-                <a16:creationId xmlns:a16="http://schemas.microsoft.com/office/drawing/2014/main" id="{B7BF3F82-6F96-41E0-9C15-23CE00076176}"/>
-              </a:ext>
-            </a:extLst>
-          </p:cNvPr>
-          <p:cNvSpPr>
-            <a:spLocks noGrp="1"/>
-          </p:cNvSpPr>
-          <p:nvPr>
-            <p:ph type="sldNum" sz="quarter" idx="12"/>
-          </p:nvPr>
-        </p:nvSpPr>
-        <p:spPr/>
-        <p:txBody>
-          <a:bodyPr/>
-          <a:lstStyle/>
-          <a:p>
-            <a:fld id="{20F37917-FD3A-4669-9018-DA04BCDD3D75}" type="slidenum">
-              <a:rPr lang="en-US" smtClean="0"/>
-              <a:t>2</a:t>
-            </a:fld>
-            <a:endParaRPr lang="en-US" dirty="0"/>
-          </a:p>
-        </p:txBody>
-      </p:sp>
-    </p:spTree>
-    <p:extLst>
-      <p:ext uri="{BB962C8B-B14F-4D97-AF65-F5344CB8AC3E}">
-        <p14:creationId xmlns:p14="http://schemas.microsoft.com/office/powerpoint/2010/main" val="3277086949"/>
-      </p:ext>
-    </p:extLst>
-  </p:cSld>
-  <p:clrMapOvr>
-    <a:masterClrMapping/>
-  </p:clrMapOvr>
-</p:sld>
-</file>
-
-<file path=ppt/slides/slide20.xml><?xml version="1.0" encoding="utf-8"?>
-<p:sld xmlns:a="http://schemas.openxmlformats.org/drawingml/2006/main" xmlns:r="http://schemas.openxmlformats.org/officeDocument/2006/relationships" xmlns:p="http://schemas.openxmlformats.org/presentationml/2006/main" show="0">
-  <p:cSld>
-    <p:spTree>
-      <p:nvGrpSpPr>
-        <p:cNvPr id="1" name=""/>
-        <p:cNvGrpSpPr/>
-        <p:nvPr/>
-      </p:nvGrpSpPr>
-      <p:grpSpPr>
-        <a:xfrm>
-          <a:off x="0" y="0"/>
-          <a:ext cx="0" cy="0"/>
-          <a:chOff x="0" y="0"/>
-          <a:chExt cx="0" cy="0"/>
-        </a:xfrm>
-      </p:grpSpPr>
-      <p:sp>
-        <p:nvSpPr>
-          <p:cNvPr id="2" name="Title 1">
-            <a:extLst>
-              <a:ext uri="{FF2B5EF4-FFF2-40B4-BE49-F238E27FC236}">
-                <a16:creationId xmlns:a16="http://schemas.microsoft.com/office/drawing/2014/main" id="{AF17FECE-982A-68AD-33C0-FADB0ECEAC70}"/>
-              </a:ext>
-            </a:extLst>
-          </p:cNvPr>
-          <p:cNvSpPr>
-            <a:spLocks noGrp="1"/>
-          </p:cNvSpPr>
-          <p:nvPr>
-            <p:ph type="title"/>
-          </p:nvPr>
-        </p:nvSpPr>
-        <p:spPr/>
-        <p:txBody>
-          <a:bodyPr/>
-          <a:lstStyle/>
-          <a:p>
-            <a:r>
-              <a:rPr lang="en-US" dirty="0"/>
-              <a:t>User Story #2</a:t>
-            </a:r>
-          </a:p>
-        </p:txBody>
-      </p:sp>
-      <p:sp>
-        <p:nvSpPr>
-          <p:cNvPr id="3" name="Content Placeholder 2">
-            <a:extLst>
-              <a:ext uri="{FF2B5EF4-FFF2-40B4-BE49-F238E27FC236}">
-                <a16:creationId xmlns:a16="http://schemas.microsoft.com/office/drawing/2014/main" id="{92F5E93F-826B-173F-2672-D74656C0CE5D}"/>
-              </a:ext>
-            </a:extLst>
-          </p:cNvPr>
-          <p:cNvSpPr>
-            <a:spLocks noGrp="1"/>
-          </p:cNvSpPr>
-          <p:nvPr>
-            <p:ph idx="1"/>
-          </p:nvPr>
-        </p:nvSpPr>
-        <p:spPr/>
-        <p:txBody>
-          <a:bodyPr/>
-          <a:lstStyle/>
-          <a:p>
-            <a:r>
-              <a:rPr lang="en-US" dirty="0"/>
-              <a:t>As a repair-truck driver, I want the system to display the potholes I should be working on today. (E)</a:t>
-            </a:r>
-          </a:p>
-        </p:txBody>
-      </p:sp>
-      <p:sp>
-        <p:nvSpPr>
-          <p:cNvPr id="4" name="Slide Number Placeholder 3">
-            <a:extLst>
-              <a:ext uri="{FF2B5EF4-FFF2-40B4-BE49-F238E27FC236}">
-                <a16:creationId xmlns:a16="http://schemas.microsoft.com/office/drawing/2014/main" id="{70076510-69D4-AC98-4890-8F145337C072}"/>
-              </a:ext>
-            </a:extLst>
-          </p:cNvPr>
-          <p:cNvSpPr>
-            <a:spLocks noGrp="1"/>
-          </p:cNvSpPr>
-          <p:nvPr>
-            <p:ph type="sldNum" sz="quarter" idx="12"/>
-          </p:nvPr>
-        </p:nvSpPr>
-        <p:spPr/>
-        <p:txBody>
-          <a:bodyPr/>
-          <a:lstStyle/>
-          <a:p>
-            <a:fld id="{20F37917-FD3A-4669-9018-DA04BCDD3D75}" type="slidenum">
-              <a:rPr lang="en-US" smtClean="0"/>
-              <a:t>20</a:t>
-            </a:fld>
-            <a:endParaRPr lang="en-US"/>
-          </a:p>
-        </p:txBody>
-      </p:sp>
-    </p:spTree>
-    <p:extLst>
-      <p:ext uri="{BB962C8B-B14F-4D97-AF65-F5344CB8AC3E}">
-        <p14:creationId xmlns:p14="http://schemas.microsoft.com/office/powerpoint/2010/main" val="211824431"/>
       </p:ext>
     </p:extLst>
   </p:cSld>
@@ -16988,7 +18365,7 @@
           <p:cNvPr id="2" name="Title 1">
             <a:extLst>
               <a:ext uri="{FF2B5EF4-FFF2-40B4-BE49-F238E27FC236}">
-                <a16:creationId xmlns:a16="http://schemas.microsoft.com/office/drawing/2014/main" id="{DB4EF509-325C-2E10-8B51-0A2D68AEAA9A}"/>
+                <a16:creationId xmlns:a16="http://schemas.microsoft.com/office/drawing/2014/main" id="{605A4A5A-ED45-14F0-82EC-BA0ECB44742B}"/>
               </a:ext>
             </a:extLst>
           </p:cNvPr>
@@ -17006,7 +18383,7 @@
           <a:p>
             <a:r>
               <a:rPr lang="en-US" dirty="0"/>
-              <a:t>Conditions of Satisfaction</a:t>
+              <a:t>User Story #1</a:t>
             </a:r>
           </a:p>
         </p:txBody>
@@ -17016,7 +18393,7 @@
           <p:cNvPr id="3" name="Content Placeholder 2">
             <a:extLst>
               <a:ext uri="{FF2B5EF4-FFF2-40B4-BE49-F238E27FC236}">
-                <a16:creationId xmlns:a16="http://schemas.microsoft.com/office/drawing/2014/main" id="{CBB1E84F-2F63-BC6C-A225-EF6FC6AF5970}"/>
+                <a16:creationId xmlns:a16="http://schemas.microsoft.com/office/drawing/2014/main" id="{5C2B198A-4BD9-8A94-A124-7B3F56D2955C}"/>
               </a:ext>
             </a:extLst>
           </p:cNvPr>
@@ -17027,43 +18404,15 @@
             <p:ph idx="1"/>
           </p:nvPr>
         </p:nvSpPr>
-        <p:spPr>
-          <a:xfrm>
-            <a:off x="838199" y="1500160"/>
-            <a:ext cx="9815623" cy="4351338"/>
-          </a:xfrm>
-        </p:spPr>
+        <p:spPr/>
         <p:txBody>
-          <a:bodyPr>
-            <a:normAutofit/>
-          </a:bodyPr>
+          <a:bodyPr/>
           <a:lstStyle/>
           <a:p>
             <a:r>
               <a:rPr lang="en-US" dirty="0"/>
-              <a:t>2.1 I should be able to see my list of potholes for today (E)</a:t>
-            </a:r>
-          </a:p>
-          <a:p>
-            <a:r>
-              <a:rPr lang="en-US" dirty="0"/>
-              <a:t>2.2 I should be able to report that I repaired a given pothole (E)</a:t>
-            </a:r>
-          </a:p>
-          <a:p>
-            <a:r>
-              <a:rPr lang="en-US" dirty="0"/>
-              <a:t>2.3 I should be able to report that I was unable to repair a given pothole, and to supply a reason (E)</a:t>
-            </a:r>
-          </a:p>
-          <a:p>
-            <a:r>
-              <a:rPr lang="en-US" dirty="0"/>
-              <a:t>2.4 My daily list of potholes should be listed in an order that cuts down the time I spend driving from job to job (D)</a:t>
-            </a:r>
-          </a:p>
-          <a:p>
-            <a:endParaRPr lang="en-US" dirty="0"/>
+              <a:t>As a citizen, I want to be able to report potholes so that the town can do something about them. (E)</a:t>
+            </a:r>
           </a:p>
         </p:txBody>
       </p:sp>
@@ -17072,7 +18421,7 @@
           <p:cNvPr id="4" name="Slide Number Placeholder 3">
             <a:extLst>
               <a:ext uri="{FF2B5EF4-FFF2-40B4-BE49-F238E27FC236}">
-                <a16:creationId xmlns:a16="http://schemas.microsoft.com/office/drawing/2014/main" id="{42E1B159-DFF9-5C1E-761D-6E4AC20749E7}"/>
+                <a16:creationId xmlns:a16="http://schemas.microsoft.com/office/drawing/2014/main" id="{723C6E9F-E6BE-1DB1-1A2A-ECBC77E5494A}"/>
               </a:ext>
             </a:extLst>
           </p:cNvPr>
@@ -17099,7 +18448,7 @@
     </p:spTree>
     <p:extLst>
       <p:ext uri="{BB962C8B-B14F-4D97-AF65-F5344CB8AC3E}">
-        <p14:creationId xmlns:p14="http://schemas.microsoft.com/office/powerpoint/2010/main" val="2216743730"/>
+        <p14:creationId xmlns:p14="http://schemas.microsoft.com/office/powerpoint/2010/main" val="2839345455"/>
       </p:ext>
     </p:extLst>
   </p:cSld>
@@ -17131,7 +18480,7 @@
           <p:cNvPr id="2" name="Title 1">
             <a:extLst>
               <a:ext uri="{FF2B5EF4-FFF2-40B4-BE49-F238E27FC236}">
-                <a16:creationId xmlns:a16="http://schemas.microsoft.com/office/drawing/2014/main" id="{51B35226-A378-2076-F502-857ABB7AF3AE}"/>
+                <a16:creationId xmlns:a16="http://schemas.microsoft.com/office/drawing/2014/main" id="{B495D98E-5472-E530-DD2E-6E1802BCFCA4}"/>
               </a:ext>
             </a:extLst>
           </p:cNvPr>
@@ -17149,7 +18498,7 @@
           <a:p>
             <a:r>
               <a:rPr lang="en-US" dirty="0"/>
-              <a:t>User Story #3</a:t>
+              <a:t>Conditions of Satisfaction</a:t>
             </a:r>
           </a:p>
         </p:txBody>
@@ -17159,7 +18508,7 @@
           <p:cNvPr id="3" name="Content Placeholder 2">
             <a:extLst>
               <a:ext uri="{FF2B5EF4-FFF2-40B4-BE49-F238E27FC236}">
-                <a16:creationId xmlns:a16="http://schemas.microsoft.com/office/drawing/2014/main" id="{276D5AE4-968D-3E05-4E3E-4D06828F5C68}"/>
+                <a16:creationId xmlns:a16="http://schemas.microsoft.com/office/drawing/2014/main" id="{86E00573-79BC-FAF6-9C28-90EB8A345C05}"/>
               </a:ext>
             </a:extLst>
           </p:cNvPr>
@@ -17170,18 +18519,40 @@
             <p:ph idx="1"/>
           </p:nvPr>
         </p:nvSpPr>
-        <p:spPr/>
+        <p:spPr>
+          <a:xfrm>
+            <a:off x="838200" y="1500160"/>
+            <a:ext cx="10049540" cy="4351338"/>
+          </a:xfrm>
+        </p:spPr>
         <p:txBody>
-          <a:bodyPr/>
+          <a:bodyPr>
+            <a:normAutofit/>
+          </a:bodyPr>
           <a:lstStyle/>
           <a:p>
             <a:r>
               <a:rPr lang="en-US" dirty="0"/>
-              <a:t>As a maintenance supervisor, I want to be able to control the order in which potholes are repaired (D?)</a:t>
-            </a:r>
-          </a:p>
-          <a:p>
-            <a:endParaRPr lang="en-US" dirty="0"/>
+              <a:t>1.1 I should be able to report a pothole to the system (E)</a:t>
+            </a:r>
+          </a:p>
+          <a:p>
+            <a:r>
+              <a:rPr lang="en-US" dirty="0"/>
+              <a:t>1.2 I should be able to see whether the pothole I report has been repaired (E)</a:t>
+            </a:r>
+          </a:p>
+          <a:p>
+            <a:r>
+              <a:rPr lang="en-US" dirty="0"/>
+              <a:t>1.3 I should be able to see whether someone else has already reported a given pothole (D)</a:t>
+            </a:r>
+          </a:p>
+          <a:p>
+            <a:r>
+              <a:rPr lang="en-US" dirty="0"/>
+              <a:t>1.4 I should be able to see an estimated time when the pothole should be repaired (D)</a:t>
+            </a:r>
           </a:p>
           <a:p>
             <a:endParaRPr lang="en-US" dirty="0"/>
@@ -17193,7 +18564,7 @@
           <p:cNvPr id="4" name="Slide Number Placeholder 3">
             <a:extLst>
               <a:ext uri="{FF2B5EF4-FFF2-40B4-BE49-F238E27FC236}">
-                <a16:creationId xmlns:a16="http://schemas.microsoft.com/office/drawing/2014/main" id="{2B519DCE-6F48-BA3E-A368-668137E1BB7F}"/>
+                <a16:creationId xmlns:a16="http://schemas.microsoft.com/office/drawing/2014/main" id="{8F54511B-A92F-CD3A-1825-CA2491CCD033}"/>
               </a:ext>
             </a:extLst>
           </p:cNvPr>
@@ -17220,7 +18591,7 @@
     </p:spTree>
     <p:extLst>
       <p:ext uri="{BB962C8B-B14F-4D97-AF65-F5344CB8AC3E}">
-        <p14:creationId xmlns:p14="http://schemas.microsoft.com/office/powerpoint/2010/main" val="3609669479"/>
+        <p14:creationId xmlns:p14="http://schemas.microsoft.com/office/powerpoint/2010/main" val="1293668376"/>
       </p:ext>
     </p:extLst>
   </p:cSld>
@@ -17252,6 +18623,385 @@
           <p:cNvPr id="2" name="Title 1">
             <a:extLst>
               <a:ext uri="{FF2B5EF4-FFF2-40B4-BE49-F238E27FC236}">
+                <a16:creationId xmlns:a16="http://schemas.microsoft.com/office/drawing/2014/main" id="{AF17FECE-982A-68AD-33C0-FADB0ECEAC70}"/>
+              </a:ext>
+            </a:extLst>
+          </p:cNvPr>
+          <p:cNvSpPr>
+            <a:spLocks noGrp="1"/>
+          </p:cNvSpPr>
+          <p:nvPr>
+            <p:ph type="title"/>
+          </p:nvPr>
+        </p:nvSpPr>
+        <p:spPr/>
+        <p:txBody>
+          <a:bodyPr/>
+          <a:lstStyle/>
+          <a:p>
+            <a:r>
+              <a:rPr lang="en-US" dirty="0"/>
+              <a:t>User Story #2</a:t>
+            </a:r>
+          </a:p>
+        </p:txBody>
+      </p:sp>
+      <p:sp>
+        <p:nvSpPr>
+          <p:cNvPr id="3" name="Content Placeholder 2">
+            <a:extLst>
+              <a:ext uri="{FF2B5EF4-FFF2-40B4-BE49-F238E27FC236}">
+                <a16:creationId xmlns:a16="http://schemas.microsoft.com/office/drawing/2014/main" id="{92F5E93F-826B-173F-2672-D74656C0CE5D}"/>
+              </a:ext>
+            </a:extLst>
+          </p:cNvPr>
+          <p:cNvSpPr>
+            <a:spLocks noGrp="1"/>
+          </p:cNvSpPr>
+          <p:nvPr>
+            <p:ph idx="1"/>
+          </p:nvPr>
+        </p:nvSpPr>
+        <p:spPr/>
+        <p:txBody>
+          <a:bodyPr/>
+          <a:lstStyle/>
+          <a:p>
+            <a:r>
+              <a:rPr lang="en-US" dirty="0"/>
+              <a:t>As a repair-truck driver, I want the system to display the potholes I should be working on today. (E)</a:t>
+            </a:r>
+          </a:p>
+        </p:txBody>
+      </p:sp>
+      <p:sp>
+        <p:nvSpPr>
+          <p:cNvPr id="4" name="Slide Number Placeholder 3">
+            <a:extLst>
+              <a:ext uri="{FF2B5EF4-FFF2-40B4-BE49-F238E27FC236}">
+                <a16:creationId xmlns:a16="http://schemas.microsoft.com/office/drawing/2014/main" id="{70076510-69D4-AC98-4890-8F145337C072}"/>
+              </a:ext>
+            </a:extLst>
+          </p:cNvPr>
+          <p:cNvSpPr>
+            <a:spLocks noGrp="1"/>
+          </p:cNvSpPr>
+          <p:nvPr>
+            <p:ph type="sldNum" sz="quarter" idx="12"/>
+          </p:nvPr>
+        </p:nvSpPr>
+        <p:spPr/>
+        <p:txBody>
+          <a:bodyPr/>
+          <a:lstStyle/>
+          <a:p>
+            <a:fld id="{20F37917-FD3A-4669-9018-DA04BCDD3D75}" type="slidenum">
+              <a:rPr lang="en-US" smtClean="0"/>
+              <a:t>23</a:t>
+            </a:fld>
+            <a:endParaRPr lang="en-US"/>
+          </a:p>
+        </p:txBody>
+      </p:sp>
+    </p:spTree>
+    <p:extLst>
+      <p:ext uri="{BB962C8B-B14F-4D97-AF65-F5344CB8AC3E}">
+        <p14:creationId xmlns:p14="http://schemas.microsoft.com/office/powerpoint/2010/main" val="211824431"/>
+      </p:ext>
+    </p:extLst>
+  </p:cSld>
+  <p:clrMapOvr>
+    <a:masterClrMapping/>
+  </p:clrMapOvr>
+</p:sld>
+</file>
+
+<file path=ppt/slides/slide24.xml><?xml version="1.0" encoding="utf-8"?>
+<p:sld xmlns:a="http://schemas.openxmlformats.org/drawingml/2006/main" xmlns:r="http://schemas.openxmlformats.org/officeDocument/2006/relationships" xmlns:p="http://schemas.openxmlformats.org/presentationml/2006/main" show="0">
+  <p:cSld>
+    <p:spTree>
+      <p:nvGrpSpPr>
+        <p:cNvPr id="1" name=""/>
+        <p:cNvGrpSpPr/>
+        <p:nvPr/>
+      </p:nvGrpSpPr>
+      <p:grpSpPr>
+        <a:xfrm>
+          <a:off x="0" y="0"/>
+          <a:ext cx="0" cy="0"/>
+          <a:chOff x="0" y="0"/>
+          <a:chExt cx="0" cy="0"/>
+        </a:xfrm>
+      </p:grpSpPr>
+      <p:sp>
+        <p:nvSpPr>
+          <p:cNvPr id="2" name="Title 1">
+            <a:extLst>
+              <a:ext uri="{FF2B5EF4-FFF2-40B4-BE49-F238E27FC236}">
+                <a16:creationId xmlns:a16="http://schemas.microsoft.com/office/drawing/2014/main" id="{DB4EF509-325C-2E10-8B51-0A2D68AEAA9A}"/>
+              </a:ext>
+            </a:extLst>
+          </p:cNvPr>
+          <p:cNvSpPr>
+            <a:spLocks noGrp="1"/>
+          </p:cNvSpPr>
+          <p:nvPr>
+            <p:ph type="title"/>
+          </p:nvPr>
+        </p:nvSpPr>
+        <p:spPr/>
+        <p:txBody>
+          <a:bodyPr/>
+          <a:lstStyle/>
+          <a:p>
+            <a:r>
+              <a:rPr lang="en-US" dirty="0"/>
+              <a:t>Conditions of Satisfaction</a:t>
+            </a:r>
+          </a:p>
+        </p:txBody>
+      </p:sp>
+      <p:sp>
+        <p:nvSpPr>
+          <p:cNvPr id="3" name="Content Placeholder 2">
+            <a:extLst>
+              <a:ext uri="{FF2B5EF4-FFF2-40B4-BE49-F238E27FC236}">
+                <a16:creationId xmlns:a16="http://schemas.microsoft.com/office/drawing/2014/main" id="{CBB1E84F-2F63-BC6C-A225-EF6FC6AF5970}"/>
+              </a:ext>
+            </a:extLst>
+          </p:cNvPr>
+          <p:cNvSpPr>
+            <a:spLocks noGrp="1"/>
+          </p:cNvSpPr>
+          <p:nvPr>
+            <p:ph idx="1"/>
+          </p:nvPr>
+        </p:nvSpPr>
+        <p:spPr>
+          <a:xfrm>
+            <a:off x="838199" y="1500160"/>
+            <a:ext cx="9815623" cy="4351338"/>
+          </a:xfrm>
+        </p:spPr>
+        <p:txBody>
+          <a:bodyPr>
+            <a:normAutofit/>
+          </a:bodyPr>
+          <a:lstStyle/>
+          <a:p>
+            <a:r>
+              <a:rPr lang="en-US" dirty="0"/>
+              <a:t>2.1 I should be able to see my list of potholes for today (E)</a:t>
+            </a:r>
+          </a:p>
+          <a:p>
+            <a:r>
+              <a:rPr lang="en-US" dirty="0"/>
+              <a:t>2.2 I should be able to report that I repaired a given pothole (E)</a:t>
+            </a:r>
+          </a:p>
+          <a:p>
+            <a:r>
+              <a:rPr lang="en-US" dirty="0"/>
+              <a:t>2.3 I should be able to report that I was unable to repair a given pothole, and to supply a reason (E)</a:t>
+            </a:r>
+          </a:p>
+          <a:p>
+            <a:r>
+              <a:rPr lang="en-US" dirty="0"/>
+              <a:t>2.4 My daily list of potholes should be listed in an order that cuts down the time I spend driving from job to job (D)</a:t>
+            </a:r>
+          </a:p>
+          <a:p>
+            <a:endParaRPr lang="en-US" dirty="0"/>
+          </a:p>
+        </p:txBody>
+      </p:sp>
+      <p:sp>
+        <p:nvSpPr>
+          <p:cNvPr id="4" name="Slide Number Placeholder 3">
+            <a:extLst>
+              <a:ext uri="{FF2B5EF4-FFF2-40B4-BE49-F238E27FC236}">
+                <a16:creationId xmlns:a16="http://schemas.microsoft.com/office/drawing/2014/main" id="{42E1B159-DFF9-5C1E-761D-6E4AC20749E7}"/>
+              </a:ext>
+            </a:extLst>
+          </p:cNvPr>
+          <p:cNvSpPr>
+            <a:spLocks noGrp="1"/>
+          </p:cNvSpPr>
+          <p:nvPr>
+            <p:ph type="sldNum" sz="quarter" idx="12"/>
+          </p:nvPr>
+        </p:nvSpPr>
+        <p:spPr/>
+        <p:txBody>
+          <a:bodyPr/>
+          <a:lstStyle/>
+          <a:p>
+            <a:fld id="{20F37917-FD3A-4669-9018-DA04BCDD3D75}" type="slidenum">
+              <a:rPr lang="en-US" smtClean="0"/>
+              <a:t>24</a:t>
+            </a:fld>
+            <a:endParaRPr lang="en-US"/>
+          </a:p>
+        </p:txBody>
+      </p:sp>
+    </p:spTree>
+    <p:extLst>
+      <p:ext uri="{BB962C8B-B14F-4D97-AF65-F5344CB8AC3E}">
+        <p14:creationId xmlns:p14="http://schemas.microsoft.com/office/powerpoint/2010/main" val="2216743730"/>
+      </p:ext>
+    </p:extLst>
+  </p:cSld>
+  <p:clrMapOvr>
+    <a:masterClrMapping/>
+  </p:clrMapOvr>
+</p:sld>
+</file>
+
+<file path=ppt/slides/slide25.xml><?xml version="1.0" encoding="utf-8"?>
+<p:sld xmlns:a="http://schemas.openxmlformats.org/drawingml/2006/main" xmlns:r="http://schemas.openxmlformats.org/officeDocument/2006/relationships" xmlns:p="http://schemas.openxmlformats.org/presentationml/2006/main" show="0">
+  <p:cSld>
+    <p:spTree>
+      <p:nvGrpSpPr>
+        <p:cNvPr id="1" name=""/>
+        <p:cNvGrpSpPr/>
+        <p:nvPr/>
+      </p:nvGrpSpPr>
+      <p:grpSpPr>
+        <a:xfrm>
+          <a:off x="0" y="0"/>
+          <a:ext cx="0" cy="0"/>
+          <a:chOff x="0" y="0"/>
+          <a:chExt cx="0" cy="0"/>
+        </a:xfrm>
+      </p:grpSpPr>
+      <p:sp>
+        <p:nvSpPr>
+          <p:cNvPr id="2" name="Title 1">
+            <a:extLst>
+              <a:ext uri="{FF2B5EF4-FFF2-40B4-BE49-F238E27FC236}">
+                <a16:creationId xmlns:a16="http://schemas.microsoft.com/office/drawing/2014/main" id="{51B35226-A378-2076-F502-857ABB7AF3AE}"/>
+              </a:ext>
+            </a:extLst>
+          </p:cNvPr>
+          <p:cNvSpPr>
+            <a:spLocks noGrp="1"/>
+          </p:cNvSpPr>
+          <p:nvPr>
+            <p:ph type="title"/>
+          </p:nvPr>
+        </p:nvSpPr>
+        <p:spPr/>
+        <p:txBody>
+          <a:bodyPr/>
+          <a:lstStyle/>
+          <a:p>
+            <a:r>
+              <a:rPr lang="en-US" dirty="0"/>
+              <a:t>User Story #3</a:t>
+            </a:r>
+          </a:p>
+        </p:txBody>
+      </p:sp>
+      <p:sp>
+        <p:nvSpPr>
+          <p:cNvPr id="3" name="Content Placeholder 2">
+            <a:extLst>
+              <a:ext uri="{FF2B5EF4-FFF2-40B4-BE49-F238E27FC236}">
+                <a16:creationId xmlns:a16="http://schemas.microsoft.com/office/drawing/2014/main" id="{276D5AE4-968D-3E05-4E3E-4D06828F5C68}"/>
+              </a:ext>
+            </a:extLst>
+          </p:cNvPr>
+          <p:cNvSpPr>
+            <a:spLocks noGrp="1"/>
+          </p:cNvSpPr>
+          <p:nvPr>
+            <p:ph idx="1"/>
+          </p:nvPr>
+        </p:nvSpPr>
+        <p:spPr/>
+        <p:txBody>
+          <a:bodyPr/>
+          <a:lstStyle/>
+          <a:p>
+            <a:r>
+              <a:rPr lang="en-US" dirty="0"/>
+              <a:t>As a maintenance supervisor, I want to be able to control the order in which potholes are repaired (D?)</a:t>
+            </a:r>
+          </a:p>
+          <a:p>
+            <a:endParaRPr lang="en-US" dirty="0"/>
+          </a:p>
+          <a:p>
+            <a:endParaRPr lang="en-US" dirty="0"/>
+          </a:p>
+        </p:txBody>
+      </p:sp>
+      <p:sp>
+        <p:nvSpPr>
+          <p:cNvPr id="4" name="Slide Number Placeholder 3">
+            <a:extLst>
+              <a:ext uri="{FF2B5EF4-FFF2-40B4-BE49-F238E27FC236}">
+                <a16:creationId xmlns:a16="http://schemas.microsoft.com/office/drawing/2014/main" id="{2B519DCE-6F48-BA3E-A368-668137E1BB7F}"/>
+              </a:ext>
+            </a:extLst>
+          </p:cNvPr>
+          <p:cNvSpPr>
+            <a:spLocks noGrp="1"/>
+          </p:cNvSpPr>
+          <p:nvPr>
+            <p:ph type="sldNum" sz="quarter" idx="12"/>
+          </p:nvPr>
+        </p:nvSpPr>
+        <p:spPr/>
+        <p:txBody>
+          <a:bodyPr/>
+          <a:lstStyle/>
+          <a:p>
+            <a:fld id="{20F37917-FD3A-4669-9018-DA04BCDD3D75}" type="slidenum">
+              <a:rPr lang="en-US" smtClean="0"/>
+              <a:t>25</a:t>
+            </a:fld>
+            <a:endParaRPr lang="en-US"/>
+          </a:p>
+        </p:txBody>
+      </p:sp>
+    </p:spTree>
+    <p:extLst>
+      <p:ext uri="{BB962C8B-B14F-4D97-AF65-F5344CB8AC3E}">
+        <p14:creationId xmlns:p14="http://schemas.microsoft.com/office/powerpoint/2010/main" val="3609669479"/>
+      </p:ext>
+    </p:extLst>
+  </p:cSld>
+  <p:clrMapOvr>
+    <a:masterClrMapping/>
+  </p:clrMapOvr>
+</p:sld>
+</file>
+
+<file path=ppt/slides/slide26.xml><?xml version="1.0" encoding="utf-8"?>
+<p:sld xmlns:a="http://schemas.openxmlformats.org/drawingml/2006/main" xmlns:r="http://schemas.openxmlformats.org/officeDocument/2006/relationships" xmlns:p="http://schemas.openxmlformats.org/presentationml/2006/main" show="0">
+  <p:cSld>
+    <p:spTree>
+      <p:nvGrpSpPr>
+        <p:cNvPr id="1" name=""/>
+        <p:cNvGrpSpPr/>
+        <p:nvPr/>
+      </p:nvGrpSpPr>
+      <p:grpSpPr>
+        <a:xfrm>
+          <a:off x="0" y="0"/>
+          <a:ext cx="0" cy="0"/>
+          <a:chOff x="0" y="0"/>
+          <a:chExt cx="0" cy="0"/>
+        </a:xfrm>
+      </p:grpSpPr>
+      <p:sp>
+        <p:nvSpPr>
+          <p:cNvPr id="2" name="Title 1">
+            <a:extLst>
+              <a:ext uri="{FF2B5EF4-FFF2-40B4-BE49-F238E27FC236}">
                 <a16:creationId xmlns:a16="http://schemas.microsoft.com/office/drawing/2014/main" id="{988E1553-21A9-4B1E-36A1-6A886676B256}"/>
               </a:ext>
             </a:extLst>
@@ -17351,7 +19101,7 @@
           <a:p>
             <a:fld id="{20F37917-FD3A-4669-9018-DA04BCDD3D75}" type="slidenum">
               <a:rPr lang="en-US" smtClean="0"/>
-              <a:t>23</a:t>
+              <a:t>26</a:t>
             </a:fld>
             <a:endParaRPr lang="en-US"/>
           </a:p>
@@ -17370,8 +19120,8 @@
 </p:sld>
 </file>
 
-<file path=ppt/slides/slide24.xml><?xml version="1.0" encoding="utf-8"?>
-<p:sld xmlns:a="http://schemas.openxmlformats.org/drawingml/2006/main" xmlns:r="http://schemas.openxmlformats.org/officeDocument/2006/relationships" xmlns:p="http://schemas.openxmlformats.org/presentationml/2006/main">
+<file path=ppt/slides/slide27.xml><?xml version="1.0" encoding="utf-8"?>
+<p:sld xmlns:a="http://schemas.openxmlformats.org/drawingml/2006/main" xmlns:r="http://schemas.openxmlformats.org/officeDocument/2006/relationships" xmlns:p="http://schemas.openxmlformats.org/presentationml/2006/main" show="0">
   <p:cSld>
     <p:bg>
       <p:bgPr>
@@ -18052,7 +19802,7 @@
                   <a:spcPts val="600"/>
                 </a:spcAft>
               </a:pPr>
-              <a:t>24</a:t>
+              <a:t>27</a:t>
             </a:fld>
             <a:endParaRPr lang="en-US"/>
           </a:p>
@@ -18071,8 +19821,8 @@
 </p:sld>
 </file>
 
-<file path=ppt/slides/slide25.xml><?xml version="1.0" encoding="utf-8"?>
-<p:sld xmlns:a="http://schemas.openxmlformats.org/drawingml/2006/main" xmlns:r="http://schemas.openxmlformats.org/officeDocument/2006/relationships" xmlns:p="http://schemas.openxmlformats.org/presentationml/2006/main">
+<file path=ppt/slides/slide28.xml><?xml version="1.0" encoding="utf-8"?>
+<p:sld xmlns:a="http://schemas.openxmlformats.org/drawingml/2006/main" xmlns:r="http://schemas.openxmlformats.org/officeDocument/2006/relationships" xmlns:p="http://schemas.openxmlformats.org/presentationml/2006/main" show="0">
   <p:cSld>
     <p:bg>
       <p:bgPr>
@@ -18703,7 +20453,7 @@
                   <a:spcPts val="600"/>
                 </a:spcAft>
               </a:pPr>
-              <a:t>25</a:t>
+              <a:t>28</a:t>
             </a:fld>
             <a:endParaRPr lang="en-US">
               <a:solidFill>
@@ -18726,8 +20476,8 @@
 </p:sld>
 </file>
 
-<file path=ppt/slides/slide26.xml><?xml version="1.0" encoding="utf-8"?>
-<p:sld xmlns:a="http://schemas.openxmlformats.org/drawingml/2006/main" xmlns:r="http://schemas.openxmlformats.org/officeDocument/2006/relationships" xmlns:p="http://schemas.openxmlformats.org/presentationml/2006/main">
+<file path=ppt/slides/slide29.xml><?xml version="1.0" encoding="utf-8"?>
+<p:sld xmlns:a="http://schemas.openxmlformats.org/drawingml/2006/main" xmlns:r="http://schemas.openxmlformats.org/officeDocument/2006/relationships" xmlns:p="http://schemas.openxmlformats.org/presentationml/2006/main" show="0">
   <p:cSld>
     <p:spTree>
       <p:nvGrpSpPr>
@@ -18890,7 +20640,7 @@
           <a:p>
             <a:fld id="{20F37917-FD3A-4669-9018-DA04BCDD3D75}" type="slidenum">
               <a:rPr lang="en-US" smtClean="0"/>
-              <a:t>26</a:t>
+              <a:t>29</a:t>
             </a:fld>
             <a:endParaRPr lang="en-US" dirty="0"/>
           </a:p>
@@ -18933,483 +20683,6 @@
     <p:extLst>
       <p:ext uri="{BB962C8B-B14F-4D97-AF65-F5344CB8AC3E}">
         <p14:creationId xmlns:p14="http://schemas.microsoft.com/office/powerpoint/2010/main" val="3767598054"/>
-      </p:ext>
-    </p:extLst>
-  </p:cSld>
-  <p:clrMapOvr>
-    <a:masterClrMapping/>
-  </p:clrMapOvr>
-</p:sld>
-</file>
-
-<file path=ppt/slides/slide27.xml><?xml version="1.0" encoding="utf-8"?>
-<p:sld xmlns:a="http://schemas.openxmlformats.org/drawingml/2006/main" xmlns:r="http://schemas.openxmlformats.org/officeDocument/2006/relationships" xmlns:p="http://schemas.openxmlformats.org/presentationml/2006/main">
-  <p:cSld>
-    <p:spTree>
-      <p:nvGrpSpPr>
-        <p:cNvPr id="1" name=""/>
-        <p:cNvGrpSpPr/>
-        <p:nvPr/>
-      </p:nvGrpSpPr>
-      <p:grpSpPr>
-        <a:xfrm>
-          <a:off x="0" y="0"/>
-          <a:ext cx="0" cy="0"/>
-          <a:chOff x="0" y="0"/>
-          <a:chExt cx="0" cy="0"/>
-        </a:xfrm>
-      </p:grpSpPr>
-      <p:sp>
-        <p:nvSpPr>
-          <p:cNvPr id="2" name="Title 1">
-            <a:extLst>
-              <a:ext uri="{FF2B5EF4-FFF2-40B4-BE49-F238E27FC236}">
-                <a16:creationId xmlns:a16="http://schemas.microsoft.com/office/drawing/2014/main" id="{16F86D58-152F-496B-BA81-FDA5B100832A}"/>
-              </a:ext>
-            </a:extLst>
-          </p:cNvPr>
-          <p:cNvSpPr>
-            <a:spLocks noGrp="1"/>
-          </p:cNvSpPr>
-          <p:nvPr>
-            <p:ph type="title"/>
-          </p:nvPr>
-        </p:nvSpPr>
-        <p:spPr/>
-        <p:txBody>
-          <a:bodyPr/>
-          <a:lstStyle/>
-          <a:p>
-            <a:r>
-              <a:rPr lang="en-US" dirty="0"/>
-              <a:t>Non-Functional Requirements capture the </a:t>
-            </a:r>
-            <a:r>
-              <a:rPr lang="en-US" i="1" dirty="0">
-                <a:solidFill>
-                  <a:srgbClr val="FF0000"/>
-                </a:solidFill>
-              </a:rPr>
-              <a:t>quality goals </a:t>
-            </a:r>
-            <a:r>
-              <a:rPr lang="en-US" dirty="0"/>
-              <a:t>of the system:</a:t>
-            </a:r>
-          </a:p>
-        </p:txBody>
-      </p:sp>
-      <p:sp>
-        <p:nvSpPr>
-          <p:cNvPr id="4" name="Slide Number Placeholder 3">
-            <a:extLst>
-              <a:ext uri="{FF2B5EF4-FFF2-40B4-BE49-F238E27FC236}">
-                <a16:creationId xmlns:a16="http://schemas.microsoft.com/office/drawing/2014/main" id="{C7C3DEB3-F948-4B7E-8BDA-FB7ABCF7A993}"/>
-              </a:ext>
-            </a:extLst>
-          </p:cNvPr>
-          <p:cNvSpPr>
-            <a:spLocks noGrp="1"/>
-          </p:cNvSpPr>
-          <p:nvPr>
-            <p:ph type="sldNum" sz="quarter" idx="12"/>
-          </p:nvPr>
-        </p:nvSpPr>
-        <p:spPr/>
-        <p:txBody>
-          <a:bodyPr/>
-          <a:lstStyle/>
-          <a:p>
-            <a:fld id="{20F37917-FD3A-4669-9018-DA04BCDD3D75}" type="slidenum">
-              <a:rPr lang="en-US" smtClean="0"/>
-              <a:t>27</a:t>
-            </a:fld>
-            <a:endParaRPr lang="en-US" dirty="0"/>
-          </a:p>
-        </p:txBody>
-      </p:sp>
-      <p:sp>
-        <p:nvSpPr>
-          <p:cNvPr id="9" name="Content Placeholder 2">
-            <a:extLst>
-              <a:ext uri="{FF2B5EF4-FFF2-40B4-BE49-F238E27FC236}">
-                <a16:creationId xmlns:a16="http://schemas.microsoft.com/office/drawing/2014/main" id="{154B344C-9133-E9C8-0056-74943F854D75}"/>
-              </a:ext>
-            </a:extLst>
-          </p:cNvPr>
-          <p:cNvSpPr>
-            <a:spLocks noGrp="1"/>
-          </p:cNvSpPr>
-          <p:nvPr>
-            <p:ph idx="1"/>
-          </p:nvPr>
-        </p:nvSpPr>
-        <p:spPr>
-          <a:xfrm>
-            <a:off x="838200" y="1500188"/>
-            <a:ext cx="9521142" cy="4351337"/>
-          </a:xfrm>
-        </p:spPr>
-        <p:txBody>
-          <a:bodyPr>
-            <a:normAutofit lnSpcReduction="10000"/>
-          </a:bodyPr>
-          <a:lstStyle/>
-          <a:p>
-            <a:r>
-              <a:rPr lang="en-US" dirty="0"/>
-              <a:t>As developers, we often spend most of our time and effort on features (i.e., functional requirements).</a:t>
-            </a:r>
-          </a:p>
-          <a:p>
-            <a:r>
-              <a:rPr lang="en-US" dirty="0"/>
-              <a:t>But there is more ….</a:t>
-            </a:r>
-          </a:p>
-          <a:p>
-            <a:r>
-              <a:rPr lang="en-US" dirty="0"/>
-              <a:t>What other properties might a customer want to know about the product?</a:t>
-            </a:r>
-          </a:p>
-          <a:p>
-            <a:pPr lvl="1"/>
-            <a:r>
-              <a:rPr lang="en-US" dirty="0"/>
-              <a:t>How quickly can a transcript be retrieval? (Performance)</a:t>
-            </a:r>
-          </a:p>
-          <a:p>
-            <a:pPr lvl="1"/>
-            <a:r>
-              <a:rPr lang="en-US" dirty="0"/>
-              <a:t>How many student transcripts can our system store? (Scalability)</a:t>
-            </a:r>
-          </a:p>
-          <a:p>
-            <a:pPr lvl="1"/>
-            <a:r>
-              <a:rPr lang="en-US" dirty="0"/>
-              <a:t>How long did I spend on the phone with support to set up the software? (Usability)</a:t>
-            </a:r>
-          </a:p>
-          <a:p>
-            <a:pPr lvl="1"/>
-            <a:r>
-              <a:rPr lang="en-US" dirty="0"/>
-              <a:t>After my system is setup, is the access controlled at all? (Security)</a:t>
-            </a:r>
-          </a:p>
-          <a:p>
-            <a:pPr lvl="1"/>
-            <a:r>
-              <a:rPr lang="en-US" dirty="0"/>
-              <a:t>Are these any times when I can’t use this system? (Availability) </a:t>
-            </a:r>
-          </a:p>
-        </p:txBody>
-      </p:sp>
-    </p:spTree>
-    <p:extLst>
-      <p:ext uri="{BB962C8B-B14F-4D97-AF65-F5344CB8AC3E}">
-        <p14:creationId xmlns:p14="http://schemas.microsoft.com/office/powerpoint/2010/main" val="1813985170"/>
-      </p:ext>
-    </p:extLst>
-  </p:cSld>
-  <p:clrMapOvr>
-    <a:masterClrMapping/>
-  </p:clrMapOvr>
-</p:sld>
-</file>
-
-<file path=ppt/slides/slide28.xml><?xml version="1.0" encoding="utf-8"?>
-<p:sld xmlns:a="http://schemas.openxmlformats.org/drawingml/2006/main" xmlns:r="http://schemas.openxmlformats.org/officeDocument/2006/relationships" xmlns:p="http://schemas.openxmlformats.org/presentationml/2006/main">
-  <p:cSld>
-    <p:spTree>
-      <p:nvGrpSpPr>
-        <p:cNvPr id="1" name=""/>
-        <p:cNvGrpSpPr/>
-        <p:nvPr/>
-      </p:nvGrpSpPr>
-      <p:grpSpPr>
-        <a:xfrm>
-          <a:off x="0" y="0"/>
-          <a:ext cx="0" cy="0"/>
-          <a:chOff x="0" y="0"/>
-          <a:chExt cx="0" cy="0"/>
-        </a:xfrm>
-      </p:grpSpPr>
-      <p:sp>
-        <p:nvSpPr>
-          <p:cNvPr id="2" name="Title 1">
-            <a:extLst>
-              <a:ext uri="{FF2B5EF4-FFF2-40B4-BE49-F238E27FC236}">
-                <a16:creationId xmlns:a16="http://schemas.microsoft.com/office/drawing/2014/main" id="{C63D8C0E-1574-BBF6-88B1-AB9FF3A0FFAA}"/>
-              </a:ext>
-            </a:extLst>
-          </p:cNvPr>
-          <p:cNvSpPr>
-            <a:spLocks noGrp="1"/>
-          </p:cNvSpPr>
-          <p:nvPr>
-            <p:ph type="title"/>
-          </p:nvPr>
-        </p:nvSpPr>
-        <p:spPr/>
-        <p:txBody>
-          <a:bodyPr/>
-          <a:lstStyle/>
-          <a:p>
-            <a:r>
-              <a:rPr lang="en-US" dirty="0"/>
-              <a:t>Example:</a:t>
-            </a:r>
-          </a:p>
-        </p:txBody>
-      </p:sp>
-      <p:sp>
-        <p:nvSpPr>
-          <p:cNvPr id="3" name="Content Placeholder 2">
-            <a:extLst>
-              <a:ext uri="{FF2B5EF4-FFF2-40B4-BE49-F238E27FC236}">
-                <a16:creationId xmlns:a16="http://schemas.microsoft.com/office/drawing/2014/main" id="{009A0602-C0AF-1851-FCAF-0C6C5D5BAE34}"/>
-              </a:ext>
-            </a:extLst>
-          </p:cNvPr>
-          <p:cNvSpPr>
-            <a:spLocks noGrp="1"/>
-          </p:cNvSpPr>
-          <p:nvPr>
-            <p:ph idx="1"/>
-          </p:nvPr>
-        </p:nvSpPr>
-        <p:spPr/>
-        <p:txBody>
-          <a:bodyPr/>
-          <a:lstStyle/>
-          <a:p>
-            <a:r>
-              <a:rPr lang="en-US" dirty="0"/>
-              <a:t>“With a 4-core server and 16 GB RAM, the system should be able to service at least 200 simultaneous clients with less than 300ms latency”</a:t>
-            </a:r>
-          </a:p>
-          <a:p>
-            <a:endParaRPr lang="en-US" dirty="0"/>
-          </a:p>
-        </p:txBody>
-      </p:sp>
-      <p:sp>
-        <p:nvSpPr>
-          <p:cNvPr id="4" name="Slide Number Placeholder 3">
-            <a:extLst>
-              <a:ext uri="{FF2B5EF4-FFF2-40B4-BE49-F238E27FC236}">
-                <a16:creationId xmlns:a16="http://schemas.microsoft.com/office/drawing/2014/main" id="{8A3071A0-45E5-16FD-D5DF-6FC0E1B1672F}"/>
-              </a:ext>
-            </a:extLst>
-          </p:cNvPr>
-          <p:cNvSpPr>
-            <a:spLocks noGrp="1"/>
-          </p:cNvSpPr>
-          <p:nvPr>
-            <p:ph type="sldNum" sz="quarter" idx="12"/>
-          </p:nvPr>
-        </p:nvSpPr>
-        <p:spPr/>
-        <p:txBody>
-          <a:bodyPr/>
-          <a:lstStyle/>
-          <a:p>
-            <a:fld id="{20F37917-FD3A-4669-9018-DA04BCDD3D75}" type="slidenum">
-              <a:rPr lang="en-US" smtClean="0"/>
-              <a:t>28</a:t>
-            </a:fld>
-            <a:endParaRPr lang="en-US" dirty="0"/>
-          </a:p>
-        </p:txBody>
-      </p:sp>
-    </p:spTree>
-    <p:extLst>
-      <p:ext uri="{BB962C8B-B14F-4D97-AF65-F5344CB8AC3E}">
-        <p14:creationId xmlns:p14="http://schemas.microsoft.com/office/powerpoint/2010/main" val="1645572920"/>
-      </p:ext>
-    </p:extLst>
-  </p:cSld>
-  <p:clrMapOvr>
-    <a:masterClrMapping/>
-  </p:clrMapOvr>
-</p:sld>
-</file>
-
-<file path=ppt/slides/slide29.xml><?xml version="1.0" encoding="utf-8"?>
-<p:sld xmlns:a="http://schemas.openxmlformats.org/drawingml/2006/main" xmlns:r="http://schemas.openxmlformats.org/officeDocument/2006/relationships" xmlns:p="http://schemas.openxmlformats.org/presentationml/2006/main">
-  <p:cSld>
-    <p:spTree>
-      <p:nvGrpSpPr>
-        <p:cNvPr id="1" name=""/>
-        <p:cNvGrpSpPr/>
-        <p:nvPr/>
-      </p:nvGrpSpPr>
-      <p:grpSpPr>
-        <a:xfrm>
-          <a:off x="0" y="0"/>
-          <a:ext cx="0" cy="0"/>
-          <a:chOff x="0" y="0"/>
-          <a:chExt cx="0" cy="0"/>
-        </a:xfrm>
-      </p:grpSpPr>
-      <p:sp>
-        <p:nvSpPr>
-          <p:cNvPr id="2" name="Title 1">
-            <a:extLst>
-              <a:ext uri="{FF2B5EF4-FFF2-40B4-BE49-F238E27FC236}">
-                <a16:creationId xmlns:a16="http://schemas.microsoft.com/office/drawing/2014/main" id="{16F86D58-152F-496B-BA81-FDA5B100832A}"/>
-              </a:ext>
-            </a:extLst>
-          </p:cNvPr>
-          <p:cNvSpPr>
-            <a:spLocks noGrp="1"/>
-          </p:cNvSpPr>
-          <p:nvPr>
-            <p:ph type="title"/>
-          </p:nvPr>
-        </p:nvSpPr>
-        <p:spPr/>
-        <p:txBody>
-          <a:bodyPr>
-            <a:normAutofit/>
-          </a:bodyPr>
-          <a:lstStyle/>
-          <a:p>
-            <a:r>
-              <a:rPr lang="en-US" sz="3600" dirty="0"/>
-              <a:t>Other non-functional requirements</a:t>
-            </a:r>
-          </a:p>
-        </p:txBody>
-      </p:sp>
-      <p:sp>
-        <p:nvSpPr>
-          <p:cNvPr id="3" name="Content Placeholder 2">
-            <a:extLst>
-              <a:ext uri="{FF2B5EF4-FFF2-40B4-BE49-F238E27FC236}">
-                <a16:creationId xmlns:a16="http://schemas.microsoft.com/office/drawing/2014/main" id="{E9F968A6-CC31-4AE6-83F3-85021744E177}"/>
-              </a:ext>
-            </a:extLst>
-          </p:cNvPr>
-          <p:cNvSpPr>
-            <a:spLocks noGrp="1"/>
-          </p:cNvSpPr>
-          <p:nvPr>
-            <p:ph sz="half" idx="1"/>
-          </p:nvPr>
-        </p:nvSpPr>
-        <p:spPr>
-          <a:xfrm>
-            <a:off x="838200" y="1825625"/>
-            <a:ext cx="3149009" cy="4351338"/>
-          </a:xfrm>
-        </p:spPr>
-        <p:txBody>
-          <a:bodyPr>
-            <a:normAutofit fontScale="92500" lnSpcReduction="20000"/>
-          </a:bodyPr>
-          <a:lstStyle/>
-          <a:p>
-            <a:r>
-              <a:rPr lang="en-US" dirty="0"/>
-              <a:t>Accessibility</a:t>
-            </a:r>
-          </a:p>
-          <a:p>
-            <a:r>
-              <a:rPr lang="en-US" dirty="0"/>
-              <a:t>Availability</a:t>
-            </a:r>
-          </a:p>
-          <a:p>
-            <a:r>
-              <a:rPr lang="en-US" dirty="0"/>
-              <a:t>Capacity</a:t>
-            </a:r>
-          </a:p>
-          <a:p>
-            <a:r>
-              <a:rPr lang="en-US" dirty="0"/>
-              <a:t>Efficiency</a:t>
-            </a:r>
-          </a:p>
-          <a:p>
-            <a:r>
-              <a:rPr lang="en-US" dirty="0"/>
-              <a:t>Performance</a:t>
-            </a:r>
-          </a:p>
-          <a:p>
-            <a:r>
-              <a:rPr lang="en-US" dirty="0"/>
-              <a:t>Privacy</a:t>
-            </a:r>
-          </a:p>
-          <a:p>
-            <a:r>
-              <a:rPr lang="en-US" dirty="0"/>
-              <a:t>Response Time</a:t>
-            </a:r>
-          </a:p>
-          <a:p>
-            <a:r>
-              <a:rPr lang="en-US" dirty="0"/>
-              <a:t>Security</a:t>
-            </a:r>
-          </a:p>
-          <a:p>
-            <a:r>
-              <a:rPr lang="en-US" dirty="0"/>
-              <a:t>Supportability</a:t>
-            </a:r>
-          </a:p>
-          <a:p>
-            <a:r>
-              <a:rPr lang="en-US" dirty="0"/>
-              <a:t>Usability</a:t>
-            </a:r>
-          </a:p>
-        </p:txBody>
-      </p:sp>
-      <p:sp>
-        <p:nvSpPr>
-          <p:cNvPr id="4" name="Slide Number Placeholder 3">
-            <a:extLst>
-              <a:ext uri="{FF2B5EF4-FFF2-40B4-BE49-F238E27FC236}">
-                <a16:creationId xmlns:a16="http://schemas.microsoft.com/office/drawing/2014/main" id="{C7C3DEB3-F948-4B7E-8BDA-FB7ABCF7A993}"/>
-              </a:ext>
-            </a:extLst>
-          </p:cNvPr>
-          <p:cNvSpPr>
-            <a:spLocks noGrp="1"/>
-          </p:cNvSpPr>
-          <p:nvPr>
-            <p:ph type="sldNum" sz="quarter" idx="12"/>
-          </p:nvPr>
-        </p:nvSpPr>
-        <p:spPr/>
-        <p:txBody>
-          <a:bodyPr/>
-          <a:lstStyle/>
-          <a:p>
-            <a:fld id="{20F37917-FD3A-4669-9018-DA04BCDD3D75}" type="slidenum">
-              <a:rPr lang="en-US" smtClean="0"/>
-              <a:t>29</a:t>
-            </a:fld>
-            <a:endParaRPr lang="en-US" dirty="0"/>
-          </a:p>
-        </p:txBody>
-      </p:sp>
-    </p:spTree>
-    <p:extLst>
-      <p:ext uri="{BB962C8B-B14F-4D97-AF65-F5344CB8AC3E}">
-        <p14:creationId xmlns:p14="http://schemas.microsoft.com/office/powerpoint/2010/main" val="2709284930"/>
       </p:ext>
     </p:extLst>
   </p:cSld>
@@ -19890,70 +21163,19 @@
           <a:p>
             <a:r>
               <a:rPr lang="en-US" dirty="0"/>
-              <a:t>Still more non-functional requirements</a:t>
-            </a:r>
-          </a:p>
-        </p:txBody>
-      </p:sp>
-      <p:sp>
-        <p:nvSpPr>
-          <p:cNvPr id="3" name="Content Placeholder 2">
-            <a:extLst>
-              <a:ext uri="{FF2B5EF4-FFF2-40B4-BE49-F238E27FC236}">
-                <a16:creationId xmlns:a16="http://schemas.microsoft.com/office/drawing/2014/main" id="{E9F968A6-CC31-4AE6-83F3-85021744E177}"/>
-              </a:ext>
-            </a:extLst>
-          </p:cNvPr>
-          <p:cNvSpPr>
-            <a:spLocks noGrp="1"/>
-          </p:cNvSpPr>
-          <p:nvPr>
-            <p:ph idx="1"/>
-          </p:nvPr>
-        </p:nvSpPr>
-        <p:spPr>
-          <a:xfrm>
-            <a:off x="838200" y="1500160"/>
-            <a:ext cx="10515600" cy="4351338"/>
-          </a:xfrm>
-        </p:spPr>
-        <p:txBody>
-          <a:bodyPr>
-            <a:normAutofit/>
-          </a:bodyPr>
-          <a:lstStyle/>
-          <a:p>
-            <a:r>
-              <a:rPr lang="en-US" dirty="0"/>
-              <a:t>Qualities that reflect the evolution of the system</a:t>
-            </a:r>
-          </a:p>
-          <a:p>
-            <a:pPr lvl="1"/>
-            <a:r>
-              <a:rPr lang="en-US" dirty="0"/>
-              <a:t>Testability</a:t>
-            </a:r>
-          </a:p>
-          <a:p>
-            <a:pPr lvl="1"/>
-            <a:r>
-              <a:rPr lang="en-US" dirty="0"/>
-              <a:t>Maintainability</a:t>
-            </a:r>
-          </a:p>
-          <a:p>
-            <a:pPr lvl="1"/>
-            <a:r>
-              <a:rPr lang="en-US" dirty="0"/>
-              <a:t>Extensibility</a:t>
-            </a:r>
-          </a:p>
-          <a:p>
-            <a:pPr lvl="1"/>
-            <a:r>
-              <a:rPr lang="en-US" dirty="0"/>
-              <a:t>Scalability</a:t>
+              <a:t>Non-Functional Requirements capture the </a:t>
+            </a:r>
+            <a:r>
+              <a:rPr lang="en-US" i="1" dirty="0">
+                <a:solidFill>
+                  <a:srgbClr val="FF0000"/>
+                </a:solidFill>
+              </a:rPr>
+              <a:t>quality goals </a:t>
+            </a:r>
+            <a:r>
+              <a:rPr lang="en-US" dirty="0"/>
+              <a:t>of the system:</a:t>
             </a:r>
           </a:p>
         </p:txBody>
@@ -19987,10 +21209,92 @@
           </a:p>
         </p:txBody>
       </p:sp>
+      <p:sp>
+        <p:nvSpPr>
+          <p:cNvPr id="9" name="Content Placeholder 2">
+            <a:extLst>
+              <a:ext uri="{FF2B5EF4-FFF2-40B4-BE49-F238E27FC236}">
+                <a16:creationId xmlns:a16="http://schemas.microsoft.com/office/drawing/2014/main" id="{154B344C-9133-E9C8-0056-74943F854D75}"/>
+              </a:ext>
+            </a:extLst>
+          </p:cNvPr>
+          <p:cNvSpPr>
+            <a:spLocks noGrp="1"/>
+          </p:cNvSpPr>
+          <p:nvPr>
+            <p:ph idx="1"/>
+          </p:nvPr>
+        </p:nvSpPr>
+        <p:spPr>
+          <a:xfrm>
+            <a:off x="838200" y="1500188"/>
+            <a:ext cx="9521142" cy="4351337"/>
+          </a:xfrm>
+        </p:spPr>
+        <p:txBody>
+          <a:bodyPr>
+            <a:normAutofit lnSpcReduction="10000"/>
+          </a:bodyPr>
+          <a:lstStyle/>
+          <a:p>
+            <a:r>
+              <a:rPr lang="en-US" dirty="0"/>
+              <a:t>As developers, we often spend most of our time and effort on features (i.e., functional requirements).</a:t>
+            </a:r>
+          </a:p>
+          <a:p>
+            <a:r>
+              <a:rPr lang="en-US" dirty="0"/>
+              <a:t>But there is more ….</a:t>
+            </a:r>
+          </a:p>
+          <a:p>
+            <a:r>
+              <a:rPr lang="en-US" dirty="0"/>
+              <a:t>What other properties might a customer want to know about the product?</a:t>
+            </a:r>
+          </a:p>
+          <a:p>
+            <a:pPr lvl="1"/>
+            <a:r>
+              <a:rPr lang="en-US" dirty="0"/>
+              <a:t>How quickly can a transcript be retrieval? (Performance)</a:t>
+            </a:r>
+          </a:p>
+          <a:p>
+            <a:pPr lvl="1"/>
+            <a:r>
+              <a:rPr lang="en-US" dirty="0"/>
+              <a:t>How many student transcripts can our system store? (Scalability)</a:t>
+            </a:r>
+          </a:p>
+          <a:p>
+            <a:pPr lvl="1"/>
+            <a:r>
+              <a:rPr lang="en-US" dirty="0"/>
+              <a:t>How long did I spend on the phone with support to set up the software? (Usability)</a:t>
+            </a:r>
+          </a:p>
+          <a:p>
+            <a:pPr lvl="1"/>
+            <a:r>
+              <a:rPr lang="en-US" dirty="0"/>
+              <a:t>After my system is setup, is the access controlled at all? (Security)</a:t>
+            </a:r>
+          </a:p>
+          <a:p>
+            <a:pPr lvl="1"/>
+            <a:r>
+              <a:rPr lang="en-US" dirty="0"/>
+              <a:t>Are these any times when I can’t use this system? (Availability) </a:t>
+            </a:r>
+          </a:p>
+        </p:txBody>
+      </p:sp>
     </p:spTree>
     <p:extLst>
       <p:ext uri="{BB962C8B-B14F-4D97-AF65-F5344CB8AC3E}">
-        <p14:creationId xmlns:p14="http://schemas.microsoft.com/office/powerpoint/2010/main" val="667178669"/>
+        <p14:creationId xmlns:p14="http://schemas.microsoft.com/office/powerpoint/2010/main" val="1813985170"/>
       </p:ext>
     </p:extLst>
   </p:cSld>
@@ -20022,6 +21326,452 @@
           <p:cNvPr id="2" name="Title 1">
             <a:extLst>
               <a:ext uri="{FF2B5EF4-FFF2-40B4-BE49-F238E27FC236}">
+                <a16:creationId xmlns:a16="http://schemas.microsoft.com/office/drawing/2014/main" id="{C63D8C0E-1574-BBF6-88B1-AB9FF3A0FFAA}"/>
+              </a:ext>
+            </a:extLst>
+          </p:cNvPr>
+          <p:cNvSpPr>
+            <a:spLocks noGrp="1"/>
+          </p:cNvSpPr>
+          <p:nvPr>
+            <p:ph type="title"/>
+          </p:nvPr>
+        </p:nvSpPr>
+        <p:spPr/>
+        <p:txBody>
+          <a:bodyPr/>
+          <a:lstStyle/>
+          <a:p>
+            <a:r>
+              <a:rPr lang="en-US" dirty="0"/>
+              <a:t>Example:</a:t>
+            </a:r>
+          </a:p>
+        </p:txBody>
+      </p:sp>
+      <p:sp>
+        <p:nvSpPr>
+          <p:cNvPr id="3" name="Content Placeholder 2">
+            <a:extLst>
+              <a:ext uri="{FF2B5EF4-FFF2-40B4-BE49-F238E27FC236}">
+                <a16:creationId xmlns:a16="http://schemas.microsoft.com/office/drawing/2014/main" id="{009A0602-C0AF-1851-FCAF-0C6C5D5BAE34}"/>
+              </a:ext>
+            </a:extLst>
+          </p:cNvPr>
+          <p:cNvSpPr>
+            <a:spLocks noGrp="1"/>
+          </p:cNvSpPr>
+          <p:nvPr>
+            <p:ph idx="1"/>
+          </p:nvPr>
+        </p:nvSpPr>
+        <p:spPr/>
+        <p:txBody>
+          <a:bodyPr/>
+          <a:lstStyle/>
+          <a:p>
+            <a:r>
+              <a:rPr lang="en-US" dirty="0"/>
+              <a:t>“With a 4-core server and 16 GB RAM, the system should be able to service at least 200 simultaneous clients with less than 300ms latency”</a:t>
+            </a:r>
+          </a:p>
+          <a:p>
+            <a:endParaRPr lang="en-US" dirty="0"/>
+          </a:p>
+        </p:txBody>
+      </p:sp>
+      <p:sp>
+        <p:nvSpPr>
+          <p:cNvPr id="4" name="Slide Number Placeholder 3">
+            <a:extLst>
+              <a:ext uri="{FF2B5EF4-FFF2-40B4-BE49-F238E27FC236}">
+                <a16:creationId xmlns:a16="http://schemas.microsoft.com/office/drawing/2014/main" id="{8A3071A0-45E5-16FD-D5DF-6FC0E1B1672F}"/>
+              </a:ext>
+            </a:extLst>
+          </p:cNvPr>
+          <p:cNvSpPr>
+            <a:spLocks noGrp="1"/>
+          </p:cNvSpPr>
+          <p:nvPr>
+            <p:ph type="sldNum" sz="quarter" idx="12"/>
+          </p:nvPr>
+        </p:nvSpPr>
+        <p:spPr/>
+        <p:txBody>
+          <a:bodyPr/>
+          <a:lstStyle/>
+          <a:p>
+            <a:fld id="{20F37917-FD3A-4669-9018-DA04BCDD3D75}" type="slidenum">
+              <a:rPr lang="en-US" smtClean="0"/>
+              <a:t>31</a:t>
+            </a:fld>
+            <a:endParaRPr lang="en-US" dirty="0"/>
+          </a:p>
+        </p:txBody>
+      </p:sp>
+    </p:spTree>
+    <p:extLst>
+      <p:ext uri="{BB962C8B-B14F-4D97-AF65-F5344CB8AC3E}">
+        <p14:creationId xmlns:p14="http://schemas.microsoft.com/office/powerpoint/2010/main" val="1645572920"/>
+      </p:ext>
+    </p:extLst>
+  </p:cSld>
+  <p:clrMapOvr>
+    <a:masterClrMapping/>
+  </p:clrMapOvr>
+</p:sld>
+</file>
+
+<file path=ppt/slides/slide32.xml><?xml version="1.0" encoding="utf-8"?>
+<p:sld xmlns:a="http://schemas.openxmlformats.org/drawingml/2006/main" xmlns:r="http://schemas.openxmlformats.org/officeDocument/2006/relationships" xmlns:p="http://schemas.openxmlformats.org/presentationml/2006/main">
+  <p:cSld>
+    <p:spTree>
+      <p:nvGrpSpPr>
+        <p:cNvPr id="1" name=""/>
+        <p:cNvGrpSpPr/>
+        <p:nvPr/>
+      </p:nvGrpSpPr>
+      <p:grpSpPr>
+        <a:xfrm>
+          <a:off x="0" y="0"/>
+          <a:ext cx="0" cy="0"/>
+          <a:chOff x="0" y="0"/>
+          <a:chExt cx="0" cy="0"/>
+        </a:xfrm>
+      </p:grpSpPr>
+      <p:sp>
+        <p:nvSpPr>
+          <p:cNvPr id="2" name="Title 1">
+            <a:extLst>
+              <a:ext uri="{FF2B5EF4-FFF2-40B4-BE49-F238E27FC236}">
+                <a16:creationId xmlns:a16="http://schemas.microsoft.com/office/drawing/2014/main" id="{16F86D58-152F-496B-BA81-FDA5B100832A}"/>
+              </a:ext>
+            </a:extLst>
+          </p:cNvPr>
+          <p:cNvSpPr>
+            <a:spLocks noGrp="1"/>
+          </p:cNvSpPr>
+          <p:nvPr>
+            <p:ph type="title"/>
+          </p:nvPr>
+        </p:nvSpPr>
+        <p:spPr/>
+        <p:txBody>
+          <a:bodyPr>
+            <a:normAutofit/>
+          </a:bodyPr>
+          <a:lstStyle/>
+          <a:p>
+            <a:r>
+              <a:rPr lang="en-US" sz="3600" dirty="0"/>
+              <a:t>Other non-functional requirements</a:t>
+            </a:r>
+          </a:p>
+        </p:txBody>
+      </p:sp>
+      <p:sp>
+        <p:nvSpPr>
+          <p:cNvPr id="3" name="Content Placeholder 2">
+            <a:extLst>
+              <a:ext uri="{FF2B5EF4-FFF2-40B4-BE49-F238E27FC236}">
+                <a16:creationId xmlns:a16="http://schemas.microsoft.com/office/drawing/2014/main" id="{E9F968A6-CC31-4AE6-83F3-85021744E177}"/>
+              </a:ext>
+            </a:extLst>
+          </p:cNvPr>
+          <p:cNvSpPr>
+            <a:spLocks noGrp="1"/>
+          </p:cNvSpPr>
+          <p:nvPr>
+            <p:ph sz="half" idx="1"/>
+          </p:nvPr>
+        </p:nvSpPr>
+        <p:spPr>
+          <a:xfrm>
+            <a:off x="838200" y="1825625"/>
+            <a:ext cx="3149009" cy="4351338"/>
+          </a:xfrm>
+        </p:spPr>
+        <p:txBody>
+          <a:bodyPr>
+            <a:normAutofit fontScale="92500" lnSpcReduction="20000"/>
+          </a:bodyPr>
+          <a:lstStyle/>
+          <a:p>
+            <a:r>
+              <a:rPr lang="en-US" dirty="0"/>
+              <a:t>Accessibility</a:t>
+            </a:r>
+          </a:p>
+          <a:p>
+            <a:r>
+              <a:rPr lang="en-US" dirty="0"/>
+              <a:t>Availability</a:t>
+            </a:r>
+          </a:p>
+          <a:p>
+            <a:r>
+              <a:rPr lang="en-US" dirty="0"/>
+              <a:t>Capacity</a:t>
+            </a:r>
+          </a:p>
+          <a:p>
+            <a:r>
+              <a:rPr lang="en-US" dirty="0"/>
+              <a:t>Efficiency</a:t>
+            </a:r>
+          </a:p>
+          <a:p>
+            <a:r>
+              <a:rPr lang="en-US" dirty="0"/>
+              <a:t>Performance</a:t>
+            </a:r>
+          </a:p>
+          <a:p>
+            <a:r>
+              <a:rPr lang="en-US" dirty="0"/>
+              <a:t>Privacy</a:t>
+            </a:r>
+          </a:p>
+          <a:p>
+            <a:r>
+              <a:rPr lang="en-US" dirty="0"/>
+              <a:t>Response Time</a:t>
+            </a:r>
+          </a:p>
+          <a:p>
+            <a:r>
+              <a:rPr lang="en-US" dirty="0"/>
+              <a:t>Security</a:t>
+            </a:r>
+          </a:p>
+          <a:p>
+            <a:r>
+              <a:rPr lang="en-US" dirty="0"/>
+              <a:t>Supportability</a:t>
+            </a:r>
+          </a:p>
+          <a:p>
+            <a:r>
+              <a:rPr lang="en-US" dirty="0"/>
+              <a:t>Usability</a:t>
+            </a:r>
+          </a:p>
+        </p:txBody>
+      </p:sp>
+      <p:sp>
+        <p:nvSpPr>
+          <p:cNvPr id="4" name="Slide Number Placeholder 3">
+            <a:extLst>
+              <a:ext uri="{FF2B5EF4-FFF2-40B4-BE49-F238E27FC236}">
+                <a16:creationId xmlns:a16="http://schemas.microsoft.com/office/drawing/2014/main" id="{C7C3DEB3-F948-4B7E-8BDA-FB7ABCF7A993}"/>
+              </a:ext>
+            </a:extLst>
+          </p:cNvPr>
+          <p:cNvSpPr>
+            <a:spLocks noGrp="1"/>
+          </p:cNvSpPr>
+          <p:nvPr>
+            <p:ph type="sldNum" sz="quarter" idx="12"/>
+          </p:nvPr>
+        </p:nvSpPr>
+        <p:spPr/>
+        <p:txBody>
+          <a:bodyPr/>
+          <a:lstStyle/>
+          <a:p>
+            <a:fld id="{20F37917-FD3A-4669-9018-DA04BCDD3D75}" type="slidenum">
+              <a:rPr lang="en-US" smtClean="0"/>
+              <a:t>32</a:t>
+            </a:fld>
+            <a:endParaRPr lang="en-US" dirty="0"/>
+          </a:p>
+        </p:txBody>
+      </p:sp>
+    </p:spTree>
+    <p:extLst>
+      <p:ext uri="{BB962C8B-B14F-4D97-AF65-F5344CB8AC3E}">
+        <p14:creationId xmlns:p14="http://schemas.microsoft.com/office/powerpoint/2010/main" val="2709284930"/>
+      </p:ext>
+    </p:extLst>
+  </p:cSld>
+  <p:clrMapOvr>
+    <a:masterClrMapping/>
+  </p:clrMapOvr>
+</p:sld>
+</file>
+
+<file path=ppt/slides/slide33.xml><?xml version="1.0" encoding="utf-8"?>
+<p:sld xmlns:a="http://schemas.openxmlformats.org/drawingml/2006/main" xmlns:r="http://schemas.openxmlformats.org/officeDocument/2006/relationships" xmlns:p="http://schemas.openxmlformats.org/presentationml/2006/main">
+  <p:cSld>
+    <p:spTree>
+      <p:nvGrpSpPr>
+        <p:cNvPr id="1" name=""/>
+        <p:cNvGrpSpPr/>
+        <p:nvPr/>
+      </p:nvGrpSpPr>
+      <p:grpSpPr>
+        <a:xfrm>
+          <a:off x="0" y="0"/>
+          <a:ext cx="0" cy="0"/>
+          <a:chOff x="0" y="0"/>
+          <a:chExt cx="0" cy="0"/>
+        </a:xfrm>
+      </p:grpSpPr>
+      <p:sp>
+        <p:nvSpPr>
+          <p:cNvPr id="2" name="Title 1">
+            <a:extLst>
+              <a:ext uri="{FF2B5EF4-FFF2-40B4-BE49-F238E27FC236}">
+                <a16:creationId xmlns:a16="http://schemas.microsoft.com/office/drawing/2014/main" id="{16F86D58-152F-496B-BA81-FDA5B100832A}"/>
+              </a:ext>
+            </a:extLst>
+          </p:cNvPr>
+          <p:cNvSpPr>
+            <a:spLocks noGrp="1"/>
+          </p:cNvSpPr>
+          <p:nvPr>
+            <p:ph type="title"/>
+          </p:nvPr>
+        </p:nvSpPr>
+        <p:spPr/>
+        <p:txBody>
+          <a:bodyPr/>
+          <a:lstStyle/>
+          <a:p>
+            <a:r>
+              <a:rPr lang="en-US" dirty="0"/>
+              <a:t>Still more non-functional requirements</a:t>
+            </a:r>
+          </a:p>
+        </p:txBody>
+      </p:sp>
+      <p:sp>
+        <p:nvSpPr>
+          <p:cNvPr id="3" name="Content Placeholder 2">
+            <a:extLst>
+              <a:ext uri="{FF2B5EF4-FFF2-40B4-BE49-F238E27FC236}">
+                <a16:creationId xmlns:a16="http://schemas.microsoft.com/office/drawing/2014/main" id="{E9F968A6-CC31-4AE6-83F3-85021744E177}"/>
+              </a:ext>
+            </a:extLst>
+          </p:cNvPr>
+          <p:cNvSpPr>
+            <a:spLocks noGrp="1"/>
+          </p:cNvSpPr>
+          <p:nvPr>
+            <p:ph idx="1"/>
+          </p:nvPr>
+        </p:nvSpPr>
+        <p:spPr>
+          <a:xfrm>
+            <a:off x="838200" y="1500160"/>
+            <a:ext cx="10515600" cy="4351338"/>
+          </a:xfrm>
+        </p:spPr>
+        <p:txBody>
+          <a:bodyPr>
+            <a:normAutofit/>
+          </a:bodyPr>
+          <a:lstStyle/>
+          <a:p>
+            <a:r>
+              <a:rPr lang="en-US" dirty="0"/>
+              <a:t>Qualities that reflect the evolution of the system</a:t>
+            </a:r>
+          </a:p>
+          <a:p>
+            <a:pPr lvl="1"/>
+            <a:r>
+              <a:rPr lang="en-US" dirty="0"/>
+              <a:t>Testability</a:t>
+            </a:r>
+          </a:p>
+          <a:p>
+            <a:pPr lvl="1"/>
+            <a:r>
+              <a:rPr lang="en-US" dirty="0"/>
+              <a:t>Maintainability</a:t>
+            </a:r>
+          </a:p>
+          <a:p>
+            <a:pPr lvl="1"/>
+            <a:r>
+              <a:rPr lang="en-US" dirty="0"/>
+              <a:t>Extensibility</a:t>
+            </a:r>
+          </a:p>
+          <a:p>
+            <a:pPr lvl="1"/>
+            <a:r>
+              <a:rPr lang="en-US" dirty="0"/>
+              <a:t>Scalability</a:t>
+            </a:r>
+          </a:p>
+        </p:txBody>
+      </p:sp>
+      <p:sp>
+        <p:nvSpPr>
+          <p:cNvPr id="4" name="Slide Number Placeholder 3">
+            <a:extLst>
+              <a:ext uri="{FF2B5EF4-FFF2-40B4-BE49-F238E27FC236}">
+                <a16:creationId xmlns:a16="http://schemas.microsoft.com/office/drawing/2014/main" id="{C7C3DEB3-F948-4B7E-8BDA-FB7ABCF7A993}"/>
+              </a:ext>
+            </a:extLst>
+          </p:cNvPr>
+          <p:cNvSpPr>
+            <a:spLocks noGrp="1"/>
+          </p:cNvSpPr>
+          <p:nvPr>
+            <p:ph type="sldNum" sz="quarter" idx="12"/>
+          </p:nvPr>
+        </p:nvSpPr>
+        <p:spPr/>
+        <p:txBody>
+          <a:bodyPr/>
+          <a:lstStyle/>
+          <a:p>
+            <a:fld id="{20F37917-FD3A-4669-9018-DA04BCDD3D75}" type="slidenum">
+              <a:rPr lang="en-US" smtClean="0"/>
+              <a:t>33</a:t>
+            </a:fld>
+            <a:endParaRPr lang="en-US" dirty="0"/>
+          </a:p>
+        </p:txBody>
+      </p:sp>
+    </p:spTree>
+    <p:extLst>
+      <p:ext uri="{BB962C8B-B14F-4D97-AF65-F5344CB8AC3E}">
+        <p14:creationId xmlns:p14="http://schemas.microsoft.com/office/powerpoint/2010/main" val="667178669"/>
+      </p:ext>
+    </p:extLst>
+  </p:cSld>
+  <p:clrMapOvr>
+    <a:masterClrMapping/>
+  </p:clrMapOvr>
+</p:sld>
+</file>
+
+<file path=ppt/slides/slide34.xml><?xml version="1.0" encoding="utf-8"?>
+<p:sld xmlns:a="http://schemas.openxmlformats.org/drawingml/2006/main" xmlns:r="http://schemas.openxmlformats.org/officeDocument/2006/relationships" xmlns:p="http://schemas.openxmlformats.org/presentationml/2006/main">
+  <p:cSld>
+    <p:spTree>
+      <p:nvGrpSpPr>
+        <p:cNvPr id="1" name=""/>
+        <p:cNvGrpSpPr/>
+        <p:nvPr/>
+      </p:nvGrpSpPr>
+      <p:grpSpPr>
+        <a:xfrm>
+          <a:off x="0" y="0"/>
+          <a:ext cx="0" cy="0"/>
+          <a:chOff x="0" y="0"/>
+          <a:chExt cx="0" cy="0"/>
+        </a:xfrm>
+      </p:grpSpPr>
+      <p:sp>
+        <p:nvSpPr>
+          <p:cNvPr id="2" name="Title 1">
+            <a:extLst>
+              <a:ext uri="{FF2B5EF4-FFF2-40B4-BE49-F238E27FC236}">
                 <a16:creationId xmlns:a16="http://schemas.microsoft.com/office/drawing/2014/main" id="{F23E412C-C21C-9A47-9132-9BC666325FD4}"/>
               </a:ext>
             </a:extLst>
@@ -20133,7 +21883,7 @@
           <a:p>
             <a:fld id="{20F37917-FD3A-4669-9018-DA04BCDD3D75}" type="slidenum">
               <a:rPr lang="en-US" smtClean="0"/>
-              <a:t>31</a:t>
+              <a:t>34</a:t>
             </a:fld>
             <a:endParaRPr lang="en-US" dirty="0"/>
           </a:p>
@@ -20214,8 +21964,8 @@
 </p:sld>
 </file>
 
-<file path=ppt/slides/slide32.xml><?xml version="1.0" encoding="utf-8"?>
-<p:sld xmlns:a="http://schemas.openxmlformats.org/drawingml/2006/main" xmlns:r="http://schemas.openxmlformats.org/officeDocument/2006/relationships" xmlns:p="http://schemas.openxmlformats.org/presentationml/2006/main">
+<file path=ppt/slides/slide35.xml><?xml version="1.0" encoding="utf-8"?>
+<p:sld xmlns:a="http://schemas.openxmlformats.org/drawingml/2006/main" xmlns:r="http://schemas.openxmlformats.org/officeDocument/2006/relationships" xmlns:p="http://schemas.openxmlformats.org/presentationml/2006/main" show="0">
   <p:cSld>
     <p:spTree>
       <p:nvGrpSpPr>
@@ -20360,7 +22110,7 @@
           <a:p>
             <a:fld id="{20F37917-FD3A-4669-9018-DA04BCDD3D75}" type="slidenum">
               <a:rPr lang="en-US" smtClean="0"/>
-              <a:t>32</a:t>
+              <a:t>35</a:t>
             </a:fld>
             <a:endParaRPr lang="en-US"/>
           </a:p>
@@ -20379,8 +22129,8 @@
 </p:sld>
 </file>
 
-<file path=ppt/slides/slide33.xml><?xml version="1.0" encoding="utf-8"?>
-<p:sld xmlns:a="http://schemas.openxmlformats.org/drawingml/2006/main" xmlns:r="http://schemas.openxmlformats.org/officeDocument/2006/relationships" xmlns:p="http://schemas.openxmlformats.org/presentationml/2006/main">
+<file path=ppt/slides/slide36.xml><?xml version="1.0" encoding="utf-8"?>
+<p:sld xmlns:a="http://schemas.openxmlformats.org/drawingml/2006/main" xmlns:r="http://schemas.openxmlformats.org/officeDocument/2006/relationships" xmlns:p="http://schemas.openxmlformats.org/presentationml/2006/main" show="0">
   <p:cSld>
     <p:spTree>
       <p:nvGrpSpPr>
@@ -20585,7 +22335,7 @@
           <a:p>
             <a:fld id="{20F37917-FD3A-4669-9018-DA04BCDD3D75}" type="slidenum">
               <a:rPr lang="en-US" smtClean="0"/>
-              <a:t>33</a:t>
+              <a:t>36</a:t>
             </a:fld>
             <a:endParaRPr lang="en-US"/>
           </a:p>
@@ -20857,8 +22607,8 @@
 </p:sld>
 </file>
 
-<file path=ppt/slides/slide34.xml><?xml version="1.0" encoding="utf-8"?>
-<p:sld xmlns:a="http://schemas.openxmlformats.org/drawingml/2006/main" xmlns:r="http://schemas.openxmlformats.org/officeDocument/2006/relationships" xmlns:p="http://schemas.openxmlformats.org/presentationml/2006/main">
+<file path=ppt/slides/slide37.xml><?xml version="1.0" encoding="utf-8"?>
+<p:sld xmlns:a="http://schemas.openxmlformats.org/drawingml/2006/main" xmlns:r="http://schemas.openxmlformats.org/officeDocument/2006/relationships" xmlns:p="http://schemas.openxmlformats.org/presentationml/2006/main" show="0">
   <p:cSld>
     <p:spTree>
       <p:nvGrpSpPr>
@@ -21048,7 +22798,7 @@
           <a:p>
             <a:fld id="{20F37917-FD3A-4669-9018-DA04BCDD3D75}" type="slidenum">
               <a:rPr lang="en-US" smtClean="0"/>
-              <a:t>34</a:t>
+              <a:t>37</a:t>
             </a:fld>
             <a:endParaRPr lang="en-US"/>
           </a:p>
@@ -21552,8 +23302,8 @@
 </p:sld>
 </file>
 
-<file path=ppt/slides/slide35.xml><?xml version="1.0" encoding="utf-8"?>
-<p:sld xmlns:a="http://schemas.openxmlformats.org/drawingml/2006/main" xmlns:r="http://schemas.openxmlformats.org/officeDocument/2006/relationships" xmlns:p="http://schemas.openxmlformats.org/presentationml/2006/main">
+<file path=ppt/slides/slide38.xml><?xml version="1.0" encoding="utf-8"?>
+<p:sld xmlns:a="http://schemas.openxmlformats.org/drawingml/2006/main" xmlns:r="http://schemas.openxmlformats.org/officeDocument/2006/relationships" xmlns:p="http://schemas.openxmlformats.org/presentationml/2006/main" show="0">
   <p:cSld>
     <p:spTree>
       <p:nvGrpSpPr>
@@ -21620,7 +23370,7 @@
           <a:p>
             <a:fld id="{20F37917-FD3A-4669-9018-DA04BCDD3D75}" type="slidenum">
               <a:rPr lang="en-US" smtClean="0"/>
-              <a:t>35</a:t>
+              <a:t>38</a:t>
             </a:fld>
             <a:endParaRPr lang="en-US"/>
           </a:p>
@@ -22141,8 +23891,8 @@
 </p:sld>
 </file>
 
-<file path=ppt/slides/slide36.xml><?xml version="1.0" encoding="utf-8"?>
-<p:sld xmlns:a="http://schemas.openxmlformats.org/drawingml/2006/main" xmlns:r="http://schemas.openxmlformats.org/officeDocument/2006/relationships" xmlns:p="http://schemas.openxmlformats.org/presentationml/2006/main">
+<file path=ppt/slides/slide39.xml><?xml version="1.0" encoding="utf-8"?>
+<p:sld xmlns:a="http://schemas.openxmlformats.org/drawingml/2006/main" xmlns:r="http://schemas.openxmlformats.org/officeDocument/2006/relationships" xmlns:p="http://schemas.openxmlformats.org/presentationml/2006/main" show="0">
   <p:cSld>
     <p:spTree>
       <p:nvGrpSpPr>
@@ -22209,7 +23959,7 @@
           <a:p>
             <a:fld id="{20F37917-FD3A-4669-9018-DA04BCDD3D75}" type="slidenum">
               <a:rPr lang="en-US" smtClean="0"/>
-              <a:t>36</a:t>
+              <a:t>39</a:t>
             </a:fld>
             <a:endParaRPr lang="en-US"/>
           </a:p>
@@ -22772,557 +24522,6 @@
 </p:sld>
 </file>
 
-<file path=ppt/slides/slide37.xml><?xml version="1.0" encoding="utf-8"?>
-<p:sld xmlns:a="http://schemas.openxmlformats.org/drawingml/2006/main" xmlns:r="http://schemas.openxmlformats.org/officeDocument/2006/relationships" xmlns:p="http://schemas.openxmlformats.org/presentationml/2006/main">
-  <p:cSld>
-    <p:spTree>
-      <p:nvGrpSpPr>
-        <p:cNvPr id="1" name=""/>
-        <p:cNvGrpSpPr/>
-        <p:nvPr/>
-      </p:nvGrpSpPr>
-      <p:grpSpPr>
-        <a:xfrm>
-          <a:off x="0" y="0"/>
-          <a:ext cx="0" cy="0"/>
-          <a:chOff x="0" y="0"/>
-          <a:chExt cx="0" cy="0"/>
-        </a:xfrm>
-      </p:grpSpPr>
-      <p:sp>
-        <p:nvSpPr>
-          <p:cNvPr id="2" name="Title 1">
-            <a:extLst>
-              <a:ext uri="{FF2B5EF4-FFF2-40B4-BE49-F238E27FC236}">
-                <a16:creationId xmlns:a16="http://schemas.microsoft.com/office/drawing/2014/main" id="{E743D407-5B53-49A7-9907-E801EA7FFD8E}"/>
-              </a:ext>
-            </a:extLst>
-          </p:cNvPr>
-          <p:cNvSpPr>
-            <a:spLocks noGrp="1"/>
-          </p:cNvSpPr>
-          <p:nvPr>
-            <p:ph type="title"/>
-          </p:nvPr>
-        </p:nvSpPr>
-        <p:spPr/>
-        <p:txBody>
-          <a:bodyPr/>
-          <a:lstStyle/>
-          <a:p>
-            <a:r>
-              <a:rPr lang="en-US" dirty="0"/>
-              <a:t>Learning Goals for this Lesson</a:t>
-            </a:r>
-          </a:p>
-        </p:txBody>
-      </p:sp>
-      <p:sp>
-        <p:nvSpPr>
-          <p:cNvPr id="3" name="Content Placeholder 2">
-            <a:extLst>
-              <a:ext uri="{FF2B5EF4-FFF2-40B4-BE49-F238E27FC236}">
-                <a16:creationId xmlns:a16="http://schemas.microsoft.com/office/drawing/2014/main" id="{AC300E2B-BFD0-4090-AFC5-FE82683F997F}"/>
-              </a:ext>
-            </a:extLst>
-          </p:cNvPr>
-          <p:cNvSpPr>
-            <a:spLocks noGrp="1"/>
-          </p:cNvSpPr>
-          <p:nvPr>
-            <p:ph idx="1"/>
-          </p:nvPr>
-        </p:nvSpPr>
-        <p:spPr>
-          <a:xfrm>
-            <a:off x="838199" y="1500160"/>
-            <a:ext cx="10515599" cy="4351338"/>
-          </a:xfrm>
-        </p:spPr>
-        <p:txBody>
-          <a:bodyPr>
-            <a:normAutofit lnSpcReduction="10000"/>
-          </a:bodyPr>
-          <a:lstStyle/>
-          <a:p>
-            <a:r>
-              <a:rPr lang="en-US" dirty="0"/>
-              <a:t>At the end of this lesson, you should be able to</a:t>
-            </a:r>
-          </a:p>
-          <a:p>
-            <a:pPr lvl="1"/>
-            <a:r>
-              <a:rPr lang="en-US" dirty="0"/>
-              <a:t>Appreciate the requirements analysis process. This includes being able to:</a:t>
-            </a:r>
-          </a:p>
-          <a:p>
-            <a:pPr lvl="2"/>
-            <a:r>
-              <a:rPr lang="en-US" dirty="0"/>
-              <a:t>explain the overall purposes of requirements analysis.</a:t>
-            </a:r>
-          </a:p>
-          <a:p>
-            <a:pPr lvl="2"/>
-            <a:r>
-              <a:rPr lang="en-US" dirty="0"/>
-              <a:t>enumerate and explain 3 major dimensions of risk in Requirements Analysis.</a:t>
-            </a:r>
-          </a:p>
-          <a:p>
-            <a:pPr lvl="1"/>
-            <a:r>
-              <a:rPr lang="en-US" dirty="0"/>
-              <a:t>Learn requirements specification tools. This includes being able to:</a:t>
-            </a:r>
-          </a:p>
-          <a:p>
-            <a:pPr lvl="2"/>
-            <a:r>
-              <a:rPr lang="en-US" dirty="0"/>
-              <a:t>document requirements user stories.</a:t>
-            </a:r>
-          </a:p>
-          <a:p>
-            <a:pPr lvl="2"/>
-            <a:r>
-              <a:rPr lang="en-US" dirty="0"/>
-              <a:t>track the completion of requirements using conditions of satisfaction.</a:t>
-            </a:r>
-          </a:p>
-          <a:p>
-            <a:pPr lvl="2"/>
-            <a:r>
-              <a:rPr lang="en-US" dirty="0"/>
-              <a:t>explain the difference between functional and non-functional requirements.</a:t>
-            </a:r>
-          </a:p>
-          <a:p>
-            <a:pPr lvl="1"/>
-            <a:r>
-              <a:rPr lang="en-US" dirty="0"/>
-              <a:t>Understand requirements gathering methods. This includes being able to:</a:t>
-            </a:r>
-          </a:p>
-          <a:p>
-            <a:pPr lvl="2"/>
-            <a:r>
-              <a:rPr lang="en-US" dirty="0"/>
-              <a:t>describe Value Sensitive Design (VSD).</a:t>
-            </a:r>
-          </a:p>
-          <a:p>
-            <a:pPr lvl="2"/>
-            <a:r>
-              <a:rPr lang="en-US" dirty="0"/>
-              <a:t>understand how VSD is applied to reason about requirements.</a:t>
-            </a:r>
-          </a:p>
-          <a:p>
-            <a:pPr lvl="2"/>
-            <a:r>
-              <a:rPr lang="en-US" dirty="0"/>
-              <a:t>integrate VSD with user stories.</a:t>
-            </a:r>
-          </a:p>
-        </p:txBody>
-      </p:sp>
-      <p:sp>
-        <p:nvSpPr>
-          <p:cNvPr id="4" name="Slide Number Placeholder 3">
-            <a:extLst>
-              <a:ext uri="{FF2B5EF4-FFF2-40B4-BE49-F238E27FC236}">
-                <a16:creationId xmlns:a16="http://schemas.microsoft.com/office/drawing/2014/main" id="{B7BF3F82-6F96-41E0-9C15-23CE00076176}"/>
-              </a:ext>
-            </a:extLst>
-          </p:cNvPr>
-          <p:cNvSpPr>
-            <a:spLocks noGrp="1"/>
-          </p:cNvSpPr>
-          <p:nvPr>
-            <p:ph type="sldNum" sz="quarter" idx="12"/>
-          </p:nvPr>
-        </p:nvSpPr>
-        <p:spPr/>
-        <p:txBody>
-          <a:bodyPr/>
-          <a:lstStyle/>
-          <a:p>
-            <a:fld id="{20F37917-FD3A-4669-9018-DA04BCDD3D75}" type="slidenum">
-              <a:rPr lang="en-US" smtClean="0"/>
-              <a:t>37</a:t>
-            </a:fld>
-            <a:endParaRPr lang="en-US" dirty="0"/>
-          </a:p>
-        </p:txBody>
-      </p:sp>
-    </p:spTree>
-    <p:extLst>
-      <p:ext uri="{BB962C8B-B14F-4D97-AF65-F5344CB8AC3E}">
-        <p14:creationId xmlns:p14="http://schemas.microsoft.com/office/powerpoint/2010/main" val="1527510242"/>
-      </p:ext>
-    </p:extLst>
-  </p:cSld>
-  <p:clrMapOvr>
-    <a:masterClrMapping/>
-  </p:clrMapOvr>
-</p:sld>
-</file>
-
-<file path=ppt/slides/slide38.xml><?xml version="1.0" encoding="utf-8"?>
-<p:sld xmlns:a="http://schemas.openxmlformats.org/drawingml/2006/main" xmlns:r="http://schemas.openxmlformats.org/officeDocument/2006/relationships" xmlns:p="http://schemas.openxmlformats.org/presentationml/2006/main" show="0">
-  <p:cSld>
-    <p:spTree>
-      <p:nvGrpSpPr>
-        <p:cNvPr id="1" name=""/>
-        <p:cNvGrpSpPr/>
-        <p:nvPr/>
-      </p:nvGrpSpPr>
-      <p:grpSpPr>
-        <a:xfrm>
-          <a:off x="0" y="0"/>
-          <a:ext cx="0" cy="0"/>
-          <a:chOff x="0" y="0"/>
-          <a:chExt cx="0" cy="0"/>
-        </a:xfrm>
-      </p:grpSpPr>
-      <p:sp>
-        <p:nvSpPr>
-          <p:cNvPr id="2" name="Title 1">
-            <a:extLst>
-              <a:ext uri="{FF2B5EF4-FFF2-40B4-BE49-F238E27FC236}">
-                <a16:creationId xmlns:a16="http://schemas.microsoft.com/office/drawing/2014/main" id="{6D7FE7B3-C6CB-6B03-07B9-822FC3676710}"/>
-              </a:ext>
-            </a:extLst>
-          </p:cNvPr>
-          <p:cNvSpPr>
-            <a:spLocks noGrp="1"/>
-          </p:cNvSpPr>
-          <p:nvPr>
-            <p:ph type="title"/>
-          </p:nvPr>
-        </p:nvSpPr>
-        <p:spPr/>
-        <p:txBody>
-          <a:bodyPr>
-            <a:normAutofit/>
-          </a:bodyPr>
-          <a:lstStyle/>
-          <a:p>
-            <a:r>
-              <a:rPr lang="en-US" dirty="0"/>
-              <a:t>Motivating Example – Informed Consent</a:t>
-            </a:r>
-          </a:p>
-        </p:txBody>
-      </p:sp>
-      <p:sp>
-        <p:nvSpPr>
-          <p:cNvPr id="3" name="Content Placeholder 2">
-            <a:extLst>
-              <a:ext uri="{FF2B5EF4-FFF2-40B4-BE49-F238E27FC236}">
-                <a16:creationId xmlns:a16="http://schemas.microsoft.com/office/drawing/2014/main" id="{B78E0F47-C40D-AF55-04F9-C6043963616F}"/>
-              </a:ext>
-            </a:extLst>
-          </p:cNvPr>
-          <p:cNvSpPr>
-            <a:spLocks noGrp="1"/>
-          </p:cNvSpPr>
-          <p:nvPr>
-            <p:ph idx="1"/>
-          </p:nvPr>
-        </p:nvSpPr>
-        <p:spPr>
-          <a:xfrm>
-            <a:off x="838200" y="1500160"/>
-            <a:ext cx="10400414" cy="4856190"/>
-          </a:xfrm>
-        </p:spPr>
-        <p:txBody>
-          <a:bodyPr>
-            <a:normAutofit lnSpcReduction="10000"/>
-          </a:bodyPr>
-          <a:lstStyle/>
-          <a:p>
-            <a:r>
-              <a:rPr lang="en-US" dirty="0"/>
-              <a:t>Design choices made during developing software (or any technology) often implicate human values!</a:t>
-            </a:r>
-          </a:p>
-          <a:p>
-            <a:r>
-              <a:rPr lang="en-US" dirty="0"/>
-              <a:t>Ignoring values in the requirements and design process is </a:t>
-            </a:r>
-            <a:r>
-              <a:rPr lang="en-US" b="1" dirty="0"/>
-              <a:t>irresponsible</a:t>
-            </a:r>
-            <a:r>
-              <a:rPr lang="en-US" dirty="0"/>
-              <a:t>.</a:t>
-            </a:r>
-          </a:p>
-          <a:p>
-            <a:r>
-              <a:rPr lang="en-US" dirty="0"/>
-              <a:t>A Human Value Example: </a:t>
-            </a:r>
-            <a:r>
-              <a:rPr lang="en-US" b="1" dirty="0"/>
-              <a:t>Informed Consent</a:t>
-            </a:r>
-          </a:p>
-          <a:p>
-            <a:pPr lvl="1"/>
-            <a:r>
-              <a:rPr lang="en-US" dirty="0"/>
-              <a:t>Most websites collect vast amounts of information about users, who have no control over: what information is collected/accessed/used/sold/etc.</a:t>
-            </a:r>
-          </a:p>
-          <a:p>
-            <a:pPr lvl="1"/>
-            <a:r>
-              <a:rPr lang="en-US" dirty="0"/>
-              <a:t>A VSD approach to informed consent would emphasizes </a:t>
-            </a:r>
-            <a:r>
-              <a:rPr lang="en-US" b="1" dirty="0"/>
-              <a:t>transparency, user control and understanding</a:t>
-            </a:r>
-            <a:r>
-              <a:rPr lang="en-US" dirty="0"/>
-              <a:t>.</a:t>
-            </a:r>
-          </a:p>
-          <a:p>
-            <a:pPr lvl="1"/>
-            <a:r>
-              <a:rPr lang="en-US" dirty="0"/>
-              <a:t>Web </a:t>
-            </a:r>
-            <a:r>
-              <a:rPr lang="en-US" i="1" dirty="0"/>
-              <a:t>cookies</a:t>
-            </a:r>
-            <a:r>
-              <a:rPr lang="en-US" dirty="0"/>
-              <a:t> and </a:t>
-            </a:r>
-            <a:r>
-              <a:rPr lang="en-US" i="1" dirty="0"/>
-              <a:t>browser security</a:t>
-            </a:r>
-            <a:r>
-              <a:rPr lang="en-US" dirty="0"/>
-              <a:t> mechanisms represent solutions to implement the principle of informed consent.  </a:t>
-            </a:r>
-          </a:p>
-          <a:p>
-            <a:r>
-              <a:rPr lang="en-US" dirty="0"/>
-              <a:t>To consider human values during design, we need to understand </a:t>
-            </a:r>
-            <a:r>
-              <a:rPr lang="en-US" b="1" i="1" dirty="0"/>
-              <a:t>what</a:t>
-            </a:r>
-            <a:r>
-              <a:rPr lang="en-US" dirty="0"/>
-              <a:t> they means generally and in the specific </a:t>
-            </a:r>
-            <a:r>
-              <a:rPr lang="en-US" b="1" i="1" dirty="0"/>
-              <a:t>context </a:t>
-            </a:r>
-            <a:r>
-              <a:rPr lang="en-US" dirty="0"/>
-              <a:t>of technology</a:t>
-            </a:r>
-          </a:p>
-        </p:txBody>
-      </p:sp>
-      <p:sp>
-        <p:nvSpPr>
-          <p:cNvPr id="4" name="Slide Number Placeholder 3">
-            <a:extLst>
-              <a:ext uri="{FF2B5EF4-FFF2-40B4-BE49-F238E27FC236}">
-                <a16:creationId xmlns:a16="http://schemas.microsoft.com/office/drawing/2014/main" id="{F781C33C-0916-3DED-5FA4-D82F64A35D84}"/>
-              </a:ext>
-            </a:extLst>
-          </p:cNvPr>
-          <p:cNvSpPr>
-            <a:spLocks noGrp="1"/>
-          </p:cNvSpPr>
-          <p:nvPr>
-            <p:ph type="sldNum" sz="quarter" idx="12"/>
-          </p:nvPr>
-        </p:nvSpPr>
-        <p:spPr/>
-        <p:txBody>
-          <a:bodyPr/>
-          <a:lstStyle/>
-          <a:p>
-            <a:fld id="{20F37917-FD3A-4669-9018-DA04BCDD3D75}" type="slidenum">
-              <a:rPr lang="en-US" smtClean="0"/>
-              <a:t>38</a:t>
-            </a:fld>
-            <a:endParaRPr lang="en-US"/>
-          </a:p>
-        </p:txBody>
-      </p:sp>
-    </p:spTree>
-    <p:extLst>
-      <p:ext uri="{BB962C8B-B14F-4D97-AF65-F5344CB8AC3E}">
-        <p14:creationId xmlns:p14="http://schemas.microsoft.com/office/powerpoint/2010/main" val="1106144208"/>
-      </p:ext>
-    </p:extLst>
-  </p:cSld>
-  <p:clrMapOvr>
-    <a:masterClrMapping/>
-  </p:clrMapOvr>
-</p:sld>
-</file>
-
-<file path=ppt/slides/slide39.xml><?xml version="1.0" encoding="utf-8"?>
-<p:sld xmlns:a="http://schemas.openxmlformats.org/drawingml/2006/main" xmlns:r="http://schemas.openxmlformats.org/officeDocument/2006/relationships" xmlns:p="http://schemas.openxmlformats.org/presentationml/2006/main" show="0">
-  <p:cSld>
-    <p:spTree>
-      <p:nvGrpSpPr>
-        <p:cNvPr id="1" name=""/>
-        <p:cNvGrpSpPr/>
-        <p:nvPr/>
-      </p:nvGrpSpPr>
-      <p:grpSpPr>
-        <a:xfrm>
-          <a:off x="0" y="0"/>
-          <a:ext cx="0" cy="0"/>
-          <a:chOff x="0" y="0"/>
-          <a:chExt cx="0" cy="0"/>
-        </a:xfrm>
-      </p:grpSpPr>
-      <p:sp>
-        <p:nvSpPr>
-          <p:cNvPr id="2" name="Title 1">
-            <a:extLst>
-              <a:ext uri="{FF2B5EF4-FFF2-40B4-BE49-F238E27FC236}">
-                <a16:creationId xmlns:a16="http://schemas.microsoft.com/office/drawing/2014/main" id="{6E08092E-8BB8-B48B-3BAB-ABDF1BE728C6}"/>
-              </a:ext>
-            </a:extLst>
-          </p:cNvPr>
-          <p:cNvSpPr>
-            <a:spLocks noGrp="1"/>
-          </p:cNvSpPr>
-          <p:nvPr>
-            <p:ph type="title"/>
-          </p:nvPr>
-        </p:nvSpPr>
-        <p:spPr/>
-        <p:txBody>
-          <a:bodyPr/>
-          <a:lstStyle/>
-          <a:p>
-            <a:r>
-              <a:rPr lang="en-US" dirty="0"/>
-              <a:t>Example: The Reddit Case Study</a:t>
-            </a:r>
-          </a:p>
-        </p:txBody>
-      </p:sp>
-      <p:sp>
-        <p:nvSpPr>
-          <p:cNvPr id="3" name="Content Placeholder 2">
-            <a:extLst>
-              <a:ext uri="{FF2B5EF4-FFF2-40B4-BE49-F238E27FC236}">
-                <a16:creationId xmlns:a16="http://schemas.microsoft.com/office/drawing/2014/main" id="{A1628D1E-4883-1046-9135-0DBD842CD0FD}"/>
-              </a:ext>
-            </a:extLst>
-          </p:cNvPr>
-          <p:cNvSpPr>
-            <a:spLocks noGrp="1"/>
-          </p:cNvSpPr>
-          <p:nvPr>
-            <p:ph idx="1"/>
-          </p:nvPr>
-        </p:nvSpPr>
-        <p:spPr>
-          <a:xfrm>
-            <a:off x="838200" y="1500160"/>
-            <a:ext cx="8848060" cy="4351338"/>
-          </a:xfrm>
-        </p:spPr>
-        <p:txBody>
-          <a:bodyPr/>
-          <a:lstStyle/>
-          <a:p>
-            <a:pPr marL="0" indent="0">
-              <a:buNone/>
-            </a:pPr>
-            <a:r>
-              <a:rPr lang="en-US" dirty="0">
-                <a:solidFill>
-                  <a:srgbClr val="C00000"/>
-                </a:solidFill>
-              </a:rPr>
-              <a:t>A classifier model that will replace the role of humans in the moderating process. This algorithm will classify new posts, determining whether or not they’re appropriate for Reddit. Those that are flagged inappropriate will be removed.</a:t>
-            </a:r>
-          </a:p>
-          <a:p>
-            <a:pPr marL="0" indent="0">
-              <a:buNone/>
-            </a:pPr>
-            <a:endParaRPr lang="en-US" dirty="0">
-              <a:solidFill>
-                <a:srgbClr val="C00000"/>
-              </a:solidFill>
-            </a:endParaRPr>
-          </a:p>
-        </p:txBody>
-      </p:sp>
-      <p:sp>
-        <p:nvSpPr>
-          <p:cNvPr id="4" name="Slide Number Placeholder 3">
-            <a:extLst>
-              <a:ext uri="{FF2B5EF4-FFF2-40B4-BE49-F238E27FC236}">
-                <a16:creationId xmlns:a16="http://schemas.microsoft.com/office/drawing/2014/main" id="{F30CE011-3094-1F2E-34AE-303DC6DE91BB}"/>
-              </a:ext>
-            </a:extLst>
-          </p:cNvPr>
-          <p:cNvSpPr>
-            <a:spLocks noGrp="1"/>
-          </p:cNvSpPr>
-          <p:nvPr>
-            <p:ph type="sldNum" sz="quarter" idx="12"/>
-          </p:nvPr>
-        </p:nvSpPr>
-        <p:spPr/>
-        <p:txBody>
-          <a:bodyPr/>
-          <a:lstStyle/>
-          <a:p>
-            <a:fld id="{20F37917-FD3A-4669-9018-DA04BCDD3D75}" type="slidenum">
-              <a:rPr lang="en-US" smtClean="0"/>
-              <a:t>39</a:t>
-            </a:fld>
-            <a:endParaRPr lang="en-US"/>
-          </a:p>
-        </p:txBody>
-      </p:sp>
-    </p:spTree>
-    <p:extLst>
-      <p:ext uri="{BB962C8B-B14F-4D97-AF65-F5344CB8AC3E}">
-        <p14:creationId xmlns:p14="http://schemas.microsoft.com/office/powerpoint/2010/main" val="3016487885"/>
-      </p:ext>
-    </p:extLst>
-  </p:cSld>
-  <p:clrMapOvr>
-    <a:masterClrMapping/>
-  </p:clrMapOvr>
-</p:sld>
-</file>
-
 <file path=ppt/slides/slide4.xml><?xml version="1.0" encoding="utf-8"?>
 <p:sld xmlns:a="http://schemas.openxmlformats.org/drawingml/2006/main" xmlns:r="http://schemas.openxmlformats.org/officeDocument/2006/relationships" xmlns:p="http://schemas.openxmlformats.org/presentationml/2006/main">
   <p:cSld>
@@ -23579,6 +24778,170 @@
 </file>
 
 <file path=ppt/slides/slide40.xml><?xml version="1.0" encoding="utf-8"?>
+<p:sld xmlns:a="http://schemas.openxmlformats.org/drawingml/2006/main" xmlns:r="http://schemas.openxmlformats.org/officeDocument/2006/relationships" xmlns:p="http://schemas.openxmlformats.org/presentationml/2006/main">
+  <p:cSld>
+    <p:spTree>
+      <p:nvGrpSpPr>
+        <p:cNvPr id="1" name=""/>
+        <p:cNvGrpSpPr/>
+        <p:nvPr/>
+      </p:nvGrpSpPr>
+      <p:grpSpPr>
+        <a:xfrm>
+          <a:off x="0" y="0"/>
+          <a:ext cx="0" cy="0"/>
+          <a:chOff x="0" y="0"/>
+          <a:chExt cx="0" cy="0"/>
+        </a:xfrm>
+      </p:grpSpPr>
+      <p:sp>
+        <p:nvSpPr>
+          <p:cNvPr id="2" name="Title 1">
+            <a:extLst>
+              <a:ext uri="{FF2B5EF4-FFF2-40B4-BE49-F238E27FC236}">
+                <a16:creationId xmlns:a16="http://schemas.microsoft.com/office/drawing/2014/main" id="{E743D407-5B53-49A7-9907-E801EA7FFD8E}"/>
+              </a:ext>
+            </a:extLst>
+          </p:cNvPr>
+          <p:cNvSpPr>
+            <a:spLocks noGrp="1"/>
+          </p:cNvSpPr>
+          <p:nvPr>
+            <p:ph type="title"/>
+          </p:nvPr>
+        </p:nvSpPr>
+        <p:spPr/>
+        <p:txBody>
+          <a:bodyPr/>
+          <a:lstStyle/>
+          <a:p>
+            <a:r>
+              <a:rPr lang="en-US" dirty="0"/>
+              <a:t>Learning Goals for this Lesson</a:t>
+            </a:r>
+          </a:p>
+        </p:txBody>
+      </p:sp>
+      <p:sp>
+        <p:nvSpPr>
+          <p:cNvPr id="3" name="Content Placeholder 2">
+            <a:extLst>
+              <a:ext uri="{FF2B5EF4-FFF2-40B4-BE49-F238E27FC236}">
+                <a16:creationId xmlns:a16="http://schemas.microsoft.com/office/drawing/2014/main" id="{AC300E2B-BFD0-4090-AFC5-FE82683F997F}"/>
+              </a:ext>
+            </a:extLst>
+          </p:cNvPr>
+          <p:cNvSpPr>
+            <a:spLocks noGrp="1"/>
+          </p:cNvSpPr>
+          <p:nvPr>
+            <p:ph idx="1"/>
+          </p:nvPr>
+        </p:nvSpPr>
+        <p:spPr>
+          <a:xfrm>
+            <a:off x="838199" y="1500160"/>
+            <a:ext cx="10515599" cy="4351338"/>
+          </a:xfrm>
+        </p:spPr>
+        <p:txBody>
+          <a:bodyPr>
+            <a:normAutofit/>
+          </a:bodyPr>
+          <a:lstStyle/>
+          <a:p>
+            <a:r>
+              <a:rPr lang="en-US" dirty="0"/>
+              <a:t>At the end of this lesson, you should be able to</a:t>
+            </a:r>
+          </a:p>
+          <a:p>
+            <a:pPr lvl="1"/>
+            <a:r>
+              <a:rPr lang="en-US" dirty="0"/>
+              <a:t>explain the overall purposes of requirements analysis.</a:t>
+            </a:r>
+          </a:p>
+          <a:p>
+            <a:pPr lvl="1"/>
+            <a:r>
+              <a:rPr lang="en-US" dirty="0"/>
+              <a:t>enumerate and explain 3 major dimensions of risk in Requirements Analysis.</a:t>
+            </a:r>
+          </a:p>
+          <a:p>
+            <a:pPr lvl="1"/>
+            <a:r>
+              <a:rPr lang="en-US" dirty="0"/>
+              <a:t>document requirements user stories.</a:t>
+            </a:r>
+          </a:p>
+          <a:p>
+            <a:pPr lvl="1"/>
+            <a:r>
+              <a:rPr lang="en-US" dirty="0"/>
+              <a:t>track the completion of requirements using conditions of satisfaction.</a:t>
+            </a:r>
+          </a:p>
+          <a:p>
+            <a:pPr lvl="1"/>
+            <a:r>
+              <a:rPr lang="en-US" dirty="0"/>
+              <a:t>explain the difference between functional and non-functional requirements.</a:t>
+            </a:r>
+          </a:p>
+          <a:p>
+            <a:pPr lvl="1"/>
+            <a:r>
+              <a:rPr lang="en-US" dirty="0"/>
+              <a:t>Explain how Value Sensitive Design can be used to improve requirement gathering.</a:t>
+            </a:r>
+          </a:p>
+        </p:txBody>
+      </p:sp>
+      <p:sp>
+        <p:nvSpPr>
+          <p:cNvPr id="4" name="Slide Number Placeholder 3">
+            <a:extLst>
+              <a:ext uri="{FF2B5EF4-FFF2-40B4-BE49-F238E27FC236}">
+                <a16:creationId xmlns:a16="http://schemas.microsoft.com/office/drawing/2014/main" id="{B7BF3F82-6F96-41E0-9C15-23CE00076176}"/>
+              </a:ext>
+            </a:extLst>
+          </p:cNvPr>
+          <p:cNvSpPr>
+            <a:spLocks noGrp="1"/>
+          </p:cNvSpPr>
+          <p:nvPr>
+            <p:ph type="sldNum" sz="quarter" idx="12"/>
+          </p:nvPr>
+        </p:nvSpPr>
+        <p:spPr/>
+        <p:txBody>
+          <a:bodyPr/>
+          <a:lstStyle/>
+          <a:p>
+            <a:fld id="{20F37917-FD3A-4669-9018-DA04BCDD3D75}" type="slidenum">
+              <a:rPr lang="en-US" smtClean="0"/>
+              <a:t>40</a:t>
+            </a:fld>
+            <a:endParaRPr lang="en-US" dirty="0"/>
+          </a:p>
+        </p:txBody>
+      </p:sp>
+    </p:spTree>
+    <p:extLst>
+      <p:ext uri="{BB962C8B-B14F-4D97-AF65-F5344CB8AC3E}">
+        <p14:creationId xmlns:p14="http://schemas.microsoft.com/office/powerpoint/2010/main" val="1527510242"/>
+      </p:ext>
+    </p:extLst>
+  </p:cSld>
+  <p:clrMapOvr>
+    <a:masterClrMapping/>
+  </p:clrMapOvr>
+</p:sld>
+</file>
+
+<file path=ppt/slides/slide41.xml><?xml version="1.0" encoding="utf-8"?>
 <p:sld xmlns:a="http://schemas.openxmlformats.org/drawingml/2006/main" xmlns:r="http://schemas.openxmlformats.org/officeDocument/2006/relationships" xmlns:p="http://schemas.openxmlformats.org/presentationml/2006/main" show="0">
   <p:cSld>
     <p:spTree>
@@ -23600,6 +24963,358 @@
           <p:cNvPr id="2" name="Title 1">
             <a:extLst>
               <a:ext uri="{FF2B5EF4-FFF2-40B4-BE49-F238E27FC236}">
+                <a16:creationId xmlns:a16="http://schemas.microsoft.com/office/drawing/2014/main" id="{6D7FE7B3-C6CB-6B03-07B9-822FC3676710}"/>
+              </a:ext>
+            </a:extLst>
+          </p:cNvPr>
+          <p:cNvSpPr>
+            <a:spLocks noGrp="1"/>
+          </p:cNvSpPr>
+          <p:nvPr>
+            <p:ph type="title"/>
+          </p:nvPr>
+        </p:nvSpPr>
+        <p:spPr/>
+        <p:txBody>
+          <a:bodyPr>
+            <a:normAutofit/>
+          </a:bodyPr>
+          <a:lstStyle/>
+          <a:p>
+            <a:r>
+              <a:rPr lang="en-US" dirty="0"/>
+              <a:t>Motivating Example – Informed Consent</a:t>
+            </a:r>
+          </a:p>
+        </p:txBody>
+      </p:sp>
+      <p:sp>
+        <p:nvSpPr>
+          <p:cNvPr id="3" name="Content Placeholder 2">
+            <a:extLst>
+              <a:ext uri="{FF2B5EF4-FFF2-40B4-BE49-F238E27FC236}">
+                <a16:creationId xmlns:a16="http://schemas.microsoft.com/office/drawing/2014/main" id="{B78E0F47-C40D-AF55-04F9-C6043963616F}"/>
+              </a:ext>
+            </a:extLst>
+          </p:cNvPr>
+          <p:cNvSpPr>
+            <a:spLocks noGrp="1"/>
+          </p:cNvSpPr>
+          <p:nvPr>
+            <p:ph idx="1"/>
+          </p:nvPr>
+        </p:nvSpPr>
+        <p:spPr>
+          <a:xfrm>
+            <a:off x="838200" y="1500160"/>
+            <a:ext cx="10400414" cy="4856190"/>
+          </a:xfrm>
+        </p:spPr>
+        <p:txBody>
+          <a:bodyPr>
+            <a:normAutofit lnSpcReduction="10000"/>
+          </a:bodyPr>
+          <a:lstStyle/>
+          <a:p>
+            <a:r>
+              <a:rPr lang="en-US" dirty="0"/>
+              <a:t>Design choices made during developing software (or any technology) often implicate human values!</a:t>
+            </a:r>
+          </a:p>
+          <a:p>
+            <a:r>
+              <a:rPr lang="en-US" dirty="0"/>
+              <a:t>Ignoring values in the requirements and design process is </a:t>
+            </a:r>
+            <a:r>
+              <a:rPr lang="en-US" b="1" dirty="0"/>
+              <a:t>irresponsible</a:t>
+            </a:r>
+            <a:r>
+              <a:rPr lang="en-US" dirty="0"/>
+              <a:t>.</a:t>
+            </a:r>
+          </a:p>
+          <a:p>
+            <a:r>
+              <a:rPr lang="en-US" dirty="0"/>
+              <a:t>A Human Value Example: </a:t>
+            </a:r>
+            <a:r>
+              <a:rPr lang="en-US" b="1" dirty="0"/>
+              <a:t>Informed Consent</a:t>
+            </a:r>
+          </a:p>
+          <a:p>
+            <a:pPr lvl="1"/>
+            <a:r>
+              <a:rPr lang="en-US" dirty="0"/>
+              <a:t>Most websites collect vast amounts of information about users, who have no control over: what information is collected/accessed/used/sold/etc.</a:t>
+            </a:r>
+          </a:p>
+          <a:p>
+            <a:pPr lvl="1"/>
+            <a:r>
+              <a:rPr lang="en-US" dirty="0"/>
+              <a:t>A VSD approach to informed consent would emphasizes </a:t>
+            </a:r>
+            <a:r>
+              <a:rPr lang="en-US" b="1" dirty="0"/>
+              <a:t>transparency, user control and understanding</a:t>
+            </a:r>
+            <a:r>
+              <a:rPr lang="en-US" dirty="0"/>
+              <a:t>.</a:t>
+            </a:r>
+          </a:p>
+          <a:p>
+            <a:pPr lvl="1"/>
+            <a:r>
+              <a:rPr lang="en-US" dirty="0"/>
+              <a:t>Web </a:t>
+            </a:r>
+            <a:r>
+              <a:rPr lang="en-US" i="1" dirty="0"/>
+              <a:t>cookies</a:t>
+            </a:r>
+            <a:r>
+              <a:rPr lang="en-US" dirty="0"/>
+              <a:t> and </a:t>
+            </a:r>
+            <a:r>
+              <a:rPr lang="en-US" i="1" dirty="0"/>
+              <a:t>browser security</a:t>
+            </a:r>
+            <a:r>
+              <a:rPr lang="en-US" dirty="0"/>
+              <a:t> mechanisms represent solutions to implement the principle of informed consent.  </a:t>
+            </a:r>
+          </a:p>
+          <a:p>
+            <a:r>
+              <a:rPr lang="en-US" dirty="0"/>
+              <a:t>To consider human values during design, we need to understand </a:t>
+            </a:r>
+            <a:r>
+              <a:rPr lang="en-US" b="1" i="1" dirty="0"/>
+              <a:t>what</a:t>
+            </a:r>
+            <a:r>
+              <a:rPr lang="en-US" dirty="0"/>
+              <a:t> they means generally and in the specific </a:t>
+            </a:r>
+            <a:r>
+              <a:rPr lang="en-US" b="1" i="1" dirty="0"/>
+              <a:t>context </a:t>
+            </a:r>
+            <a:r>
+              <a:rPr lang="en-US" dirty="0"/>
+              <a:t>of technology</a:t>
+            </a:r>
+          </a:p>
+        </p:txBody>
+      </p:sp>
+      <p:sp>
+        <p:nvSpPr>
+          <p:cNvPr id="4" name="Slide Number Placeholder 3">
+            <a:extLst>
+              <a:ext uri="{FF2B5EF4-FFF2-40B4-BE49-F238E27FC236}">
+                <a16:creationId xmlns:a16="http://schemas.microsoft.com/office/drawing/2014/main" id="{F781C33C-0916-3DED-5FA4-D82F64A35D84}"/>
+              </a:ext>
+            </a:extLst>
+          </p:cNvPr>
+          <p:cNvSpPr>
+            <a:spLocks noGrp="1"/>
+          </p:cNvSpPr>
+          <p:nvPr>
+            <p:ph type="sldNum" sz="quarter" idx="12"/>
+          </p:nvPr>
+        </p:nvSpPr>
+        <p:spPr/>
+        <p:txBody>
+          <a:bodyPr/>
+          <a:lstStyle/>
+          <a:p>
+            <a:fld id="{20F37917-FD3A-4669-9018-DA04BCDD3D75}" type="slidenum">
+              <a:rPr lang="en-US" smtClean="0"/>
+              <a:t>41</a:t>
+            </a:fld>
+            <a:endParaRPr lang="en-US"/>
+          </a:p>
+        </p:txBody>
+      </p:sp>
+    </p:spTree>
+    <p:extLst>
+      <p:ext uri="{BB962C8B-B14F-4D97-AF65-F5344CB8AC3E}">
+        <p14:creationId xmlns:p14="http://schemas.microsoft.com/office/powerpoint/2010/main" val="1106144208"/>
+      </p:ext>
+    </p:extLst>
+  </p:cSld>
+  <p:clrMapOvr>
+    <a:masterClrMapping/>
+  </p:clrMapOvr>
+</p:sld>
+</file>
+
+<file path=ppt/slides/slide42.xml><?xml version="1.0" encoding="utf-8"?>
+<p:sld xmlns:a="http://schemas.openxmlformats.org/drawingml/2006/main" xmlns:r="http://schemas.openxmlformats.org/officeDocument/2006/relationships" xmlns:p="http://schemas.openxmlformats.org/presentationml/2006/main" show="0">
+  <p:cSld>
+    <p:spTree>
+      <p:nvGrpSpPr>
+        <p:cNvPr id="1" name=""/>
+        <p:cNvGrpSpPr/>
+        <p:nvPr/>
+      </p:nvGrpSpPr>
+      <p:grpSpPr>
+        <a:xfrm>
+          <a:off x="0" y="0"/>
+          <a:ext cx="0" cy="0"/>
+          <a:chOff x="0" y="0"/>
+          <a:chExt cx="0" cy="0"/>
+        </a:xfrm>
+      </p:grpSpPr>
+      <p:sp>
+        <p:nvSpPr>
+          <p:cNvPr id="2" name="Title 1">
+            <a:extLst>
+              <a:ext uri="{FF2B5EF4-FFF2-40B4-BE49-F238E27FC236}">
+                <a16:creationId xmlns:a16="http://schemas.microsoft.com/office/drawing/2014/main" id="{6E08092E-8BB8-B48B-3BAB-ABDF1BE728C6}"/>
+              </a:ext>
+            </a:extLst>
+          </p:cNvPr>
+          <p:cNvSpPr>
+            <a:spLocks noGrp="1"/>
+          </p:cNvSpPr>
+          <p:nvPr>
+            <p:ph type="title"/>
+          </p:nvPr>
+        </p:nvSpPr>
+        <p:spPr/>
+        <p:txBody>
+          <a:bodyPr/>
+          <a:lstStyle/>
+          <a:p>
+            <a:r>
+              <a:rPr lang="en-US" dirty="0"/>
+              <a:t>Example: The Reddit Case Study</a:t>
+            </a:r>
+          </a:p>
+        </p:txBody>
+      </p:sp>
+      <p:sp>
+        <p:nvSpPr>
+          <p:cNvPr id="3" name="Content Placeholder 2">
+            <a:extLst>
+              <a:ext uri="{FF2B5EF4-FFF2-40B4-BE49-F238E27FC236}">
+                <a16:creationId xmlns:a16="http://schemas.microsoft.com/office/drawing/2014/main" id="{A1628D1E-4883-1046-9135-0DBD842CD0FD}"/>
+              </a:ext>
+            </a:extLst>
+          </p:cNvPr>
+          <p:cNvSpPr>
+            <a:spLocks noGrp="1"/>
+          </p:cNvSpPr>
+          <p:nvPr>
+            <p:ph idx="1"/>
+          </p:nvPr>
+        </p:nvSpPr>
+        <p:spPr>
+          <a:xfrm>
+            <a:off x="838200" y="1500160"/>
+            <a:ext cx="8848060" cy="4351338"/>
+          </a:xfrm>
+        </p:spPr>
+        <p:txBody>
+          <a:bodyPr/>
+          <a:lstStyle/>
+          <a:p>
+            <a:pPr marL="0" indent="0">
+              <a:buNone/>
+            </a:pPr>
+            <a:r>
+              <a:rPr lang="en-US" dirty="0">
+                <a:solidFill>
+                  <a:srgbClr val="C00000"/>
+                </a:solidFill>
+              </a:rPr>
+              <a:t>A classifier model that will replace the role of humans in the moderating process. This algorithm will classify new posts, determining whether or not they’re appropriate for Reddit. Those that are flagged inappropriate will be removed.</a:t>
+            </a:r>
+          </a:p>
+          <a:p>
+            <a:pPr marL="0" indent="0">
+              <a:buNone/>
+            </a:pPr>
+            <a:endParaRPr lang="en-US" dirty="0">
+              <a:solidFill>
+                <a:srgbClr val="C00000"/>
+              </a:solidFill>
+            </a:endParaRPr>
+          </a:p>
+        </p:txBody>
+      </p:sp>
+      <p:sp>
+        <p:nvSpPr>
+          <p:cNvPr id="4" name="Slide Number Placeholder 3">
+            <a:extLst>
+              <a:ext uri="{FF2B5EF4-FFF2-40B4-BE49-F238E27FC236}">
+                <a16:creationId xmlns:a16="http://schemas.microsoft.com/office/drawing/2014/main" id="{F30CE011-3094-1F2E-34AE-303DC6DE91BB}"/>
+              </a:ext>
+            </a:extLst>
+          </p:cNvPr>
+          <p:cNvSpPr>
+            <a:spLocks noGrp="1"/>
+          </p:cNvSpPr>
+          <p:nvPr>
+            <p:ph type="sldNum" sz="quarter" idx="12"/>
+          </p:nvPr>
+        </p:nvSpPr>
+        <p:spPr/>
+        <p:txBody>
+          <a:bodyPr/>
+          <a:lstStyle/>
+          <a:p>
+            <a:fld id="{20F37917-FD3A-4669-9018-DA04BCDD3D75}" type="slidenum">
+              <a:rPr lang="en-US" smtClean="0"/>
+              <a:t>42</a:t>
+            </a:fld>
+            <a:endParaRPr lang="en-US"/>
+          </a:p>
+        </p:txBody>
+      </p:sp>
+    </p:spTree>
+    <p:extLst>
+      <p:ext uri="{BB962C8B-B14F-4D97-AF65-F5344CB8AC3E}">
+        <p14:creationId xmlns:p14="http://schemas.microsoft.com/office/powerpoint/2010/main" val="3016487885"/>
+      </p:ext>
+    </p:extLst>
+  </p:cSld>
+  <p:clrMapOvr>
+    <a:masterClrMapping/>
+  </p:clrMapOvr>
+</p:sld>
+</file>
+
+<file path=ppt/slides/slide43.xml><?xml version="1.0" encoding="utf-8"?>
+<p:sld xmlns:a="http://schemas.openxmlformats.org/drawingml/2006/main" xmlns:r="http://schemas.openxmlformats.org/officeDocument/2006/relationships" xmlns:p="http://schemas.openxmlformats.org/presentationml/2006/main" show="0">
+  <p:cSld>
+    <p:spTree>
+      <p:nvGrpSpPr>
+        <p:cNvPr id="1" name=""/>
+        <p:cNvGrpSpPr/>
+        <p:nvPr/>
+      </p:nvGrpSpPr>
+      <p:grpSpPr>
+        <a:xfrm>
+          <a:off x="0" y="0"/>
+          <a:ext cx="0" cy="0"/>
+          <a:chOff x="0" y="0"/>
+          <a:chExt cx="0" cy="0"/>
+        </a:xfrm>
+      </p:grpSpPr>
+      <p:sp>
+        <p:nvSpPr>
+          <p:cNvPr id="2" name="Title 1">
+            <a:extLst>
+              <a:ext uri="{FF2B5EF4-FFF2-40B4-BE49-F238E27FC236}">
                 <a16:creationId xmlns:a16="http://schemas.microsoft.com/office/drawing/2014/main" id="{2A38125C-16A4-CB12-F2D2-F6A6C60B5A3A}"/>
               </a:ext>
             </a:extLst>
@@ -23705,7 +25420,7 @@
           <a:p>
             <a:fld id="{20F37917-FD3A-4669-9018-DA04BCDD3D75}" type="slidenum">
               <a:rPr lang="en-US" smtClean="0"/>
-              <a:t>40</a:t>
+              <a:t>43</a:t>
             </a:fld>
             <a:endParaRPr lang="en-US"/>
           </a:p>
@@ -23950,464 +25665,6 @@
 </p:sld>
 </file>
 
-<file path=ppt/slides/slide41.xml><?xml version="1.0" encoding="utf-8"?>
-<p:sld xmlns:a="http://schemas.openxmlformats.org/drawingml/2006/main" xmlns:r="http://schemas.openxmlformats.org/officeDocument/2006/relationships" xmlns:p="http://schemas.openxmlformats.org/presentationml/2006/main" show="0">
-  <p:cSld>
-    <p:spTree>
-      <p:nvGrpSpPr>
-        <p:cNvPr id="1" name=""/>
-        <p:cNvGrpSpPr/>
-        <p:nvPr/>
-      </p:nvGrpSpPr>
-      <p:grpSpPr>
-        <a:xfrm>
-          <a:off x="0" y="0"/>
-          <a:ext cx="0" cy="0"/>
-          <a:chOff x="0" y="0"/>
-          <a:chExt cx="0" cy="0"/>
-        </a:xfrm>
-      </p:grpSpPr>
-      <p:sp>
-        <p:nvSpPr>
-          <p:cNvPr id="2" name="Title 1">
-            <a:extLst>
-              <a:ext uri="{FF2B5EF4-FFF2-40B4-BE49-F238E27FC236}">
-                <a16:creationId xmlns:a16="http://schemas.microsoft.com/office/drawing/2014/main" id="{992300D1-4FCF-7632-A87A-D563CA9E2118}"/>
-              </a:ext>
-            </a:extLst>
-          </p:cNvPr>
-          <p:cNvSpPr>
-            <a:spLocks noGrp="1"/>
-          </p:cNvSpPr>
-          <p:nvPr>
-            <p:ph type="title"/>
-          </p:nvPr>
-        </p:nvSpPr>
-        <p:spPr/>
-        <p:txBody>
-          <a:bodyPr/>
-          <a:lstStyle/>
-          <a:p>
-            <a:r>
-              <a:rPr lang="en-US" dirty="0"/>
-              <a:t>Value Investigation – Who are the Stakeholders? </a:t>
-            </a:r>
-          </a:p>
-        </p:txBody>
-      </p:sp>
-      <p:sp>
-        <p:nvSpPr>
-          <p:cNvPr id="3" name="Content Placeholder 2">
-            <a:extLst>
-              <a:ext uri="{FF2B5EF4-FFF2-40B4-BE49-F238E27FC236}">
-                <a16:creationId xmlns:a16="http://schemas.microsoft.com/office/drawing/2014/main" id="{9A961C99-2CC8-98AA-07DB-8A17C0B9AEF1}"/>
-              </a:ext>
-            </a:extLst>
-          </p:cNvPr>
-          <p:cNvSpPr>
-            <a:spLocks noGrp="1"/>
-          </p:cNvSpPr>
-          <p:nvPr>
-            <p:ph idx="1"/>
-          </p:nvPr>
-        </p:nvSpPr>
-        <p:spPr>
-          <a:xfrm>
-            <a:off x="838199" y="1500160"/>
-            <a:ext cx="10868247" cy="4351338"/>
-          </a:xfrm>
-        </p:spPr>
-        <p:txBody>
-          <a:bodyPr>
-            <a:normAutofit/>
-          </a:bodyPr>
-          <a:lstStyle/>
-          <a:p>
-            <a:pPr marL="514350" indent="-514350">
-              <a:buFont typeface="+mj-lt"/>
-              <a:buAutoNum type="arabicPeriod"/>
-            </a:pPr>
-            <a:r>
-              <a:rPr lang="en-US" dirty="0"/>
-              <a:t>Relative to the issue of content moderation, who or what are the stakeholders? (i.e. individuals or groups whose interests stand to be impacted by this algorithm?)</a:t>
-            </a:r>
-          </a:p>
-          <a:p>
-            <a:pPr marL="514350" indent="-514350">
-              <a:buFont typeface="+mj-lt"/>
-              <a:buAutoNum type="arabicPeriod"/>
-            </a:pPr>
-            <a:r>
-              <a:rPr lang="en-US" dirty="0"/>
-              <a:t>Relative to the issue of content moderation, what are the interests or values of the different stakeholders?</a:t>
-            </a:r>
-          </a:p>
-          <a:p>
-            <a:pPr marL="514350" indent="-514350">
-              <a:buFont typeface="+mj-lt"/>
-              <a:buAutoNum type="arabicPeriod"/>
-            </a:pPr>
-            <a:r>
-              <a:rPr lang="en-US" dirty="0"/>
-              <a:t>Are there any conflicts of interests or values?</a:t>
-            </a:r>
-          </a:p>
-          <a:p>
-            <a:pPr marL="514350" indent="-514350">
-              <a:buFont typeface="+mj-lt"/>
-              <a:buAutoNum type="arabicPeriod"/>
-            </a:pPr>
-            <a:r>
-              <a:rPr lang="en-US" dirty="0"/>
-              <a:t>Overall, given the different stakeholders, interests and values, do any of them stand out to you as ones we should prioritize? Why?</a:t>
-            </a:r>
-          </a:p>
-        </p:txBody>
-      </p:sp>
-      <p:sp>
-        <p:nvSpPr>
-          <p:cNvPr id="4" name="Slide Number Placeholder 3">
-            <a:extLst>
-              <a:ext uri="{FF2B5EF4-FFF2-40B4-BE49-F238E27FC236}">
-                <a16:creationId xmlns:a16="http://schemas.microsoft.com/office/drawing/2014/main" id="{B1846DD2-C733-7BF5-1A88-1DE2E1003009}"/>
-              </a:ext>
-            </a:extLst>
-          </p:cNvPr>
-          <p:cNvSpPr>
-            <a:spLocks noGrp="1"/>
-          </p:cNvSpPr>
-          <p:nvPr>
-            <p:ph type="sldNum" sz="quarter" idx="12"/>
-          </p:nvPr>
-        </p:nvSpPr>
-        <p:spPr/>
-        <p:txBody>
-          <a:bodyPr/>
-          <a:lstStyle/>
-          <a:p>
-            <a:fld id="{20F37917-FD3A-4669-9018-DA04BCDD3D75}" type="slidenum">
-              <a:rPr lang="en-US" smtClean="0"/>
-              <a:t>41</a:t>
-            </a:fld>
-            <a:endParaRPr lang="en-US"/>
-          </a:p>
-        </p:txBody>
-      </p:sp>
-    </p:spTree>
-    <p:extLst>
-      <p:ext uri="{BB962C8B-B14F-4D97-AF65-F5344CB8AC3E}">
-        <p14:creationId xmlns:p14="http://schemas.microsoft.com/office/powerpoint/2010/main" val="3936317166"/>
-      </p:ext>
-    </p:extLst>
-  </p:cSld>
-  <p:clrMapOvr>
-    <a:masterClrMapping/>
-  </p:clrMapOvr>
-</p:sld>
-</file>
-
-<file path=ppt/slides/slide42.xml><?xml version="1.0" encoding="utf-8"?>
-<p:sld xmlns:a="http://schemas.openxmlformats.org/drawingml/2006/main" xmlns:r="http://schemas.openxmlformats.org/officeDocument/2006/relationships" xmlns:p="http://schemas.openxmlformats.org/presentationml/2006/main" show="0">
-  <p:cSld>
-    <p:spTree>
-      <p:nvGrpSpPr>
-        <p:cNvPr id="1" name=""/>
-        <p:cNvGrpSpPr/>
-        <p:nvPr/>
-      </p:nvGrpSpPr>
-      <p:grpSpPr>
-        <a:xfrm>
-          <a:off x="0" y="0"/>
-          <a:ext cx="0" cy="0"/>
-          <a:chOff x="0" y="0"/>
-          <a:chExt cx="0" cy="0"/>
-        </a:xfrm>
-      </p:grpSpPr>
-      <p:sp>
-        <p:nvSpPr>
-          <p:cNvPr id="2" name="Title 1">
-            <a:extLst>
-              <a:ext uri="{FF2B5EF4-FFF2-40B4-BE49-F238E27FC236}">
-                <a16:creationId xmlns:a16="http://schemas.microsoft.com/office/drawing/2014/main" id="{335D756B-A2A8-E49D-275B-242F19E39A6F}"/>
-              </a:ext>
-            </a:extLst>
-          </p:cNvPr>
-          <p:cNvSpPr>
-            <a:spLocks noGrp="1"/>
-          </p:cNvSpPr>
-          <p:nvPr>
-            <p:ph type="title"/>
-          </p:nvPr>
-        </p:nvSpPr>
-        <p:spPr/>
-        <p:txBody>
-          <a:bodyPr/>
-          <a:lstStyle/>
-          <a:p>
-            <a:r>
-              <a:rPr lang="en-US" dirty="0"/>
-              <a:t>Value Investigation – What are the value tensions?</a:t>
-            </a:r>
-          </a:p>
-        </p:txBody>
-      </p:sp>
-      <p:sp>
-        <p:nvSpPr>
-          <p:cNvPr id="3" name="Content Placeholder 2">
-            <a:extLst>
-              <a:ext uri="{FF2B5EF4-FFF2-40B4-BE49-F238E27FC236}">
-                <a16:creationId xmlns:a16="http://schemas.microsoft.com/office/drawing/2014/main" id="{2BBDF1D1-AD42-D3B3-32F6-3100087AE8EC}"/>
-              </a:ext>
-            </a:extLst>
-          </p:cNvPr>
-          <p:cNvSpPr>
-            <a:spLocks noGrp="1"/>
-          </p:cNvSpPr>
-          <p:nvPr>
-            <p:ph idx="1"/>
-          </p:nvPr>
-        </p:nvSpPr>
-        <p:spPr/>
-        <p:txBody>
-          <a:bodyPr>
-            <a:normAutofit lnSpcReduction="10000"/>
-          </a:bodyPr>
-          <a:lstStyle/>
-          <a:p>
-            <a:pPr marL="514350" indent="-514350">
-              <a:buFont typeface="+mj-lt"/>
-              <a:buAutoNum type="arabicPeriod"/>
-            </a:pPr>
-            <a:r>
-              <a:rPr lang="en-US" dirty="0"/>
-              <a:t>Why do you think some people might be concerned with Reddit removing user’s posts? What if the posts have misinformation or hate speech?</a:t>
-            </a:r>
-          </a:p>
-          <a:p>
-            <a:pPr marL="514350" indent="-514350">
-              <a:buFont typeface="+mj-lt"/>
-              <a:buAutoNum type="arabicPeriod"/>
-            </a:pPr>
-            <a:r>
-              <a:rPr lang="en-US" dirty="0"/>
-              <a:t>How are users harmed if posts are mistakenly removed by Reddit?</a:t>
-            </a:r>
-          </a:p>
-          <a:p>
-            <a:pPr marL="514350" indent="-514350">
-              <a:buFont typeface="+mj-lt"/>
-              <a:buAutoNum type="arabicPeriod"/>
-            </a:pPr>
-            <a:r>
-              <a:rPr lang="en-US" dirty="0"/>
-              <a:t>How can bias in the moderation algorithms potentially harm users?</a:t>
-            </a:r>
-          </a:p>
-          <a:p>
-            <a:pPr marL="514350" indent="-514350">
-              <a:buFont typeface="+mj-lt"/>
-              <a:buAutoNum type="arabicPeriod"/>
-            </a:pPr>
-            <a:r>
-              <a:rPr lang="en-US" dirty="0"/>
-              <a:t>Given the debate on free speech vs. content moderation what do you think are the strengths and weaknesses of the proposed requirement?</a:t>
-            </a:r>
-          </a:p>
-        </p:txBody>
-      </p:sp>
-      <p:sp>
-        <p:nvSpPr>
-          <p:cNvPr id="4" name="Slide Number Placeholder 3">
-            <a:extLst>
-              <a:ext uri="{FF2B5EF4-FFF2-40B4-BE49-F238E27FC236}">
-                <a16:creationId xmlns:a16="http://schemas.microsoft.com/office/drawing/2014/main" id="{D4A73DC0-62D3-455A-A1DF-7F2AFE5098A9}"/>
-              </a:ext>
-            </a:extLst>
-          </p:cNvPr>
-          <p:cNvSpPr>
-            <a:spLocks noGrp="1"/>
-          </p:cNvSpPr>
-          <p:nvPr>
-            <p:ph type="sldNum" sz="quarter" idx="12"/>
-          </p:nvPr>
-        </p:nvSpPr>
-        <p:spPr/>
-        <p:txBody>
-          <a:bodyPr/>
-          <a:lstStyle/>
-          <a:p>
-            <a:fld id="{20F37917-FD3A-4669-9018-DA04BCDD3D75}" type="slidenum">
-              <a:rPr lang="en-US" smtClean="0"/>
-              <a:t>42</a:t>
-            </a:fld>
-            <a:endParaRPr lang="en-US"/>
-          </a:p>
-        </p:txBody>
-      </p:sp>
-    </p:spTree>
-    <p:extLst>
-      <p:ext uri="{BB962C8B-B14F-4D97-AF65-F5344CB8AC3E}">
-        <p14:creationId xmlns:p14="http://schemas.microsoft.com/office/powerpoint/2010/main" val="3687600535"/>
-      </p:ext>
-    </p:extLst>
-  </p:cSld>
-  <p:clrMapOvr>
-    <a:masterClrMapping/>
-  </p:clrMapOvr>
-</p:sld>
-</file>
-
-<file path=ppt/slides/slide43.xml><?xml version="1.0" encoding="utf-8"?>
-<p:sld xmlns:a="http://schemas.openxmlformats.org/drawingml/2006/main" xmlns:r="http://schemas.openxmlformats.org/officeDocument/2006/relationships" xmlns:p="http://schemas.openxmlformats.org/presentationml/2006/main" show="0">
-  <p:cSld>
-    <p:spTree>
-      <p:nvGrpSpPr>
-        <p:cNvPr id="1" name=""/>
-        <p:cNvGrpSpPr/>
-        <p:nvPr/>
-      </p:nvGrpSpPr>
-      <p:grpSpPr>
-        <a:xfrm>
-          <a:off x="0" y="0"/>
-          <a:ext cx="0" cy="0"/>
-          <a:chOff x="0" y="0"/>
-          <a:chExt cx="0" cy="0"/>
-        </a:xfrm>
-      </p:grpSpPr>
-      <p:sp>
-        <p:nvSpPr>
-          <p:cNvPr id="2" name="Title 1">
-            <a:extLst>
-              <a:ext uri="{FF2B5EF4-FFF2-40B4-BE49-F238E27FC236}">
-                <a16:creationId xmlns:a16="http://schemas.microsoft.com/office/drawing/2014/main" id="{3D677602-B4CF-BDC8-DDE2-14B6FB2174BF}"/>
-              </a:ext>
-            </a:extLst>
-          </p:cNvPr>
-          <p:cNvSpPr>
-            <a:spLocks noGrp="1"/>
-          </p:cNvSpPr>
-          <p:nvPr>
-            <p:ph type="title"/>
-          </p:nvPr>
-        </p:nvSpPr>
-        <p:spPr/>
-        <p:txBody>
-          <a:bodyPr/>
-          <a:lstStyle/>
-          <a:p>
-            <a:r>
-              <a:rPr lang="en-US" dirty="0"/>
-              <a:t>Technical Investigations</a:t>
-            </a:r>
-          </a:p>
-        </p:txBody>
-      </p:sp>
-      <p:sp>
-        <p:nvSpPr>
-          <p:cNvPr id="3" name="Content Placeholder 2">
-            <a:extLst>
-              <a:ext uri="{FF2B5EF4-FFF2-40B4-BE49-F238E27FC236}">
-                <a16:creationId xmlns:a16="http://schemas.microsoft.com/office/drawing/2014/main" id="{C36CF53C-4066-4127-A0C2-13EAEDBD150D}"/>
-              </a:ext>
-            </a:extLst>
-          </p:cNvPr>
-          <p:cNvSpPr>
-            <a:spLocks noGrp="1"/>
-          </p:cNvSpPr>
-          <p:nvPr>
-            <p:ph idx="1"/>
-          </p:nvPr>
-        </p:nvSpPr>
-        <p:spPr/>
-        <p:txBody>
-          <a:bodyPr>
-            <a:normAutofit fontScale="92500"/>
-          </a:bodyPr>
-          <a:lstStyle/>
-          <a:p>
-            <a:r>
-              <a:rPr lang="en-US" dirty="0"/>
-              <a:t>Suppose as a result of the value investigations we came up with two high-level requirements:</a:t>
-            </a:r>
-          </a:p>
-          <a:p>
-            <a:pPr marL="914400" lvl="1" indent="-457200">
-              <a:buFont typeface="+mj-lt"/>
-              <a:buAutoNum type="arabicPeriod"/>
-            </a:pPr>
-            <a:r>
-              <a:rPr lang="en-US" dirty="0"/>
-              <a:t>The flagging feature gives an explanation to the user as to why the system flagged and removed their content. If, after reading the explanation, the user thought the flagging was in error, they can submit the flag for further review. </a:t>
-            </a:r>
-          </a:p>
-          <a:p>
-            <a:pPr marL="914400" lvl="1" indent="-457200">
-              <a:buFont typeface="+mj-lt"/>
-              <a:buAutoNum type="arabicPeriod"/>
-            </a:pPr>
-            <a:r>
-              <a:rPr lang="en-US" dirty="0"/>
-              <a:t>The system prompts the user to reconsider if their post is potentially offensive, but does not prevent it from being posted.</a:t>
-            </a:r>
-          </a:p>
-          <a:p>
-            <a:r>
-              <a:rPr lang="en-US" dirty="0"/>
-              <a:t>Which requirement would you prefer based on the </a:t>
-            </a:r>
-            <a:r>
-              <a:rPr lang="en-US" i="1" dirty="0"/>
-              <a:t>technical feasibility and the values</a:t>
-            </a:r>
-            <a:r>
-              <a:rPr lang="en-US" dirty="0"/>
-              <a:t> that you think are important?</a:t>
-            </a:r>
-          </a:p>
-        </p:txBody>
-      </p:sp>
-      <p:sp>
-        <p:nvSpPr>
-          <p:cNvPr id="4" name="Slide Number Placeholder 3">
-            <a:extLst>
-              <a:ext uri="{FF2B5EF4-FFF2-40B4-BE49-F238E27FC236}">
-                <a16:creationId xmlns:a16="http://schemas.microsoft.com/office/drawing/2014/main" id="{32FCEC0B-BB53-CE83-F74E-D021035F50E0}"/>
-              </a:ext>
-            </a:extLst>
-          </p:cNvPr>
-          <p:cNvSpPr>
-            <a:spLocks noGrp="1"/>
-          </p:cNvSpPr>
-          <p:nvPr>
-            <p:ph type="sldNum" sz="quarter" idx="12"/>
-          </p:nvPr>
-        </p:nvSpPr>
-        <p:spPr/>
-        <p:txBody>
-          <a:bodyPr/>
-          <a:lstStyle/>
-          <a:p>
-            <a:fld id="{20F37917-FD3A-4669-9018-DA04BCDD3D75}" type="slidenum">
-              <a:rPr lang="en-US" smtClean="0"/>
-              <a:t>43</a:t>
-            </a:fld>
-            <a:endParaRPr lang="en-US"/>
-          </a:p>
-        </p:txBody>
-      </p:sp>
-    </p:spTree>
-    <p:extLst>
-      <p:ext uri="{BB962C8B-B14F-4D97-AF65-F5344CB8AC3E}">
-        <p14:creationId xmlns:p14="http://schemas.microsoft.com/office/powerpoint/2010/main" val="2181656107"/>
-      </p:ext>
-    </p:extLst>
-  </p:cSld>
-  <p:clrMapOvr>
-    <a:masterClrMapping/>
-  </p:clrMapOvr>
-</p:sld>
-</file>
-
 <file path=ppt/slides/slide44.xml><?xml version="1.0" encoding="utf-8"?>
 <p:sld xmlns:a="http://schemas.openxmlformats.org/drawingml/2006/main" xmlns:r="http://schemas.openxmlformats.org/officeDocument/2006/relationships" xmlns:p="http://schemas.openxmlformats.org/presentationml/2006/main" show="0">
   <p:cSld>
@@ -24430,6 +25687,464 @@
           <p:cNvPr id="2" name="Title 1">
             <a:extLst>
               <a:ext uri="{FF2B5EF4-FFF2-40B4-BE49-F238E27FC236}">
+                <a16:creationId xmlns:a16="http://schemas.microsoft.com/office/drawing/2014/main" id="{992300D1-4FCF-7632-A87A-D563CA9E2118}"/>
+              </a:ext>
+            </a:extLst>
+          </p:cNvPr>
+          <p:cNvSpPr>
+            <a:spLocks noGrp="1"/>
+          </p:cNvSpPr>
+          <p:nvPr>
+            <p:ph type="title"/>
+          </p:nvPr>
+        </p:nvSpPr>
+        <p:spPr/>
+        <p:txBody>
+          <a:bodyPr/>
+          <a:lstStyle/>
+          <a:p>
+            <a:r>
+              <a:rPr lang="en-US" dirty="0"/>
+              <a:t>Value Investigation – Who are the Stakeholders? </a:t>
+            </a:r>
+          </a:p>
+        </p:txBody>
+      </p:sp>
+      <p:sp>
+        <p:nvSpPr>
+          <p:cNvPr id="3" name="Content Placeholder 2">
+            <a:extLst>
+              <a:ext uri="{FF2B5EF4-FFF2-40B4-BE49-F238E27FC236}">
+                <a16:creationId xmlns:a16="http://schemas.microsoft.com/office/drawing/2014/main" id="{9A961C99-2CC8-98AA-07DB-8A17C0B9AEF1}"/>
+              </a:ext>
+            </a:extLst>
+          </p:cNvPr>
+          <p:cNvSpPr>
+            <a:spLocks noGrp="1"/>
+          </p:cNvSpPr>
+          <p:nvPr>
+            <p:ph idx="1"/>
+          </p:nvPr>
+        </p:nvSpPr>
+        <p:spPr>
+          <a:xfrm>
+            <a:off x="838199" y="1500160"/>
+            <a:ext cx="10868247" cy="4351338"/>
+          </a:xfrm>
+        </p:spPr>
+        <p:txBody>
+          <a:bodyPr>
+            <a:normAutofit/>
+          </a:bodyPr>
+          <a:lstStyle/>
+          <a:p>
+            <a:pPr marL="514350" indent="-514350">
+              <a:buFont typeface="+mj-lt"/>
+              <a:buAutoNum type="arabicPeriod"/>
+            </a:pPr>
+            <a:r>
+              <a:rPr lang="en-US" dirty="0"/>
+              <a:t>Relative to the issue of content moderation, who or what are the stakeholders? (i.e. individuals or groups whose interests stand to be impacted by this algorithm?)</a:t>
+            </a:r>
+          </a:p>
+          <a:p>
+            <a:pPr marL="514350" indent="-514350">
+              <a:buFont typeface="+mj-lt"/>
+              <a:buAutoNum type="arabicPeriod"/>
+            </a:pPr>
+            <a:r>
+              <a:rPr lang="en-US" dirty="0"/>
+              <a:t>Relative to the issue of content moderation, what are the interests or values of the different stakeholders?</a:t>
+            </a:r>
+          </a:p>
+          <a:p>
+            <a:pPr marL="514350" indent="-514350">
+              <a:buFont typeface="+mj-lt"/>
+              <a:buAutoNum type="arabicPeriod"/>
+            </a:pPr>
+            <a:r>
+              <a:rPr lang="en-US" dirty="0"/>
+              <a:t>Are there any conflicts of interests or values?</a:t>
+            </a:r>
+          </a:p>
+          <a:p>
+            <a:pPr marL="514350" indent="-514350">
+              <a:buFont typeface="+mj-lt"/>
+              <a:buAutoNum type="arabicPeriod"/>
+            </a:pPr>
+            <a:r>
+              <a:rPr lang="en-US" dirty="0"/>
+              <a:t>Overall, given the different stakeholders, interests and values, do any of them stand out to you as ones we should prioritize? Why?</a:t>
+            </a:r>
+          </a:p>
+        </p:txBody>
+      </p:sp>
+      <p:sp>
+        <p:nvSpPr>
+          <p:cNvPr id="4" name="Slide Number Placeholder 3">
+            <a:extLst>
+              <a:ext uri="{FF2B5EF4-FFF2-40B4-BE49-F238E27FC236}">
+                <a16:creationId xmlns:a16="http://schemas.microsoft.com/office/drawing/2014/main" id="{B1846DD2-C733-7BF5-1A88-1DE2E1003009}"/>
+              </a:ext>
+            </a:extLst>
+          </p:cNvPr>
+          <p:cNvSpPr>
+            <a:spLocks noGrp="1"/>
+          </p:cNvSpPr>
+          <p:nvPr>
+            <p:ph type="sldNum" sz="quarter" idx="12"/>
+          </p:nvPr>
+        </p:nvSpPr>
+        <p:spPr/>
+        <p:txBody>
+          <a:bodyPr/>
+          <a:lstStyle/>
+          <a:p>
+            <a:fld id="{20F37917-FD3A-4669-9018-DA04BCDD3D75}" type="slidenum">
+              <a:rPr lang="en-US" smtClean="0"/>
+              <a:t>44</a:t>
+            </a:fld>
+            <a:endParaRPr lang="en-US"/>
+          </a:p>
+        </p:txBody>
+      </p:sp>
+    </p:spTree>
+    <p:extLst>
+      <p:ext uri="{BB962C8B-B14F-4D97-AF65-F5344CB8AC3E}">
+        <p14:creationId xmlns:p14="http://schemas.microsoft.com/office/powerpoint/2010/main" val="3936317166"/>
+      </p:ext>
+    </p:extLst>
+  </p:cSld>
+  <p:clrMapOvr>
+    <a:masterClrMapping/>
+  </p:clrMapOvr>
+</p:sld>
+</file>
+
+<file path=ppt/slides/slide45.xml><?xml version="1.0" encoding="utf-8"?>
+<p:sld xmlns:a="http://schemas.openxmlformats.org/drawingml/2006/main" xmlns:r="http://schemas.openxmlformats.org/officeDocument/2006/relationships" xmlns:p="http://schemas.openxmlformats.org/presentationml/2006/main" show="0">
+  <p:cSld>
+    <p:spTree>
+      <p:nvGrpSpPr>
+        <p:cNvPr id="1" name=""/>
+        <p:cNvGrpSpPr/>
+        <p:nvPr/>
+      </p:nvGrpSpPr>
+      <p:grpSpPr>
+        <a:xfrm>
+          <a:off x="0" y="0"/>
+          <a:ext cx="0" cy="0"/>
+          <a:chOff x="0" y="0"/>
+          <a:chExt cx="0" cy="0"/>
+        </a:xfrm>
+      </p:grpSpPr>
+      <p:sp>
+        <p:nvSpPr>
+          <p:cNvPr id="2" name="Title 1">
+            <a:extLst>
+              <a:ext uri="{FF2B5EF4-FFF2-40B4-BE49-F238E27FC236}">
+                <a16:creationId xmlns:a16="http://schemas.microsoft.com/office/drawing/2014/main" id="{335D756B-A2A8-E49D-275B-242F19E39A6F}"/>
+              </a:ext>
+            </a:extLst>
+          </p:cNvPr>
+          <p:cNvSpPr>
+            <a:spLocks noGrp="1"/>
+          </p:cNvSpPr>
+          <p:nvPr>
+            <p:ph type="title"/>
+          </p:nvPr>
+        </p:nvSpPr>
+        <p:spPr/>
+        <p:txBody>
+          <a:bodyPr/>
+          <a:lstStyle/>
+          <a:p>
+            <a:r>
+              <a:rPr lang="en-US" dirty="0"/>
+              <a:t>Value Investigation – What are the value tensions?</a:t>
+            </a:r>
+          </a:p>
+        </p:txBody>
+      </p:sp>
+      <p:sp>
+        <p:nvSpPr>
+          <p:cNvPr id="3" name="Content Placeholder 2">
+            <a:extLst>
+              <a:ext uri="{FF2B5EF4-FFF2-40B4-BE49-F238E27FC236}">
+                <a16:creationId xmlns:a16="http://schemas.microsoft.com/office/drawing/2014/main" id="{2BBDF1D1-AD42-D3B3-32F6-3100087AE8EC}"/>
+              </a:ext>
+            </a:extLst>
+          </p:cNvPr>
+          <p:cNvSpPr>
+            <a:spLocks noGrp="1"/>
+          </p:cNvSpPr>
+          <p:nvPr>
+            <p:ph idx="1"/>
+          </p:nvPr>
+        </p:nvSpPr>
+        <p:spPr/>
+        <p:txBody>
+          <a:bodyPr>
+            <a:normAutofit lnSpcReduction="10000"/>
+          </a:bodyPr>
+          <a:lstStyle/>
+          <a:p>
+            <a:pPr marL="514350" indent="-514350">
+              <a:buFont typeface="+mj-lt"/>
+              <a:buAutoNum type="arabicPeriod"/>
+            </a:pPr>
+            <a:r>
+              <a:rPr lang="en-US" dirty="0"/>
+              <a:t>Why do you think some people might be concerned with Reddit removing user’s posts? What if the posts have misinformation or hate speech?</a:t>
+            </a:r>
+          </a:p>
+          <a:p>
+            <a:pPr marL="514350" indent="-514350">
+              <a:buFont typeface="+mj-lt"/>
+              <a:buAutoNum type="arabicPeriod"/>
+            </a:pPr>
+            <a:r>
+              <a:rPr lang="en-US" dirty="0"/>
+              <a:t>How are users harmed if posts are mistakenly removed by Reddit?</a:t>
+            </a:r>
+          </a:p>
+          <a:p>
+            <a:pPr marL="514350" indent="-514350">
+              <a:buFont typeface="+mj-lt"/>
+              <a:buAutoNum type="arabicPeriod"/>
+            </a:pPr>
+            <a:r>
+              <a:rPr lang="en-US" dirty="0"/>
+              <a:t>How can bias in the moderation algorithms potentially harm users?</a:t>
+            </a:r>
+          </a:p>
+          <a:p>
+            <a:pPr marL="514350" indent="-514350">
+              <a:buFont typeface="+mj-lt"/>
+              <a:buAutoNum type="arabicPeriod"/>
+            </a:pPr>
+            <a:r>
+              <a:rPr lang="en-US" dirty="0"/>
+              <a:t>Given the debate on free speech vs. content moderation what do you think are the strengths and weaknesses of the proposed requirement?</a:t>
+            </a:r>
+          </a:p>
+        </p:txBody>
+      </p:sp>
+      <p:sp>
+        <p:nvSpPr>
+          <p:cNvPr id="4" name="Slide Number Placeholder 3">
+            <a:extLst>
+              <a:ext uri="{FF2B5EF4-FFF2-40B4-BE49-F238E27FC236}">
+                <a16:creationId xmlns:a16="http://schemas.microsoft.com/office/drawing/2014/main" id="{D4A73DC0-62D3-455A-A1DF-7F2AFE5098A9}"/>
+              </a:ext>
+            </a:extLst>
+          </p:cNvPr>
+          <p:cNvSpPr>
+            <a:spLocks noGrp="1"/>
+          </p:cNvSpPr>
+          <p:nvPr>
+            <p:ph type="sldNum" sz="quarter" idx="12"/>
+          </p:nvPr>
+        </p:nvSpPr>
+        <p:spPr/>
+        <p:txBody>
+          <a:bodyPr/>
+          <a:lstStyle/>
+          <a:p>
+            <a:fld id="{20F37917-FD3A-4669-9018-DA04BCDD3D75}" type="slidenum">
+              <a:rPr lang="en-US" smtClean="0"/>
+              <a:t>45</a:t>
+            </a:fld>
+            <a:endParaRPr lang="en-US"/>
+          </a:p>
+        </p:txBody>
+      </p:sp>
+    </p:spTree>
+    <p:extLst>
+      <p:ext uri="{BB962C8B-B14F-4D97-AF65-F5344CB8AC3E}">
+        <p14:creationId xmlns:p14="http://schemas.microsoft.com/office/powerpoint/2010/main" val="3687600535"/>
+      </p:ext>
+    </p:extLst>
+  </p:cSld>
+  <p:clrMapOvr>
+    <a:masterClrMapping/>
+  </p:clrMapOvr>
+</p:sld>
+</file>
+
+<file path=ppt/slides/slide46.xml><?xml version="1.0" encoding="utf-8"?>
+<p:sld xmlns:a="http://schemas.openxmlformats.org/drawingml/2006/main" xmlns:r="http://schemas.openxmlformats.org/officeDocument/2006/relationships" xmlns:p="http://schemas.openxmlformats.org/presentationml/2006/main" show="0">
+  <p:cSld>
+    <p:spTree>
+      <p:nvGrpSpPr>
+        <p:cNvPr id="1" name=""/>
+        <p:cNvGrpSpPr/>
+        <p:nvPr/>
+      </p:nvGrpSpPr>
+      <p:grpSpPr>
+        <a:xfrm>
+          <a:off x="0" y="0"/>
+          <a:ext cx="0" cy="0"/>
+          <a:chOff x="0" y="0"/>
+          <a:chExt cx="0" cy="0"/>
+        </a:xfrm>
+      </p:grpSpPr>
+      <p:sp>
+        <p:nvSpPr>
+          <p:cNvPr id="2" name="Title 1">
+            <a:extLst>
+              <a:ext uri="{FF2B5EF4-FFF2-40B4-BE49-F238E27FC236}">
+                <a16:creationId xmlns:a16="http://schemas.microsoft.com/office/drawing/2014/main" id="{3D677602-B4CF-BDC8-DDE2-14B6FB2174BF}"/>
+              </a:ext>
+            </a:extLst>
+          </p:cNvPr>
+          <p:cNvSpPr>
+            <a:spLocks noGrp="1"/>
+          </p:cNvSpPr>
+          <p:nvPr>
+            <p:ph type="title"/>
+          </p:nvPr>
+        </p:nvSpPr>
+        <p:spPr/>
+        <p:txBody>
+          <a:bodyPr/>
+          <a:lstStyle/>
+          <a:p>
+            <a:r>
+              <a:rPr lang="en-US" dirty="0"/>
+              <a:t>Technical Investigations</a:t>
+            </a:r>
+          </a:p>
+        </p:txBody>
+      </p:sp>
+      <p:sp>
+        <p:nvSpPr>
+          <p:cNvPr id="3" name="Content Placeholder 2">
+            <a:extLst>
+              <a:ext uri="{FF2B5EF4-FFF2-40B4-BE49-F238E27FC236}">
+                <a16:creationId xmlns:a16="http://schemas.microsoft.com/office/drawing/2014/main" id="{C36CF53C-4066-4127-A0C2-13EAEDBD150D}"/>
+              </a:ext>
+            </a:extLst>
+          </p:cNvPr>
+          <p:cNvSpPr>
+            <a:spLocks noGrp="1"/>
+          </p:cNvSpPr>
+          <p:nvPr>
+            <p:ph idx="1"/>
+          </p:nvPr>
+        </p:nvSpPr>
+        <p:spPr/>
+        <p:txBody>
+          <a:bodyPr>
+            <a:normAutofit fontScale="92500"/>
+          </a:bodyPr>
+          <a:lstStyle/>
+          <a:p>
+            <a:r>
+              <a:rPr lang="en-US" dirty="0"/>
+              <a:t>Suppose as a result of the value investigations we came up with two high-level requirements:</a:t>
+            </a:r>
+          </a:p>
+          <a:p>
+            <a:pPr marL="914400" lvl="1" indent="-457200">
+              <a:buFont typeface="+mj-lt"/>
+              <a:buAutoNum type="arabicPeriod"/>
+            </a:pPr>
+            <a:r>
+              <a:rPr lang="en-US" dirty="0"/>
+              <a:t>The flagging feature gives an explanation to the user as to why the system flagged and removed their content. If, after reading the explanation, the user thought the flagging was in error, they can submit the flag for further review. </a:t>
+            </a:r>
+          </a:p>
+          <a:p>
+            <a:pPr marL="914400" lvl="1" indent="-457200">
+              <a:buFont typeface="+mj-lt"/>
+              <a:buAutoNum type="arabicPeriod"/>
+            </a:pPr>
+            <a:r>
+              <a:rPr lang="en-US" dirty="0"/>
+              <a:t>The system prompts the user to reconsider if their post is potentially offensive, but does not prevent it from being posted.</a:t>
+            </a:r>
+          </a:p>
+          <a:p>
+            <a:r>
+              <a:rPr lang="en-US" dirty="0"/>
+              <a:t>Which requirement would you prefer based on the </a:t>
+            </a:r>
+            <a:r>
+              <a:rPr lang="en-US" i="1" dirty="0"/>
+              <a:t>technical feasibility and the values</a:t>
+            </a:r>
+            <a:r>
+              <a:rPr lang="en-US" dirty="0"/>
+              <a:t> that you think are important?</a:t>
+            </a:r>
+          </a:p>
+        </p:txBody>
+      </p:sp>
+      <p:sp>
+        <p:nvSpPr>
+          <p:cNvPr id="4" name="Slide Number Placeholder 3">
+            <a:extLst>
+              <a:ext uri="{FF2B5EF4-FFF2-40B4-BE49-F238E27FC236}">
+                <a16:creationId xmlns:a16="http://schemas.microsoft.com/office/drawing/2014/main" id="{32FCEC0B-BB53-CE83-F74E-D021035F50E0}"/>
+              </a:ext>
+            </a:extLst>
+          </p:cNvPr>
+          <p:cNvSpPr>
+            <a:spLocks noGrp="1"/>
+          </p:cNvSpPr>
+          <p:nvPr>
+            <p:ph type="sldNum" sz="quarter" idx="12"/>
+          </p:nvPr>
+        </p:nvSpPr>
+        <p:spPr/>
+        <p:txBody>
+          <a:bodyPr/>
+          <a:lstStyle/>
+          <a:p>
+            <a:fld id="{20F37917-FD3A-4669-9018-DA04BCDD3D75}" type="slidenum">
+              <a:rPr lang="en-US" smtClean="0"/>
+              <a:t>46</a:t>
+            </a:fld>
+            <a:endParaRPr lang="en-US"/>
+          </a:p>
+        </p:txBody>
+      </p:sp>
+    </p:spTree>
+    <p:extLst>
+      <p:ext uri="{BB962C8B-B14F-4D97-AF65-F5344CB8AC3E}">
+        <p14:creationId xmlns:p14="http://schemas.microsoft.com/office/powerpoint/2010/main" val="2181656107"/>
+      </p:ext>
+    </p:extLst>
+  </p:cSld>
+  <p:clrMapOvr>
+    <a:masterClrMapping/>
+  </p:clrMapOvr>
+</p:sld>
+</file>
+
+<file path=ppt/slides/slide47.xml><?xml version="1.0" encoding="utf-8"?>
+<p:sld xmlns:a="http://schemas.openxmlformats.org/drawingml/2006/main" xmlns:r="http://schemas.openxmlformats.org/officeDocument/2006/relationships" xmlns:p="http://schemas.openxmlformats.org/presentationml/2006/main" show="0">
+  <p:cSld>
+    <p:spTree>
+      <p:nvGrpSpPr>
+        <p:cNvPr id="1" name=""/>
+        <p:cNvGrpSpPr/>
+        <p:nvPr/>
+      </p:nvGrpSpPr>
+      <p:grpSpPr>
+        <a:xfrm>
+          <a:off x="0" y="0"/>
+          <a:ext cx="0" cy="0"/>
+          <a:chOff x="0" y="0"/>
+          <a:chExt cx="0" cy="0"/>
+        </a:xfrm>
+      </p:grpSpPr>
+      <p:sp>
+        <p:nvSpPr>
+          <p:cNvPr id="2" name="Title 1">
+            <a:extLst>
+              <a:ext uri="{FF2B5EF4-FFF2-40B4-BE49-F238E27FC236}">
                 <a16:creationId xmlns:a16="http://schemas.microsoft.com/office/drawing/2014/main" id="{1ADD271A-4170-C5F2-C69E-66357770CC1B}"/>
               </a:ext>
             </a:extLst>
@@ -24544,7 +26259,7 @@
           <a:p>
             <a:fld id="{20F37917-FD3A-4669-9018-DA04BCDD3D75}" type="slidenum">
               <a:rPr lang="en-US" smtClean="0"/>
-              <a:t>44</a:t>
+              <a:t>47</a:t>
             </a:fld>
             <a:endParaRPr lang="en-US"/>
           </a:p>
@@ -24814,7 +26529,12 @@
             <p:ph idx="1"/>
           </p:nvPr>
         </p:nvSpPr>
-        <p:spPr/>
+        <p:spPr>
+          <a:xfrm>
+            <a:off x="838200" y="1500160"/>
+            <a:ext cx="5659582" cy="4351338"/>
+          </a:xfrm>
+        </p:spPr>
         <p:txBody>
           <a:bodyPr/>
           <a:lstStyle/>
@@ -24845,7 +26565,7 @@
             </a:pPr>
             <a:r>
               <a:rPr lang="en-US" dirty="0"/>
-              <a:t>Collect desired system behaviors</a:t>
+              <a:t>Collect desired system behaviors that offer value</a:t>
             </a:r>
           </a:p>
           <a:p>

--- a/Slides/Module 01.2 Requirements Gathering.pptx
+++ b/Slides/Module 01.2 Requirements Gathering.pptx
@@ -5,7 +5,7 @@
     <p:sldMasterId id="2147483648" r:id="rId1"/>
   </p:sldMasterIdLst>
   <p:notesMasterIdLst>
-    <p:notesMasterId r:id="rId49"/>
+    <p:notesMasterId r:id="rId50"/>
   </p:notesMasterIdLst>
   <p:sldIdLst>
     <p:sldId id="485" r:id="rId2"/>
@@ -27,48 +27,49 @@
     <p:sldId id="567" r:id="rId18"/>
     <p:sldId id="570" r:id="rId19"/>
     <p:sldId id="571" r:id="rId20"/>
-    <p:sldId id="540" r:id="rId21"/>
-    <p:sldId id="541" r:id="rId22"/>
-    <p:sldId id="542" r:id="rId23"/>
-    <p:sldId id="543" r:id="rId24"/>
-    <p:sldId id="544" r:id="rId25"/>
-    <p:sldId id="545" r:id="rId26"/>
-    <p:sldId id="546" r:id="rId27"/>
-    <p:sldId id="528" r:id="rId28"/>
-    <p:sldId id="547" r:id="rId29"/>
-    <p:sldId id="527" r:id="rId30"/>
-    <p:sldId id="549" r:id="rId31"/>
-    <p:sldId id="550" r:id="rId32"/>
-    <p:sldId id="494" r:id="rId33"/>
-    <p:sldId id="496" r:id="rId34"/>
-    <p:sldId id="495" r:id="rId35"/>
-    <p:sldId id="563" r:id="rId36"/>
-    <p:sldId id="555" r:id="rId37"/>
-    <p:sldId id="556" r:id="rId38"/>
-    <p:sldId id="564" r:id="rId39"/>
-    <p:sldId id="565" r:id="rId40"/>
-    <p:sldId id="566" r:id="rId41"/>
-    <p:sldId id="552" r:id="rId42"/>
-    <p:sldId id="557" r:id="rId43"/>
-    <p:sldId id="558" r:id="rId44"/>
-    <p:sldId id="559" r:id="rId45"/>
-    <p:sldId id="560" r:id="rId46"/>
-    <p:sldId id="561" r:id="rId47"/>
-    <p:sldId id="562" r:id="rId48"/>
+    <p:sldId id="572" r:id="rId21"/>
+    <p:sldId id="540" r:id="rId22"/>
+    <p:sldId id="541" r:id="rId23"/>
+    <p:sldId id="542" r:id="rId24"/>
+    <p:sldId id="543" r:id="rId25"/>
+    <p:sldId id="544" r:id="rId26"/>
+    <p:sldId id="545" r:id="rId27"/>
+    <p:sldId id="546" r:id="rId28"/>
+    <p:sldId id="528" r:id="rId29"/>
+    <p:sldId id="547" r:id="rId30"/>
+    <p:sldId id="527" r:id="rId31"/>
+    <p:sldId id="549" r:id="rId32"/>
+    <p:sldId id="550" r:id="rId33"/>
+    <p:sldId id="494" r:id="rId34"/>
+    <p:sldId id="496" r:id="rId35"/>
+    <p:sldId id="495" r:id="rId36"/>
+    <p:sldId id="566" r:id="rId37"/>
+    <p:sldId id="563" r:id="rId38"/>
+    <p:sldId id="555" r:id="rId39"/>
+    <p:sldId id="556" r:id="rId40"/>
+    <p:sldId id="564" r:id="rId41"/>
+    <p:sldId id="565" r:id="rId42"/>
+    <p:sldId id="552" r:id="rId43"/>
+    <p:sldId id="557" r:id="rId44"/>
+    <p:sldId id="558" r:id="rId45"/>
+    <p:sldId id="559" r:id="rId46"/>
+    <p:sldId id="560" r:id="rId47"/>
+    <p:sldId id="561" r:id="rId48"/>
+    <p:sldId id="562" r:id="rId49"/>
   </p:sldIdLst>
   <p:sldSz cx="12192000" cy="6858000"/>
   <p:notesSz cx="9144000" cy="6858000"/>
   <p:embeddedFontLst>
     <p:embeddedFont>
       <p:font typeface="Ink Free" panose="03080402000500000000" pitchFamily="66" charset="0"/>
-      <p:regular r:id="rId50"/>
+      <p:regular r:id="rId51"/>
     </p:embeddedFont>
     <p:embeddedFont>
       <p:font typeface="Verdana" panose="020B0604030504040204" pitchFamily="34" charset="0"/>
-      <p:regular r:id="rId51"/>
-      <p:bold r:id="rId52"/>
-      <p:italic r:id="rId53"/>
-      <p:boldItalic r:id="rId54"/>
+      <p:regular r:id="rId52"/>
+      <p:bold r:id="rId53"/>
+      <p:italic r:id="rId54"/>
+      <p:boldItalic r:id="rId55"/>
     </p:embeddedFont>
   </p:embeddedFontLst>
   <p:defaultTextStyle>
@@ -190,6 +191,7 @@
             <p14:sldId id="567"/>
             <p14:sldId id="570"/>
             <p14:sldId id="571"/>
+            <p14:sldId id="572"/>
             <p14:sldId id="540"/>
             <p14:sldId id="541"/>
             <p14:sldId id="542"/>
@@ -205,12 +207,12 @@
             <p14:sldId id="494"/>
             <p14:sldId id="496"/>
             <p14:sldId id="495"/>
+            <p14:sldId id="566"/>
             <p14:sldId id="563"/>
             <p14:sldId id="555"/>
             <p14:sldId id="556"/>
             <p14:sldId id="564"/>
             <p14:sldId id="565"/>
-            <p14:sldId id="566"/>
             <p14:sldId id="552"/>
             <p14:sldId id="557"/>
             <p14:sldId id="558"/>
@@ -7285,7 +7287,13 @@
   <p:cSld>
     <p:spTree>
       <p:nvGrpSpPr>
-        <p:cNvPr id="1" name=""/>
+        <p:cNvPr id="1" name="">
+          <a:extLst>
+            <a:ext uri="{FF2B5EF4-FFF2-40B4-BE49-F238E27FC236}">
+              <a16:creationId xmlns:a16="http://schemas.microsoft.com/office/drawing/2014/main" id="{EBCBE2D2-B91E-ED24-3431-74ABB99CA497}"/>
+            </a:ext>
+          </a:extLst>
+        </p:cNvPr>
         <p:cNvGrpSpPr/>
         <p:nvPr/>
       </p:nvGrpSpPr>
@@ -7299,7 +7307,13 @@
       </p:grpSpPr>
       <p:sp>
         <p:nvSpPr>
-          <p:cNvPr id="2" name="Slide Image Placeholder 1"/>
+          <p:cNvPr id="2" name="Slide Image Placeholder 1">
+            <a:extLst>
+              <a:ext uri="{FF2B5EF4-FFF2-40B4-BE49-F238E27FC236}">
+                <a16:creationId xmlns:a16="http://schemas.microsoft.com/office/drawing/2014/main" id="{2E4716A8-CAA9-9575-5A22-650474490BC1}"/>
+              </a:ext>
+            </a:extLst>
+          </p:cNvPr>
           <p:cNvSpPr>
             <a:spLocks noGrp="1" noRot="1" noChangeAspect="1"/>
           </p:cNvSpPr>
@@ -7311,7 +7325,13 @@
       </p:sp>
       <p:sp>
         <p:nvSpPr>
-          <p:cNvPr id="3" name="Notes Placeholder 2"/>
+          <p:cNvPr id="3" name="Notes Placeholder 2">
+            <a:extLst>
+              <a:ext uri="{FF2B5EF4-FFF2-40B4-BE49-F238E27FC236}">
+                <a16:creationId xmlns:a16="http://schemas.microsoft.com/office/drawing/2014/main" id="{421244D3-BD81-BDCA-0720-0D4D20CEBB33}"/>
+              </a:ext>
+            </a:extLst>
+          </p:cNvPr>
           <p:cNvSpPr>
             <a:spLocks noGrp="1"/>
           </p:cNvSpPr>
@@ -7324,13 +7344,22 @@
           <a:bodyPr/>
           <a:lstStyle/>
           <a:p>
-            <a:endParaRPr lang="en-US" dirty="0"/>
+            <a:r>
+              <a:rPr lang="en-US" dirty="0"/>
+              <a:t>&lt;read slide&gt;</a:t>
+            </a:r>
           </a:p>
         </p:txBody>
       </p:sp>
       <p:sp>
         <p:nvSpPr>
-          <p:cNvPr id="4" name="Slide Number Placeholder 3"/>
+          <p:cNvPr id="4" name="Slide Number Placeholder 3">
+            <a:extLst>
+              <a:ext uri="{FF2B5EF4-FFF2-40B4-BE49-F238E27FC236}">
+                <a16:creationId xmlns:a16="http://schemas.microsoft.com/office/drawing/2014/main" id="{0F361E51-9069-F754-8121-B1692D3FC712}"/>
+              </a:ext>
+            </a:extLst>
+          </p:cNvPr>
           <p:cNvSpPr>
             <a:spLocks noGrp="1"/>
           </p:cNvSpPr>
@@ -7354,7 +7383,7 @@
     </p:spTree>
     <p:extLst>
       <p:ext uri="{BB962C8B-B14F-4D97-AF65-F5344CB8AC3E}">
-        <p14:creationId xmlns:p14="http://schemas.microsoft.com/office/powerpoint/2010/main" val="916900605"/>
+        <p14:creationId xmlns:p14="http://schemas.microsoft.com/office/powerpoint/2010/main" val="1285887559"/>
       </p:ext>
     </p:extLst>
   </p:cSld>
@@ -7438,7 +7467,7 @@
     </p:spTree>
     <p:extLst>
       <p:ext uri="{BB962C8B-B14F-4D97-AF65-F5344CB8AC3E}">
-        <p14:creationId xmlns:p14="http://schemas.microsoft.com/office/powerpoint/2010/main" val="1254446554"/>
+        <p14:creationId xmlns:p14="http://schemas.microsoft.com/office/powerpoint/2010/main" val="916900605"/>
       </p:ext>
     </p:extLst>
   </p:cSld>
@@ -7492,10 +7521,7 @@
           <a:bodyPr/>
           <a:lstStyle/>
           <a:p>
-            <a:r>
-              <a:rPr lang="en-US" dirty="0"/>
-              <a:t>Maybe this is desirable, maybe it's essential.</a:t>
-            </a:r>
+            <a:endParaRPr lang="en-US" dirty="0"/>
           </a:p>
         </p:txBody>
       </p:sp>
@@ -7516,7 +7542,7 @@
           <a:p>
             <a:fld id="{07937F07-1250-4CCE-B198-1B2887014F41}" type="slidenum">
               <a:rPr lang="en-US" smtClean="0"/>
-              <a:t>25</a:t>
+              <a:t>22</a:t>
             </a:fld>
             <a:endParaRPr lang="en-US"/>
           </a:p>
@@ -7525,7 +7551,7 @@
     </p:spTree>
     <p:extLst>
       <p:ext uri="{BB962C8B-B14F-4D97-AF65-F5344CB8AC3E}">
-        <p14:creationId xmlns:p14="http://schemas.microsoft.com/office/powerpoint/2010/main" val="1160450813"/>
+        <p14:creationId xmlns:p14="http://schemas.microsoft.com/office/powerpoint/2010/main" val="1254446554"/>
       </p:ext>
     </p:extLst>
   </p:cSld>
@@ -7663,7 +7689,10 @@
           <a:bodyPr/>
           <a:lstStyle/>
           <a:p>
-            <a:endParaRPr lang="en-US" dirty="0"/>
+            <a:r>
+              <a:rPr lang="en-US" dirty="0"/>
+              <a:t>Maybe this is desirable, maybe it's essential.</a:t>
+            </a:r>
           </a:p>
         </p:txBody>
       </p:sp>
@@ -7684,7 +7713,7 @@
           <a:p>
             <a:fld id="{07937F07-1250-4CCE-B198-1B2887014F41}" type="slidenum">
               <a:rPr lang="en-US" smtClean="0"/>
-              <a:t>27</a:t>
+              <a:t>26</a:t>
             </a:fld>
             <a:endParaRPr lang="en-US"/>
           </a:p>
@@ -7693,7 +7722,7 @@
     </p:spTree>
     <p:extLst>
       <p:ext uri="{BB962C8B-B14F-4D97-AF65-F5344CB8AC3E}">
-        <p14:creationId xmlns:p14="http://schemas.microsoft.com/office/powerpoint/2010/main" val="3305253114"/>
+        <p14:creationId xmlns:p14="http://schemas.microsoft.com/office/powerpoint/2010/main" val="1160450813"/>
       </p:ext>
     </p:extLst>
   </p:cSld>
@@ -7747,10 +7776,7 @@
           <a:bodyPr/>
           <a:lstStyle/>
           <a:p>
-            <a:r>
-              <a:rPr lang="en-US" dirty="0"/>
-              <a:t>What do you think of these COSs?  Are they all essential?  Can you think of any satisfaction conditions that might be desirable, but not essential?  What conditions might you want "in the next version" (those would be extensions).</a:t>
-            </a:r>
+            <a:endParaRPr lang="en-US" dirty="0"/>
           </a:p>
         </p:txBody>
       </p:sp>
@@ -7771,16 +7797,16 @@
           <a:p>
             <a:fld id="{07937F07-1250-4CCE-B198-1B2887014F41}" type="slidenum">
               <a:rPr lang="en-US" smtClean="0"/>
-              <a:t>29</a:t>
+              <a:t>28</a:t>
             </a:fld>
-            <a:endParaRPr lang="en-US" dirty="0"/>
+            <a:endParaRPr lang="en-US"/>
           </a:p>
         </p:txBody>
       </p:sp>
     </p:spTree>
     <p:extLst>
       <p:ext uri="{BB962C8B-B14F-4D97-AF65-F5344CB8AC3E}">
-        <p14:creationId xmlns:p14="http://schemas.microsoft.com/office/powerpoint/2010/main" val="2313477615"/>
+        <p14:creationId xmlns:p14="http://schemas.microsoft.com/office/powerpoint/2010/main" val="3305253114"/>
       </p:ext>
     </p:extLst>
   </p:cSld>
@@ -7834,225 +7860,10 @@
           <a:bodyPr/>
           <a:lstStyle/>
           <a:p>
-            <a:pPr marL="0" marR="0" lvl="0" indent="0" algn="l" defTabSz="914400" rtl="0" eaLnBrk="1" fontAlgn="auto" latinLnBrk="0" hangingPunct="1">
-              <a:lnSpc>
-                <a:spcPct val="100000"/>
-              </a:lnSpc>
-              <a:spcBef>
-                <a:spcPts val="0"/>
-              </a:spcBef>
-              <a:spcAft>
-                <a:spcPts val="0"/>
-              </a:spcAft>
-              <a:buClrTx/>
-              <a:buSzTx/>
-              <a:buFontTx/>
-              <a:buNone/>
-              <a:tabLst/>
-              <a:defRPr/>
-            </a:pPr>
-            <a:r>
-              <a:rPr lang="en-US" sz="3600" dirty="0"/>
-              <a:t>What we've talked about so far are called "functional requirements"-- the minimum functions that a system must be able to perform.</a:t>
-            </a:r>
-          </a:p>
-          <a:p>
-            <a:pPr marL="0" marR="0" lvl="0" indent="0" algn="l" defTabSz="914400" rtl="0" eaLnBrk="1" fontAlgn="auto" latinLnBrk="0" hangingPunct="1">
-              <a:lnSpc>
-                <a:spcPct val="100000"/>
-              </a:lnSpc>
-              <a:spcBef>
-                <a:spcPts val="0"/>
-              </a:spcBef>
-              <a:spcAft>
-                <a:spcPts val="0"/>
-              </a:spcAft>
-              <a:buClrTx/>
-              <a:buSzTx/>
-              <a:buFontTx/>
-              <a:buNone/>
-              <a:tabLst/>
-              <a:defRPr/>
-            </a:pPr>
-            <a:endParaRPr lang="en-US" sz="3600" dirty="0"/>
-          </a:p>
-          <a:p>
-            <a:pPr marL="0" marR="0" lvl="0" indent="0" algn="l" defTabSz="914400" rtl="0" eaLnBrk="1" fontAlgn="auto" latinLnBrk="0" hangingPunct="1">
-              <a:lnSpc>
-                <a:spcPct val="100000"/>
-              </a:lnSpc>
-              <a:spcBef>
-                <a:spcPts val="0"/>
-              </a:spcBef>
-              <a:spcAft>
-                <a:spcPts val="0"/>
-              </a:spcAft>
-              <a:buClrTx/>
-              <a:buSzTx/>
-              <a:buFontTx/>
-              <a:buNone/>
-              <a:tabLst/>
-              <a:defRPr/>
-            </a:pPr>
-            <a:r>
-              <a:rPr lang="en-US" sz="3600" dirty="0"/>
-              <a:t>But there are other kinds of requirements.  These are called "non-functional" requirements.</a:t>
-            </a:r>
-          </a:p>
-          <a:p>
-            <a:pPr marL="0" marR="0" lvl="0" indent="0" algn="l" defTabSz="914400" rtl="0" eaLnBrk="1" fontAlgn="auto" latinLnBrk="0" hangingPunct="1">
-              <a:lnSpc>
-                <a:spcPct val="100000"/>
-              </a:lnSpc>
-              <a:spcBef>
-                <a:spcPts val="0"/>
-              </a:spcBef>
-              <a:spcAft>
-                <a:spcPts val="0"/>
-              </a:spcAft>
-              <a:buClrTx/>
-              <a:buSzTx/>
-              <a:buFontTx/>
-              <a:buNone/>
-              <a:tabLst/>
-              <a:defRPr/>
-            </a:pPr>
-            <a:endParaRPr lang="en-US" sz="3600" dirty="0"/>
-          </a:p>
-          <a:p>
-            <a:pPr marL="0" marR="0" lvl="0" indent="0" algn="l" defTabSz="914400" rtl="0" eaLnBrk="1" fontAlgn="auto" latinLnBrk="0" hangingPunct="1">
-              <a:lnSpc>
-                <a:spcPct val="100000"/>
-              </a:lnSpc>
-              <a:spcBef>
-                <a:spcPts val="0"/>
-              </a:spcBef>
-              <a:spcAft>
-                <a:spcPts val="0"/>
-              </a:spcAft>
-              <a:buClrTx/>
-              <a:buSzTx/>
-              <a:buFontTx/>
-              <a:buNone/>
-              <a:tabLst/>
-              <a:defRPr/>
-            </a:pPr>
-            <a:r>
-              <a:rPr lang="en-US" sz="3600" dirty="0"/>
-              <a:t>Non-functional requirements capture the </a:t>
-            </a:r>
-            <a:r>
-              <a:rPr lang="en-US" sz="3600" i="1" dirty="0"/>
-              <a:t>quality goals</a:t>
-            </a:r>
-            <a:r>
-              <a:rPr lang="en-US" sz="3600" i="0" dirty="0"/>
-              <a:t> of a system. </a:t>
-            </a:r>
-            <a:endParaRPr lang="en-US" sz="3600" dirty="0"/>
-          </a:p>
-          <a:p>
-            <a:pPr marL="0" marR="0" lvl="0" indent="0" algn="l" defTabSz="914400" rtl="0" eaLnBrk="1" fontAlgn="auto" latinLnBrk="0" hangingPunct="1">
-              <a:lnSpc>
-                <a:spcPct val="100000"/>
-              </a:lnSpc>
-              <a:spcBef>
-                <a:spcPts val="0"/>
-              </a:spcBef>
-              <a:spcAft>
-                <a:spcPts val="0"/>
-              </a:spcAft>
-              <a:buClrTx/>
-              <a:buSzTx/>
-              <a:buFontTx/>
-              <a:buNone/>
-              <a:tabLst/>
-              <a:defRPr/>
-            </a:pPr>
-            <a:endParaRPr lang="en-US" sz="3600" dirty="0"/>
-          </a:p>
-          <a:p>
-            <a:pPr marL="0" marR="0" lvl="0" indent="0" algn="l" defTabSz="914400" rtl="0" eaLnBrk="1" fontAlgn="auto" latinLnBrk="0" hangingPunct="1">
-              <a:lnSpc>
-                <a:spcPct val="100000"/>
-              </a:lnSpc>
-              <a:spcBef>
-                <a:spcPts val="0"/>
-              </a:spcBef>
-              <a:spcAft>
-                <a:spcPts val="0"/>
-              </a:spcAft>
-              <a:buClrTx/>
-              <a:buSzTx/>
-              <a:buFontTx/>
-              <a:buNone/>
-              <a:tabLst/>
-              <a:defRPr/>
-            </a:pPr>
-            <a:r>
-              <a:rPr lang="en-US" sz="3600" dirty="0"/>
-              <a:t>Here are some obvious ones  &lt;read slide&gt;</a:t>
-            </a:r>
-          </a:p>
-          <a:p>
-            <a:pPr marL="0" marR="0" lvl="0" indent="0" algn="l" defTabSz="914400" rtl="0" eaLnBrk="1" fontAlgn="auto" latinLnBrk="0" hangingPunct="1">
-              <a:lnSpc>
-                <a:spcPct val="100000"/>
-              </a:lnSpc>
-              <a:spcBef>
-                <a:spcPts val="0"/>
-              </a:spcBef>
-              <a:spcAft>
-                <a:spcPts val="0"/>
-              </a:spcAft>
-              <a:buClrTx/>
-              <a:buSzTx/>
-              <a:buFontTx/>
-              <a:buNone/>
-              <a:tabLst/>
-              <a:defRPr/>
-            </a:pPr>
-            <a:endParaRPr lang="en-US" sz="3600" dirty="0"/>
-          </a:p>
-          <a:p>
-            <a:pPr marL="0" marR="0" lvl="0" indent="0" algn="l" defTabSz="914400" rtl="0" eaLnBrk="1" fontAlgn="auto" latinLnBrk="0" hangingPunct="1">
-              <a:lnSpc>
-                <a:spcPct val="100000"/>
-              </a:lnSpc>
-              <a:spcBef>
-                <a:spcPts val="0"/>
-              </a:spcBef>
-              <a:spcAft>
-                <a:spcPts val="0"/>
-              </a:spcAft>
-              <a:buClrTx/>
-              <a:buSzTx/>
-              <a:buFontTx/>
-              <a:buNone/>
-              <a:tabLst/>
-              <a:defRPr/>
-            </a:pPr>
-            <a:endParaRPr lang="en-US" sz="3600" dirty="0"/>
-          </a:p>
-          <a:p>
-            <a:pPr marL="0" marR="0" lvl="0" indent="0" algn="l" defTabSz="914400" rtl="0" eaLnBrk="1" fontAlgn="auto" latinLnBrk="0" hangingPunct="1">
-              <a:lnSpc>
-                <a:spcPct val="100000"/>
-              </a:lnSpc>
-              <a:spcBef>
-                <a:spcPts val="0"/>
-              </a:spcBef>
-              <a:spcAft>
-                <a:spcPts val="0"/>
-              </a:spcAft>
-              <a:buClrTx/>
-              <a:buSzTx/>
-              <a:buFontTx/>
-              <a:buNone/>
-              <a:tabLst/>
-              <a:defRPr/>
-            </a:pPr>
-            <a:endParaRPr lang="en-US" sz="3600" dirty="0"/>
+            <a:r>
+              <a:rPr lang="en-US" dirty="0"/>
+              <a:t>What do you think of these COSs?  Are they all essential?  Can you think of any satisfaction conditions that might be desirable, but not essential?  What conditions might you want "in the next version" (those would be extensions).</a:t>
+            </a:r>
           </a:p>
         </p:txBody>
       </p:sp>
@@ -8082,7 +7893,7 @@
     </p:spTree>
     <p:extLst>
       <p:ext uri="{BB962C8B-B14F-4D97-AF65-F5344CB8AC3E}">
-        <p14:creationId xmlns:p14="http://schemas.microsoft.com/office/powerpoint/2010/main" val="1345260318"/>
+        <p14:creationId xmlns:p14="http://schemas.microsoft.com/office/powerpoint/2010/main" val="2313477615"/>
       </p:ext>
     </p:extLst>
   </p:cSld>
@@ -8154,13 +7965,207 @@
               <a:defRPr/>
             </a:pPr>
             <a:r>
-              <a:rPr lang="en-US" i="0" dirty="0"/>
-              <a:t>For example, one high-level goal is to say “I want performance”. But what does performance mean? You probably mean to say that you expect that the system has some particular capacity (in terms of simultaneous users), who can simultaneously have their requests satisfied within some response time. That’s still not the whole picture though, because you didn’t specify the efficiency of your system: what hardware resources does it use to achieve that performance?</a:t>
-            </a:r>
-            <a:endParaRPr lang="en-US" dirty="0"/>
-          </a:p>
-          <a:p>
-            <a:endParaRPr lang="en-US" dirty="0"/>
+              <a:rPr lang="en-US" sz="3600" dirty="0"/>
+              <a:t>What we've talked about so far are called "functional requirements"-- the minimum functions that a system must be able to perform.</a:t>
+            </a:r>
+          </a:p>
+          <a:p>
+            <a:pPr marL="0" marR="0" lvl="0" indent="0" algn="l" defTabSz="914400" rtl="0" eaLnBrk="1" fontAlgn="auto" latinLnBrk="0" hangingPunct="1">
+              <a:lnSpc>
+                <a:spcPct val="100000"/>
+              </a:lnSpc>
+              <a:spcBef>
+                <a:spcPts val="0"/>
+              </a:spcBef>
+              <a:spcAft>
+                <a:spcPts val="0"/>
+              </a:spcAft>
+              <a:buClrTx/>
+              <a:buSzTx/>
+              <a:buFontTx/>
+              <a:buNone/>
+              <a:tabLst/>
+              <a:defRPr/>
+            </a:pPr>
+            <a:endParaRPr lang="en-US" sz="3600" dirty="0"/>
+          </a:p>
+          <a:p>
+            <a:pPr marL="0" marR="0" lvl="0" indent="0" algn="l" defTabSz="914400" rtl="0" eaLnBrk="1" fontAlgn="auto" latinLnBrk="0" hangingPunct="1">
+              <a:lnSpc>
+                <a:spcPct val="100000"/>
+              </a:lnSpc>
+              <a:spcBef>
+                <a:spcPts val="0"/>
+              </a:spcBef>
+              <a:spcAft>
+                <a:spcPts val="0"/>
+              </a:spcAft>
+              <a:buClrTx/>
+              <a:buSzTx/>
+              <a:buFontTx/>
+              <a:buNone/>
+              <a:tabLst/>
+              <a:defRPr/>
+            </a:pPr>
+            <a:r>
+              <a:rPr lang="en-US" sz="3600" dirty="0"/>
+              <a:t>But there are other kinds of requirements.  These are called "non-functional" requirements.</a:t>
+            </a:r>
+          </a:p>
+          <a:p>
+            <a:pPr marL="0" marR="0" lvl="0" indent="0" algn="l" defTabSz="914400" rtl="0" eaLnBrk="1" fontAlgn="auto" latinLnBrk="0" hangingPunct="1">
+              <a:lnSpc>
+                <a:spcPct val="100000"/>
+              </a:lnSpc>
+              <a:spcBef>
+                <a:spcPts val="0"/>
+              </a:spcBef>
+              <a:spcAft>
+                <a:spcPts val="0"/>
+              </a:spcAft>
+              <a:buClrTx/>
+              <a:buSzTx/>
+              <a:buFontTx/>
+              <a:buNone/>
+              <a:tabLst/>
+              <a:defRPr/>
+            </a:pPr>
+            <a:endParaRPr lang="en-US" sz="3600" dirty="0"/>
+          </a:p>
+          <a:p>
+            <a:pPr marL="0" marR="0" lvl="0" indent="0" algn="l" defTabSz="914400" rtl="0" eaLnBrk="1" fontAlgn="auto" latinLnBrk="0" hangingPunct="1">
+              <a:lnSpc>
+                <a:spcPct val="100000"/>
+              </a:lnSpc>
+              <a:spcBef>
+                <a:spcPts val="0"/>
+              </a:spcBef>
+              <a:spcAft>
+                <a:spcPts val="0"/>
+              </a:spcAft>
+              <a:buClrTx/>
+              <a:buSzTx/>
+              <a:buFontTx/>
+              <a:buNone/>
+              <a:tabLst/>
+              <a:defRPr/>
+            </a:pPr>
+            <a:r>
+              <a:rPr lang="en-US" sz="3600" dirty="0"/>
+              <a:t>Non-functional requirements capture the </a:t>
+            </a:r>
+            <a:r>
+              <a:rPr lang="en-US" sz="3600" i="1" dirty="0"/>
+              <a:t>quality goals</a:t>
+            </a:r>
+            <a:r>
+              <a:rPr lang="en-US" sz="3600" i="0" dirty="0"/>
+              <a:t> of a system. </a:t>
+            </a:r>
+            <a:endParaRPr lang="en-US" sz="3600" dirty="0"/>
+          </a:p>
+          <a:p>
+            <a:pPr marL="0" marR="0" lvl="0" indent="0" algn="l" defTabSz="914400" rtl="0" eaLnBrk="1" fontAlgn="auto" latinLnBrk="0" hangingPunct="1">
+              <a:lnSpc>
+                <a:spcPct val="100000"/>
+              </a:lnSpc>
+              <a:spcBef>
+                <a:spcPts val="0"/>
+              </a:spcBef>
+              <a:spcAft>
+                <a:spcPts val="0"/>
+              </a:spcAft>
+              <a:buClrTx/>
+              <a:buSzTx/>
+              <a:buFontTx/>
+              <a:buNone/>
+              <a:tabLst/>
+              <a:defRPr/>
+            </a:pPr>
+            <a:endParaRPr lang="en-US" sz="3600" dirty="0"/>
+          </a:p>
+          <a:p>
+            <a:pPr marL="0" marR="0" lvl="0" indent="0" algn="l" defTabSz="914400" rtl="0" eaLnBrk="1" fontAlgn="auto" latinLnBrk="0" hangingPunct="1">
+              <a:lnSpc>
+                <a:spcPct val="100000"/>
+              </a:lnSpc>
+              <a:spcBef>
+                <a:spcPts val="0"/>
+              </a:spcBef>
+              <a:spcAft>
+                <a:spcPts val="0"/>
+              </a:spcAft>
+              <a:buClrTx/>
+              <a:buSzTx/>
+              <a:buFontTx/>
+              <a:buNone/>
+              <a:tabLst/>
+              <a:defRPr/>
+            </a:pPr>
+            <a:r>
+              <a:rPr lang="en-US" sz="3600" dirty="0"/>
+              <a:t>Here are some obvious ones  &lt;read slide&gt;</a:t>
+            </a:r>
+          </a:p>
+          <a:p>
+            <a:pPr marL="0" marR="0" lvl="0" indent="0" algn="l" defTabSz="914400" rtl="0" eaLnBrk="1" fontAlgn="auto" latinLnBrk="0" hangingPunct="1">
+              <a:lnSpc>
+                <a:spcPct val="100000"/>
+              </a:lnSpc>
+              <a:spcBef>
+                <a:spcPts val="0"/>
+              </a:spcBef>
+              <a:spcAft>
+                <a:spcPts val="0"/>
+              </a:spcAft>
+              <a:buClrTx/>
+              <a:buSzTx/>
+              <a:buFontTx/>
+              <a:buNone/>
+              <a:tabLst/>
+              <a:defRPr/>
+            </a:pPr>
+            <a:endParaRPr lang="en-US" sz="3600" dirty="0"/>
+          </a:p>
+          <a:p>
+            <a:pPr marL="0" marR="0" lvl="0" indent="0" algn="l" defTabSz="914400" rtl="0" eaLnBrk="1" fontAlgn="auto" latinLnBrk="0" hangingPunct="1">
+              <a:lnSpc>
+                <a:spcPct val="100000"/>
+              </a:lnSpc>
+              <a:spcBef>
+                <a:spcPts val="0"/>
+              </a:spcBef>
+              <a:spcAft>
+                <a:spcPts val="0"/>
+              </a:spcAft>
+              <a:buClrTx/>
+              <a:buSzTx/>
+              <a:buFontTx/>
+              <a:buNone/>
+              <a:tabLst/>
+              <a:defRPr/>
+            </a:pPr>
+            <a:endParaRPr lang="en-US" sz="3600" dirty="0"/>
+          </a:p>
+          <a:p>
+            <a:pPr marL="0" marR="0" lvl="0" indent="0" algn="l" defTabSz="914400" rtl="0" eaLnBrk="1" fontAlgn="auto" latinLnBrk="0" hangingPunct="1">
+              <a:lnSpc>
+                <a:spcPct val="100000"/>
+              </a:lnSpc>
+              <a:spcBef>
+                <a:spcPts val="0"/>
+              </a:spcBef>
+              <a:spcAft>
+                <a:spcPts val="0"/>
+              </a:spcAft>
+              <a:buClrTx/>
+              <a:buSzTx/>
+              <a:buFontTx/>
+              <a:buNone/>
+              <a:tabLst/>
+              <a:defRPr/>
+            </a:pPr>
+            <a:endParaRPr lang="en-US" sz="3600" dirty="0"/>
           </a:p>
         </p:txBody>
       </p:sp>
@@ -8190,7 +8195,7 @@
     </p:spTree>
     <p:extLst>
       <p:ext uri="{BB962C8B-B14F-4D97-AF65-F5344CB8AC3E}">
-        <p14:creationId xmlns:p14="http://schemas.microsoft.com/office/powerpoint/2010/main" val="1209461942"/>
+        <p14:creationId xmlns:p14="http://schemas.microsoft.com/office/powerpoint/2010/main" val="1345260318"/>
       </p:ext>
     </p:extLst>
   </p:cSld>
@@ -8263,28 +8268,12 @@
             </a:pPr>
             <a:r>
               <a:rPr lang="en-US" i="0" dirty="0"/>
-              <a:t>Here are some other categories of non-functional requirements.</a:t>
-            </a:r>
-          </a:p>
-          <a:p>
-            <a:pPr marL="0" marR="0" lvl="0" indent="0" algn="l" defTabSz="914400" rtl="0" eaLnBrk="1" fontAlgn="auto" latinLnBrk="0" hangingPunct="1">
-              <a:lnSpc>
-                <a:spcPct val="100000"/>
-              </a:lnSpc>
-              <a:spcBef>
-                <a:spcPts val="0"/>
-              </a:spcBef>
-              <a:spcAft>
-                <a:spcPts val="0"/>
-              </a:spcAft>
-              <a:buClrTx/>
-              <a:buSzTx/>
-              <a:buFontTx/>
-              <a:buNone/>
-              <a:tabLst/>
-              <a:defRPr/>
-            </a:pPr>
-            <a:endParaRPr lang="en-US" i="0" dirty="0"/>
+              <a:t>For example, one high-level goal is to say “I want performance”. But what does performance mean? You probably mean to say that you expect that the system has some particular capacity (in terms of simultaneous users), who can simultaneously have their requests satisfied within some response time. That’s still not the whole picture though, because you didn’t specify the efficiency of your system: what hardware resources does it use to achieve that performance?</a:t>
+            </a:r>
+            <a:endParaRPr lang="en-US" dirty="0"/>
+          </a:p>
+          <a:p>
+            <a:endParaRPr lang="en-US" dirty="0"/>
           </a:p>
         </p:txBody>
       </p:sp>
@@ -8314,7 +8303,7 @@
     </p:spTree>
     <p:extLst>
       <p:ext uri="{BB962C8B-B14F-4D97-AF65-F5344CB8AC3E}">
-        <p14:creationId xmlns:p14="http://schemas.microsoft.com/office/powerpoint/2010/main" val="1539519105"/>
+        <p14:creationId xmlns:p14="http://schemas.microsoft.com/office/powerpoint/2010/main" val="1209461942"/>
       </p:ext>
     </p:extLst>
   </p:cSld>
@@ -8386,8 +8375,8 @@
               <a:defRPr/>
             </a:pPr>
             <a:r>
-              <a:rPr lang="en-US" dirty="0"/>
-              <a:t>Non-functional requirements might also impact the static existence of the system, or its evolution.</a:t>
+              <a:rPr lang="en-US" i="0" dirty="0"/>
+              <a:t>Here are some other categories of non-functional requirements.</a:t>
             </a:r>
           </a:p>
           <a:p>
@@ -8408,30 +8397,7 @@
               <a:tabLst/>
               <a:defRPr/>
             </a:pPr>
-            <a:endParaRPr lang="en-US" dirty="0"/>
-          </a:p>
-          <a:p>
-            <a:pPr marL="0" marR="0" lvl="0" indent="0" algn="l" defTabSz="914400" rtl="0" eaLnBrk="1" fontAlgn="auto" latinLnBrk="0" hangingPunct="1">
-              <a:lnSpc>
-                <a:spcPct val="100000"/>
-              </a:lnSpc>
-              <a:spcBef>
-                <a:spcPts val="0"/>
-              </a:spcBef>
-              <a:spcAft>
-                <a:spcPts val="0"/>
-              </a:spcAft>
-              <a:buClrTx/>
-              <a:buSzTx/>
-              <a:buFontTx/>
-              <a:buNone/>
-              <a:tabLst/>
-              <a:defRPr/>
-            </a:pPr>
-            <a:r>
-              <a:rPr lang="en-US" dirty="0"/>
-              <a:t>For example, if a customer intends for your software to be particularly long-lasting, and to be able to be extended – this needs to be said. Similarly, if there are specific testing requirements that your customer needs to comply with, there may be testability requirements, that define the effort needed to test the behaviors of that system.</a:t>
-            </a:r>
+            <a:endParaRPr lang="en-US" i="0" dirty="0"/>
           </a:p>
         </p:txBody>
       </p:sp>
@@ -8461,7 +8427,7 @@
     </p:spTree>
     <p:extLst>
       <p:ext uri="{BB962C8B-B14F-4D97-AF65-F5344CB8AC3E}">
-        <p14:creationId xmlns:p14="http://schemas.microsoft.com/office/powerpoint/2010/main" val="3523526305"/>
+        <p14:creationId xmlns:p14="http://schemas.microsoft.com/office/powerpoint/2010/main" val="1539519105"/>
       </p:ext>
     </p:extLst>
   </p:cSld>
@@ -8515,97 +8481,6 @@
           <a:bodyPr/>
           <a:lstStyle/>
           <a:p>
-            <a:r>
-              <a:rPr lang="en-US" dirty="0"/>
-              <a:t>INVEST is a popular mnemonic for describing what makes a good user story</a:t>
-            </a:r>
-          </a:p>
-          <a:p>
-            <a:endParaRPr lang="en-US" dirty="0"/>
-          </a:p>
-          <a:p>
-            <a:r>
-              <a:rPr lang="en-US" dirty="0"/>
-              <a:t>Independent – Stories should not be coupled between each other, except where obviously necessary. Want to make it so that a user can examine a story on its own</a:t>
-            </a:r>
-          </a:p>
-          <a:p>
-            <a:br>
-              <a:rPr lang="en-US" dirty="0"/>
-            </a:br>
-            <a:r>
-              <a:rPr lang="en-US" dirty="0"/>
-              <a:t>Negotiable – Best stories are result of a negotiation between a client and a developer – how do we come to some mutual agreement about what we are going to build, and why? Goal is to develop what the customer needs</a:t>
-            </a:r>
-          </a:p>
-          <a:p>
-            <a:endParaRPr lang="en-US" dirty="0"/>
-          </a:p>
-          <a:p>
-            <a:r>
-              <a:rPr lang="en-US" dirty="0"/>
-              <a:t>Valuable – Each story should have some benefit that the client can recognize. Value might include value to your business, not just value to the user.</a:t>
-            </a:r>
-          </a:p>
-          <a:p>
-            <a:endParaRPr lang="en-US" dirty="0"/>
-          </a:p>
-          <a:p>
-            <a:r>
-              <a:rPr lang="en-US" dirty="0"/>
-              <a:t>Estimable (that is, </a:t>
-            </a:r>
-            <a:r>
-              <a:rPr lang="en-US" dirty="0" err="1"/>
-              <a:t>estimatable</a:t>
-            </a:r>
-            <a:r>
-              <a:rPr lang="en-US" dirty="0"/>
-              <a:t>) – As we will see in a bit, being able to estimate how long it will take to implement a user story is key to determining a reasonable scope for your project</a:t>
-            </a:r>
-          </a:p>
-          <a:p>
-            <a:endParaRPr lang="en-US" dirty="0"/>
-          </a:p>
-          <a:p>
-            <a:r>
-              <a:rPr lang="en-US" dirty="0"/>
-              <a:t>Small – In  the real world, a rule of thumb is to average 3-4 days of work per story for a full-time developer.  For our projects, it might be something a single student might be able to accomplish in a week, along with their other obligations as a student.</a:t>
-            </a:r>
-          </a:p>
-          <a:p>
-            <a:endParaRPr lang="en-US" dirty="0"/>
-          </a:p>
-          <a:p>
-            <a:r>
-              <a:rPr lang="en-US" dirty="0"/>
-              <a:t>Testable – There must be some way to judge completion: for the person implementing the software, and for the end-user. </a:t>
-            </a:r>
-          </a:p>
-          <a:p>
-            <a:endParaRPr lang="en-US" dirty="0"/>
-          </a:p>
-          <a:p>
-            <a:r>
-              <a:rPr lang="en-US" dirty="0"/>
-              <a:t>https://</a:t>
-            </a:r>
-            <a:r>
-              <a:rPr lang="en-US" dirty="0" err="1"/>
-              <a:t>agileforall.com</a:t>
-            </a:r>
-            <a:r>
-              <a:rPr lang="en-US" dirty="0"/>
-              <a:t>/new-to-agile-invest-in-good-user-stories/</a:t>
-            </a:r>
-          </a:p>
-          <a:p>
-            <a:endParaRPr lang="en-US" dirty="0"/>
-          </a:p>
-          <a:p>
-            <a:endParaRPr lang="en-US" dirty="0"/>
-          </a:p>
-          <a:p>
             <a:pPr marL="0" marR="0" lvl="0" indent="0" algn="l" defTabSz="914400" rtl="0" eaLnBrk="1" fontAlgn="auto" latinLnBrk="0" hangingPunct="1">
               <a:lnSpc>
                 <a:spcPct val="100000"/>
@@ -8625,7 +8500,50 @@
             </a:pPr>
             <a:r>
               <a:rPr lang="en-US" dirty="0"/>
-              <a:t>… Let’s see an example and work through some of the tricky bits</a:t>
+              <a:t>Non-functional requirements might also impact the static existence of the system, or its evolution.</a:t>
+            </a:r>
+          </a:p>
+          <a:p>
+            <a:pPr marL="0" marR="0" lvl="0" indent="0" algn="l" defTabSz="914400" rtl="0" eaLnBrk="1" fontAlgn="auto" latinLnBrk="0" hangingPunct="1">
+              <a:lnSpc>
+                <a:spcPct val="100000"/>
+              </a:lnSpc>
+              <a:spcBef>
+                <a:spcPts val="0"/>
+              </a:spcBef>
+              <a:spcAft>
+                <a:spcPts val="0"/>
+              </a:spcAft>
+              <a:buClrTx/>
+              <a:buSzTx/>
+              <a:buFontTx/>
+              <a:buNone/>
+              <a:tabLst/>
+              <a:defRPr/>
+            </a:pPr>
+            <a:endParaRPr lang="en-US" dirty="0"/>
+          </a:p>
+          <a:p>
+            <a:pPr marL="0" marR="0" lvl="0" indent="0" algn="l" defTabSz="914400" rtl="0" eaLnBrk="1" fontAlgn="auto" latinLnBrk="0" hangingPunct="1">
+              <a:lnSpc>
+                <a:spcPct val="100000"/>
+              </a:lnSpc>
+              <a:spcBef>
+                <a:spcPts val="0"/>
+              </a:spcBef>
+              <a:spcAft>
+                <a:spcPts val="0"/>
+              </a:spcAft>
+              <a:buClrTx/>
+              <a:buSzTx/>
+              <a:buFontTx/>
+              <a:buNone/>
+              <a:tabLst/>
+              <a:defRPr/>
+            </a:pPr>
+            <a:r>
+              <a:rPr lang="en-US" dirty="0"/>
+              <a:t>For example, if a customer intends for your software to be particularly long-lasting, and to be able to be extended – this needs to be said. Similarly, if there are specific testing requirements that your customer needs to comply with, there may be testability requirements, that define the effort needed to test the behaviors of that system.</a:t>
             </a:r>
           </a:p>
         </p:txBody>
@@ -8649,14 +8567,14 @@
               <a:rPr lang="en-US" smtClean="0"/>
               <a:t>34</a:t>
             </a:fld>
-            <a:endParaRPr lang="en-US"/>
+            <a:endParaRPr lang="en-US" dirty="0"/>
           </a:p>
         </p:txBody>
       </p:sp>
     </p:spTree>
     <p:extLst>
       <p:ext uri="{BB962C8B-B14F-4D97-AF65-F5344CB8AC3E}">
-        <p14:creationId xmlns:p14="http://schemas.microsoft.com/office/powerpoint/2010/main" val="1695675977"/>
+        <p14:creationId xmlns:p14="http://schemas.microsoft.com/office/powerpoint/2010/main" val="3523526305"/>
       </p:ext>
     </p:extLst>
   </p:cSld>
@@ -8710,7 +8628,118 @@
           <a:bodyPr/>
           <a:lstStyle/>
           <a:p>
+            <a:r>
+              <a:rPr lang="en-US" dirty="0"/>
+              <a:t>INVEST is a popular mnemonic for describing what makes a good user story</a:t>
+            </a:r>
+          </a:p>
+          <a:p>
             <a:endParaRPr lang="en-US" dirty="0"/>
+          </a:p>
+          <a:p>
+            <a:r>
+              <a:rPr lang="en-US" dirty="0"/>
+              <a:t>Independent – Stories should not be coupled between each other, except where obviously necessary. Want to make it so that a user can examine a story on its own</a:t>
+            </a:r>
+          </a:p>
+          <a:p>
+            <a:br>
+              <a:rPr lang="en-US" dirty="0"/>
+            </a:br>
+            <a:r>
+              <a:rPr lang="en-US" dirty="0"/>
+              <a:t>Negotiable – Best stories are result of a negotiation between a client and a developer – how do we come to some mutual agreement about what we are going to build, and why? Goal is to develop what the customer needs</a:t>
+            </a:r>
+          </a:p>
+          <a:p>
+            <a:endParaRPr lang="en-US" dirty="0"/>
+          </a:p>
+          <a:p>
+            <a:r>
+              <a:rPr lang="en-US" dirty="0"/>
+              <a:t>Valuable – Each story should have some benefit that the client can recognize. Value might include value to your business, not just value to the user.</a:t>
+            </a:r>
+          </a:p>
+          <a:p>
+            <a:endParaRPr lang="en-US" dirty="0"/>
+          </a:p>
+          <a:p>
+            <a:r>
+              <a:rPr lang="en-US" dirty="0"/>
+              <a:t>Estimable (that is, </a:t>
+            </a:r>
+            <a:r>
+              <a:rPr lang="en-US" dirty="0" err="1"/>
+              <a:t>estimatable</a:t>
+            </a:r>
+            <a:r>
+              <a:rPr lang="en-US" dirty="0"/>
+              <a:t>) – As we will see in a bit, being able to estimate how long it will take to implement a user story is key to determining a reasonable scope for your project</a:t>
+            </a:r>
+          </a:p>
+          <a:p>
+            <a:endParaRPr lang="en-US" dirty="0"/>
+          </a:p>
+          <a:p>
+            <a:r>
+              <a:rPr lang="en-US" dirty="0"/>
+              <a:t>Small – In  the real world, a rule of thumb is to average 3-4 days of work per story for a full-time developer.  For our projects, it might be something a single student might be able to accomplish in a week, along with their other obligations as a student.</a:t>
+            </a:r>
+          </a:p>
+          <a:p>
+            <a:endParaRPr lang="en-US" dirty="0"/>
+          </a:p>
+          <a:p>
+            <a:r>
+              <a:rPr lang="en-US" dirty="0"/>
+              <a:t>Testable – There must be some way to judge completion: for the person implementing the software, and for the end-user. </a:t>
+            </a:r>
+          </a:p>
+          <a:p>
+            <a:endParaRPr lang="en-US" dirty="0"/>
+          </a:p>
+          <a:p>
+            <a:r>
+              <a:rPr lang="en-US" dirty="0"/>
+              <a:t>https://</a:t>
+            </a:r>
+            <a:r>
+              <a:rPr lang="en-US" dirty="0" err="1"/>
+              <a:t>agileforall.com</a:t>
+            </a:r>
+            <a:r>
+              <a:rPr lang="en-US" dirty="0"/>
+              <a:t>/new-to-agile-invest-in-good-user-stories/</a:t>
+            </a:r>
+          </a:p>
+          <a:p>
+            <a:endParaRPr lang="en-US" dirty="0"/>
+          </a:p>
+          <a:p>
+            <a:endParaRPr lang="en-US" dirty="0"/>
+          </a:p>
+          <a:p>
+            <a:pPr marL="0" marR="0" lvl="0" indent="0" algn="l" defTabSz="914400" rtl="0" eaLnBrk="1" fontAlgn="auto" latinLnBrk="0" hangingPunct="1">
+              <a:lnSpc>
+                <a:spcPct val="100000"/>
+              </a:lnSpc>
+              <a:spcBef>
+                <a:spcPts val="0"/>
+              </a:spcBef>
+              <a:spcAft>
+                <a:spcPts val="0"/>
+              </a:spcAft>
+              <a:buClrTx/>
+              <a:buSzTx/>
+              <a:buFontTx/>
+              <a:buNone/>
+              <a:tabLst/>
+              <a:defRPr/>
+            </a:pPr>
+            <a:r>
+              <a:rPr lang="en-US" dirty="0"/>
+              <a:t>… Let’s see an example and work through some of the tricky bits</a:t>
+            </a:r>
           </a:p>
         </p:txBody>
       </p:sp>
@@ -8740,7 +8769,7 @@
     </p:spTree>
     <p:extLst>
       <p:ext uri="{BB962C8B-B14F-4D97-AF65-F5344CB8AC3E}">
-        <p14:creationId xmlns:p14="http://schemas.microsoft.com/office/powerpoint/2010/main" val="829497123"/>
+        <p14:creationId xmlns:p14="http://schemas.microsoft.com/office/powerpoint/2010/main" val="1695675977"/>
       </p:ext>
     </p:extLst>
   </p:cSld>
@@ -8794,49 +8823,7 @@
           <a:bodyPr/>
           <a:lstStyle/>
           <a:p>
-            <a:r>
-              <a:rPr lang="en-US" dirty="0"/>
-              <a:t>Emphasize that VSD is a framework to help reason about value-based choices. It is not a prescription of ethics.</a:t>
-            </a:r>
-          </a:p>
-          <a:p>
             <a:endParaRPr lang="en-US" dirty="0"/>
-          </a:p>
-          <a:p>
-            <a:r>
-              <a:rPr lang="en-US" dirty="0"/>
-              <a:t>The process of VSD includes three kinds of investigations:</a:t>
-            </a:r>
-          </a:p>
-          <a:p>
-            <a:pPr marL="171450" indent="-171450">
-              <a:buFontTx/>
-              <a:buChar char="-"/>
-            </a:pPr>
-            <a:r>
-              <a:rPr lang="en-US" dirty="0"/>
-              <a:t>Empirical: This is about understanding how the value works in real life based on observations made in the field or from life experiences.</a:t>
-            </a:r>
-          </a:p>
-          <a:p>
-            <a:pPr marL="171450" indent="-171450">
-              <a:buFontTx/>
-              <a:buChar char="-"/>
-            </a:pPr>
-            <a:r>
-              <a:rPr lang="en-US" dirty="0"/>
-              <a:t>Value: Involves identifying stakeholders, thinking about their goals and values and then finally resolving the value tensions arising from conflicting interests of stakeholders.</a:t>
-            </a:r>
-          </a:p>
-          <a:p>
-            <a:pPr marL="171450" indent="-171450">
-              <a:buFontTx/>
-              <a:buChar char="-"/>
-            </a:pPr>
-            <a:r>
-              <a:rPr lang="en-US" dirty="0"/>
-              <a:t>Technical: The technical feasibility of implementing the solutions.</a:t>
-            </a:r>
           </a:p>
         </p:txBody>
       </p:sp>
@@ -8859,14 +8846,14 @@
               <a:rPr lang="en-US" smtClean="0"/>
               <a:t>36</a:t>
             </a:fld>
-            <a:endParaRPr lang="en-US"/>
+            <a:endParaRPr lang="en-US" dirty="0"/>
           </a:p>
         </p:txBody>
       </p:sp>
     </p:spTree>
     <p:extLst>
       <p:ext uri="{BB962C8B-B14F-4D97-AF65-F5344CB8AC3E}">
-        <p14:creationId xmlns:p14="http://schemas.microsoft.com/office/powerpoint/2010/main" val="10009787"/>
+        <p14:creationId xmlns:p14="http://schemas.microsoft.com/office/powerpoint/2010/main" val="860113493"/>
       </p:ext>
     </p:extLst>
   </p:cSld>
@@ -8920,40 +8907,7 @@
           <a:bodyPr/>
           <a:lstStyle/>
           <a:p>
-            <a:r>
-              <a:rPr lang="en-US" dirty="0"/>
-              <a:t>The slide illustrates how to use VSD to think about a value like informed consent:</a:t>
-            </a:r>
-          </a:p>
-          <a:p>
             <a:endParaRPr lang="en-US" dirty="0"/>
-          </a:p>
-          <a:p>
-            <a:pPr marL="228600" indent="-228600">
-              <a:buAutoNum type="arabicPeriod"/>
-            </a:pPr>
-            <a:r>
-              <a:rPr lang="en-US" dirty="0"/>
-              <a:t>Do an empirical investigation which involves understanding the meaning of the value. In this case understanding informed consent hinges on four concepts as outlined. Often to understand a value one will have to collaborate with experts in a field such as sociologists, philosophers, domain experts. </a:t>
-            </a:r>
-          </a:p>
-          <a:p>
-            <a:pPr marL="228600" indent="-228600">
-              <a:buAutoNum type="arabicPeriod"/>
-            </a:pPr>
-            <a:r>
-              <a:rPr lang="en-US" dirty="0"/>
-              <a:t>Identify the stakeholders and value tensions. For e.g., the stakeholders here could be site users and site owners. Their interests may align or conflict. For e.g., site users may want to be anonymous, but site owners might want to monetize site usage by sharing personal usage data with advertisers. On the other hand they may align if the site owners want to make accountability and transparently a core value of their operations.</a:t>
-            </a:r>
-          </a:p>
-          <a:p>
-            <a:pPr marL="228600" indent="-228600">
-              <a:buAutoNum type="arabicPeriod"/>
-            </a:pPr>
-            <a:r>
-              <a:rPr lang="en-US" dirty="0"/>
-              <a:t>Cookies in browsers are one way to collect personal information after taking permission from the users.</a:t>
-            </a:r>
           </a:p>
         </p:txBody>
       </p:sp>
@@ -8983,7 +8937,7 @@
     </p:spTree>
     <p:extLst>
       <p:ext uri="{BB962C8B-B14F-4D97-AF65-F5344CB8AC3E}">
-        <p14:creationId xmlns:p14="http://schemas.microsoft.com/office/powerpoint/2010/main" val="589351339"/>
+        <p14:creationId xmlns:p14="http://schemas.microsoft.com/office/powerpoint/2010/main" val="829497123"/>
       </p:ext>
     </p:extLst>
   </p:cSld>
@@ -9136,7 +9090,49 @@
           <a:bodyPr/>
           <a:lstStyle/>
           <a:p>
+            <a:r>
+              <a:rPr lang="en-US" dirty="0"/>
+              <a:t>Emphasize that VSD is a framework to help reason about value-based choices. It is not a prescription of ethics.</a:t>
+            </a:r>
+          </a:p>
+          <a:p>
             <a:endParaRPr lang="en-US" dirty="0"/>
+          </a:p>
+          <a:p>
+            <a:r>
+              <a:rPr lang="en-US" dirty="0"/>
+              <a:t>The process of VSD includes three kinds of investigations:</a:t>
+            </a:r>
+          </a:p>
+          <a:p>
+            <a:pPr marL="171450" indent="-171450">
+              <a:buFontTx/>
+              <a:buChar char="-"/>
+            </a:pPr>
+            <a:r>
+              <a:rPr lang="en-US" dirty="0"/>
+              <a:t>Empirical: This is about understanding how the value works in real life based on observations made in the field or from life experiences.</a:t>
+            </a:r>
+          </a:p>
+          <a:p>
+            <a:pPr marL="171450" indent="-171450">
+              <a:buFontTx/>
+              <a:buChar char="-"/>
+            </a:pPr>
+            <a:r>
+              <a:rPr lang="en-US" dirty="0"/>
+              <a:t>Value: Involves identifying stakeholders, thinking about their goals and values and then finally resolving the value tensions arising from conflicting interests of stakeholders.</a:t>
+            </a:r>
+          </a:p>
+          <a:p>
+            <a:pPr marL="171450" indent="-171450">
+              <a:buFontTx/>
+              <a:buChar char="-"/>
+            </a:pPr>
+            <a:r>
+              <a:rPr lang="en-US" dirty="0"/>
+              <a:t>Technical: The technical feasibility of implementing the solutions.</a:t>
+            </a:r>
           </a:p>
         </p:txBody>
       </p:sp>
@@ -9166,7 +9162,7 @@
     </p:spTree>
     <p:extLst>
       <p:ext uri="{BB962C8B-B14F-4D97-AF65-F5344CB8AC3E}">
-        <p14:creationId xmlns:p14="http://schemas.microsoft.com/office/powerpoint/2010/main" val="1638367211"/>
+        <p14:creationId xmlns:p14="http://schemas.microsoft.com/office/powerpoint/2010/main" val="10009787"/>
       </p:ext>
     </p:extLst>
   </p:cSld>
@@ -9220,7 +9216,40 @@
           <a:bodyPr/>
           <a:lstStyle/>
           <a:p>
+            <a:r>
+              <a:rPr lang="en-US" dirty="0"/>
+              <a:t>The slide illustrates how to use VSD to think about a value like informed consent:</a:t>
+            </a:r>
+          </a:p>
+          <a:p>
             <a:endParaRPr lang="en-US" dirty="0"/>
+          </a:p>
+          <a:p>
+            <a:pPr marL="228600" indent="-228600">
+              <a:buAutoNum type="arabicPeriod"/>
+            </a:pPr>
+            <a:r>
+              <a:rPr lang="en-US" dirty="0"/>
+              <a:t>Do an empirical investigation which involves understanding the meaning of the value. In this case understanding informed consent hinges on four concepts as outlined. Often to understand a value one will have to collaborate with experts in a field such as sociologists, philosophers, domain experts. </a:t>
+            </a:r>
+          </a:p>
+          <a:p>
+            <a:pPr marL="228600" indent="-228600">
+              <a:buAutoNum type="arabicPeriod"/>
+            </a:pPr>
+            <a:r>
+              <a:rPr lang="en-US" dirty="0"/>
+              <a:t>Identify the stakeholders and value tensions. For e.g., the stakeholders here could be site users and site owners. Their interests may align or conflict. For e.g., site users may want to be anonymous, but site owners might want to monetize site usage by sharing personal usage data with advertisers. On the other hand they may align if the site owners want to make accountability and transparently a core value of their operations.</a:t>
+            </a:r>
+          </a:p>
+          <a:p>
+            <a:pPr marL="228600" indent="-228600">
+              <a:buAutoNum type="arabicPeriod"/>
+            </a:pPr>
+            <a:r>
+              <a:rPr lang="en-US" dirty="0"/>
+              <a:t>Cookies in browsers are one way to collect personal information after taking permission from the users.</a:t>
+            </a:r>
           </a:p>
         </p:txBody>
       </p:sp>
@@ -9250,7 +9279,7 @@
     </p:spTree>
     <p:extLst>
       <p:ext uri="{BB962C8B-B14F-4D97-AF65-F5344CB8AC3E}">
-        <p14:creationId xmlns:p14="http://schemas.microsoft.com/office/powerpoint/2010/main" val="2160731417"/>
+        <p14:creationId xmlns:p14="http://schemas.microsoft.com/office/powerpoint/2010/main" val="589351339"/>
       </p:ext>
     </p:extLst>
   </p:cSld>
@@ -9327,14 +9356,14 @@
               <a:rPr lang="en-US" smtClean="0"/>
               <a:t>40</a:t>
             </a:fld>
-            <a:endParaRPr lang="en-US" dirty="0"/>
+            <a:endParaRPr lang="en-US"/>
           </a:p>
         </p:txBody>
       </p:sp>
     </p:spTree>
     <p:extLst>
       <p:ext uri="{BB962C8B-B14F-4D97-AF65-F5344CB8AC3E}">
-        <p14:creationId xmlns:p14="http://schemas.microsoft.com/office/powerpoint/2010/main" val="460942384"/>
+        <p14:creationId xmlns:p14="http://schemas.microsoft.com/office/powerpoint/2010/main" val="1638367211"/>
       </p:ext>
     </p:extLst>
   </p:cSld>
@@ -9388,117 +9417,7 @@
           <a:bodyPr/>
           <a:lstStyle/>
           <a:p>
-            <a:r>
-              <a:rPr lang="en-US" dirty="0"/>
-              <a:t>It is essential to consider ethics and values when building technology. Ethics is a branch in Philosophy that explores the moral principles and values that guide human behavior and decision making. There is a growing consensus in CS disciplines such as HCI and software engineering to borrow concepts from ethics to help drive design and implementation of software systems.</a:t>
-            </a:r>
-          </a:p>
-          <a:p>
             <a:endParaRPr lang="en-US" dirty="0"/>
-          </a:p>
-          <a:p>
-            <a:r>
-              <a:rPr lang="en-US" dirty="0"/>
-              <a:t>Identifying and grappling with value tensions during the requirements and design phase leads to “better” apps, websites, software systems, artificial intelligence, etc. </a:t>
-            </a:r>
-            <a:br>
-              <a:rPr lang="en-US" dirty="0"/>
-            </a:br>
-            <a:endParaRPr lang="en-US" dirty="0"/>
-          </a:p>
-          <a:p>
-            <a:r>
-              <a:rPr lang="en-US" dirty="0"/>
-              <a:t>Let’s consider a common example: informed consent</a:t>
-            </a:r>
-          </a:p>
-          <a:p>
-            <a:r>
-              <a:rPr lang="en-US" dirty="0"/>
-              <a:t>{Optional} Ask students What is Informed consent and how can it be designed in an online environment? </a:t>
-            </a:r>
-          </a:p>
-          <a:p>
-            <a:pPr marL="0" marR="0" lvl="0" indent="0" algn="l" defTabSz="914400" rtl="0" eaLnBrk="1" fontAlgn="auto" latinLnBrk="0" hangingPunct="1">
-              <a:lnSpc>
-                <a:spcPct val="100000"/>
-              </a:lnSpc>
-              <a:spcBef>
-                <a:spcPts val="0"/>
-              </a:spcBef>
-              <a:spcAft>
-                <a:spcPts val="0"/>
-              </a:spcAft>
-              <a:buClrTx/>
-              <a:buSzTx/>
-              <a:buFontTx/>
-              <a:buNone/>
-              <a:tabLst/>
-              <a:defRPr/>
-            </a:pPr>
-            <a:r>
-              <a:rPr lang="en-US" dirty="0"/>
-              <a:t>Cookies and security solutions such as HTTPS are an outcome of an analysis that considers ethical aspects and values such as informed consent</a:t>
-            </a:r>
-          </a:p>
-          <a:p>
-            <a:endParaRPr lang="en-US" dirty="0"/>
-          </a:p>
-          <a:p>
-            <a:r>
-              <a:rPr lang="en-US" dirty="0"/>
-              <a:t>The design hinges on the following constructs:</a:t>
-            </a:r>
-          </a:p>
-          <a:p>
-            <a:pPr marL="171450" indent="-171450">
-              <a:buFontTx/>
-              <a:buChar char="-"/>
-            </a:pPr>
-            <a:r>
-              <a:rPr lang="en-US" dirty="0"/>
-              <a:t>Disclosure refers to providing accurate information on the pros and cons of the action</a:t>
-            </a:r>
-          </a:p>
-          <a:p>
-            <a:pPr marL="171450" indent="-171450">
-              <a:buFontTx/>
-              <a:buChar char="-"/>
-            </a:pPr>
-            <a:r>
-              <a:rPr lang="en-US" dirty="0"/>
-              <a:t>comprehension refers to a user’s accurate interpretation of what is being disclosed</a:t>
-            </a:r>
-          </a:p>
-          <a:p>
-            <a:pPr marL="171450" indent="-171450">
-              <a:buFontTx/>
-              <a:buChar char="-"/>
-            </a:pPr>
-            <a:r>
-              <a:rPr lang="en-US" dirty="0"/>
-              <a:t>Voluntariness refers to ensuring no coercion or control</a:t>
-            </a:r>
-          </a:p>
-          <a:p>
-            <a:pPr marL="171450" indent="-171450">
-              <a:buFontTx/>
-              <a:buChar char="-"/>
-            </a:pPr>
-            <a:r>
-              <a:rPr lang="en-US" dirty="0"/>
-              <a:t>competence refers to an individual’s mental and physical capability to give consent</a:t>
-            </a:r>
-          </a:p>
-          <a:p>
-            <a:pPr marL="171450" indent="-171450">
-              <a:buFontTx/>
-              <a:buChar char="-"/>
-            </a:pPr>
-            <a:r>
-              <a:rPr lang="en-US" dirty="0"/>
-              <a:t>Agreement refers to a clear opportunity to accept or decline</a:t>
-            </a:r>
           </a:p>
         </p:txBody>
       </p:sp>
@@ -9528,7 +9447,7 @@
     </p:spTree>
     <p:extLst>
       <p:ext uri="{BB962C8B-B14F-4D97-AF65-F5344CB8AC3E}">
-        <p14:creationId xmlns:p14="http://schemas.microsoft.com/office/powerpoint/2010/main" val="2005210505"/>
+        <p14:creationId xmlns:p14="http://schemas.microsoft.com/office/powerpoint/2010/main" val="2160731417"/>
       </p:ext>
     </p:extLst>
   </p:cSld>
@@ -9584,7 +9503,7 @@
           <a:p>
             <a:r>
               <a:rPr lang="en-US" dirty="0"/>
-              <a:t>The Reddit case study will be used to illustrate the different types of investigations involved in the VSD framework.</a:t>
+              <a:t>It is essential to consider ethics and values when building technology. Ethics is a branch in Philosophy that explores the moral principles and values that guide human behavior and decision making. There is a growing consensus in CS disciplines such as HCI and software engineering to borrow concepts from ethics to help drive design and implementation of software systems.</a:t>
             </a:r>
           </a:p>
           <a:p>
@@ -9593,7 +9512,105 @@
           <a:p>
             <a:r>
               <a:rPr lang="en-US" dirty="0"/>
-              <a:t>Like Stack Overflow, Reddit is a platform for discussion. Our hope is that using VSD here will help students align VSD with their final project on Stack Overflow.</a:t>
+              <a:t>Identifying and grappling with value tensions during the requirements and design phase leads to “better” apps, websites, software systems, artificial intelligence, etc. </a:t>
+            </a:r>
+            <a:br>
+              <a:rPr lang="en-US" dirty="0"/>
+            </a:br>
+            <a:endParaRPr lang="en-US" dirty="0"/>
+          </a:p>
+          <a:p>
+            <a:r>
+              <a:rPr lang="en-US" dirty="0"/>
+              <a:t>Let’s consider a common example: informed consent</a:t>
+            </a:r>
+          </a:p>
+          <a:p>
+            <a:r>
+              <a:rPr lang="en-US" dirty="0"/>
+              <a:t>{Optional} Ask students What is Informed consent and how can it be designed in an online environment? </a:t>
+            </a:r>
+          </a:p>
+          <a:p>
+            <a:pPr marL="0" marR="0" lvl="0" indent="0" algn="l" defTabSz="914400" rtl="0" eaLnBrk="1" fontAlgn="auto" latinLnBrk="0" hangingPunct="1">
+              <a:lnSpc>
+                <a:spcPct val="100000"/>
+              </a:lnSpc>
+              <a:spcBef>
+                <a:spcPts val="0"/>
+              </a:spcBef>
+              <a:spcAft>
+                <a:spcPts val="0"/>
+              </a:spcAft>
+              <a:buClrTx/>
+              <a:buSzTx/>
+              <a:buFontTx/>
+              <a:buNone/>
+              <a:tabLst/>
+              <a:defRPr/>
+            </a:pPr>
+            <a:r>
+              <a:rPr lang="en-US" dirty="0"/>
+              <a:t>Cookies and security solutions such as HTTPS are an outcome of an analysis that considers ethical aspects and values such as informed consent</a:t>
+            </a:r>
+          </a:p>
+          <a:p>
+            <a:endParaRPr lang="en-US" dirty="0"/>
+          </a:p>
+          <a:p>
+            <a:r>
+              <a:rPr lang="en-US" dirty="0"/>
+              <a:t>The design hinges on the following constructs:</a:t>
+            </a:r>
+          </a:p>
+          <a:p>
+            <a:pPr marL="171450" indent="-171450">
+              <a:buFontTx/>
+              <a:buChar char="-"/>
+            </a:pPr>
+            <a:r>
+              <a:rPr lang="en-US" dirty="0"/>
+              <a:t>Disclosure refers to providing accurate information on the pros and cons of the action</a:t>
+            </a:r>
+          </a:p>
+          <a:p>
+            <a:pPr marL="171450" indent="-171450">
+              <a:buFontTx/>
+              <a:buChar char="-"/>
+            </a:pPr>
+            <a:r>
+              <a:rPr lang="en-US" dirty="0"/>
+              <a:t>comprehension refers to a user’s accurate interpretation of what is being disclosed</a:t>
+            </a:r>
+          </a:p>
+          <a:p>
+            <a:pPr marL="171450" indent="-171450">
+              <a:buFontTx/>
+              <a:buChar char="-"/>
+            </a:pPr>
+            <a:r>
+              <a:rPr lang="en-US" dirty="0"/>
+              <a:t>Voluntariness refers to ensuring no coercion or control</a:t>
+            </a:r>
+          </a:p>
+          <a:p>
+            <a:pPr marL="171450" indent="-171450">
+              <a:buFontTx/>
+              <a:buChar char="-"/>
+            </a:pPr>
+            <a:r>
+              <a:rPr lang="en-US" dirty="0"/>
+              <a:t>competence refers to an individual’s mental and physical capability to give consent</a:t>
+            </a:r>
+          </a:p>
+          <a:p>
+            <a:pPr marL="171450" indent="-171450">
+              <a:buFontTx/>
+              <a:buChar char="-"/>
+            </a:pPr>
+            <a:r>
+              <a:rPr lang="en-US" dirty="0"/>
+              <a:t>Agreement refers to a clear opportunity to accept or decline</a:t>
             </a:r>
           </a:p>
         </p:txBody>
@@ -9624,7 +9641,7 @@
     </p:spTree>
     <p:extLst>
       <p:ext uri="{BB962C8B-B14F-4D97-AF65-F5344CB8AC3E}">
-        <p14:creationId xmlns:p14="http://schemas.microsoft.com/office/powerpoint/2010/main" val="944764616"/>
+        <p14:creationId xmlns:p14="http://schemas.microsoft.com/office/powerpoint/2010/main" val="2005210505"/>
       </p:ext>
     </p:extLst>
   </p:cSld>
@@ -9680,7 +9697,7 @@
           <a:p>
             <a:r>
               <a:rPr lang="en-US" dirty="0"/>
-              <a:t>Students must first discuss these questions in groups. Below is a sample answer not necessarily the only answer.</a:t>
+              <a:t>The Reddit case study will be used to illustrate the different types of investigations involved in the VSD framework.</a:t>
             </a:r>
           </a:p>
           <a:p>
@@ -9689,25 +9706,7 @@
           <a:p>
             <a:r>
               <a:rPr lang="en-US" dirty="0"/>
-              <a:t>Dataset may not be representative as it may not capture all nuances of language (even in English) used in different communities such as slangs, dialects, or culturally specific phrases.</a:t>
-            </a:r>
-          </a:p>
-          <a:p>
-            <a:endParaRPr lang="en-US" dirty="0"/>
-          </a:p>
-          <a:p>
-            <a:r>
-              <a:rPr lang="en-US" dirty="0"/>
-              <a:t>Dataset maybe biased as it may be based on historical posts that were flagged by human moderators. E.g., posts from specific communities were flagged more.</a:t>
-            </a:r>
-          </a:p>
-          <a:p>
-            <a:endParaRPr lang="en-US" dirty="0"/>
-          </a:p>
-          <a:p>
-            <a:r>
-              <a:rPr lang="en-US" dirty="0"/>
-              <a:t>Complications: what constitutes hate speech isn’t clear. For e.g., some words may have been reclaimed by specific communities or posts may use satire to make a point.</a:t>
+              <a:t>Like Stack Overflow, Reddit is a platform for discussion. Our hope is that using VSD here will help students align VSD with their final project on Stack Overflow.</a:t>
             </a:r>
           </a:p>
         </p:txBody>
@@ -9738,7 +9737,7 @@
     </p:spTree>
     <p:extLst>
       <p:ext uri="{BB962C8B-B14F-4D97-AF65-F5344CB8AC3E}">
-        <p14:creationId xmlns:p14="http://schemas.microsoft.com/office/powerpoint/2010/main" val="1831237000"/>
+        <p14:creationId xmlns:p14="http://schemas.microsoft.com/office/powerpoint/2010/main" val="944764616"/>
       </p:ext>
     </p:extLst>
   </p:cSld>
@@ -9794,7 +9793,7 @@
           <a:p>
             <a:r>
               <a:rPr lang="en-US" dirty="0"/>
-              <a:t>Stakeholder analysis is part of value investigations</a:t>
+              <a:t>Students must first discuss these questions in groups. Below is a sample answer not necessarily the only answer.</a:t>
             </a:r>
           </a:p>
           <a:p>
@@ -9803,7 +9802,7 @@
           <a:p>
             <a:r>
               <a:rPr lang="en-US" dirty="0"/>
-              <a:t>Students should reflect about these questions in groups.</a:t>
+              <a:t>Dataset may not be representative as it may not capture all nuances of language (even in English) used in different communities such as slangs, dialects, or culturally specific phrases.</a:t>
             </a:r>
           </a:p>
           <a:p>
@@ -9812,7 +9811,7 @@
           <a:p>
             <a:r>
               <a:rPr lang="en-US" dirty="0"/>
-              <a:t>Here is a sample answer.</a:t>
+              <a:t>Dataset maybe biased as it may be based on historical posts that were flagged by human moderators. E.g., posts from specific communities were flagged more.</a:t>
             </a:r>
           </a:p>
           <a:p>
@@ -9821,69 +9820,7 @@
           <a:p>
             <a:r>
               <a:rPr lang="en-US" dirty="0"/>
-              <a:t>1. Reddit users, moderators, reddit company, advertisers</a:t>
-            </a:r>
-          </a:p>
-          <a:p>
-            <a:r>
-              <a:rPr lang="en-US" dirty="0"/>
-              <a:t>2. Interests/Values</a:t>
-            </a:r>
-          </a:p>
-          <a:p>
-            <a:r>
-              <a:rPr lang="en-US" dirty="0"/>
-              <a:t>  Users: free expression, accurate information, entertainment, anonymity, privacy</a:t>
-            </a:r>
-          </a:p>
-          <a:p>
-            <a:r>
-              <a:rPr lang="en-US" dirty="0"/>
-              <a:t>  Moderators: consistent enforcement of rules, reduced workload, ability to correct mistakes, maintain subreddit culture, transparency</a:t>
-            </a:r>
-          </a:p>
-          <a:p>
-            <a:r>
-              <a:rPr lang="en-US" dirty="0"/>
-              <a:t>  company: user engagement, revenue, accountability,  building brand image, legal compliance</a:t>
-            </a:r>
-          </a:p>
-          <a:p>
-            <a:r>
-              <a:rPr lang="en-US" dirty="0"/>
-              <a:t>  advertisers: user reach, low cost, profit, seamless integration with content</a:t>
-            </a:r>
-          </a:p>
-          <a:p>
-            <a:r>
-              <a:rPr lang="en-US" dirty="0"/>
-              <a:t>3. Conflicts</a:t>
-            </a:r>
-            <a:br>
-              <a:rPr lang="en-US" dirty="0"/>
-            </a:br>
-            <a:r>
-              <a:rPr lang="en-US" dirty="0"/>
-              <a:t>    free expression vs. content moderation or legal compliance, accurate info vs. entertainment, user autonomy vs. advertiser revenue, anonymity vs. transparence</a:t>
-            </a:r>
-          </a:p>
-          <a:p>
-            <a:r>
-              <a:rPr lang="en-US" dirty="0"/>
-              <a:t>4. Prioritization depends on personal goals and values. They key thing to realize is that this process does not recommend values, it provides a framework to reason about them based on the identified tensions.</a:t>
-            </a:r>
-            <a:br>
-              <a:rPr lang="en-US" dirty="0"/>
-            </a:br>
-            <a:r>
-              <a:rPr lang="en-US" dirty="0"/>
-              <a:t>    </a:t>
-            </a:r>
-          </a:p>
-          <a:p>
-            <a:r>
-              <a:rPr lang="en-US" dirty="0"/>
-              <a:t>	</a:t>
+              <a:t>Complications: what constitutes hate speech isn’t clear. For e.g., some words may have been reclaimed by specific communities or posts may use satire to make a point.</a:t>
             </a:r>
           </a:p>
         </p:txBody>
@@ -9914,7 +9851,7 @@
     </p:spTree>
     <p:extLst>
       <p:ext uri="{BB962C8B-B14F-4D97-AF65-F5344CB8AC3E}">
-        <p14:creationId xmlns:p14="http://schemas.microsoft.com/office/powerpoint/2010/main" val="3164459113"/>
+        <p14:creationId xmlns:p14="http://schemas.microsoft.com/office/powerpoint/2010/main" val="1831237000"/>
       </p:ext>
     </p:extLst>
   </p:cSld>
@@ -9970,51 +9907,96 @@
           <a:p>
             <a:r>
               <a:rPr lang="en-US" dirty="0"/>
-              <a:t>Students should discuss these questions in groups but here is a sample answer. The primary purpose is to realize the tensions when designing features. </a:t>
+              <a:t>Stakeholder analysis is part of value investigations</a:t>
             </a:r>
           </a:p>
           <a:p>
             <a:endParaRPr lang="en-US" dirty="0"/>
           </a:p>
           <a:p>
-            <a:pPr marL="228600" indent="-228600">
-              <a:buAutoNum type="arabicPeriod"/>
-            </a:pPr>
-            <a:r>
-              <a:rPr lang="en-US" dirty="0"/>
-              <a:t>Reddit removing user’s post might impinge on users’ right to freely express themselves. On the other hand, removing posts with known misinformation might encourage free speech by protecting the channels through which discussions happen. If posts with known hate speech is removed, then it protects the victims from being sidelined from the discourse.</a:t>
-            </a:r>
-          </a:p>
-          <a:p>
-            <a:pPr marL="228600" indent="-228600">
-              <a:buAutoNum type="arabicPeriod"/>
-            </a:pPr>
-            <a:r>
-              <a:rPr lang="en-US" dirty="0"/>
-              <a:t>Impinges on users’ right to freely express and also prevents other users from being exposed to </a:t>
-            </a:r>
-            <a:r>
-              <a:rPr lang="en-US"/>
-              <a:t>different perspectives.</a:t>
-            </a:r>
+            <a:r>
+              <a:rPr lang="en-US" dirty="0"/>
+              <a:t>Students should reflect about these questions in groups.</a:t>
+            </a:r>
+          </a:p>
+          <a:p>
             <a:endParaRPr lang="en-US" dirty="0"/>
           </a:p>
           <a:p>
-            <a:pPr marL="228600" indent="-228600">
-              <a:buAutoNum type="arabicPeriod"/>
-            </a:pPr>
-            <a:r>
-              <a:rPr lang="en-US" dirty="0"/>
-              <a:t>Excludes views of certain groups from the discourse.</a:t>
-            </a:r>
-          </a:p>
-          <a:p>
-            <a:pPr marL="228600" indent="-228600">
-              <a:buAutoNum type="arabicPeriod"/>
-            </a:pPr>
-            <a:r>
-              <a:rPr lang="en-US" dirty="0"/>
-              <a:t>The proposed requirement will foster free speech as free speech in not just about an individual’s right to free expression but it is also about protecting the channels through which everyone’s voices can be heard. It is also about creating an environment where individuals will learn and grow their thinking from the discussions. Hence, the moderation is only good if it is transparent and minimizes bias.</a:t>
+            <a:r>
+              <a:rPr lang="en-US" dirty="0"/>
+              <a:t>Here is a sample answer.</a:t>
+            </a:r>
+          </a:p>
+          <a:p>
+            <a:endParaRPr lang="en-US" dirty="0"/>
+          </a:p>
+          <a:p>
+            <a:r>
+              <a:rPr lang="en-US" dirty="0"/>
+              <a:t>1. Reddit users, moderators, reddit company, advertisers</a:t>
+            </a:r>
+          </a:p>
+          <a:p>
+            <a:r>
+              <a:rPr lang="en-US" dirty="0"/>
+              <a:t>2. Interests/Values</a:t>
+            </a:r>
+          </a:p>
+          <a:p>
+            <a:r>
+              <a:rPr lang="en-US" dirty="0"/>
+              <a:t>  Users: free expression, accurate information, entertainment, anonymity, privacy</a:t>
+            </a:r>
+          </a:p>
+          <a:p>
+            <a:r>
+              <a:rPr lang="en-US" dirty="0"/>
+              <a:t>  Moderators: consistent enforcement of rules, reduced workload, ability to correct mistakes, maintain subreddit culture, transparency</a:t>
+            </a:r>
+          </a:p>
+          <a:p>
+            <a:r>
+              <a:rPr lang="en-US" dirty="0"/>
+              <a:t>  company: user engagement, revenue, accountability,  building brand image, legal compliance</a:t>
+            </a:r>
+          </a:p>
+          <a:p>
+            <a:r>
+              <a:rPr lang="en-US" dirty="0"/>
+              <a:t>  advertisers: user reach, low cost, profit, seamless integration with content</a:t>
+            </a:r>
+          </a:p>
+          <a:p>
+            <a:r>
+              <a:rPr lang="en-US" dirty="0"/>
+              <a:t>3. Conflicts</a:t>
+            </a:r>
+            <a:br>
+              <a:rPr lang="en-US" dirty="0"/>
+            </a:br>
+            <a:r>
+              <a:rPr lang="en-US" dirty="0"/>
+              <a:t>    free expression vs. content moderation or legal compliance, accurate info vs. entertainment, user autonomy vs. advertiser revenue, anonymity vs. transparence</a:t>
+            </a:r>
+          </a:p>
+          <a:p>
+            <a:r>
+              <a:rPr lang="en-US" dirty="0"/>
+              <a:t>4. Prioritization depends on personal goals and values. They key thing to realize is that this process does not recommend values, it provides a framework to reason about them based on the identified tensions.</a:t>
+            </a:r>
+            <a:br>
+              <a:rPr lang="en-US" dirty="0"/>
+            </a:br>
+            <a:r>
+              <a:rPr lang="en-US" dirty="0"/>
+              <a:t>    </a:t>
+            </a:r>
+          </a:p>
+          <a:p>
+            <a:r>
+              <a:rPr lang="en-US" dirty="0"/>
+              <a:t>	</a:t>
             </a:r>
           </a:p>
         </p:txBody>
@@ -10045,7 +10027,7 @@
     </p:spTree>
     <p:extLst>
       <p:ext uri="{BB962C8B-B14F-4D97-AF65-F5344CB8AC3E}">
-        <p14:creationId xmlns:p14="http://schemas.microsoft.com/office/powerpoint/2010/main" val="1312031197"/>
+        <p14:creationId xmlns:p14="http://schemas.microsoft.com/office/powerpoint/2010/main" val="3164459113"/>
       </p:ext>
     </p:extLst>
   </p:cSld>
@@ -10101,14 +10083,47 @@
           <a:p>
             <a:r>
               <a:rPr lang="en-US" dirty="0"/>
-              <a:t>The students should pick a requirement based on their analysis. There is no correct answer as long as students are able to defend their choice.</a:t>
+              <a:t>Students should discuss these questions in groups but here is a sample answer. The primary purpose is to realize the tensions when designing features. </a:t>
             </a:r>
           </a:p>
           <a:p>
             <a:endParaRPr lang="en-US" dirty="0"/>
           </a:p>
           <a:p>
-            <a:endParaRPr lang="en-US" i="1" dirty="0"/>
+            <a:pPr marL="228600" indent="-228600">
+              <a:buAutoNum type="arabicPeriod"/>
+            </a:pPr>
+            <a:r>
+              <a:rPr lang="en-US" dirty="0"/>
+              <a:t>Reddit removing user’s post might impinge on users’ right to freely express themselves. On the other hand, removing posts with known misinformation might encourage free speech by protecting the channels through which discussions happen. If posts with known hate speech is removed, then it protects the victims from being sidelined from the discourse.</a:t>
+            </a:r>
+          </a:p>
+          <a:p>
+            <a:pPr marL="228600" indent="-228600">
+              <a:buAutoNum type="arabicPeriod"/>
+            </a:pPr>
+            <a:r>
+              <a:rPr lang="en-US" dirty="0"/>
+              <a:t>Impinges on users’ right to freely express and also prevents other users from being exposed to different perspectives.</a:t>
+            </a:r>
+          </a:p>
+          <a:p>
+            <a:pPr marL="228600" indent="-228600">
+              <a:buAutoNum type="arabicPeriod"/>
+            </a:pPr>
+            <a:r>
+              <a:rPr lang="en-US" dirty="0"/>
+              <a:t>Excludes views of certain groups from the discourse.</a:t>
+            </a:r>
+          </a:p>
+          <a:p>
+            <a:pPr marL="228600" indent="-228600">
+              <a:buAutoNum type="arabicPeriod"/>
+            </a:pPr>
+            <a:r>
+              <a:rPr lang="en-US" dirty="0"/>
+              <a:t>The proposed requirement will foster free speech as free speech in not just about an individual’s right to free expression but it is also about protecting the channels through which everyone’s voices can be heard. It is also about creating an environment where individuals will learn and grow their thinking from the discussions. Hence, the moderation is only good if it is transparent and minimizes bias.</a:t>
+            </a:r>
           </a:p>
         </p:txBody>
       </p:sp>
@@ -10138,7 +10153,7 @@
     </p:spTree>
     <p:extLst>
       <p:ext uri="{BB962C8B-B14F-4D97-AF65-F5344CB8AC3E}">
-        <p14:creationId xmlns:p14="http://schemas.microsoft.com/office/powerpoint/2010/main" val="2111607470"/>
+        <p14:creationId xmlns:p14="http://schemas.microsoft.com/office/powerpoint/2010/main" val="1312031197"/>
       </p:ext>
     </p:extLst>
   </p:cSld>
@@ -10194,89 +10209,14 @@
           <a:p>
             <a:r>
               <a:rPr lang="en-US" dirty="0"/>
-              <a:t>This is an after-class activity.</a:t>
+              <a:t>The students should pick a requirement based on their analysis. There is no correct answer as long as students are able to defend their choice.</a:t>
             </a:r>
           </a:p>
           <a:p>
             <a:endParaRPr lang="en-US" dirty="0"/>
           </a:p>
           <a:p>
-            <a:r>
-              <a:rPr lang="en-US" dirty="0"/>
-              <a:t>A sample user story based on the first requirement in the previous slide:</a:t>
-            </a:r>
-          </a:p>
-          <a:p>
-            <a:endParaRPr lang="en-US" dirty="0"/>
-          </a:p>
-          <a:p>
-            <a:r>
-              <a:rPr lang="en-US" i="1" dirty="0"/>
-              <a:t>As a </a:t>
-            </a:r>
-            <a:r>
-              <a:rPr lang="en-US" b="1" i="1" dirty="0"/>
-              <a:t>content creator </a:t>
-            </a:r>
-            <a:r>
-              <a:rPr lang="en-US" i="1" dirty="0"/>
-              <a:t>I want to express my opinions without offending any person so that I can contribute to a discussion in a constructive way</a:t>
-            </a:r>
-          </a:p>
-          <a:p>
             <a:endParaRPr lang="en-US" i="1" dirty="0"/>
-          </a:p>
-          <a:p>
-            <a:r>
-              <a:rPr lang="en-US" i="1" dirty="0"/>
-              <a:t>Conditions of satisfaction:</a:t>
-            </a:r>
-          </a:p>
-          <a:p>
-            <a:endParaRPr lang="en-US" i="1" dirty="0"/>
-          </a:p>
-          <a:p>
-            <a:r>
-              <a:rPr lang="en-US" i="1" dirty="0"/>
-              <a:t>(E) I should be able to view my post in the forum if the post was not flagged</a:t>
-            </a:r>
-          </a:p>
-          <a:p>
-            <a:r>
-              <a:rPr lang="en-US" i="1" dirty="0"/>
-              <a:t>(E) I should be able to see a content warning with a reason for the warning if my post was flagged</a:t>
-            </a:r>
-          </a:p>
-          <a:p>
-            <a:r>
-              <a:rPr lang="en-US" i="1" dirty="0"/>
-              <a:t>(E) I should not be able to post if it was flagged</a:t>
-            </a:r>
-          </a:p>
-          <a:p>
-            <a:r>
-              <a:rPr lang="en-US" i="1" dirty="0"/>
-              <a:t>(E) I should be able to raise an appeal if my post was flagged</a:t>
-            </a:r>
-          </a:p>
-          <a:p>
-            <a:r>
-              <a:rPr lang="en-US" i="1" dirty="0"/>
-              <a:t>(D) I should receive a notification if my post was posted after review of flagged post</a:t>
-            </a:r>
-          </a:p>
-          <a:p>
-            <a:r>
-              <a:rPr lang="en-US" i="1" dirty="0"/>
-              <a:t>(E) I should be able to see a history of my flagged posts to help me better understand the forum’s policy on improper speech</a:t>
-            </a:r>
-          </a:p>
-          <a:p>
-            <a:r>
-              <a:rPr lang="en-US" i="1" dirty="0"/>
-              <a:t>(Ex) I should be able to see which official policy rule was violated if my post is flagged</a:t>
-            </a:r>
-            <a:endParaRPr lang="en-US" dirty="0"/>
           </a:p>
         </p:txBody>
       </p:sp>
@@ -10306,7 +10246,7 @@
     </p:spTree>
     <p:extLst>
       <p:ext uri="{BB962C8B-B14F-4D97-AF65-F5344CB8AC3E}">
-        <p14:creationId xmlns:p14="http://schemas.microsoft.com/office/powerpoint/2010/main" val="1902003111"/>
+        <p14:creationId xmlns:p14="http://schemas.microsoft.com/office/powerpoint/2010/main" val="2111607470"/>
       </p:ext>
     </p:extLst>
   </p:cSld>
@@ -10509,6 +10449,174 @@
     <p:extLst>
       <p:ext uri="{BB962C8B-B14F-4D97-AF65-F5344CB8AC3E}">
         <p14:creationId xmlns:p14="http://schemas.microsoft.com/office/powerpoint/2010/main" val="345792990"/>
+      </p:ext>
+    </p:extLst>
+  </p:cSld>
+  <p:clrMapOvr>
+    <a:masterClrMapping/>
+  </p:clrMapOvr>
+</p:notes>
+</file>
+
+<file path=ppt/notesSlides/notesSlide40.xml><?xml version="1.0" encoding="utf-8"?>
+<p:notes xmlns:a="http://schemas.openxmlformats.org/drawingml/2006/main" xmlns:r="http://schemas.openxmlformats.org/officeDocument/2006/relationships" xmlns:p="http://schemas.openxmlformats.org/presentationml/2006/main">
+  <p:cSld>
+    <p:spTree>
+      <p:nvGrpSpPr>
+        <p:cNvPr id="1" name=""/>
+        <p:cNvGrpSpPr/>
+        <p:nvPr/>
+      </p:nvGrpSpPr>
+      <p:grpSpPr>
+        <a:xfrm>
+          <a:off x="0" y="0"/>
+          <a:ext cx="0" cy="0"/>
+          <a:chOff x="0" y="0"/>
+          <a:chExt cx="0" cy="0"/>
+        </a:xfrm>
+      </p:grpSpPr>
+      <p:sp>
+        <p:nvSpPr>
+          <p:cNvPr id="2" name="Slide Image Placeholder 1"/>
+          <p:cNvSpPr>
+            <a:spLocks noGrp="1" noRot="1" noChangeAspect="1"/>
+          </p:cNvSpPr>
+          <p:nvPr>
+            <p:ph type="sldImg"/>
+          </p:nvPr>
+        </p:nvSpPr>
+        <p:spPr/>
+      </p:sp>
+      <p:sp>
+        <p:nvSpPr>
+          <p:cNvPr id="3" name="Notes Placeholder 2"/>
+          <p:cNvSpPr>
+            <a:spLocks noGrp="1"/>
+          </p:cNvSpPr>
+          <p:nvPr>
+            <p:ph type="body" idx="1"/>
+          </p:nvPr>
+        </p:nvSpPr>
+        <p:spPr/>
+        <p:txBody>
+          <a:bodyPr/>
+          <a:lstStyle/>
+          <a:p>
+            <a:r>
+              <a:rPr lang="en-US" dirty="0"/>
+              <a:t>This is an after-class activity.</a:t>
+            </a:r>
+          </a:p>
+          <a:p>
+            <a:endParaRPr lang="en-US" dirty="0"/>
+          </a:p>
+          <a:p>
+            <a:r>
+              <a:rPr lang="en-US" dirty="0"/>
+              <a:t>A sample user story based on the first requirement in the previous slide:</a:t>
+            </a:r>
+          </a:p>
+          <a:p>
+            <a:endParaRPr lang="en-US" dirty="0"/>
+          </a:p>
+          <a:p>
+            <a:r>
+              <a:rPr lang="en-US" i="1" dirty="0"/>
+              <a:t>As a </a:t>
+            </a:r>
+            <a:r>
+              <a:rPr lang="en-US" b="1" i="1" dirty="0"/>
+              <a:t>content creator </a:t>
+            </a:r>
+            <a:r>
+              <a:rPr lang="en-US" i="1" dirty="0"/>
+              <a:t>I want to express my opinions without offending any person so that I can contribute to a discussion in a constructive way</a:t>
+            </a:r>
+          </a:p>
+          <a:p>
+            <a:endParaRPr lang="en-US" i="1" dirty="0"/>
+          </a:p>
+          <a:p>
+            <a:r>
+              <a:rPr lang="en-US" i="1" dirty="0"/>
+              <a:t>Conditions of satisfaction:</a:t>
+            </a:r>
+          </a:p>
+          <a:p>
+            <a:endParaRPr lang="en-US" i="1" dirty="0"/>
+          </a:p>
+          <a:p>
+            <a:r>
+              <a:rPr lang="en-US" i="1" dirty="0"/>
+              <a:t>(E) I should be able to view my post in the forum if the post was not flagged</a:t>
+            </a:r>
+          </a:p>
+          <a:p>
+            <a:r>
+              <a:rPr lang="en-US" i="1" dirty="0"/>
+              <a:t>(E) I should be able to see a content warning with a reason for the warning if my post was flagged</a:t>
+            </a:r>
+          </a:p>
+          <a:p>
+            <a:r>
+              <a:rPr lang="en-US" i="1" dirty="0"/>
+              <a:t>(E) I should not be able to post if it was flagged</a:t>
+            </a:r>
+          </a:p>
+          <a:p>
+            <a:r>
+              <a:rPr lang="en-US" i="1" dirty="0"/>
+              <a:t>(E) I should be able to raise an appeal if my post was flagged</a:t>
+            </a:r>
+          </a:p>
+          <a:p>
+            <a:r>
+              <a:rPr lang="en-US" i="1" dirty="0"/>
+              <a:t>(D) I should receive a notification if my post was posted after review of flagged post</a:t>
+            </a:r>
+          </a:p>
+          <a:p>
+            <a:r>
+              <a:rPr lang="en-US" i="1" dirty="0"/>
+              <a:t>(E) I should be able to see a history of my flagged posts to help me better understand the forum’s policy on improper speech</a:t>
+            </a:r>
+          </a:p>
+          <a:p>
+            <a:r>
+              <a:rPr lang="en-US" i="1" dirty="0"/>
+              <a:t>(Ex) I should be able to see which official policy rule was violated if my post is flagged</a:t>
+            </a:r>
+            <a:endParaRPr lang="en-US" dirty="0"/>
+          </a:p>
+        </p:txBody>
+      </p:sp>
+      <p:sp>
+        <p:nvSpPr>
+          <p:cNvPr id="4" name="Slide Number Placeholder 3"/>
+          <p:cNvSpPr>
+            <a:spLocks noGrp="1"/>
+          </p:cNvSpPr>
+          <p:nvPr>
+            <p:ph type="sldNum" sz="quarter" idx="5"/>
+          </p:nvPr>
+        </p:nvSpPr>
+        <p:spPr/>
+        <p:txBody>
+          <a:bodyPr/>
+          <a:lstStyle/>
+          <a:p>
+            <a:fld id="{07937F07-1250-4CCE-B198-1B2887014F41}" type="slidenum">
+              <a:rPr lang="en-US" smtClean="0"/>
+              <a:t>48</a:t>
+            </a:fld>
+            <a:endParaRPr lang="en-US"/>
+          </a:p>
+        </p:txBody>
+      </p:sp>
+    </p:spTree>
+    <p:extLst>
+      <p:ext uri="{BB962C8B-B14F-4D97-AF65-F5344CB8AC3E}">
+        <p14:creationId xmlns:p14="http://schemas.microsoft.com/office/powerpoint/2010/main" val="1902003111"/>
       </p:ext>
     </p:extLst>
   </p:cSld>
@@ -15579,7 +15687,7 @@
           <a:p>
             <a:r>
               <a:rPr lang="en-US" dirty="0"/>
-              <a:t>As a online blackjack player, I want a game of blackjack implemented so that I can play blackjack with other users. (Essential)</a:t>
+              <a:t>As an online blackjack player, I want a game of blackjack implemented so that I can play blackjack with other users. (Essential)</a:t>
             </a:r>
           </a:p>
           <a:p>
@@ -16532,13 +16640,17 @@
             </a:r>
             <a:r>
               <a:rPr lang="en-US" b="1" dirty="0"/>
-              <a:t>human values</a:t>
-            </a:r>
-          </a:p>
-          <a:p>
-            <a:r>
-              <a:rPr lang="en-US" dirty="0"/>
-              <a:t>It allows us to reason about design choices and choose the values that are important </a:t>
+              <a:t>human values </a:t>
+            </a:r>
+            <a:r>
+              <a:rPr lang="en-US" dirty="0"/>
+              <a:t>when writing user stories</a:t>
+            </a:r>
+          </a:p>
+          <a:p>
+            <a:r>
+              <a:rPr lang="en-US" dirty="0"/>
+              <a:t>It allows us to reason about design choices and resolve tensions between different values</a:t>
             </a:r>
           </a:p>
           <a:p>
@@ -16658,7 +16770,7 @@
           <a:p>
             <a:r>
               <a:rPr lang="en-US" dirty="0"/>
-              <a:t>Writing User Stories with VSD (Example: Informed Consent in Stack Overflow)</a:t>
+              <a:t>Example: Informed Consent in Stack Overflow</a:t>
             </a:r>
           </a:p>
         </p:txBody>
@@ -16910,11 +17022,15 @@
             </a:r>
           </a:p>
           <a:p>
-            <a:pPr>
-              <a:buFont typeface="Wingdings" pitchFamily="2" charset="2"/>
-              <a:buChar char="v"/>
+            <a:pPr marL="0" indent="0">
+              <a:buFont typeface="Arial" panose="020B0604020202020204" pitchFamily="34" charset="0"/>
+              <a:buNone/>
             </a:pPr>
-            <a:endParaRPr lang="en-US" dirty="0"/>
+            <a:endParaRPr lang="en-US" dirty="0">
+              <a:solidFill>
+                <a:srgbClr val="FF0000"/>
+              </a:solidFill>
+            </a:endParaRPr>
           </a:p>
           <a:p>
             <a:pPr marL="0" indent="0">
@@ -16966,7 +17082,7 @@
         </p:nvSpPr>
         <p:spPr>
           <a:xfrm>
-            <a:off x="5676042" y="2005012"/>
+            <a:off x="5458265" y="1781514"/>
             <a:ext cx="6078414" cy="4351338"/>
           </a:xfrm>
           <a:prstGeom prst="rect">
@@ -17245,13 +17361,13 @@
         <p:spPr/>
         <p:txBody>
           <a:bodyPr>
-            <a:normAutofit fontScale="90000"/>
+            <a:normAutofit/>
           </a:bodyPr>
           <a:lstStyle/>
           <a:p>
             <a:r>
               <a:rPr lang="en-US" dirty="0"/>
-              <a:t>Conditions of Satisfaction and VSD (Example: Informed Consent in Stack Overflow)</a:t>
+              <a:t>Example: Informed Consent in Stack Overflow</a:t>
             </a:r>
           </a:p>
         </p:txBody>
@@ -18007,6 +18123,156 @@
 </file>
 
 <file path=ppt/slides/slide20.xml><?xml version="1.0" encoding="utf-8"?>
+<p:sld xmlns:a="http://schemas.openxmlformats.org/drawingml/2006/main" xmlns:r="http://schemas.openxmlformats.org/officeDocument/2006/relationships" xmlns:p="http://schemas.openxmlformats.org/presentationml/2006/main">
+  <p:cSld>
+    <p:spTree>
+      <p:nvGrpSpPr>
+        <p:cNvPr id="1" name="">
+          <a:extLst>
+            <a:ext uri="{FF2B5EF4-FFF2-40B4-BE49-F238E27FC236}">
+              <a16:creationId xmlns:a16="http://schemas.microsoft.com/office/drawing/2014/main" id="{57153868-E65A-896C-92FE-904117C9599C}"/>
+            </a:ext>
+          </a:extLst>
+        </p:cNvPr>
+        <p:cNvGrpSpPr/>
+        <p:nvPr/>
+      </p:nvGrpSpPr>
+      <p:grpSpPr>
+        <a:xfrm>
+          <a:off x="0" y="0"/>
+          <a:ext cx="0" cy="0"/>
+          <a:chOff x="0" y="0"/>
+          <a:chExt cx="0" cy="0"/>
+        </a:xfrm>
+      </p:grpSpPr>
+      <p:sp>
+        <p:nvSpPr>
+          <p:cNvPr id="2" name="Title 1">
+            <a:extLst>
+              <a:ext uri="{FF2B5EF4-FFF2-40B4-BE49-F238E27FC236}">
+                <a16:creationId xmlns:a16="http://schemas.microsoft.com/office/drawing/2014/main" id="{9A59BF54-4996-E976-7162-5E8AE026EE81}"/>
+              </a:ext>
+            </a:extLst>
+          </p:cNvPr>
+          <p:cNvSpPr>
+            <a:spLocks noGrp="1"/>
+          </p:cNvSpPr>
+          <p:nvPr>
+            <p:ph type="title"/>
+          </p:nvPr>
+        </p:nvSpPr>
+        <p:spPr/>
+        <p:txBody>
+          <a:bodyPr>
+            <a:normAutofit/>
+          </a:bodyPr>
+          <a:lstStyle/>
+          <a:p>
+            <a:r>
+              <a:rPr lang="en-US" dirty="0"/>
+              <a:t>Ethical design will consider impact of your choices</a:t>
+            </a:r>
+          </a:p>
+        </p:txBody>
+      </p:sp>
+      <p:sp>
+        <p:nvSpPr>
+          <p:cNvPr id="3" name="Content Placeholder 2">
+            <a:extLst>
+              <a:ext uri="{FF2B5EF4-FFF2-40B4-BE49-F238E27FC236}">
+                <a16:creationId xmlns:a16="http://schemas.microsoft.com/office/drawing/2014/main" id="{883C0B57-32A1-020D-7BDF-BC12E409F16D}"/>
+              </a:ext>
+            </a:extLst>
+          </p:cNvPr>
+          <p:cNvSpPr>
+            <a:spLocks noGrp="1"/>
+          </p:cNvSpPr>
+          <p:nvPr>
+            <p:ph idx="1"/>
+          </p:nvPr>
+        </p:nvSpPr>
+        <p:spPr>
+          <a:xfrm>
+            <a:off x="838200" y="1500160"/>
+            <a:ext cx="10400414" cy="4856190"/>
+          </a:xfrm>
+        </p:spPr>
+        <p:txBody>
+          <a:bodyPr>
+            <a:normAutofit/>
+          </a:bodyPr>
+          <a:lstStyle/>
+          <a:p>
+            <a:r>
+              <a:rPr lang="en-US" dirty="0"/>
+              <a:t>You should consider how your software can cause harm or may be used to do wrong. Examples:</a:t>
+            </a:r>
+          </a:p>
+          <a:p>
+            <a:pPr lvl="1"/>
+            <a:r>
+              <a:rPr lang="en-US" dirty="0"/>
+              <a:t>A dictator who wants to suppress information so he can continue to oppress minorities</a:t>
+            </a:r>
+          </a:p>
+          <a:p>
+            <a:pPr lvl="1"/>
+            <a:r>
+              <a:rPr lang="en-US" dirty="0"/>
+              <a:t>the site owner who wants to harvest user information for resale </a:t>
+            </a:r>
+          </a:p>
+          <a:p>
+            <a:r>
+              <a:rPr lang="en-US" dirty="0"/>
+              <a:t>As part of VSD, you should write user stories and conditions of satisfaction that minimize negative human impact</a:t>
+            </a:r>
+          </a:p>
+        </p:txBody>
+      </p:sp>
+      <p:sp>
+        <p:nvSpPr>
+          <p:cNvPr id="4" name="Slide Number Placeholder 3">
+            <a:extLst>
+              <a:ext uri="{FF2B5EF4-FFF2-40B4-BE49-F238E27FC236}">
+                <a16:creationId xmlns:a16="http://schemas.microsoft.com/office/drawing/2014/main" id="{2AB92C93-4088-A5CF-84EB-E05A618D8893}"/>
+              </a:ext>
+            </a:extLst>
+          </p:cNvPr>
+          <p:cNvSpPr>
+            <a:spLocks noGrp="1"/>
+          </p:cNvSpPr>
+          <p:nvPr>
+            <p:ph type="sldNum" sz="quarter" idx="12"/>
+          </p:nvPr>
+        </p:nvSpPr>
+        <p:spPr/>
+        <p:txBody>
+          <a:bodyPr/>
+          <a:lstStyle/>
+          <a:p>
+            <a:fld id="{20F37917-FD3A-4669-9018-DA04BCDD3D75}" type="slidenum">
+              <a:rPr lang="en-US" smtClean="0"/>
+              <a:t>20</a:t>
+            </a:fld>
+            <a:endParaRPr lang="en-US"/>
+          </a:p>
+        </p:txBody>
+      </p:sp>
+    </p:spTree>
+    <p:extLst>
+      <p:ext uri="{BB962C8B-B14F-4D97-AF65-F5344CB8AC3E}">
+        <p14:creationId xmlns:p14="http://schemas.microsoft.com/office/powerpoint/2010/main" val="3433731019"/>
+      </p:ext>
+    </p:extLst>
+  </p:cSld>
+  <p:clrMapOvr>
+    <a:masterClrMapping/>
+  </p:clrMapOvr>
+</p:sld>
+</file>
+
+<file path=ppt/slides/slide21.xml><?xml version="1.0" encoding="utf-8"?>
 <p:sld xmlns:a="http://schemas.openxmlformats.org/drawingml/2006/main" xmlns:r="http://schemas.openxmlformats.org/officeDocument/2006/relationships" xmlns:p="http://schemas.openxmlformats.org/presentationml/2006/main" show="0">
   <p:cSld>
     <p:bg>
@@ -18320,7 +18586,7 @@
                   <a:spcPts val="600"/>
                 </a:spcAft>
               </a:pPr>
-              <a:t>20</a:t>
+              <a:t>21</a:t>
             </a:fld>
             <a:endParaRPr lang="en-US">
               <a:solidFill>
@@ -18334,121 +18600,6 @@
     <p:extLst>
       <p:ext uri="{BB962C8B-B14F-4D97-AF65-F5344CB8AC3E}">
         <p14:creationId xmlns:p14="http://schemas.microsoft.com/office/powerpoint/2010/main" val="1450389062"/>
-      </p:ext>
-    </p:extLst>
-  </p:cSld>
-  <p:clrMapOvr>
-    <a:masterClrMapping/>
-  </p:clrMapOvr>
-</p:sld>
-</file>
-
-<file path=ppt/slides/slide21.xml><?xml version="1.0" encoding="utf-8"?>
-<p:sld xmlns:a="http://schemas.openxmlformats.org/drawingml/2006/main" xmlns:r="http://schemas.openxmlformats.org/officeDocument/2006/relationships" xmlns:p="http://schemas.openxmlformats.org/presentationml/2006/main" show="0">
-  <p:cSld>
-    <p:spTree>
-      <p:nvGrpSpPr>
-        <p:cNvPr id="1" name=""/>
-        <p:cNvGrpSpPr/>
-        <p:nvPr/>
-      </p:nvGrpSpPr>
-      <p:grpSpPr>
-        <a:xfrm>
-          <a:off x="0" y="0"/>
-          <a:ext cx="0" cy="0"/>
-          <a:chOff x="0" y="0"/>
-          <a:chExt cx="0" cy="0"/>
-        </a:xfrm>
-      </p:grpSpPr>
-      <p:sp>
-        <p:nvSpPr>
-          <p:cNvPr id="2" name="Title 1">
-            <a:extLst>
-              <a:ext uri="{FF2B5EF4-FFF2-40B4-BE49-F238E27FC236}">
-                <a16:creationId xmlns:a16="http://schemas.microsoft.com/office/drawing/2014/main" id="{605A4A5A-ED45-14F0-82EC-BA0ECB44742B}"/>
-              </a:ext>
-            </a:extLst>
-          </p:cNvPr>
-          <p:cNvSpPr>
-            <a:spLocks noGrp="1"/>
-          </p:cNvSpPr>
-          <p:nvPr>
-            <p:ph type="title"/>
-          </p:nvPr>
-        </p:nvSpPr>
-        <p:spPr/>
-        <p:txBody>
-          <a:bodyPr/>
-          <a:lstStyle/>
-          <a:p>
-            <a:r>
-              <a:rPr lang="en-US" dirty="0"/>
-              <a:t>User Story #1</a:t>
-            </a:r>
-          </a:p>
-        </p:txBody>
-      </p:sp>
-      <p:sp>
-        <p:nvSpPr>
-          <p:cNvPr id="3" name="Content Placeholder 2">
-            <a:extLst>
-              <a:ext uri="{FF2B5EF4-FFF2-40B4-BE49-F238E27FC236}">
-                <a16:creationId xmlns:a16="http://schemas.microsoft.com/office/drawing/2014/main" id="{5C2B198A-4BD9-8A94-A124-7B3F56D2955C}"/>
-              </a:ext>
-            </a:extLst>
-          </p:cNvPr>
-          <p:cNvSpPr>
-            <a:spLocks noGrp="1"/>
-          </p:cNvSpPr>
-          <p:nvPr>
-            <p:ph idx="1"/>
-          </p:nvPr>
-        </p:nvSpPr>
-        <p:spPr/>
-        <p:txBody>
-          <a:bodyPr/>
-          <a:lstStyle/>
-          <a:p>
-            <a:r>
-              <a:rPr lang="en-US" dirty="0"/>
-              <a:t>As a citizen, I want to be able to report potholes so that the town can do something about them. (E)</a:t>
-            </a:r>
-          </a:p>
-        </p:txBody>
-      </p:sp>
-      <p:sp>
-        <p:nvSpPr>
-          <p:cNvPr id="4" name="Slide Number Placeholder 3">
-            <a:extLst>
-              <a:ext uri="{FF2B5EF4-FFF2-40B4-BE49-F238E27FC236}">
-                <a16:creationId xmlns:a16="http://schemas.microsoft.com/office/drawing/2014/main" id="{723C6E9F-E6BE-1DB1-1A2A-ECBC77E5494A}"/>
-              </a:ext>
-            </a:extLst>
-          </p:cNvPr>
-          <p:cNvSpPr>
-            <a:spLocks noGrp="1"/>
-          </p:cNvSpPr>
-          <p:nvPr>
-            <p:ph type="sldNum" sz="quarter" idx="12"/>
-          </p:nvPr>
-        </p:nvSpPr>
-        <p:spPr/>
-        <p:txBody>
-          <a:bodyPr/>
-          <a:lstStyle/>
-          <a:p>
-            <a:fld id="{20F37917-FD3A-4669-9018-DA04BCDD3D75}" type="slidenum">
-              <a:rPr lang="en-US" smtClean="0"/>
-              <a:t>21</a:t>
-            </a:fld>
-            <a:endParaRPr lang="en-US"/>
-          </a:p>
-        </p:txBody>
-      </p:sp>
-    </p:spTree>
-    <p:extLst>
-      <p:ext uri="{BB962C8B-B14F-4D97-AF65-F5344CB8AC3E}">
-        <p14:creationId xmlns:p14="http://schemas.microsoft.com/office/powerpoint/2010/main" val="2839345455"/>
       </p:ext>
     </p:extLst>
   </p:cSld>
@@ -18480,7 +18631,7 @@
           <p:cNvPr id="2" name="Title 1">
             <a:extLst>
               <a:ext uri="{FF2B5EF4-FFF2-40B4-BE49-F238E27FC236}">
-                <a16:creationId xmlns:a16="http://schemas.microsoft.com/office/drawing/2014/main" id="{B495D98E-5472-E530-DD2E-6E1802BCFCA4}"/>
+                <a16:creationId xmlns:a16="http://schemas.microsoft.com/office/drawing/2014/main" id="{605A4A5A-ED45-14F0-82EC-BA0ECB44742B}"/>
               </a:ext>
             </a:extLst>
           </p:cNvPr>
@@ -18498,7 +18649,7 @@
           <a:p>
             <a:r>
               <a:rPr lang="en-US" dirty="0"/>
-              <a:t>Conditions of Satisfaction</a:t>
+              <a:t>User Story #1</a:t>
             </a:r>
           </a:p>
         </p:txBody>
@@ -18508,7 +18659,7 @@
           <p:cNvPr id="3" name="Content Placeholder 2">
             <a:extLst>
               <a:ext uri="{FF2B5EF4-FFF2-40B4-BE49-F238E27FC236}">
-                <a16:creationId xmlns:a16="http://schemas.microsoft.com/office/drawing/2014/main" id="{86E00573-79BC-FAF6-9C28-90EB8A345C05}"/>
+                <a16:creationId xmlns:a16="http://schemas.microsoft.com/office/drawing/2014/main" id="{5C2B198A-4BD9-8A94-A124-7B3F56D2955C}"/>
               </a:ext>
             </a:extLst>
           </p:cNvPr>
@@ -18519,43 +18670,15 @@
             <p:ph idx="1"/>
           </p:nvPr>
         </p:nvSpPr>
-        <p:spPr>
-          <a:xfrm>
-            <a:off x="838200" y="1500160"/>
-            <a:ext cx="10049540" cy="4351338"/>
-          </a:xfrm>
-        </p:spPr>
+        <p:spPr/>
         <p:txBody>
-          <a:bodyPr>
-            <a:normAutofit/>
-          </a:bodyPr>
+          <a:bodyPr/>
           <a:lstStyle/>
           <a:p>
             <a:r>
               <a:rPr lang="en-US" dirty="0"/>
-              <a:t>1.1 I should be able to report a pothole to the system (E)</a:t>
-            </a:r>
-          </a:p>
-          <a:p>
-            <a:r>
-              <a:rPr lang="en-US" dirty="0"/>
-              <a:t>1.2 I should be able to see whether the pothole I report has been repaired (E)</a:t>
-            </a:r>
-          </a:p>
-          <a:p>
-            <a:r>
-              <a:rPr lang="en-US" dirty="0"/>
-              <a:t>1.3 I should be able to see whether someone else has already reported a given pothole (D)</a:t>
-            </a:r>
-          </a:p>
-          <a:p>
-            <a:r>
-              <a:rPr lang="en-US" dirty="0"/>
-              <a:t>1.4 I should be able to see an estimated time when the pothole should be repaired (D)</a:t>
-            </a:r>
-          </a:p>
-          <a:p>
-            <a:endParaRPr lang="en-US" dirty="0"/>
+              <a:t>As a citizen, I want to be able to report potholes so that the town can do something about them. (E)</a:t>
+            </a:r>
           </a:p>
         </p:txBody>
       </p:sp>
@@ -18564,7 +18687,7 @@
           <p:cNvPr id="4" name="Slide Number Placeholder 3">
             <a:extLst>
               <a:ext uri="{FF2B5EF4-FFF2-40B4-BE49-F238E27FC236}">
-                <a16:creationId xmlns:a16="http://schemas.microsoft.com/office/drawing/2014/main" id="{8F54511B-A92F-CD3A-1825-CA2491CCD033}"/>
+                <a16:creationId xmlns:a16="http://schemas.microsoft.com/office/drawing/2014/main" id="{723C6E9F-E6BE-1DB1-1A2A-ECBC77E5494A}"/>
               </a:ext>
             </a:extLst>
           </p:cNvPr>
@@ -18591,7 +18714,7 @@
     </p:spTree>
     <p:extLst>
       <p:ext uri="{BB962C8B-B14F-4D97-AF65-F5344CB8AC3E}">
-        <p14:creationId xmlns:p14="http://schemas.microsoft.com/office/powerpoint/2010/main" val="1293668376"/>
+        <p14:creationId xmlns:p14="http://schemas.microsoft.com/office/powerpoint/2010/main" val="2839345455"/>
       </p:ext>
     </p:extLst>
   </p:cSld>
@@ -18623,7 +18746,7 @@
           <p:cNvPr id="2" name="Title 1">
             <a:extLst>
               <a:ext uri="{FF2B5EF4-FFF2-40B4-BE49-F238E27FC236}">
-                <a16:creationId xmlns:a16="http://schemas.microsoft.com/office/drawing/2014/main" id="{AF17FECE-982A-68AD-33C0-FADB0ECEAC70}"/>
+                <a16:creationId xmlns:a16="http://schemas.microsoft.com/office/drawing/2014/main" id="{B495D98E-5472-E530-DD2E-6E1802BCFCA4}"/>
               </a:ext>
             </a:extLst>
           </p:cNvPr>
@@ -18641,7 +18764,7 @@
           <a:p>
             <a:r>
               <a:rPr lang="en-US" dirty="0"/>
-              <a:t>User Story #2</a:t>
+              <a:t>Conditions of Satisfaction</a:t>
             </a:r>
           </a:p>
         </p:txBody>
@@ -18651,7 +18774,7 @@
           <p:cNvPr id="3" name="Content Placeholder 2">
             <a:extLst>
               <a:ext uri="{FF2B5EF4-FFF2-40B4-BE49-F238E27FC236}">
-                <a16:creationId xmlns:a16="http://schemas.microsoft.com/office/drawing/2014/main" id="{92F5E93F-826B-173F-2672-D74656C0CE5D}"/>
+                <a16:creationId xmlns:a16="http://schemas.microsoft.com/office/drawing/2014/main" id="{86E00573-79BC-FAF6-9C28-90EB8A345C05}"/>
               </a:ext>
             </a:extLst>
           </p:cNvPr>
@@ -18662,15 +18785,43 @@
             <p:ph idx="1"/>
           </p:nvPr>
         </p:nvSpPr>
-        <p:spPr/>
+        <p:spPr>
+          <a:xfrm>
+            <a:off x="838200" y="1500160"/>
+            <a:ext cx="10049540" cy="4351338"/>
+          </a:xfrm>
+        </p:spPr>
         <p:txBody>
-          <a:bodyPr/>
+          <a:bodyPr>
+            <a:normAutofit/>
+          </a:bodyPr>
           <a:lstStyle/>
           <a:p>
             <a:r>
               <a:rPr lang="en-US" dirty="0"/>
-              <a:t>As a repair-truck driver, I want the system to display the potholes I should be working on today. (E)</a:t>
-            </a:r>
+              <a:t>1.1 I should be able to report a pothole to the system (E)</a:t>
+            </a:r>
+          </a:p>
+          <a:p>
+            <a:r>
+              <a:rPr lang="en-US" dirty="0"/>
+              <a:t>1.2 I should be able to see whether the pothole I report has been repaired (E)</a:t>
+            </a:r>
+          </a:p>
+          <a:p>
+            <a:r>
+              <a:rPr lang="en-US" dirty="0"/>
+              <a:t>1.3 I should be able to see whether someone else has already reported a given pothole (D)</a:t>
+            </a:r>
+          </a:p>
+          <a:p>
+            <a:r>
+              <a:rPr lang="en-US" dirty="0"/>
+              <a:t>1.4 I should be able to see an estimated time when the pothole should be repaired (D)</a:t>
+            </a:r>
+          </a:p>
+          <a:p>
+            <a:endParaRPr lang="en-US" dirty="0"/>
           </a:p>
         </p:txBody>
       </p:sp>
@@ -18679,7 +18830,7 @@
           <p:cNvPr id="4" name="Slide Number Placeholder 3">
             <a:extLst>
               <a:ext uri="{FF2B5EF4-FFF2-40B4-BE49-F238E27FC236}">
-                <a16:creationId xmlns:a16="http://schemas.microsoft.com/office/drawing/2014/main" id="{70076510-69D4-AC98-4890-8F145337C072}"/>
+                <a16:creationId xmlns:a16="http://schemas.microsoft.com/office/drawing/2014/main" id="{8F54511B-A92F-CD3A-1825-CA2491CCD033}"/>
               </a:ext>
             </a:extLst>
           </p:cNvPr>
@@ -18706,7 +18857,7 @@
     </p:spTree>
     <p:extLst>
       <p:ext uri="{BB962C8B-B14F-4D97-AF65-F5344CB8AC3E}">
-        <p14:creationId xmlns:p14="http://schemas.microsoft.com/office/powerpoint/2010/main" val="211824431"/>
+        <p14:creationId xmlns:p14="http://schemas.microsoft.com/office/powerpoint/2010/main" val="1293668376"/>
       </p:ext>
     </p:extLst>
   </p:cSld>
@@ -18738,7 +18889,7 @@
           <p:cNvPr id="2" name="Title 1">
             <a:extLst>
               <a:ext uri="{FF2B5EF4-FFF2-40B4-BE49-F238E27FC236}">
-                <a16:creationId xmlns:a16="http://schemas.microsoft.com/office/drawing/2014/main" id="{DB4EF509-325C-2E10-8B51-0A2D68AEAA9A}"/>
+                <a16:creationId xmlns:a16="http://schemas.microsoft.com/office/drawing/2014/main" id="{AF17FECE-982A-68AD-33C0-FADB0ECEAC70}"/>
               </a:ext>
             </a:extLst>
           </p:cNvPr>
@@ -18756,7 +18907,7 @@
           <a:p>
             <a:r>
               <a:rPr lang="en-US" dirty="0"/>
-              <a:t>Conditions of Satisfaction</a:t>
+              <a:t>User Story #2</a:t>
             </a:r>
           </a:p>
         </p:txBody>
@@ -18766,7 +18917,7 @@
           <p:cNvPr id="3" name="Content Placeholder 2">
             <a:extLst>
               <a:ext uri="{FF2B5EF4-FFF2-40B4-BE49-F238E27FC236}">
-                <a16:creationId xmlns:a16="http://schemas.microsoft.com/office/drawing/2014/main" id="{CBB1E84F-2F63-BC6C-A225-EF6FC6AF5970}"/>
+                <a16:creationId xmlns:a16="http://schemas.microsoft.com/office/drawing/2014/main" id="{92F5E93F-826B-173F-2672-D74656C0CE5D}"/>
               </a:ext>
             </a:extLst>
           </p:cNvPr>
@@ -18777,43 +18928,15 @@
             <p:ph idx="1"/>
           </p:nvPr>
         </p:nvSpPr>
-        <p:spPr>
-          <a:xfrm>
-            <a:off x="838199" y="1500160"/>
-            <a:ext cx="9815623" cy="4351338"/>
-          </a:xfrm>
-        </p:spPr>
+        <p:spPr/>
         <p:txBody>
-          <a:bodyPr>
-            <a:normAutofit/>
-          </a:bodyPr>
+          <a:bodyPr/>
           <a:lstStyle/>
           <a:p>
             <a:r>
               <a:rPr lang="en-US" dirty="0"/>
-              <a:t>2.1 I should be able to see my list of potholes for today (E)</a:t>
-            </a:r>
-          </a:p>
-          <a:p>
-            <a:r>
-              <a:rPr lang="en-US" dirty="0"/>
-              <a:t>2.2 I should be able to report that I repaired a given pothole (E)</a:t>
-            </a:r>
-          </a:p>
-          <a:p>
-            <a:r>
-              <a:rPr lang="en-US" dirty="0"/>
-              <a:t>2.3 I should be able to report that I was unable to repair a given pothole, and to supply a reason (E)</a:t>
-            </a:r>
-          </a:p>
-          <a:p>
-            <a:r>
-              <a:rPr lang="en-US" dirty="0"/>
-              <a:t>2.4 My daily list of potholes should be listed in an order that cuts down the time I spend driving from job to job (D)</a:t>
-            </a:r>
-          </a:p>
-          <a:p>
-            <a:endParaRPr lang="en-US" dirty="0"/>
+              <a:t>As a repair-truck driver, I want the system to display the potholes I should be working on today. (E)</a:t>
+            </a:r>
           </a:p>
         </p:txBody>
       </p:sp>
@@ -18822,7 +18945,7 @@
           <p:cNvPr id="4" name="Slide Number Placeholder 3">
             <a:extLst>
               <a:ext uri="{FF2B5EF4-FFF2-40B4-BE49-F238E27FC236}">
-                <a16:creationId xmlns:a16="http://schemas.microsoft.com/office/drawing/2014/main" id="{42E1B159-DFF9-5C1E-761D-6E4AC20749E7}"/>
+                <a16:creationId xmlns:a16="http://schemas.microsoft.com/office/drawing/2014/main" id="{70076510-69D4-AC98-4890-8F145337C072}"/>
               </a:ext>
             </a:extLst>
           </p:cNvPr>
@@ -18849,7 +18972,7 @@
     </p:spTree>
     <p:extLst>
       <p:ext uri="{BB962C8B-B14F-4D97-AF65-F5344CB8AC3E}">
-        <p14:creationId xmlns:p14="http://schemas.microsoft.com/office/powerpoint/2010/main" val="2216743730"/>
+        <p14:creationId xmlns:p14="http://schemas.microsoft.com/office/powerpoint/2010/main" val="211824431"/>
       </p:ext>
     </p:extLst>
   </p:cSld>
@@ -18881,7 +19004,7 @@
           <p:cNvPr id="2" name="Title 1">
             <a:extLst>
               <a:ext uri="{FF2B5EF4-FFF2-40B4-BE49-F238E27FC236}">
-                <a16:creationId xmlns:a16="http://schemas.microsoft.com/office/drawing/2014/main" id="{51B35226-A378-2076-F502-857ABB7AF3AE}"/>
+                <a16:creationId xmlns:a16="http://schemas.microsoft.com/office/drawing/2014/main" id="{DB4EF509-325C-2E10-8B51-0A2D68AEAA9A}"/>
               </a:ext>
             </a:extLst>
           </p:cNvPr>
@@ -18899,7 +19022,7 @@
           <a:p>
             <a:r>
               <a:rPr lang="en-US" dirty="0"/>
-              <a:t>User Story #3</a:t>
+              <a:t>Conditions of Satisfaction</a:t>
             </a:r>
           </a:p>
         </p:txBody>
@@ -18909,7 +19032,7 @@
           <p:cNvPr id="3" name="Content Placeholder 2">
             <a:extLst>
               <a:ext uri="{FF2B5EF4-FFF2-40B4-BE49-F238E27FC236}">
-                <a16:creationId xmlns:a16="http://schemas.microsoft.com/office/drawing/2014/main" id="{276D5AE4-968D-3E05-4E3E-4D06828F5C68}"/>
+                <a16:creationId xmlns:a16="http://schemas.microsoft.com/office/drawing/2014/main" id="{CBB1E84F-2F63-BC6C-A225-EF6FC6AF5970}"/>
               </a:ext>
             </a:extLst>
           </p:cNvPr>
@@ -18920,18 +19043,40 @@
             <p:ph idx="1"/>
           </p:nvPr>
         </p:nvSpPr>
-        <p:spPr/>
+        <p:spPr>
+          <a:xfrm>
+            <a:off x="838199" y="1500160"/>
+            <a:ext cx="9815623" cy="4351338"/>
+          </a:xfrm>
+        </p:spPr>
         <p:txBody>
-          <a:bodyPr/>
+          <a:bodyPr>
+            <a:normAutofit/>
+          </a:bodyPr>
           <a:lstStyle/>
           <a:p>
             <a:r>
               <a:rPr lang="en-US" dirty="0"/>
-              <a:t>As a maintenance supervisor, I want to be able to control the order in which potholes are repaired (D?)</a:t>
-            </a:r>
-          </a:p>
-          <a:p>
-            <a:endParaRPr lang="en-US" dirty="0"/>
+              <a:t>2.1 I should be able to see my list of potholes for today (E)</a:t>
+            </a:r>
+          </a:p>
+          <a:p>
+            <a:r>
+              <a:rPr lang="en-US" dirty="0"/>
+              <a:t>2.2 I should be able to report that I repaired a given pothole (E)</a:t>
+            </a:r>
+          </a:p>
+          <a:p>
+            <a:r>
+              <a:rPr lang="en-US" dirty="0"/>
+              <a:t>2.3 I should be able to report that I was unable to repair a given pothole, and to supply a reason (E)</a:t>
+            </a:r>
+          </a:p>
+          <a:p>
+            <a:r>
+              <a:rPr lang="en-US" dirty="0"/>
+              <a:t>2.4 My daily list of potholes should be listed in an order that cuts down the time I spend driving from job to job (D)</a:t>
+            </a:r>
           </a:p>
           <a:p>
             <a:endParaRPr lang="en-US" dirty="0"/>
@@ -18943,7 +19088,7 @@
           <p:cNvPr id="4" name="Slide Number Placeholder 3">
             <a:extLst>
               <a:ext uri="{FF2B5EF4-FFF2-40B4-BE49-F238E27FC236}">
-                <a16:creationId xmlns:a16="http://schemas.microsoft.com/office/drawing/2014/main" id="{2B519DCE-6F48-BA3E-A368-668137E1BB7F}"/>
+                <a16:creationId xmlns:a16="http://schemas.microsoft.com/office/drawing/2014/main" id="{42E1B159-DFF9-5C1E-761D-6E4AC20749E7}"/>
               </a:ext>
             </a:extLst>
           </p:cNvPr>
@@ -18970,7 +19115,7 @@
     </p:spTree>
     <p:extLst>
       <p:ext uri="{BB962C8B-B14F-4D97-AF65-F5344CB8AC3E}">
-        <p14:creationId xmlns:p14="http://schemas.microsoft.com/office/powerpoint/2010/main" val="3609669479"/>
+        <p14:creationId xmlns:p14="http://schemas.microsoft.com/office/powerpoint/2010/main" val="2216743730"/>
       </p:ext>
     </p:extLst>
   </p:cSld>
@@ -19002,6 +19147,127 @@
           <p:cNvPr id="2" name="Title 1">
             <a:extLst>
               <a:ext uri="{FF2B5EF4-FFF2-40B4-BE49-F238E27FC236}">
+                <a16:creationId xmlns:a16="http://schemas.microsoft.com/office/drawing/2014/main" id="{51B35226-A378-2076-F502-857ABB7AF3AE}"/>
+              </a:ext>
+            </a:extLst>
+          </p:cNvPr>
+          <p:cNvSpPr>
+            <a:spLocks noGrp="1"/>
+          </p:cNvSpPr>
+          <p:nvPr>
+            <p:ph type="title"/>
+          </p:nvPr>
+        </p:nvSpPr>
+        <p:spPr/>
+        <p:txBody>
+          <a:bodyPr/>
+          <a:lstStyle/>
+          <a:p>
+            <a:r>
+              <a:rPr lang="en-US" dirty="0"/>
+              <a:t>User Story #3</a:t>
+            </a:r>
+          </a:p>
+        </p:txBody>
+      </p:sp>
+      <p:sp>
+        <p:nvSpPr>
+          <p:cNvPr id="3" name="Content Placeholder 2">
+            <a:extLst>
+              <a:ext uri="{FF2B5EF4-FFF2-40B4-BE49-F238E27FC236}">
+                <a16:creationId xmlns:a16="http://schemas.microsoft.com/office/drawing/2014/main" id="{276D5AE4-968D-3E05-4E3E-4D06828F5C68}"/>
+              </a:ext>
+            </a:extLst>
+          </p:cNvPr>
+          <p:cNvSpPr>
+            <a:spLocks noGrp="1"/>
+          </p:cNvSpPr>
+          <p:nvPr>
+            <p:ph idx="1"/>
+          </p:nvPr>
+        </p:nvSpPr>
+        <p:spPr/>
+        <p:txBody>
+          <a:bodyPr/>
+          <a:lstStyle/>
+          <a:p>
+            <a:r>
+              <a:rPr lang="en-US" dirty="0"/>
+              <a:t>As a maintenance supervisor, I want to be able to control the order in which potholes are repaired (D?)</a:t>
+            </a:r>
+          </a:p>
+          <a:p>
+            <a:endParaRPr lang="en-US" dirty="0"/>
+          </a:p>
+          <a:p>
+            <a:endParaRPr lang="en-US" dirty="0"/>
+          </a:p>
+        </p:txBody>
+      </p:sp>
+      <p:sp>
+        <p:nvSpPr>
+          <p:cNvPr id="4" name="Slide Number Placeholder 3">
+            <a:extLst>
+              <a:ext uri="{FF2B5EF4-FFF2-40B4-BE49-F238E27FC236}">
+                <a16:creationId xmlns:a16="http://schemas.microsoft.com/office/drawing/2014/main" id="{2B519DCE-6F48-BA3E-A368-668137E1BB7F}"/>
+              </a:ext>
+            </a:extLst>
+          </p:cNvPr>
+          <p:cNvSpPr>
+            <a:spLocks noGrp="1"/>
+          </p:cNvSpPr>
+          <p:nvPr>
+            <p:ph type="sldNum" sz="quarter" idx="12"/>
+          </p:nvPr>
+        </p:nvSpPr>
+        <p:spPr/>
+        <p:txBody>
+          <a:bodyPr/>
+          <a:lstStyle/>
+          <a:p>
+            <a:fld id="{20F37917-FD3A-4669-9018-DA04BCDD3D75}" type="slidenum">
+              <a:rPr lang="en-US" smtClean="0"/>
+              <a:t>26</a:t>
+            </a:fld>
+            <a:endParaRPr lang="en-US"/>
+          </a:p>
+        </p:txBody>
+      </p:sp>
+    </p:spTree>
+    <p:extLst>
+      <p:ext uri="{BB962C8B-B14F-4D97-AF65-F5344CB8AC3E}">
+        <p14:creationId xmlns:p14="http://schemas.microsoft.com/office/powerpoint/2010/main" val="3609669479"/>
+      </p:ext>
+    </p:extLst>
+  </p:cSld>
+  <p:clrMapOvr>
+    <a:masterClrMapping/>
+  </p:clrMapOvr>
+</p:sld>
+</file>
+
+<file path=ppt/slides/slide27.xml><?xml version="1.0" encoding="utf-8"?>
+<p:sld xmlns:a="http://schemas.openxmlformats.org/drawingml/2006/main" xmlns:r="http://schemas.openxmlformats.org/officeDocument/2006/relationships" xmlns:p="http://schemas.openxmlformats.org/presentationml/2006/main" show="0">
+  <p:cSld>
+    <p:spTree>
+      <p:nvGrpSpPr>
+        <p:cNvPr id="1" name=""/>
+        <p:cNvGrpSpPr/>
+        <p:nvPr/>
+      </p:nvGrpSpPr>
+      <p:grpSpPr>
+        <a:xfrm>
+          <a:off x="0" y="0"/>
+          <a:ext cx="0" cy="0"/>
+          <a:chOff x="0" y="0"/>
+          <a:chExt cx="0" cy="0"/>
+        </a:xfrm>
+      </p:grpSpPr>
+      <p:sp>
+        <p:nvSpPr>
+          <p:cNvPr id="2" name="Title 1">
+            <a:extLst>
+              <a:ext uri="{FF2B5EF4-FFF2-40B4-BE49-F238E27FC236}">
                 <a16:creationId xmlns:a16="http://schemas.microsoft.com/office/drawing/2014/main" id="{988E1553-21A9-4B1E-36A1-6A886676B256}"/>
               </a:ext>
             </a:extLst>
@@ -19101,7 +19367,7 @@
           <a:p>
             <a:fld id="{20F37917-FD3A-4669-9018-DA04BCDD3D75}" type="slidenum">
               <a:rPr lang="en-US" smtClean="0"/>
-              <a:t>26</a:t>
+              <a:t>27</a:t>
             </a:fld>
             <a:endParaRPr lang="en-US"/>
           </a:p>
@@ -19120,7 +19386,7 @@
 </p:sld>
 </file>
 
-<file path=ppt/slides/slide27.xml><?xml version="1.0" encoding="utf-8"?>
+<file path=ppt/slides/slide28.xml><?xml version="1.0" encoding="utf-8"?>
 <p:sld xmlns:a="http://schemas.openxmlformats.org/drawingml/2006/main" xmlns:r="http://schemas.openxmlformats.org/officeDocument/2006/relationships" xmlns:p="http://schemas.openxmlformats.org/presentationml/2006/main" show="0">
   <p:cSld>
     <p:bg>
@@ -19802,7 +20068,7 @@
                   <a:spcPts val="600"/>
                 </a:spcAft>
               </a:pPr>
-              <a:t>27</a:t>
+              <a:t>28</a:t>
             </a:fld>
             <a:endParaRPr lang="en-US"/>
           </a:p>
@@ -19821,7 +20087,7 @@
 </p:sld>
 </file>
 
-<file path=ppt/slides/slide28.xml><?xml version="1.0" encoding="utf-8"?>
+<file path=ppt/slides/slide29.xml><?xml version="1.0" encoding="utf-8"?>
 <p:sld xmlns:a="http://schemas.openxmlformats.org/drawingml/2006/main" xmlns:r="http://schemas.openxmlformats.org/officeDocument/2006/relationships" xmlns:p="http://schemas.openxmlformats.org/presentationml/2006/main" show="0">
   <p:cSld>
     <p:bg>
@@ -20453,7 +20719,7 @@
                   <a:spcPts val="600"/>
                 </a:spcAft>
               </a:pPr>
-              <a:t>28</a:t>
+              <a:t>29</a:t>
             </a:fld>
             <a:endParaRPr lang="en-US">
               <a:solidFill>
@@ -20467,222 +20733,6 @@
     <p:extLst>
       <p:ext uri="{BB962C8B-B14F-4D97-AF65-F5344CB8AC3E}">
         <p14:creationId xmlns:p14="http://schemas.microsoft.com/office/powerpoint/2010/main" val="3108382758"/>
-      </p:ext>
-    </p:extLst>
-  </p:cSld>
-  <p:clrMapOvr>
-    <a:masterClrMapping/>
-  </p:clrMapOvr>
-</p:sld>
-</file>
-
-<file path=ppt/slides/slide29.xml><?xml version="1.0" encoding="utf-8"?>
-<p:sld xmlns:a="http://schemas.openxmlformats.org/drawingml/2006/main" xmlns:r="http://schemas.openxmlformats.org/officeDocument/2006/relationships" xmlns:p="http://schemas.openxmlformats.org/presentationml/2006/main" show="0">
-  <p:cSld>
-    <p:spTree>
-      <p:nvGrpSpPr>
-        <p:cNvPr id="1" name=""/>
-        <p:cNvGrpSpPr/>
-        <p:nvPr/>
-      </p:nvGrpSpPr>
-      <p:grpSpPr>
-        <a:xfrm>
-          <a:off x="0" y="0"/>
-          <a:ext cx="0" cy="0"/>
-          <a:chOff x="0" y="0"/>
-          <a:chExt cx="0" cy="0"/>
-        </a:xfrm>
-      </p:grpSpPr>
-      <p:sp>
-        <p:nvSpPr>
-          <p:cNvPr id="3" name="Content Placeholder 2">
-            <a:extLst>
-              <a:ext uri="{FF2B5EF4-FFF2-40B4-BE49-F238E27FC236}">
-                <a16:creationId xmlns:a16="http://schemas.microsoft.com/office/drawing/2014/main" id="{3C270DA0-CEDD-7D08-8774-EAEB8515E419}"/>
-              </a:ext>
-            </a:extLst>
-          </p:cNvPr>
-          <p:cNvSpPr>
-            <a:spLocks noGrp="1"/>
-          </p:cNvSpPr>
-          <p:nvPr>
-            <p:ph idx="1"/>
-          </p:nvPr>
-        </p:nvSpPr>
-        <p:spPr/>
-        <p:txBody>
-          <a:bodyPr>
-            <a:normAutofit/>
-          </a:bodyPr>
-          <a:lstStyle/>
-          <a:p>
-            <a:pPr marL="0" indent="0">
-              <a:buNone/>
-            </a:pPr>
-            <a:r>
-              <a:rPr lang="en-US" dirty="0"/>
-              <a:t>The database should allow me to:</a:t>
-            </a:r>
-          </a:p>
-          <a:p>
-            <a:pPr marL="971550" lvl="1" indent="-514350">
-              <a:buFont typeface="+mj-lt"/>
-              <a:buAutoNum type="arabicPeriod"/>
-            </a:pPr>
-            <a:r>
-              <a:rPr lang="en-US" sz="2800" dirty="0">
-                <a:solidFill>
-                  <a:schemeClr val="tx1"/>
-                </a:solidFill>
-              </a:rPr>
-              <a:t>Add a new student to the database</a:t>
-            </a:r>
-          </a:p>
-          <a:p>
-            <a:pPr marL="971550" lvl="1" indent="-514350">
-              <a:buFont typeface="+mj-lt"/>
-              <a:buAutoNum type="arabicPeriod"/>
-            </a:pPr>
-            <a:r>
-              <a:rPr lang="en-US" sz="2800" dirty="0">
-                <a:solidFill>
-                  <a:schemeClr val="tx1"/>
-                </a:solidFill>
-              </a:rPr>
-              <a:t>Add a new student with the same name as an existing student.</a:t>
-            </a:r>
-          </a:p>
-          <a:p>
-            <a:pPr marL="971550" lvl="1" indent="-514350">
-              <a:buFont typeface="+mj-lt"/>
-              <a:buAutoNum type="arabicPeriod"/>
-            </a:pPr>
-            <a:r>
-              <a:rPr lang="en-US" sz="2800" dirty="0">
-                <a:solidFill>
-                  <a:schemeClr val="tx1"/>
-                </a:solidFill>
-              </a:rPr>
-              <a:t>Retrieve the transcript for a student</a:t>
-            </a:r>
-          </a:p>
-          <a:p>
-            <a:pPr marL="971550" lvl="1" indent="-514350">
-              <a:buFont typeface="+mj-lt"/>
-              <a:buAutoNum type="arabicPeriod"/>
-            </a:pPr>
-            <a:r>
-              <a:rPr lang="en-US" sz="2800" dirty="0">
-                <a:solidFill>
-                  <a:schemeClr val="tx1"/>
-                </a:solidFill>
-              </a:rPr>
-              <a:t>Delete a student from the database</a:t>
-            </a:r>
-          </a:p>
-          <a:p>
-            <a:pPr marL="971550" lvl="1" indent="-514350">
-              <a:buFont typeface="+mj-lt"/>
-              <a:buAutoNum type="arabicPeriod"/>
-            </a:pPr>
-            <a:r>
-              <a:rPr lang="en-US" sz="2800" dirty="0">
-                <a:solidFill>
-                  <a:schemeClr val="tx1"/>
-                </a:solidFill>
-              </a:rPr>
-              <a:t>Add a new grade for an existing student</a:t>
-            </a:r>
-          </a:p>
-          <a:p>
-            <a:pPr marL="971550" lvl="1" indent="-514350">
-              <a:buFont typeface="+mj-lt"/>
-              <a:buAutoNum type="arabicPeriod"/>
-            </a:pPr>
-            <a:r>
-              <a:rPr lang="en-US" sz="2800" dirty="0">
-                <a:solidFill>
-                  <a:schemeClr val="tx1"/>
-                </a:solidFill>
-              </a:rPr>
-              <a:t>Find out the grade that a student got in a course that they took</a:t>
-            </a:r>
-          </a:p>
-          <a:p>
-            <a:pPr marL="514350" indent="-514350">
-              <a:buFont typeface="+mj-lt"/>
-              <a:buAutoNum type="arabicPeriod"/>
-            </a:pPr>
-            <a:endParaRPr lang="en-US" dirty="0"/>
-          </a:p>
-        </p:txBody>
-      </p:sp>
-      <p:sp>
-        <p:nvSpPr>
-          <p:cNvPr id="4" name="Slide Number Placeholder 3">
-            <a:extLst>
-              <a:ext uri="{FF2B5EF4-FFF2-40B4-BE49-F238E27FC236}">
-                <a16:creationId xmlns:a16="http://schemas.microsoft.com/office/drawing/2014/main" id="{78E266D1-9118-64E3-6ECA-ABE996CBECE0}"/>
-              </a:ext>
-            </a:extLst>
-          </p:cNvPr>
-          <p:cNvSpPr>
-            <a:spLocks noGrp="1"/>
-          </p:cNvSpPr>
-          <p:nvPr>
-            <p:ph type="sldNum" sz="quarter" idx="12"/>
-          </p:nvPr>
-        </p:nvSpPr>
-        <p:spPr/>
-        <p:txBody>
-          <a:bodyPr/>
-          <a:lstStyle/>
-          <a:p>
-            <a:fld id="{20F37917-FD3A-4669-9018-DA04BCDD3D75}" type="slidenum">
-              <a:rPr lang="en-US" smtClean="0"/>
-              <a:t>29</a:t>
-            </a:fld>
-            <a:endParaRPr lang="en-US" dirty="0"/>
-          </a:p>
-        </p:txBody>
-      </p:sp>
-      <p:sp>
-        <p:nvSpPr>
-          <p:cNvPr id="10" name="Title 1">
-            <a:extLst>
-              <a:ext uri="{FF2B5EF4-FFF2-40B4-BE49-F238E27FC236}">
-                <a16:creationId xmlns:a16="http://schemas.microsoft.com/office/drawing/2014/main" id="{40A76719-B99C-FED3-AB8B-6CD70C81E060}"/>
-              </a:ext>
-            </a:extLst>
-          </p:cNvPr>
-          <p:cNvSpPr>
-            <a:spLocks noGrp="1"/>
-          </p:cNvSpPr>
-          <p:nvPr>
-            <p:ph type="title"/>
-          </p:nvPr>
-        </p:nvSpPr>
-        <p:spPr>
-          <a:xfrm>
-            <a:off x="838200" y="17463"/>
-            <a:ext cx="10515600" cy="1325562"/>
-          </a:xfrm>
-        </p:spPr>
-        <p:txBody>
-          <a:bodyPr/>
-          <a:lstStyle/>
-          <a:p>
-            <a:r>
-              <a:rPr lang="en-US" dirty="0"/>
-              <a:t>Satisfaction Conditions</a:t>
-            </a:r>
-          </a:p>
-        </p:txBody>
-      </p:sp>
-    </p:spTree>
-    <p:extLst>
-      <p:ext uri="{BB962C8B-B14F-4D97-AF65-F5344CB8AC3E}">
-        <p14:creationId xmlns:p14="http://schemas.microsoft.com/office/powerpoint/2010/main" val="3767598054"/>
       </p:ext>
     </p:extLst>
   </p:cSld>
@@ -21124,7 +21174,7 @@
 </file>
 
 <file path=ppt/slides/slide30.xml><?xml version="1.0" encoding="utf-8"?>
-<p:sld xmlns:a="http://schemas.openxmlformats.org/drawingml/2006/main" xmlns:r="http://schemas.openxmlformats.org/officeDocument/2006/relationships" xmlns:p="http://schemas.openxmlformats.org/presentationml/2006/main">
+<p:sld xmlns:a="http://schemas.openxmlformats.org/drawingml/2006/main" xmlns:r="http://schemas.openxmlformats.org/officeDocument/2006/relationships" xmlns:p="http://schemas.openxmlformats.org/presentationml/2006/main" show="0">
   <p:cSld>
     <p:spTree>
       <p:nvGrpSpPr>
@@ -21142,10 +21192,10 @@
       </p:grpSpPr>
       <p:sp>
         <p:nvSpPr>
-          <p:cNvPr id="2" name="Title 1">
+          <p:cNvPr id="3" name="Content Placeholder 2">
             <a:extLst>
               <a:ext uri="{FF2B5EF4-FFF2-40B4-BE49-F238E27FC236}">
-                <a16:creationId xmlns:a16="http://schemas.microsoft.com/office/drawing/2014/main" id="{16F86D58-152F-496B-BA81-FDA5B100832A}"/>
+                <a16:creationId xmlns:a16="http://schemas.microsoft.com/office/drawing/2014/main" id="{3C270DA0-CEDD-7D08-8774-EAEB8515E419}"/>
               </a:ext>
             </a:extLst>
           </p:cNvPr>
@@ -21153,30 +21203,114 @@
             <a:spLocks noGrp="1"/>
           </p:cNvSpPr>
           <p:nvPr>
-            <p:ph type="title"/>
+            <p:ph idx="1"/>
           </p:nvPr>
         </p:nvSpPr>
         <p:spPr/>
         <p:txBody>
-          <a:bodyPr/>
+          <a:bodyPr>
+            <a:normAutofit/>
+          </a:bodyPr>
           <a:lstStyle/>
           <a:p>
-            <a:r>
-              <a:rPr lang="en-US" dirty="0"/>
-              <a:t>Non-Functional Requirements capture the </a:t>
-            </a:r>
-            <a:r>
-              <a:rPr lang="en-US" i="1" dirty="0">
+            <a:pPr marL="0" indent="0">
+              <a:buNone/>
+            </a:pPr>
+            <a:r>
+              <a:rPr lang="en-US" dirty="0"/>
+              <a:t>The database should allow me to:</a:t>
+            </a:r>
+          </a:p>
+          <a:p>
+            <a:pPr marL="971550" lvl="1" indent="-514350">
+              <a:buFont typeface="+mj-lt"/>
+              <a:buAutoNum type="arabicPeriod"/>
+            </a:pPr>
+            <a:r>
+              <a:rPr lang="en-US" sz="2800" dirty="0">
                 <a:solidFill>
-                  <a:srgbClr val="FF0000"/>
+                  <a:schemeClr val="tx1"/>
                 </a:solidFill>
               </a:rPr>
-              <a:t>quality goals </a:t>
-            </a:r>
-            <a:r>
-              <a:rPr lang="en-US" dirty="0"/>
-              <a:t>of the system:</a:t>
-            </a:r>
+              <a:t>Add a new student to the database</a:t>
+            </a:r>
+          </a:p>
+          <a:p>
+            <a:pPr marL="971550" lvl="1" indent="-514350">
+              <a:buFont typeface="+mj-lt"/>
+              <a:buAutoNum type="arabicPeriod"/>
+            </a:pPr>
+            <a:r>
+              <a:rPr lang="en-US" sz="2800" dirty="0">
+                <a:solidFill>
+                  <a:schemeClr val="tx1"/>
+                </a:solidFill>
+              </a:rPr>
+              <a:t>Add a new student with the same name as an existing student.</a:t>
+            </a:r>
+          </a:p>
+          <a:p>
+            <a:pPr marL="971550" lvl="1" indent="-514350">
+              <a:buFont typeface="+mj-lt"/>
+              <a:buAutoNum type="arabicPeriod"/>
+            </a:pPr>
+            <a:r>
+              <a:rPr lang="en-US" sz="2800" dirty="0">
+                <a:solidFill>
+                  <a:schemeClr val="tx1"/>
+                </a:solidFill>
+              </a:rPr>
+              <a:t>Retrieve the transcript for a student</a:t>
+            </a:r>
+          </a:p>
+          <a:p>
+            <a:pPr marL="971550" lvl="1" indent="-514350">
+              <a:buFont typeface="+mj-lt"/>
+              <a:buAutoNum type="arabicPeriod"/>
+            </a:pPr>
+            <a:r>
+              <a:rPr lang="en-US" sz="2800" dirty="0">
+                <a:solidFill>
+                  <a:schemeClr val="tx1"/>
+                </a:solidFill>
+              </a:rPr>
+              <a:t>Delete a student from the database</a:t>
+            </a:r>
+          </a:p>
+          <a:p>
+            <a:pPr marL="971550" lvl="1" indent="-514350">
+              <a:buFont typeface="+mj-lt"/>
+              <a:buAutoNum type="arabicPeriod"/>
+            </a:pPr>
+            <a:r>
+              <a:rPr lang="en-US" sz="2800" dirty="0">
+                <a:solidFill>
+                  <a:schemeClr val="tx1"/>
+                </a:solidFill>
+              </a:rPr>
+              <a:t>Add a new grade for an existing student</a:t>
+            </a:r>
+          </a:p>
+          <a:p>
+            <a:pPr marL="971550" lvl="1" indent="-514350">
+              <a:buFont typeface="+mj-lt"/>
+              <a:buAutoNum type="arabicPeriod"/>
+            </a:pPr>
+            <a:r>
+              <a:rPr lang="en-US" sz="2800" dirty="0">
+                <a:solidFill>
+                  <a:schemeClr val="tx1"/>
+                </a:solidFill>
+              </a:rPr>
+              <a:t>Find out the grade that a student got in a course that they took</a:t>
+            </a:r>
+          </a:p>
+          <a:p>
+            <a:pPr marL="514350" indent="-514350">
+              <a:buFont typeface="+mj-lt"/>
+              <a:buAutoNum type="arabicPeriod"/>
+            </a:pPr>
+            <a:endParaRPr lang="en-US" dirty="0"/>
           </a:p>
         </p:txBody>
       </p:sp>
@@ -21185,7 +21319,7 @@
           <p:cNvPr id="4" name="Slide Number Placeholder 3">
             <a:extLst>
               <a:ext uri="{FF2B5EF4-FFF2-40B4-BE49-F238E27FC236}">
-                <a16:creationId xmlns:a16="http://schemas.microsoft.com/office/drawing/2014/main" id="{C7C3DEB3-F948-4B7E-8BDA-FB7ABCF7A993}"/>
+                <a16:creationId xmlns:a16="http://schemas.microsoft.com/office/drawing/2014/main" id="{78E266D1-9118-64E3-6ECA-ABE996CBECE0}"/>
               </a:ext>
             </a:extLst>
           </p:cNvPr>
@@ -21211,10 +21345,10 @@
       </p:sp>
       <p:sp>
         <p:nvSpPr>
-          <p:cNvPr id="9" name="Content Placeholder 2">
+          <p:cNvPr id="10" name="Title 1">
             <a:extLst>
               <a:ext uri="{FF2B5EF4-FFF2-40B4-BE49-F238E27FC236}">
-                <a16:creationId xmlns:a16="http://schemas.microsoft.com/office/drawing/2014/main" id="{154B344C-9133-E9C8-0056-74943F854D75}"/>
+                <a16:creationId xmlns:a16="http://schemas.microsoft.com/office/drawing/2014/main" id="{40A76719-B99C-FED3-AB8B-6CD70C81E060}"/>
               </a:ext>
             </a:extLst>
           </p:cNvPr>
@@ -21222,71 +21356,22 @@
             <a:spLocks noGrp="1"/>
           </p:cNvSpPr>
           <p:nvPr>
-            <p:ph idx="1"/>
+            <p:ph type="title"/>
           </p:nvPr>
         </p:nvSpPr>
         <p:spPr>
           <a:xfrm>
-            <a:off x="838200" y="1500188"/>
-            <a:ext cx="9521142" cy="4351337"/>
+            <a:off x="838200" y="17463"/>
+            <a:ext cx="10515600" cy="1325562"/>
           </a:xfrm>
         </p:spPr>
         <p:txBody>
-          <a:bodyPr>
-            <a:normAutofit lnSpcReduction="10000"/>
-          </a:bodyPr>
+          <a:bodyPr/>
           <a:lstStyle/>
           <a:p>
             <a:r>
               <a:rPr lang="en-US" dirty="0"/>
-              <a:t>As developers, we often spend most of our time and effort on features (i.e., functional requirements).</a:t>
-            </a:r>
-          </a:p>
-          <a:p>
-            <a:r>
-              <a:rPr lang="en-US" dirty="0"/>
-              <a:t>But there is more ….</a:t>
-            </a:r>
-          </a:p>
-          <a:p>
-            <a:r>
-              <a:rPr lang="en-US" dirty="0"/>
-              <a:t>What other properties might a customer want to know about the product?</a:t>
-            </a:r>
-          </a:p>
-          <a:p>
-            <a:pPr lvl="1"/>
-            <a:r>
-              <a:rPr lang="en-US" dirty="0"/>
-              <a:t>How quickly can a transcript be retrieval? (Performance)</a:t>
-            </a:r>
-          </a:p>
-          <a:p>
-            <a:pPr lvl="1"/>
-            <a:r>
-              <a:rPr lang="en-US" dirty="0"/>
-              <a:t>How many student transcripts can our system store? (Scalability)</a:t>
-            </a:r>
-          </a:p>
-          <a:p>
-            <a:pPr lvl="1"/>
-            <a:r>
-              <a:rPr lang="en-US" dirty="0"/>
-              <a:t>How long did I spend on the phone with support to set up the software? (Usability)</a:t>
-            </a:r>
-          </a:p>
-          <a:p>
-            <a:pPr lvl="1"/>
-            <a:r>
-              <a:rPr lang="en-US" dirty="0"/>
-              <a:t>After my system is setup, is the access controlled at all? (Security)</a:t>
-            </a:r>
-          </a:p>
-          <a:p>
-            <a:pPr lvl="1"/>
-            <a:r>
-              <a:rPr lang="en-US" dirty="0"/>
-              <a:t>Are these any times when I can’t use this system? (Availability) </a:t>
+              <a:t>Satisfaction Conditions</a:t>
             </a:r>
           </a:p>
         </p:txBody>
@@ -21294,7 +21379,7 @@
     </p:spTree>
     <p:extLst>
       <p:ext uri="{BB962C8B-B14F-4D97-AF65-F5344CB8AC3E}">
-        <p14:creationId xmlns:p14="http://schemas.microsoft.com/office/powerpoint/2010/main" val="1813985170"/>
+        <p14:creationId xmlns:p14="http://schemas.microsoft.com/office/powerpoint/2010/main" val="3767598054"/>
       </p:ext>
     </p:extLst>
   </p:cSld>
@@ -21326,7 +21411,7 @@
           <p:cNvPr id="2" name="Title 1">
             <a:extLst>
               <a:ext uri="{FF2B5EF4-FFF2-40B4-BE49-F238E27FC236}">
-                <a16:creationId xmlns:a16="http://schemas.microsoft.com/office/drawing/2014/main" id="{C63D8C0E-1574-BBF6-88B1-AB9FF3A0FFAA}"/>
+                <a16:creationId xmlns:a16="http://schemas.microsoft.com/office/drawing/2014/main" id="{16F86D58-152F-496B-BA81-FDA5B100832A}"/>
               </a:ext>
             </a:extLst>
           </p:cNvPr>
@@ -21344,39 +21429,20 @@
           <a:p>
             <a:r>
               <a:rPr lang="en-US" dirty="0"/>
-              <a:t>Example:</a:t>
-            </a:r>
-          </a:p>
-        </p:txBody>
-      </p:sp>
-      <p:sp>
-        <p:nvSpPr>
-          <p:cNvPr id="3" name="Content Placeholder 2">
-            <a:extLst>
-              <a:ext uri="{FF2B5EF4-FFF2-40B4-BE49-F238E27FC236}">
-                <a16:creationId xmlns:a16="http://schemas.microsoft.com/office/drawing/2014/main" id="{009A0602-C0AF-1851-FCAF-0C6C5D5BAE34}"/>
-              </a:ext>
-            </a:extLst>
-          </p:cNvPr>
-          <p:cNvSpPr>
-            <a:spLocks noGrp="1"/>
-          </p:cNvSpPr>
-          <p:nvPr>
-            <p:ph idx="1"/>
-          </p:nvPr>
-        </p:nvSpPr>
-        <p:spPr/>
-        <p:txBody>
-          <a:bodyPr/>
-          <a:lstStyle/>
-          <a:p>
-            <a:r>
-              <a:rPr lang="en-US" dirty="0"/>
-              <a:t>“With a 4-core server and 16 GB RAM, the system should be able to service at least 200 simultaneous clients with less than 300ms latency”</a:t>
-            </a:r>
-          </a:p>
-          <a:p>
-            <a:endParaRPr lang="en-US" dirty="0"/>
+              <a:t>Non-Functional Requirements capture the </a:t>
+            </a:r>
+            <a:r>
+              <a:rPr lang="en-US" i="1" dirty="0">
+                <a:solidFill>
+                  <a:srgbClr val="FF0000"/>
+                </a:solidFill>
+              </a:rPr>
+              <a:t>quality goals </a:t>
+            </a:r>
+            <a:r>
+              <a:rPr lang="en-US" dirty="0"/>
+              <a:t>of the system:</a:t>
+            </a:r>
           </a:p>
         </p:txBody>
       </p:sp>
@@ -21385,7 +21451,7 @@
           <p:cNvPr id="4" name="Slide Number Placeholder 3">
             <a:extLst>
               <a:ext uri="{FF2B5EF4-FFF2-40B4-BE49-F238E27FC236}">
-                <a16:creationId xmlns:a16="http://schemas.microsoft.com/office/drawing/2014/main" id="{8A3071A0-45E5-16FD-D5DF-6FC0E1B1672F}"/>
+                <a16:creationId xmlns:a16="http://schemas.microsoft.com/office/drawing/2014/main" id="{C7C3DEB3-F948-4B7E-8BDA-FB7ABCF7A993}"/>
               </a:ext>
             </a:extLst>
           </p:cNvPr>
@@ -21409,10 +21475,92 @@
           </a:p>
         </p:txBody>
       </p:sp>
+      <p:sp>
+        <p:nvSpPr>
+          <p:cNvPr id="9" name="Content Placeholder 2">
+            <a:extLst>
+              <a:ext uri="{FF2B5EF4-FFF2-40B4-BE49-F238E27FC236}">
+                <a16:creationId xmlns:a16="http://schemas.microsoft.com/office/drawing/2014/main" id="{154B344C-9133-E9C8-0056-74943F854D75}"/>
+              </a:ext>
+            </a:extLst>
+          </p:cNvPr>
+          <p:cNvSpPr>
+            <a:spLocks noGrp="1"/>
+          </p:cNvSpPr>
+          <p:nvPr>
+            <p:ph idx="1"/>
+          </p:nvPr>
+        </p:nvSpPr>
+        <p:spPr>
+          <a:xfrm>
+            <a:off x="838200" y="1500188"/>
+            <a:ext cx="9521142" cy="4351337"/>
+          </a:xfrm>
+        </p:spPr>
+        <p:txBody>
+          <a:bodyPr>
+            <a:normAutofit lnSpcReduction="10000"/>
+          </a:bodyPr>
+          <a:lstStyle/>
+          <a:p>
+            <a:r>
+              <a:rPr lang="en-US" dirty="0"/>
+              <a:t>As developers, we often spend most of our time and effort on features (i.e., functional requirements).</a:t>
+            </a:r>
+          </a:p>
+          <a:p>
+            <a:r>
+              <a:rPr lang="en-US" dirty="0"/>
+              <a:t>But there is more ….</a:t>
+            </a:r>
+          </a:p>
+          <a:p>
+            <a:r>
+              <a:rPr lang="en-US" dirty="0"/>
+              <a:t>What other properties might a customer want to know about the product?</a:t>
+            </a:r>
+          </a:p>
+          <a:p>
+            <a:pPr lvl="1"/>
+            <a:r>
+              <a:rPr lang="en-US" dirty="0"/>
+              <a:t>How quickly can a transcript be retrieval? (Performance)</a:t>
+            </a:r>
+          </a:p>
+          <a:p>
+            <a:pPr lvl="1"/>
+            <a:r>
+              <a:rPr lang="en-US" dirty="0"/>
+              <a:t>How many student transcripts can our system store? (Scalability)</a:t>
+            </a:r>
+          </a:p>
+          <a:p>
+            <a:pPr lvl="1"/>
+            <a:r>
+              <a:rPr lang="en-US" dirty="0"/>
+              <a:t>How long did I spend on the phone with support to set up the software? (Usability)</a:t>
+            </a:r>
+          </a:p>
+          <a:p>
+            <a:pPr lvl="1"/>
+            <a:r>
+              <a:rPr lang="en-US" dirty="0"/>
+              <a:t>After my system is setup, is the access controlled at all? (Security)</a:t>
+            </a:r>
+          </a:p>
+          <a:p>
+            <a:pPr lvl="1"/>
+            <a:r>
+              <a:rPr lang="en-US" dirty="0"/>
+              <a:t>Are these any times when I can’t use this system? (Availability) </a:t>
+            </a:r>
+          </a:p>
+        </p:txBody>
+      </p:sp>
     </p:spTree>
     <p:extLst>
       <p:ext uri="{BB962C8B-B14F-4D97-AF65-F5344CB8AC3E}">
-        <p14:creationId xmlns:p14="http://schemas.microsoft.com/office/powerpoint/2010/main" val="1645572920"/>
+        <p14:creationId xmlns:p14="http://schemas.microsoft.com/office/powerpoint/2010/main" val="1813985170"/>
       </p:ext>
     </p:extLst>
   </p:cSld>
@@ -21444,7 +21592,7 @@
           <p:cNvPr id="2" name="Title 1">
             <a:extLst>
               <a:ext uri="{FF2B5EF4-FFF2-40B4-BE49-F238E27FC236}">
-                <a16:creationId xmlns:a16="http://schemas.microsoft.com/office/drawing/2014/main" id="{16F86D58-152F-496B-BA81-FDA5B100832A}"/>
+                <a16:creationId xmlns:a16="http://schemas.microsoft.com/office/drawing/2014/main" id="{C63D8C0E-1574-BBF6-88B1-AB9FF3A0FFAA}"/>
               </a:ext>
             </a:extLst>
           </p:cNvPr>
@@ -21457,14 +21605,12 @@
         </p:nvSpPr>
         <p:spPr/>
         <p:txBody>
-          <a:bodyPr>
-            <a:normAutofit/>
-          </a:bodyPr>
+          <a:bodyPr/>
           <a:lstStyle/>
           <a:p>
             <a:r>
-              <a:rPr lang="en-US" sz="3600" dirty="0"/>
-              <a:t>Other non-functional requirements</a:t>
+              <a:rPr lang="en-US" dirty="0"/>
+              <a:t>Example:</a:t>
             </a:r>
           </a:p>
         </p:txBody>
@@ -21474,7 +21620,7 @@
           <p:cNvPr id="3" name="Content Placeholder 2">
             <a:extLst>
               <a:ext uri="{FF2B5EF4-FFF2-40B4-BE49-F238E27FC236}">
-                <a16:creationId xmlns:a16="http://schemas.microsoft.com/office/drawing/2014/main" id="{E9F968A6-CC31-4AE6-83F3-85021744E177}"/>
+                <a16:creationId xmlns:a16="http://schemas.microsoft.com/office/drawing/2014/main" id="{009A0602-C0AF-1851-FCAF-0C6C5D5BAE34}"/>
               </a:ext>
             </a:extLst>
           </p:cNvPr>
@@ -21482,79 +21628,21 @@
             <a:spLocks noGrp="1"/>
           </p:cNvSpPr>
           <p:nvPr>
-            <p:ph sz="half" idx="1"/>
-          </p:nvPr>
-        </p:nvSpPr>
-        <p:spPr>
-          <a:xfrm>
-            <a:off x="838200" y="1825625"/>
-            <a:ext cx="3149009" cy="4351338"/>
-          </a:xfrm>
-        </p:spPr>
+            <p:ph idx="1"/>
+          </p:nvPr>
+        </p:nvSpPr>
+        <p:spPr/>
         <p:txBody>
-          <a:bodyPr>
-            <a:normAutofit fontScale="92500" lnSpcReduction="20000"/>
-          </a:bodyPr>
+          <a:bodyPr/>
           <a:lstStyle/>
           <a:p>
             <a:r>
               <a:rPr lang="en-US" dirty="0"/>
-              <a:t>Accessibility</a:t>
-            </a:r>
-          </a:p>
-          <a:p>
-            <a:r>
-              <a:rPr lang="en-US" dirty="0"/>
-              <a:t>Availability</a:t>
-            </a:r>
-          </a:p>
-          <a:p>
-            <a:r>
-              <a:rPr lang="en-US" dirty="0"/>
-              <a:t>Capacity</a:t>
-            </a:r>
-          </a:p>
-          <a:p>
-            <a:r>
-              <a:rPr lang="en-US" dirty="0"/>
-              <a:t>Efficiency</a:t>
-            </a:r>
-          </a:p>
-          <a:p>
-            <a:r>
-              <a:rPr lang="en-US" dirty="0"/>
-              <a:t>Performance</a:t>
-            </a:r>
-          </a:p>
-          <a:p>
-            <a:r>
-              <a:rPr lang="en-US" dirty="0"/>
-              <a:t>Privacy</a:t>
-            </a:r>
-          </a:p>
-          <a:p>
-            <a:r>
-              <a:rPr lang="en-US" dirty="0"/>
-              <a:t>Response Time</a:t>
-            </a:r>
-          </a:p>
-          <a:p>
-            <a:r>
-              <a:rPr lang="en-US" dirty="0"/>
-              <a:t>Security</a:t>
-            </a:r>
-          </a:p>
-          <a:p>
-            <a:r>
-              <a:rPr lang="en-US" dirty="0"/>
-              <a:t>Supportability</a:t>
-            </a:r>
-          </a:p>
-          <a:p>
-            <a:r>
-              <a:rPr lang="en-US" dirty="0"/>
-              <a:t>Usability</a:t>
-            </a:r>
+              <a:t>“With a 4-core server and 16 GB RAM, the system should be able to service at least 200 simultaneous clients with less than 300ms latency”</a:t>
+            </a:r>
+          </a:p>
+          <a:p>
+            <a:endParaRPr lang="en-US" dirty="0"/>
           </a:p>
         </p:txBody>
       </p:sp>
@@ -21563,7 +21651,7 @@
           <p:cNvPr id="4" name="Slide Number Placeholder 3">
             <a:extLst>
               <a:ext uri="{FF2B5EF4-FFF2-40B4-BE49-F238E27FC236}">
-                <a16:creationId xmlns:a16="http://schemas.microsoft.com/office/drawing/2014/main" id="{C7C3DEB3-F948-4B7E-8BDA-FB7ABCF7A993}"/>
+                <a16:creationId xmlns:a16="http://schemas.microsoft.com/office/drawing/2014/main" id="{8A3071A0-45E5-16FD-D5DF-6FC0E1B1672F}"/>
               </a:ext>
             </a:extLst>
           </p:cNvPr>
@@ -21590,7 +21678,7 @@
     </p:spTree>
     <p:extLst>
       <p:ext uri="{BB962C8B-B14F-4D97-AF65-F5344CB8AC3E}">
-        <p14:creationId xmlns:p14="http://schemas.microsoft.com/office/powerpoint/2010/main" val="2709284930"/>
+        <p14:creationId xmlns:p14="http://schemas.microsoft.com/office/powerpoint/2010/main" val="1645572920"/>
       </p:ext>
     </p:extLst>
   </p:cSld>
@@ -21635,12 +21723,14 @@
         </p:nvSpPr>
         <p:spPr/>
         <p:txBody>
-          <a:bodyPr/>
+          <a:bodyPr>
+            <a:normAutofit/>
+          </a:bodyPr>
           <a:lstStyle/>
           <a:p>
             <a:r>
-              <a:rPr lang="en-US" dirty="0"/>
-              <a:t>Still more non-functional requirements</a:t>
+              <a:rPr lang="en-US" sz="3600" dirty="0"/>
+              <a:t>Other non-functional requirements</a:t>
             </a:r>
           </a:p>
         </p:txBody>
@@ -21658,52 +21748,78 @@
             <a:spLocks noGrp="1"/>
           </p:cNvSpPr>
           <p:nvPr>
-            <p:ph idx="1"/>
+            <p:ph sz="half" idx="1"/>
           </p:nvPr>
         </p:nvSpPr>
         <p:spPr>
           <a:xfrm>
-            <a:off x="838200" y="1500160"/>
-            <a:ext cx="10515600" cy="4351338"/>
+            <a:off x="838200" y="1825625"/>
+            <a:ext cx="3149009" cy="4351338"/>
           </a:xfrm>
         </p:spPr>
         <p:txBody>
           <a:bodyPr>
-            <a:normAutofit/>
+            <a:normAutofit fontScale="92500" lnSpcReduction="20000"/>
           </a:bodyPr>
           <a:lstStyle/>
           <a:p>
             <a:r>
               <a:rPr lang="en-US" dirty="0"/>
-              <a:t>Qualities that reflect the evolution of the system</a:t>
-            </a:r>
-          </a:p>
-          <a:p>
-            <a:pPr lvl="1"/>
-            <a:r>
-              <a:rPr lang="en-US" dirty="0"/>
-              <a:t>Testability</a:t>
-            </a:r>
-          </a:p>
-          <a:p>
-            <a:pPr lvl="1"/>
-            <a:r>
-              <a:rPr lang="en-US" dirty="0"/>
-              <a:t>Maintainability</a:t>
-            </a:r>
-          </a:p>
-          <a:p>
-            <a:pPr lvl="1"/>
-            <a:r>
-              <a:rPr lang="en-US" dirty="0"/>
-              <a:t>Extensibility</a:t>
-            </a:r>
-          </a:p>
-          <a:p>
-            <a:pPr lvl="1"/>
-            <a:r>
-              <a:rPr lang="en-US" dirty="0"/>
-              <a:t>Scalability</a:t>
+              <a:t>Accessibility</a:t>
+            </a:r>
+          </a:p>
+          <a:p>
+            <a:r>
+              <a:rPr lang="en-US" dirty="0"/>
+              <a:t>Availability</a:t>
+            </a:r>
+          </a:p>
+          <a:p>
+            <a:r>
+              <a:rPr lang="en-US" dirty="0"/>
+              <a:t>Capacity</a:t>
+            </a:r>
+          </a:p>
+          <a:p>
+            <a:r>
+              <a:rPr lang="en-US" dirty="0"/>
+              <a:t>Efficiency</a:t>
+            </a:r>
+          </a:p>
+          <a:p>
+            <a:r>
+              <a:rPr lang="en-US" dirty="0"/>
+              <a:t>Performance</a:t>
+            </a:r>
+          </a:p>
+          <a:p>
+            <a:r>
+              <a:rPr lang="en-US" dirty="0"/>
+              <a:t>Privacy</a:t>
+            </a:r>
+          </a:p>
+          <a:p>
+            <a:r>
+              <a:rPr lang="en-US" dirty="0"/>
+              <a:t>Response Time</a:t>
+            </a:r>
+          </a:p>
+          <a:p>
+            <a:r>
+              <a:rPr lang="en-US" dirty="0"/>
+              <a:t>Security</a:t>
+            </a:r>
+          </a:p>
+          <a:p>
+            <a:r>
+              <a:rPr lang="en-US" dirty="0"/>
+              <a:t>Supportability</a:t>
+            </a:r>
+          </a:p>
+          <a:p>
+            <a:r>
+              <a:rPr lang="en-US" dirty="0"/>
+              <a:t>Usability</a:t>
             </a:r>
           </a:p>
         </p:txBody>
@@ -21740,7 +21856,7 @@
     </p:spTree>
     <p:extLst>
       <p:ext uri="{BB962C8B-B14F-4D97-AF65-F5344CB8AC3E}">
-        <p14:creationId xmlns:p14="http://schemas.microsoft.com/office/powerpoint/2010/main" val="667178669"/>
+        <p14:creationId xmlns:p14="http://schemas.microsoft.com/office/powerpoint/2010/main" val="2709284930"/>
       </p:ext>
     </p:extLst>
   </p:cSld>
@@ -21772,6 +21888,156 @@
           <p:cNvPr id="2" name="Title 1">
             <a:extLst>
               <a:ext uri="{FF2B5EF4-FFF2-40B4-BE49-F238E27FC236}">
+                <a16:creationId xmlns:a16="http://schemas.microsoft.com/office/drawing/2014/main" id="{16F86D58-152F-496B-BA81-FDA5B100832A}"/>
+              </a:ext>
+            </a:extLst>
+          </p:cNvPr>
+          <p:cNvSpPr>
+            <a:spLocks noGrp="1"/>
+          </p:cNvSpPr>
+          <p:nvPr>
+            <p:ph type="title"/>
+          </p:nvPr>
+        </p:nvSpPr>
+        <p:spPr/>
+        <p:txBody>
+          <a:bodyPr/>
+          <a:lstStyle/>
+          <a:p>
+            <a:r>
+              <a:rPr lang="en-US" dirty="0"/>
+              <a:t>Still more non-functional requirements</a:t>
+            </a:r>
+          </a:p>
+        </p:txBody>
+      </p:sp>
+      <p:sp>
+        <p:nvSpPr>
+          <p:cNvPr id="3" name="Content Placeholder 2">
+            <a:extLst>
+              <a:ext uri="{FF2B5EF4-FFF2-40B4-BE49-F238E27FC236}">
+                <a16:creationId xmlns:a16="http://schemas.microsoft.com/office/drawing/2014/main" id="{E9F968A6-CC31-4AE6-83F3-85021744E177}"/>
+              </a:ext>
+            </a:extLst>
+          </p:cNvPr>
+          <p:cNvSpPr>
+            <a:spLocks noGrp="1"/>
+          </p:cNvSpPr>
+          <p:nvPr>
+            <p:ph idx="1"/>
+          </p:nvPr>
+        </p:nvSpPr>
+        <p:spPr>
+          <a:xfrm>
+            <a:off x="838200" y="1500160"/>
+            <a:ext cx="10515600" cy="4351338"/>
+          </a:xfrm>
+        </p:spPr>
+        <p:txBody>
+          <a:bodyPr>
+            <a:normAutofit/>
+          </a:bodyPr>
+          <a:lstStyle/>
+          <a:p>
+            <a:r>
+              <a:rPr lang="en-US" dirty="0"/>
+              <a:t>Qualities that reflect the evolution of the system</a:t>
+            </a:r>
+          </a:p>
+          <a:p>
+            <a:pPr lvl="1"/>
+            <a:r>
+              <a:rPr lang="en-US" dirty="0"/>
+              <a:t>Testability</a:t>
+            </a:r>
+          </a:p>
+          <a:p>
+            <a:pPr lvl="1"/>
+            <a:r>
+              <a:rPr lang="en-US" dirty="0"/>
+              <a:t>Maintainability</a:t>
+            </a:r>
+          </a:p>
+          <a:p>
+            <a:pPr lvl="1"/>
+            <a:r>
+              <a:rPr lang="en-US" dirty="0"/>
+              <a:t>Extensibility</a:t>
+            </a:r>
+          </a:p>
+          <a:p>
+            <a:pPr lvl="1"/>
+            <a:r>
+              <a:rPr lang="en-US" dirty="0"/>
+              <a:t>Scalability</a:t>
+            </a:r>
+          </a:p>
+        </p:txBody>
+      </p:sp>
+      <p:sp>
+        <p:nvSpPr>
+          <p:cNvPr id="4" name="Slide Number Placeholder 3">
+            <a:extLst>
+              <a:ext uri="{FF2B5EF4-FFF2-40B4-BE49-F238E27FC236}">
+                <a16:creationId xmlns:a16="http://schemas.microsoft.com/office/drawing/2014/main" id="{C7C3DEB3-F948-4B7E-8BDA-FB7ABCF7A993}"/>
+              </a:ext>
+            </a:extLst>
+          </p:cNvPr>
+          <p:cNvSpPr>
+            <a:spLocks noGrp="1"/>
+          </p:cNvSpPr>
+          <p:nvPr>
+            <p:ph type="sldNum" sz="quarter" idx="12"/>
+          </p:nvPr>
+        </p:nvSpPr>
+        <p:spPr/>
+        <p:txBody>
+          <a:bodyPr/>
+          <a:lstStyle/>
+          <a:p>
+            <a:fld id="{20F37917-FD3A-4669-9018-DA04BCDD3D75}" type="slidenum">
+              <a:rPr lang="en-US" smtClean="0"/>
+              <a:t>34</a:t>
+            </a:fld>
+            <a:endParaRPr lang="en-US" dirty="0"/>
+          </a:p>
+        </p:txBody>
+      </p:sp>
+    </p:spTree>
+    <p:extLst>
+      <p:ext uri="{BB962C8B-B14F-4D97-AF65-F5344CB8AC3E}">
+        <p14:creationId xmlns:p14="http://schemas.microsoft.com/office/powerpoint/2010/main" val="667178669"/>
+      </p:ext>
+    </p:extLst>
+  </p:cSld>
+  <p:clrMapOvr>
+    <a:masterClrMapping/>
+  </p:clrMapOvr>
+</p:sld>
+</file>
+
+<file path=ppt/slides/slide35.xml><?xml version="1.0" encoding="utf-8"?>
+<p:sld xmlns:a="http://schemas.openxmlformats.org/drawingml/2006/main" xmlns:r="http://schemas.openxmlformats.org/officeDocument/2006/relationships" xmlns:p="http://schemas.openxmlformats.org/presentationml/2006/main">
+  <p:cSld>
+    <p:spTree>
+      <p:nvGrpSpPr>
+        <p:cNvPr id="1" name=""/>
+        <p:cNvGrpSpPr/>
+        <p:nvPr/>
+      </p:nvGrpSpPr>
+      <p:grpSpPr>
+        <a:xfrm>
+          <a:off x="0" y="0"/>
+          <a:ext cx="0" cy="0"/>
+          <a:chOff x="0" y="0"/>
+          <a:chExt cx="0" cy="0"/>
+        </a:xfrm>
+      </p:grpSpPr>
+      <p:sp>
+        <p:nvSpPr>
+          <p:cNvPr id="2" name="Title 1">
+            <a:extLst>
+              <a:ext uri="{FF2B5EF4-FFF2-40B4-BE49-F238E27FC236}">
                 <a16:creationId xmlns:a16="http://schemas.microsoft.com/office/drawing/2014/main" id="{F23E412C-C21C-9A47-9132-9BC666325FD4}"/>
               </a:ext>
             </a:extLst>
@@ -21792,7 +22058,7 @@
           <a:p>
             <a:r>
               <a:rPr lang="en-US" sz="3600" dirty="0"/>
-              <a:t>Writing User Stories: INVEST</a:t>
+              <a:t>Writing User Stories: INVEST+R</a:t>
             </a:r>
           </a:p>
         </p:txBody>
@@ -21820,7 +22086,9 @@
           </a:xfrm>
         </p:spPr>
         <p:txBody>
-          <a:bodyPr/>
+          <a:bodyPr>
+            <a:normAutofit lnSpcReduction="10000"/>
+          </a:bodyPr>
           <a:lstStyle/>
           <a:p>
             <a:r>
@@ -21856,6 +22124,15 @@
             <a:r>
               <a:rPr lang="en-US" dirty="0"/>
               <a:t>Testable</a:t>
+            </a:r>
+          </a:p>
+          <a:p>
+            <a:endParaRPr lang="en-US" dirty="0"/>
+          </a:p>
+          <a:p>
+            <a:r>
+              <a:rPr lang="en-US" dirty="0"/>
+              <a:t>Respect for human values</a:t>
             </a:r>
           </a:p>
         </p:txBody>
@@ -21883,7 +22160,7 @@
           <a:p>
             <a:fld id="{20F37917-FD3A-4669-9018-DA04BCDD3D75}" type="slidenum">
               <a:rPr lang="en-US" smtClean="0"/>
-              <a:t>34</a:t>
+              <a:t>35</a:t>
             </a:fld>
             <a:endParaRPr lang="en-US" dirty="0"/>
           </a:p>
@@ -21964,7 +22241,171 @@
 </p:sld>
 </file>
 
-<file path=ppt/slides/slide35.xml><?xml version="1.0" encoding="utf-8"?>
+<file path=ppt/slides/slide36.xml><?xml version="1.0" encoding="utf-8"?>
+<p:sld xmlns:a="http://schemas.openxmlformats.org/drawingml/2006/main" xmlns:r="http://schemas.openxmlformats.org/officeDocument/2006/relationships" xmlns:p="http://schemas.openxmlformats.org/presentationml/2006/main">
+  <p:cSld>
+    <p:spTree>
+      <p:nvGrpSpPr>
+        <p:cNvPr id="1" name=""/>
+        <p:cNvGrpSpPr/>
+        <p:nvPr/>
+      </p:nvGrpSpPr>
+      <p:grpSpPr>
+        <a:xfrm>
+          <a:off x="0" y="0"/>
+          <a:ext cx="0" cy="0"/>
+          <a:chOff x="0" y="0"/>
+          <a:chExt cx="0" cy="0"/>
+        </a:xfrm>
+      </p:grpSpPr>
+      <p:sp>
+        <p:nvSpPr>
+          <p:cNvPr id="2" name="Title 1">
+            <a:extLst>
+              <a:ext uri="{FF2B5EF4-FFF2-40B4-BE49-F238E27FC236}">
+                <a16:creationId xmlns:a16="http://schemas.microsoft.com/office/drawing/2014/main" id="{E743D407-5B53-49A7-9907-E801EA7FFD8E}"/>
+              </a:ext>
+            </a:extLst>
+          </p:cNvPr>
+          <p:cNvSpPr>
+            <a:spLocks noGrp="1"/>
+          </p:cNvSpPr>
+          <p:nvPr>
+            <p:ph type="title"/>
+          </p:nvPr>
+        </p:nvSpPr>
+        <p:spPr/>
+        <p:txBody>
+          <a:bodyPr/>
+          <a:lstStyle/>
+          <a:p>
+            <a:r>
+              <a:rPr lang="en-US" dirty="0"/>
+              <a:t>Learning Goals for this Lesson</a:t>
+            </a:r>
+          </a:p>
+        </p:txBody>
+      </p:sp>
+      <p:sp>
+        <p:nvSpPr>
+          <p:cNvPr id="3" name="Content Placeholder 2">
+            <a:extLst>
+              <a:ext uri="{FF2B5EF4-FFF2-40B4-BE49-F238E27FC236}">
+                <a16:creationId xmlns:a16="http://schemas.microsoft.com/office/drawing/2014/main" id="{AC300E2B-BFD0-4090-AFC5-FE82683F997F}"/>
+              </a:ext>
+            </a:extLst>
+          </p:cNvPr>
+          <p:cNvSpPr>
+            <a:spLocks noGrp="1"/>
+          </p:cNvSpPr>
+          <p:nvPr>
+            <p:ph idx="1"/>
+          </p:nvPr>
+        </p:nvSpPr>
+        <p:spPr>
+          <a:xfrm>
+            <a:off x="838199" y="1500160"/>
+            <a:ext cx="10515599" cy="4351338"/>
+          </a:xfrm>
+        </p:spPr>
+        <p:txBody>
+          <a:bodyPr>
+            <a:normAutofit/>
+          </a:bodyPr>
+          <a:lstStyle/>
+          <a:p>
+            <a:r>
+              <a:rPr lang="en-US" dirty="0"/>
+              <a:t>At the end of this lesson, you should be able to</a:t>
+            </a:r>
+          </a:p>
+          <a:p>
+            <a:pPr lvl="1"/>
+            <a:r>
+              <a:rPr lang="en-US" dirty="0"/>
+              <a:t>explain the overall purposes of requirements analysis.</a:t>
+            </a:r>
+          </a:p>
+          <a:p>
+            <a:pPr lvl="1"/>
+            <a:r>
+              <a:rPr lang="en-US" dirty="0"/>
+              <a:t>enumerate and explain 3 major dimensions of risk in Requirements Analysis.</a:t>
+            </a:r>
+          </a:p>
+          <a:p>
+            <a:pPr lvl="1"/>
+            <a:r>
+              <a:rPr lang="en-US" dirty="0"/>
+              <a:t>document requirements user stories.</a:t>
+            </a:r>
+          </a:p>
+          <a:p>
+            <a:pPr lvl="1"/>
+            <a:r>
+              <a:rPr lang="en-US" dirty="0"/>
+              <a:t>track the completion of requirements using conditions of satisfaction.</a:t>
+            </a:r>
+          </a:p>
+          <a:p>
+            <a:pPr lvl="1"/>
+            <a:r>
+              <a:rPr lang="en-US" dirty="0"/>
+              <a:t>explain the difference between functional and non-functional requirements.</a:t>
+            </a:r>
+          </a:p>
+          <a:p>
+            <a:pPr lvl="1"/>
+            <a:r>
+              <a:rPr lang="en-US" dirty="0"/>
+              <a:t>Explain how Value Sensitive Design can be used to improve requirement gathering.</a:t>
+            </a:r>
+          </a:p>
+        </p:txBody>
+      </p:sp>
+      <p:sp>
+        <p:nvSpPr>
+          <p:cNvPr id="4" name="Slide Number Placeholder 3">
+            <a:extLst>
+              <a:ext uri="{FF2B5EF4-FFF2-40B4-BE49-F238E27FC236}">
+                <a16:creationId xmlns:a16="http://schemas.microsoft.com/office/drawing/2014/main" id="{B7BF3F82-6F96-41E0-9C15-23CE00076176}"/>
+              </a:ext>
+            </a:extLst>
+          </p:cNvPr>
+          <p:cNvSpPr>
+            <a:spLocks noGrp="1"/>
+          </p:cNvSpPr>
+          <p:nvPr>
+            <p:ph type="sldNum" sz="quarter" idx="12"/>
+          </p:nvPr>
+        </p:nvSpPr>
+        <p:spPr/>
+        <p:txBody>
+          <a:bodyPr/>
+          <a:lstStyle/>
+          <a:p>
+            <a:fld id="{20F37917-FD3A-4669-9018-DA04BCDD3D75}" type="slidenum">
+              <a:rPr lang="en-US" smtClean="0"/>
+              <a:t>36</a:t>
+            </a:fld>
+            <a:endParaRPr lang="en-US" dirty="0"/>
+          </a:p>
+        </p:txBody>
+      </p:sp>
+    </p:spTree>
+    <p:extLst>
+      <p:ext uri="{BB962C8B-B14F-4D97-AF65-F5344CB8AC3E}">
+        <p14:creationId xmlns:p14="http://schemas.microsoft.com/office/powerpoint/2010/main" val="3612959935"/>
+      </p:ext>
+    </p:extLst>
+  </p:cSld>
+  <p:clrMapOvr>
+    <a:masterClrMapping/>
+  </p:clrMapOvr>
+</p:sld>
+</file>
+
+<file path=ppt/slides/slide37.xml><?xml version="1.0" encoding="utf-8"?>
 <p:sld xmlns:a="http://schemas.openxmlformats.org/drawingml/2006/main" xmlns:r="http://schemas.openxmlformats.org/officeDocument/2006/relationships" xmlns:p="http://schemas.openxmlformats.org/presentationml/2006/main" show="0">
   <p:cSld>
     <p:spTree>
@@ -22110,7 +22551,7 @@
           <a:p>
             <a:fld id="{20F37917-FD3A-4669-9018-DA04BCDD3D75}" type="slidenum">
               <a:rPr lang="en-US" smtClean="0"/>
-              <a:t>35</a:t>
+              <a:t>37</a:t>
             </a:fld>
             <a:endParaRPr lang="en-US"/>
           </a:p>
@@ -22129,7 +22570,7 @@
 </p:sld>
 </file>
 
-<file path=ppt/slides/slide36.xml><?xml version="1.0" encoding="utf-8"?>
+<file path=ppt/slides/slide38.xml><?xml version="1.0" encoding="utf-8"?>
 <p:sld xmlns:a="http://schemas.openxmlformats.org/drawingml/2006/main" xmlns:r="http://schemas.openxmlformats.org/officeDocument/2006/relationships" xmlns:p="http://schemas.openxmlformats.org/presentationml/2006/main" show="0">
   <p:cSld>
     <p:spTree>
@@ -22335,7 +22776,7 @@
           <a:p>
             <a:fld id="{20F37917-FD3A-4669-9018-DA04BCDD3D75}" type="slidenum">
               <a:rPr lang="en-US" smtClean="0"/>
-              <a:t>36</a:t>
+              <a:t>38</a:t>
             </a:fld>
             <a:endParaRPr lang="en-US"/>
           </a:p>
@@ -22607,7 +23048,7 @@
 </p:sld>
 </file>
 
-<file path=ppt/slides/slide37.xml><?xml version="1.0" encoding="utf-8"?>
+<file path=ppt/slides/slide39.xml><?xml version="1.0" encoding="utf-8"?>
 <p:sld xmlns:a="http://schemas.openxmlformats.org/drawingml/2006/main" xmlns:r="http://schemas.openxmlformats.org/officeDocument/2006/relationships" xmlns:p="http://schemas.openxmlformats.org/presentationml/2006/main" show="0">
   <p:cSld>
     <p:spTree>
@@ -22798,7 +23239,7 @@
           <a:p>
             <a:fld id="{20F37917-FD3A-4669-9018-DA04BCDD3D75}" type="slidenum">
               <a:rPr lang="en-US" smtClean="0"/>
-              <a:t>37</a:t>
+              <a:t>39</a:t>
             </a:fld>
             <a:endParaRPr lang="en-US"/>
           </a:p>
@@ -23302,7 +23743,262 @@
 </p:sld>
 </file>
 
-<file path=ppt/slides/slide38.xml><?xml version="1.0" encoding="utf-8"?>
+<file path=ppt/slides/slide4.xml><?xml version="1.0" encoding="utf-8"?>
+<p:sld xmlns:a="http://schemas.openxmlformats.org/drawingml/2006/main" xmlns:r="http://schemas.openxmlformats.org/officeDocument/2006/relationships" xmlns:p="http://schemas.openxmlformats.org/presentationml/2006/main">
+  <p:cSld>
+    <p:spTree>
+      <p:nvGrpSpPr>
+        <p:cNvPr id="1" name=""/>
+        <p:cNvGrpSpPr/>
+        <p:nvPr/>
+      </p:nvGrpSpPr>
+      <p:grpSpPr>
+        <a:xfrm>
+          <a:off x="0" y="0"/>
+          <a:ext cx="0" cy="0"/>
+          <a:chOff x="0" y="0"/>
+          <a:chExt cx="0" cy="0"/>
+        </a:xfrm>
+      </p:grpSpPr>
+      <p:sp>
+        <p:nvSpPr>
+          <p:cNvPr id="5121" name="Rectangle 1">
+            <a:extLst>
+              <a:ext uri="{FF2B5EF4-FFF2-40B4-BE49-F238E27FC236}">
+                <a16:creationId xmlns:a16="http://schemas.microsoft.com/office/drawing/2014/main" id="{FCD54966-636B-40B8-9A0B-F5A7E500E446}"/>
+              </a:ext>
+            </a:extLst>
+          </p:cNvPr>
+          <p:cNvSpPr>
+            <a:spLocks noGrp="1" noChangeArrowheads="1"/>
+          </p:cNvSpPr>
+          <p:nvPr>
+            <p:ph type="title"/>
+          </p:nvPr>
+        </p:nvSpPr>
+        <p:spPr/>
+        <p:txBody>
+          <a:bodyPr/>
+          <a:lstStyle/>
+          <a:p>
+            <a:r>
+              <a:rPr lang="en-US" altLang="en-US" dirty="0"/>
+              <a:t>Why is requirements analysis hard?</a:t>
+            </a:r>
+          </a:p>
+        </p:txBody>
+      </p:sp>
+      <p:graphicFrame>
+        <p:nvGraphicFramePr>
+          <p:cNvPr id="5125" name="Rectangle 2">
+            <a:extLst>
+              <a:ext uri="{FF2B5EF4-FFF2-40B4-BE49-F238E27FC236}">
+                <a16:creationId xmlns:a16="http://schemas.microsoft.com/office/drawing/2014/main" id="{042DA56E-1CBE-437C-8295-D010F5813C74}"/>
+              </a:ext>
+            </a:extLst>
+          </p:cNvPr>
+          <p:cNvGraphicFramePr>
+            <a:graphicFrameLocks noGrp="1"/>
+          </p:cNvGraphicFramePr>
+          <p:nvPr>
+            <p:ph idx="1"/>
+            <p:extLst>
+              <p:ext uri="{D42A27DB-BD31-4B8C-83A1-F6EECF244321}">
+                <p14:modId xmlns:p14="http://schemas.microsoft.com/office/powerpoint/2010/main" val="2305565379"/>
+              </p:ext>
+            </p:extLst>
+          </p:nvPr>
+        </p:nvGraphicFramePr>
+        <p:xfrm>
+          <a:off x="838200" y="1500188"/>
+          <a:ext cx="7886700" cy="4351337"/>
+        </p:xfrm>
+        <a:graphic>
+          <a:graphicData uri="http://schemas.openxmlformats.org/drawingml/2006/diagram">
+            <dgm:relIds xmlns:dgm="http://schemas.openxmlformats.org/drawingml/2006/diagram" xmlns:r="http://schemas.openxmlformats.org/officeDocument/2006/relationships" r:dm="rId3" r:lo="rId4" r:qs="rId5" r:cs="rId6"/>
+          </a:graphicData>
+        </a:graphic>
+      </p:graphicFrame>
+      <p:sp>
+        <p:nvSpPr>
+          <p:cNvPr id="5123" name="Text Box 3">
+            <a:extLst>
+              <a:ext uri="{FF2B5EF4-FFF2-40B4-BE49-F238E27FC236}">
+                <a16:creationId xmlns:a16="http://schemas.microsoft.com/office/drawing/2014/main" id="{F4B0D1A4-82AE-4AEF-B842-9318DCC0894D}"/>
+              </a:ext>
+            </a:extLst>
+          </p:cNvPr>
+          <p:cNvSpPr txBox="1">
+            <a:spLocks/>
+          </p:cNvSpPr>
+          <p:nvPr/>
+        </p:nvSpPr>
+        <p:spPr bwMode="auto">
+          <a:xfrm>
+            <a:off x="10232600" y="6454704"/>
+            <a:ext cx="136256" cy="223587"/>
+          </a:xfrm>
+          <a:prstGeom prst="rect">
+            <a:avLst/>
+          </a:prstGeom>
+          <a:noFill/>
+          <a:ln>
+            <a:noFill/>
+          </a:ln>
+          <a:effectLst/>
+          <a:extLst>
+            <a:ext uri="{909E8E84-426E-40DD-AFC4-6F175D3DCCD1}">
+              <a14:hiddenFill xmlns:a14="http://schemas.microsoft.com/office/drawing/2010/main">
+                <a:solidFill>
+                  <a:srgbClr val="FFFFFF"/>
+                </a:solidFill>
+              </a14:hiddenFill>
+            </a:ext>
+            <a:ext uri="{91240B29-F687-4F45-9708-019B960494DF}">
+              <a14:hiddenLine xmlns:a14="http://schemas.microsoft.com/office/drawing/2010/main" w="12700" cap="flat" cmpd="sng">
+                <a:solidFill>
+                  <a:srgbClr val="000000"/>
+                </a:solidFill>
+                <a:prstDash val="solid"/>
+                <a:miter lim="400000"/>
+                <a:headEnd type="none" w="med" len="med"/>
+                <a:tailEnd type="none" w="med" len="med"/>
+              </a14:hiddenLine>
+            </a:ext>
+            <a:ext uri="{AF507438-7753-43E0-B8FC-AC1667EBCBE1}">
+              <a14:hiddenEffects xmlns:a14="http://schemas.microsoft.com/office/drawing/2010/main">
+                <a:effectLst>
+                  <a:outerShdw dist="35921" dir="2700000" algn="ctr" rotWithShape="0">
+                    <a:srgbClr val="808080"/>
+                  </a:outerShdw>
+                </a:effectLst>
+              </a14:hiddenEffects>
+            </a:ext>
+          </a:extLst>
+        </p:spPr>
+        <p:txBody>
+          <a:bodyPr wrap="none" lIns="35719" tIns="35719" rIns="35719" bIns="35719" anchor="b">
+            <a:spAutoFit/>
+          </a:bodyPr>
+          <a:lstStyle/>
+          <a:p>
+            <a:pPr algn="r"/>
+            <a:fld id="{0BB2D644-9BFF-4E58-8C26-7B6E68779C53}" type="slidenum">
+              <a:rPr lang="en-US" altLang="en-US" sz="984">
+                <a:latin typeface="Calibri Light" panose="020F0302020204030204" pitchFamily="34" charset="0"/>
+                <a:ea typeface="Helvetica Neue" charset="0"/>
+                <a:cs typeface="Calibri Light" panose="020F0302020204030204" pitchFamily="34" charset="0"/>
+                <a:sym typeface="Helvetica Neue" charset="0"/>
+              </a:rPr>
+              <a:pPr algn="r"/>
+              <a:t>4</a:t>
+            </a:fld>
+            <a:endParaRPr lang="en-US" altLang="en-US" sz="984" dirty="0">
+              <a:latin typeface="Calibri Light" panose="020F0302020204030204" pitchFamily="34" charset="0"/>
+              <a:ea typeface="Helvetica Neue" charset="0"/>
+              <a:cs typeface="Calibri Light" panose="020F0302020204030204" pitchFamily="34" charset="0"/>
+              <a:sym typeface="Helvetica Neue" charset="0"/>
+            </a:endParaRPr>
+          </a:p>
+        </p:txBody>
+      </p:sp>
+      <p:pic>
+        <p:nvPicPr>
+          <p:cNvPr id="2" name="Picture 1">
+            <a:extLst>
+              <a:ext uri="{FF2B5EF4-FFF2-40B4-BE49-F238E27FC236}">
+                <a16:creationId xmlns:a16="http://schemas.microsoft.com/office/drawing/2014/main" id="{20C0AE1E-00E3-4942-9AAD-E05E6117B462}"/>
+              </a:ext>
+            </a:extLst>
+          </p:cNvPr>
+          <p:cNvPicPr>
+            <a:picLocks noChangeAspect="1"/>
+          </p:cNvPicPr>
+          <p:nvPr/>
+        </p:nvPicPr>
+        <p:blipFill rotWithShape="1">
+          <a:blip r:embed="rId8"/>
+          <a:srcRect r="48948"/>
+          <a:stretch/>
+        </p:blipFill>
+        <p:spPr>
+          <a:xfrm>
+            <a:off x="8825548" y="1524000"/>
+            <a:ext cx="1037381" cy="1905000"/>
+          </a:xfrm>
+          <a:prstGeom prst="rect">
+            <a:avLst/>
+          </a:prstGeom>
+        </p:spPr>
+      </p:pic>
+      <p:pic>
+        <p:nvPicPr>
+          <p:cNvPr id="3" name="Picture 2">
+            <a:extLst>
+              <a:ext uri="{FF2B5EF4-FFF2-40B4-BE49-F238E27FC236}">
+                <a16:creationId xmlns:a16="http://schemas.microsoft.com/office/drawing/2014/main" id="{9D0ABD5D-EBC5-AD4A-89E8-3DBE63E03806}"/>
+              </a:ext>
+            </a:extLst>
+          </p:cNvPr>
+          <p:cNvPicPr>
+            <a:picLocks noChangeAspect="1"/>
+          </p:cNvPicPr>
+          <p:nvPr/>
+        </p:nvPicPr>
+        <p:blipFill>
+          <a:blip r:embed="rId9"/>
+          <a:stretch>
+            <a:fillRect/>
+          </a:stretch>
+        </p:blipFill>
+        <p:spPr>
+          <a:xfrm>
+            <a:off x="8829889" y="4010047"/>
+            <a:ext cx="1028700" cy="1943100"/>
+          </a:xfrm>
+          <a:prstGeom prst="rect">
+            <a:avLst/>
+          </a:prstGeom>
+        </p:spPr>
+      </p:pic>
+      <p:pic>
+        <p:nvPicPr>
+          <p:cNvPr id="8" name="Picture 7">
+            <a:extLst>
+              <a:ext uri="{FF2B5EF4-FFF2-40B4-BE49-F238E27FC236}">
+                <a16:creationId xmlns:a16="http://schemas.microsoft.com/office/drawing/2014/main" id="{A3A69FEC-CE32-4A48-BD47-A3E23897431C}"/>
+              </a:ext>
+            </a:extLst>
+          </p:cNvPr>
+          <p:cNvPicPr>
+            <a:picLocks noChangeAspect="1"/>
+          </p:cNvPicPr>
+          <p:nvPr/>
+        </p:nvPicPr>
+        <p:blipFill rotWithShape="1">
+          <a:blip r:embed="rId8"/>
+          <a:srcRect l="48948" b="1704"/>
+          <a:stretch/>
+        </p:blipFill>
+        <p:spPr>
+          <a:xfrm>
+            <a:off x="9971456" y="2739560"/>
+            <a:ext cx="1037381" cy="1872538"/>
+          </a:xfrm>
+          <a:prstGeom prst="rect">
+            <a:avLst/>
+          </a:prstGeom>
+        </p:spPr>
+      </p:pic>
+    </p:spTree>
+  </p:cSld>
+  <p:clrMapOvr>
+    <a:masterClrMapping/>
+  </p:clrMapOvr>
+</p:sld>
+</file>
+
+<file path=ppt/slides/slide40.xml><?xml version="1.0" encoding="utf-8"?>
 <p:sld xmlns:a="http://schemas.openxmlformats.org/drawingml/2006/main" xmlns:r="http://schemas.openxmlformats.org/officeDocument/2006/relationships" xmlns:p="http://schemas.openxmlformats.org/presentationml/2006/main" show="0">
   <p:cSld>
     <p:spTree>
@@ -23370,7 +24066,7 @@
           <a:p>
             <a:fld id="{20F37917-FD3A-4669-9018-DA04BCDD3D75}" type="slidenum">
               <a:rPr lang="en-US" smtClean="0"/>
-              <a:t>38</a:t>
+              <a:t>40</a:t>
             </a:fld>
             <a:endParaRPr lang="en-US"/>
           </a:p>
@@ -23891,7 +24587,7 @@
 </p:sld>
 </file>
 
-<file path=ppt/slides/slide39.xml><?xml version="1.0" encoding="utf-8"?>
+<file path=ppt/slides/slide41.xml><?xml version="1.0" encoding="utf-8"?>
 <p:sld xmlns:a="http://schemas.openxmlformats.org/drawingml/2006/main" xmlns:r="http://schemas.openxmlformats.org/officeDocument/2006/relationships" xmlns:p="http://schemas.openxmlformats.org/presentationml/2006/main" show="0">
   <p:cSld>
     <p:spTree>
@@ -23959,7 +24655,7 @@
           <a:p>
             <a:fld id="{20F37917-FD3A-4669-9018-DA04BCDD3D75}" type="slidenum">
               <a:rPr lang="en-US" smtClean="0"/>
-              <a:t>39</a:t>
+              <a:t>41</a:t>
             </a:fld>
             <a:endParaRPr lang="en-US"/>
           </a:p>
@@ -24522,640 +25218,6 @@
 </p:sld>
 </file>
 
-<file path=ppt/slides/slide4.xml><?xml version="1.0" encoding="utf-8"?>
-<p:sld xmlns:a="http://schemas.openxmlformats.org/drawingml/2006/main" xmlns:r="http://schemas.openxmlformats.org/officeDocument/2006/relationships" xmlns:p="http://schemas.openxmlformats.org/presentationml/2006/main">
-  <p:cSld>
-    <p:spTree>
-      <p:nvGrpSpPr>
-        <p:cNvPr id="1" name=""/>
-        <p:cNvGrpSpPr/>
-        <p:nvPr/>
-      </p:nvGrpSpPr>
-      <p:grpSpPr>
-        <a:xfrm>
-          <a:off x="0" y="0"/>
-          <a:ext cx="0" cy="0"/>
-          <a:chOff x="0" y="0"/>
-          <a:chExt cx="0" cy="0"/>
-        </a:xfrm>
-      </p:grpSpPr>
-      <p:sp>
-        <p:nvSpPr>
-          <p:cNvPr id="5121" name="Rectangle 1">
-            <a:extLst>
-              <a:ext uri="{FF2B5EF4-FFF2-40B4-BE49-F238E27FC236}">
-                <a16:creationId xmlns:a16="http://schemas.microsoft.com/office/drawing/2014/main" id="{FCD54966-636B-40B8-9A0B-F5A7E500E446}"/>
-              </a:ext>
-            </a:extLst>
-          </p:cNvPr>
-          <p:cNvSpPr>
-            <a:spLocks noGrp="1" noChangeArrowheads="1"/>
-          </p:cNvSpPr>
-          <p:nvPr>
-            <p:ph type="title"/>
-          </p:nvPr>
-        </p:nvSpPr>
-        <p:spPr/>
-        <p:txBody>
-          <a:bodyPr/>
-          <a:lstStyle/>
-          <a:p>
-            <a:r>
-              <a:rPr lang="en-US" altLang="en-US" dirty="0"/>
-              <a:t>Why is requirements analysis hard?</a:t>
-            </a:r>
-          </a:p>
-        </p:txBody>
-      </p:sp>
-      <p:graphicFrame>
-        <p:nvGraphicFramePr>
-          <p:cNvPr id="5125" name="Rectangle 2">
-            <a:extLst>
-              <a:ext uri="{FF2B5EF4-FFF2-40B4-BE49-F238E27FC236}">
-                <a16:creationId xmlns:a16="http://schemas.microsoft.com/office/drawing/2014/main" id="{042DA56E-1CBE-437C-8295-D010F5813C74}"/>
-              </a:ext>
-            </a:extLst>
-          </p:cNvPr>
-          <p:cNvGraphicFramePr>
-            <a:graphicFrameLocks noGrp="1"/>
-          </p:cNvGraphicFramePr>
-          <p:nvPr>
-            <p:ph idx="1"/>
-            <p:extLst>
-              <p:ext uri="{D42A27DB-BD31-4B8C-83A1-F6EECF244321}">
-                <p14:modId xmlns:p14="http://schemas.microsoft.com/office/powerpoint/2010/main" val="2305565379"/>
-              </p:ext>
-            </p:extLst>
-          </p:nvPr>
-        </p:nvGraphicFramePr>
-        <p:xfrm>
-          <a:off x="838200" y="1500188"/>
-          <a:ext cx="7886700" cy="4351337"/>
-        </p:xfrm>
-        <a:graphic>
-          <a:graphicData uri="http://schemas.openxmlformats.org/drawingml/2006/diagram">
-            <dgm:relIds xmlns:dgm="http://schemas.openxmlformats.org/drawingml/2006/diagram" xmlns:r="http://schemas.openxmlformats.org/officeDocument/2006/relationships" r:dm="rId3" r:lo="rId4" r:qs="rId5" r:cs="rId6"/>
-          </a:graphicData>
-        </a:graphic>
-      </p:graphicFrame>
-      <p:sp>
-        <p:nvSpPr>
-          <p:cNvPr id="5123" name="Text Box 3">
-            <a:extLst>
-              <a:ext uri="{FF2B5EF4-FFF2-40B4-BE49-F238E27FC236}">
-                <a16:creationId xmlns:a16="http://schemas.microsoft.com/office/drawing/2014/main" id="{F4B0D1A4-82AE-4AEF-B842-9318DCC0894D}"/>
-              </a:ext>
-            </a:extLst>
-          </p:cNvPr>
-          <p:cNvSpPr txBox="1">
-            <a:spLocks/>
-          </p:cNvSpPr>
-          <p:nvPr/>
-        </p:nvSpPr>
-        <p:spPr bwMode="auto">
-          <a:xfrm>
-            <a:off x="10232600" y="6454704"/>
-            <a:ext cx="136256" cy="223587"/>
-          </a:xfrm>
-          <a:prstGeom prst="rect">
-            <a:avLst/>
-          </a:prstGeom>
-          <a:noFill/>
-          <a:ln>
-            <a:noFill/>
-          </a:ln>
-          <a:effectLst/>
-          <a:extLst>
-            <a:ext uri="{909E8E84-426E-40DD-AFC4-6F175D3DCCD1}">
-              <a14:hiddenFill xmlns:a14="http://schemas.microsoft.com/office/drawing/2010/main">
-                <a:solidFill>
-                  <a:srgbClr val="FFFFFF"/>
-                </a:solidFill>
-              </a14:hiddenFill>
-            </a:ext>
-            <a:ext uri="{91240B29-F687-4F45-9708-019B960494DF}">
-              <a14:hiddenLine xmlns:a14="http://schemas.microsoft.com/office/drawing/2010/main" w="12700" cap="flat" cmpd="sng">
-                <a:solidFill>
-                  <a:srgbClr val="000000"/>
-                </a:solidFill>
-                <a:prstDash val="solid"/>
-                <a:miter lim="400000"/>
-                <a:headEnd type="none" w="med" len="med"/>
-                <a:tailEnd type="none" w="med" len="med"/>
-              </a14:hiddenLine>
-            </a:ext>
-            <a:ext uri="{AF507438-7753-43E0-B8FC-AC1667EBCBE1}">
-              <a14:hiddenEffects xmlns:a14="http://schemas.microsoft.com/office/drawing/2010/main">
-                <a:effectLst>
-                  <a:outerShdw dist="35921" dir="2700000" algn="ctr" rotWithShape="0">
-                    <a:srgbClr val="808080"/>
-                  </a:outerShdw>
-                </a:effectLst>
-              </a14:hiddenEffects>
-            </a:ext>
-          </a:extLst>
-        </p:spPr>
-        <p:txBody>
-          <a:bodyPr wrap="none" lIns="35719" tIns="35719" rIns="35719" bIns="35719" anchor="b">
-            <a:spAutoFit/>
-          </a:bodyPr>
-          <a:lstStyle/>
-          <a:p>
-            <a:pPr algn="r"/>
-            <a:fld id="{0BB2D644-9BFF-4E58-8C26-7B6E68779C53}" type="slidenum">
-              <a:rPr lang="en-US" altLang="en-US" sz="984">
-                <a:latin typeface="Calibri Light" panose="020F0302020204030204" pitchFamily="34" charset="0"/>
-                <a:ea typeface="Helvetica Neue" charset="0"/>
-                <a:cs typeface="Calibri Light" panose="020F0302020204030204" pitchFamily="34" charset="0"/>
-                <a:sym typeface="Helvetica Neue" charset="0"/>
-              </a:rPr>
-              <a:pPr algn="r"/>
-              <a:t>4</a:t>
-            </a:fld>
-            <a:endParaRPr lang="en-US" altLang="en-US" sz="984" dirty="0">
-              <a:latin typeface="Calibri Light" panose="020F0302020204030204" pitchFamily="34" charset="0"/>
-              <a:ea typeface="Helvetica Neue" charset="0"/>
-              <a:cs typeface="Calibri Light" panose="020F0302020204030204" pitchFamily="34" charset="0"/>
-              <a:sym typeface="Helvetica Neue" charset="0"/>
-            </a:endParaRPr>
-          </a:p>
-        </p:txBody>
-      </p:sp>
-      <p:pic>
-        <p:nvPicPr>
-          <p:cNvPr id="2" name="Picture 1">
-            <a:extLst>
-              <a:ext uri="{FF2B5EF4-FFF2-40B4-BE49-F238E27FC236}">
-                <a16:creationId xmlns:a16="http://schemas.microsoft.com/office/drawing/2014/main" id="{20C0AE1E-00E3-4942-9AAD-E05E6117B462}"/>
-              </a:ext>
-            </a:extLst>
-          </p:cNvPr>
-          <p:cNvPicPr>
-            <a:picLocks noChangeAspect="1"/>
-          </p:cNvPicPr>
-          <p:nvPr/>
-        </p:nvPicPr>
-        <p:blipFill rotWithShape="1">
-          <a:blip r:embed="rId8"/>
-          <a:srcRect r="48948"/>
-          <a:stretch/>
-        </p:blipFill>
-        <p:spPr>
-          <a:xfrm>
-            <a:off x="8825548" y="1524000"/>
-            <a:ext cx="1037381" cy="1905000"/>
-          </a:xfrm>
-          <a:prstGeom prst="rect">
-            <a:avLst/>
-          </a:prstGeom>
-        </p:spPr>
-      </p:pic>
-      <p:pic>
-        <p:nvPicPr>
-          <p:cNvPr id="3" name="Picture 2">
-            <a:extLst>
-              <a:ext uri="{FF2B5EF4-FFF2-40B4-BE49-F238E27FC236}">
-                <a16:creationId xmlns:a16="http://schemas.microsoft.com/office/drawing/2014/main" id="{9D0ABD5D-EBC5-AD4A-89E8-3DBE63E03806}"/>
-              </a:ext>
-            </a:extLst>
-          </p:cNvPr>
-          <p:cNvPicPr>
-            <a:picLocks noChangeAspect="1"/>
-          </p:cNvPicPr>
-          <p:nvPr/>
-        </p:nvPicPr>
-        <p:blipFill>
-          <a:blip r:embed="rId9"/>
-          <a:stretch>
-            <a:fillRect/>
-          </a:stretch>
-        </p:blipFill>
-        <p:spPr>
-          <a:xfrm>
-            <a:off x="8829889" y="4010047"/>
-            <a:ext cx="1028700" cy="1943100"/>
-          </a:xfrm>
-          <a:prstGeom prst="rect">
-            <a:avLst/>
-          </a:prstGeom>
-        </p:spPr>
-      </p:pic>
-      <p:pic>
-        <p:nvPicPr>
-          <p:cNvPr id="8" name="Picture 7">
-            <a:extLst>
-              <a:ext uri="{FF2B5EF4-FFF2-40B4-BE49-F238E27FC236}">
-                <a16:creationId xmlns:a16="http://schemas.microsoft.com/office/drawing/2014/main" id="{A3A69FEC-CE32-4A48-BD47-A3E23897431C}"/>
-              </a:ext>
-            </a:extLst>
-          </p:cNvPr>
-          <p:cNvPicPr>
-            <a:picLocks noChangeAspect="1"/>
-          </p:cNvPicPr>
-          <p:nvPr/>
-        </p:nvPicPr>
-        <p:blipFill rotWithShape="1">
-          <a:blip r:embed="rId8"/>
-          <a:srcRect l="48948" b="1704"/>
-          <a:stretch/>
-        </p:blipFill>
-        <p:spPr>
-          <a:xfrm>
-            <a:off x="9971456" y="2739560"/>
-            <a:ext cx="1037381" cy="1872538"/>
-          </a:xfrm>
-          <a:prstGeom prst="rect">
-            <a:avLst/>
-          </a:prstGeom>
-        </p:spPr>
-      </p:pic>
-    </p:spTree>
-  </p:cSld>
-  <p:clrMapOvr>
-    <a:masterClrMapping/>
-  </p:clrMapOvr>
-</p:sld>
-</file>
-
-<file path=ppt/slides/slide40.xml><?xml version="1.0" encoding="utf-8"?>
-<p:sld xmlns:a="http://schemas.openxmlformats.org/drawingml/2006/main" xmlns:r="http://schemas.openxmlformats.org/officeDocument/2006/relationships" xmlns:p="http://schemas.openxmlformats.org/presentationml/2006/main">
-  <p:cSld>
-    <p:spTree>
-      <p:nvGrpSpPr>
-        <p:cNvPr id="1" name=""/>
-        <p:cNvGrpSpPr/>
-        <p:nvPr/>
-      </p:nvGrpSpPr>
-      <p:grpSpPr>
-        <a:xfrm>
-          <a:off x="0" y="0"/>
-          <a:ext cx="0" cy="0"/>
-          <a:chOff x="0" y="0"/>
-          <a:chExt cx="0" cy="0"/>
-        </a:xfrm>
-      </p:grpSpPr>
-      <p:sp>
-        <p:nvSpPr>
-          <p:cNvPr id="2" name="Title 1">
-            <a:extLst>
-              <a:ext uri="{FF2B5EF4-FFF2-40B4-BE49-F238E27FC236}">
-                <a16:creationId xmlns:a16="http://schemas.microsoft.com/office/drawing/2014/main" id="{E743D407-5B53-49A7-9907-E801EA7FFD8E}"/>
-              </a:ext>
-            </a:extLst>
-          </p:cNvPr>
-          <p:cNvSpPr>
-            <a:spLocks noGrp="1"/>
-          </p:cNvSpPr>
-          <p:nvPr>
-            <p:ph type="title"/>
-          </p:nvPr>
-        </p:nvSpPr>
-        <p:spPr/>
-        <p:txBody>
-          <a:bodyPr/>
-          <a:lstStyle/>
-          <a:p>
-            <a:r>
-              <a:rPr lang="en-US" dirty="0"/>
-              <a:t>Learning Goals for this Lesson</a:t>
-            </a:r>
-          </a:p>
-        </p:txBody>
-      </p:sp>
-      <p:sp>
-        <p:nvSpPr>
-          <p:cNvPr id="3" name="Content Placeholder 2">
-            <a:extLst>
-              <a:ext uri="{FF2B5EF4-FFF2-40B4-BE49-F238E27FC236}">
-                <a16:creationId xmlns:a16="http://schemas.microsoft.com/office/drawing/2014/main" id="{AC300E2B-BFD0-4090-AFC5-FE82683F997F}"/>
-              </a:ext>
-            </a:extLst>
-          </p:cNvPr>
-          <p:cNvSpPr>
-            <a:spLocks noGrp="1"/>
-          </p:cNvSpPr>
-          <p:nvPr>
-            <p:ph idx="1"/>
-          </p:nvPr>
-        </p:nvSpPr>
-        <p:spPr>
-          <a:xfrm>
-            <a:off x="838199" y="1500160"/>
-            <a:ext cx="10515599" cy="4351338"/>
-          </a:xfrm>
-        </p:spPr>
-        <p:txBody>
-          <a:bodyPr>
-            <a:normAutofit/>
-          </a:bodyPr>
-          <a:lstStyle/>
-          <a:p>
-            <a:r>
-              <a:rPr lang="en-US" dirty="0"/>
-              <a:t>At the end of this lesson, you should be able to</a:t>
-            </a:r>
-          </a:p>
-          <a:p>
-            <a:pPr lvl="1"/>
-            <a:r>
-              <a:rPr lang="en-US" dirty="0"/>
-              <a:t>explain the overall purposes of requirements analysis.</a:t>
-            </a:r>
-          </a:p>
-          <a:p>
-            <a:pPr lvl="1"/>
-            <a:r>
-              <a:rPr lang="en-US" dirty="0"/>
-              <a:t>enumerate and explain 3 major dimensions of risk in Requirements Analysis.</a:t>
-            </a:r>
-          </a:p>
-          <a:p>
-            <a:pPr lvl="1"/>
-            <a:r>
-              <a:rPr lang="en-US" dirty="0"/>
-              <a:t>document requirements user stories.</a:t>
-            </a:r>
-          </a:p>
-          <a:p>
-            <a:pPr lvl="1"/>
-            <a:r>
-              <a:rPr lang="en-US" dirty="0"/>
-              <a:t>track the completion of requirements using conditions of satisfaction.</a:t>
-            </a:r>
-          </a:p>
-          <a:p>
-            <a:pPr lvl="1"/>
-            <a:r>
-              <a:rPr lang="en-US" dirty="0"/>
-              <a:t>explain the difference between functional and non-functional requirements.</a:t>
-            </a:r>
-          </a:p>
-          <a:p>
-            <a:pPr lvl="1"/>
-            <a:r>
-              <a:rPr lang="en-US" dirty="0"/>
-              <a:t>Explain how Value Sensitive Design can be used to improve requirement gathering.</a:t>
-            </a:r>
-          </a:p>
-        </p:txBody>
-      </p:sp>
-      <p:sp>
-        <p:nvSpPr>
-          <p:cNvPr id="4" name="Slide Number Placeholder 3">
-            <a:extLst>
-              <a:ext uri="{FF2B5EF4-FFF2-40B4-BE49-F238E27FC236}">
-                <a16:creationId xmlns:a16="http://schemas.microsoft.com/office/drawing/2014/main" id="{B7BF3F82-6F96-41E0-9C15-23CE00076176}"/>
-              </a:ext>
-            </a:extLst>
-          </p:cNvPr>
-          <p:cNvSpPr>
-            <a:spLocks noGrp="1"/>
-          </p:cNvSpPr>
-          <p:nvPr>
-            <p:ph type="sldNum" sz="quarter" idx="12"/>
-          </p:nvPr>
-        </p:nvSpPr>
-        <p:spPr/>
-        <p:txBody>
-          <a:bodyPr/>
-          <a:lstStyle/>
-          <a:p>
-            <a:fld id="{20F37917-FD3A-4669-9018-DA04BCDD3D75}" type="slidenum">
-              <a:rPr lang="en-US" smtClean="0"/>
-              <a:t>40</a:t>
-            </a:fld>
-            <a:endParaRPr lang="en-US" dirty="0"/>
-          </a:p>
-        </p:txBody>
-      </p:sp>
-    </p:spTree>
-    <p:extLst>
-      <p:ext uri="{BB962C8B-B14F-4D97-AF65-F5344CB8AC3E}">
-        <p14:creationId xmlns:p14="http://schemas.microsoft.com/office/powerpoint/2010/main" val="1527510242"/>
-      </p:ext>
-    </p:extLst>
-  </p:cSld>
-  <p:clrMapOvr>
-    <a:masterClrMapping/>
-  </p:clrMapOvr>
-</p:sld>
-</file>
-
-<file path=ppt/slides/slide41.xml><?xml version="1.0" encoding="utf-8"?>
-<p:sld xmlns:a="http://schemas.openxmlformats.org/drawingml/2006/main" xmlns:r="http://schemas.openxmlformats.org/officeDocument/2006/relationships" xmlns:p="http://schemas.openxmlformats.org/presentationml/2006/main" show="0">
-  <p:cSld>
-    <p:spTree>
-      <p:nvGrpSpPr>
-        <p:cNvPr id="1" name=""/>
-        <p:cNvGrpSpPr/>
-        <p:nvPr/>
-      </p:nvGrpSpPr>
-      <p:grpSpPr>
-        <a:xfrm>
-          <a:off x="0" y="0"/>
-          <a:ext cx="0" cy="0"/>
-          <a:chOff x="0" y="0"/>
-          <a:chExt cx="0" cy="0"/>
-        </a:xfrm>
-      </p:grpSpPr>
-      <p:sp>
-        <p:nvSpPr>
-          <p:cNvPr id="2" name="Title 1">
-            <a:extLst>
-              <a:ext uri="{FF2B5EF4-FFF2-40B4-BE49-F238E27FC236}">
-                <a16:creationId xmlns:a16="http://schemas.microsoft.com/office/drawing/2014/main" id="{6D7FE7B3-C6CB-6B03-07B9-822FC3676710}"/>
-              </a:ext>
-            </a:extLst>
-          </p:cNvPr>
-          <p:cNvSpPr>
-            <a:spLocks noGrp="1"/>
-          </p:cNvSpPr>
-          <p:nvPr>
-            <p:ph type="title"/>
-          </p:nvPr>
-        </p:nvSpPr>
-        <p:spPr/>
-        <p:txBody>
-          <a:bodyPr>
-            <a:normAutofit/>
-          </a:bodyPr>
-          <a:lstStyle/>
-          <a:p>
-            <a:r>
-              <a:rPr lang="en-US" dirty="0"/>
-              <a:t>Motivating Example – Informed Consent</a:t>
-            </a:r>
-          </a:p>
-        </p:txBody>
-      </p:sp>
-      <p:sp>
-        <p:nvSpPr>
-          <p:cNvPr id="3" name="Content Placeholder 2">
-            <a:extLst>
-              <a:ext uri="{FF2B5EF4-FFF2-40B4-BE49-F238E27FC236}">
-                <a16:creationId xmlns:a16="http://schemas.microsoft.com/office/drawing/2014/main" id="{B78E0F47-C40D-AF55-04F9-C6043963616F}"/>
-              </a:ext>
-            </a:extLst>
-          </p:cNvPr>
-          <p:cNvSpPr>
-            <a:spLocks noGrp="1"/>
-          </p:cNvSpPr>
-          <p:nvPr>
-            <p:ph idx="1"/>
-          </p:nvPr>
-        </p:nvSpPr>
-        <p:spPr>
-          <a:xfrm>
-            <a:off x="838200" y="1500160"/>
-            <a:ext cx="10400414" cy="4856190"/>
-          </a:xfrm>
-        </p:spPr>
-        <p:txBody>
-          <a:bodyPr>
-            <a:normAutofit lnSpcReduction="10000"/>
-          </a:bodyPr>
-          <a:lstStyle/>
-          <a:p>
-            <a:r>
-              <a:rPr lang="en-US" dirty="0"/>
-              <a:t>Design choices made during developing software (or any technology) often implicate human values!</a:t>
-            </a:r>
-          </a:p>
-          <a:p>
-            <a:r>
-              <a:rPr lang="en-US" dirty="0"/>
-              <a:t>Ignoring values in the requirements and design process is </a:t>
-            </a:r>
-            <a:r>
-              <a:rPr lang="en-US" b="1" dirty="0"/>
-              <a:t>irresponsible</a:t>
-            </a:r>
-            <a:r>
-              <a:rPr lang="en-US" dirty="0"/>
-              <a:t>.</a:t>
-            </a:r>
-          </a:p>
-          <a:p>
-            <a:r>
-              <a:rPr lang="en-US" dirty="0"/>
-              <a:t>A Human Value Example: </a:t>
-            </a:r>
-            <a:r>
-              <a:rPr lang="en-US" b="1" dirty="0"/>
-              <a:t>Informed Consent</a:t>
-            </a:r>
-          </a:p>
-          <a:p>
-            <a:pPr lvl="1"/>
-            <a:r>
-              <a:rPr lang="en-US" dirty="0"/>
-              <a:t>Most websites collect vast amounts of information about users, who have no control over: what information is collected/accessed/used/sold/etc.</a:t>
-            </a:r>
-          </a:p>
-          <a:p>
-            <a:pPr lvl="1"/>
-            <a:r>
-              <a:rPr lang="en-US" dirty="0"/>
-              <a:t>A VSD approach to informed consent would emphasizes </a:t>
-            </a:r>
-            <a:r>
-              <a:rPr lang="en-US" b="1" dirty="0"/>
-              <a:t>transparency, user control and understanding</a:t>
-            </a:r>
-            <a:r>
-              <a:rPr lang="en-US" dirty="0"/>
-              <a:t>.</a:t>
-            </a:r>
-          </a:p>
-          <a:p>
-            <a:pPr lvl="1"/>
-            <a:r>
-              <a:rPr lang="en-US" dirty="0"/>
-              <a:t>Web </a:t>
-            </a:r>
-            <a:r>
-              <a:rPr lang="en-US" i="1" dirty="0"/>
-              <a:t>cookies</a:t>
-            </a:r>
-            <a:r>
-              <a:rPr lang="en-US" dirty="0"/>
-              <a:t> and </a:t>
-            </a:r>
-            <a:r>
-              <a:rPr lang="en-US" i="1" dirty="0"/>
-              <a:t>browser security</a:t>
-            </a:r>
-            <a:r>
-              <a:rPr lang="en-US" dirty="0"/>
-              <a:t> mechanisms represent solutions to implement the principle of informed consent.  </a:t>
-            </a:r>
-          </a:p>
-          <a:p>
-            <a:r>
-              <a:rPr lang="en-US" dirty="0"/>
-              <a:t>To consider human values during design, we need to understand </a:t>
-            </a:r>
-            <a:r>
-              <a:rPr lang="en-US" b="1" i="1" dirty="0"/>
-              <a:t>what</a:t>
-            </a:r>
-            <a:r>
-              <a:rPr lang="en-US" dirty="0"/>
-              <a:t> they means generally and in the specific </a:t>
-            </a:r>
-            <a:r>
-              <a:rPr lang="en-US" b="1" i="1" dirty="0"/>
-              <a:t>context </a:t>
-            </a:r>
-            <a:r>
-              <a:rPr lang="en-US" dirty="0"/>
-              <a:t>of technology</a:t>
-            </a:r>
-          </a:p>
-        </p:txBody>
-      </p:sp>
-      <p:sp>
-        <p:nvSpPr>
-          <p:cNvPr id="4" name="Slide Number Placeholder 3">
-            <a:extLst>
-              <a:ext uri="{FF2B5EF4-FFF2-40B4-BE49-F238E27FC236}">
-                <a16:creationId xmlns:a16="http://schemas.microsoft.com/office/drawing/2014/main" id="{F781C33C-0916-3DED-5FA4-D82F64A35D84}"/>
-              </a:ext>
-            </a:extLst>
-          </p:cNvPr>
-          <p:cNvSpPr>
-            <a:spLocks noGrp="1"/>
-          </p:cNvSpPr>
-          <p:nvPr>
-            <p:ph type="sldNum" sz="quarter" idx="12"/>
-          </p:nvPr>
-        </p:nvSpPr>
-        <p:spPr/>
-        <p:txBody>
-          <a:bodyPr/>
-          <a:lstStyle/>
-          <a:p>
-            <a:fld id="{20F37917-FD3A-4669-9018-DA04BCDD3D75}" type="slidenum">
-              <a:rPr lang="en-US" smtClean="0"/>
-              <a:t>41</a:t>
-            </a:fld>
-            <a:endParaRPr lang="en-US"/>
-          </a:p>
-        </p:txBody>
-      </p:sp>
-    </p:spTree>
-    <p:extLst>
-      <p:ext uri="{BB962C8B-B14F-4D97-AF65-F5344CB8AC3E}">
-        <p14:creationId xmlns:p14="http://schemas.microsoft.com/office/powerpoint/2010/main" val="1106144208"/>
-      </p:ext>
-    </p:extLst>
-  </p:cSld>
-  <p:clrMapOvr>
-    <a:masterClrMapping/>
-  </p:clrMapOvr>
-</p:sld>
-</file>
-
 <file path=ppt/slides/slide42.xml><?xml version="1.0" encoding="utf-8"?>
 <p:sld xmlns:a="http://schemas.openxmlformats.org/drawingml/2006/main" xmlns:r="http://schemas.openxmlformats.org/officeDocument/2006/relationships" xmlns:p="http://schemas.openxmlformats.org/presentationml/2006/main" show="0">
   <p:cSld>
@@ -25178,7 +25240,7 @@
           <p:cNvPr id="2" name="Title 1">
             <a:extLst>
               <a:ext uri="{FF2B5EF4-FFF2-40B4-BE49-F238E27FC236}">
-                <a16:creationId xmlns:a16="http://schemas.microsoft.com/office/drawing/2014/main" id="{6E08092E-8BB8-B48B-3BAB-ABDF1BE728C6}"/>
+                <a16:creationId xmlns:a16="http://schemas.microsoft.com/office/drawing/2014/main" id="{6D7FE7B3-C6CB-6B03-07B9-822FC3676710}"/>
               </a:ext>
             </a:extLst>
           </p:cNvPr>
@@ -25191,12 +25253,14 @@
         </p:nvSpPr>
         <p:spPr/>
         <p:txBody>
-          <a:bodyPr/>
+          <a:bodyPr>
+            <a:normAutofit/>
+          </a:bodyPr>
           <a:lstStyle/>
           <a:p>
             <a:r>
               <a:rPr lang="en-US" dirty="0"/>
-              <a:t>Example: The Reddit Case Study</a:t>
+              <a:t>Motivating Example – Informed Consent</a:t>
             </a:r>
           </a:p>
         </p:txBody>
@@ -25206,7 +25270,7 @@
           <p:cNvPr id="3" name="Content Placeholder 2">
             <a:extLst>
               <a:ext uri="{FF2B5EF4-FFF2-40B4-BE49-F238E27FC236}">
-                <a16:creationId xmlns:a16="http://schemas.microsoft.com/office/drawing/2014/main" id="{A1628D1E-4883-1046-9135-0DBD842CD0FD}"/>
+                <a16:creationId xmlns:a16="http://schemas.microsoft.com/office/drawing/2014/main" id="{B78E0F47-C40D-AF55-04F9-C6043963616F}"/>
               </a:ext>
             </a:extLst>
           </p:cNvPr>
@@ -25220,34 +25284,110 @@
         <p:spPr>
           <a:xfrm>
             <a:off x="838200" y="1500160"/>
-            <a:ext cx="8848060" cy="4351338"/>
+            <a:ext cx="10400414" cy="4856190"/>
           </a:xfrm>
         </p:spPr>
         <p:txBody>
-          <a:bodyPr/>
+          <a:bodyPr>
+            <a:normAutofit lnSpcReduction="10000"/>
+          </a:bodyPr>
           <a:lstStyle/>
           <a:p>
-            <a:pPr marL="0" indent="0">
-              <a:buNone/>
-            </a:pPr>
-            <a:r>
-              <a:rPr lang="en-US" dirty="0">
-                <a:solidFill>
-                  <a:srgbClr val="C00000"/>
-                </a:solidFill>
-              </a:rPr>
-              <a:t>A classifier model that will replace the role of humans in the moderating process. This algorithm will classify new posts, determining whether or not they’re appropriate for Reddit. Those that are flagged inappropriate will be removed.</a:t>
-            </a:r>
-          </a:p>
-          <a:p>
-            <a:pPr marL="0" indent="0">
-              <a:buNone/>
-            </a:pPr>
-            <a:endParaRPr lang="en-US" dirty="0">
-              <a:solidFill>
-                <a:srgbClr val="C00000"/>
-              </a:solidFill>
-            </a:endParaRPr>
+            <a:r>
+              <a:rPr lang="en-US" dirty="0"/>
+              <a:t>Design choices made during developing software (or any technology) often implicate human values!</a:t>
+            </a:r>
+          </a:p>
+          <a:p>
+            <a:r>
+              <a:rPr lang="en-US" dirty="0"/>
+              <a:t>Ignoring values in the requirements and design process is </a:t>
+            </a:r>
+            <a:r>
+              <a:rPr lang="en-US" b="1" dirty="0"/>
+              <a:t>irresponsible</a:t>
+            </a:r>
+            <a:r>
+              <a:rPr lang="en-US" dirty="0"/>
+              <a:t>.</a:t>
+            </a:r>
+          </a:p>
+          <a:p>
+            <a:r>
+              <a:rPr lang="en-US" dirty="0"/>
+              <a:t>A Human Value Example: </a:t>
+            </a:r>
+            <a:r>
+              <a:rPr lang="en-US" b="1" dirty="0"/>
+              <a:t>Informed Consent</a:t>
+            </a:r>
+          </a:p>
+          <a:p>
+            <a:pPr lvl="1"/>
+            <a:r>
+              <a:rPr lang="en-US" dirty="0"/>
+              <a:t>Most websites collect vast amounts of information about users, who have no control over: what information is collected/accessed/used/sold/etc.</a:t>
+            </a:r>
+          </a:p>
+          <a:p>
+            <a:pPr lvl="1"/>
+            <a:r>
+              <a:rPr lang="en-US" dirty="0"/>
+              <a:t>A VSD approach to informed consent would emphasizes </a:t>
+            </a:r>
+            <a:r>
+              <a:rPr lang="en-US" b="1" dirty="0"/>
+              <a:t>transparency, user control and understanding</a:t>
+            </a:r>
+            <a:r>
+              <a:rPr lang="en-US" dirty="0"/>
+              <a:t>.</a:t>
+            </a:r>
+          </a:p>
+          <a:p>
+            <a:pPr lvl="1"/>
+            <a:r>
+              <a:rPr lang="en-US" dirty="0"/>
+              <a:t>Web </a:t>
+            </a:r>
+            <a:r>
+              <a:rPr lang="en-US" i="1" dirty="0"/>
+              <a:t>cookies</a:t>
+            </a:r>
+            <a:r>
+              <a:rPr lang="en-US" dirty="0"/>
+              <a:t> and </a:t>
+            </a:r>
+            <a:r>
+              <a:rPr lang="en-US" i="1" dirty="0"/>
+              <a:t>browser security</a:t>
+            </a:r>
+            <a:r>
+              <a:rPr lang="en-US" dirty="0"/>
+              <a:t> mechanisms represent solutions to implement the principle of informed consent.  </a:t>
+            </a:r>
+          </a:p>
+          <a:p>
+            <a:r>
+              <a:rPr lang="en-US" dirty="0"/>
+              <a:t>To consider human values during design, we need to understand </a:t>
+            </a:r>
+            <a:r>
+              <a:rPr lang="en-US" b="1" i="1" dirty="0"/>
+              <a:t>what</a:t>
+            </a:r>
+            <a:r>
+              <a:rPr lang="en-US" dirty="0"/>
+              <a:t> they means generally and in the specific </a:t>
+            </a:r>
+            <a:r>
+              <a:rPr lang="en-US" b="1" i="1" dirty="0"/>
+              <a:t>context </a:t>
+            </a:r>
+            <a:r>
+              <a:rPr lang="en-US" dirty="0"/>
+              <a:t>of technology</a:t>
+            </a:r>
           </a:p>
         </p:txBody>
       </p:sp>
@@ -25256,7 +25396,7 @@
           <p:cNvPr id="4" name="Slide Number Placeholder 3">
             <a:extLst>
               <a:ext uri="{FF2B5EF4-FFF2-40B4-BE49-F238E27FC236}">
-                <a16:creationId xmlns:a16="http://schemas.microsoft.com/office/drawing/2014/main" id="{F30CE011-3094-1F2E-34AE-303DC6DE91BB}"/>
+                <a16:creationId xmlns:a16="http://schemas.microsoft.com/office/drawing/2014/main" id="{F781C33C-0916-3DED-5FA4-D82F64A35D84}"/>
               </a:ext>
             </a:extLst>
           </p:cNvPr>
@@ -25283,7 +25423,7 @@
     </p:spTree>
     <p:extLst>
       <p:ext uri="{BB962C8B-B14F-4D97-AF65-F5344CB8AC3E}">
-        <p14:creationId xmlns:p14="http://schemas.microsoft.com/office/powerpoint/2010/main" val="3016487885"/>
+        <p14:creationId xmlns:p14="http://schemas.microsoft.com/office/powerpoint/2010/main" val="1106144208"/>
       </p:ext>
     </p:extLst>
   </p:cSld>
@@ -25315,6 +25455,143 @@
           <p:cNvPr id="2" name="Title 1">
             <a:extLst>
               <a:ext uri="{FF2B5EF4-FFF2-40B4-BE49-F238E27FC236}">
+                <a16:creationId xmlns:a16="http://schemas.microsoft.com/office/drawing/2014/main" id="{6E08092E-8BB8-B48B-3BAB-ABDF1BE728C6}"/>
+              </a:ext>
+            </a:extLst>
+          </p:cNvPr>
+          <p:cNvSpPr>
+            <a:spLocks noGrp="1"/>
+          </p:cNvSpPr>
+          <p:nvPr>
+            <p:ph type="title"/>
+          </p:nvPr>
+        </p:nvSpPr>
+        <p:spPr/>
+        <p:txBody>
+          <a:bodyPr/>
+          <a:lstStyle/>
+          <a:p>
+            <a:r>
+              <a:rPr lang="en-US" dirty="0"/>
+              <a:t>Example: The Reddit Case Study</a:t>
+            </a:r>
+          </a:p>
+        </p:txBody>
+      </p:sp>
+      <p:sp>
+        <p:nvSpPr>
+          <p:cNvPr id="3" name="Content Placeholder 2">
+            <a:extLst>
+              <a:ext uri="{FF2B5EF4-FFF2-40B4-BE49-F238E27FC236}">
+                <a16:creationId xmlns:a16="http://schemas.microsoft.com/office/drawing/2014/main" id="{A1628D1E-4883-1046-9135-0DBD842CD0FD}"/>
+              </a:ext>
+            </a:extLst>
+          </p:cNvPr>
+          <p:cNvSpPr>
+            <a:spLocks noGrp="1"/>
+          </p:cNvSpPr>
+          <p:nvPr>
+            <p:ph idx="1"/>
+          </p:nvPr>
+        </p:nvSpPr>
+        <p:spPr>
+          <a:xfrm>
+            <a:off x="838200" y="1500160"/>
+            <a:ext cx="8848060" cy="4351338"/>
+          </a:xfrm>
+        </p:spPr>
+        <p:txBody>
+          <a:bodyPr/>
+          <a:lstStyle/>
+          <a:p>
+            <a:pPr marL="0" indent="0">
+              <a:buNone/>
+            </a:pPr>
+            <a:r>
+              <a:rPr lang="en-US" dirty="0">
+                <a:solidFill>
+                  <a:srgbClr val="C00000"/>
+                </a:solidFill>
+              </a:rPr>
+              <a:t>A classifier model that will replace the role of humans in the moderating process. This algorithm will classify new posts, determining whether or not they’re appropriate for Reddit. Those that are flagged inappropriate will be removed.</a:t>
+            </a:r>
+          </a:p>
+          <a:p>
+            <a:pPr marL="0" indent="0">
+              <a:buNone/>
+            </a:pPr>
+            <a:endParaRPr lang="en-US" dirty="0">
+              <a:solidFill>
+                <a:srgbClr val="C00000"/>
+              </a:solidFill>
+            </a:endParaRPr>
+          </a:p>
+        </p:txBody>
+      </p:sp>
+      <p:sp>
+        <p:nvSpPr>
+          <p:cNvPr id="4" name="Slide Number Placeholder 3">
+            <a:extLst>
+              <a:ext uri="{FF2B5EF4-FFF2-40B4-BE49-F238E27FC236}">
+                <a16:creationId xmlns:a16="http://schemas.microsoft.com/office/drawing/2014/main" id="{F30CE011-3094-1F2E-34AE-303DC6DE91BB}"/>
+              </a:ext>
+            </a:extLst>
+          </p:cNvPr>
+          <p:cNvSpPr>
+            <a:spLocks noGrp="1"/>
+          </p:cNvSpPr>
+          <p:nvPr>
+            <p:ph type="sldNum" sz="quarter" idx="12"/>
+          </p:nvPr>
+        </p:nvSpPr>
+        <p:spPr/>
+        <p:txBody>
+          <a:bodyPr/>
+          <a:lstStyle/>
+          <a:p>
+            <a:fld id="{20F37917-FD3A-4669-9018-DA04BCDD3D75}" type="slidenum">
+              <a:rPr lang="en-US" smtClean="0"/>
+              <a:t>43</a:t>
+            </a:fld>
+            <a:endParaRPr lang="en-US"/>
+          </a:p>
+        </p:txBody>
+      </p:sp>
+    </p:spTree>
+    <p:extLst>
+      <p:ext uri="{BB962C8B-B14F-4D97-AF65-F5344CB8AC3E}">
+        <p14:creationId xmlns:p14="http://schemas.microsoft.com/office/powerpoint/2010/main" val="3016487885"/>
+      </p:ext>
+    </p:extLst>
+  </p:cSld>
+  <p:clrMapOvr>
+    <a:masterClrMapping/>
+  </p:clrMapOvr>
+</p:sld>
+</file>
+
+<file path=ppt/slides/slide44.xml><?xml version="1.0" encoding="utf-8"?>
+<p:sld xmlns:a="http://schemas.openxmlformats.org/drawingml/2006/main" xmlns:r="http://schemas.openxmlformats.org/officeDocument/2006/relationships" xmlns:p="http://schemas.openxmlformats.org/presentationml/2006/main" show="0">
+  <p:cSld>
+    <p:spTree>
+      <p:nvGrpSpPr>
+        <p:cNvPr id="1" name=""/>
+        <p:cNvGrpSpPr/>
+        <p:nvPr/>
+      </p:nvGrpSpPr>
+      <p:grpSpPr>
+        <a:xfrm>
+          <a:off x="0" y="0"/>
+          <a:ext cx="0" cy="0"/>
+          <a:chOff x="0" y="0"/>
+          <a:chExt cx="0" cy="0"/>
+        </a:xfrm>
+      </p:grpSpPr>
+      <p:sp>
+        <p:nvSpPr>
+          <p:cNvPr id="2" name="Title 1">
+            <a:extLst>
+              <a:ext uri="{FF2B5EF4-FFF2-40B4-BE49-F238E27FC236}">
                 <a16:creationId xmlns:a16="http://schemas.microsoft.com/office/drawing/2014/main" id="{2A38125C-16A4-CB12-F2D2-F6A6C60B5A3A}"/>
               </a:ext>
             </a:extLst>
@@ -25420,7 +25697,7 @@
           <a:p>
             <a:fld id="{20F37917-FD3A-4669-9018-DA04BCDD3D75}" type="slidenum">
               <a:rPr lang="en-US" smtClean="0"/>
-              <a:t>43</a:t>
+              <a:t>44</a:t>
             </a:fld>
             <a:endParaRPr lang="en-US"/>
           </a:p>
@@ -25665,162 +25942,6 @@
 </p:sld>
 </file>
 
-<file path=ppt/slides/slide44.xml><?xml version="1.0" encoding="utf-8"?>
-<p:sld xmlns:a="http://schemas.openxmlformats.org/drawingml/2006/main" xmlns:r="http://schemas.openxmlformats.org/officeDocument/2006/relationships" xmlns:p="http://schemas.openxmlformats.org/presentationml/2006/main" show="0">
-  <p:cSld>
-    <p:spTree>
-      <p:nvGrpSpPr>
-        <p:cNvPr id="1" name=""/>
-        <p:cNvGrpSpPr/>
-        <p:nvPr/>
-      </p:nvGrpSpPr>
-      <p:grpSpPr>
-        <a:xfrm>
-          <a:off x="0" y="0"/>
-          <a:ext cx="0" cy="0"/>
-          <a:chOff x="0" y="0"/>
-          <a:chExt cx="0" cy="0"/>
-        </a:xfrm>
-      </p:grpSpPr>
-      <p:sp>
-        <p:nvSpPr>
-          <p:cNvPr id="2" name="Title 1">
-            <a:extLst>
-              <a:ext uri="{FF2B5EF4-FFF2-40B4-BE49-F238E27FC236}">
-                <a16:creationId xmlns:a16="http://schemas.microsoft.com/office/drawing/2014/main" id="{992300D1-4FCF-7632-A87A-D563CA9E2118}"/>
-              </a:ext>
-            </a:extLst>
-          </p:cNvPr>
-          <p:cNvSpPr>
-            <a:spLocks noGrp="1"/>
-          </p:cNvSpPr>
-          <p:nvPr>
-            <p:ph type="title"/>
-          </p:nvPr>
-        </p:nvSpPr>
-        <p:spPr/>
-        <p:txBody>
-          <a:bodyPr/>
-          <a:lstStyle/>
-          <a:p>
-            <a:r>
-              <a:rPr lang="en-US" dirty="0"/>
-              <a:t>Value Investigation – Who are the Stakeholders? </a:t>
-            </a:r>
-          </a:p>
-        </p:txBody>
-      </p:sp>
-      <p:sp>
-        <p:nvSpPr>
-          <p:cNvPr id="3" name="Content Placeholder 2">
-            <a:extLst>
-              <a:ext uri="{FF2B5EF4-FFF2-40B4-BE49-F238E27FC236}">
-                <a16:creationId xmlns:a16="http://schemas.microsoft.com/office/drawing/2014/main" id="{9A961C99-2CC8-98AA-07DB-8A17C0B9AEF1}"/>
-              </a:ext>
-            </a:extLst>
-          </p:cNvPr>
-          <p:cNvSpPr>
-            <a:spLocks noGrp="1"/>
-          </p:cNvSpPr>
-          <p:nvPr>
-            <p:ph idx="1"/>
-          </p:nvPr>
-        </p:nvSpPr>
-        <p:spPr>
-          <a:xfrm>
-            <a:off x="838199" y="1500160"/>
-            <a:ext cx="10868247" cy="4351338"/>
-          </a:xfrm>
-        </p:spPr>
-        <p:txBody>
-          <a:bodyPr>
-            <a:normAutofit/>
-          </a:bodyPr>
-          <a:lstStyle/>
-          <a:p>
-            <a:pPr marL="514350" indent="-514350">
-              <a:buFont typeface="+mj-lt"/>
-              <a:buAutoNum type="arabicPeriod"/>
-            </a:pPr>
-            <a:r>
-              <a:rPr lang="en-US" dirty="0"/>
-              <a:t>Relative to the issue of content moderation, who or what are the stakeholders? (i.e. individuals or groups whose interests stand to be impacted by this algorithm?)</a:t>
-            </a:r>
-          </a:p>
-          <a:p>
-            <a:pPr marL="514350" indent="-514350">
-              <a:buFont typeface="+mj-lt"/>
-              <a:buAutoNum type="arabicPeriod"/>
-            </a:pPr>
-            <a:r>
-              <a:rPr lang="en-US" dirty="0"/>
-              <a:t>Relative to the issue of content moderation, what are the interests or values of the different stakeholders?</a:t>
-            </a:r>
-          </a:p>
-          <a:p>
-            <a:pPr marL="514350" indent="-514350">
-              <a:buFont typeface="+mj-lt"/>
-              <a:buAutoNum type="arabicPeriod"/>
-            </a:pPr>
-            <a:r>
-              <a:rPr lang="en-US" dirty="0"/>
-              <a:t>Are there any conflicts of interests or values?</a:t>
-            </a:r>
-          </a:p>
-          <a:p>
-            <a:pPr marL="514350" indent="-514350">
-              <a:buFont typeface="+mj-lt"/>
-              <a:buAutoNum type="arabicPeriod"/>
-            </a:pPr>
-            <a:r>
-              <a:rPr lang="en-US" dirty="0"/>
-              <a:t>Overall, given the different stakeholders, interests and values, do any of them stand out to you as ones we should prioritize? Why?</a:t>
-            </a:r>
-          </a:p>
-        </p:txBody>
-      </p:sp>
-      <p:sp>
-        <p:nvSpPr>
-          <p:cNvPr id="4" name="Slide Number Placeholder 3">
-            <a:extLst>
-              <a:ext uri="{FF2B5EF4-FFF2-40B4-BE49-F238E27FC236}">
-                <a16:creationId xmlns:a16="http://schemas.microsoft.com/office/drawing/2014/main" id="{B1846DD2-C733-7BF5-1A88-1DE2E1003009}"/>
-              </a:ext>
-            </a:extLst>
-          </p:cNvPr>
-          <p:cNvSpPr>
-            <a:spLocks noGrp="1"/>
-          </p:cNvSpPr>
-          <p:nvPr>
-            <p:ph type="sldNum" sz="quarter" idx="12"/>
-          </p:nvPr>
-        </p:nvSpPr>
-        <p:spPr/>
-        <p:txBody>
-          <a:bodyPr/>
-          <a:lstStyle/>
-          <a:p>
-            <a:fld id="{20F37917-FD3A-4669-9018-DA04BCDD3D75}" type="slidenum">
-              <a:rPr lang="en-US" smtClean="0"/>
-              <a:t>44</a:t>
-            </a:fld>
-            <a:endParaRPr lang="en-US"/>
-          </a:p>
-        </p:txBody>
-      </p:sp>
-    </p:spTree>
-    <p:extLst>
-      <p:ext uri="{BB962C8B-B14F-4D97-AF65-F5344CB8AC3E}">
-        <p14:creationId xmlns:p14="http://schemas.microsoft.com/office/powerpoint/2010/main" val="3936317166"/>
-      </p:ext>
-    </p:extLst>
-  </p:cSld>
-  <p:clrMapOvr>
-    <a:masterClrMapping/>
-  </p:clrMapOvr>
-</p:sld>
-</file>
-
 <file path=ppt/slides/slide45.xml><?xml version="1.0" encoding="utf-8"?>
 <p:sld xmlns:a="http://schemas.openxmlformats.org/drawingml/2006/main" xmlns:r="http://schemas.openxmlformats.org/officeDocument/2006/relationships" xmlns:p="http://schemas.openxmlformats.org/presentationml/2006/main" show="0">
   <p:cSld>
@@ -25843,7 +25964,7 @@
           <p:cNvPr id="2" name="Title 1">
             <a:extLst>
               <a:ext uri="{FF2B5EF4-FFF2-40B4-BE49-F238E27FC236}">
-                <a16:creationId xmlns:a16="http://schemas.microsoft.com/office/drawing/2014/main" id="{335D756B-A2A8-E49D-275B-242F19E39A6F}"/>
+                <a16:creationId xmlns:a16="http://schemas.microsoft.com/office/drawing/2014/main" id="{992300D1-4FCF-7632-A87A-D563CA9E2118}"/>
               </a:ext>
             </a:extLst>
           </p:cNvPr>
@@ -25861,7 +25982,7 @@
           <a:p>
             <a:r>
               <a:rPr lang="en-US" dirty="0"/>
-              <a:t>Value Investigation – What are the value tensions?</a:t>
+              <a:t>Value Investigation – Who are the Stakeholders? </a:t>
             </a:r>
           </a:p>
         </p:txBody>
@@ -25871,7 +25992,7 @@
           <p:cNvPr id="3" name="Content Placeholder 2">
             <a:extLst>
               <a:ext uri="{FF2B5EF4-FFF2-40B4-BE49-F238E27FC236}">
-                <a16:creationId xmlns:a16="http://schemas.microsoft.com/office/drawing/2014/main" id="{2BBDF1D1-AD42-D3B3-32F6-3100087AE8EC}"/>
+                <a16:creationId xmlns:a16="http://schemas.microsoft.com/office/drawing/2014/main" id="{9A961C99-2CC8-98AA-07DB-8A17C0B9AEF1}"/>
               </a:ext>
             </a:extLst>
           </p:cNvPr>
@@ -25882,10 +26003,15 @@
             <p:ph idx="1"/>
           </p:nvPr>
         </p:nvSpPr>
-        <p:spPr/>
+        <p:spPr>
+          <a:xfrm>
+            <a:off x="838199" y="1500160"/>
+            <a:ext cx="10868247" cy="4351338"/>
+          </a:xfrm>
+        </p:spPr>
         <p:txBody>
           <a:bodyPr>
-            <a:normAutofit lnSpcReduction="10000"/>
+            <a:normAutofit/>
           </a:bodyPr>
           <a:lstStyle/>
           <a:p>
@@ -25895,7 +26021,7 @@
             </a:pPr>
             <a:r>
               <a:rPr lang="en-US" dirty="0"/>
-              <a:t>Why do you think some people might be concerned with Reddit removing user’s posts? What if the posts have misinformation or hate speech?</a:t>
+              <a:t>Relative to the issue of content moderation, who or what are the stakeholders? (i.e. individuals or groups whose interests stand to be impacted by this algorithm?)</a:t>
             </a:r>
           </a:p>
           <a:p>
@@ -25905,7 +26031,7 @@
             </a:pPr>
             <a:r>
               <a:rPr lang="en-US" dirty="0"/>
-              <a:t>How are users harmed if posts are mistakenly removed by Reddit?</a:t>
+              <a:t>Relative to the issue of content moderation, what are the interests or values of the different stakeholders?</a:t>
             </a:r>
           </a:p>
           <a:p>
@@ -25915,7 +26041,7 @@
             </a:pPr>
             <a:r>
               <a:rPr lang="en-US" dirty="0"/>
-              <a:t>How can bias in the moderation algorithms potentially harm users?</a:t>
+              <a:t>Are there any conflicts of interests or values?</a:t>
             </a:r>
           </a:p>
           <a:p>
@@ -25925,7 +26051,7 @@
             </a:pPr>
             <a:r>
               <a:rPr lang="en-US" dirty="0"/>
-              <a:t>Given the debate on free speech vs. content moderation what do you think are the strengths and weaknesses of the proposed requirement?</a:t>
+              <a:t>Overall, given the different stakeholders, interests and values, do any of them stand out to you as ones we should prioritize? Why?</a:t>
             </a:r>
           </a:p>
         </p:txBody>
@@ -25935,7 +26061,7 @@
           <p:cNvPr id="4" name="Slide Number Placeholder 3">
             <a:extLst>
               <a:ext uri="{FF2B5EF4-FFF2-40B4-BE49-F238E27FC236}">
-                <a16:creationId xmlns:a16="http://schemas.microsoft.com/office/drawing/2014/main" id="{D4A73DC0-62D3-455A-A1DF-7F2AFE5098A9}"/>
+                <a16:creationId xmlns:a16="http://schemas.microsoft.com/office/drawing/2014/main" id="{B1846DD2-C733-7BF5-1A88-1DE2E1003009}"/>
               </a:ext>
             </a:extLst>
           </p:cNvPr>
@@ -25962,7 +26088,7 @@
     </p:spTree>
     <p:extLst>
       <p:ext uri="{BB962C8B-B14F-4D97-AF65-F5344CB8AC3E}">
-        <p14:creationId xmlns:p14="http://schemas.microsoft.com/office/powerpoint/2010/main" val="3687600535"/>
+        <p14:creationId xmlns:p14="http://schemas.microsoft.com/office/powerpoint/2010/main" val="3936317166"/>
       </p:ext>
     </p:extLst>
   </p:cSld>
@@ -25994,7 +26120,7 @@
           <p:cNvPr id="2" name="Title 1">
             <a:extLst>
               <a:ext uri="{FF2B5EF4-FFF2-40B4-BE49-F238E27FC236}">
-                <a16:creationId xmlns:a16="http://schemas.microsoft.com/office/drawing/2014/main" id="{3D677602-B4CF-BDC8-DDE2-14B6FB2174BF}"/>
+                <a16:creationId xmlns:a16="http://schemas.microsoft.com/office/drawing/2014/main" id="{335D756B-A2A8-E49D-275B-242F19E39A6F}"/>
               </a:ext>
             </a:extLst>
           </p:cNvPr>
@@ -26012,7 +26138,7 @@
           <a:p>
             <a:r>
               <a:rPr lang="en-US" dirty="0"/>
-              <a:t>Technical Investigations</a:t>
+              <a:t>Value Investigation – What are the value tensions?</a:t>
             </a:r>
           </a:p>
         </p:txBody>
@@ -26022,7 +26148,7 @@
           <p:cNvPr id="3" name="Content Placeholder 2">
             <a:extLst>
               <a:ext uri="{FF2B5EF4-FFF2-40B4-BE49-F238E27FC236}">
-                <a16:creationId xmlns:a16="http://schemas.microsoft.com/office/drawing/2014/main" id="{C36CF53C-4066-4127-A0C2-13EAEDBD150D}"/>
+                <a16:creationId xmlns:a16="http://schemas.microsoft.com/office/drawing/2014/main" id="{2BBDF1D1-AD42-D3B3-32F6-3100087AE8EC}"/>
               </a:ext>
             </a:extLst>
           </p:cNvPr>
@@ -26036,47 +26162,47 @@
         <p:spPr/>
         <p:txBody>
           <a:bodyPr>
-            <a:normAutofit fontScale="92500"/>
+            <a:normAutofit lnSpcReduction="10000"/>
           </a:bodyPr>
           <a:lstStyle/>
           <a:p>
-            <a:r>
-              <a:rPr lang="en-US" dirty="0"/>
-              <a:t>Suppose as a result of the value investigations we came up with two high-level requirements:</a:t>
-            </a:r>
-          </a:p>
-          <a:p>
-            <a:pPr marL="914400" lvl="1" indent="-457200">
+            <a:pPr marL="514350" indent="-514350">
               <a:buFont typeface="+mj-lt"/>
               <a:buAutoNum type="arabicPeriod"/>
             </a:pPr>
             <a:r>
               <a:rPr lang="en-US" dirty="0"/>
-              <a:t>The flagging feature gives an explanation to the user as to why the system flagged and removed their content. If, after reading the explanation, the user thought the flagging was in error, they can submit the flag for further review. </a:t>
-            </a:r>
-          </a:p>
-          <a:p>
-            <a:pPr marL="914400" lvl="1" indent="-457200">
+              <a:t>Why do you think some people might be concerned with Reddit removing user’s posts? What if the posts have misinformation or hate speech?</a:t>
+            </a:r>
+          </a:p>
+          <a:p>
+            <a:pPr marL="514350" indent="-514350">
               <a:buFont typeface="+mj-lt"/>
               <a:buAutoNum type="arabicPeriod"/>
             </a:pPr>
             <a:r>
               <a:rPr lang="en-US" dirty="0"/>
-              <a:t>The system prompts the user to reconsider if their post is potentially offensive, but does not prevent it from being posted.</a:t>
-            </a:r>
-          </a:p>
-          <a:p>
-            <a:r>
-              <a:rPr lang="en-US" dirty="0"/>
-              <a:t>Which requirement would you prefer based on the </a:t>
-            </a:r>
-            <a:r>
-              <a:rPr lang="en-US" i="1" dirty="0"/>
-              <a:t>technical feasibility and the values</a:t>
-            </a:r>
-            <a:r>
-              <a:rPr lang="en-US" dirty="0"/>
-              <a:t> that you think are important?</a:t>
+              <a:t>How are users harmed if posts are mistakenly removed by Reddit?</a:t>
+            </a:r>
+          </a:p>
+          <a:p>
+            <a:pPr marL="514350" indent="-514350">
+              <a:buFont typeface="+mj-lt"/>
+              <a:buAutoNum type="arabicPeriod"/>
+            </a:pPr>
+            <a:r>
+              <a:rPr lang="en-US" dirty="0"/>
+              <a:t>How can bias in the moderation algorithms potentially harm users?</a:t>
+            </a:r>
+          </a:p>
+          <a:p>
+            <a:pPr marL="514350" indent="-514350">
+              <a:buFont typeface="+mj-lt"/>
+              <a:buAutoNum type="arabicPeriod"/>
+            </a:pPr>
+            <a:r>
+              <a:rPr lang="en-US" dirty="0"/>
+              <a:t>Given the debate on free speech vs. content moderation what do you think are the strengths and weaknesses of the proposed requirement?</a:t>
             </a:r>
           </a:p>
         </p:txBody>
@@ -26086,7 +26212,7 @@
           <p:cNvPr id="4" name="Slide Number Placeholder 3">
             <a:extLst>
               <a:ext uri="{FF2B5EF4-FFF2-40B4-BE49-F238E27FC236}">
-                <a16:creationId xmlns:a16="http://schemas.microsoft.com/office/drawing/2014/main" id="{32FCEC0B-BB53-CE83-F74E-D021035F50E0}"/>
+                <a16:creationId xmlns:a16="http://schemas.microsoft.com/office/drawing/2014/main" id="{D4A73DC0-62D3-455A-A1DF-7F2AFE5098A9}"/>
               </a:ext>
             </a:extLst>
           </p:cNvPr>
@@ -26113,7 +26239,7 @@
     </p:spTree>
     <p:extLst>
       <p:ext uri="{BB962C8B-B14F-4D97-AF65-F5344CB8AC3E}">
-        <p14:creationId xmlns:p14="http://schemas.microsoft.com/office/powerpoint/2010/main" val="2181656107"/>
+        <p14:creationId xmlns:p14="http://schemas.microsoft.com/office/powerpoint/2010/main" val="3687600535"/>
       </p:ext>
     </p:extLst>
   </p:cSld>
@@ -26145,6 +26271,157 @@
           <p:cNvPr id="2" name="Title 1">
             <a:extLst>
               <a:ext uri="{FF2B5EF4-FFF2-40B4-BE49-F238E27FC236}">
+                <a16:creationId xmlns:a16="http://schemas.microsoft.com/office/drawing/2014/main" id="{3D677602-B4CF-BDC8-DDE2-14B6FB2174BF}"/>
+              </a:ext>
+            </a:extLst>
+          </p:cNvPr>
+          <p:cNvSpPr>
+            <a:spLocks noGrp="1"/>
+          </p:cNvSpPr>
+          <p:nvPr>
+            <p:ph type="title"/>
+          </p:nvPr>
+        </p:nvSpPr>
+        <p:spPr/>
+        <p:txBody>
+          <a:bodyPr/>
+          <a:lstStyle/>
+          <a:p>
+            <a:r>
+              <a:rPr lang="en-US" dirty="0"/>
+              <a:t>Technical Investigations</a:t>
+            </a:r>
+          </a:p>
+        </p:txBody>
+      </p:sp>
+      <p:sp>
+        <p:nvSpPr>
+          <p:cNvPr id="3" name="Content Placeholder 2">
+            <a:extLst>
+              <a:ext uri="{FF2B5EF4-FFF2-40B4-BE49-F238E27FC236}">
+                <a16:creationId xmlns:a16="http://schemas.microsoft.com/office/drawing/2014/main" id="{C36CF53C-4066-4127-A0C2-13EAEDBD150D}"/>
+              </a:ext>
+            </a:extLst>
+          </p:cNvPr>
+          <p:cNvSpPr>
+            <a:spLocks noGrp="1"/>
+          </p:cNvSpPr>
+          <p:nvPr>
+            <p:ph idx="1"/>
+          </p:nvPr>
+        </p:nvSpPr>
+        <p:spPr/>
+        <p:txBody>
+          <a:bodyPr>
+            <a:normAutofit fontScale="92500"/>
+          </a:bodyPr>
+          <a:lstStyle/>
+          <a:p>
+            <a:r>
+              <a:rPr lang="en-US" dirty="0"/>
+              <a:t>Suppose as a result of the value investigations we came up with two high-level requirements:</a:t>
+            </a:r>
+          </a:p>
+          <a:p>
+            <a:pPr marL="914400" lvl="1" indent="-457200">
+              <a:buFont typeface="+mj-lt"/>
+              <a:buAutoNum type="arabicPeriod"/>
+            </a:pPr>
+            <a:r>
+              <a:rPr lang="en-US" dirty="0"/>
+              <a:t>The flagging feature gives an explanation to the user as to why the system flagged and removed their content. If, after reading the explanation, the user thought the flagging was in error, they can submit the flag for further review. </a:t>
+            </a:r>
+          </a:p>
+          <a:p>
+            <a:pPr marL="914400" lvl="1" indent="-457200">
+              <a:buFont typeface="+mj-lt"/>
+              <a:buAutoNum type="arabicPeriod"/>
+            </a:pPr>
+            <a:r>
+              <a:rPr lang="en-US" dirty="0"/>
+              <a:t>The system prompts the user to reconsider if their post is potentially offensive, but does not prevent it from being posted.</a:t>
+            </a:r>
+          </a:p>
+          <a:p>
+            <a:r>
+              <a:rPr lang="en-US" dirty="0"/>
+              <a:t>Which requirement would you prefer based on the </a:t>
+            </a:r>
+            <a:r>
+              <a:rPr lang="en-US" i="1" dirty="0"/>
+              <a:t>technical feasibility and the values</a:t>
+            </a:r>
+            <a:r>
+              <a:rPr lang="en-US" dirty="0"/>
+              <a:t> that you think are important?</a:t>
+            </a:r>
+          </a:p>
+        </p:txBody>
+      </p:sp>
+      <p:sp>
+        <p:nvSpPr>
+          <p:cNvPr id="4" name="Slide Number Placeholder 3">
+            <a:extLst>
+              <a:ext uri="{FF2B5EF4-FFF2-40B4-BE49-F238E27FC236}">
+                <a16:creationId xmlns:a16="http://schemas.microsoft.com/office/drawing/2014/main" id="{32FCEC0B-BB53-CE83-F74E-D021035F50E0}"/>
+              </a:ext>
+            </a:extLst>
+          </p:cNvPr>
+          <p:cNvSpPr>
+            <a:spLocks noGrp="1"/>
+          </p:cNvSpPr>
+          <p:nvPr>
+            <p:ph type="sldNum" sz="quarter" idx="12"/>
+          </p:nvPr>
+        </p:nvSpPr>
+        <p:spPr/>
+        <p:txBody>
+          <a:bodyPr/>
+          <a:lstStyle/>
+          <a:p>
+            <a:fld id="{20F37917-FD3A-4669-9018-DA04BCDD3D75}" type="slidenum">
+              <a:rPr lang="en-US" smtClean="0"/>
+              <a:t>47</a:t>
+            </a:fld>
+            <a:endParaRPr lang="en-US"/>
+          </a:p>
+        </p:txBody>
+      </p:sp>
+    </p:spTree>
+    <p:extLst>
+      <p:ext uri="{BB962C8B-B14F-4D97-AF65-F5344CB8AC3E}">
+        <p14:creationId xmlns:p14="http://schemas.microsoft.com/office/powerpoint/2010/main" val="2181656107"/>
+      </p:ext>
+    </p:extLst>
+  </p:cSld>
+  <p:clrMapOvr>
+    <a:masterClrMapping/>
+  </p:clrMapOvr>
+</p:sld>
+</file>
+
+<file path=ppt/slides/slide48.xml><?xml version="1.0" encoding="utf-8"?>
+<p:sld xmlns:a="http://schemas.openxmlformats.org/drawingml/2006/main" xmlns:r="http://schemas.openxmlformats.org/officeDocument/2006/relationships" xmlns:p="http://schemas.openxmlformats.org/presentationml/2006/main" show="0">
+  <p:cSld>
+    <p:spTree>
+      <p:nvGrpSpPr>
+        <p:cNvPr id="1" name=""/>
+        <p:cNvGrpSpPr/>
+        <p:nvPr/>
+      </p:nvGrpSpPr>
+      <p:grpSpPr>
+        <a:xfrm>
+          <a:off x="0" y="0"/>
+          <a:ext cx="0" cy="0"/>
+          <a:chOff x="0" y="0"/>
+          <a:chExt cx="0" cy="0"/>
+        </a:xfrm>
+      </p:grpSpPr>
+      <p:sp>
+        <p:nvSpPr>
+          <p:cNvPr id="2" name="Title 1">
+            <a:extLst>
+              <a:ext uri="{FF2B5EF4-FFF2-40B4-BE49-F238E27FC236}">
                 <a16:creationId xmlns:a16="http://schemas.microsoft.com/office/drawing/2014/main" id="{1ADD271A-4170-C5F2-C69E-66357770CC1B}"/>
               </a:ext>
             </a:extLst>
@@ -26259,7 +26536,7 @@
           <a:p>
             <a:fld id="{20F37917-FD3A-4669-9018-DA04BCDD3D75}" type="slidenum">
               <a:rPr lang="en-US" smtClean="0"/>
-              <a:t>47</a:t>
+              <a:t>48</a:t>
             </a:fld>
             <a:endParaRPr lang="en-US"/>
           </a:p>

--- a/Slides/Module 01.2 Requirements Gathering.pptx
+++ b/Slides/Module 01.2 Requirements Gathering.pptx
@@ -15722,6 +15722,16 @@
           <a:p>
             <a:r>
               <a:rPr lang="en-US" dirty="0"/>
+              <a:t>Another Example:</a:t>
+            </a:r>
+            <a:br>
+              <a:rPr lang="en-US" dirty="0"/>
+            </a:br>
+            <a:br>
+              <a:rPr lang="en-US" dirty="0"/>
+            </a:br>
+            <a:r>
+              <a:rPr lang="en-US" dirty="0"/>
               <a:t>User Story</a:t>
             </a:r>
           </a:p>
@@ -17370,7 +17380,7 @@
             <a:pPr lvl="1"/>
             <a:r>
               <a:rPr lang="en-US" dirty="0"/>
-              <a:t>specify how the system should behave</a:t>
+              <a:t>specify how the system should behave (those are the ones we have seen so far, written as user stories)</a:t>
             </a:r>
           </a:p>
           <a:p>

--- a/Slides/Module 01.2 Requirements Gathering.pptx
+++ b/Slides/Module 01.2 Requirements Gathering.pptx
@@ -32,11 +32,11 @@
     <p:sldId id="494" r:id="rId23"/>
     <p:sldId id="572" r:id="rId24"/>
     <p:sldId id="566" r:id="rId25"/>
-    <p:sldId id="567" r:id="rId26"/>
-    <p:sldId id="570" r:id="rId27"/>
-    <p:sldId id="571" r:id="rId28"/>
-    <p:sldId id="528" r:id="rId29"/>
-    <p:sldId id="573" r:id="rId30"/>
+    <p:sldId id="573" r:id="rId26"/>
+    <p:sldId id="567" r:id="rId27"/>
+    <p:sldId id="570" r:id="rId28"/>
+    <p:sldId id="571" r:id="rId29"/>
+    <p:sldId id="528" r:id="rId30"/>
     <p:sldId id="563" r:id="rId31"/>
     <p:sldId id="555" r:id="rId32"/>
     <p:sldId id="556" r:id="rId33"/>
@@ -189,11 +189,11 @@
             <p14:sldId id="494"/>
             <p14:sldId id="572"/>
             <p14:sldId id="566"/>
+            <p14:sldId id="573"/>
             <p14:sldId id="567"/>
             <p14:sldId id="570"/>
             <p14:sldId id="571"/>
             <p14:sldId id="528"/>
-            <p14:sldId id="573"/>
             <p14:sldId id="563"/>
             <p14:sldId id="555"/>
             <p14:sldId id="556"/>
@@ -8023,7 +8023,7 @@
           <a:p>
             <a:fld id="{07937F07-1250-4CCE-B198-1B2887014F41}" type="slidenum">
               <a:rPr lang="en-US" smtClean="0"/>
-              <a:t>25</a:t>
+              <a:t>26</a:t>
             </a:fld>
             <a:endParaRPr lang="en-US"/>
           </a:p>
@@ -8134,7 +8134,7 @@
           <a:p>
             <a:fld id="{07937F07-1250-4CCE-B198-1B2887014F41}" type="slidenum">
               <a:rPr lang="en-US" smtClean="0"/>
-              <a:t>26</a:t>
+              <a:t>27</a:t>
             </a:fld>
             <a:endParaRPr lang="en-US"/>
           </a:p>
@@ -8245,7 +8245,7 @@
           <a:p>
             <a:fld id="{07937F07-1250-4CCE-B198-1B2887014F41}" type="slidenum">
               <a:rPr lang="en-US" smtClean="0"/>
-              <a:t>27</a:t>
+              <a:t>28</a:t>
             </a:fld>
             <a:endParaRPr lang="en-US"/>
           </a:p>
@@ -8329,7 +8329,7 @@
           <a:p>
             <a:fld id="{07937F07-1250-4CCE-B198-1B2887014F41}" type="slidenum">
               <a:rPr lang="en-US" smtClean="0"/>
-              <a:t>28</a:t>
+              <a:t>29</a:t>
             </a:fld>
             <a:endParaRPr lang="en-US"/>
           </a:p>
@@ -18425,6 +18425,118 @@
   <p:cSld>
     <p:spTree>
       <p:nvGrpSpPr>
+        <p:cNvPr id="1" name=""/>
+        <p:cNvGrpSpPr/>
+        <p:nvPr/>
+      </p:nvGrpSpPr>
+      <p:grpSpPr>
+        <a:xfrm>
+          <a:off x="0" y="0"/>
+          <a:ext cx="0" cy="0"/>
+          <a:chOff x="0" y="0"/>
+          <a:chExt cx="0" cy="0"/>
+        </a:xfrm>
+      </p:grpSpPr>
+      <p:sp>
+        <p:nvSpPr>
+          <p:cNvPr id="2" name="Title 1">
+            <a:extLst>
+              <a:ext uri="{FF2B5EF4-FFF2-40B4-BE49-F238E27FC236}">
+                <a16:creationId xmlns:a16="http://schemas.microsoft.com/office/drawing/2014/main" id="{E1A75E89-1D90-7489-00D4-B96439527CA8}"/>
+              </a:ext>
+            </a:extLst>
+          </p:cNvPr>
+          <p:cNvSpPr>
+            <a:spLocks noGrp="1"/>
+          </p:cNvSpPr>
+          <p:nvPr>
+            <p:ph type="title"/>
+          </p:nvPr>
+        </p:nvSpPr>
+        <p:spPr/>
+        <p:txBody>
+          <a:bodyPr/>
+          <a:lstStyle/>
+          <a:p>
+            <a:r>
+              <a:rPr lang="en-US" dirty="0"/>
+              <a:t>EVERYTHING PAST HERE IS CURRENTLY HIDDEN</a:t>
+            </a:r>
+          </a:p>
+        </p:txBody>
+      </p:sp>
+      <p:sp>
+        <p:nvSpPr>
+          <p:cNvPr id="3" name="Content Placeholder 2">
+            <a:extLst>
+              <a:ext uri="{FF2B5EF4-FFF2-40B4-BE49-F238E27FC236}">
+                <a16:creationId xmlns:a16="http://schemas.microsoft.com/office/drawing/2014/main" id="{CF8F3E74-7EE8-585C-5F0C-4FA1E00F251F}"/>
+              </a:ext>
+            </a:extLst>
+          </p:cNvPr>
+          <p:cNvSpPr>
+            <a:spLocks noGrp="1"/>
+          </p:cNvSpPr>
+          <p:nvPr>
+            <p:ph idx="1"/>
+          </p:nvPr>
+        </p:nvSpPr>
+        <p:spPr/>
+        <p:txBody>
+          <a:bodyPr/>
+          <a:lstStyle/>
+          <a:p>
+            <a:endParaRPr lang="en-US"/>
+          </a:p>
+        </p:txBody>
+      </p:sp>
+      <p:sp>
+        <p:nvSpPr>
+          <p:cNvPr id="4" name="Slide Number Placeholder 3">
+            <a:extLst>
+              <a:ext uri="{FF2B5EF4-FFF2-40B4-BE49-F238E27FC236}">
+                <a16:creationId xmlns:a16="http://schemas.microsoft.com/office/drawing/2014/main" id="{F27AB2EB-5678-83DB-3A9F-B9149F3D3495}"/>
+              </a:ext>
+            </a:extLst>
+          </p:cNvPr>
+          <p:cNvSpPr>
+            <a:spLocks noGrp="1"/>
+          </p:cNvSpPr>
+          <p:nvPr>
+            <p:ph type="sldNum" sz="quarter" idx="12"/>
+          </p:nvPr>
+        </p:nvSpPr>
+        <p:spPr/>
+        <p:txBody>
+          <a:bodyPr/>
+          <a:lstStyle/>
+          <a:p>
+            <a:fld id="{20F37917-FD3A-4669-9018-DA04BCDD3D75}" type="slidenum">
+              <a:rPr lang="en-US" smtClean="0"/>
+              <a:t>25</a:t>
+            </a:fld>
+            <a:endParaRPr lang="en-US"/>
+          </a:p>
+        </p:txBody>
+      </p:sp>
+    </p:spTree>
+    <p:extLst>
+      <p:ext uri="{BB962C8B-B14F-4D97-AF65-F5344CB8AC3E}">
+        <p14:creationId xmlns:p14="http://schemas.microsoft.com/office/powerpoint/2010/main" val="3013415274"/>
+      </p:ext>
+    </p:extLst>
+  </p:cSld>
+  <p:clrMapOvr>
+    <a:masterClrMapping/>
+  </p:clrMapOvr>
+</p:sld>
+</file>
+
+<file path=ppt/slides/slide26.xml><?xml version="1.0" encoding="utf-8"?>
+<p:sld xmlns:a="http://schemas.openxmlformats.org/drawingml/2006/main" xmlns:r="http://schemas.openxmlformats.org/officeDocument/2006/relationships" xmlns:p="http://schemas.openxmlformats.org/presentationml/2006/main" show="0">
+  <p:cSld>
+    <p:spTree>
+      <p:nvGrpSpPr>
         <p:cNvPr id="1" name="">
           <a:extLst>
             <a:ext uri="{FF2B5EF4-FFF2-40B4-BE49-F238E27FC236}">
@@ -18578,7 +18690,7 @@
           <a:p>
             <a:fld id="{20F37917-FD3A-4669-9018-DA04BCDD3D75}" type="slidenum">
               <a:rPr lang="en-US" smtClean="0"/>
-              <a:t>25</a:t>
+              <a:t>26</a:t>
             </a:fld>
             <a:endParaRPr lang="en-US"/>
           </a:p>
@@ -18597,7 +18709,7 @@
 </p:sld>
 </file>
 
-<file path=ppt/slides/slide26.xml><?xml version="1.0" encoding="utf-8"?>
+<file path=ppt/slides/slide27.xml><?xml version="1.0" encoding="utf-8"?>
 <p:sld xmlns:a="http://schemas.openxmlformats.org/drawingml/2006/main" xmlns:r="http://schemas.openxmlformats.org/officeDocument/2006/relationships" xmlns:p="http://schemas.openxmlformats.org/presentationml/2006/main" show="0">
   <p:cSld>
     <p:spTree>
@@ -18673,7 +18785,7 @@
           <a:p>
             <a:fld id="{20F37917-FD3A-4669-9018-DA04BCDD3D75}" type="slidenum">
               <a:rPr lang="en-US" smtClean="0"/>
-              <a:t>26</a:t>
+              <a:t>27</a:t>
             </a:fld>
             <a:endParaRPr lang="en-US"/>
           </a:p>
@@ -19194,7 +19306,7 @@
 </p:sld>
 </file>
 
-<file path=ppt/slides/slide27.xml><?xml version="1.0" encoding="utf-8"?>
+<file path=ppt/slides/slide28.xml><?xml version="1.0" encoding="utf-8"?>
 <p:sld xmlns:a="http://schemas.openxmlformats.org/drawingml/2006/main" xmlns:r="http://schemas.openxmlformats.org/officeDocument/2006/relationships" xmlns:p="http://schemas.openxmlformats.org/presentationml/2006/main" show="0">
   <p:cSld>
     <p:spTree>
@@ -19270,7 +19382,7 @@
           <a:p>
             <a:fld id="{20F37917-FD3A-4669-9018-DA04BCDD3D75}" type="slidenum">
               <a:rPr lang="en-US" smtClean="0"/>
-              <a:t>27</a:t>
+              <a:t>28</a:t>
             </a:fld>
             <a:endParaRPr lang="en-US"/>
           </a:p>
@@ -19833,7 +19945,7 @@
 </p:sld>
 </file>
 
-<file path=ppt/slides/slide28.xml><?xml version="1.0" encoding="utf-8"?>
+<file path=ppt/slides/slide29.xml><?xml version="1.0" encoding="utf-8"?>
 <p:sld xmlns:a="http://schemas.openxmlformats.org/drawingml/2006/main" xmlns:r="http://schemas.openxmlformats.org/officeDocument/2006/relationships" xmlns:p="http://schemas.openxmlformats.org/presentationml/2006/main" show="0">
   <p:cSld>
     <p:bg>
@@ -20515,7 +20627,7 @@
                   <a:spcPts val="600"/>
                 </a:spcAft>
               </a:pPr>
-              <a:t>28</a:t>
+              <a:t>29</a:t>
             </a:fld>
             <a:endParaRPr lang="en-US"/>
           </a:p>
@@ -20525,118 +20637,6 @@
     <p:extLst>
       <p:ext uri="{BB962C8B-B14F-4D97-AF65-F5344CB8AC3E}">
         <p14:creationId xmlns:p14="http://schemas.microsoft.com/office/powerpoint/2010/main" val="1303431113"/>
-      </p:ext>
-    </p:extLst>
-  </p:cSld>
-  <p:clrMapOvr>
-    <a:masterClrMapping/>
-  </p:clrMapOvr>
-</p:sld>
-</file>
-
-<file path=ppt/slides/slide29.xml><?xml version="1.0" encoding="utf-8"?>
-<p:sld xmlns:a="http://schemas.openxmlformats.org/drawingml/2006/main" xmlns:r="http://schemas.openxmlformats.org/officeDocument/2006/relationships" xmlns:p="http://schemas.openxmlformats.org/presentationml/2006/main">
-  <p:cSld>
-    <p:spTree>
-      <p:nvGrpSpPr>
-        <p:cNvPr id="1" name=""/>
-        <p:cNvGrpSpPr/>
-        <p:nvPr/>
-      </p:nvGrpSpPr>
-      <p:grpSpPr>
-        <a:xfrm>
-          <a:off x="0" y="0"/>
-          <a:ext cx="0" cy="0"/>
-          <a:chOff x="0" y="0"/>
-          <a:chExt cx="0" cy="0"/>
-        </a:xfrm>
-      </p:grpSpPr>
-      <p:sp>
-        <p:nvSpPr>
-          <p:cNvPr id="2" name="Title 1">
-            <a:extLst>
-              <a:ext uri="{FF2B5EF4-FFF2-40B4-BE49-F238E27FC236}">
-                <a16:creationId xmlns:a16="http://schemas.microsoft.com/office/drawing/2014/main" id="{E1A75E89-1D90-7489-00D4-B96439527CA8}"/>
-              </a:ext>
-            </a:extLst>
-          </p:cNvPr>
-          <p:cNvSpPr>
-            <a:spLocks noGrp="1"/>
-          </p:cNvSpPr>
-          <p:nvPr>
-            <p:ph type="title"/>
-          </p:nvPr>
-        </p:nvSpPr>
-        <p:spPr/>
-        <p:txBody>
-          <a:bodyPr/>
-          <a:lstStyle/>
-          <a:p>
-            <a:r>
-              <a:rPr lang="en-US" dirty="0"/>
-              <a:t>EVERYTHING PAST HERE IS CURRENTLY HIDDEN</a:t>
-            </a:r>
-          </a:p>
-        </p:txBody>
-      </p:sp>
-      <p:sp>
-        <p:nvSpPr>
-          <p:cNvPr id="3" name="Content Placeholder 2">
-            <a:extLst>
-              <a:ext uri="{FF2B5EF4-FFF2-40B4-BE49-F238E27FC236}">
-                <a16:creationId xmlns:a16="http://schemas.microsoft.com/office/drawing/2014/main" id="{CF8F3E74-7EE8-585C-5F0C-4FA1E00F251F}"/>
-              </a:ext>
-            </a:extLst>
-          </p:cNvPr>
-          <p:cNvSpPr>
-            <a:spLocks noGrp="1"/>
-          </p:cNvSpPr>
-          <p:nvPr>
-            <p:ph idx="1"/>
-          </p:nvPr>
-        </p:nvSpPr>
-        <p:spPr/>
-        <p:txBody>
-          <a:bodyPr/>
-          <a:lstStyle/>
-          <a:p>
-            <a:endParaRPr lang="en-US"/>
-          </a:p>
-        </p:txBody>
-      </p:sp>
-      <p:sp>
-        <p:nvSpPr>
-          <p:cNvPr id="4" name="Slide Number Placeholder 3">
-            <a:extLst>
-              <a:ext uri="{FF2B5EF4-FFF2-40B4-BE49-F238E27FC236}">
-                <a16:creationId xmlns:a16="http://schemas.microsoft.com/office/drawing/2014/main" id="{F27AB2EB-5678-83DB-3A9F-B9149F3D3495}"/>
-              </a:ext>
-            </a:extLst>
-          </p:cNvPr>
-          <p:cNvSpPr>
-            <a:spLocks noGrp="1"/>
-          </p:cNvSpPr>
-          <p:nvPr>
-            <p:ph type="sldNum" sz="quarter" idx="12"/>
-          </p:nvPr>
-        </p:nvSpPr>
-        <p:spPr/>
-        <p:txBody>
-          <a:bodyPr/>
-          <a:lstStyle/>
-          <a:p>
-            <a:fld id="{20F37917-FD3A-4669-9018-DA04BCDD3D75}" type="slidenum">
-              <a:rPr lang="en-US" smtClean="0"/>
-              <a:t>29</a:t>
-            </a:fld>
-            <a:endParaRPr lang="en-US"/>
-          </a:p>
-        </p:txBody>
-      </p:sp>
-    </p:spTree>
-    <p:extLst>
-      <p:ext uri="{BB962C8B-B14F-4D97-AF65-F5344CB8AC3E}">
-        <p14:creationId xmlns:p14="http://schemas.microsoft.com/office/powerpoint/2010/main" val="3013415274"/>
       </p:ext>
     </p:extLst>
   </p:cSld>

--- a/Slides/Module 01.2 Requirements Gathering.pptx
+++ b/Slides/Module 01.2 Requirements Gathering.pptx
@@ -5,7 +5,7 @@
     <p:sldMasterId id="2147483648" r:id="rId1"/>
   </p:sldMasterIdLst>
   <p:notesMasterIdLst>
-    <p:notesMasterId r:id="rId43"/>
+    <p:notesMasterId r:id="rId31"/>
   </p:notesMasterIdLst>
   <p:sldIdLst>
     <p:sldId id="485" r:id="rId2"/>
@@ -32,37 +32,25 @@
     <p:sldId id="494" r:id="rId23"/>
     <p:sldId id="572" r:id="rId24"/>
     <p:sldId id="566" r:id="rId25"/>
-    <p:sldId id="573" r:id="rId26"/>
-    <p:sldId id="567" r:id="rId27"/>
-    <p:sldId id="570" r:id="rId28"/>
-    <p:sldId id="571" r:id="rId29"/>
-    <p:sldId id="528" r:id="rId30"/>
-    <p:sldId id="563" r:id="rId31"/>
-    <p:sldId id="555" r:id="rId32"/>
-    <p:sldId id="556" r:id="rId33"/>
-    <p:sldId id="564" r:id="rId34"/>
-    <p:sldId id="565" r:id="rId35"/>
-    <p:sldId id="552" r:id="rId36"/>
-    <p:sldId id="557" r:id="rId37"/>
-    <p:sldId id="558" r:id="rId38"/>
-    <p:sldId id="559" r:id="rId39"/>
-    <p:sldId id="560" r:id="rId40"/>
-    <p:sldId id="561" r:id="rId41"/>
-    <p:sldId id="562" r:id="rId42"/>
+    <p:sldId id="567" r:id="rId26"/>
+    <p:sldId id="555" r:id="rId27"/>
+    <p:sldId id="556" r:id="rId28"/>
+    <p:sldId id="564" r:id="rId29"/>
+    <p:sldId id="565" r:id="rId30"/>
   </p:sldIdLst>
   <p:sldSz cx="12192000" cy="6858000"/>
   <p:notesSz cx="9240838" cy="6854825"/>
   <p:embeddedFontLst>
     <p:embeddedFont>
       <p:font typeface="Ink Free" panose="03080402000500000000" pitchFamily="66" charset="0"/>
-      <p:regular r:id="rId44"/>
+      <p:regular r:id="rId32"/>
     </p:embeddedFont>
     <p:embeddedFont>
       <p:font typeface="Verdana" panose="020B0604030504040204" pitchFamily="34" charset="0"/>
-      <p:regular r:id="rId45"/>
-      <p:bold r:id="rId46"/>
-      <p:italic r:id="rId47"/>
-      <p:boldItalic r:id="rId48"/>
+      <p:regular r:id="rId33"/>
+      <p:bold r:id="rId34"/>
+      <p:italic r:id="rId35"/>
+      <p:boldItalic r:id="rId36"/>
     </p:embeddedFont>
   </p:embeddedFontLst>
   <p:defaultTextStyle>
@@ -189,23 +177,11 @@
             <p14:sldId id="494"/>
             <p14:sldId id="572"/>
             <p14:sldId id="566"/>
-            <p14:sldId id="573"/>
             <p14:sldId id="567"/>
-            <p14:sldId id="570"/>
-            <p14:sldId id="571"/>
-            <p14:sldId id="528"/>
-            <p14:sldId id="563"/>
             <p14:sldId id="555"/>
             <p14:sldId id="556"/>
             <p14:sldId id="564"/>
             <p14:sldId id="565"/>
-            <p14:sldId id="552"/>
-            <p14:sldId id="557"/>
-            <p14:sldId id="558"/>
-            <p14:sldId id="559"/>
-            <p14:sldId id="560"/>
-            <p14:sldId id="561"/>
-            <p14:sldId id="562"/>
           </p14:sldIdLst>
         </p14:section>
       </p14:sectionLst>
@@ -6133,7 +6109,7 @@
           <a:p>
             <a:fld id="{7C7E5181-6CF5-45F7-A87A-E0E0B1FD7549}" type="datetimeFigureOut">
               <a:rPr lang="en-US" smtClean="0"/>
-              <a:t>8/26/2025</a:t>
+              <a:t>9/3/2025</a:t>
             </a:fld>
             <a:endParaRPr lang="en-US"/>
           </a:p>
@@ -8023,7 +7999,7 @@
           <a:p>
             <a:fld id="{07937F07-1250-4CCE-B198-1B2887014F41}" type="slidenum">
               <a:rPr lang="en-US" smtClean="0"/>
-              <a:t>26</a:t>
+              <a:t>25</a:t>
             </a:fld>
             <a:endParaRPr lang="en-US"/>
           </a:p>
@@ -8047,13 +8023,7 @@
   <p:cSld>
     <p:spTree>
       <p:nvGrpSpPr>
-        <p:cNvPr id="1" name="">
-          <a:extLst>
-            <a:ext uri="{FF2B5EF4-FFF2-40B4-BE49-F238E27FC236}">
-              <a16:creationId xmlns:a16="http://schemas.microsoft.com/office/drawing/2014/main" id="{1D309448-045F-DCF4-08C8-71B08BA14A30}"/>
-            </a:ext>
-          </a:extLst>
-        </p:cNvPr>
+        <p:cNvPr id="1" name=""/>
         <p:cNvGrpSpPr/>
         <p:nvPr/>
       </p:nvGrpSpPr>
@@ -8067,13 +8037,7 @@
       </p:grpSpPr>
       <p:sp>
         <p:nvSpPr>
-          <p:cNvPr id="2" name="Slide Image Placeholder 1">
-            <a:extLst>
-              <a:ext uri="{FF2B5EF4-FFF2-40B4-BE49-F238E27FC236}">
-                <a16:creationId xmlns:a16="http://schemas.microsoft.com/office/drawing/2014/main" id="{5CC86B50-D5C2-3D4F-8EA1-E906894CEB6C}"/>
-              </a:ext>
-            </a:extLst>
-          </p:cNvPr>
+          <p:cNvPr id="2" name="Slide Image Placeholder 1"/>
           <p:cNvSpPr>
             <a:spLocks noGrp="1" noRot="1" noChangeAspect="1"/>
           </p:cNvSpPr>
@@ -8085,13 +8049,7 @@
       </p:sp>
       <p:sp>
         <p:nvSpPr>
-          <p:cNvPr id="3" name="Notes Placeholder 2">
-            <a:extLst>
-              <a:ext uri="{FF2B5EF4-FFF2-40B4-BE49-F238E27FC236}">
-                <a16:creationId xmlns:a16="http://schemas.microsoft.com/office/drawing/2014/main" id="{B9DC8ED7-7DB3-63AF-3386-3FF5518219E7}"/>
-              </a:ext>
-            </a:extLst>
-          </p:cNvPr>
+          <p:cNvPr id="3" name="Notes Placeholder 2"/>
           <p:cNvSpPr>
             <a:spLocks noGrp="1"/>
           </p:cNvSpPr>
@@ -8106,20 +8064,53 @@
           <a:p>
             <a:r>
               <a:rPr lang="en-US" dirty="0"/>
-              <a:t>&lt;Read slide&gt;</a:t>
+              <a:t>Emphasize that VSD is a framework to help reason about value-based choices. It is not a prescription of ethics.</a:t>
+            </a:r>
+          </a:p>
+          <a:p>
+            <a:endParaRPr lang="en-US" dirty="0"/>
+          </a:p>
+          <a:p>
+            <a:r>
+              <a:rPr lang="en-US" dirty="0"/>
+              <a:t>The process of VSD includes three kinds of investigations:</a:t>
+            </a:r>
+          </a:p>
+          <a:p>
+            <a:pPr marL="171450" indent="-171450">
+              <a:buFontTx/>
+              <a:buChar char="-"/>
+            </a:pPr>
+            <a:r>
+              <a:rPr lang="en-US" dirty="0"/>
+              <a:t>Empirical: This is about understanding how the value works in real life based on observations made in the field or from life experiences.</a:t>
+            </a:r>
+          </a:p>
+          <a:p>
+            <a:pPr marL="171450" indent="-171450">
+              <a:buFontTx/>
+              <a:buChar char="-"/>
+            </a:pPr>
+            <a:r>
+              <a:rPr lang="en-US" dirty="0"/>
+              <a:t>Value: Involves identifying stakeholders, thinking about their goals and values and then finally resolving the value tensions arising from conflicting interests of stakeholders.</a:t>
+            </a:r>
+          </a:p>
+          <a:p>
+            <a:pPr marL="171450" indent="-171450">
+              <a:buFontTx/>
+              <a:buChar char="-"/>
+            </a:pPr>
+            <a:r>
+              <a:rPr lang="en-US" dirty="0"/>
+              <a:t>Technical: The technical feasibility of implementing the solutions.</a:t>
             </a:r>
           </a:p>
         </p:txBody>
       </p:sp>
       <p:sp>
         <p:nvSpPr>
-          <p:cNvPr id="4" name="Slide Number Placeholder 3">
-            <a:extLst>
-              <a:ext uri="{FF2B5EF4-FFF2-40B4-BE49-F238E27FC236}">
-                <a16:creationId xmlns:a16="http://schemas.microsoft.com/office/drawing/2014/main" id="{C4F5D71D-6D9D-C256-FC76-6D1CF0E880B9}"/>
-              </a:ext>
-            </a:extLst>
-          </p:cNvPr>
+          <p:cNvPr id="4" name="Slide Number Placeholder 3"/>
           <p:cNvSpPr>
             <a:spLocks noGrp="1"/>
           </p:cNvSpPr>
@@ -8134,7 +8125,7 @@
           <a:p>
             <a:fld id="{07937F07-1250-4CCE-B198-1B2887014F41}" type="slidenum">
               <a:rPr lang="en-US" smtClean="0"/>
-              <a:t>27</a:t>
+              <a:t>26</a:t>
             </a:fld>
             <a:endParaRPr lang="en-US"/>
           </a:p>
@@ -8143,7 +8134,7 @@
     </p:spTree>
     <p:extLst>
       <p:ext uri="{BB962C8B-B14F-4D97-AF65-F5344CB8AC3E}">
-        <p14:creationId xmlns:p14="http://schemas.microsoft.com/office/powerpoint/2010/main" val="510448040"/>
+        <p14:creationId xmlns:p14="http://schemas.microsoft.com/office/powerpoint/2010/main" val="10009787"/>
       </p:ext>
     </p:extLst>
   </p:cSld>
@@ -8158,13 +8149,7 @@
   <p:cSld>
     <p:spTree>
       <p:nvGrpSpPr>
-        <p:cNvPr id="1" name="">
-          <a:extLst>
-            <a:ext uri="{FF2B5EF4-FFF2-40B4-BE49-F238E27FC236}">
-              <a16:creationId xmlns:a16="http://schemas.microsoft.com/office/drawing/2014/main" id="{8C5A2ED5-830E-077D-3F69-FF4BAF436D62}"/>
-            </a:ext>
-          </a:extLst>
-        </p:cNvPr>
+        <p:cNvPr id="1" name=""/>
         <p:cNvGrpSpPr/>
         <p:nvPr/>
       </p:nvGrpSpPr>
@@ -8178,13 +8163,7 @@
       </p:grpSpPr>
       <p:sp>
         <p:nvSpPr>
-          <p:cNvPr id="2" name="Slide Image Placeholder 1">
-            <a:extLst>
-              <a:ext uri="{FF2B5EF4-FFF2-40B4-BE49-F238E27FC236}">
-                <a16:creationId xmlns:a16="http://schemas.microsoft.com/office/drawing/2014/main" id="{618E9456-16D1-7676-8FAE-BDFC28304445}"/>
-              </a:ext>
-            </a:extLst>
-          </p:cNvPr>
+          <p:cNvPr id="2" name="Slide Image Placeholder 1"/>
           <p:cNvSpPr>
             <a:spLocks noGrp="1" noRot="1" noChangeAspect="1"/>
           </p:cNvSpPr>
@@ -8196,13 +8175,7 @@
       </p:sp>
       <p:sp>
         <p:nvSpPr>
-          <p:cNvPr id="3" name="Notes Placeholder 2">
-            <a:extLst>
-              <a:ext uri="{FF2B5EF4-FFF2-40B4-BE49-F238E27FC236}">
-                <a16:creationId xmlns:a16="http://schemas.microsoft.com/office/drawing/2014/main" id="{902AA5CA-E395-C949-D7FD-44D58FD3E033}"/>
-              </a:ext>
-            </a:extLst>
-          </p:cNvPr>
+          <p:cNvPr id="3" name="Notes Placeholder 2"/>
           <p:cNvSpPr>
             <a:spLocks noGrp="1"/>
           </p:cNvSpPr>
@@ -8217,20 +8190,44 @@
           <a:p>
             <a:r>
               <a:rPr lang="en-US" dirty="0"/>
-              <a:t>&lt;read slide&gt;</a:t>
+              <a:t>The slide illustrates how to use VSD to think about a value like informed consent:</a:t>
+            </a:r>
+          </a:p>
+          <a:p>
+            <a:endParaRPr lang="en-US" dirty="0"/>
+          </a:p>
+          <a:p>
+            <a:pPr marL="228600" indent="-228600">
+              <a:buAutoNum type="arabicPeriod"/>
+            </a:pPr>
+            <a:r>
+              <a:rPr lang="en-US" dirty="0"/>
+              <a:t>Do an empirical investigation which involves understanding the meaning of the value. In this case understanding informed consent hinges on four concepts as outlined. Often to understand a value one will have to collaborate with experts in a field such as sociologists, philosophers, domain experts. </a:t>
+            </a:r>
+          </a:p>
+          <a:p>
+            <a:pPr marL="228600" indent="-228600">
+              <a:buAutoNum type="arabicPeriod"/>
+            </a:pPr>
+            <a:r>
+              <a:rPr lang="en-US" dirty="0"/>
+              <a:t>Identify the stakeholders and value tensions. For e.g., the stakeholders here could be site users and site owners. Their interests may align or conflict. For e.g., site users may want to be anonymous, but site owners might want to monetize site usage by sharing personal usage data with advertisers. On the other hand they may align if the site owners want to make accountability and transparently a core value of their operations.</a:t>
+            </a:r>
+          </a:p>
+          <a:p>
+            <a:pPr marL="228600" indent="-228600">
+              <a:buAutoNum type="arabicPeriod"/>
+            </a:pPr>
+            <a:r>
+              <a:rPr lang="en-US" dirty="0"/>
+              <a:t>Cookies in browsers are one way to collect personal information after taking permission from the users.</a:t>
             </a:r>
           </a:p>
         </p:txBody>
       </p:sp>
       <p:sp>
         <p:nvSpPr>
-          <p:cNvPr id="4" name="Slide Number Placeholder 3">
-            <a:extLst>
-              <a:ext uri="{FF2B5EF4-FFF2-40B4-BE49-F238E27FC236}">
-                <a16:creationId xmlns:a16="http://schemas.microsoft.com/office/drawing/2014/main" id="{B78FA531-5655-38B3-8972-813FDBBC4C3D}"/>
-              </a:ext>
-            </a:extLst>
-          </p:cNvPr>
+          <p:cNvPr id="4" name="Slide Number Placeholder 3"/>
           <p:cNvSpPr>
             <a:spLocks noGrp="1"/>
           </p:cNvSpPr>
@@ -8245,7 +8242,7 @@
           <a:p>
             <a:fld id="{07937F07-1250-4CCE-B198-1B2887014F41}" type="slidenum">
               <a:rPr lang="en-US" smtClean="0"/>
-              <a:t>28</a:t>
+              <a:t>27</a:t>
             </a:fld>
             <a:endParaRPr lang="en-US"/>
           </a:p>
@@ -8254,7 +8251,7 @@
     </p:spTree>
     <p:extLst>
       <p:ext uri="{BB962C8B-B14F-4D97-AF65-F5344CB8AC3E}">
-        <p14:creationId xmlns:p14="http://schemas.microsoft.com/office/powerpoint/2010/main" val="2934249416"/>
+        <p14:creationId xmlns:p14="http://schemas.microsoft.com/office/powerpoint/2010/main" val="589351339"/>
       </p:ext>
     </p:extLst>
   </p:cSld>
@@ -8329,7 +8326,7 @@
           <a:p>
             <a:fld id="{07937F07-1250-4CCE-B198-1B2887014F41}" type="slidenum">
               <a:rPr lang="en-US" smtClean="0"/>
-              <a:t>29</a:t>
+              <a:t>28</a:t>
             </a:fld>
             <a:endParaRPr lang="en-US"/>
           </a:p>
@@ -8338,7 +8335,7 @@
     </p:spTree>
     <p:extLst>
       <p:ext uri="{BB962C8B-B14F-4D97-AF65-F5344CB8AC3E}">
-        <p14:creationId xmlns:p14="http://schemas.microsoft.com/office/powerpoint/2010/main" val="3305253114"/>
+        <p14:creationId xmlns:p14="http://schemas.microsoft.com/office/powerpoint/2010/main" val="1638367211"/>
       </p:ext>
     </p:extLst>
   </p:cSld>
@@ -8413,418 +8410,7 @@
           <a:p>
             <a:fld id="{07937F07-1250-4CCE-B198-1B2887014F41}" type="slidenum">
               <a:rPr lang="en-US" smtClean="0"/>
-              <a:t>30</a:t>
-            </a:fld>
-            <a:endParaRPr lang="en-US"/>
-          </a:p>
-        </p:txBody>
-      </p:sp>
-    </p:spTree>
-    <p:extLst>
-      <p:ext uri="{BB962C8B-B14F-4D97-AF65-F5344CB8AC3E}">
-        <p14:creationId xmlns:p14="http://schemas.microsoft.com/office/powerpoint/2010/main" val="829497123"/>
-      </p:ext>
-    </p:extLst>
-  </p:cSld>
-  <p:clrMapOvr>
-    <a:masterClrMapping/>
-  </p:clrMapOvr>
-</p:notes>
-</file>
-
-<file path=ppt/notesSlides/notesSlide25.xml><?xml version="1.0" encoding="utf-8"?>
-<p:notes xmlns:a="http://schemas.openxmlformats.org/drawingml/2006/main" xmlns:r="http://schemas.openxmlformats.org/officeDocument/2006/relationships" xmlns:p="http://schemas.openxmlformats.org/presentationml/2006/main">
-  <p:cSld>
-    <p:spTree>
-      <p:nvGrpSpPr>
-        <p:cNvPr id="1" name=""/>
-        <p:cNvGrpSpPr/>
-        <p:nvPr/>
-      </p:nvGrpSpPr>
-      <p:grpSpPr>
-        <a:xfrm>
-          <a:off x="0" y="0"/>
-          <a:ext cx="0" cy="0"/>
-          <a:chOff x="0" y="0"/>
-          <a:chExt cx="0" cy="0"/>
-        </a:xfrm>
-      </p:grpSpPr>
-      <p:sp>
-        <p:nvSpPr>
-          <p:cNvPr id="2" name="Slide Image Placeholder 1"/>
-          <p:cNvSpPr>
-            <a:spLocks noGrp="1" noRot="1" noChangeAspect="1"/>
-          </p:cNvSpPr>
-          <p:nvPr>
-            <p:ph type="sldImg"/>
-          </p:nvPr>
-        </p:nvSpPr>
-        <p:spPr/>
-      </p:sp>
-      <p:sp>
-        <p:nvSpPr>
-          <p:cNvPr id="3" name="Notes Placeholder 2"/>
-          <p:cNvSpPr>
-            <a:spLocks noGrp="1"/>
-          </p:cNvSpPr>
-          <p:nvPr>
-            <p:ph type="body" idx="1"/>
-          </p:nvPr>
-        </p:nvSpPr>
-        <p:spPr/>
-        <p:txBody>
-          <a:bodyPr/>
-          <a:lstStyle/>
-          <a:p>
-            <a:r>
-              <a:rPr lang="en-US" dirty="0"/>
-              <a:t>Emphasize that VSD is a framework to help reason about value-based choices. It is not a prescription of ethics.</a:t>
-            </a:r>
-          </a:p>
-          <a:p>
-            <a:endParaRPr lang="en-US" dirty="0"/>
-          </a:p>
-          <a:p>
-            <a:r>
-              <a:rPr lang="en-US" dirty="0"/>
-              <a:t>The process of VSD includes three kinds of investigations:</a:t>
-            </a:r>
-          </a:p>
-          <a:p>
-            <a:pPr marL="171450" indent="-171450">
-              <a:buFontTx/>
-              <a:buChar char="-"/>
-            </a:pPr>
-            <a:r>
-              <a:rPr lang="en-US" dirty="0"/>
-              <a:t>Empirical: This is about understanding how the value works in real life based on observations made in the field or from life experiences.</a:t>
-            </a:r>
-          </a:p>
-          <a:p>
-            <a:pPr marL="171450" indent="-171450">
-              <a:buFontTx/>
-              <a:buChar char="-"/>
-            </a:pPr>
-            <a:r>
-              <a:rPr lang="en-US" dirty="0"/>
-              <a:t>Value: Involves identifying stakeholders, thinking about their goals and values and then finally resolving the value tensions arising from conflicting interests of stakeholders.</a:t>
-            </a:r>
-          </a:p>
-          <a:p>
-            <a:pPr marL="171450" indent="-171450">
-              <a:buFontTx/>
-              <a:buChar char="-"/>
-            </a:pPr>
-            <a:r>
-              <a:rPr lang="en-US" dirty="0"/>
-              <a:t>Technical: The technical feasibility of implementing the solutions.</a:t>
-            </a:r>
-          </a:p>
-        </p:txBody>
-      </p:sp>
-      <p:sp>
-        <p:nvSpPr>
-          <p:cNvPr id="4" name="Slide Number Placeholder 3"/>
-          <p:cNvSpPr>
-            <a:spLocks noGrp="1"/>
-          </p:cNvSpPr>
-          <p:nvPr>
-            <p:ph type="sldNum" sz="quarter" idx="5"/>
-          </p:nvPr>
-        </p:nvSpPr>
-        <p:spPr/>
-        <p:txBody>
-          <a:bodyPr/>
-          <a:lstStyle/>
-          <a:p>
-            <a:fld id="{07937F07-1250-4CCE-B198-1B2887014F41}" type="slidenum">
-              <a:rPr lang="en-US" smtClean="0"/>
-              <a:t>31</a:t>
-            </a:fld>
-            <a:endParaRPr lang="en-US"/>
-          </a:p>
-        </p:txBody>
-      </p:sp>
-    </p:spTree>
-    <p:extLst>
-      <p:ext uri="{BB962C8B-B14F-4D97-AF65-F5344CB8AC3E}">
-        <p14:creationId xmlns:p14="http://schemas.microsoft.com/office/powerpoint/2010/main" val="10009787"/>
-      </p:ext>
-    </p:extLst>
-  </p:cSld>
-  <p:clrMapOvr>
-    <a:masterClrMapping/>
-  </p:clrMapOvr>
-</p:notes>
-</file>
-
-<file path=ppt/notesSlides/notesSlide26.xml><?xml version="1.0" encoding="utf-8"?>
-<p:notes xmlns:a="http://schemas.openxmlformats.org/drawingml/2006/main" xmlns:r="http://schemas.openxmlformats.org/officeDocument/2006/relationships" xmlns:p="http://schemas.openxmlformats.org/presentationml/2006/main">
-  <p:cSld>
-    <p:spTree>
-      <p:nvGrpSpPr>
-        <p:cNvPr id="1" name=""/>
-        <p:cNvGrpSpPr/>
-        <p:nvPr/>
-      </p:nvGrpSpPr>
-      <p:grpSpPr>
-        <a:xfrm>
-          <a:off x="0" y="0"/>
-          <a:ext cx="0" cy="0"/>
-          <a:chOff x="0" y="0"/>
-          <a:chExt cx="0" cy="0"/>
-        </a:xfrm>
-      </p:grpSpPr>
-      <p:sp>
-        <p:nvSpPr>
-          <p:cNvPr id="2" name="Slide Image Placeholder 1"/>
-          <p:cNvSpPr>
-            <a:spLocks noGrp="1" noRot="1" noChangeAspect="1"/>
-          </p:cNvSpPr>
-          <p:nvPr>
-            <p:ph type="sldImg"/>
-          </p:nvPr>
-        </p:nvSpPr>
-        <p:spPr/>
-      </p:sp>
-      <p:sp>
-        <p:nvSpPr>
-          <p:cNvPr id="3" name="Notes Placeholder 2"/>
-          <p:cNvSpPr>
-            <a:spLocks noGrp="1"/>
-          </p:cNvSpPr>
-          <p:nvPr>
-            <p:ph type="body" idx="1"/>
-          </p:nvPr>
-        </p:nvSpPr>
-        <p:spPr/>
-        <p:txBody>
-          <a:bodyPr/>
-          <a:lstStyle/>
-          <a:p>
-            <a:r>
-              <a:rPr lang="en-US" dirty="0"/>
-              <a:t>The slide illustrates how to use VSD to think about a value like informed consent:</a:t>
-            </a:r>
-          </a:p>
-          <a:p>
-            <a:endParaRPr lang="en-US" dirty="0"/>
-          </a:p>
-          <a:p>
-            <a:pPr marL="228600" indent="-228600">
-              <a:buAutoNum type="arabicPeriod"/>
-            </a:pPr>
-            <a:r>
-              <a:rPr lang="en-US" dirty="0"/>
-              <a:t>Do an empirical investigation which involves understanding the meaning of the value. In this case understanding informed consent hinges on four concepts as outlined. Often to understand a value one will have to collaborate with experts in a field such as sociologists, philosophers, domain experts. </a:t>
-            </a:r>
-          </a:p>
-          <a:p>
-            <a:pPr marL="228600" indent="-228600">
-              <a:buAutoNum type="arabicPeriod"/>
-            </a:pPr>
-            <a:r>
-              <a:rPr lang="en-US" dirty="0"/>
-              <a:t>Identify the stakeholders and value tensions. For e.g., the stakeholders here could be site users and site owners. Their interests may align or conflict. For e.g., site users may want to be anonymous, but site owners might want to monetize site usage by sharing personal usage data with advertisers. On the other hand they may align if the site owners want to make accountability and transparently a core value of their operations.</a:t>
-            </a:r>
-          </a:p>
-          <a:p>
-            <a:pPr marL="228600" indent="-228600">
-              <a:buAutoNum type="arabicPeriod"/>
-            </a:pPr>
-            <a:r>
-              <a:rPr lang="en-US" dirty="0"/>
-              <a:t>Cookies in browsers are one way to collect personal information after taking permission from the users.</a:t>
-            </a:r>
-          </a:p>
-        </p:txBody>
-      </p:sp>
-      <p:sp>
-        <p:nvSpPr>
-          <p:cNvPr id="4" name="Slide Number Placeholder 3"/>
-          <p:cNvSpPr>
-            <a:spLocks noGrp="1"/>
-          </p:cNvSpPr>
-          <p:nvPr>
-            <p:ph type="sldNum" sz="quarter" idx="5"/>
-          </p:nvPr>
-        </p:nvSpPr>
-        <p:spPr/>
-        <p:txBody>
-          <a:bodyPr/>
-          <a:lstStyle/>
-          <a:p>
-            <a:fld id="{07937F07-1250-4CCE-B198-1B2887014F41}" type="slidenum">
-              <a:rPr lang="en-US" smtClean="0"/>
-              <a:t>32</a:t>
-            </a:fld>
-            <a:endParaRPr lang="en-US"/>
-          </a:p>
-        </p:txBody>
-      </p:sp>
-    </p:spTree>
-    <p:extLst>
-      <p:ext uri="{BB962C8B-B14F-4D97-AF65-F5344CB8AC3E}">
-        <p14:creationId xmlns:p14="http://schemas.microsoft.com/office/powerpoint/2010/main" val="589351339"/>
-      </p:ext>
-    </p:extLst>
-  </p:cSld>
-  <p:clrMapOvr>
-    <a:masterClrMapping/>
-  </p:clrMapOvr>
-</p:notes>
-</file>
-
-<file path=ppt/notesSlides/notesSlide27.xml><?xml version="1.0" encoding="utf-8"?>
-<p:notes xmlns:a="http://schemas.openxmlformats.org/drawingml/2006/main" xmlns:r="http://schemas.openxmlformats.org/officeDocument/2006/relationships" xmlns:p="http://schemas.openxmlformats.org/presentationml/2006/main">
-  <p:cSld>
-    <p:spTree>
-      <p:nvGrpSpPr>
-        <p:cNvPr id="1" name=""/>
-        <p:cNvGrpSpPr/>
-        <p:nvPr/>
-      </p:nvGrpSpPr>
-      <p:grpSpPr>
-        <a:xfrm>
-          <a:off x="0" y="0"/>
-          <a:ext cx="0" cy="0"/>
-          <a:chOff x="0" y="0"/>
-          <a:chExt cx="0" cy="0"/>
-        </a:xfrm>
-      </p:grpSpPr>
-      <p:sp>
-        <p:nvSpPr>
-          <p:cNvPr id="2" name="Slide Image Placeholder 1"/>
-          <p:cNvSpPr>
-            <a:spLocks noGrp="1" noRot="1" noChangeAspect="1"/>
-          </p:cNvSpPr>
-          <p:nvPr>
-            <p:ph type="sldImg"/>
-          </p:nvPr>
-        </p:nvSpPr>
-        <p:spPr/>
-      </p:sp>
-      <p:sp>
-        <p:nvSpPr>
-          <p:cNvPr id="3" name="Notes Placeholder 2"/>
-          <p:cNvSpPr>
-            <a:spLocks noGrp="1"/>
-          </p:cNvSpPr>
-          <p:nvPr>
-            <p:ph type="body" idx="1"/>
-          </p:nvPr>
-        </p:nvSpPr>
-        <p:spPr/>
-        <p:txBody>
-          <a:bodyPr/>
-          <a:lstStyle/>
-          <a:p>
-            <a:endParaRPr lang="en-US" dirty="0"/>
-          </a:p>
-        </p:txBody>
-      </p:sp>
-      <p:sp>
-        <p:nvSpPr>
-          <p:cNvPr id="4" name="Slide Number Placeholder 3"/>
-          <p:cNvSpPr>
-            <a:spLocks noGrp="1"/>
-          </p:cNvSpPr>
-          <p:nvPr>
-            <p:ph type="sldNum" sz="quarter" idx="5"/>
-          </p:nvPr>
-        </p:nvSpPr>
-        <p:spPr/>
-        <p:txBody>
-          <a:bodyPr/>
-          <a:lstStyle/>
-          <a:p>
-            <a:fld id="{07937F07-1250-4CCE-B198-1B2887014F41}" type="slidenum">
-              <a:rPr lang="en-US" smtClean="0"/>
-              <a:t>33</a:t>
-            </a:fld>
-            <a:endParaRPr lang="en-US"/>
-          </a:p>
-        </p:txBody>
-      </p:sp>
-    </p:spTree>
-    <p:extLst>
-      <p:ext uri="{BB962C8B-B14F-4D97-AF65-F5344CB8AC3E}">
-        <p14:creationId xmlns:p14="http://schemas.microsoft.com/office/powerpoint/2010/main" val="1638367211"/>
-      </p:ext>
-    </p:extLst>
-  </p:cSld>
-  <p:clrMapOvr>
-    <a:masterClrMapping/>
-  </p:clrMapOvr>
-</p:notes>
-</file>
-
-<file path=ppt/notesSlides/notesSlide28.xml><?xml version="1.0" encoding="utf-8"?>
-<p:notes xmlns:a="http://schemas.openxmlformats.org/drawingml/2006/main" xmlns:r="http://schemas.openxmlformats.org/officeDocument/2006/relationships" xmlns:p="http://schemas.openxmlformats.org/presentationml/2006/main">
-  <p:cSld>
-    <p:spTree>
-      <p:nvGrpSpPr>
-        <p:cNvPr id="1" name=""/>
-        <p:cNvGrpSpPr/>
-        <p:nvPr/>
-      </p:nvGrpSpPr>
-      <p:grpSpPr>
-        <a:xfrm>
-          <a:off x="0" y="0"/>
-          <a:ext cx="0" cy="0"/>
-          <a:chOff x="0" y="0"/>
-          <a:chExt cx="0" cy="0"/>
-        </a:xfrm>
-      </p:grpSpPr>
-      <p:sp>
-        <p:nvSpPr>
-          <p:cNvPr id="2" name="Slide Image Placeholder 1"/>
-          <p:cNvSpPr>
-            <a:spLocks noGrp="1" noRot="1" noChangeAspect="1"/>
-          </p:cNvSpPr>
-          <p:nvPr>
-            <p:ph type="sldImg"/>
-          </p:nvPr>
-        </p:nvSpPr>
-        <p:spPr/>
-      </p:sp>
-      <p:sp>
-        <p:nvSpPr>
-          <p:cNvPr id="3" name="Notes Placeholder 2"/>
-          <p:cNvSpPr>
-            <a:spLocks noGrp="1"/>
-          </p:cNvSpPr>
-          <p:nvPr>
-            <p:ph type="body" idx="1"/>
-          </p:nvPr>
-        </p:nvSpPr>
-        <p:spPr/>
-        <p:txBody>
-          <a:bodyPr/>
-          <a:lstStyle/>
-          <a:p>
-            <a:endParaRPr lang="en-US" dirty="0"/>
-          </a:p>
-        </p:txBody>
-      </p:sp>
-      <p:sp>
-        <p:nvSpPr>
-          <p:cNvPr id="4" name="Slide Number Placeholder 3"/>
-          <p:cNvSpPr>
-            <a:spLocks noGrp="1"/>
-          </p:cNvSpPr>
-          <p:nvPr>
-            <p:ph type="sldNum" sz="quarter" idx="5"/>
-          </p:nvPr>
-        </p:nvSpPr>
-        <p:spPr/>
-        <p:txBody>
-          <a:bodyPr/>
-          <a:lstStyle/>
-          <a:p>
-            <a:fld id="{07937F07-1250-4CCE-B198-1B2887014F41}" type="slidenum">
-              <a:rPr lang="en-US" smtClean="0"/>
-              <a:t>34</a:t>
+              <a:t>29</a:t>
             </a:fld>
             <a:endParaRPr lang="en-US"/>
           </a:p>
@@ -8834,200 +8420,6 @@
     <p:extLst>
       <p:ext uri="{BB962C8B-B14F-4D97-AF65-F5344CB8AC3E}">
         <p14:creationId xmlns:p14="http://schemas.microsoft.com/office/powerpoint/2010/main" val="2160731417"/>
-      </p:ext>
-    </p:extLst>
-  </p:cSld>
-  <p:clrMapOvr>
-    <a:masterClrMapping/>
-  </p:clrMapOvr>
-</p:notes>
-</file>
-
-<file path=ppt/notesSlides/notesSlide29.xml><?xml version="1.0" encoding="utf-8"?>
-<p:notes xmlns:a="http://schemas.openxmlformats.org/drawingml/2006/main" xmlns:r="http://schemas.openxmlformats.org/officeDocument/2006/relationships" xmlns:p="http://schemas.openxmlformats.org/presentationml/2006/main">
-  <p:cSld>
-    <p:spTree>
-      <p:nvGrpSpPr>
-        <p:cNvPr id="1" name=""/>
-        <p:cNvGrpSpPr/>
-        <p:nvPr/>
-      </p:nvGrpSpPr>
-      <p:grpSpPr>
-        <a:xfrm>
-          <a:off x="0" y="0"/>
-          <a:ext cx="0" cy="0"/>
-          <a:chOff x="0" y="0"/>
-          <a:chExt cx="0" cy="0"/>
-        </a:xfrm>
-      </p:grpSpPr>
-      <p:sp>
-        <p:nvSpPr>
-          <p:cNvPr id="2" name="Slide Image Placeholder 1"/>
-          <p:cNvSpPr>
-            <a:spLocks noGrp="1" noRot="1" noChangeAspect="1"/>
-          </p:cNvSpPr>
-          <p:nvPr>
-            <p:ph type="sldImg"/>
-          </p:nvPr>
-        </p:nvSpPr>
-        <p:spPr/>
-      </p:sp>
-      <p:sp>
-        <p:nvSpPr>
-          <p:cNvPr id="3" name="Notes Placeholder 2"/>
-          <p:cNvSpPr>
-            <a:spLocks noGrp="1"/>
-          </p:cNvSpPr>
-          <p:nvPr>
-            <p:ph type="body" idx="1"/>
-          </p:nvPr>
-        </p:nvSpPr>
-        <p:spPr/>
-        <p:txBody>
-          <a:bodyPr/>
-          <a:lstStyle/>
-          <a:p>
-            <a:r>
-              <a:rPr lang="en-US" dirty="0"/>
-              <a:t>It is essential to consider ethics and values when building technology. Ethics is a branch in Philosophy that explores the moral principles and values that guide human behavior and decision making. There is a growing consensus in CS disciplines such as HCI and software engineering to borrow concepts from ethics to help drive design and implementation of software systems.</a:t>
-            </a:r>
-          </a:p>
-          <a:p>
-            <a:endParaRPr lang="en-US" dirty="0"/>
-          </a:p>
-          <a:p>
-            <a:r>
-              <a:rPr lang="en-US" dirty="0"/>
-              <a:t>Identifying and grappling with value tensions during the requirements and design phase leads to “better” apps, websites, software systems, artificial intelligence, etc. </a:t>
-            </a:r>
-            <a:br>
-              <a:rPr lang="en-US" dirty="0"/>
-            </a:br>
-            <a:endParaRPr lang="en-US" dirty="0"/>
-          </a:p>
-          <a:p>
-            <a:r>
-              <a:rPr lang="en-US" dirty="0"/>
-              <a:t>Let’s consider a common example: informed consent</a:t>
-            </a:r>
-          </a:p>
-          <a:p>
-            <a:r>
-              <a:rPr lang="en-US" dirty="0"/>
-              <a:t>{Optional} Ask students What is Informed consent and how can it be designed in an online environment? </a:t>
-            </a:r>
-          </a:p>
-          <a:p>
-            <a:pPr marL="0" marR="0" lvl="0" indent="0" algn="l" defTabSz="914400" rtl="0" eaLnBrk="1" fontAlgn="auto" latinLnBrk="0" hangingPunct="1">
-              <a:lnSpc>
-                <a:spcPct val="100000"/>
-              </a:lnSpc>
-              <a:spcBef>
-                <a:spcPts val="0"/>
-              </a:spcBef>
-              <a:spcAft>
-                <a:spcPts val="0"/>
-              </a:spcAft>
-              <a:buClrTx/>
-              <a:buSzTx/>
-              <a:buFontTx/>
-              <a:buNone/>
-              <a:tabLst/>
-              <a:defRPr/>
-            </a:pPr>
-            <a:r>
-              <a:rPr lang="en-US" dirty="0"/>
-              <a:t>Cookies and security solutions such as HTTPS are an outcome of an analysis that considers ethical aspects and values such as informed consent</a:t>
-            </a:r>
-          </a:p>
-          <a:p>
-            <a:endParaRPr lang="en-US" dirty="0"/>
-          </a:p>
-          <a:p>
-            <a:r>
-              <a:rPr lang="en-US" dirty="0"/>
-              <a:t>The design hinges on the following constructs:</a:t>
-            </a:r>
-          </a:p>
-          <a:p>
-            <a:pPr marL="171450" indent="-171450">
-              <a:buFontTx/>
-              <a:buChar char="-"/>
-            </a:pPr>
-            <a:r>
-              <a:rPr lang="en-US" dirty="0"/>
-              <a:t>Disclosure refers to providing accurate information on the pros and cons of the action</a:t>
-            </a:r>
-          </a:p>
-          <a:p>
-            <a:pPr marL="171450" indent="-171450">
-              <a:buFontTx/>
-              <a:buChar char="-"/>
-            </a:pPr>
-            <a:r>
-              <a:rPr lang="en-US" dirty="0"/>
-              <a:t>comprehension refers to a user’s accurate interpretation of what is being disclosed</a:t>
-            </a:r>
-          </a:p>
-          <a:p>
-            <a:pPr marL="171450" indent="-171450">
-              <a:buFontTx/>
-              <a:buChar char="-"/>
-            </a:pPr>
-            <a:r>
-              <a:rPr lang="en-US" dirty="0"/>
-              <a:t>Voluntariness refers to ensuring no coercion or control</a:t>
-            </a:r>
-          </a:p>
-          <a:p>
-            <a:pPr marL="171450" indent="-171450">
-              <a:buFontTx/>
-              <a:buChar char="-"/>
-            </a:pPr>
-            <a:r>
-              <a:rPr lang="en-US" dirty="0"/>
-              <a:t>competence refers to an individual’s mental and physical capability to give consent</a:t>
-            </a:r>
-          </a:p>
-          <a:p>
-            <a:pPr marL="171450" indent="-171450">
-              <a:buFontTx/>
-              <a:buChar char="-"/>
-            </a:pPr>
-            <a:r>
-              <a:rPr lang="en-US" dirty="0"/>
-              <a:t>Agreement refers to a clear opportunity to accept or decline</a:t>
-            </a:r>
-          </a:p>
-        </p:txBody>
-      </p:sp>
-      <p:sp>
-        <p:nvSpPr>
-          <p:cNvPr id="4" name="Slide Number Placeholder 3"/>
-          <p:cNvSpPr>
-            <a:spLocks noGrp="1"/>
-          </p:cNvSpPr>
-          <p:nvPr>
-            <p:ph type="sldNum" sz="quarter" idx="5"/>
-          </p:nvPr>
-        </p:nvSpPr>
-        <p:spPr/>
-        <p:txBody>
-          <a:bodyPr/>
-          <a:lstStyle/>
-          <a:p>
-            <a:fld id="{07937F07-1250-4CCE-B198-1B2887014F41}" type="slidenum">
-              <a:rPr lang="en-US" smtClean="0"/>
-              <a:t>35</a:t>
-            </a:fld>
-            <a:endParaRPr lang="en-US"/>
-          </a:p>
-        </p:txBody>
-      </p:sp>
-    </p:spTree>
-    <p:extLst>
-      <p:ext uri="{BB962C8B-B14F-4D97-AF65-F5344CB8AC3E}">
-        <p14:creationId xmlns:p14="http://schemas.microsoft.com/office/powerpoint/2010/main" val="2005210505"/>
       </p:ext>
     </p:extLst>
   </p:cSld>
@@ -9127,779 +8519,6 @@
     <p:extLst>
       <p:ext uri="{BB962C8B-B14F-4D97-AF65-F5344CB8AC3E}">
         <p14:creationId xmlns:p14="http://schemas.microsoft.com/office/powerpoint/2010/main" val="4169133123"/>
-      </p:ext>
-    </p:extLst>
-  </p:cSld>
-  <p:clrMapOvr>
-    <a:masterClrMapping/>
-  </p:clrMapOvr>
-</p:notes>
-</file>
-
-<file path=ppt/notesSlides/notesSlide30.xml><?xml version="1.0" encoding="utf-8"?>
-<p:notes xmlns:a="http://schemas.openxmlformats.org/drawingml/2006/main" xmlns:r="http://schemas.openxmlformats.org/officeDocument/2006/relationships" xmlns:p="http://schemas.openxmlformats.org/presentationml/2006/main">
-  <p:cSld>
-    <p:spTree>
-      <p:nvGrpSpPr>
-        <p:cNvPr id="1" name=""/>
-        <p:cNvGrpSpPr/>
-        <p:nvPr/>
-      </p:nvGrpSpPr>
-      <p:grpSpPr>
-        <a:xfrm>
-          <a:off x="0" y="0"/>
-          <a:ext cx="0" cy="0"/>
-          <a:chOff x="0" y="0"/>
-          <a:chExt cx="0" cy="0"/>
-        </a:xfrm>
-      </p:grpSpPr>
-      <p:sp>
-        <p:nvSpPr>
-          <p:cNvPr id="2" name="Slide Image Placeholder 1"/>
-          <p:cNvSpPr>
-            <a:spLocks noGrp="1" noRot="1" noChangeAspect="1"/>
-          </p:cNvSpPr>
-          <p:nvPr>
-            <p:ph type="sldImg"/>
-          </p:nvPr>
-        </p:nvSpPr>
-        <p:spPr/>
-      </p:sp>
-      <p:sp>
-        <p:nvSpPr>
-          <p:cNvPr id="3" name="Notes Placeholder 2"/>
-          <p:cNvSpPr>
-            <a:spLocks noGrp="1"/>
-          </p:cNvSpPr>
-          <p:nvPr>
-            <p:ph type="body" idx="1"/>
-          </p:nvPr>
-        </p:nvSpPr>
-        <p:spPr/>
-        <p:txBody>
-          <a:bodyPr/>
-          <a:lstStyle/>
-          <a:p>
-            <a:r>
-              <a:rPr lang="en-US" dirty="0"/>
-              <a:t>The Reddit case study will be used to illustrate the different types of investigations involved in the VSD framework.</a:t>
-            </a:r>
-          </a:p>
-          <a:p>
-            <a:endParaRPr lang="en-US" dirty="0"/>
-          </a:p>
-          <a:p>
-            <a:r>
-              <a:rPr lang="en-US" dirty="0"/>
-              <a:t>Like Stack Overflow, Reddit is a platform for discussion. Our hope is that using VSD here will help students align VSD with their final project on Stack Overflow.</a:t>
-            </a:r>
-          </a:p>
-        </p:txBody>
-      </p:sp>
-      <p:sp>
-        <p:nvSpPr>
-          <p:cNvPr id="4" name="Slide Number Placeholder 3"/>
-          <p:cNvSpPr>
-            <a:spLocks noGrp="1"/>
-          </p:cNvSpPr>
-          <p:nvPr>
-            <p:ph type="sldNum" sz="quarter" idx="5"/>
-          </p:nvPr>
-        </p:nvSpPr>
-        <p:spPr/>
-        <p:txBody>
-          <a:bodyPr/>
-          <a:lstStyle/>
-          <a:p>
-            <a:fld id="{07937F07-1250-4CCE-B198-1B2887014F41}" type="slidenum">
-              <a:rPr lang="en-US" smtClean="0"/>
-              <a:t>36</a:t>
-            </a:fld>
-            <a:endParaRPr lang="en-US"/>
-          </a:p>
-        </p:txBody>
-      </p:sp>
-    </p:spTree>
-    <p:extLst>
-      <p:ext uri="{BB962C8B-B14F-4D97-AF65-F5344CB8AC3E}">
-        <p14:creationId xmlns:p14="http://schemas.microsoft.com/office/powerpoint/2010/main" val="944764616"/>
-      </p:ext>
-    </p:extLst>
-  </p:cSld>
-  <p:clrMapOvr>
-    <a:masterClrMapping/>
-  </p:clrMapOvr>
-</p:notes>
-</file>
-
-<file path=ppt/notesSlides/notesSlide31.xml><?xml version="1.0" encoding="utf-8"?>
-<p:notes xmlns:a="http://schemas.openxmlformats.org/drawingml/2006/main" xmlns:r="http://schemas.openxmlformats.org/officeDocument/2006/relationships" xmlns:p="http://schemas.openxmlformats.org/presentationml/2006/main">
-  <p:cSld>
-    <p:spTree>
-      <p:nvGrpSpPr>
-        <p:cNvPr id="1" name=""/>
-        <p:cNvGrpSpPr/>
-        <p:nvPr/>
-      </p:nvGrpSpPr>
-      <p:grpSpPr>
-        <a:xfrm>
-          <a:off x="0" y="0"/>
-          <a:ext cx="0" cy="0"/>
-          <a:chOff x="0" y="0"/>
-          <a:chExt cx="0" cy="0"/>
-        </a:xfrm>
-      </p:grpSpPr>
-      <p:sp>
-        <p:nvSpPr>
-          <p:cNvPr id="2" name="Slide Image Placeholder 1"/>
-          <p:cNvSpPr>
-            <a:spLocks noGrp="1" noRot="1" noChangeAspect="1"/>
-          </p:cNvSpPr>
-          <p:nvPr>
-            <p:ph type="sldImg"/>
-          </p:nvPr>
-        </p:nvSpPr>
-        <p:spPr/>
-      </p:sp>
-      <p:sp>
-        <p:nvSpPr>
-          <p:cNvPr id="3" name="Notes Placeholder 2"/>
-          <p:cNvSpPr>
-            <a:spLocks noGrp="1"/>
-          </p:cNvSpPr>
-          <p:nvPr>
-            <p:ph type="body" idx="1"/>
-          </p:nvPr>
-        </p:nvSpPr>
-        <p:spPr/>
-        <p:txBody>
-          <a:bodyPr/>
-          <a:lstStyle/>
-          <a:p>
-            <a:r>
-              <a:rPr lang="en-US" dirty="0"/>
-              <a:t>Students must first discuss these questions in groups. Below is a sample answer not necessarily the only answer.</a:t>
-            </a:r>
-          </a:p>
-          <a:p>
-            <a:endParaRPr lang="en-US" dirty="0"/>
-          </a:p>
-          <a:p>
-            <a:r>
-              <a:rPr lang="en-US" dirty="0"/>
-              <a:t>Dataset may not be representative as it may not capture all nuances of language (even in English) used in different communities such as slangs, dialects, or culturally specific phrases.</a:t>
-            </a:r>
-          </a:p>
-          <a:p>
-            <a:endParaRPr lang="en-US" dirty="0"/>
-          </a:p>
-          <a:p>
-            <a:r>
-              <a:rPr lang="en-US" dirty="0"/>
-              <a:t>Dataset maybe biased as it may be based on historical posts that were flagged by human moderators. E.g., posts from specific communities were flagged more.</a:t>
-            </a:r>
-          </a:p>
-          <a:p>
-            <a:endParaRPr lang="en-US" dirty="0"/>
-          </a:p>
-          <a:p>
-            <a:r>
-              <a:rPr lang="en-US" dirty="0"/>
-              <a:t>Complications: what constitutes hate speech isn’t clear. For e.g., some words may have been reclaimed by specific communities or posts may use satire to make a point.</a:t>
-            </a:r>
-          </a:p>
-        </p:txBody>
-      </p:sp>
-      <p:sp>
-        <p:nvSpPr>
-          <p:cNvPr id="4" name="Slide Number Placeholder 3"/>
-          <p:cNvSpPr>
-            <a:spLocks noGrp="1"/>
-          </p:cNvSpPr>
-          <p:nvPr>
-            <p:ph type="sldNum" sz="quarter" idx="5"/>
-          </p:nvPr>
-        </p:nvSpPr>
-        <p:spPr/>
-        <p:txBody>
-          <a:bodyPr/>
-          <a:lstStyle/>
-          <a:p>
-            <a:fld id="{07937F07-1250-4CCE-B198-1B2887014F41}" type="slidenum">
-              <a:rPr lang="en-US" smtClean="0"/>
-              <a:t>37</a:t>
-            </a:fld>
-            <a:endParaRPr lang="en-US"/>
-          </a:p>
-        </p:txBody>
-      </p:sp>
-    </p:spTree>
-    <p:extLst>
-      <p:ext uri="{BB962C8B-B14F-4D97-AF65-F5344CB8AC3E}">
-        <p14:creationId xmlns:p14="http://schemas.microsoft.com/office/powerpoint/2010/main" val="1831237000"/>
-      </p:ext>
-    </p:extLst>
-  </p:cSld>
-  <p:clrMapOvr>
-    <a:masterClrMapping/>
-  </p:clrMapOvr>
-</p:notes>
-</file>
-
-<file path=ppt/notesSlides/notesSlide32.xml><?xml version="1.0" encoding="utf-8"?>
-<p:notes xmlns:a="http://schemas.openxmlformats.org/drawingml/2006/main" xmlns:r="http://schemas.openxmlformats.org/officeDocument/2006/relationships" xmlns:p="http://schemas.openxmlformats.org/presentationml/2006/main">
-  <p:cSld>
-    <p:spTree>
-      <p:nvGrpSpPr>
-        <p:cNvPr id="1" name=""/>
-        <p:cNvGrpSpPr/>
-        <p:nvPr/>
-      </p:nvGrpSpPr>
-      <p:grpSpPr>
-        <a:xfrm>
-          <a:off x="0" y="0"/>
-          <a:ext cx="0" cy="0"/>
-          <a:chOff x="0" y="0"/>
-          <a:chExt cx="0" cy="0"/>
-        </a:xfrm>
-      </p:grpSpPr>
-      <p:sp>
-        <p:nvSpPr>
-          <p:cNvPr id="2" name="Slide Image Placeholder 1"/>
-          <p:cNvSpPr>
-            <a:spLocks noGrp="1" noRot="1" noChangeAspect="1"/>
-          </p:cNvSpPr>
-          <p:nvPr>
-            <p:ph type="sldImg"/>
-          </p:nvPr>
-        </p:nvSpPr>
-        <p:spPr/>
-      </p:sp>
-      <p:sp>
-        <p:nvSpPr>
-          <p:cNvPr id="3" name="Notes Placeholder 2"/>
-          <p:cNvSpPr>
-            <a:spLocks noGrp="1"/>
-          </p:cNvSpPr>
-          <p:nvPr>
-            <p:ph type="body" idx="1"/>
-          </p:nvPr>
-        </p:nvSpPr>
-        <p:spPr/>
-        <p:txBody>
-          <a:bodyPr/>
-          <a:lstStyle/>
-          <a:p>
-            <a:r>
-              <a:rPr lang="en-US" dirty="0"/>
-              <a:t>Stakeholder analysis is part of value investigations</a:t>
-            </a:r>
-          </a:p>
-          <a:p>
-            <a:endParaRPr lang="en-US" dirty="0"/>
-          </a:p>
-          <a:p>
-            <a:r>
-              <a:rPr lang="en-US" dirty="0"/>
-              <a:t>Students should reflect about these questions in groups.</a:t>
-            </a:r>
-          </a:p>
-          <a:p>
-            <a:endParaRPr lang="en-US" dirty="0"/>
-          </a:p>
-          <a:p>
-            <a:r>
-              <a:rPr lang="en-US" dirty="0"/>
-              <a:t>Here is a sample answer.</a:t>
-            </a:r>
-          </a:p>
-          <a:p>
-            <a:endParaRPr lang="en-US" dirty="0"/>
-          </a:p>
-          <a:p>
-            <a:r>
-              <a:rPr lang="en-US" dirty="0"/>
-              <a:t>1. Reddit users, moderators, reddit company, advertisers</a:t>
-            </a:r>
-          </a:p>
-          <a:p>
-            <a:r>
-              <a:rPr lang="en-US" dirty="0"/>
-              <a:t>2. Interests/Values</a:t>
-            </a:r>
-          </a:p>
-          <a:p>
-            <a:r>
-              <a:rPr lang="en-US" dirty="0"/>
-              <a:t>  Users: free expression, accurate information, entertainment, anonymity, privacy</a:t>
-            </a:r>
-          </a:p>
-          <a:p>
-            <a:r>
-              <a:rPr lang="en-US" dirty="0"/>
-              <a:t>  Moderators: consistent enforcement of rules, reduced workload, ability to correct mistakes, maintain subreddit culture, transparency</a:t>
-            </a:r>
-          </a:p>
-          <a:p>
-            <a:r>
-              <a:rPr lang="en-US" dirty="0"/>
-              <a:t>  company: user engagement, revenue, accountability,  building brand image, legal compliance</a:t>
-            </a:r>
-          </a:p>
-          <a:p>
-            <a:r>
-              <a:rPr lang="en-US" dirty="0"/>
-              <a:t>  advertisers: user reach, low cost, profit, seamless integration with content</a:t>
-            </a:r>
-          </a:p>
-          <a:p>
-            <a:r>
-              <a:rPr lang="en-US" dirty="0"/>
-              <a:t>3. Conflicts</a:t>
-            </a:r>
-            <a:br>
-              <a:rPr lang="en-US" dirty="0"/>
-            </a:br>
-            <a:r>
-              <a:rPr lang="en-US" dirty="0"/>
-              <a:t>    free expression vs. content moderation or legal compliance, accurate info vs. entertainment, user autonomy vs. advertiser revenue, anonymity vs. transparence</a:t>
-            </a:r>
-          </a:p>
-          <a:p>
-            <a:r>
-              <a:rPr lang="en-US" dirty="0"/>
-              <a:t>4. Prioritization depends on personal goals and values. They key thing to realize is that this process does not recommend values, it provides a framework to reason about them based on the identified tensions.</a:t>
-            </a:r>
-            <a:br>
-              <a:rPr lang="en-US" dirty="0"/>
-            </a:br>
-            <a:r>
-              <a:rPr lang="en-US" dirty="0"/>
-              <a:t>    </a:t>
-            </a:r>
-          </a:p>
-          <a:p>
-            <a:r>
-              <a:rPr lang="en-US" dirty="0"/>
-              <a:t>	</a:t>
-            </a:r>
-          </a:p>
-        </p:txBody>
-      </p:sp>
-      <p:sp>
-        <p:nvSpPr>
-          <p:cNvPr id="4" name="Slide Number Placeholder 3"/>
-          <p:cNvSpPr>
-            <a:spLocks noGrp="1"/>
-          </p:cNvSpPr>
-          <p:nvPr>
-            <p:ph type="sldNum" sz="quarter" idx="5"/>
-          </p:nvPr>
-        </p:nvSpPr>
-        <p:spPr/>
-        <p:txBody>
-          <a:bodyPr/>
-          <a:lstStyle/>
-          <a:p>
-            <a:fld id="{07937F07-1250-4CCE-B198-1B2887014F41}" type="slidenum">
-              <a:rPr lang="en-US" smtClean="0"/>
-              <a:t>38</a:t>
-            </a:fld>
-            <a:endParaRPr lang="en-US"/>
-          </a:p>
-        </p:txBody>
-      </p:sp>
-    </p:spTree>
-    <p:extLst>
-      <p:ext uri="{BB962C8B-B14F-4D97-AF65-F5344CB8AC3E}">
-        <p14:creationId xmlns:p14="http://schemas.microsoft.com/office/powerpoint/2010/main" val="3164459113"/>
-      </p:ext>
-    </p:extLst>
-  </p:cSld>
-  <p:clrMapOvr>
-    <a:masterClrMapping/>
-  </p:clrMapOvr>
-</p:notes>
-</file>
-
-<file path=ppt/notesSlides/notesSlide33.xml><?xml version="1.0" encoding="utf-8"?>
-<p:notes xmlns:a="http://schemas.openxmlformats.org/drawingml/2006/main" xmlns:r="http://schemas.openxmlformats.org/officeDocument/2006/relationships" xmlns:p="http://schemas.openxmlformats.org/presentationml/2006/main">
-  <p:cSld>
-    <p:spTree>
-      <p:nvGrpSpPr>
-        <p:cNvPr id="1" name=""/>
-        <p:cNvGrpSpPr/>
-        <p:nvPr/>
-      </p:nvGrpSpPr>
-      <p:grpSpPr>
-        <a:xfrm>
-          <a:off x="0" y="0"/>
-          <a:ext cx="0" cy="0"/>
-          <a:chOff x="0" y="0"/>
-          <a:chExt cx="0" cy="0"/>
-        </a:xfrm>
-      </p:grpSpPr>
-      <p:sp>
-        <p:nvSpPr>
-          <p:cNvPr id="2" name="Slide Image Placeholder 1"/>
-          <p:cNvSpPr>
-            <a:spLocks noGrp="1" noRot="1" noChangeAspect="1"/>
-          </p:cNvSpPr>
-          <p:nvPr>
-            <p:ph type="sldImg"/>
-          </p:nvPr>
-        </p:nvSpPr>
-        <p:spPr/>
-      </p:sp>
-      <p:sp>
-        <p:nvSpPr>
-          <p:cNvPr id="3" name="Notes Placeholder 2"/>
-          <p:cNvSpPr>
-            <a:spLocks noGrp="1"/>
-          </p:cNvSpPr>
-          <p:nvPr>
-            <p:ph type="body" idx="1"/>
-          </p:nvPr>
-        </p:nvSpPr>
-        <p:spPr/>
-        <p:txBody>
-          <a:bodyPr/>
-          <a:lstStyle/>
-          <a:p>
-            <a:r>
-              <a:rPr lang="en-US" dirty="0"/>
-              <a:t>Students should discuss these questions in groups but here is a sample answer. The primary purpose is to realize the tensions when designing features. </a:t>
-            </a:r>
-          </a:p>
-          <a:p>
-            <a:endParaRPr lang="en-US" dirty="0"/>
-          </a:p>
-          <a:p>
-            <a:pPr marL="228600" indent="-228600">
-              <a:buAutoNum type="arabicPeriod"/>
-            </a:pPr>
-            <a:r>
-              <a:rPr lang="en-US" dirty="0"/>
-              <a:t>Reddit removing user’s post might impinge on users’ right to freely express themselves. On the other hand, removing posts with known misinformation might encourage free speech by protecting the channels through which discussions happen. If posts with known hate speech is removed, then it protects the victims from being sidelined from the discourse.</a:t>
-            </a:r>
-          </a:p>
-          <a:p>
-            <a:pPr marL="228600" indent="-228600">
-              <a:buAutoNum type="arabicPeriod"/>
-            </a:pPr>
-            <a:r>
-              <a:rPr lang="en-US" dirty="0"/>
-              <a:t>Impinges on users’ right to freely express and also prevents other users from being exposed to different perspectives.</a:t>
-            </a:r>
-          </a:p>
-          <a:p>
-            <a:pPr marL="228600" indent="-228600">
-              <a:buAutoNum type="arabicPeriod"/>
-            </a:pPr>
-            <a:r>
-              <a:rPr lang="en-US" dirty="0"/>
-              <a:t>Excludes views of certain groups from the discourse.</a:t>
-            </a:r>
-          </a:p>
-          <a:p>
-            <a:pPr marL="228600" indent="-228600">
-              <a:buAutoNum type="arabicPeriod"/>
-            </a:pPr>
-            <a:r>
-              <a:rPr lang="en-US" dirty="0"/>
-              <a:t>The proposed requirement will foster free speech as free speech in not just about an individual’s right to free expression but it is also about protecting the channels through which everyone’s voices can be heard. It is also about creating an environment where individuals will learn and grow their thinking from the discussions. Hence, the moderation is only good if it is transparent and minimizes bias.</a:t>
-            </a:r>
-          </a:p>
-        </p:txBody>
-      </p:sp>
-      <p:sp>
-        <p:nvSpPr>
-          <p:cNvPr id="4" name="Slide Number Placeholder 3"/>
-          <p:cNvSpPr>
-            <a:spLocks noGrp="1"/>
-          </p:cNvSpPr>
-          <p:nvPr>
-            <p:ph type="sldNum" sz="quarter" idx="5"/>
-          </p:nvPr>
-        </p:nvSpPr>
-        <p:spPr/>
-        <p:txBody>
-          <a:bodyPr/>
-          <a:lstStyle/>
-          <a:p>
-            <a:fld id="{07937F07-1250-4CCE-B198-1B2887014F41}" type="slidenum">
-              <a:rPr lang="en-US" smtClean="0"/>
-              <a:t>39</a:t>
-            </a:fld>
-            <a:endParaRPr lang="en-US"/>
-          </a:p>
-        </p:txBody>
-      </p:sp>
-    </p:spTree>
-    <p:extLst>
-      <p:ext uri="{BB962C8B-B14F-4D97-AF65-F5344CB8AC3E}">
-        <p14:creationId xmlns:p14="http://schemas.microsoft.com/office/powerpoint/2010/main" val="1312031197"/>
-      </p:ext>
-    </p:extLst>
-  </p:cSld>
-  <p:clrMapOvr>
-    <a:masterClrMapping/>
-  </p:clrMapOvr>
-</p:notes>
-</file>
-
-<file path=ppt/notesSlides/notesSlide34.xml><?xml version="1.0" encoding="utf-8"?>
-<p:notes xmlns:a="http://schemas.openxmlformats.org/drawingml/2006/main" xmlns:r="http://schemas.openxmlformats.org/officeDocument/2006/relationships" xmlns:p="http://schemas.openxmlformats.org/presentationml/2006/main">
-  <p:cSld>
-    <p:spTree>
-      <p:nvGrpSpPr>
-        <p:cNvPr id="1" name=""/>
-        <p:cNvGrpSpPr/>
-        <p:nvPr/>
-      </p:nvGrpSpPr>
-      <p:grpSpPr>
-        <a:xfrm>
-          <a:off x="0" y="0"/>
-          <a:ext cx="0" cy="0"/>
-          <a:chOff x="0" y="0"/>
-          <a:chExt cx="0" cy="0"/>
-        </a:xfrm>
-      </p:grpSpPr>
-      <p:sp>
-        <p:nvSpPr>
-          <p:cNvPr id="2" name="Slide Image Placeholder 1"/>
-          <p:cNvSpPr>
-            <a:spLocks noGrp="1" noRot="1" noChangeAspect="1"/>
-          </p:cNvSpPr>
-          <p:nvPr>
-            <p:ph type="sldImg"/>
-          </p:nvPr>
-        </p:nvSpPr>
-        <p:spPr/>
-      </p:sp>
-      <p:sp>
-        <p:nvSpPr>
-          <p:cNvPr id="3" name="Notes Placeholder 2"/>
-          <p:cNvSpPr>
-            <a:spLocks noGrp="1"/>
-          </p:cNvSpPr>
-          <p:nvPr>
-            <p:ph type="body" idx="1"/>
-          </p:nvPr>
-        </p:nvSpPr>
-        <p:spPr/>
-        <p:txBody>
-          <a:bodyPr/>
-          <a:lstStyle/>
-          <a:p>
-            <a:r>
-              <a:rPr lang="en-US" dirty="0"/>
-              <a:t>The students should pick a requirement based on their analysis. There is no correct answer as long as students are able to defend their choice.</a:t>
-            </a:r>
-          </a:p>
-          <a:p>
-            <a:endParaRPr lang="en-US" dirty="0"/>
-          </a:p>
-          <a:p>
-            <a:endParaRPr lang="en-US" i="1" dirty="0"/>
-          </a:p>
-        </p:txBody>
-      </p:sp>
-      <p:sp>
-        <p:nvSpPr>
-          <p:cNvPr id="4" name="Slide Number Placeholder 3"/>
-          <p:cNvSpPr>
-            <a:spLocks noGrp="1"/>
-          </p:cNvSpPr>
-          <p:nvPr>
-            <p:ph type="sldNum" sz="quarter" idx="5"/>
-          </p:nvPr>
-        </p:nvSpPr>
-        <p:spPr/>
-        <p:txBody>
-          <a:bodyPr/>
-          <a:lstStyle/>
-          <a:p>
-            <a:fld id="{07937F07-1250-4CCE-B198-1B2887014F41}" type="slidenum">
-              <a:rPr lang="en-US" smtClean="0"/>
-              <a:t>40</a:t>
-            </a:fld>
-            <a:endParaRPr lang="en-US"/>
-          </a:p>
-        </p:txBody>
-      </p:sp>
-    </p:spTree>
-    <p:extLst>
-      <p:ext uri="{BB962C8B-B14F-4D97-AF65-F5344CB8AC3E}">
-        <p14:creationId xmlns:p14="http://schemas.microsoft.com/office/powerpoint/2010/main" val="2111607470"/>
-      </p:ext>
-    </p:extLst>
-  </p:cSld>
-  <p:clrMapOvr>
-    <a:masterClrMapping/>
-  </p:clrMapOvr>
-</p:notes>
-</file>
-
-<file path=ppt/notesSlides/notesSlide35.xml><?xml version="1.0" encoding="utf-8"?>
-<p:notes xmlns:a="http://schemas.openxmlformats.org/drawingml/2006/main" xmlns:r="http://schemas.openxmlformats.org/officeDocument/2006/relationships" xmlns:p="http://schemas.openxmlformats.org/presentationml/2006/main">
-  <p:cSld>
-    <p:spTree>
-      <p:nvGrpSpPr>
-        <p:cNvPr id="1" name=""/>
-        <p:cNvGrpSpPr/>
-        <p:nvPr/>
-      </p:nvGrpSpPr>
-      <p:grpSpPr>
-        <a:xfrm>
-          <a:off x="0" y="0"/>
-          <a:ext cx="0" cy="0"/>
-          <a:chOff x="0" y="0"/>
-          <a:chExt cx="0" cy="0"/>
-        </a:xfrm>
-      </p:grpSpPr>
-      <p:sp>
-        <p:nvSpPr>
-          <p:cNvPr id="2" name="Slide Image Placeholder 1"/>
-          <p:cNvSpPr>
-            <a:spLocks noGrp="1" noRot="1" noChangeAspect="1"/>
-          </p:cNvSpPr>
-          <p:nvPr>
-            <p:ph type="sldImg"/>
-          </p:nvPr>
-        </p:nvSpPr>
-        <p:spPr/>
-      </p:sp>
-      <p:sp>
-        <p:nvSpPr>
-          <p:cNvPr id="3" name="Notes Placeholder 2"/>
-          <p:cNvSpPr>
-            <a:spLocks noGrp="1"/>
-          </p:cNvSpPr>
-          <p:nvPr>
-            <p:ph type="body" idx="1"/>
-          </p:nvPr>
-        </p:nvSpPr>
-        <p:spPr/>
-        <p:txBody>
-          <a:bodyPr/>
-          <a:lstStyle/>
-          <a:p>
-            <a:r>
-              <a:rPr lang="en-US" dirty="0"/>
-              <a:t>This is an after-class activity.</a:t>
-            </a:r>
-          </a:p>
-          <a:p>
-            <a:endParaRPr lang="en-US" dirty="0"/>
-          </a:p>
-          <a:p>
-            <a:r>
-              <a:rPr lang="en-US" dirty="0"/>
-              <a:t>A sample user story based on the first requirement in the previous slide:</a:t>
-            </a:r>
-          </a:p>
-          <a:p>
-            <a:endParaRPr lang="en-US" dirty="0"/>
-          </a:p>
-          <a:p>
-            <a:r>
-              <a:rPr lang="en-US" i="1" dirty="0"/>
-              <a:t>As a </a:t>
-            </a:r>
-            <a:r>
-              <a:rPr lang="en-US" b="1" i="1" dirty="0"/>
-              <a:t>content creator </a:t>
-            </a:r>
-            <a:r>
-              <a:rPr lang="en-US" i="1" dirty="0"/>
-              <a:t>I want to express my opinions without offending any person so that I can contribute to a discussion in a constructive way</a:t>
-            </a:r>
-          </a:p>
-          <a:p>
-            <a:endParaRPr lang="en-US" i="1" dirty="0"/>
-          </a:p>
-          <a:p>
-            <a:r>
-              <a:rPr lang="en-US" i="1" dirty="0"/>
-              <a:t>Conditions of satisfaction:</a:t>
-            </a:r>
-          </a:p>
-          <a:p>
-            <a:endParaRPr lang="en-US" i="1" dirty="0"/>
-          </a:p>
-          <a:p>
-            <a:r>
-              <a:rPr lang="en-US" i="1" dirty="0"/>
-              <a:t>(E) I should be able to view my post in the forum if the post was not flagged</a:t>
-            </a:r>
-          </a:p>
-          <a:p>
-            <a:r>
-              <a:rPr lang="en-US" i="1" dirty="0"/>
-              <a:t>(E) I should be able to see a content warning with a reason for the warning if my post was flagged</a:t>
-            </a:r>
-          </a:p>
-          <a:p>
-            <a:r>
-              <a:rPr lang="en-US" i="1" dirty="0"/>
-              <a:t>(E) I should not be able to post if it was flagged</a:t>
-            </a:r>
-          </a:p>
-          <a:p>
-            <a:r>
-              <a:rPr lang="en-US" i="1" dirty="0"/>
-              <a:t>(E) I should be able to raise an appeal if my post was flagged</a:t>
-            </a:r>
-          </a:p>
-          <a:p>
-            <a:r>
-              <a:rPr lang="en-US" i="1" dirty="0"/>
-              <a:t>(D) I should receive a notification if my post was posted after review of flagged post</a:t>
-            </a:r>
-          </a:p>
-          <a:p>
-            <a:r>
-              <a:rPr lang="en-US" i="1" dirty="0"/>
-              <a:t>(E) I should be able to see a history of my flagged posts to help me better understand the forum’s policy on improper speech</a:t>
-            </a:r>
-          </a:p>
-          <a:p>
-            <a:r>
-              <a:rPr lang="en-US" i="1" dirty="0"/>
-              <a:t>(Ex) I should be able to see which official policy rule was violated if my post is flagged</a:t>
-            </a:r>
-            <a:endParaRPr lang="en-US" dirty="0"/>
-          </a:p>
-        </p:txBody>
-      </p:sp>
-      <p:sp>
-        <p:nvSpPr>
-          <p:cNvPr id="4" name="Slide Number Placeholder 3"/>
-          <p:cNvSpPr>
-            <a:spLocks noGrp="1"/>
-          </p:cNvSpPr>
-          <p:nvPr>
-            <p:ph type="sldNum" sz="quarter" idx="5"/>
-          </p:nvPr>
-        </p:nvSpPr>
-        <p:spPr/>
-        <p:txBody>
-          <a:bodyPr/>
-          <a:lstStyle/>
-          <a:p>
-            <a:fld id="{07937F07-1250-4CCE-B198-1B2887014F41}" type="slidenum">
-              <a:rPr lang="en-US" smtClean="0"/>
-              <a:t>41</a:t>
-            </a:fld>
-            <a:endParaRPr lang="en-US"/>
-          </a:p>
-        </p:txBody>
-      </p:sp>
-    </p:spTree>
-    <p:extLst>
-      <p:ext uri="{BB962C8B-B14F-4D97-AF65-F5344CB8AC3E}">
-        <p14:creationId xmlns:p14="http://schemas.microsoft.com/office/powerpoint/2010/main" val="1902003111"/>
       </p:ext>
     </p:extLst>
   </p:cSld>
@@ -10901,7 +9520,7 @@
           <a:p>
             <a:fld id="{5D2A64DE-480B-420F-9649-4F8E696E08E0}" type="datetime1">
               <a:rPr lang="en-US" smtClean="0"/>
-              <a:t>8/26/2025</a:t>
+              <a:t>9/3/2025</a:t>
             </a:fld>
             <a:endParaRPr lang="en-US"/>
           </a:p>
@@ -11225,7 +9844,7 @@
           <a:p>
             <a:fld id="{EA476A42-A091-4468-A075-64A31BE59948}" type="datetime1">
               <a:rPr lang="en-US" smtClean="0"/>
-              <a:t>8/26/2025</a:t>
+              <a:t>9/3/2025</a:t>
             </a:fld>
             <a:endParaRPr lang="en-US"/>
           </a:p>
@@ -11423,7 +10042,7 @@
           <a:p>
             <a:fld id="{0D3616D0-8311-4107-9726-6B805E7D05BA}" type="datetime1">
               <a:rPr lang="en-US" smtClean="0"/>
-              <a:t>8/26/2025</a:t>
+              <a:t>9/3/2025</a:t>
             </a:fld>
             <a:endParaRPr lang="en-US"/>
           </a:p>
@@ -11631,7 +10250,7 @@
           <a:p>
             <a:fld id="{3BC2557A-5C88-417A-A763-5AC779462A5F}" type="datetime1">
               <a:rPr lang="en-US" smtClean="0"/>
-              <a:t>8/26/2025</a:t>
+              <a:t>9/3/2025</a:t>
             </a:fld>
             <a:endParaRPr lang="en-US"/>
           </a:p>
@@ -12155,7 +10774,7 @@
           <a:p>
             <a:fld id="{07C7BFD4-467E-4EDE-93EA-052F5B39A4E5}" type="datetime1">
               <a:rPr lang="en-US" smtClean="0"/>
-              <a:t>8/26/2025</a:t>
+              <a:t>9/3/2025</a:t>
             </a:fld>
             <a:endParaRPr lang="en-US"/>
           </a:p>
@@ -12405,7 +11024,7 @@
           <a:p>
             <a:fld id="{07C7BFD4-467E-4EDE-93EA-052F5B39A4E5}" type="datetime1">
               <a:rPr lang="en-US" smtClean="0"/>
-              <a:t>8/26/2025</a:t>
+              <a:t>9/3/2025</a:t>
             </a:fld>
             <a:endParaRPr lang="en-US"/>
           </a:p>
@@ -12587,7 +11206,7 @@
           <a:p>
             <a:fld id="{109E55A0-C911-4F03-82FC-7E5926047D46}" type="datetime1">
               <a:rPr lang="en-US" smtClean="0"/>
-              <a:t>8/26/2025</a:t>
+              <a:t>9/3/2025</a:t>
             </a:fld>
             <a:endParaRPr lang="en-US"/>
           </a:p>
@@ -12900,7 +11519,7 @@
           <a:p>
             <a:fld id="{A533CBE2-D5BE-47AC-ADC2-9CDFC1D0CF90}" type="datetime1">
               <a:rPr lang="en-US" smtClean="0"/>
-              <a:t>8/26/2025</a:t>
+              <a:t>9/3/2025</a:t>
             </a:fld>
             <a:endParaRPr lang="en-US"/>
           </a:p>
@@ -13201,7 +11820,7 @@
           <a:p>
             <a:fld id="{39B7EDB1-CE74-4951-85A2-0B01C2128E28}" type="datetime1">
               <a:rPr lang="en-US" smtClean="0"/>
-              <a:t>8/26/2025</a:t>
+              <a:t>9/3/2025</a:t>
             </a:fld>
             <a:endParaRPr lang="en-US"/>
           </a:p>
@@ -13649,7 +12268,7 @@
           <a:p>
             <a:fld id="{2BC7EB92-A5C2-4807-A9DC-9EDE6CBFB241}" type="datetime1">
               <a:rPr lang="en-US" smtClean="0"/>
-              <a:t>8/26/2025</a:t>
+              <a:t>9/3/2025</a:t>
             </a:fld>
             <a:endParaRPr lang="en-US"/>
           </a:p>
@@ -13762,7 +12381,7 @@
           <a:p>
             <a:fld id="{2B7B7EE0-7771-4CD5-9B2B-3550753A54A1}" type="datetime1">
               <a:rPr lang="en-US" smtClean="0"/>
-              <a:t>8/26/2025</a:t>
+              <a:t>9/3/2025</a:t>
             </a:fld>
             <a:endParaRPr lang="en-US"/>
           </a:p>
@@ -14073,7 +12692,7 @@
           <a:p>
             <a:fld id="{F8B318B3-0E87-4416-A9B8-D891968C2727}" type="datetime1">
               <a:rPr lang="en-US" smtClean="0"/>
-              <a:t>8/26/2025</a:t>
+              <a:t>9/3/2025</a:t>
             </a:fld>
             <a:endParaRPr lang="en-US"/>
           </a:p>
@@ -14314,7 +12933,7 @@
           <a:p>
             <a:fld id="{54D997E8-DDEE-43F1-8D9B-F8A1E11DE488}" type="datetime1">
               <a:rPr lang="en-US" smtClean="0"/>
-              <a:t>8/26/2025</a:t>
+              <a:t>9/3/2025</a:t>
             </a:fld>
             <a:endParaRPr lang="en-US"/>
           </a:p>
@@ -18425,118 +17044,6 @@
   <p:cSld>
     <p:spTree>
       <p:nvGrpSpPr>
-        <p:cNvPr id="1" name=""/>
-        <p:cNvGrpSpPr/>
-        <p:nvPr/>
-      </p:nvGrpSpPr>
-      <p:grpSpPr>
-        <a:xfrm>
-          <a:off x="0" y="0"/>
-          <a:ext cx="0" cy="0"/>
-          <a:chOff x="0" y="0"/>
-          <a:chExt cx="0" cy="0"/>
-        </a:xfrm>
-      </p:grpSpPr>
-      <p:sp>
-        <p:nvSpPr>
-          <p:cNvPr id="2" name="Title 1">
-            <a:extLst>
-              <a:ext uri="{FF2B5EF4-FFF2-40B4-BE49-F238E27FC236}">
-                <a16:creationId xmlns:a16="http://schemas.microsoft.com/office/drawing/2014/main" id="{E1A75E89-1D90-7489-00D4-B96439527CA8}"/>
-              </a:ext>
-            </a:extLst>
-          </p:cNvPr>
-          <p:cNvSpPr>
-            <a:spLocks noGrp="1"/>
-          </p:cNvSpPr>
-          <p:nvPr>
-            <p:ph type="title"/>
-          </p:nvPr>
-        </p:nvSpPr>
-        <p:spPr/>
-        <p:txBody>
-          <a:bodyPr/>
-          <a:lstStyle/>
-          <a:p>
-            <a:r>
-              <a:rPr lang="en-US" dirty="0"/>
-              <a:t>EVERYTHING PAST HERE IS CURRENTLY HIDDEN</a:t>
-            </a:r>
-          </a:p>
-        </p:txBody>
-      </p:sp>
-      <p:sp>
-        <p:nvSpPr>
-          <p:cNvPr id="3" name="Content Placeholder 2">
-            <a:extLst>
-              <a:ext uri="{FF2B5EF4-FFF2-40B4-BE49-F238E27FC236}">
-                <a16:creationId xmlns:a16="http://schemas.microsoft.com/office/drawing/2014/main" id="{CF8F3E74-7EE8-585C-5F0C-4FA1E00F251F}"/>
-              </a:ext>
-            </a:extLst>
-          </p:cNvPr>
-          <p:cNvSpPr>
-            <a:spLocks noGrp="1"/>
-          </p:cNvSpPr>
-          <p:nvPr>
-            <p:ph idx="1"/>
-          </p:nvPr>
-        </p:nvSpPr>
-        <p:spPr/>
-        <p:txBody>
-          <a:bodyPr/>
-          <a:lstStyle/>
-          <a:p>
-            <a:endParaRPr lang="en-US"/>
-          </a:p>
-        </p:txBody>
-      </p:sp>
-      <p:sp>
-        <p:nvSpPr>
-          <p:cNvPr id="4" name="Slide Number Placeholder 3">
-            <a:extLst>
-              <a:ext uri="{FF2B5EF4-FFF2-40B4-BE49-F238E27FC236}">
-                <a16:creationId xmlns:a16="http://schemas.microsoft.com/office/drawing/2014/main" id="{F27AB2EB-5678-83DB-3A9F-B9149F3D3495}"/>
-              </a:ext>
-            </a:extLst>
-          </p:cNvPr>
-          <p:cNvSpPr>
-            <a:spLocks noGrp="1"/>
-          </p:cNvSpPr>
-          <p:nvPr>
-            <p:ph type="sldNum" sz="quarter" idx="12"/>
-          </p:nvPr>
-        </p:nvSpPr>
-        <p:spPr/>
-        <p:txBody>
-          <a:bodyPr/>
-          <a:lstStyle/>
-          <a:p>
-            <a:fld id="{20F37917-FD3A-4669-9018-DA04BCDD3D75}" type="slidenum">
-              <a:rPr lang="en-US" smtClean="0"/>
-              <a:t>25</a:t>
-            </a:fld>
-            <a:endParaRPr lang="en-US"/>
-          </a:p>
-        </p:txBody>
-      </p:sp>
-    </p:spTree>
-    <p:extLst>
-      <p:ext uri="{BB962C8B-B14F-4D97-AF65-F5344CB8AC3E}">
-        <p14:creationId xmlns:p14="http://schemas.microsoft.com/office/powerpoint/2010/main" val="3013415274"/>
-      </p:ext>
-    </p:extLst>
-  </p:cSld>
-  <p:clrMapOvr>
-    <a:masterClrMapping/>
-  </p:clrMapOvr>
-</p:sld>
-</file>
-
-<file path=ppt/slides/slide26.xml><?xml version="1.0" encoding="utf-8"?>
-<p:sld xmlns:a="http://schemas.openxmlformats.org/drawingml/2006/main" xmlns:r="http://schemas.openxmlformats.org/officeDocument/2006/relationships" xmlns:p="http://schemas.openxmlformats.org/presentationml/2006/main" show="0">
-  <p:cSld>
-    <p:spTree>
-      <p:nvGrpSpPr>
         <p:cNvPr id="1" name="">
           <a:extLst>
             <a:ext uri="{FF2B5EF4-FFF2-40B4-BE49-F238E27FC236}">
@@ -18690,7 +17197,7 @@
           <a:p>
             <a:fld id="{20F37917-FD3A-4669-9018-DA04BCDD3D75}" type="slidenum">
               <a:rPr lang="en-US" smtClean="0"/>
-              <a:t>26</a:t>
+              <a:t>25</a:t>
             </a:fld>
             <a:endParaRPr lang="en-US"/>
           </a:p>
@@ -18709,18 +17216,12 @@
 </p:sld>
 </file>
 
-<file path=ppt/slides/slide27.xml><?xml version="1.0" encoding="utf-8"?>
+<file path=ppt/slides/slide26.xml><?xml version="1.0" encoding="utf-8"?>
 <p:sld xmlns:a="http://schemas.openxmlformats.org/drawingml/2006/main" xmlns:r="http://schemas.openxmlformats.org/officeDocument/2006/relationships" xmlns:p="http://schemas.openxmlformats.org/presentationml/2006/main" show="0">
   <p:cSld>
     <p:spTree>
       <p:nvGrpSpPr>
-        <p:cNvPr id="1" name="">
-          <a:extLst>
-            <a:ext uri="{FF2B5EF4-FFF2-40B4-BE49-F238E27FC236}">
-              <a16:creationId xmlns:a16="http://schemas.microsoft.com/office/drawing/2014/main" id="{E6082207-F1DE-0D9F-4DBF-BBD3C2ACC5AF}"/>
-            </a:ext>
-          </a:extLst>
-        </p:cNvPr>
+        <p:cNvPr id="1" name=""/>
         <p:cNvGrpSpPr/>
         <p:nvPr/>
       </p:nvGrpSpPr>
@@ -18737,7 +17238,7 @@
           <p:cNvPr id="2" name="Title 1">
             <a:extLst>
               <a:ext uri="{FF2B5EF4-FFF2-40B4-BE49-F238E27FC236}">
-                <a16:creationId xmlns:a16="http://schemas.microsoft.com/office/drawing/2014/main" id="{6366EE92-3ECC-F02A-DCD0-4B8F52EA1970}"/>
+                <a16:creationId xmlns:a16="http://schemas.microsoft.com/office/drawing/2014/main" id="{A1BC45B7-C3B3-528F-B1BB-79C1B4293EE0}"/>
               </a:ext>
             </a:extLst>
           </p:cNvPr>
@@ -18750,14 +17251,150 @@
         </p:nvSpPr>
         <p:spPr/>
         <p:txBody>
+          <a:bodyPr/>
+          <a:lstStyle/>
+          <a:p>
+            <a:r>
+              <a:rPr lang="en-US" dirty="0"/>
+              <a:t>Value Sensitive Design (VSD) in Brief</a:t>
+            </a:r>
+          </a:p>
+        </p:txBody>
+      </p:sp>
+      <p:sp>
+        <p:nvSpPr>
+          <p:cNvPr id="3" name="Content Placeholder 2">
+            <a:extLst>
+              <a:ext uri="{FF2B5EF4-FFF2-40B4-BE49-F238E27FC236}">
+                <a16:creationId xmlns:a16="http://schemas.microsoft.com/office/drawing/2014/main" id="{45CBFF48-4524-5C3E-6779-236CBCD0B337}"/>
+              </a:ext>
+            </a:extLst>
+          </p:cNvPr>
+          <p:cNvSpPr>
+            <a:spLocks noGrp="1"/>
+          </p:cNvSpPr>
+          <p:nvPr>
+            <p:ph idx="1"/>
+          </p:nvPr>
+        </p:nvSpPr>
+        <p:spPr>
+          <a:xfrm>
+            <a:off x="838200" y="1500160"/>
+            <a:ext cx="4701363" cy="4351338"/>
+          </a:xfrm>
+        </p:spPr>
+        <p:txBody>
           <a:bodyPr>
-            <a:normAutofit/>
+            <a:normAutofit fontScale="85000" lnSpcReduction="20000"/>
           </a:bodyPr>
           <a:lstStyle/>
           <a:p>
-            <a:r>
-              <a:rPr lang="en-US" dirty="0"/>
-              <a:t>Example: Informed Consent in Stack Overflow</a:t>
+            <a:pPr marL="0" indent="0">
+              <a:buNone/>
+            </a:pPr>
+            <a:r>
+              <a:rPr lang="en-US" dirty="0"/>
+              <a:t>VSD is a(n) . . . </a:t>
+            </a:r>
+          </a:p>
+          <a:p>
+            <a:pPr marL="0" indent="0">
+              <a:buNone/>
+            </a:pPr>
+            <a:endParaRPr lang="en-US" dirty="0"/>
+          </a:p>
+          <a:p>
+            <a:pPr marL="0" indent="0">
+              <a:buNone/>
+            </a:pPr>
+            <a:r>
+              <a:rPr lang="en-US" b="1" dirty="0"/>
+              <a:t>Outlook</a:t>
+            </a:r>
+            <a:r>
+              <a:rPr lang="en-US" dirty="0"/>
+              <a:t> for seeing the values in technology design</a:t>
+            </a:r>
+          </a:p>
+          <a:p>
+            <a:pPr marL="0" indent="0">
+              <a:buNone/>
+            </a:pPr>
+            <a:endParaRPr lang="en-US" dirty="0"/>
+          </a:p>
+          <a:p>
+            <a:pPr marL="0" indent="0">
+              <a:buNone/>
+            </a:pPr>
+            <a:r>
+              <a:rPr lang="en-US" b="1" dirty="0"/>
+              <a:t>Process</a:t>
+            </a:r>
+            <a:r>
+              <a:rPr lang="en-US" dirty="0"/>
+              <a:t> for making value-based choices within design</a:t>
+            </a:r>
+          </a:p>
+          <a:p>
+            <a:r>
+              <a:rPr lang="en-US" dirty="0"/>
+              <a:t>Combines </a:t>
+            </a:r>
+            <a:r>
+              <a:rPr lang="en-US" b="1" dirty="0">
+                <a:solidFill>
+                  <a:srgbClr val="FF0000"/>
+                </a:solidFill>
+              </a:rPr>
+              <a:t>empirical</a:t>
+            </a:r>
+            <a:r>
+              <a:rPr lang="en-US" dirty="0"/>
+              <a:t>, </a:t>
+            </a:r>
+            <a:r>
+              <a:rPr lang="en-US" b="1" dirty="0">
+                <a:solidFill>
+                  <a:srgbClr val="FF0000"/>
+                </a:solidFill>
+              </a:rPr>
+              <a:t>value</a:t>
+            </a:r>
+            <a:r>
+              <a:rPr lang="en-US" dirty="0"/>
+              <a:t>, and </a:t>
+            </a:r>
+            <a:r>
+              <a:rPr lang="en-US" b="1" dirty="0">
+                <a:solidFill>
+                  <a:srgbClr val="FF0000"/>
+                </a:solidFill>
+              </a:rPr>
+              <a:t>technical</a:t>
+            </a:r>
+            <a:r>
+              <a:rPr lang="en-US" dirty="0"/>
+              <a:t> investigations</a:t>
+            </a:r>
+          </a:p>
+          <a:p>
+            <a:r>
+              <a:rPr lang="en-US" dirty="0"/>
+              <a:t>Design solutions that incorporate the values held by </a:t>
+            </a:r>
+            <a:r>
+              <a:rPr lang="en-US" b="1" dirty="0"/>
+              <a:t>stakeholders</a:t>
+            </a:r>
+          </a:p>
+          <a:p>
+            <a:r>
+              <a:rPr lang="en-US" dirty="0"/>
+              <a:t>Considers problems and solutions from </a:t>
+            </a:r>
+            <a:r>
+              <a:rPr lang="en-US" b="1" dirty="0"/>
+              <a:t>diverse perspectives</a:t>
             </a:r>
           </a:p>
         </p:txBody>
@@ -18767,7 +17404,7 @@
           <p:cNvPr id="4" name="Slide Number Placeholder 3">
             <a:extLst>
               <a:ext uri="{FF2B5EF4-FFF2-40B4-BE49-F238E27FC236}">
-                <a16:creationId xmlns:a16="http://schemas.microsoft.com/office/drawing/2014/main" id="{184B5427-74ED-2A6C-ED65-C23409AEA655}"/>
+                <a16:creationId xmlns:a16="http://schemas.microsoft.com/office/drawing/2014/main" id="{52F51AE8-7E6C-E80A-9C51-1DDE96887DEC}"/>
               </a:ext>
             </a:extLst>
           </p:cNvPr>
@@ -18785,7 +17422,7 @@
           <a:p>
             <a:fld id="{20F37917-FD3A-4669-9018-DA04BCDD3D75}" type="slidenum">
               <a:rPr lang="en-US" smtClean="0"/>
-              <a:t>27</a:t>
+              <a:t>26</a:t>
             </a:fld>
             <a:endParaRPr lang="en-US"/>
           </a:p>
@@ -18796,7 +17433,1042 @@
           <p:cNvPr id="5" name="Content Placeholder 2">
             <a:extLst>
               <a:ext uri="{FF2B5EF4-FFF2-40B4-BE49-F238E27FC236}">
-                <a16:creationId xmlns:a16="http://schemas.microsoft.com/office/drawing/2014/main" id="{6E8040BE-5D0F-EB4F-A19A-376BA1257C9B}"/>
+                <a16:creationId xmlns:a16="http://schemas.microsoft.com/office/drawing/2014/main" id="{FAA45642-A29F-F5B7-7D27-AC7467651222}"/>
+              </a:ext>
+            </a:extLst>
+          </p:cNvPr>
+          <p:cNvSpPr txBox="1">
+            <a:spLocks/>
+          </p:cNvSpPr>
+          <p:nvPr/>
+        </p:nvSpPr>
+        <p:spPr>
+          <a:xfrm>
+            <a:off x="6498265" y="1500160"/>
+            <a:ext cx="4701363" cy="4351338"/>
+          </a:xfrm>
+          <a:prstGeom prst="rect">
+            <a:avLst/>
+          </a:prstGeom>
+        </p:spPr>
+        <p:txBody>
+          <a:bodyPr vert="horz" lIns="91440" tIns="45720" rIns="91440" bIns="45720" rtlCol="0">
+            <a:normAutofit fontScale="85000" lnSpcReduction="20000"/>
+          </a:bodyPr>
+          <a:lstStyle>
+            <a:lvl1pPr marL="228600" indent="-228600" algn="l" defTabSz="914400" rtl="0" eaLnBrk="1" latinLnBrk="0" hangingPunct="1">
+              <a:lnSpc>
+                <a:spcPct val="90000"/>
+              </a:lnSpc>
+              <a:spcBef>
+                <a:spcPts val="1000"/>
+              </a:spcBef>
+              <a:buFont typeface="Arial" panose="020B0604020202020204" pitchFamily="34" charset="0"/>
+              <a:buChar char="•"/>
+              <a:defRPr sz="2800" kern="1200">
+                <a:solidFill>
+                  <a:schemeClr val="tx1"/>
+                </a:solidFill>
+                <a:latin typeface="+mn-lt"/>
+                <a:ea typeface="+mn-ea"/>
+                <a:cs typeface="+mn-cs"/>
+              </a:defRPr>
+            </a:lvl1pPr>
+            <a:lvl2pPr marL="685800" indent="-228600" algn="l" defTabSz="914400" rtl="0" eaLnBrk="1" latinLnBrk="0" hangingPunct="1">
+              <a:lnSpc>
+                <a:spcPct val="90000"/>
+              </a:lnSpc>
+              <a:spcBef>
+                <a:spcPts val="500"/>
+              </a:spcBef>
+              <a:buFont typeface="Arial" panose="020B0604020202020204" pitchFamily="34" charset="0"/>
+              <a:buChar char="•"/>
+              <a:defRPr sz="2400" kern="1200">
+                <a:solidFill>
+                  <a:schemeClr val="tx1"/>
+                </a:solidFill>
+                <a:latin typeface="+mn-lt"/>
+                <a:ea typeface="+mn-ea"/>
+                <a:cs typeface="+mn-cs"/>
+              </a:defRPr>
+            </a:lvl2pPr>
+            <a:lvl3pPr marL="1143000" indent="-228600" algn="l" defTabSz="914400" rtl="0" eaLnBrk="1" latinLnBrk="0" hangingPunct="1">
+              <a:lnSpc>
+                <a:spcPct val="90000"/>
+              </a:lnSpc>
+              <a:spcBef>
+                <a:spcPts val="500"/>
+              </a:spcBef>
+              <a:buFont typeface="Arial" panose="020B0604020202020204" pitchFamily="34" charset="0"/>
+              <a:buChar char="•"/>
+              <a:defRPr sz="2000" kern="1200">
+                <a:solidFill>
+                  <a:schemeClr val="tx1"/>
+                </a:solidFill>
+                <a:latin typeface="+mn-lt"/>
+                <a:ea typeface="+mn-ea"/>
+                <a:cs typeface="+mn-cs"/>
+              </a:defRPr>
+            </a:lvl3pPr>
+            <a:lvl4pPr marL="1600200" indent="-228600" algn="l" defTabSz="914400" rtl="0" eaLnBrk="1" latinLnBrk="0" hangingPunct="1">
+              <a:lnSpc>
+                <a:spcPct val="90000"/>
+              </a:lnSpc>
+              <a:spcBef>
+                <a:spcPts val="500"/>
+              </a:spcBef>
+              <a:buFont typeface="Arial" panose="020B0604020202020204" pitchFamily="34" charset="0"/>
+              <a:buChar char="•"/>
+              <a:defRPr sz="1800" kern="1200">
+                <a:solidFill>
+                  <a:schemeClr val="tx1"/>
+                </a:solidFill>
+                <a:latin typeface="+mn-lt"/>
+                <a:ea typeface="+mn-ea"/>
+                <a:cs typeface="+mn-cs"/>
+              </a:defRPr>
+            </a:lvl4pPr>
+            <a:lvl5pPr marL="2057400" indent="-228600" algn="l" defTabSz="914400" rtl="0" eaLnBrk="1" latinLnBrk="0" hangingPunct="1">
+              <a:lnSpc>
+                <a:spcPct val="90000"/>
+              </a:lnSpc>
+              <a:spcBef>
+                <a:spcPts val="500"/>
+              </a:spcBef>
+              <a:buFont typeface="Arial" panose="020B0604020202020204" pitchFamily="34" charset="0"/>
+              <a:buChar char="•"/>
+              <a:defRPr sz="1800" kern="1200">
+                <a:solidFill>
+                  <a:schemeClr val="tx1"/>
+                </a:solidFill>
+                <a:latin typeface="+mn-lt"/>
+                <a:ea typeface="+mn-ea"/>
+                <a:cs typeface="+mn-cs"/>
+              </a:defRPr>
+            </a:lvl5pPr>
+            <a:lvl6pPr marL="2514600" indent="-228600" algn="l" defTabSz="914400" rtl="0" eaLnBrk="1" latinLnBrk="0" hangingPunct="1">
+              <a:lnSpc>
+                <a:spcPct val="90000"/>
+              </a:lnSpc>
+              <a:spcBef>
+                <a:spcPts val="500"/>
+              </a:spcBef>
+              <a:buFont typeface="Arial" panose="020B0604020202020204" pitchFamily="34" charset="0"/>
+              <a:buChar char="•"/>
+              <a:defRPr sz="1800" kern="1200">
+                <a:solidFill>
+                  <a:schemeClr val="tx1"/>
+                </a:solidFill>
+                <a:latin typeface="+mn-lt"/>
+                <a:ea typeface="+mn-ea"/>
+                <a:cs typeface="+mn-cs"/>
+              </a:defRPr>
+            </a:lvl6pPr>
+            <a:lvl7pPr marL="2971800" indent="-228600" algn="l" defTabSz="914400" rtl="0" eaLnBrk="1" latinLnBrk="0" hangingPunct="1">
+              <a:lnSpc>
+                <a:spcPct val="90000"/>
+              </a:lnSpc>
+              <a:spcBef>
+                <a:spcPts val="500"/>
+              </a:spcBef>
+              <a:buFont typeface="Arial" panose="020B0604020202020204" pitchFamily="34" charset="0"/>
+              <a:buChar char="•"/>
+              <a:defRPr sz="1800" kern="1200">
+                <a:solidFill>
+                  <a:schemeClr val="tx1"/>
+                </a:solidFill>
+                <a:latin typeface="+mn-lt"/>
+                <a:ea typeface="+mn-ea"/>
+                <a:cs typeface="+mn-cs"/>
+              </a:defRPr>
+            </a:lvl7pPr>
+            <a:lvl8pPr marL="3429000" indent="-228600" algn="l" defTabSz="914400" rtl="0" eaLnBrk="1" latinLnBrk="0" hangingPunct="1">
+              <a:lnSpc>
+                <a:spcPct val="90000"/>
+              </a:lnSpc>
+              <a:spcBef>
+                <a:spcPts val="500"/>
+              </a:spcBef>
+              <a:buFont typeface="Arial" panose="020B0604020202020204" pitchFamily="34" charset="0"/>
+              <a:buChar char="•"/>
+              <a:defRPr sz="1800" kern="1200">
+                <a:solidFill>
+                  <a:schemeClr val="tx1"/>
+                </a:solidFill>
+                <a:latin typeface="+mn-lt"/>
+                <a:ea typeface="+mn-ea"/>
+                <a:cs typeface="+mn-cs"/>
+              </a:defRPr>
+            </a:lvl8pPr>
+            <a:lvl9pPr marL="3886200" indent="-228600" algn="l" defTabSz="914400" rtl="0" eaLnBrk="1" latinLnBrk="0" hangingPunct="1">
+              <a:lnSpc>
+                <a:spcPct val="90000"/>
+              </a:lnSpc>
+              <a:spcBef>
+                <a:spcPts val="500"/>
+              </a:spcBef>
+              <a:buFont typeface="Arial" panose="020B0604020202020204" pitchFamily="34" charset="0"/>
+              <a:buChar char="•"/>
+              <a:defRPr sz="1800" kern="1200">
+                <a:solidFill>
+                  <a:schemeClr val="tx1"/>
+                </a:solidFill>
+                <a:latin typeface="+mn-lt"/>
+                <a:ea typeface="+mn-ea"/>
+                <a:cs typeface="+mn-cs"/>
+              </a:defRPr>
+            </a:lvl9pPr>
+          </a:lstStyle>
+          <a:p>
+            <a:pPr marL="0" indent="0">
+              <a:buFont typeface="Arial" panose="020B0604020202020204" pitchFamily="34" charset="0"/>
+              <a:buNone/>
+            </a:pPr>
+            <a:r>
+              <a:rPr lang="en-US" dirty="0"/>
+              <a:t>VSD is not . . . </a:t>
+            </a:r>
+          </a:p>
+          <a:p>
+            <a:pPr marL="0" indent="0">
+              <a:buFont typeface="Arial" panose="020B0604020202020204" pitchFamily="34" charset="0"/>
+              <a:buNone/>
+            </a:pPr>
+            <a:endParaRPr lang="en-US" dirty="0"/>
+          </a:p>
+          <a:p>
+            <a:pPr marL="0" indent="0">
+              <a:buFont typeface="Arial" panose="020B0604020202020204" pitchFamily="34" charset="0"/>
+              <a:buNone/>
+            </a:pPr>
+            <a:r>
+              <a:rPr lang="en-US" dirty="0"/>
+              <a:t>A moral framework or system of ethics</a:t>
+            </a:r>
+          </a:p>
+          <a:p>
+            <a:r>
+              <a:rPr lang="en-US" dirty="0"/>
+              <a:t>It does not prescribe decisions to make</a:t>
+            </a:r>
+          </a:p>
+          <a:p>
+            <a:r>
+              <a:rPr lang="en-US" dirty="0"/>
+              <a:t>It incorporates values reflections in the choosing process</a:t>
+            </a:r>
+          </a:p>
+          <a:p>
+            <a:pPr marL="0" indent="0">
+              <a:buNone/>
+            </a:pPr>
+            <a:r>
+              <a:rPr lang="en-US" dirty="0"/>
+              <a:t>It is not an algorithm for making decisions</a:t>
+            </a:r>
+          </a:p>
+          <a:p>
+            <a:r>
+              <a:rPr lang="en-US" dirty="0"/>
+              <a:t>Often, there are no easy answers</a:t>
+            </a:r>
+          </a:p>
+          <a:p>
+            <a:r>
+              <a:rPr lang="en-US" dirty="0"/>
+              <a:t>Takes sustained commitment</a:t>
+            </a:r>
+          </a:p>
+        </p:txBody>
+      </p:sp>
+    </p:spTree>
+    <p:extLst>
+      <p:ext uri="{BB962C8B-B14F-4D97-AF65-F5344CB8AC3E}">
+        <p14:creationId xmlns:p14="http://schemas.microsoft.com/office/powerpoint/2010/main" val="1894503580"/>
+      </p:ext>
+    </p:extLst>
+  </p:cSld>
+  <p:clrMapOvr>
+    <a:masterClrMapping/>
+  </p:clrMapOvr>
+</p:sld>
+</file>
+
+<file path=ppt/slides/slide27.xml><?xml version="1.0" encoding="utf-8"?>
+<p:sld xmlns:a="http://schemas.openxmlformats.org/drawingml/2006/main" xmlns:r="http://schemas.openxmlformats.org/officeDocument/2006/relationships" xmlns:p="http://schemas.openxmlformats.org/presentationml/2006/main" show="0">
+  <p:cSld>
+    <p:spTree>
+      <p:nvGrpSpPr>
+        <p:cNvPr id="1" name=""/>
+        <p:cNvGrpSpPr/>
+        <p:nvPr/>
+      </p:nvGrpSpPr>
+      <p:grpSpPr>
+        <a:xfrm>
+          <a:off x="0" y="0"/>
+          <a:ext cx="0" cy="0"/>
+          <a:chOff x="0" y="0"/>
+          <a:chExt cx="0" cy="0"/>
+        </a:xfrm>
+      </p:grpSpPr>
+      <p:sp>
+        <p:nvSpPr>
+          <p:cNvPr id="2" name="Title 1">
+            <a:extLst>
+              <a:ext uri="{FF2B5EF4-FFF2-40B4-BE49-F238E27FC236}">
+                <a16:creationId xmlns:a16="http://schemas.microsoft.com/office/drawing/2014/main" id="{D057E31F-9432-D273-E657-9160918E2DFC}"/>
+              </a:ext>
+            </a:extLst>
+          </p:cNvPr>
+          <p:cNvSpPr>
+            <a:spLocks noGrp="1"/>
+          </p:cNvSpPr>
+          <p:nvPr>
+            <p:ph type="title"/>
+          </p:nvPr>
+        </p:nvSpPr>
+        <p:spPr/>
+        <p:txBody>
+          <a:bodyPr/>
+          <a:lstStyle/>
+          <a:p>
+            <a:r>
+              <a:rPr lang="en-US" dirty="0"/>
+              <a:t>Motivating Example – Informed Consent</a:t>
+            </a:r>
+          </a:p>
+        </p:txBody>
+      </p:sp>
+      <p:sp>
+        <p:nvSpPr>
+          <p:cNvPr id="3" name="Content Placeholder 2">
+            <a:extLst>
+              <a:ext uri="{FF2B5EF4-FFF2-40B4-BE49-F238E27FC236}">
+                <a16:creationId xmlns:a16="http://schemas.microsoft.com/office/drawing/2014/main" id="{A47FEDD6-9257-06C3-64D2-A03956520DFA}"/>
+              </a:ext>
+            </a:extLst>
+          </p:cNvPr>
+          <p:cNvSpPr>
+            <a:spLocks noGrp="1"/>
+          </p:cNvSpPr>
+          <p:nvPr>
+            <p:ph idx="1"/>
+          </p:nvPr>
+        </p:nvSpPr>
+        <p:spPr>
+          <a:xfrm>
+            <a:off x="838200" y="1542364"/>
+            <a:ext cx="3563678" cy="4856190"/>
+          </a:xfrm>
+        </p:spPr>
+        <p:txBody>
+          <a:bodyPr>
+            <a:normAutofit fontScale="85000" lnSpcReduction="20000"/>
+          </a:bodyPr>
+          <a:lstStyle/>
+          <a:p>
+            <a:pPr marL="0" indent="0">
+              <a:buNone/>
+            </a:pPr>
+            <a:r>
+              <a:rPr lang="en-US" sz="3300" dirty="0">
+                <a:solidFill>
+                  <a:srgbClr val="FF0000"/>
+                </a:solidFill>
+              </a:rPr>
+              <a:t>Empirical Investigation:</a:t>
+            </a:r>
+          </a:p>
+          <a:p>
+            <a:pPr>
+              <a:buFont typeface="Wingdings" pitchFamily="2" charset="2"/>
+              <a:buChar char="v"/>
+            </a:pPr>
+            <a:r>
+              <a:rPr lang="en-US" dirty="0"/>
+              <a:t> </a:t>
+            </a:r>
+            <a:r>
+              <a:rPr lang="en-US" sz="3100" dirty="0"/>
+              <a:t>Understand what we mean by informed consent, encompasses:</a:t>
+            </a:r>
+          </a:p>
+          <a:p>
+            <a:pPr lvl="1">
+              <a:buFont typeface="Wingdings" pitchFamily="2" charset="2"/>
+              <a:buChar char="Ø"/>
+            </a:pPr>
+            <a:r>
+              <a:rPr lang="en-US" dirty="0"/>
+              <a:t> Disclosure. Do we know the pros and cons of taking an action?</a:t>
+            </a:r>
+          </a:p>
+          <a:p>
+            <a:pPr lvl="1">
+              <a:buFont typeface="Wingdings" pitchFamily="2" charset="2"/>
+              <a:buChar char="Ø"/>
+            </a:pPr>
+            <a:r>
+              <a:rPr lang="en-US" dirty="0"/>
+              <a:t>Comprehension. Do we understand the disclosures?</a:t>
+            </a:r>
+          </a:p>
+          <a:p>
+            <a:pPr lvl="1">
+              <a:buFont typeface="Wingdings" pitchFamily="2" charset="2"/>
+              <a:buChar char="Ø"/>
+            </a:pPr>
+            <a:r>
+              <a:rPr lang="en-US" dirty="0"/>
+              <a:t>Voluntariness. Is there coercion or manipulation?</a:t>
+            </a:r>
+          </a:p>
+          <a:p>
+            <a:pPr lvl="1">
+              <a:buFont typeface="Wingdings" pitchFamily="2" charset="2"/>
+              <a:buChar char="Ø"/>
+            </a:pPr>
+            <a:r>
+              <a:rPr lang="en-US" dirty="0"/>
+              <a:t>Agreement. Is there a clear opportunity to consent or not?</a:t>
+            </a:r>
+          </a:p>
+          <a:p>
+            <a:pPr lvl="1">
+              <a:buFont typeface="Wingdings" pitchFamily="2" charset="2"/>
+              <a:buChar char="Ø"/>
+            </a:pPr>
+            <a:r>
+              <a:rPr lang="en-US" dirty="0"/>
+              <a:t>Competence. Are we capable to give consent?</a:t>
+            </a:r>
+          </a:p>
+          <a:p>
+            <a:pPr>
+              <a:buFont typeface="Wingdings" pitchFamily="2" charset="2"/>
+              <a:buChar char="v"/>
+            </a:pPr>
+            <a:endParaRPr lang="en-US" dirty="0"/>
+          </a:p>
+          <a:p>
+            <a:pPr marL="0" indent="0">
+              <a:buNone/>
+            </a:pPr>
+            <a:endParaRPr lang="en-US" dirty="0"/>
+          </a:p>
+          <a:p>
+            <a:pPr lvl="1"/>
+            <a:endParaRPr lang="en-US" dirty="0"/>
+          </a:p>
+        </p:txBody>
+      </p:sp>
+      <p:sp>
+        <p:nvSpPr>
+          <p:cNvPr id="4" name="Slide Number Placeholder 3">
+            <a:extLst>
+              <a:ext uri="{FF2B5EF4-FFF2-40B4-BE49-F238E27FC236}">
+                <a16:creationId xmlns:a16="http://schemas.microsoft.com/office/drawing/2014/main" id="{1A309984-5F97-FD9B-DE57-02FEB834038B}"/>
+              </a:ext>
+            </a:extLst>
+          </p:cNvPr>
+          <p:cNvSpPr>
+            <a:spLocks noGrp="1"/>
+          </p:cNvSpPr>
+          <p:nvPr>
+            <p:ph type="sldNum" sz="quarter" idx="12"/>
+          </p:nvPr>
+        </p:nvSpPr>
+        <p:spPr/>
+        <p:txBody>
+          <a:bodyPr/>
+          <a:lstStyle/>
+          <a:p>
+            <a:fld id="{20F37917-FD3A-4669-9018-DA04BCDD3D75}" type="slidenum">
+              <a:rPr lang="en-US" smtClean="0"/>
+              <a:t>27</a:t>
+            </a:fld>
+            <a:endParaRPr lang="en-US"/>
+          </a:p>
+        </p:txBody>
+      </p:sp>
+      <p:sp>
+        <p:nvSpPr>
+          <p:cNvPr id="5" name="Content Placeholder 2">
+            <a:extLst>
+              <a:ext uri="{FF2B5EF4-FFF2-40B4-BE49-F238E27FC236}">
+                <a16:creationId xmlns:a16="http://schemas.microsoft.com/office/drawing/2014/main" id="{7C8C59BE-2B9E-3A09-FADE-C47010207B67}"/>
+              </a:ext>
+            </a:extLst>
+          </p:cNvPr>
+          <p:cNvSpPr txBox="1">
+            <a:spLocks/>
+          </p:cNvSpPr>
+          <p:nvPr/>
+        </p:nvSpPr>
+        <p:spPr>
+          <a:xfrm>
+            <a:off x="4531242" y="1500160"/>
+            <a:ext cx="3804684" cy="4351338"/>
+          </a:xfrm>
+          <a:prstGeom prst="rect">
+            <a:avLst/>
+          </a:prstGeom>
+        </p:spPr>
+        <p:txBody>
+          <a:bodyPr vert="horz" lIns="91440" tIns="45720" rIns="91440" bIns="45720" rtlCol="0">
+            <a:normAutofit/>
+          </a:bodyPr>
+          <a:lstStyle>
+            <a:lvl1pPr marL="228600" indent="-228600" algn="l" defTabSz="914400" rtl="0" eaLnBrk="1" latinLnBrk="0" hangingPunct="1">
+              <a:lnSpc>
+                <a:spcPct val="90000"/>
+              </a:lnSpc>
+              <a:spcBef>
+                <a:spcPts val="1000"/>
+              </a:spcBef>
+              <a:buFont typeface="Arial" panose="020B0604020202020204" pitchFamily="34" charset="0"/>
+              <a:buChar char="•"/>
+              <a:defRPr sz="2800" kern="1200">
+                <a:solidFill>
+                  <a:schemeClr val="tx1"/>
+                </a:solidFill>
+                <a:latin typeface="+mn-lt"/>
+                <a:ea typeface="+mn-ea"/>
+                <a:cs typeface="+mn-cs"/>
+              </a:defRPr>
+            </a:lvl1pPr>
+            <a:lvl2pPr marL="685800" indent="-228600" algn="l" defTabSz="914400" rtl="0" eaLnBrk="1" latinLnBrk="0" hangingPunct="1">
+              <a:lnSpc>
+                <a:spcPct val="90000"/>
+              </a:lnSpc>
+              <a:spcBef>
+                <a:spcPts val="500"/>
+              </a:spcBef>
+              <a:buFont typeface="Arial" panose="020B0604020202020204" pitchFamily="34" charset="0"/>
+              <a:buChar char="•"/>
+              <a:defRPr sz="2400" kern="1200">
+                <a:solidFill>
+                  <a:schemeClr val="tx1"/>
+                </a:solidFill>
+                <a:latin typeface="+mn-lt"/>
+                <a:ea typeface="+mn-ea"/>
+                <a:cs typeface="+mn-cs"/>
+              </a:defRPr>
+            </a:lvl2pPr>
+            <a:lvl3pPr marL="1143000" indent="-228600" algn="l" defTabSz="914400" rtl="0" eaLnBrk="1" latinLnBrk="0" hangingPunct="1">
+              <a:lnSpc>
+                <a:spcPct val="90000"/>
+              </a:lnSpc>
+              <a:spcBef>
+                <a:spcPts val="500"/>
+              </a:spcBef>
+              <a:buFont typeface="Arial" panose="020B0604020202020204" pitchFamily="34" charset="0"/>
+              <a:buChar char="•"/>
+              <a:defRPr sz="2000" kern="1200">
+                <a:solidFill>
+                  <a:schemeClr val="tx1"/>
+                </a:solidFill>
+                <a:latin typeface="+mn-lt"/>
+                <a:ea typeface="+mn-ea"/>
+                <a:cs typeface="+mn-cs"/>
+              </a:defRPr>
+            </a:lvl3pPr>
+            <a:lvl4pPr marL="1600200" indent="-228600" algn="l" defTabSz="914400" rtl="0" eaLnBrk="1" latinLnBrk="0" hangingPunct="1">
+              <a:lnSpc>
+                <a:spcPct val="90000"/>
+              </a:lnSpc>
+              <a:spcBef>
+                <a:spcPts val="500"/>
+              </a:spcBef>
+              <a:buFont typeface="Arial" panose="020B0604020202020204" pitchFamily="34" charset="0"/>
+              <a:buChar char="•"/>
+              <a:defRPr sz="1800" kern="1200">
+                <a:solidFill>
+                  <a:schemeClr val="tx1"/>
+                </a:solidFill>
+                <a:latin typeface="+mn-lt"/>
+                <a:ea typeface="+mn-ea"/>
+                <a:cs typeface="+mn-cs"/>
+              </a:defRPr>
+            </a:lvl4pPr>
+            <a:lvl5pPr marL="2057400" indent="-228600" algn="l" defTabSz="914400" rtl="0" eaLnBrk="1" latinLnBrk="0" hangingPunct="1">
+              <a:lnSpc>
+                <a:spcPct val="90000"/>
+              </a:lnSpc>
+              <a:spcBef>
+                <a:spcPts val="500"/>
+              </a:spcBef>
+              <a:buFont typeface="Arial" panose="020B0604020202020204" pitchFamily="34" charset="0"/>
+              <a:buChar char="•"/>
+              <a:defRPr sz="1800" kern="1200">
+                <a:solidFill>
+                  <a:schemeClr val="tx1"/>
+                </a:solidFill>
+                <a:latin typeface="+mn-lt"/>
+                <a:ea typeface="+mn-ea"/>
+                <a:cs typeface="+mn-cs"/>
+              </a:defRPr>
+            </a:lvl5pPr>
+            <a:lvl6pPr marL="2514600" indent="-228600" algn="l" defTabSz="914400" rtl="0" eaLnBrk="1" latinLnBrk="0" hangingPunct="1">
+              <a:lnSpc>
+                <a:spcPct val="90000"/>
+              </a:lnSpc>
+              <a:spcBef>
+                <a:spcPts val="500"/>
+              </a:spcBef>
+              <a:buFont typeface="Arial" panose="020B0604020202020204" pitchFamily="34" charset="0"/>
+              <a:buChar char="•"/>
+              <a:defRPr sz="1800" kern="1200">
+                <a:solidFill>
+                  <a:schemeClr val="tx1"/>
+                </a:solidFill>
+                <a:latin typeface="+mn-lt"/>
+                <a:ea typeface="+mn-ea"/>
+                <a:cs typeface="+mn-cs"/>
+              </a:defRPr>
+            </a:lvl6pPr>
+            <a:lvl7pPr marL="2971800" indent="-228600" algn="l" defTabSz="914400" rtl="0" eaLnBrk="1" latinLnBrk="0" hangingPunct="1">
+              <a:lnSpc>
+                <a:spcPct val="90000"/>
+              </a:lnSpc>
+              <a:spcBef>
+                <a:spcPts val="500"/>
+              </a:spcBef>
+              <a:buFont typeface="Arial" panose="020B0604020202020204" pitchFamily="34" charset="0"/>
+              <a:buChar char="•"/>
+              <a:defRPr sz="1800" kern="1200">
+                <a:solidFill>
+                  <a:schemeClr val="tx1"/>
+                </a:solidFill>
+                <a:latin typeface="+mn-lt"/>
+                <a:ea typeface="+mn-ea"/>
+                <a:cs typeface="+mn-cs"/>
+              </a:defRPr>
+            </a:lvl7pPr>
+            <a:lvl8pPr marL="3429000" indent="-228600" algn="l" defTabSz="914400" rtl="0" eaLnBrk="1" latinLnBrk="0" hangingPunct="1">
+              <a:lnSpc>
+                <a:spcPct val="90000"/>
+              </a:lnSpc>
+              <a:spcBef>
+                <a:spcPts val="500"/>
+              </a:spcBef>
+              <a:buFont typeface="Arial" panose="020B0604020202020204" pitchFamily="34" charset="0"/>
+              <a:buChar char="•"/>
+              <a:defRPr sz="1800" kern="1200">
+                <a:solidFill>
+                  <a:schemeClr val="tx1"/>
+                </a:solidFill>
+                <a:latin typeface="+mn-lt"/>
+                <a:ea typeface="+mn-ea"/>
+                <a:cs typeface="+mn-cs"/>
+              </a:defRPr>
+            </a:lvl8pPr>
+            <a:lvl9pPr marL="3886200" indent="-228600" algn="l" defTabSz="914400" rtl="0" eaLnBrk="1" latinLnBrk="0" hangingPunct="1">
+              <a:lnSpc>
+                <a:spcPct val="90000"/>
+              </a:lnSpc>
+              <a:spcBef>
+                <a:spcPts val="500"/>
+              </a:spcBef>
+              <a:buFont typeface="Arial" panose="020B0604020202020204" pitchFamily="34" charset="0"/>
+              <a:buChar char="•"/>
+              <a:defRPr sz="1800" kern="1200">
+                <a:solidFill>
+                  <a:schemeClr val="tx1"/>
+                </a:solidFill>
+                <a:latin typeface="+mn-lt"/>
+                <a:ea typeface="+mn-ea"/>
+                <a:cs typeface="+mn-cs"/>
+              </a:defRPr>
+            </a:lvl9pPr>
+          </a:lstStyle>
+          <a:p>
+            <a:pPr marL="0" indent="0">
+              <a:buFont typeface="Arial" panose="020B0604020202020204" pitchFamily="34" charset="0"/>
+              <a:buNone/>
+            </a:pPr>
+            <a:r>
+              <a:rPr lang="en-US" dirty="0">
+                <a:solidFill>
+                  <a:srgbClr val="FF0000"/>
+                </a:solidFill>
+              </a:rPr>
+              <a:t>Values Investigation:</a:t>
+            </a:r>
+          </a:p>
+          <a:p>
+            <a:pPr>
+              <a:buFont typeface="Wingdings" pitchFamily="2" charset="2"/>
+              <a:buChar char="v"/>
+            </a:pPr>
+            <a:r>
+              <a:rPr lang="en-US" dirty="0"/>
+              <a:t> Who are the direct and indirect stakeholders?</a:t>
+            </a:r>
+          </a:p>
+          <a:p>
+            <a:pPr>
+              <a:buFont typeface="Wingdings" pitchFamily="2" charset="2"/>
+              <a:buChar char="v"/>
+            </a:pPr>
+            <a:r>
+              <a:rPr lang="en-US" dirty="0"/>
+              <a:t>Do the stakeholders have conflicting values?</a:t>
+            </a:r>
+          </a:p>
+          <a:p>
+            <a:pPr>
+              <a:buFont typeface="Wingdings" pitchFamily="2" charset="2"/>
+              <a:buChar char="v"/>
+            </a:pPr>
+            <a:r>
+              <a:rPr lang="en-US" dirty="0"/>
+              <a:t>How can we resolve them?</a:t>
+            </a:r>
+          </a:p>
+          <a:p>
+            <a:pPr>
+              <a:buFont typeface="Wingdings" pitchFamily="2" charset="2"/>
+              <a:buChar char="v"/>
+            </a:pPr>
+            <a:endParaRPr lang="en-US" dirty="0"/>
+          </a:p>
+          <a:p>
+            <a:pPr lvl="1"/>
+            <a:endParaRPr lang="en-US" dirty="0"/>
+          </a:p>
+        </p:txBody>
+      </p:sp>
+      <p:sp>
+        <p:nvSpPr>
+          <p:cNvPr id="6" name="Content Placeholder 2">
+            <a:extLst>
+              <a:ext uri="{FF2B5EF4-FFF2-40B4-BE49-F238E27FC236}">
+                <a16:creationId xmlns:a16="http://schemas.microsoft.com/office/drawing/2014/main" id="{5CBCCECD-1E8C-0DA4-098C-A5837F9D9535}"/>
+              </a:ext>
+            </a:extLst>
+          </p:cNvPr>
+          <p:cNvSpPr txBox="1">
+            <a:spLocks/>
+          </p:cNvSpPr>
+          <p:nvPr/>
+        </p:nvSpPr>
+        <p:spPr>
+          <a:xfrm>
+            <a:off x="8265042" y="1500160"/>
+            <a:ext cx="3804684" cy="4351338"/>
+          </a:xfrm>
+          <a:prstGeom prst="rect">
+            <a:avLst/>
+          </a:prstGeom>
+        </p:spPr>
+        <p:txBody>
+          <a:bodyPr vert="horz" lIns="91440" tIns="45720" rIns="91440" bIns="45720" rtlCol="0">
+            <a:normAutofit lnSpcReduction="10000"/>
+          </a:bodyPr>
+          <a:lstStyle>
+            <a:lvl1pPr marL="228600" indent="-228600" algn="l" defTabSz="914400" rtl="0" eaLnBrk="1" latinLnBrk="0" hangingPunct="1">
+              <a:lnSpc>
+                <a:spcPct val="90000"/>
+              </a:lnSpc>
+              <a:spcBef>
+                <a:spcPts val="1000"/>
+              </a:spcBef>
+              <a:buFont typeface="Arial" panose="020B0604020202020204" pitchFamily="34" charset="0"/>
+              <a:buChar char="•"/>
+              <a:defRPr sz="2800" kern="1200">
+                <a:solidFill>
+                  <a:schemeClr val="tx1"/>
+                </a:solidFill>
+                <a:latin typeface="+mn-lt"/>
+                <a:ea typeface="+mn-ea"/>
+                <a:cs typeface="+mn-cs"/>
+              </a:defRPr>
+            </a:lvl1pPr>
+            <a:lvl2pPr marL="685800" indent="-228600" algn="l" defTabSz="914400" rtl="0" eaLnBrk="1" latinLnBrk="0" hangingPunct="1">
+              <a:lnSpc>
+                <a:spcPct val="90000"/>
+              </a:lnSpc>
+              <a:spcBef>
+                <a:spcPts val="500"/>
+              </a:spcBef>
+              <a:buFont typeface="Arial" panose="020B0604020202020204" pitchFamily="34" charset="0"/>
+              <a:buChar char="•"/>
+              <a:defRPr sz="2400" kern="1200">
+                <a:solidFill>
+                  <a:schemeClr val="tx1"/>
+                </a:solidFill>
+                <a:latin typeface="+mn-lt"/>
+                <a:ea typeface="+mn-ea"/>
+                <a:cs typeface="+mn-cs"/>
+              </a:defRPr>
+            </a:lvl2pPr>
+            <a:lvl3pPr marL="1143000" indent="-228600" algn="l" defTabSz="914400" rtl="0" eaLnBrk="1" latinLnBrk="0" hangingPunct="1">
+              <a:lnSpc>
+                <a:spcPct val="90000"/>
+              </a:lnSpc>
+              <a:spcBef>
+                <a:spcPts val="500"/>
+              </a:spcBef>
+              <a:buFont typeface="Arial" panose="020B0604020202020204" pitchFamily="34" charset="0"/>
+              <a:buChar char="•"/>
+              <a:defRPr sz="2000" kern="1200">
+                <a:solidFill>
+                  <a:schemeClr val="tx1"/>
+                </a:solidFill>
+                <a:latin typeface="+mn-lt"/>
+                <a:ea typeface="+mn-ea"/>
+                <a:cs typeface="+mn-cs"/>
+              </a:defRPr>
+            </a:lvl3pPr>
+            <a:lvl4pPr marL="1600200" indent="-228600" algn="l" defTabSz="914400" rtl="0" eaLnBrk="1" latinLnBrk="0" hangingPunct="1">
+              <a:lnSpc>
+                <a:spcPct val="90000"/>
+              </a:lnSpc>
+              <a:spcBef>
+                <a:spcPts val="500"/>
+              </a:spcBef>
+              <a:buFont typeface="Arial" panose="020B0604020202020204" pitchFamily="34" charset="0"/>
+              <a:buChar char="•"/>
+              <a:defRPr sz="1800" kern="1200">
+                <a:solidFill>
+                  <a:schemeClr val="tx1"/>
+                </a:solidFill>
+                <a:latin typeface="+mn-lt"/>
+                <a:ea typeface="+mn-ea"/>
+                <a:cs typeface="+mn-cs"/>
+              </a:defRPr>
+            </a:lvl4pPr>
+            <a:lvl5pPr marL="2057400" indent="-228600" algn="l" defTabSz="914400" rtl="0" eaLnBrk="1" latinLnBrk="0" hangingPunct="1">
+              <a:lnSpc>
+                <a:spcPct val="90000"/>
+              </a:lnSpc>
+              <a:spcBef>
+                <a:spcPts val="500"/>
+              </a:spcBef>
+              <a:buFont typeface="Arial" panose="020B0604020202020204" pitchFamily="34" charset="0"/>
+              <a:buChar char="•"/>
+              <a:defRPr sz="1800" kern="1200">
+                <a:solidFill>
+                  <a:schemeClr val="tx1"/>
+                </a:solidFill>
+                <a:latin typeface="+mn-lt"/>
+                <a:ea typeface="+mn-ea"/>
+                <a:cs typeface="+mn-cs"/>
+              </a:defRPr>
+            </a:lvl5pPr>
+            <a:lvl6pPr marL="2514600" indent="-228600" algn="l" defTabSz="914400" rtl="0" eaLnBrk="1" latinLnBrk="0" hangingPunct="1">
+              <a:lnSpc>
+                <a:spcPct val="90000"/>
+              </a:lnSpc>
+              <a:spcBef>
+                <a:spcPts val="500"/>
+              </a:spcBef>
+              <a:buFont typeface="Arial" panose="020B0604020202020204" pitchFamily="34" charset="0"/>
+              <a:buChar char="•"/>
+              <a:defRPr sz="1800" kern="1200">
+                <a:solidFill>
+                  <a:schemeClr val="tx1"/>
+                </a:solidFill>
+                <a:latin typeface="+mn-lt"/>
+                <a:ea typeface="+mn-ea"/>
+                <a:cs typeface="+mn-cs"/>
+              </a:defRPr>
+            </a:lvl6pPr>
+            <a:lvl7pPr marL="2971800" indent="-228600" algn="l" defTabSz="914400" rtl="0" eaLnBrk="1" latinLnBrk="0" hangingPunct="1">
+              <a:lnSpc>
+                <a:spcPct val="90000"/>
+              </a:lnSpc>
+              <a:spcBef>
+                <a:spcPts val="500"/>
+              </a:spcBef>
+              <a:buFont typeface="Arial" panose="020B0604020202020204" pitchFamily="34" charset="0"/>
+              <a:buChar char="•"/>
+              <a:defRPr sz="1800" kern="1200">
+                <a:solidFill>
+                  <a:schemeClr val="tx1"/>
+                </a:solidFill>
+                <a:latin typeface="+mn-lt"/>
+                <a:ea typeface="+mn-ea"/>
+                <a:cs typeface="+mn-cs"/>
+              </a:defRPr>
+            </a:lvl7pPr>
+            <a:lvl8pPr marL="3429000" indent="-228600" algn="l" defTabSz="914400" rtl="0" eaLnBrk="1" latinLnBrk="0" hangingPunct="1">
+              <a:lnSpc>
+                <a:spcPct val="90000"/>
+              </a:lnSpc>
+              <a:spcBef>
+                <a:spcPts val="500"/>
+              </a:spcBef>
+              <a:buFont typeface="Arial" panose="020B0604020202020204" pitchFamily="34" charset="0"/>
+              <a:buChar char="•"/>
+              <a:defRPr sz="1800" kern="1200">
+                <a:solidFill>
+                  <a:schemeClr val="tx1"/>
+                </a:solidFill>
+                <a:latin typeface="+mn-lt"/>
+                <a:ea typeface="+mn-ea"/>
+                <a:cs typeface="+mn-cs"/>
+              </a:defRPr>
+            </a:lvl8pPr>
+            <a:lvl9pPr marL="3886200" indent="-228600" algn="l" defTabSz="914400" rtl="0" eaLnBrk="1" latinLnBrk="0" hangingPunct="1">
+              <a:lnSpc>
+                <a:spcPct val="90000"/>
+              </a:lnSpc>
+              <a:spcBef>
+                <a:spcPts val="500"/>
+              </a:spcBef>
+              <a:buFont typeface="Arial" panose="020B0604020202020204" pitchFamily="34" charset="0"/>
+              <a:buChar char="•"/>
+              <a:defRPr sz="1800" kern="1200">
+                <a:solidFill>
+                  <a:schemeClr val="tx1"/>
+                </a:solidFill>
+                <a:latin typeface="+mn-lt"/>
+                <a:ea typeface="+mn-ea"/>
+                <a:cs typeface="+mn-cs"/>
+              </a:defRPr>
+            </a:lvl9pPr>
+          </a:lstStyle>
+          <a:p>
+            <a:pPr marL="0" indent="0">
+              <a:buFont typeface="Arial" panose="020B0604020202020204" pitchFamily="34" charset="0"/>
+              <a:buNone/>
+            </a:pPr>
+            <a:r>
+              <a:rPr lang="en-US" dirty="0">
+                <a:solidFill>
+                  <a:srgbClr val="FF0000"/>
+                </a:solidFill>
+              </a:rPr>
+              <a:t>Technical Investigation:</a:t>
+            </a:r>
+          </a:p>
+          <a:p>
+            <a:pPr>
+              <a:buFont typeface="Wingdings" pitchFamily="2" charset="2"/>
+              <a:buChar char="v"/>
+            </a:pPr>
+            <a:r>
+              <a:rPr lang="en-US" dirty="0"/>
+              <a:t> What are the technical mechanisms for implementing informed consent.</a:t>
+            </a:r>
+          </a:p>
+          <a:p>
+            <a:pPr lvl="1">
+              <a:buFont typeface="Wingdings" pitchFamily="2" charset="2"/>
+              <a:buChar char="Ø"/>
+            </a:pPr>
+            <a:r>
+              <a:rPr lang="en-US" dirty="0"/>
+              <a:t> One way =&gt; cookie consent management system.</a:t>
+            </a:r>
+          </a:p>
+          <a:p>
+            <a:pPr lvl="1">
+              <a:buFont typeface="Wingdings" pitchFamily="2" charset="2"/>
+              <a:buChar char="Ø"/>
+            </a:pPr>
+            <a:r>
+              <a:rPr lang="en-US" dirty="0"/>
+              <a:t>Websites use them to obtain and manage user permission for using cookies.</a:t>
+            </a:r>
+          </a:p>
+        </p:txBody>
+      </p:sp>
+    </p:spTree>
+    <p:extLst>
+      <p:ext uri="{BB962C8B-B14F-4D97-AF65-F5344CB8AC3E}">
+        <p14:creationId xmlns:p14="http://schemas.microsoft.com/office/powerpoint/2010/main" val="2148081552"/>
+      </p:ext>
+    </p:extLst>
+  </p:cSld>
+  <p:clrMapOvr>
+    <a:masterClrMapping/>
+  </p:clrMapOvr>
+</p:sld>
+</file>
+
+<file path=ppt/slides/slide28.xml><?xml version="1.0" encoding="utf-8"?>
+<p:sld xmlns:a="http://schemas.openxmlformats.org/drawingml/2006/main" xmlns:r="http://schemas.openxmlformats.org/officeDocument/2006/relationships" xmlns:p="http://schemas.openxmlformats.org/presentationml/2006/main" show="0">
+  <p:cSld>
+    <p:spTree>
+      <p:nvGrpSpPr>
+        <p:cNvPr id="1" name=""/>
+        <p:cNvGrpSpPr/>
+        <p:nvPr/>
+      </p:nvGrpSpPr>
+      <p:grpSpPr>
+        <a:xfrm>
+          <a:off x="0" y="0"/>
+          <a:ext cx="0" cy="0"/>
+          <a:chOff x="0" y="0"/>
+          <a:chExt cx="0" cy="0"/>
+        </a:xfrm>
+      </p:grpSpPr>
+      <p:sp>
+        <p:nvSpPr>
+          <p:cNvPr id="2" name="Title 1">
+            <a:extLst>
+              <a:ext uri="{FF2B5EF4-FFF2-40B4-BE49-F238E27FC236}">
+                <a16:creationId xmlns:a16="http://schemas.microsoft.com/office/drawing/2014/main" id="{A7D5EB1D-7B60-024C-A6C8-43D75E8FF262}"/>
+              </a:ext>
+            </a:extLst>
+          </p:cNvPr>
+          <p:cNvSpPr>
+            <a:spLocks noGrp="1"/>
+          </p:cNvSpPr>
+          <p:nvPr>
+            <p:ph type="title"/>
+          </p:nvPr>
+        </p:nvSpPr>
+        <p:spPr/>
+        <p:txBody>
+          <a:bodyPr/>
+          <a:lstStyle/>
+          <a:p>
+            <a:r>
+              <a:rPr lang="en-US" dirty="0"/>
+              <a:t>Integrating User Stories With VSD</a:t>
+            </a:r>
+          </a:p>
+        </p:txBody>
+      </p:sp>
+      <p:sp>
+        <p:nvSpPr>
+          <p:cNvPr id="4" name="Slide Number Placeholder 3">
+            <a:extLst>
+              <a:ext uri="{FF2B5EF4-FFF2-40B4-BE49-F238E27FC236}">
+                <a16:creationId xmlns:a16="http://schemas.microsoft.com/office/drawing/2014/main" id="{F4740D6A-7024-FC41-B07F-905F4160D10F}"/>
+              </a:ext>
+            </a:extLst>
+          </p:cNvPr>
+          <p:cNvSpPr>
+            <a:spLocks noGrp="1"/>
+          </p:cNvSpPr>
+          <p:nvPr>
+            <p:ph type="sldNum" sz="quarter" idx="12"/>
+          </p:nvPr>
+        </p:nvSpPr>
+        <p:spPr/>
+        <p:txBody>
+          <a:bodyPr/>
+          <a:lstStyle/>
+          <a:p>
+            <a:fld id="{20F37917-FD3A-4669-9018-DA04BCDD3D75}" type="slidenum">
+              <a:rPr lang="en-US" smtClean="0"/>
+              <a:t>28</a:t>
+            </a:fld>
+            <a:endParaRPr lang="en-US"/>
+          </a:p>
+        </p:txBody>
+      </p:sp>
+      <p:sp>
+        <p:nvSpPr>
+          <p:cNvPr id="5" name="Content Placeholder 2">
+            <a:extLst>
+              <a:ext uri="{FF2B5EF4-FFF2-40B4-BE49-F238E27FC236}">
+                <a16:creationId xmlns:a16="http://schemas.microsoft.com/office/drawing/2014/main" id="{1A938783-C44B-0342-9AFD-E20D6008FE4B}"/>
               </a:ext>
             </a:extLst>
           </p:cNvPr>
@@ -18999,25 +18671,21 @@
           <a:p>
             <a:r>
               <a:rPr lang="en-US" dirty="0"/>
-              <a:t>Site users</a:t>
-            </a:r>
-          </a:p>
-          <a:p>
-            <a:r>
-              <a:rPr lang="en-US" dirty="0"/>
-              <a:t>Site owners</a:t>
-            </a:r>
-          </a:p>
-          <a:p>
-            <a:pPr marL="0" indent="0">
-              <a:buFont typeface="Arial" panose="020B0604020202020204" pitchFamily="34" charset="0"/>
-              <a:buNone/>
+              <a:t> Site users</a:t>
+            </a:r>
+          </a:p>
+          <a:p>
+            <a:r>
+              <a:rPr lang="en-US" dirty="0"/>
+              <a:t> Site owners</a:t>
+            </a:r>
+          </a:p>
+          <a:p>
+            <a:pPr>
+              <a:buFont typeface="Wingdings" pitchFamily="2" charset="2"/>
+              <a:buChar char="v"/>
             </a:pPr>
-            <a:endParaRPr lang="en-US" dirty="0">
-              <a:solidFill>
-                <a:srgbClr val="FF0000"/>
-              </a:solidFill>
-            </a:endParaRPr>
+            <a:endParaRPr lang="en-US" dirty="0"/>
           </a:p>
           <a:p>
             <a:pPr marL="0" indent="0">
@@ -19036,13 +18704,13 @@
           <a:p>
             <a:r>
               <a:rPr lang="en-US" dirty="0"/>
-              <a:t>Privacy</a:t>
-            </a:r>
-          </a:p>
-          <a:p>
-            <a:r>
-              <a:rPr lang="en-US" dirty="0"/>
-              <a:t>Accountability</a:t>
+              <a:t> Privacy</a:t>
+            </a:r>
+          </a:p>
+          <a:p>
+            <a:r>
+              <a:rPr lang="en-US" dirty="0"/>
+              <a:t> Accountability</a:t>
             </a:r>
           </a:p>
           <a:p>
@@ -19050,6 +18718,10 @@
               <a:rPr lang="en-US" dirty="0"/>
               <a:t>Transparency</a:t>
             </a:r>
+          </a:p>
+          <a:p>
+            <a:pPr lvl="1"/>
+            <a:endParaRPr lang="en-US" dirty="0"/>
           </a:p>
         </p:txBody>
       </p:sp>
@@ -19058,7 +18730,7 @@
           <p:cNvPr id="6" name="Content Placeholder 2">
             <a:extLst>
               <a:ext uri="{FF2B5EF4-FFF2-40B4-BE49-F238E27FC236}">
-                <a16:creationId xmlns:a16="http://schemas.microsoft.com/office/drawing/2014/main" id="{21B1C3C5-1CFA-CFA6-660F-8117302CD448}"/>
+                <a16:creationId xmlns:a16="http://schemas.microsoft.com/office/drawing/2014/main" id="{57C60BE1-3304-3543-B6D2-78C34F1CA26B}"/>
               </a:ext>
             </a:extLst>
           </p:cNvPr>
@@ -19069,7 +18741,7 @@
         </p:nvSpPr>
         <p:spPr>
           <a:xfrm>
-            <a:off x="5458265" y="1781514"/>
+            <a:off x="5676042" y="2005012"/>
             <a:ext cx="6078414" cy="4351338"/>
           </a:xfrm>
           <a:prstGeom prst="rect">
@@ -19296,7 +18968,7 @@
     </p:spTree>
     <p:extLst>
       <p:ext uri="{BB962C8B-B14F-4D97-AF65-F5344CB8AC3E}">
-        <p14:creationId xmlns:p14="http://schemas.microsoft.com/office/powerpoint/2010/main" val="2788533753"/>
+        <p14:creationId xmlns:p14="http://schemas.microsoft.com/office/powerpoint/2010/main" val="2309442039"/>
       </p:ext>
     </p:extLst>
   </p:cSld>
@@ -19306,18 +18978,12 @@
 </p:sld>
 </file>
 
-<file path=ppt/slides/slide28.xml><?xml version="1.0" encoding="utf-8"?>
+<file path=ppt/slides/slide29.xml><?xml version="1.0" encoding="utf-8"?>
 <p:sld xmlns:a="http://schemas.openxmlformats.org/drawingml/2006/main" xmlns:r="http://schemas.openxmlformats.org/officeDocument/2006/relationships" xmlns:p="http://schemas.openxmlformats.org/presentationml/2006/main" show="0">
   <p:cSld>
     <p:spTree>
       <p:nvGrpSpPr>
-        <p:cNvPr id="1" name="">
-          <a:extLst>
-            <a:ext uri="{FF2B5EF4-FFF2-40B4-BE49-F238E27FC236}">
-              <a16:creationId xmlns:a16="http://schemas.microsoft.com/office/drawing/2014/main" id="{6E9349AA-5E93-A6B1-EB37-821B2E93F56E}"/>
-            </a:ext>
-          </a:extLst>
-        </p:cNvPr>
+        <p:cNvPr id="1" name=""/>
         <p:cNvGrpSpPr/>
         <p:nvPr/>
       </p:nvGrpSpPr>
@@ -19334,7 +19000,7 @@
           <p:cNvPr id="2" name="Title 1">
             <a:extLst>
               <a:ext uri="{FF2B5EF4-FFF2-40B4-BE49-F238E27FC236}">
-                <a16:creationId xmlns:a16="http://schemas.microsoft.com/office/drawing/2014/main" id="{6CB720DC-BE80-9BCD-ED9E-024F93E1C7AD}"/>
+                <a16:creationId xmlns:a16="http://schemas.microsoft.com/office/drawing/2014/main" id="{5523E1ED-9F63-134F-BD9D-0973C4E045EE}"/>
               </a:ext>
             </a:extLst>
           </p:cNvPr>
@@ -19347,14 +19013,12 @@
         </p:nvSpPr>
         <p:spPr/>
         <p:txBody>
-          <a:bodyPr>
-            <a:normAutofit/>
-          </a:bodyPr>
+          <a:bodyPr/>
           <a:lstStyle/>
           <a:p>
             <a:r>
               <a:rPr lang="en-US" dirty="0"/>
-              <a:t>Example: Informed Consent in Stack Overflow</a:t>
+              <a:t>Conditions of Satisfaction (Informed Consent)</a:t>
             </a:r>
           </a:p>
         </p:txBody>
@@ -19364,7 +19028,7 @@
           <p:cNvPr id="4" name="Slide Number Placeholder 3">
             <a:extLst>
               <a:ext uri="{FF2B5EF4-FFF2-40B4-BE49-F238E27FC236}">
-                <a16:creationId xmlns:a16="http://schemas.microsoft.com/office/drawing/2014/main" id="{E1BD2735-E867-D819-7AE9-30FAF73F7395}"/>
+                <a16:creationId xmlns:a16="http://schemas.microsoft.com/office/drawing/2014/main" id="{FE9C9A8A-3080-3242-B8BE-F2528AA17480}"/>
               </a:ext>
             </a:extLst>
           </p:cNvPr>
@@ -19382,7 +19046,7 @@
           <a:p>
             <a:fld id="{20F37917-FD3A-4669-9018-DA04BCDD3D75}" type="slidenum">
               <a:rPr lang="en-US" smtClean="0"/>
-              <a:t>28</a:t>
+              <a:t>29</a:t>
             </a:fld>
             <a:endParaRPr lang="en-US"/>
           </a:p>
@@ -19393,7 +19057,7 @@
           <p:cNvPr id="7" name="Content Placeholder 2">
             <a:extLst>
               <a:ext uri="{FF2B5EF4-FFF2-40B4-BE49-F238E27FC236}">
-                <a16:creationId xmlns:a16="http://schemas.microsoft.com/office/drawing/2014/main" id="{4DDBCF3A-5E08-FD18-5979-6900A9C531D2}"/>
+                <a16:creationId xmlns:a16="http://schemas.microsoft.com/office/drawing/2014/main" id="{03A99269-DD79-DD4B-BAE6-6C59835A79A6}"/>
               </a:ext>
             </a:extLst>
           </p:cNvPr>
@@ -19662,7 +19326,7 @@
           <p:cNvPr id="8" name="Content Placeholder 2">
             <a:extLst>
               <a:ext uri="{FF2B5EF4-FFF2-40B4-BE49-F238E27FC236}">
-                <a16:creationId xmlns:a16="http://schemas.microsoft.com/office/drawing/2014/main" id="{1E194FE7-29B5-D00B-9F86-419AAEE56D13}"/>
+                <a16:creationId xmlns:a16="http://schemas.microsoft.com/office/drawing/2014/main" id="{28EA7D20-1FD7-364F-8F92-C197CA376105}"/>
               </a:ext>
             </a:extLst>
           </p:cNvPr>
@@ -19935,708 +19599,7 @@
     </p:spTree>
     <p:extLst>
       <p:ext uri="{BB962C8B-B14F-4D97-AF65-F5344CB8AC3E}">
-        <p14:creationId xmlns:p14="http://schemas.microsoft.com/office/powerpoint/2010/main" val="2082374944"/>
-      </p:ext>
-    </p:extLst>
-  </p:cSld>
-  <p:clrMapOvr>
-    <a:masterClrMapping/>
-  </p:clrMapOvr>
-</p:sld>
-</file>
-
-<file path=ppt/slides/slide29.xml><?xml version="1.0" encoding="utf-8"?>
-<p:sld xmlns:a="http://schemas.openxmlformats.org/drawingml/2006/main" xmlns:r="http://schemas.openxmlformats.org/officeDocument/2006/relationships" xmlns:p="http://schemas.openxmlformats.org/presentationml/2006/main" show="0">
-  <p:cSld>
-    <p:bg>
-      <p:bgPr>
-        <a:solidFill>
-          <a:schemeClr val="bg1"/>
-        </a:solidFill>
-        <a:effectLst/>
-      </p:bgPr>
-    </p:bg>
-    <p:spTree>
-      <p:nvGrpSpPr>
-        <p:cNvPr id="1" name=""/>
-        <p:cNvGrpSpPr/>
-        <p:nvPr/>
-      </p:nvGrpSpPr>
-      <p:grpSpPr>
-        <a:xfrm>
-          <a:off x="0" y="0"/>
-          <a:ext cx="0" cy="0"/>
-          <a:chOff x="0" y="0"/>
-          <a:chExt cx="0" cy="0"/>
-        </a:xfrm>
-      </p:grpSpPr>
-      <p:sp useBgFill="1">
-        <p:nvSpPr>
-          <p:cNvPr id="14" name="Rectangle 13">
-            <a:extLst>
-              <a:ext uri="{FF2B5EF4-FFF2-40B4-BE49-F238E27FC236}">
-                <a16:creationId xmlns:a16="http://schemas.microsoft.com/office/drawing/2014/main" id="{2C61293E-6EBE-43EF-A52C-9BEBFD7679D4}"/>
-              </a:ext>
-              <a:ext uri="{C183D7F6-B498-43B3-948B-1728B52AA6E4}">
-                <adec:decorative xmlns:adec="http://schemas.microsoft.com/office/drawing/2017/decorative" val="1"/>
-              </a:ext>
-            </a:extLst>
-          </p:cNvPr>
-          <p:cNvSpPr>
-            <a:spLocks noGrp="1" noRot="1" noChangeAspect="1" noMove="1" noResize="1" noEditPoints="1" noAdjustHandles="1" noChangeArrowheads="1" noChangeShapeType="1" noTextEdit="1"/>
-          </p:cNvSpPr>
-          <p:nvPr>
-            <p:extLst>
-              <p:ext uri="{386F3935-93C4-4BCD-93E2-E3B085C9AB24}">
-                <p16:designElem xmlns:p16="http://schemas.microsoft.com/office/powerpoint/2015/main" val="1"/>
-              </p:ext>
-            </p:extLst>
-          </p:nvPr>
-        </p:nvSpPr>
-        <p:spPr>
-          <a:xfrm>
-            <a:off x="0" y="0"/>
-            <a:ext cx="12188952" cy="6858000"/>
-          </a:xfrm>
-          <a:prstGeom prst="rect">
-            <a:avLst/>
-          </a:prstGeom>
-          <a:ln>
-            <a:noFill/>
-          </a:ln>
-        </p:spPr>
-        <p:style>
-          <a:lnRef idx="2">
-            <a:schemeClr val="accent1">
-              <a:shade val="50000"/>
-            </a:schemeClr>
-          </a:lnRef>
-          <a:fillRef idx="1">
-            <a:schemeClr val="accent1"/>
-          </a:fillRef>
-          <a:effectRef idx="0">
-            <a:schemeClr val="accent1"/>
-          </a:effectRef>
-          <a:fontRef idx="minor">
-            <a:schemeClr val="lt1"/>
-          </a:fontRef>
-        </p:style>
-        <p:txBody>
-          <a:bodyPr rtlCol="0" anchor="ctr"/>
-          <a:lstStyle/>
-          <a:p>
-            <a:pPr algn="ctr"/>
-            <a:endParaRPr lang="en-US"/>
-          </a:p>
-        </p:txBody>
-      </p:sp>
-      <p:sp>
-        <p:nvSpPr>
-          <p:cNvPr id="2" name="Title 1">
-            <a:extLst>
-              <a:ext uri="{FF2B5EF4-FFF2-40B4-BE49-F238E27FC236}">
-                <a16:creationId xmlns:a16="http://schemas.microsoft.com/office/drawing/2014/main" id="{62B84ADF-FE0F-18D6-23B1-708E70C861E8}"/>
-              </a:ext>
-            </a:extLst>
-          </p:cNvPr>
-          <p:cNvSpPr>
-            <a:spLocks noGrp="1"/>
-          </p:cNvSpPr>
-          <p:nvPr>
-            <p:ph type="title"/>
-          </p:nvPr>
-        </p:nvSpPr>
-        <p:spPr>
-          <a:xfrm>
-            <a:off x="5297762" y="329184"/>
-            <a:ext cx="6251110" cy="1783080"/>
-          </a:xfrm>
-        </p:spPr>
-        <p:txBody>
-          <a:bodyPr anchor="b">
-            <a:normAutofit/>
-          </a:bodyPr>
-          <a:lstStyle/>
-          <a:p>
-            <a:r>
-              <a:rPr lang="en-US" dirty="0"/>
-              <a:t>Yet another example: a University Transcript database</a:t>
-            </a:r>
-          </a:p>
-        </p:txBody>
-      </p:sp>
-      <p:pic>
-        <p:nvPicPr>
-          <p:cNvPr id="15" name="Picture 14" descr="Stack of books">
-            <a:extLst>
-              <a:ext uri="{FF2B5EF4-FFF2-40B4-BE49-F238E27FC236}">
-                <a16:creationId xmlns:a16="http://schemas.microsoft.com/office/drawing/2014/main" id="{26553A73-90D4-0755-D0BD-BBF9B94EF23B}"/>
-              </a:ext>
-            </a:extLst>
-          </p:cNvPr>
-          <p:cNvPicPr>
-            <a:picLocks noChangeAspect="1"/>
-          </p:cNvPicPr>
-          <p:nvPr/>
-        </p:nvPicPr>
-        <p:blipFill>
-          <a:blip r:embed="rId3"/>
-          <a:srcRect l="44051" r="10617" b="-1"/>
-          <a:stretch/>
-        </p:blipFill>
-        <p:spPr>
-          <a:xfrm>
-            <a:off x="1" y="10"/>
-            <a:ext cx="4657344" cy="6857990"/>
-          </a:xfrm>
-          <a:custGeom>
-            <a:avLst/>
-            <a:gdLst/>
-            <a:ahLst/>
-            <a:cxnLst/>
-            <a:rect l="l" t="t" r="r" b="b"/>
-            <a:pathLst>
-              <a:path w="4657344" h="6858000">
-                <a:moveTo>
-                  <a:pt x="0" y="0"/>
-                </a:moveTo>
-                <a:lnTo>
-                  <a:pt x="3429755" y="0"/>
-                </a:lnTo>
-                <a:lnTo>
-                  <a:pt x="3526016" y="148742"/>
-                </a:lnTo>
-                <a:cubicBezTo>
-                  <a:pt x="3657740" y="365513"/>
-                  <a:pt x="3777402" y="589569"/>
-                  <a:pt x="3886489" y="819975"/>
-                </a:cubicBezTo>
-                <a:cubicBezTo>
-                  <a:pt x="3891856" y="833492"/>
-                  <a:pt x="3900663" y="845393"/>
-                  <a:pt x="3912049" y="854514"/>
-                </a:cubicBezTo>
-                <a:cubicBezTo>
-                  <a:pt x="3897352" y="819849"/>
-                  <a:pt x="3883037" y="784928"/>
-                  <a:pt x="3868083" y="750263"/>
-                </a:cubicBezTo>
-                <a:cubicBezTo>
-                  <a:pt x="3806989" y="608712"/>
-                  <a:pt x="3742478" y="469145"/>
-                  <a:pt x="3674155" y="331786"/>
-                </a:cubicBezTo>
-                <a:lnTo>
-                  <a:pt x="3496656" y="0"/>
-                </a:lnTo>
-                <a:lnTo>
-                  <a:pt x="3554371" y="0"/>
-                </a:lnTo>
-                <a:lnTo>
-                  <a:pt x="3661621" y="196614"/>
-                </a:lnTo>
-                <a:cubicBezTo>
-                  <a:pt x="3856899" y="573253"/>
-                  <a:pt x="4021071" y="966066"/>
-                  <a:pt x="4161279" y="1371196"/>
-                </a:cubicBezTo>
-                <a:cubicBezTo>
-                  <a:pt x="4379525" y="2007265"/>
-                  <a:pt x="4530141" y="2664286"/>
-                  <a:pt x="4610660" y="3331516"/>
-                </a:cubicBezTo>
-                <a:cubicBezTo>
-                  <a:pt x="4652837" y="3672965"/>
-                  <a:pt x="4671625" y="4013908"/>
-                  <a:pt x="4645040" y="4357388"/>
-                </a:cubicBezTo>
-                <a:cubicBezTo>
-                  <a:pt x="4613599" y="4758899"/>
-                  <a:pt x="4566181" y="5157998"/>
-                  <a:pt x="4485789" y="5552906"/>
-                </a:cubicBezTo>
-                <a:cubicBezTo>
-                  <a:pt x="4397121" y="5988893"/>
-                  <a:pt x="4276748" y="6414594"/>
-                  <a:pt x="4117769" y="6828295"/>
-                </a:cubicBezTo>
-                <a:lnTo>
-                  <a:pt x="4105288" y="6858000"/>
-                </a:lnTo>
-                <a:lnTo>
-                  <a:pt x="4052520" y="6858000"/>
-                </a:lnTo>
-                <a:lnTo>
-                  <a:pt x="4059369" y="6841549"/>
-                </a:lnTo>
-                <a:cubicBezTo>
-                  <a:pt x="4147276" y="6614016"/>
-                  <a:pt x="4224193" y="6380817"/>
-                  <a:pt x="4291518" y="6142729"/>
-                </a:cubicBezTo>
-                <a:cubicBezTo>
-                  <a:pt x="4350055" y="5935370"/>
-                  <a:pt x="4393256" y="5723695"/>
-                  <a:pt x="4443357" y="5513923"/>
-                </a:cubicBezTo>
-                <a:cubicBezTo>
-                  <a:pt x="4444541" y="5502788"/>
-                  <a:pt x="4445137" y="5491601"/>
-                  <a:pt x="4445146" y="5480401"/>
-                </a:cubicBezTo>
-                <a:cubicBezTo>
-                  <a:pt x="4408465" y="5607635"/>
-                  <a:pt x="4379196" y="5719759"/>
-                  <a:pt x="4344559" y="5830359"/>
-                </a:cubicBezTo>
-                <a:cubicBezTo>
-                  <a:pt x="4254261" y="6118381"/>
-                  <a:pt x="4150112" y="6398531"/>
-                  <a:pt x="4031702" y="6670527"/>
-                </a:cubicBezTo>
-                <a:lnTo>
-                  <a:pt x="3943824" y="6858000"/>
-                </a:lnTo>
-                <a:lnTo>
-                  <a:pt x="0" y="6858000"/>
-                </a:lnTo>
-                <a:close/>
-              </a:path>
-            </a:pathLst>
-          </a:custGeom>
-        </p:spPr>
-      </p:pic>
-      <p:sp>
-        <p:nvSpPr>
-          <p:cNvPr id="16" name="sketchy line">
-            <a:extLst>
-              <a:ext uri="{FF2B5EF4-FFF2-40B4-BE49-F238E27FC236}">
-                <a16:creationId xmlns:a16="http://schemas.microsoft.com/office/drawing/2014/main" id="{21540236-BFD5-4A9D-8840-4703E7F76825}"/>
-              </a:ext>
-              <a:ext uri="{C183D7F6-B498-43B3-948B-1728B52AA6E4}">
-                <adec:decorative xmlns:adec="http://schemas.microsoft.com/office/drawing/2017/decorative" val="1"/>
-              </a:ext>
-            </a:extLst>
-          </p:cNvPr>
-          <p:cNvSpPr>
-            <a:spLocks noGrp="1" noRot="1" noChangeAspect="1" noMove="1" noResize="1" noEditPoints="1" noAdjustHandles="1" noChangeArrowheads="1" noChangeShapeType="1" noTextEdit="1"/>
-          </p:cNvSpPr>
-          <p:nvPr>
-            <p:extLst>
-              <p:ext uri="{386F3935-93C4-4BCD-93E2-E3B085C9AB24}">
-                <p16:designElem xmlns:p16="http://schemas.microsoft.com/office/powerpoint/2015/main" val="1"/>
-              </p:ext>
-            </p:extLst>
-          </p:nvPr>
-        </p:nvSpPr>
-        <p:spPr>
-          <a:xfrm>
-            <a:off x="5297762" y="2374947"/>
-            <a:ext cx="4243589" cy="18288"/>
-          </a:xfrm>
-          <a:custGeom>
-            <a:avLst/>
-            <a:gdLst>
-              <a:gd name="connsiteX0" fmla="*/ 0 w 4243589"/>
-              <a:gd name="connsiteY0" fmla="*/ 0 h 18288"/>
-              <a:gd name="connsiteX1" fmla="*/ 478919 w 4243589"/>
-              <a:gd name="connsiteY1" fmla="*/ 0 h 18288"/>
-              <a:gd name="connsiteX2" fmla="*/ 957839 w 4243589"/>
-              <a:gd name="connsiteY2" fmla="*/ 0 h 18288"/>
-              <a:gd name="connsiteX3" fmla="*/ 1521630 w 4243589"/>
-              <a:gd name="connsiteY3" fmla="*/ 0 h 18288"/>
-              <a:gd name="connsiteX4" fmla="*/ 2212729 w 4243589"/>
-              <a:gd name="connsiteY4" fmla="*/ 0 h 18288"/>
-              <a:gd name="connsiteX5" fmla="*/ 2734084 w 4243589"/>
-              <a:gd name="connsiteY5" fmla="*/ 0 h 18288"/>
-              <a:gd name="connsiteX6" fmla="*/ 3255439 w 4243589"/>
-              <a:gd name="connsiteY6" fmla="*/ 0 h 18288"/>
-              <a:gd name="connsiteX7" fmla="*/ 4243589 w 4243589"/>
-              <a:gd name="connsiteY7" fmla="*/ 0 h 18288"/>
-              <a:gd name="connsiteX8" fmla="*/ 4243589 w 4243589"/>
-              <a:gd name="connsiteY8" fmla="*/ 18288 h 18288"/>
-              <a:gd name="connsiteX9" fmla="*/ 3594926 w 4243589"/>
-              <a:gd name="connsiteY9" fmla="*/ 18288 h 18288"/>
-              <a:gd name="connsiteX10" fmla="*/ 3073571 w 4243589"/>
-              <a:gd name="connsiteY10" fmla="*/ 18288 h 18288"/>
-              <a:gd name="connsiteX11" fmla="*/ 2552216 w 4243589"/>
-              <a:gd name="connsiteY11" fmla="*/ 18288 h 18288"/>
-              <a:gd name="connsiteX12" fmla="*/ 1903553 w 4243589"/>
-              <a:gd name="connsiteY12" fmla="*/ 18288 h 18288"/>
-              <a:gd name="connsiteX13" fmla="*/ 1212454 w 4243589"/>
-              <a:gd name="connsiteY13" fmla="*/ 18288 h 18288"/>
-              <a:gd name="connsiteX14" fmla="*/ 733535 w 4243589"/>
-              <a:gd name="connsiteY14" fmla="*/ 18288 h 18288"/>
-              <a:gd name="connsiteX15" fmla="*/ 0 w 4243589"/>
-              <a:gd name="connsiteY15" fmla="*/ 18288 h 18288"/>
-              <a:gd name="connsiteX16" fmla="*/ 0 w 4243589"/>
-              <a:gd name="connsiteY16" fmla="*/ 0 h 18288"/>
-            </a:gdLst>
-            <a:ahLst/>
-            <a:cxnLst>
-              <a:cxn ang="0">
-                <a:pos x="connsiteX0" y="connsiteY0"/>
-              </a:cxn>
-              <a:cxn ang="0">
-                <a:pos x="connsiteX1" y="connsiteY1"/>
-              </a:cxn>
-              <a:cxn ang="0">
-                <a:pos x="connsiteX2" y="connsiteY2"/>
-              </a:cxn>
-              <a:cxn ang="0">
-                <a:pos x="connsiteX3" y="connsiteY3"/>
-              </a:cxn>
-              <a:cxn ang="0">
-                <a:pos x="connsiteX4" y="connsiteY4"/>
-              </a:cxn>
-              <a:cxn ang="0">
-                <a:pos x="connsiteX5" y="connsiteY5"/>
-              </a:cxn>
-              <a:cxn ang="0">
-                <a:pos x="connsiteX6" y="connsiteY6"/>
-              </a:cxn>
-              <a:cxn ang="0">
-                <a:pos x="connsiteX7" y="connsiteY7"/>
-              </a:cxn>
-              <a:cxn ang="0">
-                <a:pos x="connsiteX8" y="connsiteY8"/>
-              </a:cxn>
-              <a:cxn ang="0">
-                <a:pos x="connsiteX9" y="connsiteY9"/>
-              </a:cxn>
-              <a:cxn ang="0">
-                <a:pos x="connsiteX10" y="connsiteY10"/>
-              </a:cxn>
-              <a:cxn ang="0">
-                <a:pos x="connsiteX11" y="connsiteY11"/>
-              </a:cxn>
-              <a:cxn ang="0">
-                <a:pos x="connsiteX12" y="connsiteY12"/>
-              </a:cxn>
-              <a:cxn ang="0">
-                <a:pos x="connsiteX13" y="connsiteY13"/>
-              </a:cxn>
-              <a:cxn ang="0">
-                <a:pos x="connsiteX14" y="connsiteY14"/>
-              </a:cxn>
-              <a:cxn ang="0">
-                <a:pos x="connsiteX15" y="connsiteY15"/>
-              </a:cxn>
-              <a:cxn ang="0">
-                <a:pos x="connsiteX16" y="connsiteY16"/>
-              </a:cxn>
-            </a:cxnLst>
-            <a:rect l="l" t="t" r="r" b="b"/>
-            <a:pathLst>
-              <a:path w="4243589" h="18288" fill="none" extrusionOk="0">
-                <a:moveTo>
-                  <a:pt x="0" y="0"/>
-                </a:moveTo>
-                <a:cubicBezTo>
-                  <a:pt x="213395" y="-21006"/>
-                  <a:pt x="307421" y="-18116"/>
-                  <a:pt x="478919" y="0"/>
-                </a:cubicBezTo>
-                <a:cubicBezTo>
-                  <a:pt x="650417" y="18116"/>
-                  <a:pt x="831092" y="-21237"/>
-                  <a:pt x="957839" y="0"/>
-                </a:cubicBezTo>
-                <a:cubicBezTo>
-                  <a:pt x="1084586" y="21237"/>
-                  <a:pt x="1301682" y="25124"/>
-                  <a:pt x="1521630" y="0"/>
-                </a:cubicBezTo>
-                <a:cubicBezTo>
-                  <a:pt x="1741578" y="-25124"/>
-                  <a:pt x="1970269" y="-29139"/>
-                  <a:pt x="2212729" y="0"/>
-                </a:cubicBezTo>
-                <a:cubicBezTo>
-                  <a:pt x="2455189" y="29139"/>
-                  <a:pt x="2558847" y="-4796"/>
-                  <a:pt x="2734084" y="0"/>
-                </a:cubicBezTo>
-                <a:cubicBezTo>
-                  <a:pt x="2909321" y="4796"/>
-                  <a:pt x="3097217" y="-13409"/>
-                  <a:pt x="3255439" y="0"/>
-                </a:cubicBezTo>
-                <a:cubicBezTo>
-                  <a:pt x="3413662" y="13409"/>
-                  <a:pt x="3979999" y="-10121"/>
-                  <a:pt x="4243589" y="0"/>
-                </a:cubicBezTo>
-                <a:cubicBezTo>
-                  <a:pt x="4244484" y="8974"/>
-                  <a:pt x="4243043" y="9359"/>
-                  <a:pt x="4243589" y="18288"/>
-                </a:cubicBezTo>
-                <a:cubicBezTo>
-                  <a:pt x="4058777" y="31246"/>
-                  <a:pt x="3910348" y="3158"/>
-                  <a:pt x="3594926" y="18288"/>
-                </a:cubicBezTo>
-                <a:cubicBezTo>
-                  <a:pt x="3279504" y="33418"/>
-                  <a:pt x="3319955" y="-3977"/>
-                  <a:pt x="3073571" y="18288"/>
-                </a:cubicBezTo>
-                <a:cubicBezTo>
-                  <a:pt x="2827187" y="40553"/>
-                  <a:pt x="2767387" y="1863"/>
-                  <a:pt x="2552216" y="18288"/>
-                </a:cubicBezTo>
-                <a:cubicBezTo>
-                  <a:pt x="2337046" y="34713"/>
-                  <a:pt x="2181871" y="19527"/>
-                  <a:pt x="1903553" y="18288"/>
-                </a:cubicBezTo>
-                <a:cubicBezTo>
-                  <a:pt x="1625235" y="17049"/>
-                  <a:pt x="1557672" y="24174"/>
-                  <a:pt x="1212454" y="18288"/>
-                </a:cubicBezTo>
-                <a:cubicBezTo>
-                  <a:pt x="867236" y="12402"/>
-                  <a:pt x="874382" y="15627"/>
-                  <a:pt x="733535" y="18288"/>
-                </a:cubicBezTo>
-                <a:cubicBezTo>
-                  <a:pt x="592688" y="20949"/>
-                  <a:pt x="183477" y="14753"/>
-                  <a:pt x="0" y="18288"/>
-                </a:cubicBezTo>
-                <a:cubicBezTo>
-                  <a:pt x="-229" y="14222"/>
-                  <a:pt x="509" y="5816"/>
-                  <a:pt x="0" y="0"/>
-                </a:cubicBezTo>
-                <a:close/>
-              </a:path>
-              <a:path w="4243589" h="18288" stroke="0" extrusionOk="0">
-                <a:moveTo>
-                  <a:pt x="0" y="0"/>
-                </a:moveTo>
-                <a:cubicBezTo>
-                  <a:pt x="143690" y="16630"/>
-                  <a:pt x="266667" y="14847"/>
-                  <a:pt x="521355" y="0"/>
-                </a:cubicBezTo>
-                <a:cubicBezTo>
-                  <a:pt x="776043" y="-14847"/>
-                  <a:pt x="814491" y="-17363"/>
-                  <a:pt x="1000275" y="0"/>
-                </a:cubicBezTo>
-                <a:cubicBezTo>
-                  <a:pt x="1186059" y="17363"/>
-                  <a:pt x="1352504" y="-23507"/>
-                  <a:pt x="1521630" y="0"/>
-                </a:cubicBezTo>
-                <a:cubicBezTo>
-                  <a:pt x="1690756" y="23507"/>
-                  <a:pt x="1889525" y="5871"/>
-                  <a:pt x="2127857" y="0"/>
-                </a:cubicBezTo>
-                <a:cubicBezTo>
-                  <a:pt x="2366189" y="-5871"/>
-                  <a:pt x="2620628" y="-27997"/>
-                  <a:pt x="2776520" y="0"/>
-                </a:cubicBezTo>
-                <a:cubicBezTo>
-                  <a:pt x="2932412" y="27997"/>
-                  <a:pt x="3131683" y="-25073"/>
-                  <a:pt x="3467618" y="0"/>
-                </a:cubicBezTo>
-                <a:cubicBezTo>
-                  <a:pt x="3803553" y="25073"/>
-                  <a:pt x="4017371" y="3071"/>
-                  <a:pt x="4243589" y="0"/>
-                </a:cubicBezTo>
-                <a:cubicBezTo>
-                  <a:pt x="4243134" y="6162"/>
-                  <a:pt x="4243492" y="11775"/>
-                  <a:pt x="4243589" y="18288"/>
-                </a:cubicBezTo>
-                <a:cubicBezTo>
-                  <a:pt x="4017834" y="-5779"/>
-                  <a:pt x="3834586" y="13376"/>
-                  <a:pt x="3594926" y="18288"/>
-                </a:cubicBezTo>
-                <a:cubicBezTo>
-                  <a:pt x="3355266" y="23200"/>
-                  <a:pt x="3204179" y="2869"/>
-                  <a:pt x="2903827" y="18288"/>
-                </a:cubicBezTo>
-                <a:cubicBezTo>
-                  <a:pt x="2603475" y="33707"/>
-                  <a:pt x="2526187" y="46187"/>
-                  <a:pt x="2212729" y="18288"/>
-                </a:cubicBezTo>
-                <a:cubicBezTo>
-                  <a:pt x="1899271" y="-9611"/>
-                  <a:pt x="1966289" y="29692"/>
-                  <a:pt x="1733809" y="18288"/>
-                </a:cubicBezTo>
-                <a:cubicBezTo>
-                  <a:pt x="1501329" y="6884"/>
-                  <a:pt x="1343612" y="12492"/>
-                  <a:pt x="1085146" y="18288"/>
-                </a:cubicBezTo>
-                <a:cubicBezTo>
-                  <a:pt x="826680" y="24084"/>
-                  <a:pt x="778184" y="35607"/>
-                  <a:pt x="521355" y="18288"/>
-                </a:cubicBezTo>
-                <a:cubicBezTo>
-                  <a:pt x="264526" y="969"/>
-                  <a:pt x="120277" y="4268"/>
-                  <a:pt x="0" y="18288"/>
-                </a:cubicBezTo>
-                <a:cubicBezTo>
-                  <a:pt x="766" y="10800"/>
-                  <a:pt x="-457" y="8180"/>
-                  <a:pt x="0" y="0"/>
-                </a:cubicBezTo>
-                <a:close/>
-              </a:path>
-            </a:pathLst>
-          </a:custGeom>
-          <a:solidFill>
-            <a:schemeClr val="accent2"/>
-          </a:solidFill>
-          <a:ln w="44450" cap="rnd">
-            <a:solidFill>
-              <a:schemeClr val="accent2"/>
-            </a:solidFill>
-            <a:round/>
-            <a:extLst>
-              <a:ext uri="{C807C97D-BFC1-408E-A445-0C87EB9F89A2}">
-                <ask:lineSketchStyleProps xmlns:ask="http://schemas.microsoft.com/office/drawing/2018/sketchyshapes" sd="2727557108">
-                  <a:prstGeom prst="rect">
-                    <a:avLst/>
-                  </a:prstGeom>
-                  <ask:type>
-                    <ask:lineSketchFreehand/>
-                  </ask:type>
-                </ask:lineSketchStyleProps>
-              </a:ext>
-            </a:extLst>
-          </a:ln>
-        </p:spPr>
-        <p:style>
-          <a:lnRef idx="2">
-            <a:schemeClr val="accent1">
-              <a:shade val="50000"/>
-            </a:schemeClr>
-          </a:lnRef>
-          <a:fillRef idx="1">
-            <a:schemeClr val="accent1"/>
-          </a:fillRef>
-          <a:effectRef idx="0">
-            <a:schemeClr val="accent1"/>
-          </a:effectRef>
-          <a:fontRef idx="minor">
-            <a:schemeClr val="lt1"/>
-          </a:fontRef>
-        </p:style>
-        <p:txBody>
-          <a:bodyPr rtlCol="0" anchor="ctr"/>
-          <a:lstStyle/>
-          <a:p>
-            <a:pPr algn="ctr"/>
-            <a:endParaRPr lang="en-US"/>
-          </a:p>
-        </p:txBody>
-      </p:sp>
-      <p:sp>
-        <p:nvSpPr>
-          <p:cNvPr id="3" name="Content Placeholder 2">
-            <a:extLst>
-              <a:ext uri="{FF2B5EF4-FFF2-40B4-BE49-F238E27FC236}">
-                <a16:creationId xmlns:a16="http://schemas.microsoft.com/office/drawing/2014/main" id="{37332AC8-CB08-5618-1BDB-C47109161E18}"/>
-              </a:ext>
-            </a:extLst>
-          </p:cNvPr>
-          <p:cNvSpPr>
-            <a:spLocks noGrp="1"/>
-          </p:cNvSpPr>
-          <p:nvPr>
-            <p:ph idx="1"/>
-          </p:nvPr>
-        </p:nvSpPr>
-        <p:spPr>
-          <a:xfrm>
-            <a:off x="5297762" y="2706624"/>
-            <a:ext cx="6251110" cy="3483864"/>
-          </a:xfrm>
-        </p:spPr>
-        <p:txBody>
-          <a:bodyPr>
-            <a:normAutofit/>
-          </a:bodyPr>
-          <a:lstStyle/>
-          <a:p>
-            <a:endParaRPr lang="en-US" sz="2200"/>
-          </a:p>
-          <a:p>
-            <a:pPr marL="0" indent="0">
-              <a:buNone/>
-            </a:pPr>
-            <a:endParaRPr lang="en-US" sz="2200"/>
-          </a:p>
-        </p:txBody>
-      </p:sp>
-      <p:sp>
-        <p:nvSpPr>
-          <p:cNvPr id="4" name="Slide Number Placeholder 3">
-            <a:extLst>
-              <a:ext uri="{FF2B5EF4-FFF2-40B4-BE49-F238E27FC236}">
-                <a16:creationId xmlns:a16="http://schemas.microsoft.com/office/drawing/2014/main" id="{45D9D304-197D-D28C-47A3-F050ED4CFEFD}"/>
-              </a:ext>
-            </a:extLst>
-          </p:cNvPr>
-          <p:cNvSpPr>
-            <a:spLocks noGrp="1"/>
-          </p:cNvSpPr>
-          <p:nvPr>
-            <p:ph type="sldNum" sz="quarter" idx="12"/>
-          </p:nvPr>
-        </p:nvSpPr>
-        <p:spPr>
-          <a:xfrm>
-            <a:off x="10052978" y="6356350"/>
-            <a:ext cx="1300821" cy="365125"/>
-          </a:xfrm>
-        </p:spPr>
-        <p:txBody>
-          <a:bodyPr>
-            <a:normAutofit/>
-          </a:bodyPr>
-          <a:lstStyle/>
-          <a:p>
-            <a:pPr>
-              <a:spcAft>
-                <a:spcPts val="600"/>
-              </a:spcAft>
-            </a:pPr>
-            <a:fld id="{20F37917-FD3A-4669-9018-DA04BCDD3D75}" type="slidenum">
-              <a:rPr lang="en-US" smtClean="0"/>
-              <a:pPr>
-                <a:spcAft>
-                  <a:spcPts val="600"/>
-                </a:spcAft>
-              </a:pPr>
-              <a:t>29</a:t>
-            </a:fld>
-            <a:endParaRPr lang="en-US"/>
-          </a:p>
-        </p:txBody>
-      </p:sp>
-    </p:spTree>
-    <p:extLst>
-      <p:ext uri="{BB962C8B-B14F-4D97-AF65-F5344CB8AC3E}">
-        <p14:creationId xmlns:p14="http://schemas.microsoft.com/office/powerpoint/2010/main" val="1303431113"/>
+        <p14:creationId xmlns:p14="http://schemas.microsoft.com/office/powerpoint/2010/main" val="2140347464"/>
       </p:ext>
     </p:extLst>
   </p:cSld>
@@ -21077,3595 +20040,6 @@
 </p:sld>
 </file>
 
-<file path=ppt/slides/slide30.xml><?xml version="1.0" encoding="utf-8"?>
-<p:sld xmlns:a="http://schemas.openxmlformats.org/drawingml/2006/main" xmlns:r="http://schemas.openxmlformats.org/officeDocument/2006/relationships" xmlns:p="http://schemas.openxmlformats.org/presentationml/2006/main" show="0">
-  <p:cSld>
-    <p:spTree>
-      <p:nvGrpSpPr>
-        <p:cNvPr id="1" name=""/>
-        <p:cNvGrpSpPr/>
-        <p:nvPr/>
-      </p:nvGrpSpPr>
-      <p:grpSpPr>
-        <a:xfrm>
-          <a:off x="0" y="0"/>
-          <a:ext cx="0" cy="0"/>
-          <a:chOff x="0" y="0"/>
-          <a:chExt cx="0" cy="0"/>
-        </a:xfrm>
-      </p:grpSpPr>
-      <p:sp>
-        <p:nvSpPr>
-          <p:cNvPr id="2" name="Title 1">
-            <a:extLst>
-              <a:ext uri="{FF2B5EF4-FFF2-40B4-BE49-F238E27FC236}">
-                <a16:creationId xmlns:a16="http://schemas.microsoft.com/office/drawing/2014/main" id="{6D7FE7B3-C6CB-6B03-07B9-822FC3676710}"/>
-              </a:ext>
-            </a:extLst>
-          </p:cNvPr>
-          <p:cNvSpPr>
-            <a:spLocks noGrp="1"/>
-          </p:cNvSpPr>
-          <p:nvPr>
-            <p:ph type="title"/>
-          </p:nvPr>
-        </p:nvSpPr>
-        <p:spPr/>
-        <p:txBody>
-          <a:bodyPr>
-            <a:normAutofit/>
-          </a:bodyPr>
-          <a:lstStyle/>
-          <a:p>
-            <a:r>
-              <a:rPr lang="en-US" dirty="0"/>
-              <a:t>Value Sensitive Design (VSD) is an ethical Framework to gather requirements</a:t>
-            </a:r>
-          </a:p>
-        </p:txBody>
-      </p:sp>
-      <p:sp>
-        <p:nvSpPr>
-          <p:cNvPr id="3" name="Content Placeholder 2">
-            <a:extLst>
-              <a:ext uri="{FF2B5EF4-FFF2-40B4-BE49-F238E27FC236}">
-                <a16:creationId xmlns:a16="http://schemas.microsoft.com/office/drawing/2014/main" id="{B78E0F47-C40D-AF55-04F9-C6043963616F}"/>
-              </a:ext>
-            </a:extLst>
-          </p:cNvPr>
-          <p:cNvSpPr>
-            <a:spLocks noGrp="1"/>
-          </p:cNvSpPr>
-          <p:nvPr>
-            <p:ph idx="1"/>
-          </p:nvPr>
-        </p:nvSpPr>
-        <p:spPr>
-          <a:xfrm>
-            <a:off x="838200" y="1500160"/>
-            <a:ext cx="10400414" cy="4856190"/>
-          </a:xfrm>
-        </p:spPr>
-        <p:txBody>
-          <a:bodyPr>
-            <a:normAutofit/>
-          </a:bodyPr>
-          <a:lstStyle/>
-          <a:p>
-            <a:r>
-              <a:rPr lang="en-US" dirty="0"/>
-              <a:t>Until now we have learned about the methods to document requirements – user stories and conditions of satisfaction.</a:t>
-            </a:r>
-          </a:p>
-          <a:p>
-            <a:r>
-              <a:rPr lang="en-US" dirty="0"/>
-              <a:t>But how do we come up with requirements in the first place?</a:t>
-            </a:r>
-          </a:p>
-          <a:p>
-            <a:pPr lvl="1"/>
-            <a:r>
-              <a:rPr lang="en-US" dirty="0"/>
-              <a:t>One approach is to use an ethical framework called Value Sensitive Design (VSD) to systematically help us reason about the several design choices that go into coming up with requirements.</a:t>
-            </a:r>
-          </a:p>
-          <a:p>
-            <a:r>
-              <a:rPr lang="en-US" dirty="0"/>
-              <a:t>But, why VSD?</a:t>
-            </a:r>
-          </a:p>
-          <a:p>
-            <a:pPr lvl="1"/>
-            <a:r>
-              <a:rPr lang="en-US" dirty="0"/>
-              <a:t>Design choices made during developing software (or any technology) often implicate human values!</a:t>
-            </a:r>
-          </a:p>
-          <a:p>
-            <a:pPr lvl="1"/>
-            <a:r>
-              <a:rPr lang="en-US" dirty="0"/>
-              <a:t>Ignoring values in the requirements and design process is </a:t>
-            </a:r>
-            <a:r>
-              <a:rPr lang="en-US" b="1" dirty="0"/>
-              <a:t>irresponsible</a:t>
-            </a:r>
-            <a:r>
-              <a:rPr lang="en-US" dirty="0"/>
-              <a:t>.</a:t>
-            </a:r>
-          </a:p>
-        </p:txBody>
-      </p:sp>
-      <p:sp>
-        <p:nvSpPr>
-          <p:cNvPr id="4" name="Slide Number Placeholder 3">
-            <a:extLst>
-              <a:ext uri="{FF2B5EF4-FFF2-40B4-BE49-F238E27FC236}">
-                <a16:creationId xmlns:a16="http://schemas.microsoft.com/office/drawing/2014/main" id="{F781C33C-0916-3DED-5FA4-D82F64A35D84}"/>
-              </a:ext>
-            </a:extLst>
-          </p:cNvPr>
-          <p:cNvSpPr>
-            <a:spLocks noGrp="1"/>
-          </p:cNvSpPr>
-          <p:nvPr>
-            <p:ph type="sldNum" sz="quarter" idx="12"/>
-          </p:nvPr>
-        </p:nvSpPr>
-        <p:spPr/>
-        <p:txBody>
-          <a:bodyPr/>
-          <a:lstStyle/>
-          <a:p>
-            <a:fld id="{20F37917-FD3A-4669-9018-DA04BCDD3D75}" type="slidenum">
-              <a:rPr lang="en-US" smtClean="0"/>
-              <a:t>30</a:t>
-            </a:fld>
-            <a:endParaRPr lang="en-US"/>
-          </a:p>
-        </p:txBody>
-      </p:sp>
-    </p:spTree>
-    <p:extLst>
-      <p:ext uri="{BB962C8B-B14F-4D97-AF65-F5344CB8AC3E}">
-        <p14:creationId xmlns:p14="http://schemas.microsoft.com/office/powerpoint/2010/main" val="2949272037"/>
-      </p:ext>
-    </p:extLst>
-  </p:cSld>
-  <p:clrMapOvr>
-    <a:masterClrMapping/>
-  </p:clrMapOvr>
-</p:sld>
-</file>
-
-<file path=ppt/slides/slide31.xml><?xml version="1.0" encoding="utf-8"?>
-<p:sld xmlns:a="http://schemas.openxmlformats.org/drawingml/2006/main" xmlns:r="http://schemas.openxmlformats.org/officeDocument/2006/relationships" xmlns:p="http://schemas.openxmlformats.org/presentationml/2006/main" show="0">
-  <p:cSld>
-    <p:spTree>
-      <p:nvGrpSpPr>
-        <p:cNvPr id="1" name=""/>
-        <p:cNvGrpSpPr/>
-        <p:nvPr/>
-      </p:nvGrpSpPr>
-      <p:grpSpPr>
-        <a:xfrm>
-          <a:off x="0" y="0"/>
-          <a:ext cx="0" cy="0"/>
-          <a:chOff x="0" y="0"/>
-          <a:chExt cx="0" cy="0"/>
-        </a:xfrm>
-      </p:grpSpPr>
-      <p:sp>
-        <p:nvSpPr>
-          <p:cNvPr id="2" name="Title 1">
-            <a:extLst>
-              <a:ext uri="{FF2B5EF4-FFF2-40B4-BE49-F238E27FC236}">
-                <a16:creationId xmlns:a16="http://schemas.microsoft.com/office/drawing/2014/main" id="{A1BC45B7-C3B3-528F-B1BB-79C1B4293EE0}"/>
-              </a:ext>
-            </a:extLst>
-          </p:cNvPr>
-          <p:cNvSpPr>
-            <a:spLocks noGrp="1"/>
-          </p:cNvSpPr>
-          <p:nvPr>
-            <p:ph type="title"/>
-          </p:nvPr>
-        </p:nvSpPr>
-        <p:spPr/>
-        <p:txBody>
-          <a:bodyPr/>
-          <a:lstStyle/>
-          <a:p>
-            <a:r>
-              <a:rPr lang="en-US" dirty="0"/>
-              <a:t>Value Sensitive Design (VSD) in Brief</a:t>
-            </a:r>
-          </a:p>
-        </p:txBody>
-      </p:sp>
-      <p:sp>
-        <p:nvSpPr>
-          <p:cNvPr id="3" name="Content Placeholder 2">
-            <a:extLst>
-              <a:ext uri="{FF2B5EF4-FFF2-40B4-BE49-F238E27FC236}">
-                <a16:creationId xmlns:a16="http://schemas.microsoft.com/office/drawing/2014/main" id="{45CBFF48-4524-5C3E-6779-236CBCD0B337}"/>
-              </a:ext>
-            </a:extLst>
-          </p:cNvPr>
-          <p:cNvSpPr>
-            <a:spLocks noGrp="1"/>
-          </p:cNvSpPr>
-          <p:nvPr>
-            <p:ph idx="1"/>
-          </p:nvPr>
-        </p:nvSpPr>
-        <p:spPr>
-          <a:xfrm>
-            <a:off x="838200" y="1500160"/>
-            <a:ext cx="4701363" cy="4351338"/>
-          </a:xfrm>
-        </p:spPr>
-        <p:txBody>
-          <a:bodyPr>
-            <a:normAutofit fontScale="85000" lnSpcReduction="20000"/>
-          </a:bodyPr>
-          <a:lstStyle/>
-          <a:p>
-            <a:pPr marL="0" indent="0">
-              <a:buNone/>
-            </a:pPr>
-            <a:r>
-              <a:rPr lang="en-US" dirty="0"/>
-              <a:t>VSD is a(n) . . . </a:t>
-            </a:r>
-          </a:p>
-          <a:p>
-            <a:pPr marL="0" indent="0">
-              <a:buNone/>
-            </a:pPr>
-            <a:endParaRPr lang="en-US" dirty="0"/>
-          </a:p>
-          <a:p>
-            <a:pPr marL="0" indent="0">
-              <a:buNone/>
-            </a:pPr>
-            <a:r>
-              <a:rPr lang="en-US" b="1" dirty="0"/>
-              <a:t>Outlook</a:t>
-            </a:r>
-            <a:r>
-              <a:rPr lang="en-US" dirty="0"/>
-              <a:t> for seeing the values in technology design</a:t>
-            </a:r>
-          </a:p>
-          <a:p>
-            <a:pPr marL="0" indent="0">
-              <a:buNone/>
-            </a:pPr>
-            <a:endParaRPr lang="en-US" dirty="0"/>
-          </a:p>
-          <a:p>
-            <a:pPr marL="0" indent="0">
-              <a:buNone/>
-            </a:pPr>
-            <a:r>
-              <a:rPr lang="en-US" b="1" dirty="0"/>
-              <a:t>Process</a:t>
-            </a:r>
-            <a:r>
-              <a:rPr lang="en-US" dirty="0"/>
-              <a:t> for making value-based choices within design</a:t>
-            </a:r>
-          </a:p>
-          <a:p>
-            <a:r>
-              <a:rPr lang="en-US" dirty="0"/>
-              <a:t>Combines </a:t>
-            </a:r>
-            <a:r>
-              <a:rPr lang="en-US" b="1" dirty="0">
-                <a:solidFill>
-                  <a:srgbClr val="FF0000"/>
-                </a:solidFill>
-              </a:rPr>
-              <a:t>empirical</a:t>
-            </a:r>
-            <a:r>
-              <a:rPr lang="en-US" dirty="0"/>
-              <a:t>, </a:t>
-            </a:r>
-            <a:r>
-              <a:rPr lang="en-US" b="1" dirty="0">
-                <a:solidFill>
-                  <a:srgbClr val="FF0000"/>
-                </a:solidFill>
-              </a:rPr>
-              <a:t>value</a:t>
-            </a:r>
-            <a:r>
-              <a:rPr lang="en-US" dirty="0"/>
-              <a:t>, and </a:t>
-            </a:r>
-            <a:r>
-              <a:rPr lang="en-US" b="1" dirty="0">
-                <a:solidFill>
-                  <a:srgbClr val="FF0000"/>
-                </a:solidFill>
-              </a:rPr>
-              <a:t>technical</a:t>
-            </a:r>
-            <a:r>
-              <a:rPr lang="en-US" dirty="0"/>
-              <a:t> investigations</a:t>
-            </a:r>
-          </a:p>
-          <a:p>
-            <a:r>
-              <a:rPr lang="en-US" dirty="0"/>
-              <a:t>Design solutions that incorporate the values held by </a:t>
-            </a:r>
-            <a:r>
-              <a:rPr lang="en-US" b="1" dirty="0"/>
-              <a:t>stakeholders</a:t>
-            </a:r>
-          </a:p>
-          <a:p>
-            <a:r>
-              <a:rPr lang="en-US" dirty="0"/>
-              <a:t>Considers problems and solutions from </a:t>
-            </a:r>
-            <a:r>
-              <a:rPr lang="en-US" b="1" dirty="0"/>
-              <a:t>diverse perspectives</a:t>
-            </a:r>
-          </a:p>
-        </p:txBody>
-      </p:sp>
-      <p:sp>
-        <p:nvSpPr>
-          <p:cNvPr id="4" name="Slide Number Placeholder 3">
-            <a:extLst>
-              <a:ext uri="{FF2B5EF4-FFF2-40B4-BE49-F238E27FC236}">
-                <a16:creationId xmlns:a16="http://schemas.microsoft.com/office/drawing/2014/main" id="{52F51AE8-7E6C-E80A-9C51-1DDE96887DEC}"/>
-              </a:ext>
-            </a:extLst>
-          </p:cNvPr>
-          <p:cNvSpPr>
-            <a:spLocks noGrp="1"/>
-          </p:cNvSpPr>
-          <p:nvPr>
-            <p:ph type="sldNum" sz="quarter" idx="12"/>
-          </p:nvPr>
-        </p:nvSpPr>
-        <p:spPr/>
-        <p:txBody>
-          <a:bodyPr/>
-          <a:lstStyle/>
-          <a:p>
-            <a:fld id="{20F37917-FD3A-4669-9018-DA04BCDD3D75}" type="slidenum">
-              <a:rPr lang="en-US" smtClean="0"/>
-              <a:t>31</a:t>
-            </a:fld>
-            <a:endParaRPr lang="en-US"/>
-          </a:p>
-        </p:txBody>
-      </p:sp>
-      <p:sp>
-        <p:nvSpPr>
-          <p:cNvPr id="5" name="Content Placeholder 2">
-            <a:extLst>
-              <a:ext uri="{FF2B5EF4-FFF2-40B4-BE49-F238E27FC236}">
-                <a16:creationId xmlns:a16="http://schemas.microsoft.com/office/drawing/2014/main" id="{FAA45642-A29F-F5B7-7D27-AC7467651222}"/>
-              </a:ext>
-            </a:extLst>
-          </p:cNvPr>
-          <p:cNvSpPr txBox="1">
-            <a:spLocks/>
-          </p:cNvSpPr>
-          <p:nvPr/>
-        </p:nvSpPr>
-        <p:spPr>
-          <a:xfrm>
-            <a:off x="6498265" y="1500160"/>
-            <a:ext cx="4701363" cy="4351338"/>
-          </a:xfrm>
-          <a:prstGeom prst="rect">
-            <a:avLst/>
-          </a:prstGeom>
-        </p:spPr>
-        <p:txBody>
-          <a:bodyPr vert="horz" lIns="91440" tIns="45720" rIns="91440" bIns="45720" rtlCol="0">
-            <a:normAutofit fontScale="85000" lnSpcReduction="20000"/>
-          </a:bodyPr>
-          <a:lstStyle>
-            <a:lvl1pPr marL="228600" indent="-228600" algn="l" defTabSz="914400" rtl="0" eaLnBrk="1" latinLnBrk="0" hangingPunct="1">
-              <a:lnSpc>
-                <a:spcPct val="90000"/>
-              </a:lnSpc>
-              <a:spcBef>
-                <a:spcPts val="1000"/>
-              </a:spcBef>
-              <a:buFont typeface="Arial" panose="020B0604020202020204" pitchFamily="34" charset="0"/>
-              <a:buChar char="•"/>
-              <a:defRPr sz="2800" kern="1200">
-                <a:solidFill>
-                  <a:schemeClr val="tx1"/>
-                </a:solidFill>
-                <a:latin typeface="+mn-lt"/>
-                <a:ea typeface="+mn-ea"/>
-                <a:cs typeface="+mn-cs"/>
-              </a:defRPr>
-            </a:lvl1pPr>
-            <a:lvl2pPr marL="685800" indent="-228600" algn="l" defTabSz="914400" rtl="0" eaLnBrk="1" latinLnBrk="0" hangingPunct="1">
-              <a:lnSpc>
-                <a:spcPct val="90000"/>
-              </a:lnSpc>
-              <a:spcBef>
-                <a:spcPts val="500"/>
-              </a:spcBef>
-              <a:buFont typeface="Arial" panose="020B0604020202020204" pitchFamily="34" charset="0"/>
-              <a:buChar char="•"/>
-              <a:defRPr sz="2400" kern="1200">
-                <a:solidFill>
-                  <a:schemeClr val="tx1"/>
-                </a:solidFill>
-                <a:latin typeface="+mn-lt"/>
-                <a:ea typeface="+mn-ea"/>
-                <a:cs typeface="+mn-cs"/>
-              </a:defRPr>
-            </a:lvl2pPr>
-            <a:lvl3pPr marL="1143000" indent="-228600" algn="l" defTabSz="914400" rtl="0" eaLnBrk="1" latinLnBrk="0" hangingPunct="1">
-              <a:lnSpc>
-                <a:spcPct val="90000"/>
-              </a:lnSpc>
-              <a:spcBef>
-                <a:spcPts val="500"/>
-              </a:spcBef>
-              <a:buFont typeface="Arial" panose="020B0604020202020204" pitchFamily="34" charset="0"/>
-              <a:buChar char="•"/>
-              <a:defRPr sz="2000" kern="1200">
-                <a:solidFill>
-                  <a:schemeClr val="tx1"/>
-                </a:solidFill>
-                <a:latin typeface="+mn-lt"/>
-                <a:ea typeface="+mn-ea"/>
-                <a:cs typeface="+mn-cs"/>
-              </a:defRPr>
-            </a:lvl3pPr>
-            <a:lvl4pPr marL="1600200" indent="-228600" algn="l" defTabSz="914400" rtl="0" eaLnBrk="1" latinLnBrk="0" hangingPunct="1">
-              <a:lnSpc>
-                <a:spcPct val="90000"/>
-              </a:lnSpc>
-              <a:spcBef>
-                <a:spcPts val="500"/>
-              </a:spcBef>
-              <a:buFont typeface="Arial" panose="020B0604020202020204" pitchFamily="34" charset="0"/>
-              <a:buChar char="•"/>
-              <a:defRPr sz="1800" kern="1200">
-                <a:solidFill>
-                  <a:schemeClr val="tx1"/>
-                </a:solidFill>
-                <a:latin typeface="+mn-lt"/>
-                <a:ea typeface="+mn-ea"/>
-                <a:cs typeface="+mn-cs"/>
-              </a:defRPr>
-            </a:lvl4pPr>
-            <a:lvl5pPr marL="2057400" indent="-228600" algn="l" defTabSz="914400" rtl="0" eaLnBrk="1" latinLnBrk="0" hangingPunct="1">
-              <a:lnSpc>
-                <a:spcPct val="90000"/>
-              </a:lnSpc>
-              <a:spcBef>
-                <a:spcPts val="500"/>
-              </a:spcBef>
-              <a:buFont typeface="Arial" panose="020B0604020202020204" pitchFamily="34" charset="0"/>
-              <a:buChar char="•"/>
-              <a:defRPr sz="1800" kern="1200">
-                <a:solidFill>
-                  <a:schemeClr val="tx1"/>
-                </a:solidFill>
-                <a:latin typeface="+mn-lt"/>
-                <a:ea typeface="+mn-ea"/>
-                <a:cs typeface="+mn-cs"/>
-              </a:defRPr>
-            </a:lvl5pPr>
-            <a:lvl6pPr marL="2514600" indent="-228600" algn="l" defTabSz="914400" rtl="0" eaLnBrk="1" latinLnBrk="0" hangingPunct="1">
-              <a:lnSpc>
-                <a:spcPct val="90000"/>
-              </a:lnSpc>
-              <a:spcBef>
-                <a:spcPts val="500"/>
-              </a:spcBef>
-              <a:buFont typeface="Arial" panose="020B0604020202020204" pitchFamily="34" charset="0"/>
-              <a:buChar char="•"/>
-              <a:defRPr sz="1800" kern="1200">
-                <a:solidFill>
-                  <a:schemeClr val="tx1"/>
-                </a:solidFill>
-                <a:latin typeface="+mn-lt"/>
-                <a:ea typeface="+mn-ea"/>
-                <a:cs typeface="+mn-cs"/>
-              </a:defRPr>
-            </a:lvl6pPr>
-            <a:lvl7pPr marL="2971800" indent="-228600" algn="l" defTabSz="914400" rtl="0" eaLnBrk="1" latinLnBrk="0" hangingPunct="1">
-              <a:lnSpc>
-                <a:spcPct val="90000"/>
-              </a:lnSpc>
-              <a:spcBef>
-                <a:spcPts val="500"/>
-              </a:spcBef>
-              <a:buFont typeface="Arial" panose="020B0604020202020204" pitchFamily="34" charset="0"/>
-              <a:buChar char="•"/>
-              <a:defRPr sz="1800" kern="1200">
-                <a:solidFill>
-                  <a:schemeClr val="tx1"/>
-                </a:solidFill>
-                <a:latin typeface="+mn-lt"/>
-                <a:ea typeface="+mn-ea"/>
-                <a:cs typeface="+mn-cs"/>
-              </a:defRPr>
-            </a:lvl7pPr>
-            <a:lvl8pPr marL="3429000" indent="-228600" algn="l" defTabSz="914400" rtl="0" eaLnBrk="1" latinLnBrk="0" hangingPunct="1">
-              <a:lnSpc>
-                <a:spcPct val="90000"/>
-              </a:lnSpc>
-              <a:spcBef>
-                <a:spcPts val="500"/>
-              </a:spcBef>
-              <a:buFont typeface="Arial" panose="020B0604020202020204" pitchFamily="34" charset="0"/>
-              <a:buChar char="•"/>
-              <a:defRPr sz="1800" kern="1200">
-                <a:solidFill>
-                  <a:schemeClr val="tx1"/>
-                </a:solidFill>
-                <a:latin typeface="+mn-lt"/>
-                <a:ea typeface="+mn-ea"/>
-                <a:cs typeface="+mn-cs"/>
-              </a:defRPr>
-            </a:lvl8pPr>
-            <a:lvl9pPr marL="3886200" indent="-228600" algn="l" defTabSz="914400" rtl="0" eaLnBrk="1" latinLnBrk="0" hangingPunct="1">
-              <a:lnSpc>
-                <a:spcPct val="90000"/>
-              </a:lnSpc>
-              <a:spcBef>
-                <a:spcPts val="500"/>
-              </a:spcBef>
-              <a:buFont typeface="Arial" panose="020B0604020202020204" pitchFamily="34" charset="0"/>
-              <a:buChar char="•"/>
-              <a:defRPr sz="1800" kern="1200">
-                <a:solidFill>
-                  <a:schemeClr val="tx1"/>
-                </a:solidFill>
-                <a:latin typeface="+mn-lt"/>
-                <a:ea typeface="+mn-ea"/>
-                <a:cs typeface="+mn-cs"/>
-              </a:defRPr>
-            </a:lvl9pPr>
-          </a:lstStyle>
-          <a:p>
-            <a:pPr marL="0" indent="0">
-              <a:buFont typeface="Arial" panose="020B0604020202020204" pitchFamily="34" charset="0"/>
-              <a:buNone/>
-            </a:pPr>
-            <a:r>
-              <a:rPr lang="en-US" dirty="0"/>
-              <a:t>VSD is not . . . </a:t>
-            </a:r>
-          </a:p>
-          <a:p>
-            <a:pPr marL="0" indent="0">
-              <a:buFont typeface="Arial" panose="020B0604020202020204" pitchFamily="34" charset="0"/>
-              <a:buNone/>
-            </a:pPr>
-            <a:endParaRPr lang="en-US" dirty="0"/>
-          </a:p>
-          <a:p>
-            <a:pPr marL="0" indent="0">
-              <a:buFont typeface="Arial" panose="020B0604020202020204" pitchFamily="34" charset="0"/>
-              <a:buNone/>
-            </a:pPr>
-            <a:r>
-              <a:rPr lang="en-US" dirty="0"/>
-              <a:t>A moral framework or system of ethics</a:t>
-            </a:r>
-          </a:p>
-          <a:p>
-            <a:r>
-              <a:rPr lang="en-US" dirty="0"/>
-              <a:t>It does not prescribe decisions to make</a:t>
-            </a:r>
-          </a:p>
-          <a:p>
-            <a:r>
-              <a:rPr lang="en-US" dirty="0"/>
-              <a:t>It incorporates values reflections in the choosing process</a:t>
-            </a:r>
-          </a:p>
-          <a:p>
-            <a:pPr marL="0" indent="0">
-              <a:buNone/>
-            </a:pPr>
-            <a:r>
-              <a:rPr lang="en-US" dirty="0"/>
-              <a:t>It is not an algorithm for making decisions</a:t>
-            </a:r>
-          </a:p>
-          <a:p>
-            <a:r>
-              <a:rPr lang="en-US" dirty="0"/>
-              <a:t>Often, there are no easy answers</a:t>
-            </a:r>
-          </a:p>
-          <a:p>
-            <a:r>
-              <a:rPr lang="en-US" dirty="0"/>
-              <a:t>Takes sustained commitment</a:t>
-            </a:r>
-          </a:p>
-        </p:txBody>
-      </p:sp>
-    </p:spTree>
-    <p:extLst>
-      <p:ext uri="{BB962C8B-B14F-4D97-AF65-F5344CB8AC3E}">
-        <p14:creationId xmlns:p14="http://schemas.microsoft.com/office/powerpoint/2010/main" val="1894503580"/>
-      </p:ext>
-    </p:extLst>
-  </p:cSld>
-  <p:clrMapOvr>
-    <a:masterClrMapping/>
-  </p:clrMapOvr>
-</p:sld>
-</file>
-
-<file path=ppt/slides/slide32.xml><?xml version="1.0" encoding="utf-8"?>
-<p:sld xmlns:a="http://schemas.openxmlformats.org/drawingml/2006/main" xmlns:r="http://schemas.openxmlformats.org/officeDocument/2006/relationships" xmlns:p="http://schemas.openxmlformats.org/presentationml/2006/main" show="0">
-  <p:cSld>
-    <p:spTree>
-      <p:nvGrpSpPr>
-        <p:cNvPr id="1" name=""/>
-        <p:cNvGrpSpPr/>
-        <p:nvPr/>
-      </p:nvGrpSpPr>
-      <p:grpSpPr>
-        <a:xfrm>
-          <a:off x="0" y="0"/>
-          <a:ext cx="0" cy="0"/>
-          <a:chOff x="0" y="0"/>
-          <a:chExt cx="0" cy="0"/>
-        </a:xfrm>
-      </p:grpSpPr>
-      <p:sp>
-        <p:nvSpPr>
-          <p:cNvPr id="2" name="Title 1">
-            <a:extLst>
-              <a:ext uri="{FF2B5EF4-FFF2-40B4-BE49-F238E27FC236}">
-                <a16:creationId xmlns:a16="http://schemas.microsoft.com/office/drawing/2014/main" id="{D057E31F-9432-D273-E657-9160918E2DFC}"/>
-              </a:ext>
-            </a:extLst>
-          </p:cNvPr>
-          <p:cNvSpPr>
-            <a:spLocks noGrp="1"/>
-          </p:cNvSpPr>
-          <p:nvPr>
-            <p:ph type="title"/>
-          </p:nvPr>
-        </p:nvSpPr>
-        <p:spPr/>
-        <p:txBody>
-          <a:bodyPr/>
-          <a:lstStyle/>
-          <a:p>
-            <a:r>
-              <a:rPr lang="en-US" dirty="0"/>
-              <a:t>Motivating Example – Informed Consent</a:t>
-            </a:r>
-          </a:p>
-        </p:txBody>
-      </p:sp>
-      <p:sp>
-        <p:nvSpPr>
-          <p:cNvPr id="3" name="Content Placeholder 2">
-            <a:extLst>
-              <a:ext uri="{FF2B5EF4-FFF2-40B4-BE49-F238E27FC236}">
-                <a16:creationId xmlns:a16="http://schemas.microsoft.com/office/drawing/2014/main" id="{A47FEDD6-9257-06C3-64D2-A03956520DFA}"/>
-              </a:ext>
-            </a:extLst>
-          </p:cNvPr>
-          <p:cNvSpPr>
-            <a:spLocks noGrp="1"/>
-          </p:cNvSpPr>
-          <p:nvPr>
-            <p:ph idx="1"/>
-          </p:nvPr>
-        </p:nvSpPr>
-        <p:spPr>
-          <a:xfrm>
-            <a:off x="838200" y="1542364"/>
-            <a:ext cx="3563678" cy="4856190"/>
-          </a:xfrm>
-        </p:spPr>
-        <p:txBody>
-          <a:bodyPr>
-            <a:normAutofit fontScale="85000" lnSpcReduction="20000"/>
-          </a:bodyPr>
-          <a:lstStyle/>
-          <a:p>
-            <a:pPr marL="0" indent="0">
-              <a:buNone/>
-            </a:pPr>
-            <a:r>
-              <a:rPr lang="en-US" sz="3300" dirty="0">
-                <a:solidFill>
-                  <a:srgbClr val="FF0000"/>
-                </a:solidFill>
-              </a:rPr>
-              <a:t>Empirical Investigation:</a:t>
-            </a:r>
-          </a:p>
-          <a:p>
-            <a:pPr>
-              <a:buFont typeface="Wingdings" pitchFamily="2" charset="2"/>
-              <a:buChar char="v"/>
-            </a:pPr>
-            <a:r>
-              <a:rPr lang="en-US" dirty="0"/>
-              <a:t> </a:t>
-            </a:r>
-            <a:r>
-              <a:rPr lang="en-US" sz="3100" dirty="0"/>
-              <a:t>Understand what we mean by informed consent, encompasses:</a:t>
-            </a:r>
-          </a:p>
-          <a:p>
-            <a:pPr lvl="1">
-              <a:buFont typeface="Wingdings" pitchFamily="2" charset="2"/>
-              <a:buChar char="Ø"/>
-            </a:pPr>
-            <a:r>
-              <a:rPr lang="en-US" dirty="0"/>
-              <a:t> Disclosure. Do we know the pros and cons of taking an action?</a:t>
-            </a:r>
-          </a:p>
-          <a:p>
-            <a:pPr lvl="1">
-              <a:buFont typeface="Wingdings" pitchFamily="2" charset="2"/>
-              <a:buChar char="Ø"/>
-            </a:pPr>
-            <a:r>
-              <a:rPr lang="en-US" dirty="0"/>
-              <a:t>Comprehension. Do we understand the disclosures?</a:t>
-            </a:r>
-          </a:p>
-          <a:p>
-            <a:pPr lvl="1">
-              <a:buFont typeface="Wingdings" pitchFamily="2" charset="2"/>
-              <a:buChar char="Ø"/>
-            </a:pPr>
-            <a:r>
-              <a:rPr lang="en-US" dirty="0"/>
-              <a:t>Voluntariness. Is there coercion or manipulation?</a:t>
-            </a:r>
-          </a:p>
-          <a:p>
-            <a:pPr lvl="1">
-              <a:buFont typeface="Wingdings" pitchFamily="2" charset="2"/>
-              <a:buChar char="Ø"/>
-            </a:pPr>
-            <a:r>
-              <a:rPr lang="en-US" dirty="0"/>
-              <a:t>Agreement. Is there a clear opportunity to consent or not?</a:t>
-            </a:r>
-          </a:p>
-          <a:p>
-            <a:pPr lvl="1">
-              <a:buFont typeface="Wingdings" pitchFamily="2" charset="2"/>
-              <a:buChar char="Ø"/>
-            </a:pPr>
-            <a:r>
-              <a:rPr lang="en-US" dirty="0"/>
-              <a:t>Competence. Are we capable to give consent?</a:t>
-            </a:r>
-          </a:p>
-          <a:p>
-            <a:pPr>
-              <a:buFont typeface="Wingdings" pitchFamily="2" charset="2"/>
-              <a:buChar char="v"/>
-            </a:pPr>
-            <a:endParaRPr lang="en-US" dirty="0"/>
-          </a:p>
-          <a:p>
-            <a:pPr marL="0" indent="0">
-              <a:buNone/>
-            </a:pPr>
-            <a:endParaRPr lang="en-US" dirty="0"/>
-          </a:p>
-          <a:p>
-            <a:pPr lvl="1"/>
-            <a:endParaRPr lang="en-US" dirty="0"/>
-          </a:p>
-        </p:txBody>
-      </p:sp>
-      <p:sp>
-        <p:nvSpPr>
-          <p:cNvPr id="4" name="Slide Number Placeholder 3">
-            <a:extLst>
-              <a:ext uri="{FF2B5EF4-FFF2-40B4-BE49-F238E27FC236}">
-                <a16:creationId xmlns:a16="http://schemas.microsoft.com/office/drawing/2014/main" id="{1A309984-5F97-FD9B-DE57-02FEB834038B}"/>
-              </a:ext>
-            </a:extLst>
-          </p:cNvPr>
-          <p:cNvSpPr>
-            <a:spLocks noGrp="1"/>
-          </p:cNvSpPr>
-          <p:nvPr>
-            <p:ph type="sldNum" sz="quarter" idx="12"/>
-          </p:nvPr>
-        </p:nvSpPr>
-        <p:spPr/>
-        <p:txBody>
-          <a:bodyPr/>
-          <a:lstStyle/>
-          <a:p>
-            <a:fld id="{20F37917-FD3A-4669-9018-DA04BCDD3D75}" type="slidenum">
-              <a:rPr lang="en-US" smtClean="0"/>
-              <a:t>32</a:t>
-            </a:fld>
-            <a:endParaRPr lang="en-US"/>
-          </a:p>
-        </p:txBody>
-      </p:sp>
-      <p:sp>
-        <p:nvSpPr>
-          <p:cNvPr id="5" name="Content Placeholder 2">
-            <a:extLst>
-              <a:ext uri="{FF2B5EF4-FFF2-40B4-BE49-F238E27FC236}">
-                <a16:creationId xmlns:a16="http://schemas.microsoft.com/office/drawing/2014/main" id="{7C8C59BE-2B9E-3A09-FADE-C47010207B67}"/>
-              </a:ext>
-            </a:extLst>
-          </p:cNvPr>
-          <p:cNvSpPr txBox="1">
-            <a:spLocks/>
-          </p:cNvSpPr>
-          <p:nvPr/>
-        </p:nvSpPr>
-        <p:spPr>
-          <a:xfrm>
-            <a:off x="4531242" y="1500160"/>
-            <a:ext cx="3804684" cy="4351338"/>
-          </a:xfrm>
-          <a:prstGeom prst="rect">
-            <a:avLst/>
-          </a:prstGeom>
-        </p:spPr>
-        <p:txBody>
-          <a:bodyPr vert="horz" lIns="91440" tIns="45720" rIns="91440" bIns="45720" rtlCol="0">
-            <a:normAutofit/>
-          </a:bodyPr>
-          <a:lstStyle>
-            <a:lvl1pPr marL="228600" indent="-228600" algn="l" defTabSz="914400" rtl="0" eaLnBrk="1" latinLnBrk="0" hangingPunct="1">
-              <a:lnSpc>
-                <a:spcPct val="90000"/>
-              </a:lnSpc>
-              <a:spcBef>
-                <a:spcPts val="1000"/>
-              </a:spcBef>
-              <a:buFont typeface="Arial" panose="020B0604020202020204" pitchFamily="34" charset="0"/>
-              <a:buChar char="•"/>
-              <a:defRPr sz="2800" kern="1200">
-                <a:solidFill>
-                  <a:schemeClr val="tx1"/>
-                </a:solidFill>
-                <a:latin typeface="+mn-lt"/>
-                <a:ea typeface="+mn-ea"/>
-                <a:cs typeface="+mn-cs"/>
-              </a:defRPr>
-            </a:lvl1pPr>
-            <a:lvl2pPr marL="685800" indent="-228600" algn="l" defTabSz="914400" rtl="0" eaLnBrk="1" latinLnBrk="0" hangingPunct="1">
-              <a:lnSpc>
-                <a:spcPct val="90000"/>
-              </a:lnSpc>
-              <a:spcBef>
-                <a:spcPts val="500"/>
-              </a:spcBef>
-              <a:buFont typeface="Arial" panose="020B0604020202020204" pitchFamily="34" charset="0"/>
-              <a:buChar char="•"/>
-              <a:defRPr sz="2400" kern="1200">
-                <a:solidFill>
-                  <a:schemeClr val="tx1"/>
-                </a:solidFill>
-                <a:latin typeface="+mn-lt"/>
-                <a:ea typeface="+mn-ea"/>
-                <a:cs typeface="+mn-cs"/>
-              </a:defRPr>
-            </a:lvl2pPr>
-            <a:lvl3pPr marL="1143000" indent="-228600" algn="l" defTabSz="914400" rtl="0" eaLnBrk="1" latinLnBrk="0" hangingPunct="1">
-              <a:lnSpc>
-                <a:spcPct val="90000"/>
-              </a:lnSpc>
-              <a:spcBef>
-                <a:spcPts val="500"/>
-              </a:spcBef>
-              <a:buFont typeface="Arial" panose="020B0604020202020204" pitchFamily="34" charset="0"/>
-              <a:buChar char="•"/>
-              <a:defRPr sz="2000" kern="1200">
-                <a:solidFill>
-                  <a:schemeClr val="tx1"/>
-                </a:solidFill>
-                <a:latin typeface="+mn-lt"/>
-                <a:ea typeface="+mn-ea"/>
-                <a:cs typeface="+mn-cs"/>
-              </a:defRPr>
-            </a:lvl3pPr>
-            <a:lvl4pPr marL="1600200" indent="-228600" algn="l" defTabSz="914400" rtl="0" eaLnBrk="1" latinLnBrk="0" hangingPunct="1">
-              <a:lnSpc>
-                <a:spcPct val="90000"/>
-              </a:lnSpc>
-              <a:spcBef>
-                <a:spcPts val="500"/>
-              </a:spcBef>
-              <a:buFont typeface="Arial" panose="020B0604020202020204" pitchFamily="34" charset="0"/>
-              <a:buChar char="•"/>
-              <a:defRPr sz="1800" kern="1200">
-                <a:solidFill>
-                  <a:schemeClr val="tx1"/>
-                </a:solidFill>
-                <a:latin typeface="+mn-lt"/>
-                <a:ea typeface="+mn-ea"/>
-                <a:cs typeface="+mn-cs"/>
-              </a:defRPr>
-            </a:lvl4pPr>
-            <a:lvl5pPr marL="2057400" indent="-228600" algn="l" defTabSz="914400" rtl="0" eaLnBrk="1" latinLnBrk="0" hangingPunct="1">
-              <a:lnSpc>
-                <a:spcPct val="90000"/>
-              </a:lnSpc>
-              <a:spcBef>
-                <a:spcPts val="500"/>
-              </a:spcBef>
-              <a:buFont typeface="Arial" panose="020B0604020202020204" pitchFamily="34" charset="0"/>
-              <a:buChar char="•"/>
-              <a:defRPr sz="1800" kern="1200">
-                <a:solidFill>
-                  <a:schemeClr val="tx1"/>
-                </a:solidFill>
-                <a:latin typeface="+mn-lt"/>
-                <a:ea typeface="+mn-ea"/>
-                <a:cs typeface="+mn-cs"/>
-              </a:defRPr>
-            </a:lvl5pPr>
-            <a:lvl6pPr marL="2514600" indent="-228600" algn="l" defTabSz="914400" rtl="0" eaLnBrk="1" latinLnBrk="0" hangingPunct="1">
-              <a:lnSpc>
-                <a:spcPct val="90000"/>
-              </a:lnSpc>
-              <a:spcBef>
-                <a:spcPts val="500"/>
-              </a:spcBef>
-              <a:buFont typeface="Arial" panose="020B0604020202020204" pitchFamily="34" charset="0"/>
-              <a:buChar char="•"/>
-              <a:defRPr sz="1800" kern="1200">
-                <a:solidFill>
-                  <a:schemeClr val="tx1"/>
-                </a:solidFill>
-                <a:latin typeface="+mn-lt"/>
-                <a:ea typeface="+mn-ea"/>
-                <a:cs typeface="+mn-cs"/>
-              </a:defRPr>
-            </a:lvl6pPr>
-            <a:lvl7pPr marL="2971800" indent="-228600" algn="l" defTabSz="914400" rtl="0" eaLnBrk="1" latinLnBrk="0" hangingPunct="1">
-              <a:lnSpc>
-                <a:spcPct val="90000"/>
-              </a:lnSpc>
-              <a:spcBef>
-                <a:spcPts val="500"/>
-              </a:spcBef>
-              <a:buFont typeface="Arial" panose="020B0604020202020204" pitchFamily="34" charset="0"/>
-              <a:buChar char="•"/>
-              <a:defRPr sz="1800" kern="1200">
-                <a:solidFill>
-                  <a:schemeClr val="tx1"/>
-                </a:solidFill>
-                <a:latin typeface="+mn-lt"/>
-                <a:ea typeface="+mn-ea"/>
-                <a:cs typeface="+mn-cs"/>
-              </a:defRPr>
-            </a:lvl7pPr>
-            <a:lvl8pPr marL="3429000" indent="-228600" algn="l" defTabSz="914400" rtl="0" eaLnBrk="1" latinLnBrk="0" hangingPunct="1">
-              <a:lnSpc>
-                <a:spcPct val="90000"/>
-              </a:lnSpc>
-              <a:spcBef>
-                <a:spcPts val="500"/>
-              </a:spcBef>
-              <a:buFont typeface="Arial" panose="020B0604020202020204" pitchFamily="34" charset="0"/>
-              <a:buChar char="•"/>
-              <a:defRPr sz="1800" kern="1200">
-                <a:solidFill>
-                  <a:schemeClr val="tx1"/>
-                </a:solidFill>
-                <a:latin typeface="+mn-lt"/>
-                <a:ea typeface="+mn-ea"/>
-                <a:cs typeface="+mn-cs"/>
-              </a:defRPr>
-            </a:lvl8pPr>
-            <a:lvl9pPr marL="3886200" indent="-228600" algn="l" defTabSz="914400" rtl="0" eaLnBrk="1" latinLnBrk="0" hangingPunct="1">
-              <a:lnSpc>
-                <a:spcPct val="90000"/>
-              </a:lnSpc>
-              <a:spcBef>
-                <a:spcPts val="500"/>
-              </a:spcBef>
-              <a:buFont typeface="Arial" panose="020B0604020202020204" pitchFamily="34" charset="0"/>
-              <a:buChar char="•"/>
-              <a:defRPr sz="1800" kern="1200">
-                <a:solidFill>
-                  <a:schemeClr val="tx1"/>
-                </a:solidFill>
-                <a:latin typeface="+mn-lt"/>
-                <a:ea typeface="+mn-ea"/>
-                <a:cs typeface="+mn-cs"/>
-              </a:defRPr>
-            </a:lvl9pPr>
-          </a:lstStyle>
-          <a:p>
-            <a:pPr marL="0" indent="0">
-              <a:buFont typeface="Arial" panose="020B0604020202020204" pitchFamily="34" charset="0"/>
-              <a:buNone/>
-            </a:pPr>
-            <a:r>
-              <a:rPr lang="en-US" dirty="0">
-                <a:solidFill>
-                  <a:srgbClr val="FF0000"/>
-                </a:solidFill>
-              </a:rPr>
-              <a:t>Values Investigation:</a:t>
-            </a:r>
-          </a:p>
-          <a:p>
-            <a:pPr>
-              <a:buFont typeface="Wingdings" pitchFamily="2" charset="2"/>
-              <a:buChar char="v"/>
-            </a:pPr>
-            <a:r>
-              <a:rPr lang="en-US" dirty="0"/>
-              <a:t> Who are the direct and indirect stakeholders?</a:t>
-            </a:r>
-          </a:p>
-          <a:p>
-            <a:pPr>
-              <a:buFont typeface="Wingdings" pitchFamily="2" charset="2"/>
-              <a:buChar char="v"/>
-            </a:pPr>
-            <a:r>
-              <a:rPr lang="en-US" dirty="0"/>
-              <a:t>Do the stakeholders have conflicting values?</a:t>
-            </a:r>
-          </a:p>
-          <a:p>
-            <a:pPr>
-              <a:buFont typeface="Wingdings" pitchFamily="2" charset="2"/>
-              <a:buChar char="v"/>
-            </a:pPr>
-            <a:r>
-              <a:rPr lang="en-US" dirty="0"/>
-              <a:t>How can we resolve them?</a:t>
-            </a:r>
-          </a:p>
-          <a:p>
-            <a:pPr>
-              <a:buFont typeface="Wingdings" pitchFamily="2" charset="2"/>
-              <a:buChar char="v"/>
-            </a:pPr>
-            <a:endParaRPr lang="en-US" dirty="0"/>
-          </a:p>
-          <a:p>
-            <a:pPr lvl="1"/>
-            <a:endParaRPr lang="en-US" dirty="0"/>
-          </a:p>
-        </p:txBody>
-      </p:sp>
-      <p:sp>
-        <p:nvSpPr>
-          <p:cNvPr id="6" name="Content Placeholder 2">
-            <a:extLst>
-              <a:ext uri="{FF2B5EF4-FFF2-40B4-BE49-F238E27FC236}">
-                <a16:creationId xmlns:a16="http://schemas.microsoft.com/office/drawing/2014/main" id="{5CBCCECD-1E8C-0DA4-098C-A5837F9D9535}"/>
-              </a:ext>
-            </a:extLst>
-          </p:cNvPr>
-          <p:cNvSpPr txBox="1">
-            <a:spLocks/>
-          </p:cNvSpPr>
-          <p:nvPr/>
-        </p:nvSpPr>
-        <p:spPr>
-          <a:xfrm>
-            <a:off x="8265042" y="1500160"/>
-            <a:ext cx="3804684" cy="4351338"/>
-          </a:xfrm>
-          <a:prstGeom prst="rect">
-            <a:avLst/>
-          </a:prstGeom>
-        </p:spPr>
-        <p:txBody>
-          <a:bodyPr vert="horz" lIns="91440" tIns="45720" rIns="91440" bIns="45720" rtlCol="0">
-            <a:normAutofit lnSpcReduction="10000"/>
-          </a:bodyPr>
-          <a:lstStyle>
-            <a:lvl1pPr marL="228600" indent="-228600" algn="l" defTabSz="914400" rtl="0" eaLnBrk="1" latinLnBrk="0" hangingPunct="1">
-              <a:lnSpc>
-                <a:spcPct val="90000"/>
-              </a:lnSpc>
-              <a:spcBef>
-                <a:spcPts val="1000"/>
-              </a:spcBef>
-              <a:buFont typeface="Arial" panose="020B0604020202020204" pitchFamily="34" charset="0"/>
-              <a:buChar char="•"/>
-              <a:defRPr sz="2800" kern="1200">
-                <a:solidFill>
-                  <a:schemeClr val="tx1"/>
-                </a:solidFill>
-                <a:latin typeface="+mn-lt"/>
-                <a:ea typeface="+mn-ea"/>
-                <a:cs typeface="+mn-cs"/>
-              </a:defRPr>
-            </a:lvl1pPr>
-            <a:lvl2pPr marL="685800" indent="-228600" algn="l" defTabSz="914400" rtl="0" eaLnBrk="1" latinLnBrk="0" hangingPunct="1">
-              <a:lnSpc>
-                <a:spcPct val="90000"/>
-              </a:lnSpc>
-              <a:spcBef>
-                <a:spcPts val="500"/>
-              </a:spcBef>
-              <a:buFont typeface="Arial" panose="020B0604020202020204" pitchFamily="34" charset="0"/>
-              <a:buChar char="•"/>
-              <a:defRPr sz="2400" kern="1200">
-                <a:solidFill>
-                  <a:schemeClr val="tx1"/>
-                </a:solidFill>
-                <a:latin typeface="+mn-lt"/>
-                <a:ea typeface="+mn-ea"/>
-                <a:cs typeface="+mn-cs"/>
-              </a:defRPr>
-            </a:lvl2pPr>
-            <a:lvl3pPr marL="1143000" indent="-228600" algn="l" defTabSz="914400" rtl="0" eaLnBrk="1" latinLnBrk="0" hangingPunct="1">
-              <a:lnSpc>
-                <a:spcPct val="90000"/>
-              </a:lnSpc>
-              <a:spcBef>
-                <a:spcPts val="500"/>
-              </a:spcBef>
-              <a:buFont typeface="Arial" panose="020B0604020202020204" pitchFamily="34" charset="0"/>
-              <a:buChar char="•"/>
-              <a:defRPr sz="2000" kern="1200">
-                <a:solidFill>
-                  <a:schemeClr val="tx1"/>
-                </a:solidFill>
-                <a:latin typeface="+mn-lt"/>
-                <a:ea typeface="+mn-ea"/>
-                <a:cs typeface="+mn-cs"/>
-              </a:defRPr>
-            </a:lvl3pPr>
-            <a:lvl4pPr marL="1600200" indent="-228600" algn="l" defTabSz="914400" rtl="0" eaLnBrk="1" latinLnBrk="0" hangingPunct="1">
-              <a:lnSpc>
-                <a:spcPct val="90000"/>
-              </a:lnSpc>
-              <a:spcBef>
-                <a:spcPts val="500"/>
-              </a:spcBef>
-              <a:buFont typeface="Arial" panose="020B0604020202020204" pitchFamily="34" charset="0"/>
-              <a:buChar char="•"/>
-              <a:defRPr sz="1800" kern="1200">
-                <a:solidFill>
-                  <a:schemeClr val="tx1"/>
-                </a:solidFill>
-                <a:latin typeface="+mn-lt"/>
-                <a:ea typeface="+mn-ea"/>
-                <a:cs typeface="+mn-cs"/>
-              </a:defRPr>
-            </a:lvl4pPr>
-            <a:lvl5pPr marL="2057400" indent="-228600" algn="l" defTabSz="914400" rtl="0" eaLnBrk="1" latinLnBrk="0" hangingPunct="1">
-              <a:lnSpc>
-                <a:spcPct val="90000"/>
-              </a:lnSpc>
-              <a:spcBef>
-                <a:spcPts val="500"/>
-              </a:spcBef>
-              <a:buFont typeface="Arial" panose="020B0604020202020204" pitchFamily="34" charset="0"/>
-              <a:buChar char="•"/>
-              <a:defRPr sz="1800" kern="1200">
-                <a:solidFill>
-                  <a:schemeClr val="tx1"/>
-                </a:solidFill>
-                <a:latin typeface="+mn-lt"/>
-                <a:ea typeface="+mn-ea"/>
-                <a:cs typeface="+mn-cs"/>
-              </a:defRPr>
-            </a:lvl5pPr>
-            <a:lvl6pPr marL="2514600" indent="-228600" algn="l" defTabSz="914400" rtl="0" eaLnBrk="1" latinLnBrk="0" hangingPunct="1">
-              <a:lnSpc>
-                <a:spcPct val="90000"/>
-              </a:lnSpc>
-              <a:spcBef>
-                <a:spcPts val="500"/>
-              </a:spcBef>
-              <a:buFont typeface="Arial" panose="020B0604020202020204" pitchFamily="34" charset="0"/>
-              <a:buChar char="•"/>
-              <a:defRPr sz="1800" kern="1200">
-                <a:solidFill>
-                  <a:schemeClr val="tx1"/>
-                </a:solidFill>
-                <a:latin typeface="+mn-lt"/>
-                <a:ea typeface="+mn-ea"/>
-                <a:cs typeface="+mn-cs"/>
-              </a:defRPr>
-            </a:lvl6pPr>
-            <a:lvl7pPr marL="2971800" indent="-228600" algn="l" defTabSz="914400" rtl="0" eaLnBrk="1" latinLnBrk="0" hangingPunct="1">
-              <a:lnSpc>
-                <a:spcPct val="90000"/>
-              </a:lnSpc>
-              <a:spcBef>
-                <a:spcPts val="500"/>
-              </a:spcBef>
-              <a:buFont typeface="Arial" panose="020B0604020202020204" pitchFamily="34" charset="0"/>
-              <a:buChar char="•"/>
-              <a:defRPr sz="1800" kern="1200">
-                <a:solidFill>
-                  <a:schemeClr val="tx1"/>
-                </a:solidFill>
-                <a:latin typeface="+mn-lt"/>
-                <a:ea typeface="+mn-ea"/>
-                <a:cs typeface="+mn-cs"/>
-              </a:defRPr>
-            </a:lvl7pPr>
-            <a:lvl8pPr marL="3429000" indent="-228600" algn="l" defTabSz="914400" rtl="0" eaLnBrk="1" latinLnBrk="0" hangingPunct="1">
-              <a:lnSpc>
-                <a:spcPct val="90000"/>
-              </a:lnSpc>
-              <a:spcBef>
-                <a:spcPts val="500"/>
-              </a:spcBef>
-              <a:buFont typeface="Arial" panose="020B0604020202020204" pitchFamily="34" charset="0"/>
-              <a:buChar char="•"/>
-              <a:defRPr sz="1800" kern="1200">
-                <a:solidFill>
-                  <a:schemeClr val="tx1"/>
-                </a:solidFill>
-                <a:latin typeface="+mn-lt"/>
-                <a:ea typeface="+mn-ea"/>
-                <a:cs typeface="+mn-cs"/>
-              </a:defRPr>
-            </a:lvl8pPr>
-            <a:lvl9pPr marL="3886200" indent="-228600" algn="l" defTabSz="914400" rtl="0" eaLnBrk="1" latinLnBrk="0" hangingPunct="1">
-              <a:lnSpc>
-                <a:spcPct val="90000"/>
-              </a:lnSpc>
-              <a:spcBef>
-                <a:spcPts val="500"/>
-              </a:spcBef>
-              <a:buFont typeface="Arial" panose="020B0604020202020204" pitchFamily="34" charset="0"/>
-              <a:buChar char="•"/>
-              <a:defRPr sz="1800" kern="1200">
-                <a:solidFill>
-                  <a:schemeClr val="tx1"/>
-                </a:solidFill>
-                <a:latin typeface="+mn-lt"/>
-                <a:ea typeface="+mn-ea"/>
-                <a:cs typeface="+mn-cs"/>
-              </a:defRPr>
-            </a:lvl9pPr>
-          </a:lstStyle>
-          <a:p>
-            <a:pPr marL="0" indent="0">
-              <a:buFont typeface="Arial" panose="020B0604020202020204" pitchFamily="34" charset="0"/>
-              <a:buNone/>
-            </a:pPr>
-            <a:r>
-              <a:rPr lang="en-US" dirty="0">
-                <a:solidFill>
-                  <a:srgbClr val="FF0000"/>
-                </a:solidFill>
-              </a:rPr>
-              <a:t>Technical Investigation:</a:t>
-            </a:r>
-          </a:p>
-          <a:p>
-            <a:pPr>
-              <a:buFont typeface="Wingdings" pitchFamily="2" charset="2"/>
-              <a:buChar char="v"/>
-            </a:pPr>
-            <a:r>
-              <a:rPr lang="en-US" dirty="0"/>
-              <a:t> What are the technical mechanisms for implementing informed consent.</a:t>
-            </a:r>
-          </a:p>
-          <a:p>
-            <a:pPr lvl="1">
-              <a:buFont typeface="Wingdings" pitchFamily="2" charset="2"/>
-              <a:buChar char="Ø"/>
-            </a:pPr>
-            <a:r>
-              <a:rPr lang="en-US" dirty="0"/>
-              <a:t> One way =&gt; cookie consent management system.</a:t>
-            </a:r>
-          </a:p>
-          <a:p>
-            <a:pPr lvl="1">
-              <a:buFont typeface="Wingdings" pitchFamily="2" charset="2"/>
-              <a:buChar char="Ø"/>
-            </a:pPr>
-            <a:r>
-              <a:rPr lang="en-US" dirty="0"/>
-              <a:t>Websites use them to obtain and manage user permission for using cookies.</a:t>
-            </a:r>
-          </a:p>
-        </p:txBody>
-      </p:sp>
-    </p:spTree>
-    <p:extLst>
-      <p:ext uri="{BB962C8B-B14F-4D97-AF65-F5344CB8AC3E}">
-        <p14:creationId xmlns:p14="http://schemas.microsoft.com/office/powerpoint/2010/main" val="2148081552"/>
-      </p:ext>
-    </p:extLst>
-  </p:cSld>
-  <p:clrMapOvr>
-    <a:masterClrMapping/>
-  </p:clrMapOvr>
-</p:sld>
-</file>
-
-<file path=ppt/slides/slide33.xml><?xml version="1.0" encoding="utf-8"?>
-<p:sld xmlns:a="http://schemas.openxmlformats.org/drawingml/2006/main" xmlns:r="http://schemas.openxmlformats.org/officeDocument/2006/relationships" xmlns:p="http://schemas.openxmlformats.org/presentationml/2006/main" show="0">
-  <p:cSld>
-    <p:spTree>
-      <p:nvGrpSpPr>
-        <p:cNvPr id="1" name=""/>
-        <p:cNvGrpSpPr/>
-        <p:nvPr/>
-      </p:nvGrpSpPr>
-      <p:grpSpPr>
-        <a:xfrm>
-          <a:off x="0" y="0"/>
-          <a:ext cx="0" cy="0"/>
-          <a:chOff x="0" y="0"/>
-          <a:chExt cx="0" cy="0"/>
-        </a:xfrm>
-      </p:grpSpPr>
-      <p:sp>
-        <p:nvSpPr>
-          <p:cNvPr id="2" name="Title 1">
-            <a:extLst>
-              <a:ext uri="{FF2B5EF4-FFF2-40B4-BE49-F238E27FC236}">
-                <a16:creationId xmlns:a16="http://schemas.microsoft.com/office/drawing/2014/main" id="{A7D5EB1D-7B60-024C-A6C8-43D75E8FF262}"/>
-              </a:ext>
-            </a:extLst>
-          </p:cNvPr>
-          <p:cNvSpPr>
-            <a:spLocks noGrp="1"/>
-          </p:cNvSpPr>
-          <p:nvPr>
-            <p:ph type="title"/>
-          </p:nvPr>
-        </p:nvSpPr>
-        <p:spPr/>
-        <p:txBody>
-          <a:bodyPr/>
-          <a:lstStyle/>
-          <a:p>
-            <a:r>
-              <a:rPr lang="en-US" dirty="0"/>
-              <a:t>Integrating User Stories With VSD</a:t>
-            </a:r>
-          </a:p>
-        </p:txBody>
-      </p:sp>
-      <p:sp>
-        <p:nvSpPr>
-          <p:cNvPr id="4" name="Slide Number Placeholder 3">
-            <a:extLst>
-              <a:ext uri="{FF2B5EF4-FFF2-40B4-BE49-F238E27FC236}">
-                <a16:creationId xmlns:a16="http://schemas.microsoft.com/office/drawing/2014/main" id="{F4740D6A-7024-FC41-B07F-905F4160D10F}"/>
-              </a:ext>
-            </a:extLst>
-          </p:cNvPr>
-          <p:cNvSpPr>
-            <a:spLocks noGrp="1"/>
-          </p:cNvSpPr>
-          <p:nvPr>
-            <p:ph type="sldNum" sz="quarter" idx="12"/>
-          </p:nvPr>
-        </p:nvSpPr>
-        <p:spPr/>
-        <p:txBody>
-          <a:bodyPr/>
-          <a:lstStyle/>
-          <a:p>
-            <a:fld id="{20F37917-FD3A-4669-9018-DA04BCDD3D75}" type="slidenum">
-              <a:rPr lang="en-US" smtClean="0"/>
-              <a:t>33</a:t>
-            </a:fld>
-            <a:endParaRPr lang="en-US"/>
-          </a:p>
-        </p:txBody>
-      </p:sp>
-      <p:sp>
-        <p:nvSpPr>
-          <p:cNvPr id="5" name="Content Placeholder 2">
-            <a:extLst>
-              <a:ext uri="{FF2B5EF4-FFF2-40B4-BE49-F238E27FC236}">
-                <a16:creationId xmlns:a16="http://schemas.microsoft.com/office/drawing/2014/main" id="{1A938783-C44B-0342-9AFD-E20D6008FE4B}"/>
-              </a:ext>
-            </a:extLst>
-          </p:cNvPr>
-          <p:cNvSpPr txBox="1">
-            <a:spLocks/>
-          </p:cNvSpPr>
-          <p:nvPr/>
-        </p:nvSpPr>
-        <p:spPr>
-          <a:xfrm>
-            <a:off x="943981" y="1781514"/>
-            <a:ext cx="4514284" cy="4351338"/>
-          </a:xfrm>
-          <a:prstGeom prst="rect">
-            <a:avLst/>
-          </a:prstGeom>
-        </p:spPr>
-        <p:txBody>
-          <a:bodyPr vert="horz" lIns="91440" tIns="45720" rIns="91440" bIns="45720" rtlCol="0">
-            <a:normAutofit/>
-          </a:bodyPr>
-          <a:lstStyle>
-            <a:lvl1pPr marL="228600" indent="-228600" algn="l" defTabSz="914400" rtl="0" eaLnBrk="1" latinLnBrk="0" hangingPunct="1">
-              <a:lnSpc>
-                <a:spcPct val="90000"/>
-              </a:lnSpc>
-              <a:spcBef>
-                <a:spcPts val="1000"/>
-              </a:spcBef>
-              <a:buFont typeface="Arial" panose="020B0604020202020204" pitchFamily="34" charset="0"/>
-              <a:buChar char="•"/>
-              <a:defRPr sz="2800" kern="1200">
-                <a:solidFill>
-                  <a:schemeClr val="tx1"/>
-                </a:solidFill>
-                <a:latin typeface="+mn-lt"/>
-                <a:ea typeface="+mn-ea"/>
-                <a:cs typeface="+mn-cs"/>
-              </a:defRPr>
-            </a:lvl1pPr>
-            <a:lvl2pPr marL="685800" indent="-228600" algn="l" defTabSz="914400" rtl="0" eaLnBrk="1" latinLnBrk="0" hangingPunct="1">
-              <a:lnSpc>
-                <a:spcPct val="90000"/>
-              </a:lnSpc>
-              <a:spcBef>
-                <a:spcPts val="500"/>
-              </a:spcBef>
-              <a:buFont typeface="Arial" panose="020B0604020202020204" pitchFamily="34" charset="0"/>
-              <a:buChar char="•"/>
-              <a:defRPr sz="2400" kern="1200">
-                <a:solidFill>
-                  <a:schemeClr val="tx1"/>
-                </a:solidFill>
-                <a:latin typeface="+mn-lt"/>
-                <a:ea typeface="+mn-ea"/>
-                <a:cs typeface="+mn-cs"/>
-              </a:defRPr>
-            </a:lvl2pPr>
-            <a:lvl3pPr marL="1143000" indent="-228600" algn="l" defTabSz="914400" rtl="0" eaLnBrk="1" latinLnBrk="0" hangingPunct="1">
-              <a:lnSpc>
-                <a:spcPct val="90000"/>
-              </a:lnSpc>
-              <a:spcBef>
-                <a:spcPts val="500"/>
-              </a:spcBef>
-              <a:buFont typeface="Arial" panose="020B0604020202020204" pitchFamily="34" charset="0"/>
-              <a:buChar char="•"/>
-              <a:defRPr sz="2000" kern="1200">
-                <a:solidFill>
-                  <a:schemeClr val="tx1"/>
-                </a:solidFill>
-                <a:latin typeface="+mn-lt"/>
-                <a:ea typeface="+mn-ea"/>
-                <a:cs typeface="+mn-cs"/>
-              </a:defRPr>
-            </a:lvl3pPr>
-            <a:lvl4pPr marL="1600200" indent="-228600" algn="l" defTabSz="914400" rtl="0" eaLnBrk="1" latinLnBrk="0" hangingPunct="1">
-              <a:lnSpc>
-                <a:spcPct val="90000"/>
-              </a:lnSpc>
-              <a:spcBef>
-                <a:spcPts val="500"/>
-              </a:spcBef>
-              <a:buFont typeface="Arial" panose="020B0604020202020204" pitchFamily="34" charset="0"/>
-              <a:buChar char="•"/>
-              <a:defRPr sz="1800" kern="1200">
-                <a:solidFill>
-                  <a:schemeClr val="tx1"/>
-                </a:solidFill>
-                <a:latin typeface="+mn-lt"/>
-                <a:ea typeface="+mn-ea"/>
-                <a:cs typeface="+mn-cs"/>
-              </a:defRPr>
-            </a:lvl4pPr>
-            <a:lvl5pPr marL="2057400" indent="-228600" algn="l" defTabSz="914400" rtl="0" eaLnBrk="1" latinLnBrk="0" hangingPunct="1">
-              <a:lnSpc>
-                <a:spcPct val="90000"/>
-              </a:lnSpc>
-              <a:spcBef>
-                <a:spcPts val="500"/>
-              </a:spcBef>
-              <a:buFont typeface="Arial" panose="020B0604020202020204" pitchFamily="34" charset="0"/>
-              <a:buChar char="•"/>
-              <a:defRPr sz="1800" kern="1200">
-                <a:solidFill>
-                  <a:schemeClr val="tx1"/>
-                </a:solidFill>
-                <a:latin typeface="+mn-lt"/>
-                <a:ea typeface="+mn-ea"/>
-                <a:cs typeface="+mn-cs"/>
-              </a:defRPr>
-            </a:lvl5pPr>
-            <a:lvl6pPr marL="2514600" indent="-228600" algn="l" defTabSz="914400" rtl="0" eaLnBrk="1" latinLnBrk="0" hangingPunct="1">
-              <a:lnSpc>
-                <a:spcPct val="90000"/>
-              </a:lnSpc>
-              <a:spcBef>
-                <a:spcPts val="500"/>
-              </a:spcBef>
-              <a:buFont typeface="Arial" panose="020B0604020202020204" pitchFamily="34" charset="0"/>
-              <a:buChar char="•"/>
-              <a:defRPr sz="1800" kern="1200">
-                <a:solidFill>
-                  <a:schemeClr val="tx1"/>
-                </a:solidFill>
-                <a:latin typeface="+mn-lt"/>
-                <a:ea typeface="+mn-ea"/>
-                <a:cs typeface="+mn-cs"/>
-              </a:defRPr>
-            </a:lvl6pPr>
-            <a:lvl7pPr marL="2971800" indent="-228600" algn="l" defTabSz="914400" rtl="0" eaLnBrk="1" latinLnBrk="0" hangingPunct="1">
-              <a:lnSpc>
-                <a:spcPct val="90000"/>
-              </a:lnSpc>
-              <a:spcBef>
-                <a:spcPts val="500"/>
-              </a:spcBef>
-              <a:buFont typeface="Arial" panose="020B0604020202020204" pitchFamily="34" charset="0"/>
-              <a:buChar char="•"/>
-              <a:defRPr sz="1800" kern="1200">
-                <a:solidFill>
-                  <a:schemeClr val="tx1"/>
-                </a:solidFill>
-                <a:latin typeface="+mn-lt"/>
-                <a:ea typeface="+mn-ea"/>
-                <a:cs typeface="+mn-cs"/>
-              </a:defRPr>
-            </a:lvl7pPr>
-            <a:lvl8pPr marL="3429000" indent="-228600" algn="l" defTabSz="914400" rtl="0" eaLnBrk="1" latinLnBrk="0" hangingPunct="1">
-              <a:lnSpc>
-                <a:spcPct val="90000"/>
-              </a:lnSpc>
-              <a:spcBef>
-                <a:spcPts val="500"/>
-              </a:spcBef>
-              <a:buFont typeface="Arial" panose="020B0604020202020204" pitchFamily="34" charset="0"/>
-              <a:buChar char="•"/>
-              <a:defRPr sz="1800" kern="1200">
-                <a:solidFill>
-                  <a:schemeClr val="tx1"/>
-                </a:solidFill>
-                <a:latin typeface="+mn-lt"/>
-                <a:ea typeface="+mn-ea"/>
-                <a:cs typeface="+mn-cs"/>
-              </a:defRPr>
-            </a:lvl8pPr>
-            <a:lvl9pPr marL="3886200" indent="-228600" algn="l" defTabSz="914400" rtl="0" eaLnBrk="1" latinLnBrk="0" hangingPunct="1">
-              <a:lnSpc>
-                <a:spcPct val="90000"/>
-              </a:lnSpc>
-              <a:spcBef>
-                <a:spcPts val="500"/>
-              </a:spcBef>
-              <a:buFont typeface="Arial" panose="020B0604020202020204" pitchFamily="34" charset="0"/>
-              <a:buChar char="•"/>
-              <a:defRPr sz="1800" kern="1200">
-                <a:solidFill>
-                  <a:schemeClr val="tx1"/>
-                </a:solidFill>
-                <a:latin typeface="+mn-lt"/>
-                <a:ea typeface="+mn-ea"/>
-                <a:cs typeface="+mn-cs"/>
-              </a:defRPr>
-            </a:lvl9pPr>
-          </a:lstStyle>
-          <a:p>
-            <a:pPr marL="0" indent="0">
-              <a:buFont typeface="Arial" panose="020B0604020202020204" pitchFamily="34" charset="0"/>
-              <a:buNone/>
-            </a:pPr>
-            <a:r>
-              <a:rPr lang="en-US" dirty="0">
-                <a:solidFill>
-                  <a:srgbClr val="FF0000"/>
-                </a:solidFill>
-              </a:rPr>
-              <a:t>Stakeholders identified:</a:t>
-            </a:r>
-          </a:p>
-          <a:p>
-            <a:r>
-              <a:rPr lang="en-US" dirty="0"/>
-              <a:t> Site users</a:t>
-            </a:r>
-          </a:p>
-          <a:p>
-            <a:r>
-              <a:rPr lang="en-US" dirty="0"/>
-              <a:t> Site owners</a:t>
-            </a:r>
-          </a:p>
-          <a:p>
-            <a:pPr>
-              <a:buFont typeface="Wingdings" pitchFamily="2" charset="2"/>
-              <a:buChar char="v"/>
-            </a:pPr>
-            <a:endParaRPr lang="en-US" dirty="0"/>
-          </a:p>
-          <a:p>
-            <a:pPr marL="0" indent="0">
-              <a:buFont typeface="Arial" panose="020B0604020202020204" pitchFamily="34" charset="0"/>
-              <a:buNone/>
-            </a:pPr>
-            <a:r>
-              <a:rPr lang="en-US" dirty="0">
-                <a:solidFill>
-                  <a:srgbClr val="FF0000"/>
-                </a:solidFill>
-              </a:rPr>
-              <a:t>Values identified:</a:t>
-            </a:r>
-          </a:p>
-          <a:p>
-            <a:r>
-              <a:rPr lang="en-US" dirty="0"/>
-              <a:t> Privacy</a:t>
-            </a:r>
-          </a:p>
-          <a:p>
-            <a:r>
-              <a:rPr lang="en-US" dirty="0"/>
-              <a:t> Accountability</a:t>
-            </a:r>
-          </a:p>
-          <a:p>
-            <a:r>
-              <a:rPr lang="en-US" dirty="0"/>
-              <a:t>Transparency</a:t>
-            </a:r>
-          </a:p>
-          <a:p>
-            <a:pPr lvl="1"/>
-            <a:endParaRPr lang="en-US" dirty="0"/>
-          </a:p>
-        </p:txBody>
-      </p:sp>
-      <p:sp>
-        <p:nvSpPr>
-          <p:cNvPr id="6" name="Content Placeholder 2">
-            <a:extLst>
-              <a:ext uri="{FF2B5EF4-FFF2-40B4-BE49-F238E27FC236}">
-                <a16:creationId xmlns:a16="http://schemas.microsoft.com/office/drawing/2014/main" id="{57C60BE1-3304-3543-B6D2-78C34F1CA26B}"/>
-              </a:ext>
-            </a:extLst>
-          </p:cNvPr>
-          <p:cNvSpPr txBox="1">
-            <a:spLocks/>
-          </p:cNvSpPr>
-          <p:nvPr/>
-        </p:nvSpPr>
-        <p:spPr>
-          <a:xfrm>
-            <a:off x="5676042" y="2005012"/>
-            <a:ext cx="6078414" cy="4351338"/>
-          </a:xfrm>
-          <a:prstGeom prst="rect">
-            <a:avLst/>
-          </a:prstGeom>
-        </p:spPr>
-        <p:txBody>
-          <a:bodyPr vert="horz" lIns="91440" tIns="45720" rIns="91440" bIns="45720" rtlCol="0">
-            <a:normAutofit fontScale="85000" lnSpcReduction="20000"/>
-          </a:bodyPr>
-          <a:lstStyle>
-            <a:lvl1pPr marL="228600" indent="-228600" algn="l" defTabSz="914400" rtl="0" eaLnBrk="1" latinLnBrk="0" hangingPunct="1">
-              <a:lnSpc>
-                <a:spcPct val="90000"/>
-              </a:lnSpc>
-              <a:spcBef>
-                <a:spcPts val="1000"/>
-              </a:spcBef>
-              <a:buFont typeface="Arial" panose="020B0604020202020204" pitchFamily="34" charset="0"/>
-              <a:buChar char="•"/>
-              <a:defRPr sz="2800" kern="1200">
-                <a:solidFill>
-                  <a:schemeClr val="tx1"/>
-                </a:solidFill>
-                <a:latin typeface="+mn-lt"/>
-                <a:ea typeface="+mn-ea"/>
-                <a:cs typeface="+mn-cs"/>
-              </a:defRPr>
-            </a:lvl1pPr>
-            <a:lvl2pPr marL="685800" indent="-228600" algn="l" defTabSz="914400" rtl="0" eaLnBrk="1" latinLnBrk="0" hangingPunct="1">
-              <a:lnSpc>
-                <a:spcPct val="90000"/>
-              </a:lnSpc>
-              <a:spcBef>
-                <a:spcPts val="500"/>
-              </a:spcBef>
-              <a:buFont typeface="Arial" panose="020B0604020202020204" pitchFamily="34" charset="0"/>
-              <a:buChar char="•"/>
-              <a:defRPr sz="2400" kern="1200">
-                <a:solidFill>
-                  <a:schemeClr val="tx1"/>
-                </a:solidFill>
-                <a:latin typeface="+mn-lt"/>
-                <a:ea typeface="+mn-ea"/>
-                <a:cs typeface="+mn-cs"/>
-              </a:defRPr>
-            </a:lvl2pPr>
-            <a:lvl3pPr marL="1143000" indent="-228600" algn="l" defTabSz="914400" rtl="0" eaLnBrk="1" latinLnBrk="0" hangingPunct="1">
-              <a:lnSpc>
-                <a:spcPct val="90000"/>
-              </a:lnSpc>
-              <a:spcBef>
-                <a:spcPts val="500"/>
-              </a:spcBef>
-              <a:buFont typeface="Arial" panose="020B0604020202020204" pitchFamily="34" charset="0"/>
-              <a:buChar char="•"/>
-              <a:defRPr sz="2000" kern="1200">
-                <a:solidFill>
-                  <a:schemeClr val="tx1"/>
-                </a:solidFill>
-                <a:latin typeface="+mn-lt"/>
-                <a:ea typeface="+mn-ea"/>
-                <a:cs typeface="+mn-cs"/>
-              </a:defRPr>
-            </a:lvl3pPr>
-            <a:lvl4pPr marL="1600200" indent="-228600" algn="l" defTabSz="914400" rtl="0" eaLnBrk="1" latinLnBrk="0" hangingPunct="1">
-              <a:lnSpc>
-                <a:spcPct val="90000"/>
-              </a:lnSpc>
-              <a:spcBef>
-                <a:spcPts val="500"/>
-              </a:spcBef>
-              <a:buFont typeface="Arial" panose="020B0604020202020204" pitchFamily="34" charset="0"/>
-              <a:buChar char="•"/>
-              <a:defRPr sz="1800" kern="1200">
-                <a:solidFill>
-                  <a:schemeClr val="tx1"/>
-                </a:solidFill>
-                <a:latin typeface="+mn-lt"/>
-                <a:ea typeface="+mn-ea"/>
-                <a:cs typeface="+mn-cs"/>
-              </a:defRPr>
-            </a:lvl4pPr>
-            <a:lvl5pPr marL="2057400" indent="-228600" algn="l" defTabSz="914400" rtl="0" eaLnBrk="1" latinLnBrk="0" hangingPunct="1">
-              <a:lnSpc>
-                <a:spcPct val="90000"/>
-              </a:lnSpc>
-              <a:spcBef>
-                <a:spcPts val="500"/>
-              </a:spcBef>
-              <a:buFont typeface="Arial" panose="020B0604020202020204" pitchFamily="34" charset="0"/>
-              <a:buChar char="•"/>
-              <a:defRPr sz="1800" kern="1200">
-                <a:solidFill>
-                  <a:schemeClr val="tx1"/>
-                </a:solidFill>
-                <a:latin typeface="+mn-lt"/>
-                <a:ea typeface="+mn-ea"/>
-                <a:cs typeface="+mn-cs"/>
-              </a:defRPr>
-            </a:lvl5pPr>
-            <a:lvl6pPr marL="2514600" indent="-228600" algn="l" defTabSz="914400" rtl="0" eaLnBrk="1" latinLnBrk="0" hangingPunct="1">
-              <a:lnSpc>
-                <a:spcPct val="90000"/>
-              </a:lnSpc>
-              <a:spcBef>
-                <a:spcPts val="500"/>
-              </a:spcBef>
-              <a:buFont typeface="Arial" panose="020B0604020202020204" pitchFamily="34" charset="0"/>
-              <a:buChar char="•"/>
-              <a:defRPr sz="1800" kern="1200">
-                <a:solidFill>
-                  <a:schemeClr val="tx1"/>
-                </a:solidFill>
-                <a:latin typeface="+mn-lt"/>
-                <a:ea typeface="+mn-ea"/>
-                <a:cs typeface="+mn-cs"/>
-              </a:defRPr>
-            </a:lvl6pPr>
-            <a:lvl7pPr marL="2971800" indent="-228600" algn="l" defTabSz="914400" rtl="0" eaLnBrk="1" latinLnBrk="0" hangingPunct="1">
-              <a:lnSpc>
-                <a:spcPct val="90000"/>
-              </a:lnSpc>
-              <a:spcBef>
-                <a:spcPts val="500"/>
-              </a:spcBef>
-              <a:buFont typeface="Arial" panose="020B0604020202020204" pitchFamily="34" charset="0"/>
-              <a:buChar char="•"/>
-              <a:defRPr sz="1800" kern="1200">
-                <a:solidFill>
-                  <a:schemeClr val="tx1"/>
-                </a:solidFill>
-                <a:latin typeface="+mn-lt"/>
-                <a:ea typeface="+mn-ea"/>
-                <a:cs typeface="+mn-cs"/>
-              </a:defRPr>
-            </a:lvl7pPr>
-            <a:lvl8pPr marL="3429000" indent="-228600" algn="l" defTabSz="914400" rtl="0" eaLnBrk="1" latinLnBrk="0" hangingPunct="1">
-              <a:lnSpc>
-                <a:spcPct val="90000"/>
-              </a:lnSpc>
-              <a:spcBef>
-                <a:spcPts val="500"/>
-              </a:spcBef>
-              <a:buFont typeface="Arial" panose="020B0604020202020204" pitchFamily="34" charset="0"/>
-              <a:buChar char="•"/>
-              <a:defRPr sz="1800" kern="1200">
-                <a:solidFill>
-                  <a:schemeClr val="tx1"/>
-                </a:solidFill>
-                <a:latin typeface="+mn-lt"/>
-                <a:ea typeface="+mn-ea"/>
-                <a:cs typeface="+mn-cs"/>
-              </a:defRPr>
-            </a:lvl8pPr>
-            <a:lvl9pPr marL="3886200" indent="-228600" algn="l" defTabSz="914400" rtl="0" eaLnBrk="1" latinLnBrk="0" hangingPunct="1">
-              <a:lnSpc>
-                <a:spcPct val="90000"/>
-              </a:lnSpc>
-              <a:spcBef>
-                <a:spcPts val="500"/>
-              </a:spcBef>
-              <a:buFont typeface="Arial" panose="020B0604020202020204" pitchFamily="34" charset="0"/>
-              <a:buChar char="•"/>
-              <a:defRPr sz="1800" kern="1200">
-                <a:solidFill>
-                  <a:schemeClr val="tx1"/>
-                </a:solidFill>
-                <a:latin typeface="+mn-lt"/>
-                <a:ea typeface="+mn-ea"/>
-                <a:cs typeface="+mn-cs"/>
-              </a:defRPr>
-            </a:lvl9pPr>
-          </a:lstStyle>
-          <a:p>
-            <a:pPr marL="0" indent="0">
-              <a:buFont typeface="Arial" panose="020B0604020202020204" pitchFamily="34" charset="0"/>
-              <a:buNone/>
-            </a:pPr>
-            <a:r>
-              <a:rPr lang="en-US" dirty="0">
-                <a:solidFill>
-                  <a:schemeClr val="accent6">
-                    <a:lumMod val="50000"/>
-                  </a:schemeClr>
-                </a:solidFill>
-              </a:rPr>
-              <a:t>User Story Examples:</a:t>
-            </a:r>
-          </a:p>
-          <a:p>
-            <a:pPr>
-              <a:buFont typeface="Wingdings" pitchFamily="2" charset="2"/>
-              <a:buChar char="v"/>
-            </a:pPr>
-            <a:r>
-              <a:rPr lang="en-US" dirty="0"/>
-              <a:t> As a Stack Overflow user, I want to clearly understand what personal data Stack Overflow collects through cookies and control which cookies are set so that I can make an informed choice about my privacy while still accessing the programming help I need. (Essential)</a:t>
-            </a:r>
-          </a:p>
-          <a:p>
-            <a:pPr>
-              <a:buFont typeface="Wingdings" pitchFamily="2" charset="2"/>
-              <a:buChar char="v"/>
-            </a:pPr>
-            <a:r>
-              <a:rPr lang="en-US" dirty="0"/>
-              <a:t> As a Stack Overflow site owner, I want to implement transparent cookie consent processes that comply with regulations while maintaining user engagement so that I can build user trust, avoid legal penalties, and sustain my business model without losing essential functionality. (Essential)</a:t>
-            </a:r>
-          </a:p>
-          <a:p>
-            <a:pPr>
-              <a:buFont typeface="Wingdings" pitchFamily="2" charset="2"/>
-              <a:buChar char="v"/>
-            </a:pPr>
-            <a:endParaRPr lang="en-US" dirty="0"/>
-          </a:p>
-          <a:p>
-            <a:pPr lvl="1"/>
-            <a:endParaRPr lang="en-US" dirty="0"/>
-          </a:p>
-        </p:txBody>
-      </p:sp>
-    </p:spTree>
-    <p:extLst>
-      <p:ext uri="{BB962C8B-B14F-4D97-AF65-F5344CB8AC3E}">
-        <p14:creationId xmlns:p14="http://schemas.microsoft.com/office/powerpoint/2010/main" val="2309442039"/>
-      </p:ext>
-    </p:extLst>
-  </p:cSld>
-  <p:clrMapOvr>
-    <a:masterClrMapping/>
-  </p:clrMapOvr>
-</p:sld>
-</file>
-
-<file path=ppt/slides/slide34.xml><?xml version="1.0" encoding="utf-8"?>
-<p:sld xmlns:a="http://schemas.openxmlformats.org/drawingml/2006/main" xmlns:r="http://schemas.openxmlformats.org/officeDocument/2006/relationships" xmlns:p="http://schemas.openxmlformats.org/presentationml/2006/main" show="0">
-  <p:cSld>
-    <p:spTree>
-      <p:nvGrpSpPr>
-        <p:cNvPr id="1" name=""/>
-        <p:cNvGrpSpPr/>
-        <p:nvPr/>
-      </p:nvGrpSpPr>
-      <p:grpSpPr>
-        <a:xfrm>
-          <a:off x="0" y="0"/>
-          <a:ext cx="0" cy="0"/>
-          <a:chOff x="0" y="0"/>
-          <a:chExt cx="0" cy="0"/>
-        </a:xfrm>
-      </p:grpSpPr>
-      <p:sp>
-        <p:nvSpPr>
-          <p:cNvPr id="2" name="Title 1">
-            <a:extLst>
-              <a:ext uri="{FF2B5EF4-FFF2-40B4-BE49-F238E27FC236}">
-                <a16:creationId xmlns:a16="http://schemas.microsoft.com/office/drawing/2014/main" id="{5523E1ED-9F63-134F-BD9D-0973C4E045EE}"/>
-              </a:ext>
-            </a:extLst>
-          </p:cNvPr>
-          <p:cNvSpPr>
-            <a:spLocks noGrp="1"/>
-          </p:cNvSpPr>
-          <p:nvPr>
-            <p:ph type="title"/>
-          </p:nvPr>
-        </p:nvSpPr>
-        <p:spPr/>
-        <p:txBody>
-          <a:bodyPr/>
-          <a:lstStyle/>
-          <a:p>
-            <a:r>
-              <a:rPr lang="en-US" dirty="0"/>
-              <a:t>Conditions of Satisfaction (Informed Consent)</a:t>
-            </a:r>
-          </a:p>
-        </p:txBody>
-      </p:sp>
-      <p:sp>
-        <p:nvSpPr>
-          <p:cNvPr id="4" name="Slide Number Placeholder 3">
-            <a:extLst>
-              <a:ext uri="{FF2B5EF4-FFF2-40B4-BE49-F238E27FC236}">
-                <a16:creationId xmlns:a16="http://schemas.microsoft.com/office/drawing/2014/main" id="{FE9C9A8A-3080-3242-B8BE-F2528AA17480}"/>
-              </a:ext>
-            </a:extLst>
-          </p:cNvPr>
-          <p:cNvSpPr>
-            <a:spLocks noGrp="1"/>
-          </p:cNvSpPr>
-          <p:nvPr>
-            <p:ph type="sldNum" sz="quarter" idx="12"/>
-          </p:nvPr>
-        </p:nvSpPr>
-        <p:spPr/>
-        <p:txBody>
-          <a:bodyPr/>
-          <a:lstStyle/>
-          <a:p>
-            <a:fld id="{20F37917-FD3A-4669-9018-DA04BCDD3D75}" type="slidenum">
-              <a:rPr lang="en-US" smtClean="0"/>
-              <a:t>34</a:t>
-            </a:fld>
-            <a:endParaRPr lang="en-US"/>
-          </a:p>
-        </p:txBody>
-      </p:sp>
-      <p:sp>
-        <p:nvSpPr>
-          <p:cNvPr id="7" name="Content Placeholder 2">
-            <a:extLst>
-              <a:ext uri="{FF2B5EF4-FFF2-40B4-BE49-F238E27FC236}">
-                <a16:creationId xmlns:a16="http://schemas.microsoft.com/office/drawing/2014/main" id="{03A99269-DD79-DD4B-BAE6-6C59835A79A6}"/>
-              </a:ext>
-            </a:extLst>
-          </p:cNvPr>
-          <p:cNvSpPr txBox="1">
-            <a:spLocks/>
-          </p:cNvSpPr>
-          <p:nvPr/>
-        </p:nvSpPr>
-        <p:spPr>
-          <a:xfrm>
-            <a:off x="639808" y="1674415"/>
-            <a:ext cx="5662518" cy="5598582"/>
-          </a:xfrm>
-          <a:prstGeom prst="rect">
-            <a:avLst/>
-          </a:prstGeom>
-        </p:spPr>
-        <p:txBody>
-          <a:bodyPr vert="horz" lIns="91440" tIns="45720" rIns="91440" bIns="45720" rtlCol="0">
-            <a:normAutofit fontScale="92500"/>
-          </a:bodyPr>
-          <a:lstStyle>
-            <a:lvl1pPr marL="228600" indent="-228600" algn="l" defTabSz="914400" rtl="0" eaLnBrk="1" latinLnBrk="0" hangingPunct="1">
-              <a:lnSpc>
-                <a:spcPct val="90000"/>
-              </a:lnSpc>
-              <a:spcBef>
-                <a:spcPts val="1000"/>
-              </a:spcBef>
-              <a:buFont typeface="Arial" panose="020B0604020202020204" pitchFamily="34" charset="0"/>
-              <a:buChar char="•"/>
-              <a:defRPr sz="2800" kern="1200">
-                <a:solidFill>
-                  <a:schemeClr val="tx1"/>
-                </a:solidFill>
-                <a:latin typeface="+mn-lt"/>
-                <a:ea typeface="+mn-ea"/>
-                <a:cs typeface="+mn-cs"/>
-              </a:defRPr>
-            </a:lvl1pPr>
-            <a:lvl2pPr marL="685800" indent="-228600" algn="l" defTabSz="914400" rtl="0" eaLnBrk="1" latinLnBrk="0" hangingPunct="1">
-              <a:lnSpc>
-                <a:spcPct val="90000"/>
-              </a:lnSpc>
-              <a:spcBef>
-                <a:spcPts val="500"/>
-              </a:spcBef>
-              <a:buFont typeface="Arial" panose="020B0604020202020204" pitchFamily="34" charset="0"/>
-              <a:buChar char="•"/>
-              <a:defRPr sz="2400" kern="1200">
-                <a:solidFill>
-                  <a:schemeClr val="tx1"/>
-                </a:solidFill>
-                <a:latin typeface="+mn-lt"/>
-                <a:ea typeface="+mn-ea"/>
-                <a:cs typeface="+mn-cs"/>
-              </a:defRPr>
-            </a:lvl2pPr>
-            <a:lvl3pPr marL="1143000" indent="-228600" algn="l" defTabSz="914400" rtl="0" eaLnBrk="1" latinLnBrk="0" hangingPunct="1">
-              <a:lnSpc>
-                <a:spcPct val="90000"/>
-              </a:lnSpc>
-              <a:spcBef>
-                <a:spcPts val="500"/>
-              </a:spcBef>
-              <a:buFont typeface="Arial" panose="020B0604020202020204" pitchFamily="34" charset="0"/>
-              <a:buChar char="•"/>
-              <a:defRPr sz="2000" kern="1200">
-                <a:solidFill>
-                  <a:schemeClr val="tx1"/>
-                </a:solidFill>
-                <a:latin typeface="+mn-lt"/>
-                <a:ea typeface="+mn-ea"/>
-                <a:cs typeface="+mn-cs"/>
-              </a:defRPr>
-            </a:lvl3pPr>
-            <a:lvl4pPr marL="1600200" indent="-228600" algn="l" defTabSz="914400" rtl="0" eaLnBrk="1" latinLnBrk="0" hangingPunct="1">
-              <a:lnSpc>
-                <a:spcPct val="90000"/>
-              </a:lnSpc>
-              <a:spcBef>
-                <a:spcPts val="500"/>
-              </a:spcBef>
-              <a:buFont typeface="Arial" panose="020B0604020202020204" pitchFamily="34" charset="0"/>
-              <a:buChar char="•"/>
-              <a:defRPr sz="1800" kern="1200">
-                <a:solidFill>
-                  <a:schemeClr val="tx1"/>
-                </a:solidFill>
-                <a:latin typeface="+mn-lt"/>
-                <a:ea typeface="+mn-ea"/>
-                <a:cs typeface="+mn-cs"/>
-              </a:defRPr>
-            </a:lvl4pPr>
-            <a:lvl5pPr marL="2057400" indent="-228600" algn="l" defTabSz="914400" rtl="0" eaLnBrk="1" latinLnBrk="0" hangingPunct="1">
-              <a:lnSpc>
-                <a:spcPct val="90000"/>
-              </a:lnSpc>
-              <a:spcBef>
-                <a:spcPts val="500"/>
-              </a:spcBef>
-              <a:buFont typeface="Arial" panose="020B0604020202020204" pitchFamily="34" charset="0"/>
-              <a:buChar char="•"/>
-              <a:defRPr sz="1800" kern="1200">
-                <a:solidFill>
-                  <a:schemeClr val="tx1"/>
-                </a:solidFill>
-                <a:latin typeface="+mn-lt"/>
-                <a:ea typeface="+mn-ea"/>
-                <a:cs typeface="+mn-cs"/>
-              </a:defRPr>
-            </a:lvl5pPr>
-            <a:lvl6pPr marL="2514600" indent="-228600" algn="l" defTabSz="914400" rtl="0" eaLnBrk="1" latinLnBrk="0" hangingPunct="1">
-              <a:lnSpc>
-                <a:spcPct val="90000"/>
-              </a:lnSpc>
-              <a:spcBef>
-                <a:spcPts val="500"/>
-              </a:spcBef>
-              <a:buFont typeface="Arial" panose="020B0604020202020204" pitchFamily="34" charset="0"/>
-              <a:buChar char="•"/>
-              <a:defRPr sz="1800" kern="1200">
-                <a:solidFill>
-                  <a:schemeClr val="tx1"/>
-                </a:solidFill>
-                <a:latin typeface="+mn-lt"/>
-                <a:ea typeface="+mn-ea"/>
-                <a:cs typeface="+mn-cs"/>
-              </a:defRPr>
-            </a:lvl6pPr>
-            <a:lvl7pPr marL="2971800" indent="-228600" algn="l" defTabSz="914400" rtl="0" eaLnBrk="1" latinLnBrk="0" hangingPunct="1">
-              <a:lnSpc>
-                <a:spcPct val="90000"/>
-              </a:lnSpc>
-              <a:spcBef>
-                <a:spcPts val="500"/>
-              </a:spcBef>
-              <a:buFont typeface="Arial" panose="020B0604020202020204" pitchFamily="34" charset="0"/>
-              <a:buChar char="•"/>
-              <a:defRPr sz="1800" kern="1200">
-                <a:solidFill>
-                  <a:schemeClr val="tx1"/>
-                </a:solidFill>
-                <a:latin typeface="+mn-lt"/>
-                <a:ea typeface="+mn-ea"/>
-                <a:cs typeface="+mn-cs"/>
-              </a:defRPr>
-            </a:lvl7pPr>
-            <a:lvl8pPr marL="3429000" indent="-228600" algn="l" defTabSz="914400" rtl="0" eaLnBrk="1" latinLnBrk="0" hangingPunct="1">
-              <a:lnSpc>
-                <a:spcPct val="90000"/>
-              </a:lnSpc>
-              <a:spcBef>
-                <a:spcPts val="500"/>
-              </a:spcBef>
-              <a:buFont typeface="Arial" panose="020B0604020202020204" pitchFamily="34" charset="0"/>
-              <a:buChar char="•"/>
-              <a:defRPr sz="1800" kern="1200">
-                <a:solidFill>
-                  <a:schemeClr val="tx1"/>
-                </a:solidFill>
-                <a:latin typeface="+mn-lt"/>
-                <a:ea typeface="+mn-ea"/>
-                <a:cs typeface="+mn-cs"/>
-              </a:defRPr>
-            </a:lvl8pPr>
-            <a:lvl9pPr marL="3886200" indent="-228600" algn="l" defTabSz="914400" rtl="0" eaLnBrk="1" latinLnBrk="0" hangingPunct="1">
-              <a:lnSpc>
-                <a:spcPct val="90000"/>
-              </a:lnSpc>
-              <a:spcBef>
-                <a:spcPts val="500"/>
-              </a:spcBef>
-              <a:buFont typeface="Arial" panose="020B0604020202020204" pitchFamily="34" charset="0"/>
-              <a:buChar char="•"/>
-              <a:defRPr sz="1800" kern="1200">
-                <a:solidFill>
-                  <a:schemeClr val="tx1"/>
-                </a:solidFill>
-                <a:latin typeface="+mn-lt"/>
-                <a:ea typeface="+mn-ea"/>
-                <a:cs typeface="+mn-cs"/>
-              </a:defRPr>
-            </a:lvl9pPr>
-          </a:lstStyle>
-          <a:p>
-            <a:pPr marL="0" indent="0">
-              <a:buFont typeface="Arial" panose="020B0604020202020204" pitchFamily="34" charset="0"/>
-              <a:buNone/>
-            </a:pPr>
-            <a:r>
-              <a:rPr lang="en-US" sz="2400" dirty="0">
-                <a:solidFill>
-                  <a:schemeClr val="accent6">
-                    <a:lumMod val="50000"/>
-                  </a:schemeClr>
-                </a:solidFill>
-              </a:rPr>
-              <a:t>User Story and COS:</a:t>
-            </a:r>
-          </a:p>
-          <a:p>
-            <a:pPr>
-              <a:buFont typeface="Wingdings" pitchFamily="2" charset="2"/>
-              <a:buChar char="v"/>
-            </a:pPr>
-            <a:r>
-              <a:rPr lang="en-US" sz="2400" dirty="0"/>
-              <a:t> </a:t>
-            </a:r>
-            <a:r>
-              <a:rPr lang="en-US" sz="2200" dirty="0"/>
-              <a:t>As a Stack Overflow user, I want to clearly understand what personal data Stack Overflow collects through cookies and control which cookies are set so that I can make an informed choice about my privacy while still accessing the programming help I need. (Essential)</a:t>
-            </a:r>
-            <a:endParaRPr lang="en-US" sz="2400" dirty="0"/>
-          </a:p>
-          <a:p>
-            <a:pPr lvl="1">
-              <a:buFont typeface="Wingdings" pitchFamily="2" charset="2"/>
-              <a:buChar char="Ø"/>
-            </a:pPr>
-            <a:r>
-              <a:rPr lang="en-US" sz="2100" dirty="0"/>
-              <a:t>The system should display a clear cookie banner explaining what personal data is collected before any cookies are set (Essential)</a:t>
-            </a:r>
-          </a:p>
-          <a:p>
-            <a:pPr lvl="1">
-              <a:buFont typeface="Wingdings" pitchFamily="2" charset="2"/>
-              <a:buChar char="Ø"/>
-            </a:pPr>
-            <a:r>
-              <a:rPr lang="en-US" sz="2100" dirty="0"/>
-              <a:t>Users should be able to access granular cookie controls to accept/reject specific categories (functional, analytics, advertising, personalization) (Desirable)</a:t>
-            </a:r>
-          </a:p>
-          <a:p>
-            <a:pPr lvl="1">
-              <a:buFont typeface="Wingdings" pitchFamily="2" charset="2"/>
-              <a:buChar char="Ø"/>
-            </a:pPr>
-            <a:r>
-              <a:rPr lang="en-US" sz="2100" dirty="0"/>
-              <a:t>The system should provide a “privacy dashboard” showing what data has been collected about the user over time (Extension)</a:t>
-            </a:r>
-            <a:br>
-              <a:rPr lang="en-US" sz="1800" dirty="0"/>
-            </a:br>
-            <a:endParaRPr lang="en-US" sz="1800" dirty="0"/>
-          </a:p>
-          <a:p>
-            <a:pPr>
-              <a:buFont typeface="Wingdings" pitchFamily="2" charset="2"/>
-              <a:buChar char="v"/>
-            </a:pPr>
-            <a:endParaRPr lang="en-US" sz="2400" dirty="0"/>
-          </a:p>
-          <a:p>
-            <a:pPr lvl="1"/>
-            <a:endParaRPr lang="en-US" sz="1800" dirty="0"/>
-          </a:p>
-        </p:txBody>
-      </p:sp>
-      <p:sp>
-        <p:nvSpPr>
-          <p:cNvPr id="8" name="Content Placeholder 2">
-            <a:extLst>
-              <a:ext uri="{FF2B5EF4-FFF2-40B4-BE49-F238E27FC236}">
-                <a16:creationId xmlns:a16="http://schemas.microsoft.com/office/drawing/2014/main" id="{28EA7D20-1FD7-364F-8F92-C197CA376105}"/>
-              </a:ext>
-            </a:extLst>
-          </p:cNvPr>
-          <p:cNvSpPr txBox="1">
-            <a:spLocks/>
-          </p:cNvSpPr>
-          <p:nvPr/>
-        </p:nvSpPr>
-        <p:spPr>
-          <a:xfrm>
-            <a:off x="6302326" y="1689380"/>
-            <a:ext cx="5960012" cy="5168620"/>
-          </a:xfrm>
-          <a:prstGeom prst="rect">
-            <a:avLst/>
-          </a:prstGeom>
-        </p:spPr>
-        <p:txBody>
-          <a:bodyPr vert="horz" lIns="91440" tIns="45720" rIns="91440" bIns="45720" rtlCol="0">
-            <a:normAutofit fontScale="92500" lnSpcReduction="20000"/>
-          </a:bodyPr>
-          <a:lstStyle>
-            <a:lvl1pPr marL="228600" indent="-228600" algn="l" defTabSz="914400" rtl="0" eaLnBrk="1" latinLnBrk="0" hangingPunct="1">
-              <a:lnSpc>
-                <a:spcPct val="90000"/>
-              </a:lnSpc>
-              <a:spcBef>
-                <a:spcPts val="1000"/>
-              </a:spcBef>
-              <a:buFont typeface="Arial" panose="020B0604020202020204" pitchFamily="34" charset="0"/>
-              <a:buChar char="•"/>
-              <a:defRPr sz="2800" kern="1200">
-                <a:solidFill>
-                  <a:schemeClr val="tx1"/>
-                </a:solidFill>
-                <a:latin typeface="+mn-lt"/>
-                <a:ea typeface="+mn-ea"/>
-                <a:cs typeface="+mn-cs"/>
-              </a:defRPr>
-            </a:lvl1pPr>
-            <a:lvl2pPr marL="685800" indent="-228600" algn="l" defTabSz="914400" rtl="0" eaLnBrk="1" latinLnBrk="0" hangingPunct="1">
-              <a:lnSpc>
-                <a:spcPct val="90000"/>
-              </a:lnSpc>
-              <a:spcBef>
-                <a:spcPts val="500"/>
-              </a:spcBef>
-              <a:buFont typeface="Arial" panose="020B0604020202020204" pitchFamily="34" charset="0"/>
-              <a:buChar char="•"/>
-              <a:defRPr sz="2400" kern="1200">
-                <a:solidFill>
-                  <a:schemeClr val="tx1"/>
-                </a:solidFill>
-                <a:latin typeface="+mn-lt"/>
-                <a:ea typeface="+mn-ea"/>
-                <a:cs typeface="+mn-cs"/>
-              </a:defRPr>
-            </a:lvl2pPr>
-            <a:lvl3pPr marL="1143000" indent="-228600" algn="l" defTabSz="914400" rtl="0" eaLnBrk="1" latinLnBrk="0" hangingPunct="1">
-              <a:lnSpc>
-                <a:spcPct val="90000"/>
-              </a:lnSpc>
-              <a:spcBef>
-                <a:spcPts val="500"/>
-              </a:spcBef>
-              <a:buFont typeface="Arial" panose="020B0604020202020204" pitchFamily="34" charset="0"/>
-              <a:buChar char="•"/>
-              <a:defRPr sz="2000" kern="1200">
-                <a:solidFill>
-                  <a:schemeClr val="tx1"/>
-                </a:solidFill>
-                <a:latin typeface="+mn-lt"/>
-                <a:ea typeface="+mn-ea"/>
-                <a:cs typeface="+mn-cs"/>
-              </a:defRPr>
-            </a:lvl3pPr>
-            <a:lvl4pPr marL="1600200" indent="-228600" algn="l" defTabSz="914400" rtl="0" eaLnBrk="1" latinLnBrk="0" hangingPunct="1">
-              <a:lnSpc>
-                <a:spcPct val="90000"/>
-              </a:lnSpc>
-              <a:spcBef>
-                <a:spcPts val="500"/>
-              </a:spcBef>
-              <a:buFont typeface="Arial" panose="020B0604020202020204" pitchFamily="34" charset="0"/>
-              <a:buChar char="•"/>
-              <a:defRPr sz="1800" kern="1200">
-                <a:solidFill>
-                  <a:schemeClr val="tx1"/>
-                </a:solidFill>
-                <a:latin typeface="+mn-lt"/>
-                <a:ea typeface="+mn-ea"/>
-                <a:cs typeface="+mn-cs"/>
-              </a:defRPr>
-            </a:lvl4pPr>
-            <a:lvl5pPr marL="2057400" indent="-228600" algn="l" defTabSz="914400" rtl="0" eaLnBrk="1" latinLnBrk="0" hangingPunct="1">
-              <a:lnSpc>
-                <a:spcPct val="90000"/>
-              </a:lnSpc>
-              <a:spcBef>
-                <a:spcPts val="500"/>
-              </a:spcBef>
-              <a:buFont typeface="Arial" panose="020B0604020202020204" pitchFamily="34" charset="0"/>
-              <a:buChar char="•"/>
-              <a:defRPr sz="1800" kern="1200">
-                <a:solidFill>
-                  <a:schemeClr val="tx1"/>
-                </a:solidFill>
-                <a:latin typeface="+mn-lt"/>
-                <a:ea typeface="+mn-ea"/>
-                <a:cs typeface="+mn-cs"/>
-              </a:defRPr>
-            </a:lvl5pPr>
-            <a:lvl6pPr marL="2514600" indent="-228600" algn="l" defTabSz="914400" rtl="0" eaLnBrk="1" latinLnBrk="0" hangingPunct="1">
-              <a:lnSpc>
-                <a:spcPct val="90000"/>
-              </a:lnSpc>
-              <a:spcBef>
-                <a:spcPts val="500"/>
-              </a:spcBef>
-              <a:buFont typeface="Arial" panose="020B0604020202020204" pitchFamily="34" charset="0"/>
-              <a:buChar char="•"/>
-              <a:defRPr sz="1800" kern="1200">
-                <a:solidFill>
-                  <a:schemeClr val="tx1"/>
-                </a:solidFill>
-                <a:latin typeface="+mn-lt"/>
-                <a:ea typeface="+mn-ea"/>
-                <a:cs typeface="+mn-cs"/>
-              </a:defRPr>
-            </a:lvl6pPr>
-            <a:lvl7pPr marL="2971800" indent="-228600" algn="l" defTabSz="914400" rtl="0" eaLnBrk="1" latinLnBrk="0" hangingPunct="1">
-              <a:lnSpc>
-                <a:spcPct val="90000"/>
-              </a:lnSpc>
-              <a:spcBef>
-                <a:spcPts val="500"/>
-              </a:spcBef>
-              <a:buFont typeface="Arial" panose="020B0604020202020204" pitchFamily="34" charset="0"/>
-              <a:buChar char="•"/>
-              <a:defRPr sz="1800" kern="1200">
-                <a:solidFill>
-                  <a:schemeClr val="tx1"/>
-                </a:solidFill>
-                <a:latin typeface="+mn-lt"/>
-                <a:ea typeface="+mn-ea"/>
-                <a:cs typeface="+mn-cs"/>
-              </a:defRPr>
-            </a:lvl7pPr>
-            <a:lvl8pPr marL="3429000" indent="-228600" algn="l" defTabSz="914400" rtl="0" eaLnBrk="1" latinLnBrk="0" hangingPunct="1">
-              <a:lnSpc>
-                <a:spcPct val="90000"/>
-              </a:lnSpc>
-              <a:spcBef>
-                <a:spcPts val="500"/>
-              </a:spcBef>
-              <a:buFont typeface="Arial" panose="020B0604020202020204" pitchFamily="34" charset="0"/>
-              <a:buChar char="•"/>
-              <a:defRPr sz="1800" kern="1200">
-                <a:solidFill>
-                  <a:schemeClr val="tx1"/>
-                </a:solidFill>
-                <a:latin typeface="+mn-lt"/>
-                <a:ea typeface="+mn-ea"/>
-                <a:cs typeface="+mn-cs"/>
-              </a:defRPr>
-            </a:lvl8pPr>
-            <a:lvl9pPr marL="3886200" indent="-228600" algn="l" defTabSz="914400" rtl="0" eaLnBrk="1" latinLnBrk="0" hangingPunct="1">
-              <a:lnSpc>
-                <a:spcPct val="90000"/>
-              </a:lnSpc>
-              <a:spcBef>
-                <a:spcPts val="500"/>
-              </a:spcBef>
-              <a:buFont typeface="Arial" panose="020B0604020202020204" pitchFamily="34" charset="0"/>
-              <a:buChar char="•"/>
-              <a:defRPr sz="1800" kern="1200">
-                <a:solidFill>
-                  <a:schemeClr val="tx1"/>
-                </a:solidFill>
-                <a:latin typeface="+mn-lt"/>
-                <a:ea typeface="+mn-ea"/>
-                <a:cs typeface="+mn-cs"/>
-              </a:defRPr>
-            </a:lvl9pPr>
-          </a:lstStyle>
-          <a:p>
-            <a:pPr marL="0" indent="0">
-              <a:buFont typeface="Arial" panose="020B0604020202020204" pitchFamily="34" charset="0"/>
-              <a:buNone/>
-            </a:pPr>
-            <a:r>
-              <a:rPr lang="en-US" dirty="0">
-                <a:solidFill>
-                  <a:schemeClr val="accent6">
-                    <a:lumMod val="50000"/>
-                  </a:schemeClr>
-                </a:solidFill>
-              </a:rPr>
-              <a:t>User Story and COS:</a:t>
-            </a:r>
-          </a:p>
-          <a:p>
-            <a:pPr>
-              <a:buFont typeface="Wingdings" pitchFamily="2" charset="2"/>
-              <a:buChar char="v"/>
-            </a:pPr>
-            <a:r>
-              <a:rPr lang="en-US" sz="2400" dirty="0"/>
-              <a:t> As a Stack Overflow site owner, I want to implement transparent cookie consent processes that comply with regulations while maintaining user engagement so that I can build user trust, avoid legal penalties, and sustain my business model without losing essential functionality. (Essential)</a:t>
-            </a:r>
-            <a:endParaRPr lang="en-US" sz="2600" dirty="0"/>
-          </a:p>
-          <a:p>
-            <a:pPr lvl="1">
-              <a:buFont typeface="Wingdings" pitchFamily="2" charset="2"/>
-              <a:buChar char="Ø"/>
-            </a:pPr>
-            <a:r>
-              <a:rPr lang="en-US" sz="2100" dirty="0"/>
-              <a:t>Cookie data containing personal information should be encrypted both in transit and at rest to prevent unauthorized access. (Essential)</a:t>
-            </a:r>
-          </a:p>
-          <a:p>
-            <a:pPr lvl="1">
-              <a:buFont typeface="Wingdings" pitchFamily="2" charset="2"/>
-              <a:buChar char="Ø"/>
-            </a:pPr>
-            <a:r>
-              <a:rPr lang="en-US" sz="2100" dirty="0"/>
-              <a:t>The system should automatically expire cookies based on predefined retention periods. (Essential)</a:t>
-            </a:r>
-          </a:p>
-          <a:p>
-            <a:pPr lvl="1">
-              <a:buFont typeface="Wingdings" pitchFamily="2" charset="2"/>
-              <a:buChar char="Ø"/>
-            </a:pPr>
-            <a:r>
-              <a:rPr lang="en-US" sz="2100" dirty="0"/>
-              <a:t>The system should allow users to read and search posts even if they reject data collection on cookies. (Desirable)</a:t>
-            </a:r>
-          </a:p>
-          <a:p>
-            <a:pPr lvl="1">
-              <a:buFont typeface="Wingdings" pitchFamily="2" charset="2"/>
-              <a:buChar char="Ø"/>
-            </a:pPr>
-            <a:r>
-              <a:rPr lang="en-US" sz="2100" dirty="0"/>
-              <a:t>The platform should implement automated data retention policies that permanently delete expired cookie data. (Extension)</a:t>
-            </a:r>
-            <a:br>
-              <a:rPr lang="en-US" sz="2600" dirty="0"/>
-            </a:br>
-            <a:endParaRPr lang="en-US" sz="2600" dirty="0"/>
-          </a:p>
-          <a:p>
-            <a:pPr>
-              <a:buFont typeface="Wingdings" pitchFamily="2" charset="2"/>
-              <a:buChar char="v"/>
-            </a:pPr>
-            <a:endParaRPr lang="en-US" sz="2400" dirty="0"/>
-          </a:p>
-          <a:p>
-            <a:pPr lvl="1"/>
-            <a:endParaRPr lang="en-US" sz="1800" dirty="0"/>
-          </a:p>
-        </p:txBody>
-      </p:sp>
-    </p:spTree>
-    <p:extLst>
-      <p:ext uri="{BB962C8B-B14F-4D97-AF65-F5344CB8AC3E}">
-        <p14:creationId xmlns:p14="http://schemas.microsoft.com/office/powerpoint/2010/main" val="2140347464"/>
-      </p:ext>
-    </p:extLst>
-  </p:cSld>
-  <p:clrMapOvr>
-    <a:masterClrMapping/>
-  </p:clrMapOvr>
-</p:sld>
-</file>
-
-<file path=ppt/slides/slide35.xml><?xml version="1.0" encoding="utf-8"?>
-<p:sld xmlns:a="http://schemas.openxmlformats.org/drawingml/2006/main" xmlns:r="http://schemas.openxmlformats.org/officeDocument/2006/relationships" xmlns:p="http://schemas.openxmlformats.org/presentationml/2006/main" show="0">
-  <p:cSld>
-    <p:spTree>
-      <p:nvGrpSpPr>
-        <p:cNvPr id="1" name=""/>
-        <p:cNvGrpSpPr/>
-        <p:nvPr/>
-      </p:nvGrpSpPr>
-      <p:grpSpPr>
-        <a:xfrm>
-          <a:off x="0" y="0"/>
-          <a:ext cx="0" cy="0"/>
-          <a:chOff x="0" y="0"/>
-          <a:chExt cx="0" cy="0"/>
-        </a:xfrm>
-      </p:grpSpPr>
-      <p:sp>
-        <p:nvSpPr>
-          <p:cNvPr id="2" name="Title 1">
-            <a:extLst>
-              <a:ext uri="{FF2B5EF4-FFF2-40B4-BE49-F238E27FC236}">
-                <a16:creationId xmlns:a16="http://schemas.microsoft.com/office/drawing/2014/main" id="{6D7FE7B3-C6CB-6B03-07B9-822FC3676710}"/>
-              </a:ext>
-            </a:extLst>
-          </p:cNvPr>
-          <p:cNvSpPr>
-            <a:spLocks noGrp="1"/>
-          </p:cNvSpPr>
-          <p:nvPr>
-            <p:ph type="title"/>
-          </p:nvPr>
-        </p:nvSpPr>
-        <p:spPr/>
-        <p:txBody>
-          <a:bodyPr>
-            <a:normAutofit/>
-          </a:bodyPr>
-          <a:lstStyle/>
-          <a:p>
-            <a:r>
-              <a:rPr lang="en-US" dirty="0"/>
-              <a:t>Motivating Example – Informed Consent</a:t>
-            </a:r>
-          </a:p>
-        </p:txBody>
-      </p:sp>
-      <p:sp>
-        <p:nvSpPr>
-          <p:cNvPr id="3" name="Content Placeholder 2">
-            <a:extLst>
-              <a:ext uri="{FF2B5EF4-FFF2-40B4-BE49-F238E27FC236}">
-                <a16:creationId xmlns:a16="http://schemas.microsoft.com/office/drawing/2014/main" id="{B78E0F47-C40D-AF55-04F9-C6043963616F}"/>
-              </a:ext>
-            </a:extLst>
-          </p:cNvPr>
-          <p:cNvSpPr>
-            <a:spLocks noGrp="1"/>
-          </p:cNvSpPr>
-          <p:nvPr>
-            <p:ph idx="1"/>
-          </p:nvPr>
-        </p:nvSpPr>
-        <p:spPr>
-          <a:xfrm>
-            <a:off x="838200" y="1500160"/>
-            <a:ext cx="10400414" cy="4856190"/>
-          </a:xfrm>
-        </p:spPr>
-        <p:txBody>
-          <a:bodyPr>
-            <a:normAutofit lnSpcReduction="10000"/>
-          </a:bodyPr>
-          <a:lstStyle/>
-          <a:p>
-            <a:r>
-              <a:rPr lang="en-US" dirty="0"/>
-              <a:t>Design choices made during developing software (or any technology) often implicate human values!</a:t>
-            </a:r>
-          </a:p>
-          <a:p>
-            <a:r>
-              <a:rPr lang="en-US" dirty="0"/>
-              <a:t>Ignoring values in the requirements and design process is </a:t>
-            </a:r>
-            <a:r>
-              <a:rPr lang="en-US" b="1" dirty="0"/>
-              <a:t>irresponsible</a:t>
-            </a:r>
-            <a:r>
-              <a:rPr lang="en-US" dirty="0"/>
-              <a:t>.</a:t>
-            </a:r>
-          </a:p>
-          <a:p>
-            <a:r>
-              <a:rPr lang="en-US" dirty="0"/>
-              <a:t>A Human Value Example: </a:t>
-            </a:r>
-            <a:r>
-              <a:rPr lang="en-US" b="1" dirty="0"/>
-              <a:t>Informed Consent</a:t>
-            </a:r>
-          </a:p>
-          <a:p>
-            <a:pPr lvl="1"/>
-            <a:r>
-              <a:rPr lang="en-US" dirty="0"/>
-              <a:t>Most websites collect vast amounts of information about users, who have no control over: what information is collected/accessed/used/sold/etc.</a:t>
-            </a:r>
-          </a:p>
-          <a:p>
-            <a:pPr lvl="1"/>
-            <a:r>
-              <a:rPr lang="en-US" dirty="0"/>
-              <a:t>A VSD approach to informed consent would emphasizes </a:t>
-            </a:r>
-            <a:r>
-              <a:rPr lang="en-US" b="1" dirty="0"/>
-              <a:t>transparency, user control and understanding</a:t>
-            </a:r>
-            <a:r>
-              <a:rPr lang="en-US" dirty="0"/>
-              <a:t>.</a:t>
-            </a:r>
-          </a:p>
-          <a:p>
-            <a:pPr lvl="1"/>
-            <a:r>
-              <a:rPr lang="en-US" dirty="0"/>
-              <a:t>Web </a:t>
-            </a:r>
-            <a:r>
-              <a:rPr lang="en-US" i="1" dirty="0"/>
-              <a:t>cookies</a:t>
-            </a:r>
-            <a:r>
-              <a:rPr lang="en-US" dirty="0"/>
-              <a:t> and </a:t>
-            </a:r>
-            <a:r>
-              <a:rPr lang="en-US" i="1" dirty="0"/>
-              <a:t>browser security</a:t>
-            </a:r>
-            <a:r>
-              <a:rPr lang="en-US" dirty="0"/>
-              <a:t> mechanisms represent solutions to implement the principle of informed consent.  </a:t>
-            </a:r>
-          </a:p>
-          <a:p>
-            <a:r>
-              <a:rPr lang="en-US" dirty="0"/>
-              <a:t>To consider human values during design, we need to understand </a:t>
-            </a:r>
-            <a:r>
-              <a:rPr lang="en-US" b="1" i="1" dirty="0"/>
-              <a:t>what</a:t>
-            </a:r>
-            <a:r>
-              <a:rPr lang="en-US" dirty="0"/>
-              <a:t> they means generally and in the specific </a:t>
-            </a:r>
-            <a:r>
-              <a:rPr lang="en-US" b="1" i="1" dirty="0"/>
-              <a:t>context </a:t>
-            </a:r>
-            <a:r>
-              <a:rPr lang="en-US" dirty="0"/>
-              <a:t>of technology</a:t>
-            </a:r>
-          </a:p>
-        </p:txBody>
-      </p:sp>
-      <p:sp>
-        <p:nvSpPr>
-          <p:cNvPr id="4" name="Slide Number Placeholder 3">
-            <a:extLst>
-              <a:ext uri="{FF2B5EF4-FFF2-40B4-BE49-F238E27FC236}">
-                <a16:creationId xmlns:a16="http://schemas.microsoft.com/office/drawing/2014/main" id="{F781C33C-0916-3DED-5FA4-D82F64A35D84}"/>
-              </a:ext>
-            </a:extLst>
-          </p:cNvPr>
-          <p:cNvSpPr>
-            <a:spLocks noGrp="1"/>
-          </p:cNvSpPr>
-          <p:nvPr>
-            <p:ph type="sldNum" sz="quarter" idx="12"/>
-          </p:nvPr>
-        </p:nvSpPr>
-        <p:spPr/>
-        <p:txBody>
-          <a:bodyPr/>
-          <a:lstStyle/>
-          <a:p>
-            <a:fld id="{20F37917-FD3A-4669-9018-DA04BCDD3D75}" type="slidenum">
-              <a:rPr lang="en-US" smtClean="0"/>
-              <a:t>35</a:t>
-            </a:fld>
-            <a:endParaRPr lang="en-US"/>
-          </a:p>
-        </p:txBody>
-      </p:sp>
-    </p:spTree>
-    <p:extLst>
-      <p:ext uri="{BB962C8B-B14F-4D97-AF65-F5344CB8AC3E}">
-        <p14:creationId xmlns:p14="http://schemas.microsoft.com/office/powerpoint/2010/main" val="1106144208"/>
-      </p:ext>
-    </p:extLst>
-  </p:cSld>
-  <p:clrMapOvr>
-    <a:masterClrMapping/>
-  </p:clrMapOvr>
-</p:sld>
-</file>
-
-<file path=ppt/slides/slide36.xml><?xml version="1.0" encoding="utf-8"?>
-<p:sld xmlns:a="http://schemas.openxmlformats.org/drawingml/2006/main" xmlns:r="http://schemas.openxmlformats.org/officeDocument/2006/relationships" xmlns:p="http://schemas.openxmlformats.org/presentationml/2006/main" show="0">
-  <p:cSld>
-    <p:spTree>
-      <p:nvGrpSpPr>
-        <p:cNvPr id="1" name=""/>
-        <p:cNvGrpSpPr/>
-        <p:nvPr/>
-      </p:nvGrpSpPr>
-      <p:grpSpPr>
-        <a:xfrm>
-          <a:off x="0" y="0"/>
-          <a:ext cx="0" cy="0"/>
-          <a:chOff x="0" y="0"/>
-          <a:chExt cx="0" cy="0"/>
-        </a:xfrm>
-      </p:grpSpPr>
-      <p:sp>
-        <p:nvSpPr>
-          <p:cNvPr id="2" name="Title 1">
-            <a:extLst>
-              <a:ext uri="{FF2B5EF4-FFF2-40B4-BE49-F238E27FC236}">
-                <a16:creationId xmlns:a16="http://schemas.microsoft.com/office/drawing/2014/main" id="{6E08092E-8BB8-B48B-3BAB-ABDF1BE728C6}"/>
-              </a:ext>
-            </a:extLst>
-          </p:cNvPr>
-          <p:cNvSpPr>
-            <a:spLocks noGrp="1"/>
-          </p:cNvSpPr>
-          <p:nvPr>
-            <p:ph type="title"/>
-          </p:nvPr>
-        </p:nvSpPr>
-        <p:spPr/>
-        <p:txBody>
-          <a:bodyPr/>
-          <a:lstStyle/>
-          <a:p>
-            <a:r>
-              <a:rPr lang="en-US" dirty="0"/>
-              <a:t>Example: The Reddit Case Study</a:t>
-            </a:r>
-          </a:p>
-        </p:txBody>
-      </p:sp>
-      <p:sp>
-        <p:nvSpPr>
-          <p:cNvPr id="3" name="Content Placeholder 2">
-            <a:extLst>
-              <a:ext uri="{FF2B5EF4-FFF2-40B4-BE49-F238E27FC236}">
-                <a16:creationId xmlns:a16="http://schemas.microsoft.com/office/drawing/2014/main" id="{A1628D1E-4883-1046-9135-0DBD842CD0FD}"/>
-              </a:ext>
-            </a:extLst>
-          </p:cNvPr>
-          <p:cNvSpPr>
-            <a:spLocks noGrp="1"/>
-          </p:cNvSpPr>
-          <p:nvPr>
-            <p:ph idx="1"/>
-          </p:nvPr>
-        </p:nvSpPr>
-        <p:spPr>
-          <a:xfrm>
-            <a:off x="838200" y="1500160"/>
-            <a:ext cx="8848060" cy="4351338"/>
-          </a:xfrm>
-        </p:spPr>
-        <p:txBody>
-          <a:bodyPr/>
-          <a:lstStyle/>
-          <a:p>
-            <a:pPr marL="0" indent="0">
-              <a:buNone/>
-            </a:pPr>
-            <a:r>
-              <a:rPr lang="en-US" dirty="0">
-                <a:solidFill>
-                  <a:srgbClr val="C00000"/>
-                </a:solidFill>
-              </a:rPr>
-              <a:t>A classifier model that will replace the role of humans in the moderating process. This algorithm will classify new posts, determining whether or not they’re appropriate for Reddit. Those that are flagged inappropriate will be removed.</a:t>
-            </a:r>
-          </a:p>
-          <a:p>
-            <a:pPr marL="0" indent="0">
-              <a:buNone/>
-            </a:pPr>
-            <a:endParaRPr lang="en-US" dirty="0">
-              <a:solidFill>
-                <a:srgbClr val="C00000"/>
-              </a:solidFill>
-            </a:endParaRPr>
-          </a:p>
-        </p:txBody>
-      </p:sp>
-      <p:sp>
-        <p:nvSpPr>
-          <p:cNvPr id="4" name="Slide Number Placeholder 3">
-            <a:extLst>
-              <a:ext uri="{FF2B5EF4-FFF2-40B4-BE49-F238E27FC236}">
-                <a16:creationId xmlns:a16="http://schemas.microsoft.com/office/drawing/2014/main" id="{F30CE011-3094-1F2E-34AE-303DC6DE91BB}"/>
-              </a:ext>
-            </a:extLst>
-          </p:cNvPr>
-          <p:cNvSpPr>
-            <a:spLocks noGrp="1"/>
-          </p:cNvSpPr>
-          <p:nvPr>
-            <p:ph type="sldNum" sz="quarter" idx="12"/>
-          </p:nvPr>
-        </p:nvSpPr>
-        <p:spPr/>
-        <p:txBody>
-          <a:bodyPr/>
-          <a:lstStyle/>
-          <a:p>
-            <a:fld id="{20F37917-FD3A-4669-9018-DA04BCDD3D75}" type="slidenum">
-              <a:rPr lang="en-US" smtClean="0"/>
-              <a:t>36</a:t>
-            </a:fld>
-            <a:endParaRPr lang="en-US"/>
-          </a:p>
-        </p:txBody>
-      </p:sp>
-    </p:spTree>
-    <p:extLst>
-      <p:ext uri="{BB962C8B-B14F-4D97-AF65-F5344CB8AC3E}">
-        <p14:creationId xmlns:p14="http://schemas.microsoft.com/office/powerpoint/2010/main" val="3016487885"/>
-      </p:ext>
-    </p:extLst>
-  </p:cSld>
-  <p:clrMapOvr>
-    <a:masterClrMapping/>
-  </p:clrMapOvr>
-</p:sld>
-</file>
-
-<file path=ppt/slides/slide37.xml><?xml version="1.0" encoding="utf-8"?>
-<p:sld xmlns:a="http://schemas.openxmlformats.org/drawingml/2006/main" xmlns:r="http://schemas.openxmlformats.org/officeDocument/2006/relationships" xmlns:p="http://schemas.openxmlformats.org/presentationml/2006/main" show="0">
-  <p:cSld>
-    <p:spTree>
-      <p:nvGrpSpPr>
-        <p:cNvPr id="1" name=""/>
-        <p:cNvGrpSpPr/>
-        <p:nvPr/>
-      </p:nvGrpSpPr>
-      <p:grpSpPr>
-        <a:xfrm>
-          <a:off x="0" y="0"/>
-          <a:ext cx="0" cy="0"/>
-          <a:chOff x="0" y="0"/>
-          <a:chExt cx="0" cy="0"/>
-        </a:xfrm>
-      </p:grpSpPr>
-      <p:sp>
-        <p:nvSpPr>
-          <p:cNvPr id="2" name="Title 1">
-            <a:extLst>
-              <a:ext uri="{FF2B5EF4-FFF2-40B4-BE49-F238E27FC236}">
-                <a16:creationId xmlns:a16="http://schemas.microsoft.com/office/drawing/2014/main" id="{2A38125C-16A4-CB12-F2D2-F6A6C60B5A3A}"/>
-              </a:ext>
-            </a:extLst>
-          </p:cNvPr>
-          <p:cNvSpPr>
-            <a:spLocks noGrp="1"/>
-          </p:cNvSpPr>
-          <p:nvPr>
-            <p:ph type="title"/>
-          </p:nvPr>
-        </p:nvSpPr>
-        <p:spPr/>
-        <p:txBody>
-          <a:bodyPr/>
-          <a:lstStyle/>
-          <a:p>
-            <a:r>
-              <a:rPr lang="en-US" dirty="0"/>
-              <a:t>Empirical Investigation - Development of the Model </a:t>
-            </a:r>
-          </a:p>
-        </p:txBody>
-      </p:sp>
-      <p:sp>
-        <p:nvSpPr>
-          <p:cNvPr id="3" name="Content Placeholder 2">
-            <a:extLst>
-              <a:ext uri="{FF2B5EF4-FFF2-40B4-BE49-F238E27FC236}">
-                <a16:creationId xmlns:a16="http://schemas.microsoft.com/office/drawing/2014/main" id="{983505CF-2F76-CA7F-09FB-C9B0AC9EE1FC}"/>
-              </a:ext>
-            </a:extLst>
-          </p:cNvPr>
-          <p:cNvSpPr>
-            <a:spLocks noGrp="1"/>
-          </p:cNvSpPr>
-          <p:nvPr>
-            <p:ph idx="1"/>
-          </p:nvPr>
-        </p:nvSpPr>
-        <p:spPr>
-          <a:xfrm>
-            <a:off x="838200" y="1500160"/>
-            <a:ext cx="4924647" cy="4351338"/>
-          </a:xfrm>
-        </p:spPr>
-        <p:txBody>
-          <a:bodyPr/>
-          <a:lstStyle/>
-          <a:p>
-            <a:pPr marL="0" indent="0">
-              <a:buNone/>
-            </a:pPr>
-            <a:r>
-              <a:rPr lang="en-US" dirty="0"/>
-              <a:t>Training data has two primary elements:</a:t>
-            </a:r>
-          </a:p>
-          <a:p>
-            <a:pPr>
-              <a:buFont typeface="Wingdings" pitchFamily="2" charset="2"/>
-              <a:buChar char="Ø"/>
-            </a:pPr>
-            <a:r>
-              <a:rPr lang="en-US" dirty="0"/>
-              <a:t>Posts that Reddit users have flagged previously</a:t>
-            </a:r>
-          </a:p>
-          <a:p>
-            <a:pPr>
-              <a:buFont typeface="Wingdings" pitchFamily="2" charset="2"/>
-              <a:buChar char="Ø"/>
-            </a:pPr>
-            <a:r>
-              <a:rPr lang="en-US" dirty="0"/>
-              <a:t> A dataset of English words that would be flagged as inappropriate</a:t>
-            </a:r>
-          </a:p>
-          <a:p>
-            <a:endParaRPr lang="en-US" dirty="0"/>
-          </a:p>
-        </p:txBody>
-      </p:sp>
-      <p:sp>
-        <p:nvSpPr>
-          <p:cNvPr id="4" name="Slide Number Placeholder 3">
-            <a:extLst>
-              <a:ext uri="{FF2B5EF4-FFF2-40B4-BE49-F238E27FC236}">
-                <a16:creationId xmlns:a16="http://schemas.microsoft.com/office/drawing/2014/main" id="{9E80E0ED-3B19-C055-F6F6-43DAB38A2E76}"/>
-              </a:ext>
-            </a:extLst>
-          </p:cNvPr>
-          <p:cNvSpPr>
-            <a:spLocks noGrp="1"/>
-          </p:cNvSpPr>
-          <p:nvPr>
-            <p:ph type="sldNum" sz="quarter" idx="12"/>
-          </p:nvPr>
-        </p:nvSpPr>
-        <p:spPr/>
-        <p:txBody>
-          <a:bodyPr/>
-          <a:lstStyle/>
-          <a:p>
-            <a:fld id="{20F37917-FD3A-4669-9018-DA04BCDD3D75}" type="slidenum">
-              <a:rPr lang="en-US" smtClean="0"/>
-              <a:t>37</a:t>
-            </a:fld>
-            <a:endParaRPr lang="en-US"/>
-          </a:p>
-        </p:txBody>
-      </p:sp>
-      <p:sp>
-        <p:nvSpPr>
-          <p:cNvPr id="5" name="Content Placeholder 2">
-            <a:extLst>
-              <a:ext uri="{FF2B5EF4-FFF2-40B4-BE49-F238E27FC236}">
-                <a16:creationId xmlns:a16="http://schemas.microsoft.com/office/drawing/2014/main" id="{9D0CCBC7-C6F7-4689-D15B-80D3D02953BF}"/>
-              </a:ext>
-            </a:extLst>
-          </p:cNvPr>
-          <p:cNvSpPr txBox="1">
-            <a:spLocks/>
-          </p:cNvSpPr>
-          <p:nvPr/>
-        </p:nvSpPr>
-        <p:spPr>
-          <a:xfrm>
-            <a:off x="6148276" y="1500160"/>
-            <a:ext cx="4924647" cy="4351338"/>
-          </a:xfrm>
-          <a:prstGeom prst="rect">
-            <a:avLst/>
-          </a:prstGeom>
-        </p:spPr>
-        <p:txBody>
-          <a:bodyPr vert="horz" lIns="91440" tIns="45720" rIns="91440" bIns="45720" rtlCol="0">
-            <a:normAutofit/>
-          </a:bodyPr>
-          <a:lstStyle>
-            <a:lvl1pPr marL="228600" indent="-228600" algn="l" defTabSz="914400" rtl="0" eaLnBrk="1" latinLnBrk="0" hangingPunct="1">
-              <a:lnSpc>
-                <a:spcPct val="90000"/>
-              </a:lnSpc>
-              <a:spcBef>
-                <a:spcPts val="1000"/>
-              </a:spcBef>
-              <a:buFont typeface="Arial" panose="020B0604020202020204" pitchFamily="34" charset="0"/>
-              <a:buChar char="•"/>
-              <a:defRPr sz="2800" kern="1200">
-                <a:solidFill>
-                  <a:schemeClr val="tx1"/>
-                </a:solidFill>
-                <a:latin typeface="+mn-lt"/>
-                <a:ea typeface="+mn-ea"/>
-                <a:cs typeface="+mn-cs"/>
-              </a:defRPr>
-            </a:lvl1pPr>
-            <a:lvl2pPr marL="685800" indent="-228600" algn="l" defTabSz="914400" rtl="0" eaLnBrk="1" latinLnBrk="0" hangingPunct="1">
-              <a:lnSpc>
-                <a:spcPct val="90000"/>
-              </a:lnSpc>
-              <a:spcBef>
-                <a:spcPts val="500"/>
-              </a:spcBef>
-              <a:buFont typeface="Arial" panose="020B0604020202020204" pitchFamily="34" charset="0"/>
-              <a:buChar char="•"/>
-              <a:defRPr sz="2400" kern="1200">
-                <a:solidFill>
-                  <a:schemeClr val="tx1"/>
-                </a:solidFill>
-                <a:latin typeface="+mn-lt"/>
-                <a:ea typeface="+mn-ea"/>
-                <a:cs typeface="+mn-cs"/>
-              </a:defRPr>
-            </a:lvl2pPr>
-            <a:lvl3pPr marL="1143000" indent="-228600" algn="l" defTabSz="914400" rtl="0" eaLnBrk="1" latinLnBrk="0" hangingPunct="1">
-              <a:lnSpc>
-                <a:spcPct val="90000"/>
-              </a:lnSpc>
-              <a:spcBef>
-                <a:spcPts val="500"/>
-              </a:spcBef>
-              <a:buFont typeface="Arial" panose="020B0604020202020204" pitchFamily="34" charset="0"/>
-              <a:buChar char="•"/>
-              <a:defRPr sz="2000" kern="1200">
-                <a:solidFill>
-                  <a:schemeClr val="tx1"/>
-                </a:solidFill>
-                <a:latin typeface="+mn-lt"/>
-                <a:ea typeface="+mn-ea"/>
-                <a:cs typeface="+mn-cs"/>
-              </a:defRPr>
-            </a:lvl3pPr>
-            <a:lvl4pPr marL="1600200" indent="-228600" algn="l" defTabSz="914400" rtl="0" eaLnBrk="1" latinLnBrk="0" hangingPunct="1">
-              <a:lnSpc>
-                <a:spcPct val="90000"/>
-              </a:lnSpc>
-              <a:spcBef>
-                <a:spcPts val="500"/>
-              </a:spcBef>
-              <a:buFont typeface="Arial" panose="020B0604020202020204" pitchFamily="34" charset="0"/>
-              <a:buChar char="•"/>
-              <a:defRPr sz="1800" kern="1200">
-                <a:solidFill>
-                  <a:schemeClr val="tx1"/>
-                </a:solidFill>
-                <a:latin typeface="+mn-lt"/>
-                <a:ea typeface="+mn-ea"/>
-                <a:cs typeface="+mn-cs"/>
-              </a:defRPr>
-            </a:lvl4pPr>
-            <a:lvl5pPr marL="2057400" indent="-228600" algn="l" defTabSz="914400" rtl="0" eaLnBrk="1" latinLnBrk="0" hangingPunct="1">
-              <a:lnSpc>
-                <a:spcPct val="90000"/>
-              </a:lnSpc>
-              <a:spcBef>
-                <a:spcPts val="500"/>
-              </a:spcBef>
-              <a:buFont typeface="Arial" panose="020B0604020202020204" pitchFamily="34" charset="0"/>
-              <a:buChar char="•"/>
-              <a:defRPr sz="1800" kern="1200">
-                <a:solidFill>
-                  <a:schemeClr val="tx1"/>
-                </a:solidFill>
-                <a:latin typeface="+mn-lt"/>
-                <a:ea typeface="+mn-ea"/>
-                <a:cs typeface="+mn-cs"/>
-              </a:defRPr>
-            </a:lvl5pPr>
-            <a:lvl6pPr marL="2514600" indent="-228600" algn="l" defTabSz="914400" rtl="0" eaLnBrk="1" latinLnBrk="0" hangingPunct="1">
-              <a:lnSpc>
-                <a:spcPct val="90000"/>
-              </a:lnSpc>
-              <a:spcBef>
-                <a:spcPts val="500"/>
-              </a:spcBef>
-              <a:buFont typeface="Arial" panose="020B0604020202020204" pitchFamily="34" charset="0"/>
-              <a:buChar char="•"/>
-              <a:defRPr sz="1800" kern="1200">
-                <a:solidFill>
-                  <a:schemeClr val="tx1"/>
-                </a:solidFill>
-                <a:latin typeface="+mn-lt"/>
-                <a:ea typeface="+mn-ea"/>
-                <a:cs typeface="+mn-cs"/>
-              </a:defRPr>
-            </a:lvl6pPr>
-            <a:lvl7pPr marL="2971800" indent="-228600" algn="l" defTabSz="914400" rtl="0" eaLnBrk="1" latinLnBrk="0" hangingPunct="1">
-              <a:lnSpc>
-                <a:spcPct val="90000"/>
-              </a:lnSpc>
-              <a:spcBef>
-                <a:spcPts val="500"/>
-              </a:spcBef>
-              <a:buFont typeface="Arial" panose="020B0604020202020204" pitchFamily="34" charset="0"/>
-              <a:buChar char="•"/>
-              <a:defRPr sz="1800" kern="1200">
-                <a:solidFill>
-                  <a:schemeClr val="tx1"/>
-                </a:solidFill>
-                <a:latin typeface="+mn-lt"/>
-                <a:ea typeface="+mn-ea"/>
-                <a:cs typeface="+mn-cs"/>
-              </a:defRPr>
-            </a:lvl7pPr>
-            <a:lvl8pPr marL="3429000" indent="-228600" algn="l" defTabSz="914400" rtl="0" eaLnBrk="1" latinLnBrk="0" hangingPunct="1">
-              <a:lnSpc>
-                <a:spcPct val="90000"/>
-              </a:lnSpc>
-              <a:spcBef>
-                <a:spcPts val="500"/>
-              </a:spcBef>
-              <a:buFont typeface="Arial" panose="020B0604020202020204" pitchFamily="34" charset="0"/>
-              <a:buChar char="•"/>
-              <a:defRPr sz="1800" kern="1200">
-                <a:solidFill>
-                  <a:schemeClr val="tx1"/>
-                </a:solidFill>
-                <a:latin typeface="+mn-lt"/>
-                <a:ea typeface="+mn-ea"/>
-                <a:cs typeface="+mn-cs"/>
-              </a:defRPr>
-            </a:lvl8pPr>
-            <a:lvl9pPr marL="3886200" indent="-228600" algn="l" defTabSz="914400" rtl="0" eaLnBrk="1" latinLnBrk="0" hangingPunct="1">
-              <a:lnSpc>
-                <a:spcPct val="90000"/>
-              </a:lnSpc>
-              <a:spcBef>
-                <a:spcPts val="500"/>
-              </a:spcBef>
-              <a:buFont typeface="Arial" panose="020B0604020202020204" pitchFamily="34" charset="0"/>
-              <a:buChar char="•"/>
-              <a:defRPr sz="1800" kern="1200">
-                <a:solidFill>
-                  <a:schemeClr val="tx1"/>
-                </a:solidFill>
-                <a:latin typeface="+mn-lt"/>
-                <a:ea typeface="+mn-ea"/>
-                <a:cs typeface="+mn-cs"/>
-              </a:defRPr>
-            </a:lvl9pPr>
-          </a:lstStyle>
-          <a:p>
-            <a:r>
-              <a:rPr lang="en-US" dirty="0"/>
-              <a:t>Reflect on the sources of data</a:t>
-            </a:r>
-          </a:p>
-          <a:p>
-            <a:pPr lvl="1"/>
-            <a:r>
-              <a:rPr lang="en-US" dirty="0"/>
-              <a:t>Is the dataset representative of the language we want removed?</a:t>
-            </a:r>
-          </a:p>
-          <a:p>
-            <a:pPr lvl="1"/>
-            <a:r>
-              <a:rPr lang="en-US" dirty="0"/>
-              <a:t>Are there any sources of biases or disparities that in this data that we should be considering?</a:t>
-            </a:r>
-          </a:p>
-          <a:p>
-            <a:r>
-              <a:rPr lang="en-US" dirty="0"/>
-              <a:t>Complications</a:t>
-            </a:r>
-          </a:p>
-          <a:p>
-            <a:pPr lvl="1"/>
-            <a:r>
-              <a:rPr lang="en-US" dirty="0"/>
-              <a:t>Given the contextual nature of offensive speech, what complications or problems can arise from this model?</a:t>
-            </a:r>
-          </a:p>
-        </p:txBody>
-      </p:sp>
-    </p:spTree>
-    <p:extLst>
-      <p:ext uri="{BB962C8B-B14F-4D97-AF65-F5344CB8AC3E}">
-        <p14:creationId xmlns:p14="http://schemas.microsoft.com/office/powerpoint/2010/main" val="872009601"/>
-      </p:ext>
-    </p:extLst>
-  </p:cSld>
-  <p:clrMapOvr>
-    <a:masterClrMapping/>
-  </p:clrMapOvr>
-</p:sld>
-</file>
-
-<file path=ppt/slides/slide38.xml><?xml version="1.0" encoding="utf-8"?>
-<p:sld xmlns:a="http://schemas.openxmlformats.org/drawingml/2006/main" xmlns:r="http://schemas.openxmlformats.org/officeDocument/2006/relationships" xmlns:p="http://schemas.openxmlformats.org/presentationml/2006/main" show="0">
-  <p:cSld>
-    <p:spTree>
-      <p:nvGrpSpPr>
-        <p:cNvPr id="1" name=""/>
-        <p:cNvGrpSpPr/>
-        <p:nvPr/>
-      </p:nvGrpSpPr>
-      <p:grpSpPr>
-        <a:xfrm>
-          <a:off x="0" y="0"/>
-          <a:ext cx="0" cy="0"/>
-          <a:chOff x="0" y="0"/>
-          <a:chExt cx="0" cy="0"/>
-        </a:xfrm>
-      </p:grpSpPr>
-      <p:sp>
-        <p:nvSpPr>
-          <p:cNvPr id="2" name="Title 1">
-            <a:extLst>
-              <a:ext uri="{FF2B5EF4-FFF2-40B4-BE49-F238E27FC236}">
-                <a16:creationId xmlns:a16="http://schemas.microsoft.com/office/drawing/2014/main" id="{992300D1-4FCF-7632-A87A-D563CA9E2118}"/>
-              </a:ext>
-            </a:extLst>
-          </p:cNvPr>
-          <p:cNvSpPr>
-            <a:spLocks noGrp="1"/>
-          </p:cNvSpPr>
-          <p:nvPr>
-            <p:ph type="title"/>
-          </p:nvPr>
-        </p:nvSpPr>
-        <p:spPr/>
-        <p:txBody>
-          <a:bodyPr/>
-          <a:lstStyle/>
-          <a:p>
-            <a:r>
-              <a:rPr lang="en-US" dirty="0"/>
-              <a:t>Value Investigation – Who are the Stakeholders? </a:t>
-            </a:r>
-          </a:p>
-        </p:txBody>
-      </p:sp>
-      <p:sp>
-        <p:nvSpPr>
-          <p:cNvPr id="3" name="Content Placeholder 2">
-            <a:extLst>
-              <a:ext uri="{FF2B5EF4-FFF2-40B4-BE49-F238E27FC236}">
-                <a16:creationId xmlns:a16="http://schemas.microsoft.com/office/drawing/2014/main" id="{9A961C99-2CC8-98AA-07DB-8A17C0B9AEF1}"/>
-              </a:ext>
-            </a:extLst>
-          </p:cNvPr>
-          <p:cNvSpPr>
-            <a:spLocks noGrp="1"/>
-          </p:cNvSpPr>
-          <p:nvPr>
-            <p:ph idx="1"/>
-          </p:nvPr>
-        </p:nvSpPr>
-        <p:spPr>
-          <a:xfrm>
-            <a:off x="838199" y="1500160"/>
-            <a:ext cx="10868247" cy="4351338"/>
-          </a:xfrm>
-        </p:spPr>
-        <p:txBody>
-          <a:bodyPr>
-            <a:normAutofit/>
-          </a:bodyPr>
-          <a:lstStyle/>
-          <a:p>
-            <a:pPr marL="514350" indent="-514350">
-              <a:buFont typeface="+mj-lt"/>
-              <a:buAutoNum type="arabicPeriod"/>
-            </a:pPr>
-            <a:r>
-              <a:rPr lang="en-US" dirty="0"/>
-              <a:t>Relative to the issue of content moderation, who or what are the stakeholders? (i.e. individuals or groups whose interests stand to be impacted by this algorithm?)</a:t>
-            </a:r>
-          </a:p>
-          <a:p>
-            <a:pPr marL="514350" indent="-514350">
-              <a:buFont typeface="+mj-lt"/>
-              <a:buAutoNum type="arabicPeriod"/>
-            </a:pPr>
-            <a:r>
-              <a:rPr lang="en-US" dirty="0"/>
-              <a:t>Relative to the issue of content moderation, what are the interests or values of the different stakeholders?</a:t>
-            </a:r>
-          </a:p>
-          <a:p>
-            <a:pPr marL="514350" indent="-514350">
-              <a:buFont typeface="+mj-lt"/>
-              <a:buAutoNum type="arabicPeriod"/>
-            </a:pPr>
-            <a:r>
-              <a:rPr lang="en-US" dirty="0"/>
-              <a:t>Are there any conflicts of interests or values?</a:t>
-            </a:r>
-          </a:p>
-          <a:p>
-            <a:pPr marL="514350" indent="-514350">
-              <a:buFont typeface="+mj-lt"/>
-              <a:buAutoNum type="arabicPeriod"/>
-            </a:pPr>
-            <a:r>
-              <a:rPr lang="en-US" dirty="0"/>
-              <a:t>Overall, given the different stakeholders, interests and values, do any of them stand out to you as ones we should prioritize? Why?</a:t>
-            </a:r>
-          </a:p>
-        </p:txBody>
-      </p:sp>
-      <p:sp>
-        <p:nvSpPr>
-          <p:cNvPr id="4" name="Slide Number Placeholder 3">
-            <a:extLst>
-              <a:ext uri="{FF2B5EF4-FFF2-40B4-BE49-F238E27FC236}">
-                <a16:creationId xmlns:a16="http://schemas.microsoft.com/office/drawing/2014/main" id="{B1846DD2-C733-7BF5-1A88-1DE2E1003009}"/>
-              </a:ext>
-            </a:extLst>
-          </p:cNvPr>
-          <p:cNvSpPr>
-            <a:spLocks noGrp="1"/>
-          </p:cNvSpPr>
-          <p:nvPr>
-            <p:ph type="sldNum" sz="quarter" idx="12"/>
-          </p:nvPr>
-        </p:nvSpPr>
-        <p:spPr/>
-        <p:txBody>
-          <a:bodyPr/>
-          <a:lstStyle/>
-          <a:p>
-            <a:fld id="{20F37917-FD3A-4669-9018-DA04BCDD3D75}" type="slidenum">
-              <a:rPr lang="en-US" smtClean="0"/>
-              <a:t>38</a:t>
-            </a:fld>
-            <a:endParaRPr lang="en-US"/>
-          </a:p>
-        </p:txBody>
-      </p:sp>
-    </p:spTree>
-    <p:extLst>
-      <p:ext uri="{BB962C8B-B14F-4D97-AF65-F5344CB8AC3E}">
-        <p14:creationId xmlns:p14="http://schemas.microsoft.com/office/powerpoint/2010/main" val="3936317166"/>
-      </p:ext>
-    </p:extLst>
-  </p:cSld>
-  <p:clrMapOvr>
-    <a:masterClrMapping/>
-  </p:clrMapOvr>
-</p:sld>
-</file>
-
-<file path=ppt/slides/slide39.xml><?xml version="1.0" encoding="utf-8"?>
-<p:sld xmlns:a="http://schemas.openxmlformats.org/drawingml/2006/main" xmlns:r="http://schemas.openxmlformats.org/officeDocument/2006/relationships" xmlns:p="http://schemas.openxmlformats.org/presentationml/2006/main" show="0">
-  <p:cSld>
-    <p:spTree>
-      <p:nvGrpSpPr>
-        <p:cNvPr id="1" name=""/>
-        <p:cNvGrpSpPr/>
-        <p:nvPr/>
-      </p:nvGrpSpPr>
-      <p:grpSpPr>
-        <a:xfrm>
-          <a:off x="0" y="0"/>
-          <a:ext cx="0" cy="0"/>
-          <a:chOff x="0" y="0"/>
-          <a:chExt cx="0" cy="0"/>
-        </a:xfrm>
-      </p:grpSpPr>
-      <p:sp>
-        <p:nvSpPr>
-          <p:cNvPr id="2" name="Title 1">
-            <a:extLst>
-              <a:ext uri="{FF2B5EF4-FFF2-40B4-BE49-F238E27FC236}">
-                <a16:creationId xmlns:a16="http://schemas.microsoft.com/office/drawing/2014/main" id="{335D756B-A2A8-E49D-275B-242F19E39A6F}"/>
-              </a:ext>
-            </a:extLst>
-          </p:cNvPr>
-          <p:cNvSpPr>
-            <a:spLocks noGrp="1"/>
-          </p:cNvSpPr>
-          <p:nvPr>
-            <p:ph type="title"/>
-          </p:nvPr>
-        </p:nvSpPr>
-        <p:spPr/>
-        <p:txBody>
-          <a:bodyPr/>
-          <a:lstStyle/>
-          <a:p>
-            <a:r>
-              <a:rPr lang="en-US" dirty="0"/>
-              <a:t>Value Investigation – What are the value tensions?</a:t>
-            </a:r>
-          </a:p>
-        </p:txBody>
-      </p:sp>
-      <p:sp>
-        <p:nvSpPr>
-          <p:cNvPr id="3" name="Content Placeholder 2">
-            <a:extLst>
-              <a:ext uri="{FF2B5EF4-FFF2-40B4-BE49-F238E27FC236}">
-                <a16:creationId xmlns:a16="http://schemas.microsoft.com/office/drawing/2014/main" id="{2BBDF1D1-AD42-D3B3-32F6-3100087AE8EC}"/>
-              </a:ext>
-            </a:extLst>
-          </p:cNvPr>
-          <p:cNvSpPr>
-            <a:spLocks noGrp="1"/>
-          </p:cNvSpPr>
-          <p:nvPr>
-            <p:ph idx="1"/>
-          </p:nvPr>
-        </p:nvSpPr>
-        <p:spPr/>
-        <p:txBody>
-          <a:bodyPr>
-            <a:normAutofit lnSpcReduction="10000"/>
-          </a:bodyPr>
-          <a:lstStyle/>
-          <a:p>
-            <a:pPr marL="514350" indent="-514350">
-              <a:buFont typeface="+mj-lt"/>
-              <a:buAutoNum type="arabicPeriod"/>
-            </a:pPr>
-            <a:r>
-              <a:rPr lang="en-US" dirty="0"/>
-              <a:t>Why do you think some people might be concerned with Reddit removing user’s posts? What if the posts have misinformation or hate speech?</a:t>
-            </a:r>
-          </a:p>
-          <a:p>
-            <a:pPr marL="514350" indent="-514350">
-              <a:buFont typeface="+mj-lt"/>
-              <a:buAutoNum type="arabicPeriod"/>
-            </a:pPr>
-            <a:r>
-              <a:rPr lang="en-US" dirty="0"/>
-              <a:t>How are users harmed if posts are mistakenly removed by Reddit?</a:t>
-            </a:r>
-          </a:p>
-          <a:p>
-            <a:pPr marL="514350" indent="-514350">
-              <a:buFont typeface="+mj-lt"/>
-              <a:buAutoNum type="arabicPeriod"/>
-            </a:pPr>
-            <a:r>
-              <a:rPr lang="en-US" dirty="0"/>
-              <a:t>How can bias in the moderation algorithms potentially harm users?</a:t>
-            </a:r>
-          </a:p>
-          <a:p>
-            <a:pPr marL="514350" indent="-514350">
-              <a:buFont typeface="+mj-lt"/>
-              <a:buAutoNum type="arabicPeriod"/>
-            </a:pPr>
-            <a:r>
-              <a:rPr lang="en-US" dirty="0"/>
-              <a:t>Given the debate on free speech vs. content moderation what do you think are the strengths and weaknesses of the proposed requirement?</a:t>
-            </a:r>
-          </a:p>
-        </p:txBody>
-      </p:sp>
-      <p:sp>
-        <p:nvSpPr>
-          <p:cNvPr id="4" name="Slide Number Placeholder 3">
-            <a:extLst>
-              <a:ext uri="{FF2B5EF4-FFF2-40B4-BE49-F238E27FC236}">
-                <a16:creationId xmlns:a16="http://schemas.microsoft.com/office/drawing/2014/main" id="{D4A73DC0-62D3-455A-A1DF-7F2AFE5098A9}"/>
-              </a:ext>
-            </a:extLst>
-          </p:cNvPr>
-          <p:cNvSpPr>
-            <a:spLocks noGrp="1"/>
-          </p:cNvSpPr>
-          <p:nvPr>
-            <p:ph type="sldNum" sz="quarter" idx="12"/>
-          </p:nvPr>
-        </p:nvSpPr>
-        <p:spPr/>
-        <p:txBody>
-          <a:bodyPr/>
-          <a:lstStyle/>
-          <a:p>
-            <a:fld id="{20F37917-FD3A-4669-9018-DA04BCDD3D75}" type="slidenum">
-              <a:rPr lang="en-US" smtClean="0"/>
-              <a:t>39</a:t>
-            </a:fld>
-            <a:endParaRPr lang="en-US"/>
-          </a:p>
-        </p:txBody>
-      </p:sp>
-    </p:spTree>
-    <p:extLst>
-      <p:ext uri="{BB962C8B-B14F-4D97-AF65-F5344CB8AC3E}">
-        <p14:creationId xmlns:p14="http://schemas.microsoft.com/office/powerpoint/2010/main" val="3687600535"/>
-      </p:ext>
-    </p:extLst>
-  </p:cSld>
-  <p:clrMapOvr>
-    <a:masterClrMapping/>
-  </p:clrMapOvr>
-</p:sld>
-</file>
-
 <file path=ppt/slides/slide4.xml><?xml version="1.0" encoding="utf-8"?>
 <p:sld xmlns:a="http://schemas.openxmlformats.org/drawingml/2006/main" xmlns:r="http://schemas.openxmlformats.org/officeDocument/2006/relationships" xmlns:p="http://schemas.openxmlformats.org/presentationml/2006/main">
   <p:cSld>
@@ -24914,312 +20288,6 @@
         </p:spPr>
       </p:pic>
     </p:spTree>
-  </p:cSld>
-  <p:clrMapOvr>
-    <a:masterClrMapping/>
-  </p:clrMapOvr>
-</p:sld>
-</file>
-
-<file path=ppt/slides/slide40.xml><?xml version="1.0" encoding="utf-8"?>
-<p:sld xmlns:a="http://schemas.openxmlformats.org/drawingml/2006/main" xmlns:r="http://schemas.openxmlformats.org/officeDocument/2006/relationships" xmlns:p="http://schemas.openxmlformats.org/presentationml/2006/main" show="0">
-  <p:cSld>
-    <p:spTree>
-      <p:nvGrpSpPr>
-        <p:cNvPr id="1" name=""/>
-        <p:cNvGrpSpPr/>
-        <p:nvPr/>
-      </p:nvGrpSpPr>
-      <p:grpSpPr>
-        <a:xfrm>
-          <a:off x="0" y="0"/>
-          <a:ext cx="0" cy="0"/>
-          <a:chOff x="0" y="0"/>
-          <a:chExt cx="0" cy="0"/>
-        </a:xfrm>
-      </p:grpSpPr>
-      <p:sp>
-        <p:nvSpPr>
-          <p:cNvPr id="2" name="Title 1">
-            <a:extLst>
-              <a:ext uri="{FF2B5EF4-FFF2-40B4-BE49-F238E27FC236}">
-                <a16:creationId xmlns:a16="http://schemas.microsoft.com/office/drawing/2014/main" id="{3D677602-B4CF-BDC8-DDE2-14B6FB2174BF}"/>
-              </a:ext>
-            </a:extLst>
-          </p:cNvPr>
-          <p:cNvSpPr>
-            <a:spLocks noGrp="1"/>
-          </p:cNvSpPr>
-          <p:nvPr>
-            <p:ph type="title"/>
-          </p:nvPr>
-        </p:nvSpPr>
-        <p:spPr/>
-        <p:txBody>
-          <a:bodyPr/>
-          <a:lstStyle/>
-          <a:p>
-            <a:r>
-              <a:rPr lang="en-US" dirty="0"/>
-              <a:t>Technical Investigations</a:t>
-            </a:r>
-          </a:p>
-        </p:txBody>
-      </p:sp>
-      <p:sp>
-        <p:nvSpPr>
-          <p:cNvPr id="3" name="Content Placeholder 2">
-            <a:extLst>
-              <a:ext uri="{FF2B5EF4-FFF2-40B4-BE49-F238E27FC236}">
-                <a16:creationId xmlns:a16="http://schemas.microsoft.com/office/drawing/2014/main" id="{C36CF53C-4066-4127-A0C2-13EAEDBD150D}"/>
-              </a:ext>
-            </a:extLst>
-          </p:cNvPr>
-          <p:cNvSpPr>
-            <a:spLocks noGrp="1"/>
-          </p:cNvSpPr>
-          <p:nvPr>
-            <p:ph idx="1"/>
-          </p:nvPr>
-        </p:nvSpPr>
-        <p:spPr/>
-        <p:txBody>
-          <a:bodyPr>
-            <a:normAutofit fontScale="92500"/>
-          </a:bodyPr>
-          <a:lstStyle/>
-          <a:p>
-            <a:r>
-              <a:rPr lang="en-US" dirty="0"/>
-              <a:t>Suppose as a result of the value investigations we came up with two high-level requirements:</a:t>
-            </a:r>
-          </a:p>
-          <a:p>
-            <a:pPr marL="914400" lvl="1" indent="-457200">
-              <a:buFont typeface="+mj-lt"/>
-              <a:buAutoNum type="arabicPeriod"/>
-            </a:pPr>
-            <a:r>
-              <a:rPr lang="en-US" dirty="0"/>
-              <a:t>The flagging feature gives an explanation to the user as to why the system flagged and removed their content. If, after reading the explanation, the user thought the flagging was in error, they can submit the flag for further review. </a:t>
-            </a:r>
-          </a:p>
-          <a:p>
-            <a:pPr marL="914400" lvl="1" indent="-457200">
-              <a:buFont typeface="+mj-lt"/>
-              <a:buAutoNum type="arabicPeriod"/>
-            </a:pPr>
-            <a:r>
-              <a:rPr lang="en-US" dirty="0"/>
-              <a:t>The system prompts the user to reconsider if their post is potentially offensive, but does not prevent it from being posted.</a:t>
-            </a:r>
-          </a:p>
-          <a:p>
-            <a:r>
-              <a:rPr lang="en-US" dirty="0"/>
-              <a:t>Which requirement would you prefer based on the </a:t>
-            </a:r>
-            <a:r>
-              <a:rPr lang="en-US" i="1" dirty="0"/>
-              <a:t>technical feasibility and the values</a:t>
-            </a:r>
-            <a:r>
-              <a:rPr lang="en-US" dirty="0"/>
-              <a:t> that you think are important?</a:t>
-            </a:r>
-          </a:p>
-        </p:txBody>
-      </p:sp>
-      <p:sp>
-        <p:nvSpPr>
-          <p:cNvPr id="4" name="Slide Number Placeholder 3">
-            <a:extLst>
-              <a:ext uri="{FF2B5EF4-FFF2-40B4-BE49-F238E27FC236}">
-                <a16:creationId xmlns:a16="http://schemas.microsoft.com/office/drawing/2014/main" id="{32FCEC0B-BB53-CE83-F74E-D021035F50E0}"/>
-              </a:ext>
-            </a:extLst>
-          </p:cNvPr>
-          <p:cNvSpPr>
-            <a:spLocks noGrp="1"/>
-          </p:cNvSpPr>
-          <p:nvPr>
-            <p:ph type="sldNum" sz="quarter" idx="12"/>
-          </p:nvPr>
-        </p:nvSpPr>
-        <p:spPr/>
-        <p:txBody>
-          <a:bodyPr/>
-          <a:lstStyle/>
-          <a:p>
-            <a:fld id="{20F37917-FD3A-4669-9018-DA04BCDD3D75}" type="slidenum">
-              <a:rPr lang="en-US" smtClean="0"/>
-              <a:t>40</a:t>
-            </a:fld>
-            <a:endParaRPr lang="en-US"/>
-          </a:p>
-        </p:txBody>
-      </p:sp>
-    </p:spTree>
-    <p:extLst>
-      <p:ext uri="{BB962C8B-B14F-4D97-AF65-F5344CB8AC3E}">
-        <p14:creationId xmlns:p14="http://schemas.microsoft.com/office/powerpoint/2010/main" val="2181656107"/>
-      </p:ext>
-    </p:extLst>
-  </p:cSld>
-  <p:clrMapOvr>
-    <a:masterClrMapping/>
-  </p:clrMapOvr>
-</p:sld>
-</file>
-
-<file path=ppt/slides/slide41.xml><?xml version="1.0" encoding="utf-8"?>
-<p:sld xmlns:a="http://schemas.openxmlformats.org/drawingml/2006/main" xmlns:r="http://schemas.openxmlformats.org/officeDocument/2006/relationships" xmlns:p="http://schemas.openxmlformats.org/presentationml/2006/main" show="0">
-  <p:cSld>
-    <p:spTree>
-      <p:nvGrpSpPr>
-        <p:cNvPr id="1" name=""/>
-        <p:cNvGrpSpPr/>
-        <p:nvPr/>
-      </p:nvGrpSpPr>
-      <p:grpSpPr>
-        <a:xfrm>
-          <a:off x="0" y="0"/>
-          <a:ext cx="0" cy="0"/>
-          <a:chOff x="0" y="0"/>
-          <a:chExt cx="0" cy="0"/>
-        </a:xfrm>
-      </p:grpSpPr>
-      <p:sp>
-        <p:nvSpPr>
-          <p:cNvPr id="2" name="Title 1">
-            <a:extLst>
-              <a:ext uri="{FF2B5EF4-FFF2-40B4-BE49-F238E27FC236}">
-                <a16:creationId xmlns:a16="http://schemas.microsoft.com/office/drawing/2014/main" id="{1ADD271A-4170-C5F2-C69E-66357770CC1B}"/>
-              </a:ext>
-            </a:extLst>
-          </p:cNvPr>
-          <p:cNvSpPr>
-            <a:spLocks noGrp="1"/>
-          </p:cNvSpPr>
-          <p:nvPr>
-            <p:ph type="title"/>
-          </p:nvPr>
-        </p:nvSpPr>
-        <p:spPr/>
-        <p:txBody>
-          <a:bodyPr/>
-          <a:lstStyle/>
-          <a:p>
-            <a:r>
-              <a:rPr lang="en-US" dirty="0"/>
-              <a:t>Using VSD to Define User Stories</a:t>
-            </a:r>
-          </a:p>
-        </p:txBody>
-      </p:sp>
-      <p:sp>
-        <p:nvSpPr>
-          <p:cNvPr id="3" name="Content Placeholder 2">
-            <a:extLst>
-              <a:ext uri="{FF2B5EF4-FFF2-40B4-BE49-F238E27FC236}">
-                <a16:creationId xmlns:a16="http://schemas.microsoft.com/office/drawing/2014/main" id="{07D4A9E1-54C4-62AE-1AB7-CC939291C0B9}"/>
-              </a:ext>
-            </a:extLst>
-          </p:cNvPr>
-          <p:cNvSpPr>
-            <a:spLocks noGrp="1"/>
-          </p:cNvSpPr>
-          <p:nvPr>
-            <p:ph idx="1"/>
-          </p:nvPr>
-        </p:nvSpPr>
-        <p:spPr/>
-        <p:txBody>
-          <a:bodyPr/>
-          <a:lstStyle/>
-          <a:p>
-            <a:r>
-              <a:rPr lang="en-US" dirty="0"/>
-              <a:t>Formally specify the chosen requirement as user stories.</a:t>
-            </a:r>
-          </a:p>
-          <a:p>
-            <a:r>
-              <a:rPr lang="en-US" dirty="0"/>
-              <a:t>Your user stories must capture the following:</a:t>
-            </a:r>
-          </a:p>
-          <a:p>
-            <a:pPr lvl="1"/>
-            <a:r>
-              <a:rPr lang="en-US" dirty="0"/>
-              <a:t>Who are the stakeholders?</a:t>
-            </a:r>
-          </a:p>
-          <a:p>
-            <a:pPr lvl="1"/>
-            <a:r>
-              <a:rPr lang="en-US" dirty="0"/>
-              <a:t>What are the values?</a:t>
-            </a:r>
-          </a:p>
-          <a:p>
-            <a:pPr lvl="1"/>
-            <a:r>
-              <a:rPr lang="en-US" dirty="0"/>
-              <a:t>What value tensions were resolved?</a:t>
-            </a:r>
-          </a:p>
-          <a:p>
-            <a:pPr lvl="1"/>
-            <a:r>
-              <a:rPr lang="en-US" dirty="0"/>
-              <a:t>What are the conditions of satisfaction?</a:t>
-            </a:r>
-          </a:p>
-          <a:p>
-            <a:r>
-              <a:rPr lang="en-US" dirty="0"/>
-              <a:t>Download the detailed instructions of the activity from the course website (add link).</a:t>
-            </a:r>
-          </a:p>
-        </p:txBody>
-      </p:sp>
-      <p:sp>
-        <p:nvSpPr>
-          <p:cNvPr id="4" name="Slide Number Placeholder 3">
-            <a:extLst>
-              <a:ext uri="{FF2B5EF4-FFF2-40B4-BE49-F238E27FC236}">
-                <a16:creationId xmlns:a16="http://schemas.microsoft.com/office/drawing/2014/main" id="{37E7A858-98E7-6833-17AC-6377EA96A2A3}"/>
-              </a:ext>
-            </a:extLst>
-          </p:cNvPr>
-          <p:cNvSpPr>
-            <a:spLocks noGrp="1"/>
-          </p:cNvSpPr>
-          <p:nvPr>
-            <p:ph type="sldNum" sz="quarter" idx="12"/>
-          </p:nvPr>
-        </p:nvSpPr>
-        <p:spPr/>
-        <p:txBody>
-          <a:bodyPr/>
-          <a:lstStyle/>
-          <a:p>
-            <a:fld id="{20F37917-FD3A-4669-9018-DA04BCDD3D75}" type="slidenum">
-              <a:rPr lang="en-US" smtClean="0"/>
-              <a:t>41</a:t>
-            </a:fld>
-            <a:endParaRPr lang="en-US"/>
-          </a:p>
-        </p:txBody>
-      </p:sp>
-    </p:spTree>
-    <p:extLst>
-      <p:ext uri="{BB962C8B-B14F-4D97-AF65-F5344CB8AC3E}">
-        <p14:creationId xmlns:p14="http://schemas.microsoft.com/office/powerpoint/2010/main" val="3964107641"/>
-      </p:ext>
-    </p:extLst>
   </p:cSld>
   <p:clrMapOvr>
     <a:masterClrMapping/>

--- a/Slides/Module 01.2 Requirements Gathering.pptx
+++ b/Slides/Module 01.2 Requirements Gathering.pptx
@@ -6109,7 +6109,7 @@
           <a:p>
             <a:fld id="{7C7E5181-6CF5-45F7-A87A-E0E0B1FD7549}" type="datetimeFigureOut">
               <a:rPr lang="en-US" smtClean="0"/>
-              <a:t>9/3/2025</a:t>
+              <a:t>9/4/2025</a:t>
             </a:fld>
             <a:endParaRPr lang="en-US"/>
           </a:p>
@@ -9520,7 +9520,7 @@
           <a:p>
             <a:fld id="{5D2A64DE-480B-420F-9649-4F8E696E08E0}" type="datetime1">
               <a:rPr lang="en-US" smtClean="0"/>
-              <a:t>9/3/2025</a:t>
+              <a:t>9/4/2025</a:t>
             </a:fld>
             <a:endParaRPr lang="en-US"/>
           </a:p>
@@ -9844,7 +9844,7 @@
           <a:p>
             <a:fld id="{EA476A42-A091-4468-A075-64A31BE59948}" type="datetime1">
               <a:rPr lang="en-US" smtClean="0"/>
-              <a:t>9/3/2025</a:t>
+              <a:t>9/4/2025</a:t>
             </a:fld>
             <a:endParaRPr lang="en-US"/>
           </a:p>
@@ -10042,7 +10042,7 @@
           <a:p>
             <a:fld id="{0D3616D0-8311-4107-9726-6B805E7D05BA}" type="datetime1">
               <a:rPr lang="en-US" smtClean="0"/>
-              <a:t>9/3/2025</a:t>
+              <a:t>9/4/2025</a:t>
             </a:fld>
             <a:endParaRPr lang="en-US"/>
           </a:p>
@@ -10250,7 +10250,7 @@
           <a:p>
             <a:fld id="{3BC2557A-5C88-417A-A763-5AC779462A5F}" type="datetime1">
               <a:rPr lang="en-US" smtClean="0"/>
-              <a:t>9/3/2025</a:t>
+              <a:t>9/4/2025</a:t>
             </a:fld>
             <a:endParaRPr lang="en-US"/>
           </a:p>
@@ -10774,7 +10774,7 @@
           <a:p>
             <a:fld id="{07C7BFD4-467E-4EDE-93EA-052F5B39A4E5}" type="datetime1">
               <a:rPr lang="en-US" smtClean="0"/>
-              <a:t>9/3/2025</a:t>
+              <a:t>9/4/2025</a:t>
             </a:fld>
             <a:endParaRPr lang="en-US"/>
           </a:p>
@@ -11024,7 +11024,7 @@
           <a:p>
             <a:fld id="{07C7BFD4-467E-4EDE-93EA-052F5B39A4E5}" type="datetime1">
               <a:rPr lang="en-US" smtClean="0"/>
-              <a:t>9/3/2025</a:t>
+              <a:t>9/4/2025</a:t>
             </a:fld>
             <a:endParaRPr lang="en-US"/>
           </a:p>
@@ -11206,7 +11206,7 @@
           <a:p>
             <a:fld id="{109E55A0-C911-4F03-82FC-7E5926047D46}" type="datetime1">
               <a:rPr lang="en-US" smtClean="0"/>
-              <a:t>9/3/2025</a:t>
+              <a:t>9/4/2025</a:t>
             </a:fld>
             <a:endParaRPr lang="en-US"/>
           </a:p>
@@ -11519,7 +11519,7 @@
           <a:p>
             <a:fld id="{A533CBE2-D5BE-47AC-ADC2-9CDFC1D0CF90}" type="datetime1">
               <a:rPr lang="en-US" smtClean="0"/>
-              <a:t>9/3/2025</a:t>
+              <a:t>9/4/2025</a:t>
             </a:fld>
             <a:endParaRPr lang="en-US"/>
           </a:p>
@@ -11820,7 +11820,7 @@
           <a:p>
             <a:fld id="{39B7EDB1-CE74-4951-85A2-0B01C2128E28}" type="datetime1">
               <a:rPr lang="en-US" smtClean="0"/>
-              <a:t>9/3/2025</a:t>
+              <a:t>9/4/2025</a:t>
             </a:fld>
             <a:endParaRPr lang="en-US"/>
           </a:p>
@@ -12268,7 +12268,7 @@
           <a:p>
             <a:fld id="{2BC7EB92-A5C2-4807-A9DC-9EDE6CBFB241}" type="datetime1">
               <a:rPr lang="en-US" smtClean="0"/>
-              <a:t>9/3/2025</a:t>
+              <a:t>9/4/2025</a:t>
             </a:fld>
             <a:endParaRPr lang="en-US"/>
           </a:p>
@@ -12381,7 +12381,7 @@
           <a:p>
             <a:fld id="{2B7B7EE0-7771-4CD5-9B2B-3550753A54A1}" type="datetime1">
               <a:rPr lang="en-US" smtClean="0"/>
-              <a:t>9/3/2025</a:t>
+              <a:t>9/4/2025</a:t>
             </a:fld>
             <a:endParaRPr lang="en-US"/>
           </a:p>
@@ -12692,7 +12692,7 @@
           <a:p>
             <a:fld id="{F8B318B3-0E87-4416-A9B8-D891968C2727}" type="datetime1">
               <a:rPr lang="en-US" smtClean="0"/>
-              <a:t>9/3/2025</a:t>
+              <a:t>9/4/2025</a:t>
             </a:fld>
             <a:endParaRPr lang="en-US"/>
           </a:p>
@@ -12933,7 +12933,7 @@
           <a:p>
             <a:fld id="{54D997E8-DDEE-43F1-8D9B-F8A1E11DE488}" type="datetime1">
               <a:rPr lang="en-US" smtClean="0"/>
-              <a:t>9/3/2025</a:t>
+              <a:t>9/4/2025</a:t>
             </a:fld>
             <a:endParaRPr lang="en-US"/>
           </a:p>
@@ -16235,7 +16235,7 @@
             <a:pPr lvl="1"/>
             <a:r>
               <a:rPr lang="en-US" dirty="0"/>
-              <a:t>Are these any times when I can’t use this system? (Availability) </a:t>
+              <a:t>Are there any times when I can’t use this system? (Availability) </a:t>
             </a:r>
           </a:p>
         </p:txBody>
